--- a/chap3_NeuralNetwork/img/img.pptx
+++ b/chap3_NeuralNetwork/img/img.pptx
@@ -16,6 +16,9 @@
     <p:sldId id="939" r:id="rId10"/>
     <p:sldId id="940" r:id="rId11"/>
     <p:sldId id="262" r:id="rId12"/>
+    <p:sldId id="941" r:id="rId13"/>
+    <p:sldId id="942" r:id="rId14"/>
+    <p:sldId id="943" r:id="rId15"/>
   </p:sldIdLst>
   <p:sldSz cx="12192000" cy="6858000"/>
   <p:notesSz cx="6858000" cy="9144000"/>
@@ -5213,14 +5216,14 @@
           <a:effectLst/>
           <a:extLst>
             <a:ext uri="{909E8E84-426E-40dd-AFC4-6F175D3DCCD1}">
-              <a14:hiddenFill xmlns="" xmlns:a14="http://schemas.microsoft.com/office/drawing/2010/main">
+              <a14:hiddenFill xmlns:a14="http://schemas.microsoft.com/office/drawing/2010/main" xmlns="">
                 <a:solidFill>
                   <a:schemeClr val="accent1"/>
                 </a:solidFill>
               </a14:hiddenFill>
             </a:ext>
             <a:ext uri="{91240B29-F687-4f45-9708-019B960494DF}">
-              <a14:hiddenLine xmlns="" xmlns:a14="http://schemas.microsoft.com/office/drawing/2010/main" w="9525">
+              <a14:hiddenLine xmlns:a14="http://schemas.microsoft.com/office/drawing/2010/main" xmlns="" w="9525">
                 <a:solidFill>
                   <a:schemeClr val="tx1"/>
                 </a:solidFill>
@@ -5230,7 +5233,7 @@
               </a14:hiddenLine>
             </a:ext>
             <a:ext uri="{AF507438-7753-43e0-B8FC-AC1667EBCBE1}">
-              <a14:hiddenEffects xmlns="" xmlns:a14="http://schemas.microsoft.com/office/drawing/2010/main">
+              <a14:hiddenEffects xmlns:a14="http://schemas.microsoft.com/office/drawing/2010/main" xmlns="">
                 <a:effectLst>
                   <a:outerShdw blurRad="63500" dist="38099" dir="2700000" algn="ctr" rotWithShape="0">
                     <a:schemeClr val="bg2">
@@ -5359,12 +5362,12 @@
           <a:effectLst/>
           <a:extLst>
             <a:ext uri="{909E8E84-426E-40dd-AFC4-6F175D3DCCD1}">
-              <a14:hiddenFill xmlns="" xmlns:a14="http://schemas.microsoft.com/office/drawing/2010/main">
+              <a14:hiddenFill xmlns:a14="http://schemas.microsoft.com/office/drawing/2010/main" xmlns="">
                 <a:noFill/>
               </a14:hiddenFill>
             </a:ext>
             <a:ext uri="{AF507438-7753-43e0-B8FC-AC1667EBCBE1}">
-              <a14:hiddenEffects xmlns="" xmlns:a14="http://schemas.microsoft.com/office/drawing/2010/main">
+              <a14:hiddenEffects xmlns:a14="http://schemas.microsoft.com/office/drawing/2010/main" xmlns="">
                 <a:effectLst>
                   <a:outerShdw blurRad="63500" dist="38099" dir="2700000" algn="ctr" rotWithShape="0">
                     <a:schemeClr val="bg2">
@@ -5423,12 +5426,12 @@
           <a:effectLst/>
           <a:extLst>
             <a:ext uri="{909E8E84-426E-40dd-AFC4-6F175D3DCCD1}">
-              <a14:hiddenFill xmlns="" xmlns:a14="http://schemas.microsoft.com/office/drawing/2010/main">
+              <a14:hiddenFill xmlns:a14="http://schemas.microsoft.com/office/drawing/2010/main" xmlns="">
                 <a:noFill/>
               </a14:hiddenFill>
             </a:ext>
             <a:ext uri="{AF507438-7753-43e0-B8FC-AC1667EBCBE1}">
-              <a14:hiddenEffects xmlns="" xmlns:a14="http://schemas.microsoft.com/office/drawing/2010/main">
+              <a14:hiddenEffects xmlns:a14="http://schemas.microsoft.com/office/drawing/2010/main" xmlns="">
                 <a:effectLst>
                   <a:outerShdw blurRad="63500" dist="38099" dir="2700000" algn="ctr" rotWithShape="0">
                     <a:schemeClr val="bg2">
@@ -5487,12 +5490,12 @@
           <a:effectLst/>
           <a:extLst>
             <a:ext uri="{909E8E84-426E-40dd-AFC4-6F175D3DCCD1}">
-              <a14:hiddenFill xmlns="" xmlns:a14="http://schemas.microsoft.com/office/drawing/2010/main">
+              <a14:hiddenFill xmlns:a14="http://schemas.microsoft.com/office/drawing/2010/main" xmlns="">
                 <a:noFill/>
               </a14:hiddenFill>
             </a:ext>
             <a:ext uri="{AF507438-7753-43e0-B8FC-AC1667EBCBE1}">
-              <a14:hiddenEffects xmlns="" xmlns:a14="http://schemas.microsoft.com/office/drawing/2010/main">
+              <a14:hiddenEffects xmlns:a14="http://schemas.microsoft.com/office/drawing/2010/main" xmlns="">
                 <a:effectLst>
                   <a:outerShdw blurRad="63500" dist="38099" dir="2700000" algn="ctr" rotWithShape="0">
                     <a:schemeClr val="bg2">
@@ -5551,12 +5554,12 @@
           <a:effectLst/>
           <a:extLst>
             <a:ext uri="{909E8E84-426E-40dd-AFC4-6F175D3DCCD1}">
-              <a14:hiddenFill xmlns="" xmlns:a14="http://schemas.microsoft.com/office/drawing/2010/main">
+              <a14:hiddenFill xmlns:a14="http://schemas.microsoft.com/office/drawing/2010/main" xmlns="">
                 <a:noFill/>
               </a14:hiddenFill>
             </a:ext>
             <a:ext uri="{AF507438-7753-43e0-B8FC-AC1667EBCBE1}">
-              <a14:hiddenEffects xmlns="" xmlns:a14="http://schemas.microsoft.com/office/drawing/2010/main">
+              <a14:hiddenEffects xmlns:a14="http://schemas.microsoft.com/office/drawing/2010/main" xmlns="">
                 <a:effectLst>
                   <a:outerShdw blurRad="63500" dist="38099" dir="2700000" algn="ctr" rotWithShape="0">
                     <a:schemeClr val="bg2">
@@ -5617,7 +5620,7 @@
           <a:effectLst/>
           <a:extLst>
             <a:ext uri="{AF507438-7753-43e0-B8FC-AC1667EBCBE1}">
-              <a14:hiddenEffects xmlns="" xmlns:a14="http://schemas.microsoft.com/office/drawing/2010/main">
+              <a14:hiddenEffects xmlns:a14="http://schemas.microsoft.com/office/drawing/2010/main" xmlns="">
                 <a:effectLst>
                   <a:outerShdw blurRad="63500" dist="38099" dir="2700000" algn="ctr" rotWithShape="0">
                     <a:schemeClr val="bg2">
@@ -5678,7 +5681,7 @@
           <a:effectLst/>
           <a:extLst>
             <a:ext uri="{AF507438-7753-43e0-B8FC-AC1667EBCBE1}">
-              <a14:hiddenEffects xmlns="" xmlns:a14="http://schemas.microsoft.com/office/drawing/2010/main">
+              <a14:hiddenEffects xmlns:a14="http://schemas.microsoft.com/office/drawing/2010/main" xmlns="">
                 <a:effectLst>
                   <a:outerShdw blurRad="63500" dist="38099" dir="2700000" algn="ctr" rotWithShape="0">
                     <a:schemeClr val="bg2">
@@ -5739,7 +5742,7 @@
           <a:effectLst/>
           <a:extLst>
             <a:ext uri="{AF507438-7753-43e0-B8FC-AC1667EBCBE1}">
-              <a14:hiddenEffects xmlns="" xmlns:a14="http://schemas.microsoft.com/office/drawing/2010/main">
+              <a14:hiddenEffects xmlns:a14="http://schemas.microsoft.com/office/drawing/2010/main" xmlns="">
                 <a:effectLst>
                   <a:outerShdw blurRad="63500" dist="38099" dir="2700000" algn="ctr" rotWithShape="0">
                     <a:schemeClr val="bg2">
@@ -5800,7 +5803,7 @@
           <a:effectLst/>
           <a:extLst>
             <a:ext uri="{AF507438-7753-43e0-B8FC-AC1667EBCBE1}">
-              <a14:hiddenEffects xmlns="" xmlns:a14="http://schemas.microsoft.com/office/drawing/2010/main">
+              <a14:hiddenEffects xmlns:a14="http://schemas.microsoft.com/office/drawing/2010/main" xmlns="">
                 <a:effectLst>
                   <a:outerShdw blurRad="63500" dist="38099" dir="2700000" algn="ctr" rotWithShape="0">
                     <a:schemeClr val="bg2">
@@ -5861,7 +5864,7 @@
           <a:effectLst/>
           <a:extLst>
             <a:ext uri="{AF507438-7753-43e0-B8FC-AC1667EBCBE1}">
-              <a14:hiddenEffects xmlns="" xmlns:a14="http://schemas.microsoft.com/office/drawing/2010/main">
+              <a14:hiddenEffects xmlns:a14="http://schemas.microsoft.com/office/drawing/2010/main" xmlns="">
                 <a:effectLst>
                   <a:outerShdw blurRad="63500" dist="38099" dir="2700000" algn="ctr" rotWithShape="0">
                     <a:schemeClr val="bg2">
@@ -5922,12 +5925,12 @@
           <a:effectLst/>
           <a:extLst>
             <a:ext uri="{909E8E84-426E-40dd-AFC4-6F175D3DCCD1}">
-              <a14:hiddenFill xmlns="" xmlns:a14="http://schemas.microsoft.com/office/drawing/2010/main">
+              <a14:hiddenFill xmlns:a14="http://schemas.microsoft.com/office/drawing/2010/main" xmlns="">
                 <a:noFill/>
               </a14:hiddenFill>
             </a:ext>
             <a:ext uri="{AF507438-7753-43e0-B8FC-AC1667EBCBE1}">
-              <a14:hiddenEffects xmlns="" xmlns:a14="http://schemas.microsoft.com/office/drawing/2010/main">
+              <a14:hiddenEffects xmlns:a14="http://schemas.microsoft.com/office/drawing/2010/main" xmlns="">
                 <a:effectLst>
                   <a:outerShdw blurRad="63500" dist="38099" dir="2700000" algn="ctr" rotWithShape="0">
                     <a:schemeClr val="bg2">
@@ -5976,12 +5979,12 @@
           <a:effectLst/>
           <a:extLst>
             <a:ext uri="{909E8E84-426E-40dd-AFC4-6F175D3DCCD1}">
-              <a14:hiddenFill xmlns="" xmlns:a14="http://schemas.microsoft.com/office/drawing/2010/main">
+              <a14:hiddenFill xmlns:a14="http://schemas.microsoft.com/office/drawing/2010/main" xmlns="">
                 <a:noFill/>
               </a14:hiddenFill>
             </a:ext>
             <a:ext uri="{AF507438-7753-43e0-B8FC-AC1667EBCBE1}">
-              <a14:hiddenEffects xmlns="" xmlns:a14="http://schemas.microsoft.com/office/drawing/2010/main">
+              <a14:hiddenEffects xmlns:a14="http://schemas.microsoft.com/office/drawing/2010/main" xmlns="">
                 <a:effectLst>
                   <a:outerShdw blurRad="63500" dist="38099" dir="2700000" algn="ctr" rotWithShape="0">
                     <a:schemeClr val="bg2">
@@ -6030,12 +6033,12 @@
           <a:effectLst/>
           <a:extLst>
             <a:ext uri="{909E8E84-426E-40dd-AFC4-6F175D3DCCD1}">
-              <a14:hiddenFill xmlns="" xmlns:a14="http://schemas.microsoft.com/office/drawing/2010/main">
+              <a14:hiddenFill xmlns:a14="http://schemas.microsoft.com/office/drawing/2010/main" xmlns="">
                 <a:noFill/>
               </a14:hiddenFill>
             </a:ext>
             <a:ext uri="{AF507438-7753-43e0-B8FC-AC1667EBCBE1}">
-              <a14:hiddenEffects xmlns="" xmlns:a14="http://schemas.microsoft.com/office/drawing/2010/main">
+              <a14:hiddenEffects xmlns:a14="http://schemas.microsoft.com/office/drawing/2010/main" xmlns="">
                 <a:effectLst>
                   <a:outerShdw blurRad="63500" dist="38099" dir="2700000" algn="ctr" rotWithShape="0">
                     <a:schemeClr val="bg2">
@@ -6084,12 +6087,12 @@
           <a:effectLst/>
           <a:extLst>
             <a:ext uri="{909E8E84-426E-40dd-AFC4-6F175D3DCCD1}">
-              <a14:hiddenFill xmlns="" xmlns:a14="http://schemas.microsoft.com/office/drawing/2010/main">
+              <a14:hiddenFill xmlns:a14="http://schemas.microsoft.com/office/drawing/2010/main" xmlns="">
                 <a:noFill/>
               </a14:hiddenFill>
             </a:ext>
             <a:ext uri="{AF507438-7753-43e0-B8FC-AC1667EBCBE1}">
-              <a14:hiddenEffects xmlns="" xmlns:a14="http://schemas.microsoft.com/office/drawing/2010/main">
+              <a14:hiddenEffects xmlns:a14="http://schemas.microsoft.com/office/drawing/2010/main" xmlns="">
                 <a:effectLst>
                   <a:outerShdw blurRad="63500" dist="38099" dir="2700000" algn="ctr" rotWithShape="0">
                     <a:schemeClr val="bg2">
@@ -6138,12 +6141,12 @@
           <a:effectLst/>
           <a:extLst>
             <a:ext uri="{909E8E84-426E-40dd-AFC4-6F175D3DCCD1}">
-              <a14:hiddenFill xmlns="" xmlns:a14="http://schemas.microsoft.com/office/drawing/2010/main">
+              <a14:hiddenFill xmlns:a14="http://schemas.microsoft.com/office/drawing/2010/main" xmlns="">
                 <a:noFill/>
               </a14:hiddenFill>
             </a:ext>
             <a:ext uri="{AF507438-7753-43e0-B8FC-AC1667EBCBE1}">
-              <a14:hiddenEffects xmlns="" xmlns:a14="http://schemas.microsoft.com/office/drawing/2010/main">
+              <a14:hiddenEffects xmlns:a14="http://schemas.microsoft.com/office/drawing/2010/main" xmlns="">
                 <a:effectLst>
                   <a:outerShdw blurRad="63500" dist="38099" dir="2700000" algn="ctr" rotWithShape="0">
                     <a:schemeClr val="bg2">
@@ -6192,12 +6195,12 @@
           <a:effectLst/>
           <a:extLst>
             <a:ext uri="{909E8E84-426E-40dd-AFC4-6F175D3DCCD1}">
-              <a14:hiddenFill xmlns="" xmlns:a14="http://schemas.microsoft.com/office/drawing/2010/main">
+              <a14:hiddenFill xmlns:a14="http://schemas.microsoft.com/office/drawing/2010/main" xmlns="">
                 <a:noFill/>
               </a14:hiddenFill>
             </a:ext>
             <a:ext uri="{AF507438-7753-43e0-B8FC-AC1667EBCBE1}">
-              <a14:hiddenEffects xmlns="" xmlns:a14="http://schemas.microsoft.com/office/drawing/2010/main">
+              <a14:hiddenEffects xmlns:a14="http://schemas.microsoft.com/office/drawing/2010/main" xmlns="">
                 <a:effectLst>
                   <a:outerShdw blurRad="63500" dist="38099" dir="2700000" algn="ctr" rotWithShape="0">
                     <a:schemeClr val="bg2">
@@ -6244,12 +6247,12 @@
           <a:effectLst/>
           <a:extLst>
             <a:ext uri="{909E8E84-426E-40dd-AFC4-6F175D3DCCD1}">
-              <a14:hiddenFill xmlns="" xmlns:a14="http://schemas.microsoft.com/office/drawing/2010/main">
+              <a14:hiddenFill xmlns:a14="http://schemas.microsoft.com/office/drawing/2010/main" xmlns="">
                 <a:noFill/>
               </a14:hiddenFill>
             </a:ext>
             <a:ext uri="{AF507438-7753-43e0-B8FC-AC1667EBCBE1}">
-              <a14:hiddenEffects xmlns="" xmlns:a14="http://schemas.microsoft.com/office/drawing/2010/main">
+              <a14:hiddenEffects xmlns:a14="http://schemas.microsoft.com/office/drawing/2010/main" xmlns="">
                 <a:effectLst>
                   <a:outerShdw blurRad="63500" dist="38099" dir="2700000" algn="ctr" rotWithShape="0">
                     <a:schemeClr val="bg2">
@@ -6308,12 +6311,12 @@
           <a:effectLst/>
           <a:extLst>
             <a:ext uri="{909E8E84-426E-40dd-AFC4-6F175D3DCCD1}">
-              <a14:hiddenFill xmlns="" xmlns:a14="http://schemas.microsoft.com/office/drawing/2010/main">
+              <a14:hiddenFill xmlns:a14="http://schemas.microsoft.com/office/drawing/2010/main" xmlns="">
                 <a:noFill/>
               </a14:hiddenFill>
             </a:ext>
             <a:ext uri="{AF507438-7753-43e0-B8FC-AC1667EBCBE1}">
-              <a14:hiddenEffects xmlns="" xmlns:a14="http://schemas.microsoft.com/office/drawing/2010/main">
+              <a14:hiddenEffects xmlns:a14="http://schemas.microsoft.com/office/drawing/2010/main" xmlns="">
                 <a:effectLst>
                   <a:outerShdw blurRad="63500" dist="38099" dir="2700000" algn="ctr" rotWithShape="0">
                     <a:schemeClr val="bg2">
@@ -6372,12 +6375,12 @@
           <a:effectLst/>
           <a:extLst>
             <a:ext uri="{909E8E84-426E-40dd-AFC4-6F175D3DCCD1}">
-              <a14:hiddenFill xmlns="" xmlns:a14="http://schemas.microsoft.com/office/drawing/2010/main">
+              <a14:hiddenFill xmlns:a14="http://schemas.microsoft.com/office/drawing/2010/main" xmlns="">
                 <a:noFill/>
               </a14:hiddenFill>
             </a:ext>
             <a:ext uri="{AF507438-7753-43e0-B8FC-AC1667EBCBE1}">
-              <a14:hiddenEffects xmlns="" xmlns:a14="http://schemas.microsoft.com/office/drawing/2010/main">
+              <a14:hiddenEffects xmlns:a14="http://schemas.microsoft.com/office/drawing/2010/main" xmlns="">
                 <a:effectLst>
                   <a:outerShdw blurRad="63500" dist="38099" dir="2700000" algn="ctr" rotWithShape="0">
                     <a:schemeClr val="bg2">
@@ -6431,14 +6434,14 @@
           <a:effectLst/>
           <a:extLst>
             <a:ext uri="{909E8E84-426E-40dd-AFC4-6F175D3DCCD1}">
-              <a14:hiddenFill xmlns="" xmlns:a14="http://schemas.microsoft.com/office/drawing/2010/main">
+              <a14:hiddenFill xmlns:a14="http://schemas.microsoft.com/office/drawing/2010/main" xmlns="">
                 <a:solidFill>
                   <a:schemeClr val="accent1"/>
                 </a:solidFill>
               </a14:hiddenFill>
             </a:ext>
             <a:ext uri="{91240B29-F687-4f45-9708-019B960494DF}">
-              <a14:hiddenLine xmlns="" xmlns:a14="http://schemas.microsoft.com/office/drawing/2010/main" w="9525">
+              <a14:hiddenLine xmlns:a14="http://schemas.microsoft.com/office/drawing/2010/main" xmlns="" w="9525">
                 <a:solidFill>
                   <a:schemeClr val="tx1"/>
                 </a:solidFill>
@@ -6448,7 +6451,7 @@
               </a14:hiddenLine>
             </a:ext>
             <a:ext uri="{AF507438-7753-43e0-B8FC-AC1667EBCBE1}">
-              <a14:hiddenEffects xmlns="" xmlns:a14="http://schemas.microsoft.com/office/drawing/2010/main">
+              <a14:hiddenEffects xmlns:a14="http://schemas.microsoft.com/office/drawing/2010/main" xmlns="">
                 <a:effectLst>
                   <a:outerShdw blurRad="63500" dist="38099" dir="2700000" algn="ctr" rotWithShape="0">
                     <a:schemeClr val="bg2">
@@ -6508,14 +6511,14 @@
           <a:effectLst/>
           <a:extLst>
             <a:ext uri="{909E8E84-426E-40dd-AFC4-6F175D3DCCD1}">
-              <a14:hiddenFill xmlns="" xmlns:a14="http://schemas.microsoft.com/office/drawing/2010/main">
+              <a14:hiddenFill xmlns:a14="http://schemas.microsoft.com/office/drawing/2010/main" xmlns="">
                 <a:solidFill>
                   <a:schemeClr val="accent1"/>
                 </a:solidFill>
               </a14:hiddenFill>
             </a:ext>
             <a:ext uri="{91240B29-F687-4f45-9708-019B960494DF}">
-              <a14:hiddenLine xmlns="" xmlns:a14="http://schemas.microsoft.com/office/drawing/2010/main" w="9525">
+              <a14:hiddenLine xmlns:a14="http://schemas.microsoft.com/office/drawing/2010/main" xmlns="" w="9525">
                 <a:solidFill>
                   <a:schemeClr val="tx1"/>
                 </a:solidFill>
@@ -6525,7 +6528,7 @@
               </a14:hiddenLine>
             </a:ext>
             <a:ext uri="{AF507438-7753-43e0-B8FC-AC1667EBCBE1}">
-              <a14:hiddenEffects xmlns="" xmlns:a14="http://schemas.microsoft.com/office/drawing/2010/main">
+              <a14:hiddenEffects xmlns:a14="http://schemas.microsoft.com/office/drawing/2010/main" xmlns="">
                 <a:effectLst>
                   <a:outerShdw blurRad="63500" dist="38099" dir="2700000" algn="ctr" rotWithShape="0">
                     <a:schemeClr val="bg2">
@@ -6585,14 +6588,14 @@
           <a:effectLst/>
           <a:extLst>
             <a:ext uri="{909E8E84-426E-40dd-AFC4-6F175D3DCCD1}">
-              <a14:hiddenFill xmlns="" xmlns:a14="http://schemas.microsoft.com/office/drawing/2010/main">
+              <a14:hiddenFill xmlns:a14="http://schemas.microsoft.com/office/drawing/2010/main" xmlns="">
                 <a:solidFill>
                   <a:schemeClr val="accent1"/>
                 </a:solidFill>
               </a14:hiddenFill>
             </a:ext>
             <a:ext uri="{91240B29-F687-4f45-9708-019B960494DF}">
-              <a14:hiddenLine xmlns="" xmlns:a14="http://schemas.microsoft.com/office/drawing/2010/main" w="9525">
+              <a14:hiddenLine xmlns:a14="http://schemas.microsoft.com/office/drawing/2010/main" xmlns="" w="9525">
                 <a:solidFill>
                   <a:schemeClr val="tx1"/>
                 </a:solidFill>
@@ -6602,7 +6605,7 @@
               </a14:hiddenLine>
             </a:ext>
             <a:ext uri="{AF507438-7753-43e0-B8FC-AC1667EBCBE1}">
-              <a14:hiddenEffects xmlns="" xmlns:a14="http://schemas.microsoft.com/office/drawing/2010/main">
+              <a14:hiddenEffects xmlns:a14="http://schemas.microsoft.com/office/drawing/2010/main" xmlns="">
                 <a:effectLst>
                   <a:outerShdw blurRad="63500" dist="38099" dir="2700000" algn="ctr" rotWithShape="0">
                     <a:schemeClr val="bg2">
@@ -6662,14 +6665,14 @@
           <a:effectLst/>
           <a:extLst>
             <a:ext uri="{909E8E84-426E-40dd-AFC4-6F175D3DCCD1}">
-              <a14:hiddenFill xmlns="" xmlns:a14="http://schemas.microsoft.com/office/drawing/2010/main">
+              <a14:hiddenFill xmlns:a14="http://schemas.microsoft.com/office/drawing/2010/main" xmlns="">
                 <a:solidFill>
                   <a:schemeClr val="accent1"/>
                 </a:solidFill>
               </a14:hiddenFill>
             </a:ext>
             <a:ext uri="{91240B29-F687-4f45-9708-019B960494DF}">
-              <a14:hiddenLine xmlns="" xmlns:a14="http://schemas.microsoft.com/office/drawing/2010/main" w="9525">
+              <a14:hiddenLine xmlns:a14="http://schemas.microsoft.com/office/drawing/2010/main" xmlns="" w="9525">
                 <a:solidFill>
                   <a:schemeClr val="tx1"/>
                 </a:solidFill>
@@ -6679,7 +6682,7 @@
               </a14:hiddenLine>
             </a:ext>
             <a:ext uri="{AF507438-7753-43e0-B8FC-AC1667EBCBE1}">
-              <a14:hiddenEffects xmlns="" xmlns:a14="http://schemas.microsoft.com/office/drawing/2010/main">
+              <a14:hiddenEffects xmlns:a14="http://schemas.microsoft.com/office/drawing/2010/main" xmlns="">
                 <a:effectLst>
                   <a:outerShdw blurRad="63500" dist="38099" dir="2700000" algn="ctr" rotWithShape="0">
                     <a:schemeClr val="bg2">
@@ -6739,14 +6742,14 @@
           <a:effectLst/>
           <a:extLst>
             <a:ext uri="{909E8E84-426E-40dd-AFC4-6F175D3DCCD1}">
-              <a14:hiddenFill xmlns="" xmlns:a14="http://schemas.microsoft.com/office/drawing/2010/main">
+              <a14:hiddenFill xmlns:a14="http://schemas.microsoft.com/office/drawing/2010/main" xmlns="">
                 <a:solidFill>
                   <a:schemeClr val="accent1"/>
                 </a:solidFill>
               </a14:hiddenFill>
             </a:ext>
             <a:ext uri="{91240B29-F687-4f45-9708-019B960494DF}">
-              <a14:hiddenLine xmlns="" xmlns:a14="http://schemas.microsoft.com/office/drawing/2010/main" w="9525">
+              <a14:hiddenLine xmlns:a14="http://schemas.microsoft.com/office/drawing/2010/main" xmlns="" w="9525">
                 <a:solidFill>
                   <a:schemeClr val="tx1"/>
                 </a:solidFill>
@@ -6756,7 +6759,7 @@
               </a14:hiddenLine>
             </a:ext>
             <a:ext uri="{AF507438-7753-43e0-B8FC-AC1667EBCBE1}">
-              <a14:hiddenEffects xmlns="" xmlns:a14="http://schemas.microsoft.com/office/drawing/2010/main">
+              <a14:hiddenEffects xmlns:a14="http://schemas.microsoft.com/office/drawing/2010/main" xmlns="">
                 <a:effectLst>
                   <a:outerShdw blurRad="63500" dist="38099" dir="2700000" algn="ctr" rotWithShape="0">
                     <a:schemeClr val="bg2">
@@ -6816,14 +6819,14 @@
           <a:effectLst/>
           <a:extLst>
             <a:ext uri="{909E8E84-426E-40dd-AFC4-6F175D3DCCD1}">
-              <a14:hiddenFill xmlns="" xmlns:a14="http://schemas.microsoft.com/office/drawing/2010/main">
+              <a14:hiddenFill xmlns:a14="http://schemas.microsoft.com/office/drawing/2010/main" xmlns="">
                 <a:solidFill>
                   <a:schemeClr val="accent1"/>
                 </a:solidFill>
               </a14:hiddenFill>
             </a:ext>
             <a:ext uri="{91240B29-F687-4f45-9708-019B960494DF}">
-              <a14:hiddenLine xmlns="" xmlns:a14="http://schemas.microsoft.com/office/drawing/2010/main" w="9525">
+              <a14:hiddenLine xmlns:a14="http://schemas.microsoft.com/office/drawing/2010/main" xmlns="" w="9525">
                 <a:solidFill>
                   <a:schemeClr val="tx1"/>
                 </a:solidFill>
@@ -6833,7 +6836,7 @@
               </a14:hiddenLine>
             </a:ext>
             <a:ext uri="{AF507438-7753-43e0-B8FC-AC1667EBCBE1}">
-              <a14:hiddenEffects xmlns="" xmlns:a14="http://schemas.microsoft.com/office/drawing/2010/main">
+              <a14:hiddenEffects xmlns:a14="http://schemas.microsoft.com/office/drawing/2010/main" xmlns="">
                 <a:effectLst>
                   <a:outerShdw blurRad="63500" dist="38099" dir="2700000" algn="ctr" rotWithShape="0">
                     <a:schemeClr val="bg2">
@@ -6893,14 +6896,14 @@
           <a:effectLst/>
           <a:extLst>
             <a:ext uri="{909E8E84-426E-40dd-AFC4-6F175D3DCCD1}">
-              <a14:hiddenFill xmlns="" xmlns:a14="http://schemas.microsoft.com/office/drawing/2010/main">
+              <a14:hiddenFill xmlns:a14="http://schemas.microsoft.com/office/drawing/2010/main" xmlns="">
                 <a:solidFill>
                   <a:schemeClr val="accent1"/>
                 </a:solidFill>
               </a14:hiddenFill>
             </a:ext>
             <a:ext uri="{91240B29-F687-4f45-9708-019B960494DF}">
-              <a14:hiddenLine xmlns="" xmlns:a14="http://schemas.microsoft.com/office/drawing/2010/main" w="9525">
+              <a14:hiddenLine xmlns:a14="http://schemas.microsoft.com/office/drawing/2010/main" xmlns="" w="9525">
                 <a:solidFill>
                   <a:schemeClr val="tx1"/>
                 </a:solidFill>
@@ -6910,7 +6913,7 @@
               </a14:hiddenLine>
             </a:ext>
             <a:ext uri="{AF507438-7753-43e0-B8FC-AC1667EBCBE1}">
-              <a14:hiddenEffects xmlns="" xmlns:a14="http://schemas.microsoft.com/office/drawing/2010/main">
+              <a14:hiddenEffects xmlns:a14="http://schemas.microsoft.com/office/drawing/2010/main" xmlns="">
                 <a:effectLst>
                   <a:outerShdw blurRad="63500" dist="38099" dir="2700000" algn="ctr" rotWithShape="0">
                     <a:schemeClr val="bg2">
@@ -6970,14 +6973,14 @@
           <a:effectLst/>
           <a:extLst>
             <a:ext uri="{909E8E84-426E-40dd-AFC4-6F175D3DCCD1}">
-              <a14:hiddenFill xmlns="" xmlns:a14="http://schemas.microsoft.com/office/drawing/2010/main">
+              <a14:hiddenFill xmlns:a14="http://schemas.microsoft.com/office/drawing/2010/main" xmlns="">
                 <a:solidFill>
                   <a:schemeClr val="accent1"/>
                 </a:solidFill>
               </a14:hiddenFill>
             </a:ext>
             <a:ext uri="{91240B29-F687-4f45-9708-019B960494DF}">
-              <a14:hiddenLine xmlns="" xmlns:a14="http://schemas.microsoft.com/office/drawing/2010/main" w="9525">
+              <a14:hiddenLine xmlns:a14="http://schemas.microsoft.com/office/drawing/2010/main" xmlns="" w="9525">
                 <a:solidFill>
                   <a:schemeClr val="tx1"/>
                 </a:solidFill>
@@ -6987,7 +6990,7 @@
               </a14:hiddenLine>
             </a:ext>
             <a:ext uri="{AF507438-7753-43e0-B8FC-AC1667EBCBE1}">
-              <a14:hiddenEffects xmlns="" xmlns:a14="http://schemas.microsoft.com/office/drawing/2010/main">
+              <a14:hiddenEffects xmlns:a14="http://schemas.microsoft.com/office/drawing/2010/main" xmlns="">
                 <a:effectLst>
                   <a:outerShdw blurRad="63500" dist="38099" dir="2700000" algn="ctr" rotWithShape="0">
                     <a:schemeClr val="bg2">
@@ -7047,14 +7050,14 @@
           <a:effectLst/>
           <a:extLst>
             <a:ext uri="{909E8E84-426E-40dd-AFC4-6F175D3DCCD1}">
-              <a14:hiddenFill xmlns="" xmlns:a14="http://schemas.microsoft.com/office/drawing/2010/main">
+              <a14:hiddenFill xmlns:a14="http://schemas.microsoft.com/office/drawing/2010/main" xmlns="">
                 <a:solidFill>
                   <a:schemeClr val="accent1"/>
                 </a:solidFill>
               </a14:hiddenFill>
             </a:ext>
             <a:ext uri="{91240B29-F687-4f45-9708-019B960494DF}">
-              <a14:hiddenLine xmlns="" xmlns:a14="http://schemas.microsoft.com/office/drawing/2010/main" w="9525">
+              <a14:hiddenLine xmlns:a14="http://schemas.microsoft.com/office/drawing/2010/main" xmlns="" w="9525">
                 <a:solidFill>
                   <a:schemeClr val="tx1"/>
                 </a:solidFill>
@@ -7064,7 +7067,7 @@
               </a14:hiddenLine>
             </a:ext>
             <a:ext uri="{AF507438-7753-43e0-B8FC-AC1667EBCBE1}">
-              <a14:hiddenEffects xmlns="" xmlns:a14="http://schemas.microsoft.com/office/drawing/2010/main">
+              <a14:hiddenEffects xmlns:a14="http://schemas.microsoft.com/office/drawing/2010/main" xmlns="">
                 <a:effectLst>
                   <a:outerShdw blurRad="63500" dist="38099" dir="2700000" algn="ctr" rotWithShape="0">
                     <a:schemeClr val="bg2">
@@ -7124,14 +7127,14 @@
           <a:effectLst/>
           <a:extLst>
             <a:ext uri="{909E8E84-426E-40dd-AFC4-6F175D3DCCD1}">
-              <a14:hiddenFill xmlns="" xmlns:a14="http://schemas.microsoft.com/office/drawing/2010/main">
+              <a14:hiddenFill xmlns:a14="http://schemas.microsoft.com/office/drawing/2010/main" xmlns="">
                 <a:solidFill>
                   <a:schemeClr val="accent1"/>
                 </a:solidFill>
               </a14:hiddenFill>
             </a:ext>
             <a:ext uri="{91240B29-F687-4f45-9708-019B960494DF}">
-              <a14:hiddenLine xmlns="" xmlns:a14="http://schemas.microsoft.com/office/drawing/2010/main" w="9525">
+              <a14:hiddenLine xmlns:a14="http://schemas.microsoft.com/office/drawing/2010/main" xmlns="" w="9525">
                 <a:solidFill>
                   <a:schemeClr val="tx1"/>
                 </a:solidFill>
@@ -7141,7 +7144,7 @@
               </a14:hiddenLine>
             </a:ext>
             <a:ext uri="{AF507438-7753-43e0-B8FC-AC1667EBCBE1}">
-              <a14:hiddenEffects xmlns="" xmlns:a14="http://schemas.microsoft.com/office/drawing/2010/main">
+              <a14:hiddenEffects xmlns:a14="http://schemas.microsoft.com/office/drawing/2010/main" xmlns="">
                 <a:effectLst>
                   <a:outerShdw blurRad="63500" dist="38099" dir="2700000" algn="ctr" rotWithShape="0">
                     <a:schemeClr val="bg2">
@@ -7201,14 +7204,14 @@
           <a:effectLst/>
           <a:extLst>
             <a:ext uri="{909E8E84-426E-40dd-AFC4-6F175D3DCCD1}">
-              <a14:hiddenFill xmlns="" xmlns:a14="http://schemas.microsoft.com/office/drawing/2010/main">
+              <a14:hiddenFill xmlns:a14="http://schemas.microsoft.com/office/drawing/2010/main" xmlns="">
                 <a:solidFill>
                   <a:schemeClr val="accent1"/>
                 </a:solidFill>
               </a14:hiddenFill>
             </a:ext>
             <a:ext uri="{91240B29-F687-4f45-9708-019B960494DF}">
-              <a14:hiddenLine xmlns="" xmlns:a14="http://schemas.microsoft.com/office/drawing/2010/main" w="9525">
+              <a14:hiddenLine xmlns:a14="http://schemas.microsoft.com/office/drawing/2010/main" xmlns="" w="9525">
                 <a:solidFill>
                   <a:schemeClr val="tx1"/>
                 </a:solidFill>
@@ -7218,7 +7221,7 @@
               </a14:hiddenLine>
             </a:ext>
             <a:ext uri="{AF507438-7753-43e0-B8FC-AC1667EBCBE1}">
-              <a14:hiddenEffects xmlns="" xmlns:a14="http://schemas.microsoft.com/office/drawing/2010/main">
+              <a14:hiddenEffects xmlns:a14="http://schemas.microsoft.com/office/drawing/2010/main" xmlns="">
                 <a:effectLst>
                   <a:outerShdw blurRad="63500" dist="38099" dir="2700000" algn="ctr" rotWithShape="0">
                     <a:schemeClr val="bg2">
@@ -7278,14 +7281,14 @@
           <a:effectLst/>
           <a:extLst>
             <a:ext uri="{909E8E84-426E-40dd-AFC4-6F175D3DCCD1}">
-              <a14:hiddenFill xmlns="" xmlns:a14="http://schemas.microsoft.com/office/drawing/2010/main">
+              <a14:hiddenFill xmlns:a14="http://schemas.microsoft.com/office/drawing/2010/main" xmlns="">
                 <a:solidFill>
                   <a:schemeClr val="accent1"/>
                 </a:solidFill>
               </a14:hiddenFill>
             </a:ext>
             <a:ext uri="{91240B29-F687-4f45-9708-019B960494DF}">
-              <a14:hiddenLine xmlns="" xmlns:a14="http://schemas.microsoft.com/office/drawing/2010/main" w="9525">
+              <a14:hiddenLine xmlns:a14="http://schemas.microsoft.com/office/drawing/2010/main" xmlns="" w="9525">
                 <a:solidFill>
                   <a:schemeClr val="tx1"/>
                 </a:solidFill>
@@ -7295,7 +7298,7 @@
               </a14:hiddenLine>
             </a:ext>
             <a:ext uri="{AF507438-7753-43e0-B8FC-AC1667EBCBE1}">
-              <a14:hiddenEffects xmlns="" xmlns:a14="http://schemas.microsoft.com/office/drawing/2010/main">
+              <a14:hiddenEffects xmlns:a14="http://schemas.microsoft.com/office/drawing/2010/main" xmlns="">
                 <a:effectLst>
                   <a:outerShdw blurRad="63500" dist="38099" dir="2700000" algn="ctr" rotWithShape="0">
                     <a:schemeClr val="bg2">
@@ -7355,14 +7358,14 @@
           <a:effectLst/>
           <a:extLst>
             <a:ext uri="{909E8E84-426E-40dd-AFC4-6F175D3DCCD1}">
-              <a14:hiddenFill xmlns="" xmlns:a14="http://schemas.microsoft.com/office/drawing/2010/main">
+              <a14:hiddenFill xmlns:a14="http://schemas.microsoft.com/office/drawing/2010/main" xmlns="">
                 <a:solidFill>
                   <a:schemeClr val="accent1"/>
                 </a:solidFill>
               </a14:hiddenFill>
             </a:ext>
             <a:ext uri="{91240B29-F687-4f45-9708-019B960494DF}">
-              <a14:hiddenLine xmlns="" xmlns:a14="http://schemas.microsoft.com/office/drawing/2010/main" w="9525">
+              <a14:hiddenLine xmlns:a14="http://schemas.microsoft.com/office/drawing/2010/main" xmlns="" w="9525">
                 <a:solidFill>
                   <a:schemeClr val="tx1"/>
                 </a:solidFill>
@@ -7372,7 +7375,7 @@
               </a14:hiddenLine>
             </a:ext>
             <a:ext uri="{AF507438-7753-43e0-B8FC-AC1667EBCBE1}">
-              <a14:hiddenEffects xmlns="" xmlns:a14="http://schemas.microsoft.com/office/drawing/2010/main">
+              <a14:hiddenEffects xmlns:a14="http://schemas.microsoft.com/office/drawing/2010/main" xmlns="">
                 <a:effectLst>
                   <a:outerShdw blurRad="63500" dist="38099" dir="2700000" algn="ctr" rotWithShape="0">
                     <a:schemeClr val="bg2">
@@ -7432,14 +7435,14 @@
           <a:effectLst/>
           <a:extLst>
             <a:ext uri="{909E8E84-426E-40dd-AFC4-6F175D3DCCD1}">
-              <a14:hiddenFill xmlns="" xmlns:a14="http://schemas.microsoft.com/office/drawing/2010/main">
+              <a14:hiddenFill xmlns:a14="http://schemas.microsoft.com/office/drawing/2010/main" xmlns="">
                 <a:solidFill>
                   <a:schemeClr val="accent1"/>
                 </a:solidFill>
               </a14:hiddenFill>
             </a:ext>
             <a:ext uri="{91240B29-F687-4f45-9708-019B960494DF}">
-              <a14:hiddenLine xmlns="" xmlns:a14="http://schemas.microsoft.com/office/drawing/2010/main" w="9525">
+              <a14:hiddenLine xmlns:a14="http://schemas.microsoft.com/office/drawing/2010/main" xmlns="" w="9525">
                 <a:solidFill>
                   <a:schemeClr val="tx1"/>
                 </a:solidFill>
@@ -7449,7 +7452,7 @@
               </a14:hiddenLine>
             </a:ext>
             <a:ext uri="{AF507438-7753-43e0-B8FC-AC1667EBCBE1}">
-              <a14:hiddenEffects xmlns="" xmlns:a14="http://schemas.microsoft.com/office/drawing/2010/main">
+              <a14:hiddenEffects xmlns:a14="http://schemas.microsoft.com/office/drawing/2010/main" xmlns="">
                 <a:effectLst>
                   <a:outerShdw blurRad="63500" dist="38099" dir="2700000" algn="ctr" rotWithShape="0">
                     <a:schemeClr val="bg2">
@@ -7509,14 +7512,14 @@
           <a:effectLst/>
           <a:extLst>
             <a:ext uri="{909E8E84-426E-40dd-AFC4-6F175D3DCCD1}">
-              <a14:hiddenFill xmlns="" xmlns:a14="http://schemas.microsoft.com/office/drawing/2010/main">
+              <a14:hiddenFill xmlns:a14="http://schemas.microsoft.com/office/drawing/2010/main" xmlns="">
                 <a:solidFill>
                   <a:schemeClr val="accent1"/>
                 </a:solidFill>
               </a14:hiddenFill>
             </a:ext>
             <a:ext uri="{91240B29-F687-4f45-9708-019B960494DF}">
-              <a14:hiddenLine xmlns="" xmlns:a14="http://schemas.microsoft.com/office/drawing/2010/main" w="9525">
+              <a14:hiddenLine xmlns:a14="http://schemas.microsoft.com/office/drawing/2010/main" xmlns="" w="9525">
                 <a:solidFill>
                   <a:schemeClr val="tx1"/>
                 </a:solidFill>
@@ -7526,7 +7529,7 @@
               </a14:hiddenLine>
             </a:ext>
             <a:ext uri="{AF507438-7753-43e0-B8FC-AC1667EBCBE1}">
-              <a14:hiddenEffects xmlns="" xmlns:a14="http://schemas.microsoft.com/office/drawing/2010/main">
+              <a14:hiddenEffects xmlns:a14="http://schemas.microsoft.com/office/drawing/2010/main" xmlns="">
                 <a:effectLst>
                   <a:outerShdw blurRad="63500" dist="38099" dir="2700000" algn="ctr" rotWithShape="0">
                     <a:schemeClr val="bg2">
@@ -7586,14 +7589,14 @@
           <a:effectLst/>
           <a:extLst>
             <a:ext uri="{909E8E84-426E-40dd-AFC4-6F175D3DCCD1}">
-              <a14:hiddenFill xmlns="" xmlns:a14="http://schemas.microsoft.com/office/drawing/2010/main">
+              <a14:hiddenFill xmlns:a14="http://schemas.microsoft.com/office/drawing/2010/main" xmlns="">
                 <a:solidFill>
                   <a:schemeClr val="accent1"/>
                 </a:solidFill>
               </a14:hiddenFill>
             </a:ext>
             <a:ext uri="{91240B29-F687-4f45-9708-019B960494DF}">
-              <a14:hiddenLine xmlns="" xmlns:a14="http://schemas.microsoft.com/office/drawing/2010/main" w="9525">
+              <a14:hiddenLine xmlns:a14="http://schemas.microsoft.com/office/drawing/2010/main" xmlns="" w="9525">
                 <a:solidFill>
                   <a:schemeClr val="tx1"/>
                 </a:solidFill>
@@ -7603,7 +7606,7 @@
               </a14:hiddenLine>
             </a:ext>
             <a:ext uri="{AF507438-7753-43e0-B8FC-AC1667EBCBE1}">
-              <a14:hiddenEffects xmlns="" xmlns:a14="http://schemas.microsoft.com/office/drawing/2010/main">
+              <a14:hiddenEffects xmlns:a14="http://schemas.microsoft.com/office/drawing/2010/main" xmlns="">
                 <a:effectLst>
                   <a:outerShdw blurRad="63500" dist="38099" dir="2700000" algn="ctr" rotWithShape="0">
                     <a:schemeClr val="bg2">
@@ -7666,14 +7669,14 @@
           <a:effectLst/>
           <a:extLst>
             <a:ext uri="{909E8E84-426E-40dd-AFC4-6F175D3DCCD1}">
-              <a14:hiddenFill xmlns="" xmlns:a14="http://schemas.microsoft.com/office/drawing/2010/main">
+              <a14:hiddenFill xmlns:a14="http://schemas.microsoft.com/office/drawing/2010/main" xmlns="">
                 <a:solidFill>
                   <a:schemeClr val="accent1"/>
                 </a:solidFill>
               </a14:hiddenFill>
             </a:ext>
             <a:ext uri="{91240B29-F687-4f45-9708-019B960494DF}">
-              <a14:hiddenLine xmlns="" xmlns:a14="http://schemas.microsoft.com/office/drawing/2010/main" w="9525">
+              <a14:hiddenLine xmlns:a14="http://schemas.microsoft.com/office/drawing/2010/main" xmlns="" w="9525">
                 <a:solidFill>
                   <a:schemeClr val="tx1"/>
                 </a:solidFill>
@@ -7683,7 +7686,7 @@
               </a14:hiddenLine>
             </a:ext>
             <a:ext uri="{AF507438-7753-43e0-B8FC-AC1667EBCBE1}">
-              <a14:hiddenEffects xmlns="" xmlns:a14="http://schemas.microsoft.com/office/drawing/2010/main">
+              <a14:hiddenEffects xmlns:a14="http://schemas.microsoft.com/office/drawing/2010/main" xmlns="">
                 <a:effectLst>
                   <a:outerShdw blurRad="63500" dist="38099" dir="2700000" algn="ctr" rotWithShape="0">
                     <a:schemeClr val="bg2">
@@ -7746,14 +7749,14 @@
           <a:effectLst/>
           <a:extLst>
             <a:ext uri="{909E8E84-426E-40dd-AFC4-6F175D3DCCD1}">
-              <a14:hiddenFill xmlns="" xmlns:a14="http://schemas.microsoft.com/office/drawing/2010/main">
+              <a14:hiddenFill xmlns:a14="http://schemas.microsoft.com/office/drawing/2010/main" xmlns="">
                 <a:solidFill>
                   <a:schemeClr val="accent1"/>
                 </a:solidFill>
               </a14:hiddenFill>
             </a:ext>
             <a:ext uri="{91240B29-F687-4f45-9708-019B960494DF}">
-              <a14:hiddenLine xmlns="" xmlns:a14="http://schemas.microsoft.com/office/drawing/2010/main" w="9525">
+              <a14:hiddenLine xmlns:a14="http://schemas.microsoft.com/office/drawing/2010/main" xmlns="" w="9525">
                 <a:solidFill>
                   <a:schemeClr val="tx1"/>
                 </a:solidFill>
@@ -7763,7 +7766,7 @@
               </a14:hiddenLine>
             </a:ext>
             <a:ext uri="{AF507438-7753-43e0-B8FC-AC1667EBCBE1}">
-              <a14:hiddenEffects xmlns="" xmlns:a14="http://schemas.microsoft.com/office/drawing/2010/main">
+              <a14:hiddenEffects xmlns:a14="http://schemas.microsoft.com/office/drawing/2010/main" xmlns="">
                 <a:effectLst>
                   <a:outerShdw blurRad="63500" dist="38099" dir="2700000" algn="ctr" rotWithShape="0">
                     <a:schemeClr val="bg2">
@@ -7826,14 +7829,14 @@
           <a:effectLst/>
           <a:extLst>
             <a:ext uri="{909E8E84-426E-40dd-AFC4-6F175D3DCCD1}">
-              <a14:hiddenFill xmlns="" xmlns:a14="http://schemas.microsoft.com/office/drawing/2010/main">
+              <a14:hiddenFill xmlns:a14="http://schemas.microsoft.com/office/drawing/2010/main" xmlns="">
                 <a:solidFill>
                   <a:schemeClr val="accent1"/>
                 </a:solidFill>
               </a14:hiddenFill>
             </a:ext>
             <a:ext uri="{91240B29-F687-4f45-9708-019B960494DF}">
-              <a14:hiddenLine xmlns="" xmlns:a14="http://schemas.microsoft.com/office/drawing/2010/main" w="9525">
+              <a14:hiddenLine xmlns:a14="http://schemas.microsoft.com/office/drawing/2010/main" xmlns="" w="9525">
                 <a:solidFill>
                   <a:schemeClr val="tx1"/>
                 </a:solidFill>
@@ -7843,7 +7846,7 @@
               </a14:hiddenLine>
             </a:ext>
             <a:ext uri="{AF507438-7753-43e0-B8FC-AC1667EBCBE1}">
-              <a14:hiddenEffects xmlns="" xmlns:a14="http://schemas.microsoft.com/office/drawing/2010/main">
+              <a14:hiddenEffects xmlns:a14="http://schemas.microsoft.com/office/drawing/2010/main" xmlns="">
                 <a:effectLst>
                   <a:outerShdw blurRad="63500" dist="38099" dir="2700000" algn="ctr" rotWithShape="0">
                     <a:schemeClr val="bg2">
@@ -7936,14 +7939,14 @@
           <a:effectLst/>
           <a:extLst>
             <a:ext uri="{909E8E84-426E-40dd-AFC4-6F175D3DCCD1}">
-              <a14:hiddenFill xmlns="" xmlns:a14="http://schemas.microsoft.com/office/drawing/2010/main">
+              <a14:hiddenFill xmlns:a14="http://schemas.microsoft.com/office/drawing/2010/main" xmlns="">
                 <a:solidFill>
                   <a:schemeClr val="accent1"/>
                 </a:solidFill>
               </a14:hiddenFill>
             </a:ext>
             <a:ext uri="{AF507438-7753-43e0-B8FC-AC1667EBCBE1}">
-              <a14:hiddenEffects xmlns="" xmlns:a14="http://schemas.microsoft.com/office/drawing/2010/main">
+              <a14:hiddenEffects xmlns:a14="http://schemas.microsoft.com/office/drawing/2010/main" xmlns="">
                 <a:effectLst>
                   <a:outerShdw blurRad="63500" dist="38099" dir="2700000" algn="ctr" rotWithShape="0">
                     <a:schemeClr val="bg2">
@@ -7996,7 +7999,7 @@
           <a:graphicData uri="http://schemas.openxmlformats.org/presentationml/2006/ole">
             <mc:AlternateContent xmlns:mc="http://schemas.openxmlformats.org/markup-compatibility/2006">
               <mc:Choice xmlns:v="urn:schemas-microsoft-com:vml" Requires="v">
-                <p:oleObj spid="_x0000_s4103" name="数式" r:id="rId3" imgW="152268" imgH="215713" progId="Equation.3">
+                <p:oleObj spid="_x0000_s4121" name="数式" r:id="rId3" imgW="152268" imgH="215713" progId="Equation.3">
                   <p:embed/>
                 </p:oleObj>
               </mc:Choice>
@@ -8091,7 +8094,7 @@
           <a:graphicData uri="http://schemas.openxmlformats.org/presentationml/2006/ole">
             <mc:AlternateContent xmlns:mc="http://schemas.openxmlformats.org/markup-compatibility/2006">
               <mc:Choice xmlns:v="urn:schemas-microsoft-com:vml" Requires="v">
-                <p:oleObj spid="_x0000_s4104" name="数式" r:id="rId5" imgW="164885" imgH="215619" progId="Equation.3">
+                <p:oleObj spid="_x0000_s4122" name="数式" r:id="rId5" imgW="164885" imgH="215619" progId="Equation.3">
                   <p:embed/>
                 </p:oleObj>
               </mc:Choice>
@@ -8186,7 +8189,7 @@
           <a:graphicData uri="http://schemas.openxmlformats.org/presentationml/2006/ole">
             <mc:AlternateContent xmlns:mc="http://schemas.openxmlformats.org/markup-compatibility/2006">
               <mc:Choice xmlns:v="urn:schemas-microsoft-com:vml" Requires="v">
-                <p:oleObj spid="_x0000_s4105" name="数式" r:id="rId7" imgW="152268" imgH="215713" progId="Equation.3">
+                <p:oleObj spid="_x0000_s4123" name="数式" r:id="rId7" imgW="152268" imgH="215713" progId="Equation.3">
                   <p:embed/>
                 </p:oleObj>
               </mc:Choice>
@@ -8281,7 +8284,7 @@
           <a:graphicData uri="http://schemas.openxmlformats.org/presentationml/2006/ole">
             <mc:AlternateContent xmlns:mc="http://schemas.openxmlformats.org/markup-compatibility/2006">
               <mc:Choice xmlns:v="urn:schemas-microsoft-com:vml" Requires="v">
-                <p:oleObj spid="_x0000_s4106" name="数式" r:id="rId9" imgW="152268" imgH="215713" progId="Equation.3">
+                <p:oleObj spid="_x0000_s4124" name="数式" r:id="rId9" imgW="152268" imgH="215713" progId="Equation.3">
                   <p:embed/>
                 </p:oleObj>
               </mc:Choice>
@@ -8377,14 +8380,14 @@
           <a:effectLst/>
           <a:extLst>
             <a:ext uri="{909E8E84-426E-40dd-AFC4-6F175D3DCCD1}">
-              <a14:hiddenFill xmlns="" xmlns:a14="http://schemas.microsoft.com/office/drawing/2010/main">
+              <a14:hiddenFill xmlns:a14="http://schemas.microsoft.com/office/drawing/2010/main" xmlns="">
                 <a:solidFill>
                   <a:schemeClr val="accent1"/>
                 </a:solidFill>
               </a14:hiddenFill>
             </a:ext>
             <a:ext uri="{91240B29-F687-4f45-9708-019B960494DF}">
-              <a14:hiddenLine xmlns="" xmlns:a14="http://schemas.microsoft.com/office/drawing/2010/main" w="9525">
+              <a14:hiddenLine xmlns:a14="http://schemas.microsoft.com/office/drawing/2010/main" xmlns="" w="9525">
                 <a:solidFill>
                   <a:schemeClr val="tx1"/>
                 </a:solidFill>
@@ -8394,7 +8397,7 @@
               </a14:hiddenLine>
             </a:ext>
             <a:ext uri="{AF507438-7753-43e0-B8FC-AC1667EBCBE1}">
-              <a14:hiddenEffects xmlns="" xmlns:a14="http://schemas.microsoft.com/office/drawing/2010/main">
+              <a14:hiddenEffects xmlns:a14="http://schemas.microsoft.com/office/drawing/2010/main" xmlns="">
                 <a:effectLst>
                   <a:outerShdw blurRad="63500" dist="38099" dir="2700000" algn="ctr" rotWithShape="0">
                     <a:schemeClr val="bg2">
@@ -8564,14 +8567,14 @@
           <a:effectLst/>
           <a:extLst>
             <a:ext uri="{909E8E84-426E-40dd-AFC4-6F175D3DCCD1}">
-              <a14:hiddenFill xmlns="" xmlns:a14="http://schemas.microsoft.com/office/drawing/2010/main">
+              <a14:hiddenFill xmlns:a14="http://schemas.microsoft.com/office/drawing/2010/main" xmlns="">
                 <a:solidFill>
                   <a:schemeClr val="accent1"/>
                 </a:solidFill>
               </a14:hiddenFill>
             </a:ext>
             <a:ext uri="{91240B29-F687-4f45-9708-019B960494DF}">
-              <a14:hiddenLine xmlns="" xmlns:a14="http://schemas.microsoft.com/office/drawing/2010/main" w="9525">
+              <a14:hiddenLine xmlns:a14="http://schemas.microsoft.com/office/drawing/2010/main" xmlns="" w="9525">
                 <a:solidFill>
                   <a:schemeClr val="tx1"/>
                 </a:solidFill>
@@ -8581,7 +8584,7 @@
               </a14:hiddenLine>
             </a:ext>
             <a:ext uri="{AF507438-7753-43e0-B8FC-AC1667EBCBE1}">
-              <a14:hiddenEffects xmlns="" xmlns:a14="http://schemas.microsoft.com/office/drawing/2010/main">
+              <a14:hiddenEffects xmlns:a14="http://schemas.microsoft.com/office/drawing/2010/main" xmlns="">
                 <a:effectLst>
                   <a:outerShdw blurRad="63500" dist="38099" dir="2700000" algn="ctr" rotWithShape="0">
                     <a:schemeClr val="bg2">
@@ -8750,7 +8753,7 @@
           <a:graphicData uri="http://schemas.openxmlformats.org/presentationml/2006/ole">
             <mc:AlternateContent xmlns:mc="http://schemas.openxmlformats.org/markup-compatibility/2006">
               <mc:Choice xmlns:v="urn:schemas-microsoft-com:vml" Requires="v">
-                <p:oleObj spid="_x0000_s4107" name="数式" r:id="rId5" imgW="164885" imgH="215619" progId="Equation.3">
+                <p:oleObj spid="_x0000_s4125" name="数式" r:id="rId5" imgW="164885" imgH="215619" progId="Equation.3">
                   <p:embed/>
                 </p:oleObj>
               </mc:Choice>
@@ -8852,14 +8855,14 @@
           <a:effectLst/>
           <a:extLst>
             <a:ext uri="{909E8E84-426E-40dd-AFC4-6F175D3DCCD1}">
-              <a14:hiddenFill xmlns="" xmlns:a14="http://schemas.microsoft.com/office/drawing/2010/main">
+              <a14:hiddenFill xmlns:a14="http://schemas.microsoft.com/office/drawing/2010/main" xmlns="">
                 <a:solidFill>
                   <a:schemeClr val="accent1"/>
                 </a:solidFill>
               </a14:hiddenFill>
             </a:ext>
             <a:ext uri="{91240B29-F687-4f45-9708-019B960494DF}">
-              <a14:hiddenLine xmlns="" xmlns:a14="http://schemas.microsoft.com/office/drawing/2010/main" w="9525">
+              <a14:hiddenLine xmlns:a14="http://schemas.microsoft.com/office/drawing/2010/main" xmlns="" w="9525">
                 <a:solidFill>
                   <a:schemeClr val="tx1"/>
                 </a:solidFill>
@@ -8869,7 +8872,7 @@
               </a14:hiddenLine>
             </a:ext>
             <a:ext uri="{AF507438-7753-43e0-B8FC-AC1667EBCBE1}">
-              <a14:hiddenEffects xmlns="" xmlns:a14="http://schemas.microsoft.com/office/drawing/2010/main">
+              <a14:hiddenEffects xmlns:a14="http://schemas.microsoft.com/office/drawing/2010/main" xmlns="">
                 <a:effectLst>
                   <a:outerShdw blurRad="63500" dist="38099" dir="2700000" algn="ctr" rotWithShape="0">
                     <a:schemeClr val="bg2">
@@ -9038,7 +9041,7 @@
           <a:graphicData uri="http://schemas.openxmlformats.org/presentationml/2006/ole">
             <mc:AlternateContent xmlns:mc="http://schemas.openxmlformats.org/markup-compatibility/2006">
               <mc:Choice xmlns:v="urn:schemas-microsoft-com:vml" Requires="v">
-                <p:oleObj spid="_x0000_s4108" name="数式" r:id="rId7" imgW="152268" imgH="215713" progId="Equation.3">
+                <p:oleObj spid="_x0000_s4126" name="数式" r:id="rId7" imgW="152268" imgH="215713" progId="Equation.3">
                   <p:embed/>
                 </p:oleObj>
               </mc:Choice>
@@ -9177,7 +9180,7 @@
           <a:effectLst/>
           <a:extLst>
             <a:ext uri="{AF507438-7753-43e0-B8FC-AC1667EBCBE1}">
-              <a14:hiddenEffects xmlns="" xmlns:a14="http://schemas.microsoft.com/office/drawing/2010/main">
+              <a14:hiddenEffects xmlns:a14="http://schemas.microsoft.com/office/drawing/2010/main" xmlns="">
                 <a:effectLst>
                   <a:outerShdw blurRad="63500" dist="38099" dir="2700000" algn="ctr" rotWithShape="0">
                     <a:schemeClr val="bg2">
@@ -9238,7 +9241,7 @@
           <a:effectLst/>
           <a:extLst>
             <a:ext uri="{AF507438-7753-43e0-B8FC-AC1667EBCBE1}">
-              <a14:hiddenEffects xmlns="" xmlns:a14="http://schemas.microsoft.com/office/drawing/2010/main">
+              <a14:hiddenEffects xmlns:a14="http://schemas.microsoft.com/office/drawing/2010/main" xmlns="">
                 <a:effectLst>
                   <a:outerShdw blurRad="63500" dist="38099" dir="2700000" algn="ctr" rotWithShape="0">
                     <a:schemeClr val="bg2">
@@ -9299,7 +9302,7 @@
           <a:effectLst/>
           <a:extLst>
             <a:ext uri="{AF507438-7753-43e0-B8FC-AC1667EBCBE1}">
-              <a14:hiddenEffects xmlns="" xmlns:a14="http://schemas.microsoft.com/office/drawing/2010/main">
+              <a14:hiddenEffects xmlns:a14="http://schemas.microsoft.com/office/drawing/2010/main" xmlns="">
                 <a:effectLst>
                   <a:outerShdw blurRad="63500" dist="38099" dir="2700000" algn="ctr" rotWithShape="0">
                     <a:schemeClr val="bg2">
@@ -9360,7 +9363,7 @@
           <a:effectLst/>
           <a:extLst>
             <a:ext uri="{AF507438-7753-43e0-B8FC-AC1667EBCBE1}">
-              <a14:hiddenEffects xmlns="" xmlns:a14="http://schemas.microsoft.com/office/drawing/2010/main">
+              <a14:hiddenEffects xmlns:a14="http://schemas.microsoft.com/office/drawing/2010/main" xmlns="">
                 <a:effectLst>
                   <a:outerShdw blurRad="63500" dist="38099" dir="2700000" algn="ctr" rotWithShape="0">
                     <a:schemeClr val="bg2">
@@ -9421,7 +9424,7 @@
           <a:effectLst/>
           <a:extLst>
             <a:ext uri="{AF507438-7753-43e0-B8FC-AC1667EBCBE1}">
-              <a14:hiddenEffects xmlns="" xmlns:a14="http://schemas.microsoft.com/office/drawing/2010/main">
+              <a14:hiddenEffects xmlns:a14="http://schemas.microsoft.com/office/drawing/2010/main" xmlns="">
                 <a:effectLst>
                   <a:outerShdw blurRad="63500" dist="38099" dir="2700000" algn="ctr" rotWithShape="0">
                     <a:schemeClr val="bg2">
@@ -9482,12 +9485,12 @@
           <a:effectLst/>
           <a:extLst>
             <a:ext uri="{909E8E84-426E-40dd-AFC4-6F175D3DCCD1}">
-              <a14:hiddenFill xmlns="" xmlns:a14="http://schemas.microsoft.com/office/drawing/2010/main">
+              <a14:hiddenFill xmlns:a14="http://schemas.microsoft.com/office/drawing/2010/main" xmlns="">
                 <a:noFill/>
               </a14:hiddenFill>
             </a:ext>
             <a:ext uri="{AF507438-7753-43e0-B8FC-AC1667EBCBE1}">
-              <a14:hiddenEffects xmlns="" xmlns:a14="http://schemas.microsoft.com/office/drawing/2010/main">
+              <a14:hiddenEffects xmlns:a14="http://schemas.microsoft.com/office/drawing/2010/main" xmlns="">
                 <a:effectLst>
                   <a:outerShdw blurRad="63500" dist="38099" dir="2700000" algn="ctr" rotWithShape="0">
                     <a:schemeClr val="bg2">
@@ -9536,12 +9539,12 @@
           <a:effectLst/>
           <a:extLst>
             <a:ext uri="{909E8E84-426E-40dd-AFC4-6F175D3DCCD1}">
-              <a14:hiddenFill xmlns="" xmlns:a14="http://schemas.microsoft.com/office/drawing/2010/main">
+              <a14:hiddenFill xmlns:a14="http://schemas.microsoft.com/office/drawing/2010/main" xmlns="">
                 <a:noFill/>
               </a14:hiddenFill>
             </a:ext>
             <a:ext uri="{AF507438-7753-43e0-B8FC-AC1667EBCBE1}">
-              <a14:hiddenEffects xmlns="" xmlns:a14="http://schemas.microsoft.com/office/drawing/2010/main">
+              <a14:hiddenEffects xmlns:a14="http://schemas.microsoft.com/office/drawing/2010/main" xmlns="">
                 <a:effectLst>
                   <a:outerShdw blurRad="63500" dist="38099" dir="2700000" algn="ctr" rotWithShape="0">
                     <a:schemeClr val="bg2">
@@ -9590,12 +9593,12 @@
           <a:effectLst/>
           <a:extLst>
             <a:ext uri="{909E8E84-426E-40dd-AFC4-6F175D3DCCD1}">
-              <a14:hiddenFill xmlns="" xmlns:a14="http://schemas.microsoft.com/office/drawing/2010/main">
+              <a14:hiddenFill xmlns:a14="http://schemas.microsoft.com/office/drawing/2010/main" xmlns="">
                 <a:noFill/>
               </a14:hiddenFill>
             </a:ext>
             <a:ext uri="{AF507438-7753-43e0-B8FC-AC1667EBCBE1}">
-              <a14:hiddenEffects xmlns="" xmlns:a14="http://schemas.microsoft.com/office/drawing/2010/main">
+              <a14:hiddenEffects xmlns:a14="http://schemas.microsoft.com/office/drawing/2010/main" xmlns="">
                 <a:effectLst>
                   <a:outerShdw blurRad="63500" dist="38099" dir="2700000" algn="ctr" rotWithShape="0">
                     <a:schemeClr val="bg2">
@@ -9644,12 +9647,12 @@
           <a:effectLst/>
           <a:extLst>
             <a:ext uri="{909E8E84-426E-40dd-AFC4-6F175D3DCCD1}">
-              <a14:hiddenFill xmlns="" xmlns:a14="http://schemas.microsoft.com/office/drawing/2010/main">
+              <a14:hiddenFill xmlns:a14="http://schemas.microsoft.com/office/drawing/2010/main" xmlns="">
                 <a:noFill/>
               </a14:hiddenFill>
             </a:ext>
             <a:ext uri="{AF507438-7753-43e0-B8FC-AC1667EBCBE1}">
-              <a14:hiddenEffects xmlns="" xmlns:a14="http://schemas.microsoft.com/office/drawing/2010/main">
+              <a14:hiddenEffects xmlns:a14="http://schemas.microsoft.com/office/drawing/2010/main" xmlns="">
                 <a:effectLst>
                   <a:outerShdw blurRad="63500" dist="38099" dir="2700000" algn="ctr" rotWithShape="0">
                     <a:schemeClr val="bg2">
@@ -9698,12 +9701,12 @@
           <a:effectLst/>
           <a:extLst>
             <a:ext uri="{909E8E84-426E-40dd-AFC4-6F175D3DCCD1}">
-              <a14:hiddenFill xmlns="" xmlns:a14="http://schemas.microsoft.com/office/drawing/2010/main">
+              <a14:hiddenFill xmlns:a14="http://schemas.microsoft.com/office/drawing/2010/main" xmlns="">
                 <a:noFill/>
               </a14:hiddenFill>
             </a:ext>
             <a:ext uri="{AF507438-7753-43e0-B8FC-AC1667EBCBE1}">
-              <a14:hiddenEffects xmlns="" xmlns:a14="http://schemas.microsoft.com/office/drawing/2010/main">
+              <a14:hiddenEffects xmlns:a14="http://schemas.microsoft.com/office/drawing/2010/main" xmlns="">
                 <a:effectLst>
                   <a:outerShdw blurRad="63500" dist="38099" dir="2700000" algn="ctr" rotWithShape="0">
                     <a:schemeClr val="bg2">
@@ -9752,12 +9755,12 @@
           <a:effectLst/>
           <a:extLst>
             <a:ext uri="{909E8E84-426E-40dd-AFC4-6F175D3DCCD1}">
-              <a14:hiddenFill xmlns="" xmlns:a14="http://schemas.microsoft.com/office/drawing/2010/main">
+              <a14:hiddenFill xmlns:a14="http://schemas.microsoft.com/office/drawing/2010/main" xmlns="">
                 <a:noFill/>
               </a14:hiddenFill>
             </a:ext>
             <a:ext uri="{AF507438-7753-43e0-B8FC-AC1667EBCBE1}">
-              <a14:hiddenEffects xmlns="" xmlns:a14="http://schemas.microsoft.com/office/drawing/2010/main">
+              <a14:hiddenEffects xmlns:a14="http://schemas.microsoft.com/office/drawing/2010/main" xmlns="">
                 <a:effectLst>
                   <a:outerShdw blurRad="63500" dist="38099" dir="2700000" algn="ctr" rotWithShape="0">
                     <a:schemeClr val="bg2">
@@ -9804,12 +9807,12 @@
           <a:effectLst/>
           <a:extLst>
             <a:ext uri="{909E8E84-426E-40dd-AFC4-6F175D3DCCD1}">
-              <a14:hiddenFill xmlns="" xmlns:a14="http://schemas.microsoft.com/office/drawing/2010/main">
+              <a14:hiddenFill xmlns:a14="http://schemas.microsoft.com/office/drawing/2010/main" xmlns="">
                 <a:noFill/>
               </a14:hiddenFill>
             </a:ext>
             <a:ext uri="{AF507438-7753-43e0-B8FC-AC1667EBCBE1}">
-              <a14:hiddenEffects xmlns="" xmlns:a14="http://schemas.microsoft.com/office/drawing/2010/main">
+              <a14:hiddenEffects xmlns:a14="http://schemas.microsoft.com/office/drawing/2010/main" xmlns="">
                 <a:effectLst>
                   <a:outerShdw blurRad="63500" dist="38099" dir="2700000" algn="ctr" rotWithShape="0">
                     <a:schemeClr val="bg2">
@@ -9868,12 +9871,12 @@
           <a:effectLst/>
           <a:extLst>
             <a:ext uri="{909E8E84-426E-40dd-AFC4-6F175D3DCCD1}">
-              <a14:hiddenFill xmlns="" xmlns:a14="http://schemas.microsoft.com/office/drawing/2010/main">
+              <a14:hiddenFill xmlns:a14="http://schemas.microsoft.com/office/drawing/2010/main" xmlns="">
                 <a:noFill/>
               </a14:hiddenFill>
             </a:ext>
             <a:ext uri="{AF507438-7753-43e0-B8FC-AC1667EBCBE1}">
-              <a14:hiddenEffects xmlns="" xmlns:a14="http://schemas.microsoft.com/office/drawing/2010/main">
+              <a14:hiddenEffects xmlns:a14="http://schemas.microsoft.com/office/drawing/2010/main" xmlns="">
                 <a:effectLst>
                   <a:outerShdw blurRad="63500" dist="38099" dir="2700000" algn="ctr" rotWithShape="0">
                     <a:schemeClr val="bg2">
@@ -9932,12 +9935,12 @@
           <a:effectLst/>
           <a:extLst>
             <a:ext uri="{909E8E84-426E-40dd-AFC4-6F175D3DCCD1}">
-              <a14:hiddenFill xmlns="" xmlns:a14="http://schemas.microsoft.com/office/drawing/2010/main">
+              <a14:hiddenFill xmlns:a14="http://schemas.microsoft.com/office/drawing/2010/main" xmlns="">
                 <a:noFill/>
               </a14:hiddenFill>
             </a:ext>
             <a:ext uri="{AF507438-7753-43e0-B8FC-AC1667EBCBE1}">
-              <a14:hiddenEffects xmlns="" xmlns:a14="http://schemas.microsoft.com/office/drawing/2010/main">
+              <a14:hiddenEffects xmlns:a14="http://schemas.microsoft.com/office/drawing/2010/main" xmlns="">
                 <a:effectLst>
                   <a:outerShdw blurRad="63500" dist="38099" dir="2700000" algn="ctr" rotWithShape="0">
                     <a:schemeClr val="bg2">
@@ -9991,14 +9994,14 @@
           <a:effectLst/>
           <a:extLst>
             <a:ext uri="{909E8E84-426E-40dd-AFC4-6F175D3DCCD1}">
-              <a14:hiddenFill xmlns="" xmlns:a14="http://schemas.microsoft.com/office/drawing/2010/main">
+              <a14:hiddenFill xmlns:a14="http://schemas.microsoft.com/office/drawing/2010/main" xmlns="">
                 <a:solidFill>
                   <a:schemeClr val="accent1"/>
                 </a:solidFill>
               </a14:hiddenFill>
             </a:ext>
             <a:ext uri="{91240B29-F687-4f45-9708-019B960494DF}">
-              <a14:hiddenLine xmlns="" xmlns:a14="http://schemas.microsoft.com/office/drawing/2010/main" w="9525">
+              <a14:hiddenLine xmlns:a14="http://schemas.microsoft.com/office/drawing/2010/main" xmlns="" w="9525">
                 <a:solidFill>
                   <a:schemeClr val="tx1"/>
                 </a:solidFill>
@@ -10008,7 +10011,7 @@
               </a14:hiddenLine>
             </a:ext>
             <a:ext uri="{AF507438-7753-43e0-B8FC-AC1667EBCBE1}">
-              <a14:hiddenEffects xmlns="" xmlns:a14="http://schemas.microsoft.com/office/drawing/2010/main">
+              <a14:hiddenEffects xmlns:a14="http://schemas.microsoft.com/office/drawing/2010/main" xmlns="">
                 <a:effectLst>
                   <a:outerShdw blurRad="63500" dist="38099" dir="2700000" algn="ctr" rotWithShape="0">
                     <a:schemeClr val="bg2">
@@ -10068,14 +10071,14 @@
           <a:effectLst/>
           <a:extLst>
             <a:ext uri="{909E8E84-426E-40dd-AFC4-6F175D3DCCD1}">
-              <a14:hiddenFill xmlns="" xmlns:a14="http://schemas.microsoft.com/office/drawing/2010/main">
+              <a14:hiddenFill xmlns:a14="http://schemas.microsoft.com/office/drawing/2010/main" xmlns="">
                 <a:solidFill>
                   <a:schemeClr val="accent1"/>
                 </a:solidFill>
               </a14:hiddenFill>
             </a:ext>
             <a:ext uri="{91240B29-F687-4f45-9708-019B960494DF}">
-              <a14:hiddenLine xmlns="" xmlns:a14="http://schemas.microsoft.com/office/drawing/2010/main" w="9525">
+              <a14:hiddenLine xmlns:a14="http://schemas.microsoft.com/office/drawing/2010/main" xmlns="" w="9525">
                 <a:solidFill>
                   <a:schemeClr val="tx1"/>
                 </a:solidFill>
@@ -10085,7 +10088,7 @@
               </a14:hiddenLine>
             </a:ext>
             <a:ext uri="{AF507438-7753-43e0-B8FC-AC1667EBCBE1}">
-              <a14:hiddenEffects xmlns="" xmlns:a14="http://schemas.microsoft.com/office/drawing/2010/main">
+              <a14:hiddenEffects xmlns:a14="http://schemas.microsoft.com/office/drawing/2010/main" xmlns="">
                 <a:effectLst>
                   <a:outerShdw blurRad="63500" dist="38099" dir="2700000" algn="ctr" rotWithShape="0">
                     <a:schemeClr val="bg2">
@@ -10145,14 +10148,14 @@
           <a:effectLst/>
           <a:extLst>
             <a:ext uri="{909E8E84-426E-40dd-AFC4-6F175D3DCCD1}">
-              <a14:hiddenFill xmlns="" xmlns:a14="http://schemas.microsoft.com/office/drawing/2010/main">
+              <a14:hiddenFill xmlns:a14="http://schemas.microsoft.com/office/drawing/2010/main" xmlns="">
                 <a:solidFill>
                   <a:schemeClr val="accent1"/>
                 </a:solidFill>
               </a14:hiddenFill>
             </a:ext>
             <a:ext uri="{91240B29-F687-4f45-9708-019B960494DF}">
-              <a14:hiddenLine xmlns="" xmlns:a14="http://schemas.microsoft.com/office/drawing/2010/main" w="9525">
+              <a14:hiddenLine xmlns:a14="http://schemas.microsoft.com/office/drawing/2010/main" xmlns="" w="9525">
                 <a:solidFill>
                   <a:schemeClr val="tx1"/>
                 </a:solidFill>
@@ -10162,7 +10165,7 @@
               </a14:hiddenLine>
             </a:ext>
             <a:ext uri="{AF507438-7753-43e0-B8FC-AC1667EBCBE1}">
-              <a14:hiddenEffects xmlns="" xmlns:a14="http://schemas.microsoft.com/office/drawing/2010/main">
+              <a14:hiddenEffects xmlns:a14="http://schemas.microsoft.com/office/drawing/2010/main" xmlns="">
                 <a:effectLst>
                   <a:outerShdw blurRad="63500" dist="38099" dir="2700000" algn="ctr" rotWithShape="0">
                     <a:schemeClr val="bg2">
@@ -10222,14 +10225,14 @@
           <a:effectLst/>
           <a:extLst>
             <a:ext uri="{909E8E84-426E-40dd-AFC4-6F175D3DCCD1}">
-              <a14:hiddenFill xmlns="" xmlns:a14="http://schemas.microsoft.com/office/drawing/2010/main">
+              <a14:hiddenFill xmlns:a14="http://schemas.microsoft.com/office/drawing/2010/main" xmlns="">
                 <a:solidFill>
                   <a:schemeClr val="accent1"/>
                 </a:solidFill>
               </a14:hiddenFill>
             </a:ext>
             <a:ext uri="{91240B29-F687-4f45-9708-019B960494DF}">
-              <a14:hiddenLine xmlns="" xmlns:a14="http://schemas.microsoft.com/office/drawing/2010/main" w="9525">
+              <a14:hiddenLine xmlns:a14="http://schemas.microsoft.com/office/drawing/2010/main" xmlns="" w="9525">
                 <a:solidFill>
                   <a:schemeClr val="tx1"/>
                 </a:solidFill>
@@ -10239,7 +10242,7 @@
               </a14:hiddenLine>
             </a:ext>
             <a:ext uri="{AF507438-7753-43e0-B8FC-AC1667EBCBE1}">
-              <a14:hiddenEffects xmlns="" xmlns:a14="http://schemas.microsoft.com/office/drawing/2010/main">
+              <a14:hiddenEffects xmlns:a14="http://schemas.microsoft.com/office/drawing/2010/main" xmlns="">
                 <a:effectLst>
                   <a:outerShdw blurRad="63500" dist="38099" dir="2700000" algn="ctr" rotWithShape="0">
                     <a:schemeClr val="bg2">
@@ -10299,14 +10302,14 @@
           <a:effectLst/>
           <a:extLst>
             <a:ext uri="{909E8E84-426E-40dd-AFC4-6F175D3DCCD1}">
-              <a14:hiddenFill xmlns="" xmlns:a14="http://schemas.microsoft.com/office/drawing/2010/main">
+              <a14:hiddenFill xmlns:a14="http://schemas.microsoft.com/office/drawing/2010/main" xmlns="">
                 <a:solidFill>
                   <a:schemeClr val="accent1"/>
                 </a:solidFill>
               </a14:hiddenFill>
             </a:ext>
             <a:ext uri="{91240B29-F687-4f45-9708-019B960494DF}">
-              <a14:hiddenLine xmlns="" xmlns:a14="http://schemas.microsoft.com/office/drawing/2010/main" w="9525">
+              <a14:hiddenLine xmlns:a14="http://schemas.microsoft.com/office/drawing/2010/main" xmlns="" w="9525">
                 <a:solidFill>
                   <a:schemeClr val="tx1"/>
                 </a:solidFill>
@@ -10316,7 +10319,7 @@
               </a14:hiddenLine>
             </a:ext>
             <a:ext uri="{AF507438-7753-43e0-B8FC-AC1667EBCBE1}">
-              <a14:hiddenEffects xmlns="" xmlns:a14="http://schemas.microsoft.com/office/drawing/2010/main">
+              <a14:hiddenEffects xmlns:a14="http://schemas.microsoft.com/office/drawing/2010/main" xmlns="">
                 <a:effectLst>
                   <a:outerShdw blurRad="63500" dist="38099" dir="2700000" algn="ctr" rotWithShape="0">
                     <a:schemeClr val="bg2">
@@ -10376,14 +10379,14 @@
           <a:effectLst/>
           <a:extLst>
             <a:ext uri="{909E8E84-426E-40dd-AFC4-6F175D3DCCD1}">
-              <a14:hiddenFill xmlns="" xmlns:a14="http://schemas.microsoft.com/office/drawing/2010/main">
+              <a14:hiddenFill xmlns:a14="http://schemas.microsoft.com/office/drawing/2010/main" xmlns="">
                 <a:solidFill>
                   <a:schemeClr val="accent1"/>
                 </a:solidFill>
               </a14:hiddenFill>
             </a:ext>
             <a:ext uri="{91240B29-F687-4f45-9708-019B960494DF}">
-              <a14:hiddenLine xmlns="" xmlns:a14="http://schemas.microsoft.com/office/drawing/2010/main" w="9525">
+              <a14:hiddenLine xmlns:a14="http://schemas.microsoft.com/office/drawing/2010/main" xmlns="" w="9525">
                 <a:solidFill>
                   <a:schemeClr val="tx1"/>
                 </a:solidFill>
@@ -10393,7 +10396,7 @@
               </a14:hiddenLine>
             </a:ext>
             <a:ext uri="{AF507438-7753-43e0-B8FC-AC1667EBCBE1}">
-              <a14:hiddenEffects xmlns="" xmlns:a14="http://schemas.microsoft.com/office/drawing/2010/main">
+              <a14:hiddenEffects xmlns:a14="http://schemas.microsoft.com/office/drawing/2010/main" xmlns="">
                 <a:effectLst>
                   <a:outerShdw blurRad="63500" dist="38099" dir="2700000" algn="ctr" rotWithShape="0">
                     <a:schemeClr val="bg2">
@@ -10453,14 +10456,14 @@
           <a:effectLst/>
           <a:extLst>
             <a:ext uri="{909E8E84-426E-40dd-AFC4-6F175D3DCCD1}">
-              <a14:hiddenFill xmlns="" xmlns:a14="http://schemas.microsoft.com/office/drawing/2010/main">
+              <a14:hiddenFill xmlns:a14="http://schemas.microsoft.com/office/drawing/2010/main" xmlns="">
                 <a:solidFill>
                   <a:schemeClr val="accent1"/>
                 </a:solidFill>
               </a14:hiddenFill>
             </a:ext>
             <a:ext uri="{91240B29-F687-4f45-9708-019B960494DF}">
-              <a14:hiddenLine xmlns="" xmlns:a14="http://schemas.microsoft.com/office/drawing/2010/main" w="9525">
+              <a14:hiddenLine xmlns:a14="http://schemas.microsoft.com/office/drawing/2010/main" xmlns="" w="9525">
                 <a:solidFill>
                   <a:schemeClr val="tx1"/>
                 </a:solidFill>
@@ -10470,7 +10473,7 @@
               </a14:hiddenLine>
             </a:ext>
             <a:ext uri="{AF507438-7753-43e0-B8FC-AC1667EBCBE1}">
-              <a14:hiddenEffects xmlns="" xmlns:a14="http://schemas.microsoft.com/office/drawing/2010/main">
+              <a14:hiddenEffects xmlns:a14="http://schemas.microsoft.com/office/drawing/2010/main" xmlns="">
                 <a:effectLst>
                   <a:outerShdw blurRad="63500" dist="38099" dir="2700000" algn="ctr" rotWithShape="0">
                     <a:schemeClr val="bg2">
@@ -10530,14 +10533,14 @@
           <a:effectLst/>
           <a:extLst>
             <a:ext uri="{909E8E84-426E-40dd-AFC4-6F175D3DCCD1}">
-              <a14:hiddenFill xmlns="" xmlns:a14="http://schemas.microsoft.com/office/drawing/2010/main">
+              <a14:hiddenFill xmlns:a14="http://schemas.microsoft.com/office/drawing/2010/main" xmlns="">
                 <a:solidFill>
                   <a:schemeClr val="accent1"/>
                 </a:solidFill>
               </a14:hiddenFill>
             </a:ext>
             <a:ext uri="{91240B29-F687-4f45-9708-019B960494DF}">
-              <a14:hiddenLine xmlns="" xmlns:a14="http://schemas.microsoft.com/office/drawing/2010/main" w="9525">
+              <a14:hiddenLine xmlns:a14="http://schemas.microsoft.com/office/drawing/2010/main" xmlns="" w="9525">
                 <a:solidFill>
                   <a:schemeClr val="tx1"/>
                 </a:solidFill>
@@ -10547,7 +10550,7 @@
               </a14:hiddenLine>
             </a:ext>
             <a:ext uri="{AF507438-7753-43e0-B8FC-AC1667EBCBE1}">
-              <a14:hiddenEffects xmlns="" xmlns:a14="http://schemas.microsoft.com/office/drawing/2010/main">
+              <a14:hiddenEffects xmlns:a14="http://schemas.microsoft.com/office/drawing/2010/main" xmlns="">
                 <a:effectLst>
                   <a:outerShdw blurRad="63500" dist="38099" dir="2700000" algn="ctr" rotWithShape="0">
                     <a:schemeClr val="bg2">
@@ -10607,14 +10610,14 @@
           <a:effectLst/>
           <a:extLst>
             <a:ext uri="{909E8E84-426E-40dd-AFC4-6F175D3DCCD1}">
-              <a14:hiddenFill xmlns="" xmlns:a14="http://schemas.microsoft.com/office/drawing/2010/main">
+              <a14:hiddenFill xmlns:a14="http://schemas.microsoft.com/office/drawing/2010/main" xmlns="">
                 <a:solidFill>
                   <a:schemeClr val="accent1"/>
                 </a:solidFill>
               </a14:hiddenFill>
             </a:ext>
             <a:ext uri="{91240B29-F687-4f45-9708-019B960494DF}">
-              <a14:hiddenLine xmlns="" xmlns:a14="http://schemas.microsoft.com/office/drawing/2010/main" w="9525">
+              <a14:hiddenLine xmlns:a14="http://schemas.microsoft.com/office/drawing/2010/main" xmlns="" w="9525">
                 <a:solidFill>
                   <a:schemeClr val="tx1"/>
                 </a:solidFill>
@@ -10624,7 +10627,7 @@
               </a14:hiddenLine>
             </a:ext>
             <a:ext uri="{AF507438-7753-43e0-B8FC-AC1667EBCBE1}">
-              <a14:hiddenEffects xmlns="" xmlns:a14="http://schemas.microsoft.com/office/drawing/2010/main">
+              <a14:hiddenEffects xmlns:a14="http://schemas.microsoft.com/office/drawing/2010/main" xmlns="">
                 <a:effectLst>
                   <a:outerShdw blurRad="63500" dist="38099" dir="2700000" algn="ctr" rotWithShape="0">
                     <a:schemeClr val="bg2">
@@ -10700,14 +10703,14 @@
           <a:effectLst/>
           <a:extLst>
             <a:ext uri="{909E8E84-426E-40dd-AFC4-6F175D3DCCD1}">
-              <a14:hiddenFill xmlns="" xmlns:a14="http://schemas.microsoft.com/office/drawing/2010/main">
+              <a14:hiddenFill xmlns:a14="http://schemas.microsoft.com/office/drawing/2010/main" xmlns="">
                 <a:solidFill>
                   <a:schemeClr val="accent1"/>
                 </a:solidFill>
               </a14:hiddenFill>
             </a:ext>
             <a:ext uri="{91240B29-F687-4f45-9708-019B960494DF}">
-              <a14:hiddenLine xmlns="" xmlns:a14="http://schemas.microsoft.com/office/drawing/2010/main" w="9525">
+              <a14:hiddenLine xmlns:a14="http://schemas.microsoft.com/office/drawing/2010/main" xmlns="" w="9525">
                 <a:solidFill>
                   <a:schemeClr val="tx1"/>
                 </a:solidFill>
@@ -10717,7 +10720,7 @@
               </a14:hiddenLine>
             </a:ext>
             <a:ext uri="{AF507438-7753-43e0-B8FC-AC1667EBCBE1}">
-              <a14:hiddenEffects xmlns="" xmlns:a14="http://schemas.microsoft.com/office/drawing/2010/main">
+              <a14:hiddenEffects xmlns:a14="http://schemas.microsoft.com/office/drawing/2010/main" xmlns="">
                 <a:effectLst>
                   <a:outerShdw blurRad="63500" dist="38099" dir="2700000" algn="ctr" rotWithShape="0">
                     <a:schemeClr val="bg2">
@@ -10793,14 +10796,14 @@
           <a:effectLst/>
           <a:extLst>
             <a:ext uri="{909E8E84-426E-40dd-AFC4-6F175D3DCCD1}">
-              <a14:hiddenFill xmlns="" xmlns:a14="http://schemas.microsoft.com/office/drawing/2010/main">
+              <a14:hiddenFill xmlns:a14="http://schemas.microsoft.com/office/drawing/2010/main" xmlns="">
                 <a:solidFill>
                   <a:schemeClr val="accent1"/>
                 </a:solidFill>
               </a14:hiddenFill>
             </a:ext>
             <a:ext uri="{91240B29-F687-4f45-9708-019B960494DF}">
-              <a14:hiddenLine xmlns="" xmlns:a14="http://schemas.microsoft.com/office/drawing/2010/main" w="9525">
+              <a14:hiddenLine xmlns:a14="http://schemas.microsoft.com/office/drawing/2010/main" xmlns="" w="9525">
                 <a:solidFill>
                   <a:schemeClr val="tx1"/>
                 </a:solidFill>
@@ -10810,7 +10813,7 @@
               </a14:hiddenLine>
             </a:ext>
             <a:ext uri="{AF507438-7753-43e0-B8FC-AC1667EBCBE1}">
-              <a14:hiddenEffects xmlns="" xmlns:a14="http://schemas.microsoft.com/office/drawing/2010/main">
+              <a14:hiddenEffects xmlns:a14="http://schemas.microsoft.com/office/drawing/2010/main" xmlns="">
                 <a:effectLst>
                   <a:outerShdw blurRad="63500" dist="38099" dir="2700000" algn="ctr" rotWithShape="0">
                     <a:schemeClr val="bg2">
@@ -10886,14 +10889,14 @@
           <a:effectLst/>
           <a:extLst>
             <a:ext uri="{909E8E84-426E-40dd-AFC4-6F175D3DCCD1}">
-              <a14:hiddenFill xmlns="" xmlns:a14="http://schemas.microsoft.com/office/drawing/2010/main">
+              <a14:hiddenFill xmlns:a14="http://schemas.microsoft.com/office/drawing/2010/main" xmlns="">
                 <a:solidFill>
                   <a:schemeClr val="accent1"/>
                 </a:solidFill>
               </a14:hiddenFill>
             </a:ext>
             <a:ext uri="{91240B29-F687-4f45-9708-019B960494DF}">
-              <a14:hiddenLine xmlns="" xmlns:a14="http://schemas.microsoft.com/office/drawing/2010/main" w="9525">
+              <a14:hiddenLine xmlns:a14="http://schemas.microsoft.com/office/drawing/2010/main" xmlns="" w="9525">
                 <a:solidFill>
                   <a:schemeClr val="tx1"/>
                 </a:solidFill>
@@ -10903,7 +10906,7 @@
               </a14:hiddenLine>
             </a:ext>
             <a:ext uri="{AF507438-7753-43e0-B8FC-AC1667EBCBE1}">
-              <a14:hiddenEffects xmlns="" xmlns:a14="http://schemas.microsoft.com/office/drawing/2010/main">
+              <a14:hiddenEffects xmlns:a14="http://schemas.microsoft.com/office/drawing/2010/main" xmlns="">
                 <a:effectLst>
                   <a:outerShdw blurRad="63500" dist="38099" dir="2700000" algn="ctr" rotWithShape="0">
                     <a:schemeClr val="bg2">
@@ -10979,14 +10982,14 @@
           <a:effectLst/>
           <a:extLst>
             <a:ext uri="{909E8E84-426E-40dd-AFC4-6F175D3DCCD1}">
-              <a14:hiddenFill xmlns="" xmlns:a14="http://schemas.microsoft.com/office/drawing/2010/main">
+              <a14:hiddenFill xmlns:a14="http://schemas.microsoft.com/office/drawing/2010/main" xmlns="">
                 <a:solidFill>
                   <a:schemeClr val="accent1"/>
                 </a:solidFill>
               </a14:hiddenFill>
             </a:ext>
             <a:ext uri="{91240B29-F687-4f45-9708-019B960494DF}">
-              <a14:hiddenLine xmlns="" xmlns:a14="http://schemas.microsoft.com/office/drawing/2010/main" w="9525">
+              <a14:hiddenLine xmlns:a14="http://schemas.microsoft.com/office/drawing/2010/main" xmlns="" w="9525">
                 <a:solidFill>
                   <a:schemeClr val="tx1"/>
                 </a:solidFill>
@@ -10996,7 +10999,7 @@
               </a14:hiddenLine>
             </a:ext>
             <a:ext uri="{AF507438-7753-43e0-B8FC-AC1667EBCBE1}">
-              <a14:hiddenEffects xmlns="" xmlns:a14="http://schemas.microsoft.com/office/drawing/2010/main">
+              <a14:hiddenEffects xmlns:a14="http://schemas.microsoft.com/office/drawing/2010/main" xmlns="">
                 <a:effectLst>
                   <a:outerShdw blurRad="63500" dist="38099" dir="2700000" algn="ctr" rotWithShape="0">
                     <a:schemeClr val="bg2">
@@ -11072,14 +11075,14 @@
           <a:effectLst/>
           <a:extLst>
             <a:ext uri="{909E8E84-426E-40dd-AFC4-6F175D3DCCD1}">
-              <a14:hiddenFill xmlns="" xmlns:a14="http://schemas.microsoft.com/office/drawing/2010/main">
+              <a14:hiddenFill xmlns:a14="http://schemas.microsoft.com/office/drawing/2010/main" xmlns="">
                 <a:solidFill>
                   <a:schemeClr val="accent1"/>
                 </a:solidFill>
               </a14:hiddenFill>
             </a:ext>
             <a:ext uri="{91240B29-F687-4f45-9708-019B960494DF}">
-              <a14:hiddenLine xmlns="" xmlns:a14="http://schemas.microsoft.com/office/drawing/2010/main" w="9525">
+              <a14:hiddenLine xmlns:a14="http://schemas.microsoft.com/office/drawing/2010/main" xmlns="" w="9525">
                 <a:solidFill>
                   <a:schemeClr val="tx1"/>
                 </a:solidFill>
@@ -11089,7 +11092,7 @@
               </a14:hiddenLine>
             </a:ext>
             <a:ext uri="{AF507438-7753-43e0-B8FC-AC1667EBCBE1}">
-              <a14:hiddenEffects xmlns="" xmlns:a14="http://schemas.microsoft.com/office/drawing/2010/main">
+              <a14:hiddenEffects xmlns:a14="http://schemas.microsoft.com/office/drawing/2010/main" xmlns="">
                 <a:effectLst>
                   <a:outerShdw blurRad="63500" dist="38099" dir="2700000" algn="ctr" rotWithShape="0">
                     <a:schemeClr val="bg2">
@@ -11165,14 +11168,14 @@
           <a:effectLst/>
           <a:extLst>
             <a:ext uri="{909E8E84-426E-40dd-AFC4-6F175D3DCCD1}">
-              <a14:hiddenFill xmlns="" xmlns:a14="http://schemas.microsoft.com/office/drawing/2010/main">
+              <a14:hiddenFill xmlns:a14="http://schemas.microsoft.com/office/drawing/2010/main" xmlns="">
                 <a:solidFill>
                   <a:schemeClr val="accent1"/>
                 </a:solidFill>
               </a14:hiddenFill>
             </a:ext>
             <a:ext uri="{91240B29-F687-4f45-9708-019B960494DF}">
-              <a14:hiddenLine xmlns="" xmlns:a14="http://schemas.microsoft.com/office/drawing/2010/main" w="9525">
+              <a14:hiddenLine xmlns:a14="http://schemas.microsoft.com/office/drawing/2010/main" xmlns="" w="9525">
                 <a:solidFill>
                   <a:schemeClr val="tx1"/>
                 </a:solidFill>
@@ -11182,7 +11185,7 @@
               </a14:hiddenLine>
             </a:ext>
             <a:ext uri="{AF507438-7753-43e0-B8FC-AC1667EBCBE1}">
-              <a14:hiddenEffects xmlns="" xmlns:a14="http://schemas.microsoft.com/office/drawing/2010/main">
+              <a14:hiddenEffects xmlns:a14="http://schemas.microsoft.com/office/drawing/2010/main" xmlns="">
                 <a:effectLst>
                   <a:outerShdw blurRad="63500" dist="38099" dir="2700000" algn="ctr" rotWithShape="0">
                     <a:schemeClr val="bg2">
@@ -11267,14 +11270,14 @@
           <a:effectLst/>
           <a:extLst>
             <a:ext uri="{909E8E84-426E-40dd-AFC4-6F175D3DCCD1}">
-              <a14:hiddenFill xmlns="" xmlns:a14="http://schemas.microsoft.com/office/drawing/2010/main">
+              <a14:hiddenFill xmlns:a14="http://schemas.microsoft.com/office/drawing/2010/main" xmlns="">
                 <a:solidFill>
                   <a:schemeClr val="accent1"/>
                 </a:solidFill>
               </a14:hiddenFill>
             </a:ext>
             <a:ext uri="{91240B29-F687-4f45-9708-019B960494DF}">
-              <a14:hiddenLine xmlns="" xmlns:a14="http://schemas.microsoft.com/office/drawing/2010/main" w="9525">
+              <a14:hiddenLine xmlns:a14="http://schemas.microsoft.com/office/drawing/2010/main" xmlns="" w="9525">
                 <a:solidFill>
                   <a:schemeClr val="tx1"/>
                 </a:solidFill>
@@ -11284,7 +11287,7 @@
               </a14:hiddenLine>
             </a:ext>
             <a:ext uri="{AF507438-7753-43e0-B8FC-AC1667EBCBE1}">
-              <a14:hiddenEffects xmlns="" xmlns:a14="http://schemas.microsoft.com/office/drawing/2010/main">
+              <a14:hiddenEffects xmlns:a14="http://schemas.microsoft.com/office/drawing/2010/main" xmlns="">
                 <a:effectLst>
                   <a:outerShdw blurRad="63500" dist="38099" dir="2700000" algn="ctr" rotWithShape="0">
                     <a:schemeClr val="bg2">
@@ -11369,14 +11372,14 @@
           <a:effectLst/>
           <a:extLst>
             <a:ext uri="{909E8E84-426E-40dd-AFC4-6F175D3DCCD1}">
-              <a14:hiddenFill xmlns="" xmlns:a14="http://schemas.microsoft.com/office/drawing/2010/main">
+              <a14:hiddenFill xmlns:a14="http://schemas.microsoft.com/office/drawing/2010/main" xmlns="">
                 <a:solidFill>
                   <a:schemeClr val="accent1"/>
                 </a:solidFill>
               </a14:hiddenFill>
             </a:ext>
             <a:ext uri="{91240B29-F687-4f45-9708-019B960494DF}">
-              <a14:hiddenLine xmlns="" xmlns:a14="http://schemas.microsoft.com/office/drawing/2010/main" w="9525">
+              <a14:hiddenLine xmlns:a14="http://schemas.microsoft.com/office/drawing/2010/main" xmlns="" w="9525">
                 <a:solidFill>
                   <a:schemeClr val="tx1"/>
                 </a:solidFill>
@@ -11386,7 +11389,7 @@
               </a14:hiddenLine>
             </a:ext>
             <a:ext uri="{AF507438-7753-43e0-B8FC-AC1667EBCBE1}">
-              <a14:hiddenEffects xmlns="" xmlns:a14="http://schemas.microsoft.com/office/drawing/2010/main">
+              <a14:hiddenEffects xmlns:a14="http://schemas.microsoft.com/office/drawing/2010/main" xmlns="">
                 <a:effectLst>
                   <a:outerShdw blurRad="63500" dist="38099" dir="2700000" algn="ctr" rotWithShape="0">
                     <a:schemeClr val="bg2">
@@ -11471,14 +11474,14 @@
           <a:effectLst/>
           <a:extLst>
             <a:ext uri="{909E8E84-426E-40dd-AFC4-6F175D3DCCD1}">
-              <a14:hiddenFill xmlns="" xmlns:a14="http://schemas.microsoft.com/office/drawing/2010/main">
+              <a14:hiddenFill xmlns:a14="http://schemas.microsoft.com/office/drawing/2010/main" xmlns="">
                 <a:solidFill>
                   <a:schemeClr val="accent1"/>
                 </a:solidFill>
               </a14:hiddenFill>
             </a:ext>
             <a:ext uri="{91240B29-F687-4f45-9708-019B960494DF}">
-              <a14:hiddenLine xmlns="" xmlns:a14="http://schemas.microsoft.com/office/drawing/2010/main" w="9525">
+              <a14:hiddenLine xmlns:a14="http://schemas.microsoft.com/office/drawing/2010/main" xmlns="" w="9525">
                 <a:solidFill>
                   <a:schemeClr val="tx1"/>
                 </a:solidFill>
@@ -11488,7 +11491,7 @@
               </a14:hiddenLine>
             </a:ext>
             <a:ext uri="{AF507438-7753-43e0-B8FC-AC1667EBCBE1}">
-              <a14:hiddenEffects xmlns="" xmlns:a14="http://schemas.microsoft.com/office/drawing/2010/main">
+              <a14:hiddenEffects xmlns:a14="http://schemas.microsoft.com/office/drawing/2010/main" xmlns="">
                 <a:effectLst>
                   <a:outerShdw blurRad="63500" dist="38099" dir="2700000" algn="ctr" rotWithShape="0">
                     <a:schemeClr val="bg2">
@@ -11552,14 +11555,14 @@
           <a:effectLst/>
           <a:extLst>
             <a:ext uri="{909E8E84-426E-40dd-AFC4-6F175D3DCCD1}">
-              <a14:hiddenFill xmlns="" xmlns:a14="http://schemas.microsoft.com/office/drawing/2010/main">
+              <a14:hiddenFill xmlns:a14="http://schemas.microsoft.com/office/drawing/2010/main" xmlns="">
                 <a:solidFill>
                   <a:schemeClr val="accent1"/>
                 </a:solidFill>
               </a14:hiddenFill>
             </a:ext>
             <a:ext uri="{91240B29-F687-4f45-9708-019B960494DF}">
-              <a14:hiddenLine xmlns="" xmlns:a14="http://schemas.microsoft.com/office/drawing/2010/main" w="9525">
+              <a14:hiddenLine xmlns:a14="http://schemas.microsoft.com/office/drawing/2010/main" xmlns="" w="9525">
                 <a:solidFill>
                   <a:schemeClr val="tx1"/>
                 </a:solidFill>
@@ -11569,7 +11572,7 @@
               </a14:hiddenLine>
             </a:ext>
             <a:ext uri="{AF507438-7753-43e0-B8FC-AC1667EBCBE1}">
-              <a14:hiddenEffects xmlns="" xmlns:a14="http://schemas.microsoft.com/office/drawing/2010/main">
+              <a14:hiddenEffects xmlns:a14="http://schemas.microsoft.com/office/drawing/2010/main" xmlns="">
                 <a:effectLst>
                   <a:outerShdw blurRad="63500" dist="38099" dir="2700000" algn="ctr" rotWithShape="0">
                     <a:schemeClr val="bg2">
@@ -11633,14 +11636,14 @@
           <a:effectLst/>
           <a:extLst>
             <a:ext uri="{909E8E84-426E-40dd-AFC4-6F175D3DCCD1}">
-              <a14:hiddenFill xmlns="" xmlns:a14="http://schemas.microsoft.com/office/drawing/2010/main">
+              <a14:hiddenFill xmlns:a14="http://schemas.microsoft.com/office/drawing/2010/main" xmlns="">
                 <a:solidFill>
                   <a:schemeClr val="accent1"/>
                 </a:solidFill>
               </a14:hiddenFill>
             </a:ext>
             <a:ext uri="{91240B29-F687-4f45-9708-019B960494DF}">
-              <a14:hiddenLine xmlns="" xmlns:a14="http://schemas.microsoft.com/office/drawing/2010/main" w="9525">
+              <a14:hiddenLine xmlns:a14="http://schemas.microsoft.com/office/drawing/2010/main" xmlns="" w="9525">
                 <a:solidFill>
                   <a:schemeClr val="tx1"/>
                 </a:solidFill>
@@ -11650,7 +11653,7 @@
               </a14:hiddenLine>
             </a:ext>
             <a:ext uri="{AF507438-7753-43e0-B8FC-AC1667EBCBE1}">
-              <a14:hiddenEffects xmlns="" xmlns:a14="http://schemas.microsoft.com/office/drawing/2010/main">
+              <a14:hiddenEffects xmlns:a14="http://schemas.microsoft.com/office/drawing/2010/main" xmlns="">
                 <a:effectLst>
                   <a:outerShdw blurRad="63500" dist="38099" dir="2700000" algn="ctr" rotWithShape="0">
                     <a:schemeClr val="bg2">
@@ -11714,14 +11717,14 @@
           <a:effectLst/>
           <a:extLst>
             <a:ext uri="{909E8E84-426E-40dd-AFC4-6F175D3DCCD1}">
-              <a14:hiddenFill xmlns="" xmlns:a14="http://schemas.microsoft.com/office/drawing/2010/main">
+              <a14:hiddenFill xmlns:a14="http://schemas.microsoft.com/office/drawing/2010/main" xmlns="">
                 <a:solidFill>
                   <a:schemeClr val="accent1"/>
                 </a:solidFill>
               </a14:hiddenFill>
             </a:ext>
             <a:ext uri="{91240B29-F687-4f45-9708-019B960494DF}">
-              <a14:hiddenLine xmlns="" xmlns:a14="http://schemas.microsoft.com/office/drawing/2010/main" w="9525">
+              <a14:hiddenLine xmlns:a14="http://schemas.microsoft.com/office/drawing/2010/main" xmlns="" w="9525">
                 <a:solidFill>
                   <a:schemeClr val="tx1"/>
                 </a:solidFill>
@@ -11731,7 +11734,7 @@
               </a14:hiddenLine>
             </a:ext>
             <a:ext uri="{AF507438-7753-43e0-B8FC-AC1667EBCBE1}">
-              <a14:hiddenEffects xmlns="" xmlns:a14="http://schemas.microsoft.com/office/drawing/2010/main">
+              <a14:hiddenEffects xmlns:a14="http://schemas.microsoft.com/office/drawing/2010/main" xmlns="">
                 <a:effectLst>
                   <a:outerShdw blurRad="63500" dist="38099" dir="2700000" algn="ctr" rotWithShape="0">
                     <a:schemeClr val="bg2">
@@ -11795,14 +11798,14 @@
           <a:effectLst/>
           <a:extLst>
             <a:ext uri="{909E8E84-426E-40dd-AFC4-6F175D3DCCD1}">
-              <a14:hiddenFill xmlns="" xmlns:a14="http://schemas.microsoft.com/office/drawing/2010/main">
+              <a14:hiddenFill xmlns:a14="http://schemas.microsoft.com/office/drawing/2010/main" xmlns="">
                 <a:solidFill>
                   <a:schemeClr val="accent1"/>
                 </a:solidFill>
               </a14:hiddenFill>
             </a:ext>
             <a:ext uri="{91240B29-F687-4f45-9708-019B960494DF}">
-              <a14:hiddenLine xmlns="" xmlns:a14="http://schemas.microsoft.com/office/drawing/2010/main" w="9525">
+              <a14:hiddenLine xmlns:a14="http://schemas.microsoft.com/office/drawing/2010/main" xmlns="" w="9525">
                 <a:solidFill>
                   <a:schemeClr val="tx1"/>
                 </a:solidFill>
@@ -11812,7 +11815,7 @@
               </a14:hiddenLine>
             </a:ext>
             <a:ext uri="{AF507438-7753-43e0-B8FC-AC1667EBCBE1}">
-              <a14:hiddenEffects xmlns="" xmlns:a14="http://schemas.microsoft.com/office/drawing/2010/main">
+              <a14:hiddenEffects xmlns:a14="http://schemas.microsoft.com/office/drawing/2010/main" xmlns="">
                 <a:effectLst>
                   <a:outerShdw blurRad="63500" dist="38099" dir="2700000" algn="ctr" rotWithShape="0">
                     <a:schemeClr val="bg2">
@@ -11851,6 +11854,3800 @@
     <p:extLst>
       <p:ext uri="{BB962C8B-B14F-4D97-AF65-F5344CB8AC3E}">
         <p14:creationId xmlns:p14="http://schemas.microsoft.com/office/powerpoint/2010/main" val="3759339637"/>
+      </p:ext>
+    </p:extLst>
+  </p:cSld>
+  <p:clrMapOvr>
+    <a:masterClrMapping/>
+  </p:clrMapOvr>
+</p:sld>
+</file>
+
+<file path=ppt/slides/slide12.xml><?xml version="1.0" encoding="utf-8"?>
+<p:sld xmlns:a="http://schemas.openxmlformats.org/drawingml/2006/main" xmlns:r="http://schemas.openxmlformats.org/officeDocument/2006/relationships" xmlns:p="http://schemas.openxmlformats.org/presentationml/2006/main">
+  <p:cSld>
+    <p:spTree>
+      <p:nvGrpSpPr>
+        <p:cNvPr id="1" name=""/>
+        <p:cNvGrpSpPr/>
+        <p:nvPr/>
+      </p:nvGrpSpPr>
+      <p:grpSpPr>
+        <a:xfrm>
+          <a:off x="0" y="0"/>
+          <a:ext cx="0" cy="0"/>
+          <a:chOff x="0" y="0"/>
+          <a:chExt cx="0" cy="0"/>
+        </a:xfrm>
+      </p:grpSpPr>
+      <p:sp>
+        <p:nvSpPr>
+          <p:cNvPr id="4" name="円/楕円 3">
+            <a:extLst>
+              <a:ext uri="{FF2B5EF4-FFF2-40B4-BE49-F238E27FC236}">
+                <a16:creationId xmlns:a16="http://schemas.microsoft.com/office/drawing/2014/main" id="{7DE11FF8-F758-1442-8373-A77E2E106F39}"/>
+              </a:ext>
+            </a:extLst>
+          </p:cNvPr>
+          <p:cNvSpPr/>
+          <p:nvPr/>
+        </p:nvSpPr>
+        <p:spPr>
+          <a:xfrm>
+            <a:off x="4020855" y="1440493"/>
+            <a:ext cx="663879" cy="663880"/>
+          </a:xfrm>
+          <a:prstGeom prst="ellipse">
+            <a:avLst/>
+          </a:prstGeom>
+          <a:solidFill>
+            <a:schemeClr val="accent1">
+              <a:lumMod val="60000"/>
+              <a:lumOff val="40000"/>
+            </a:schemeClr>
+          </a:solidFill>
+          <a:ln w="28575"/>
+        </p:spPr>
+        <p:style>
+          <a:lnRef idx="2">
+            <a:schemeClr val="accent1">
+              <a:shade val="50000"/>
+            </a:schemeClr>
+          </a:lnRef>
+          <a:fillRef idx="1">
+            <a:schemeClr val="accent1"/>
+          </a:fillRef>
+          <a:effectRef idx="0">
+            <a:schemeClr val="accent1"/>
+          </a:effectRef>
+          <a:fontRef idx="minor">
+            <a:schemeClr val="lt1"/>
+          </a:fontRef>
+        </p:style>
+        <p:txBody>
+          <a:bodyPr rtlCol="0" anchor="ctr"/>
+          <a:lstStyle/>
+          <a:p>
+            <a:pPr algn="ctr"/>
+            <a:endParaRPr kumimoji="1" lang="ja-JP" altLang="en-US"/>
+          </a:p>
+        </p:txBody>
+      </p:sp>
+      <p:sp>
+        <p:nvSpPr>
+          <p:cNvPr id="5" name="円/楕円 4">
+            <a:extLst>
+              <a:ext uri="{FF2B5EF4-FFF2-40B4-BE49-F238E27FC236}">
+                <a16:creationId xmlns:a16="http://schemas.microsoft.com/office/drawing/2014/main" id="{C940F7D2-84CF-CD49-9D59-C9B847937D74}"/>
+              </a:ext>
+            </a:extLst>
+          </p:cNvPr>
+          <p:cNvSpPr/>
+          <p:nvPr/>
+        </p:nvSpPr>
+        <p:spPr>
+          <a:xfrm>
+            <a:off x="4020855" y="2507293"/>
+            <a:ext cx="663879" cy="663880"/>
+          </a:xfrm>
+          <a:prstGeom prst="ellipse">
+            <a:avLst/>
+          </a:prstGeom>
+          <a:solidFill>
+            <a:schemeClr val="accent1">
+              <a:lumMod val="60000"/>
+              <a:lumOff val="40000"/>
+            </a:schemeClr>
+          </a:solidFill>
+          <a:ln w="28575"/>
+        </p:spPr>
+        <p:style>
+          <a:lnRef idx="2">
+            <a:schemeClr val="accent1">
+              <a:shade val="50000"/>
+            </a:schemeClr>
+          </a:lnRef>
+          <a:fillRef idx="1">
+            <a:schemeClr val="accent1"/>
+          </a:fillRef>
+          <a:effectRef idx="0">
+            <a:schemeClr val="accent1"/>
+          </a:effectRef>
+          <a:fontRef idx="minor">
+            <a:schemeClr val="lt1"/>
+          </a:fontRef>
+        </p:style>
+        <p:txBody>
+          <a:bodyPr rtlCol="0" anchor="ctr"/>
+          <a:lstStyle/>
+          <a:p>
+            <a:pPr algn="ctr"/>
+            <a:endParaRPr kumimoji="1" lang="ja-JP" altLang="en-US"/>
+          </a:p>
+        </p:txBody>
+      </p:sp>
+      <p:sp>
+        <p:nvSpPr>
+          <p:cNvPr id="6" name="円/楕円 5">
+            <a:extLst>
+              <a:ext uri="{FF2B5EF4-FFF2-40B4-BE49-F238E27FC236}">
+                <a16:creationId xmlns:a16="http://schemas.microsoft.com/office/drawing/2014/main" id="{FAA85F49-F6A1-0A43-B9B3-CE55C99CFA12}"/>
+              </a:ext>
+            </a:extLst>
+          </p:cNvPr>
+          <p:cNvSpPr/>
+          <p:nvPr/>
+        </p:nvSpPr>
+        <p:spPr>
+          <a:xfrm>
+            <a:off x="4020855" y="3574093"/>
+            <a:ext cx="663879" cy="663880"/>
+          </a:xfrm>
+          <a:prstGeom prst="ellipse">
+            <a:avLst/>
+          </a:prstGeom>
+          <a:solidFill>
+            <a:schemeClr val="accent1">
+              <a:lumMod val="60000"/>
+              <a:lumOff val="40000"/>
+            </a:schemeClr>
+          </a:solidFill>
+          <a:ln w="28575"/>
+        </p:spPr>
+        <p:style>
+          <a:lnRef idx="2">
+            <a:schemeClr val="accent1">
+              <a:shade val="50000"/>
+            </a:schemeClr>
+          </a:lnRef>
+          <a:fillRef idx="1">
+            <a:schemeClr val="accent1"/>
+          </a:fillRef>
+          <a:effectRef idx="0">
+            <a:schemeClr val="accent1"/>
+          </a:effectRef>
+          <a:fontRef idx="minor">
+            <a:schemeClr val="lt1"/>
+          </a:fontRef>
+        </p:style>
+        <p:txBody>
+          <a:bodyPr rtlCol="0" anchor="ctr"/>
+          <a:lstStyle/>
+          <a:p>
+            <a:pPr algn="ctr"/>
+            <a:endParaRPr kumimoji="1" lang="ja-JP" altLang="en-US"/>
+          </a:p>
+        </p:txBody>
+      </p:sp>
+      <p:sp>
+        <p:nvSpPr>
+          <p:cNvPr id="7" name="円/楕円 6">
+            <a:extLst>
+              <a:ext uri="{FF2B5EF4-FFF2-40B4-BE49-F238E27FC236}">
+                <a16:creationId xmlns:a16="http://schemas.microsoft.com/office/drawing/2014/main" id="{100EF5AB-FC0D-CE4C-A79F-A0E1E9AD1A45}"/>
+              </a:ext>
+            </a:extLst>
+          </p:cNvPr>
+          <p:cNvSpPr/>
+          <p:nvPr/>
+        </p:nvSpPr>
+        <p:spPr>
+          <a:xfrm>
+            <a:off x="5343469" y="1995516"/>
+            <a:ext cx="663879" cy="663880"/>
+          </a:xfrm>
+          <a:prstGeom prst="ellipse">
+            <a:avLst/>
+          </a:prstGeom>
+          <a:solidFill>
+            <a:schemeClr val="accent1">
+              <a:lumMod val="60000"/>
+              <a:lumOff val="40000"/>
+            </a:schemeClr>
+          </a:solidFill>
+          <a:ln w="28575"/>
+        </p:spPr>
+        <p:style>
+          <a:lnRef idx="2">
+            <a:schemeClr val="accent1">
+              <a:shade val="50000"/>
+            </a:schemeClr>
+          </a:lnRef>
+          <a:fillRef idx="1">
+            <a:schemeClr val="accent1"/>
+          </a:fillRef>
+          <a:effectRef idx="0">
+            <a:schemeClr val="accent1"/>
+          </a:effectRef>
+          <a:fontRef idx="minor">
+            <a:schemeClr val="lt1"/>
+          </a:fontRef>
+        </p:style>
+        <p:txBody>
+          <a:bodyPr rtlCol="0" anchor="ctr"/>
+          <a:lstStyle/>
+          <a:p>
+            <a:pPr algn="ctr"/>
+            <a:endParaRPr kumimoji="1" lang="ja-JP" altLang="en-US"/>
+          </a:p>
+        </p:txBody>
+      </p:sp>
+      <p:sp>
+        <p:nvSpPr>
+          <p:cNvPr id="8" name="円/楕円 7">
+            <a:extLst>
+              <a:ext uri="{FF2B5EF4-FFF2-40B4-BE49-F238E27FC236}">
+                <a16:creationId xmlns:a16="http://schemas.microsoft.com/office/drawing/2014/main" id="{604D4EB4-FA78-8745-A4D7-A9FC1B25F8A8}"/>
+              </a:ext>
+            </a:extLst>
+          </p:cNvPr>
+          <p:cNvSpPr/>
+          <p:nvPr/>
+        </p:nvSpPr>
+        <p:spPr>
+          <a:xfrm>
+            <a:off x="5343469" y="3062316"/>
+            <a:ext cx="663879" cy="663880"/>
+          </a:xfrm>
+          <a:prstGeom prst="ellipse">
+            <a:avLst/>
+          </a:prstGeom>
+          <a:solidFill>
+            <a:schemeClr val="accent1">
+              <a:lumMod val="60000"/>
+              <a:lumOff val="40000"/>
+            </a:schemeClr>
+          </a:solidFill>
+          <a:ln w="28575"/>
+        </p:spPr>
+        <p:style>
+          <a:lnRef idx="2">
+            <a:schemeClr val="accent1">
+              <a:shade val="50000"/>
+            </a:schemeClr>
+          </a:lnRef>
+          <a:fillRef idx="1">
+            <a:schemeClr val="accent1"/>
+          </a:fillRef>
+          <a:effectRef idx="0">
+            <a:schemeClr val="accent1"/>
+          </a:effectRef>
+          <a:fontRef idx="minor">
+            <a:schemeClr val="lt1"/>
+          </a:fontRef>
+        </p:style>
+        <p:txBody>
+          <a:bodyPr rtlCol="0" anchor="ctr"/>
+          <a:lstStyle/>
+          <a:p>
+            <a:pPr algn="ctr"/>
+            <a:endParaRPr kumimoji="1" lang="ja-JP" altLang="en-US"/>
+          </a:p>
+        </p:txBody>
+      </p:sp>
+      <p:sp>
+        <p:nvSpPr>
+          <p:cNvPr id="9" name="円/楕円 8">
+            <a:extLst>
+              <a:ext uri="{FF2B5EF4-FFF2-40B4-BE49-F238E27FC236}">
+                <a16:creationId xmlns:a16="http://schemas.microsoft.com/office/drawing/2014/main" id="{28986982-F93B-4847-83A6-3B31C131E97F}"/>
+              </a:ext>
+            </a:extLst>
+          </p:cNvPr>
+          <p:cNvSpPr/>
+          <p:nvPr/>
+        </p:nvSpPr>
+        <p:spPr>
+          <a:xfrm>
+            <a:off x="6666083" y="1440493"/>
+            <a:ext cx="663879" cy="663880"/>
+          </a:xfrm>
+          <a:prstGeom prst="ellipse">
+            <a:avLst/>
+          </a:prstGeom>
+          <a:solidFill>
+            <a:schemeClr val="accent1">
+              <a:lumMod val="60000"/>
+              <a:lumOff val="40000"/>
+            </a:schemeClr>
+          </a:solidFill>
+          <a:ln w="28575"/>
+        </p:spPr>
+        <p:style>
+          <a:lnRef idx="2">
+            <a:schemeClr val="accent1">
+              <a:shade val="50000"/>
+            </a:schemeClr>
+          </a:lnRef>
+          <a:fillRef idx="1">
+            <a:schemeClr val="accent1"/>
+          </a:fillRef>
+          <a:effectRef idx="0">
+            <a:schemeClr val="accent1"/>
+          </a:effectRef>
+          <a:fontRef idx="minor">
+            <a:schemeClr val="lt1"/>
+          </a:fontRef>
+        </p:style>
+        <p:txBody>
+          <a:bodyPr rtlCol="0" anchor="ctr"/>
+          <a:lstStyle/>
+          <a:p>
+            <a:pPr algn="ctr"/>
+            <a:endParaRPr kumimoji="1" lang="ja-JP" altLang="en-US"/>
+          </a:p>
+        </p:txBody>
+      </p:sp>
+      <p:sp>
+        <p:nvSpPr>
+          <p:cNvPr id="10" name="円/楕円 9">
+            <a:extLst>
+              <a:ext uri="{FF2B5EF4-FFF2-40B4-BE49-F238E27FC236}">
+                <a16:creationId xmlns:a16="http://schemas.microsoft.com/office/drawing/2014/main" id="{3038F7E3-B0AB-3643-B298-122789962AE4}"/>
+              </a:ext>
+            </a:extLst>
+          </p:cNvPr>
+          <p:cNvSpPr/>
+          <p:nvPr/>
+        </p:nvSpPr>
+        <p:spPr>
+          <a:xfrm>
+            <a:off x="6666083" y="2507293"/>
+            <a:ext cx="663879" cy="663880"/>
+          </a:xfrm>
+          <a:prstGeom prst="ellipse">
+            <a:avLst/>
+          </a:prstGeom>
+          <a:solidFill>
+            <a:schemeClr val="accent1">
+              <a:lumMod val="60000"/>
+              <a:lumOff val="40000"/>
+            </a:schemeClr>
+          </a:solidFill>
+          <a:ln w="28575"/>
+        </p:spPr>
+        <p:style>
+          <a:lnRef idx="2">
+            <a:schemeClr val="accent1">
+              <a:shade val="50000"/>
+            </a:schemeClr>
+          </a:lnRef>
+          <a:fillRef idx="1">
+            <a:schemeClr val="accent1"/>
+          </a:fillRef>
+          <a:effectRef idx="0">
+            <a:schemeClr val="accent1"/>
+          </a:effectRef>
+          <a:fontRef idx="minor">
+            <a:schemeClr val="lt1"/>
+          </a:fontRef>
+        </p:style>
+        <p:txBody>
+          <a:bodyPr rtlCol="0" anchor="ctr"/>
+          <a:lstStyle/>
+          <a:p>
+            <a:pPr algn="ctr"/>
+            <a:endParaRPr kumimoji="1" lang="ja-JP" altLang="en-US"/>
+          </a:p>
+        </p:txBody>
+      </p:sp>
+      <p:sp>
+        <p:nvSpPr>
+          <p:cNvPr id="11" name="円/楕円 10">
+            <a:extLst>
+              <a:ext uri="{FF2B5EF4-FFF2-40B4-BE49-F238E27FC236}">
+                <a16:creationId xmlns:a16="http://schemas.microsoft.com/office/drawing/2014/main" id="{F2A1FB6C-D7FA-174D-9971-E851F3328901}"/>
+              </a:ext>
+            </a:extLst>
+          </p:cNvPr>
+          <p:cNvSpPr/>
+          <p:nvPr/>
+        </p:nvSpPr>
+        <p:spPr>
+          <a:xfrm>
+            <a:off x="6666083" y="3574093"/>
+            <a:ext cx="663879" cy="663880"/>
+          </a:xfrm>
+          <a:prstGeom prst="ellipse">
+            <a:avLst/>
+          </a:prstGeom>
+          <a:solidFill>
+            <a:schemeClr val="accent1">
+              <a:lumMod val="60000"/>
+              <a:lumOff val="40000"/>
+            </a:schemeClr>
+          </a:solidFill>
+          <a:ln w="28575"/>
+        </p:spPr>
+        <p:style>
+          <a:lnRef idx="2">
+            <a:schemeClr val="accent1">
+              <a:shade val="50000"/>
+            </a:schemeClr>
+          </a:lnRef>
+          <a:fillRef idx="1">
+            <a:schemeClr val="accent1"/>
+          </a:fillRef>
+          <a:effectRef idx="0">
+            <a:schemeClr val="accent1"/>
+          </a:effectRef>
+          <a:fontRef idx="minor">
+            <a:schemeClr val="lt1"/>
+          </a:fontRef>
+        </p:style>
+        <p:txBody>
+          <a:bodyPr rtlCol="0" anchor="ctr"/>
+          <a:lstStyle/>
+          <a:p>
+            <a:pPr algn="ctr"/>
+            <a:endParaRPr kumimoji="1" lang="ja-JP" altLang="en-US"/>
+          </a:p>
+        </p:txBody>
+      </p:sp>
+      <p:cxnSp>
+        <p:nvCxnSpPr>
+          <p:cNvPr id="13" name="直線コネクタ 12">
+            <a:extLst>
+              <a:ext uri="{FF2B5EF4-FFF2-40B4-BE49-F238E27FC236}">
+                <a16:creationId xmlns:a16="http://schemas.microsoft.com/office/drawing/2014/main" id="{B6FEFA6E-E1DA-824F-8244-BE3F431D24EB}"/>
+              </a:ext>
+            </a:extLst>
+          </p:cNvPr>
+          <p:cNvCxnSpPr>
+            <a:stCxn id="7" idx="2"/>
+            <a:endCxn id="4" idx="6"/>
+          </p:cNvCxnSpPr>
+          <p:nvPr/>
+        </p:nvCxnSpPr>
+        <p:spPr>
+          <a:xfrm flipH="1" flipV="1">
+            <a:off x="4684734" y="1772433"/>
+            <a:ext cx="658735" cy="555023"/>
+          </a:xfrm>
+          <a:prstGeom prst="line">
+            <a:avLst/>
+          </a:prstGeom>
+          <a:ln w="38100">
+            <a:solidFill>
+              <a:schemeClr val="tx1"/>
+            </a:solidFill>
+            <a:headEnd type="arrow" w="med" len="med"/>
+            <a:tailEnd type="none" w="med" len="med"/>
+          </a:ln>
+        </p:spPr>
+        <p:style>
+          <a:lnRef idx="1">
+            <a:schemeClr val="accent1"/>
+          </a:lnRef>
+          <a:fillRef idx="0">
+            <a:schemeClr val="accent1"/>
+          </a:fillRef>
+          <a:effectRef idx="0">
+            <a:schemeClr val="accent1"/>
+          </a:effectRef>
+          <a:fontRef idx="minor">
+            <a:schemeClr val="tx1"/>
+          </a:fontRef>
+        </p:style>
+      </p:cxnSp>
+      <p:cxnSp>
+        <p:nvCxnSpPr>
+          <p:cNvPr id="14" name="直線コネクタ 13">
+            <a:extLst>
+              <a:ext uri="{FF2B5EF4-FFF2-40B4-BE49-F238E27FC236}">
+                <a16:creationId xmlns:a16="http://schemas.microsoft.com/office/drawing/2014/main" id="{EA2F54AE-8EB0-EA40-8710-E33D2FF29589}"/>
+              </a:ext>
+            </a:extLst>
+          </p:cNvPr>
+          <p:cNvCxnSpPr>
+            <a:cxnSpLocks/>
+            <a:stCxn id="7" idx="2"/>
+            <a:endCxn id="5" idx="6"/>
+          </p:cNvCxnSpPr>
+          <p:nvPr/>
+        </p:nvCxnSpPr>
+        <p:spPr>
+          <a:xfrm flipH="1">
+            <a:off x="4684734" y="2327456"/>
+            <a:ext cx="658735" cy="511777"/>
+          </a:xfrm>
+          <a:prstGeom prst="line">
+            <a:avLst/>
+          </a:prstGeom>
+          <a:ln w="38100">
+            <a:solidFill>
+              <a:schemeClr val="tx1"/>
+            </a:solidFill>
+            <a:headEnd type="arrow" w="med" len="med"/>
+            <a:tailEnd type="none" w="med" len="med"/>
+          </a:ln>
+        </p:spPr>
+        <p:style>
+          <a:lnRef idx="1">
+            <a:schemeClr val="accent1"/>
+          </a:lnRef>
+          <a:fillRef idx="0">
+            <a:schemeClr val="accent1"/>
+          </a:fillRef>
+          <a:effectRef idx="0">
+            <a:schemeClr val="accent1"/>
+          </a:effectRef>
+          <a:fontRef idx="minor">
+            <a:schemeClr val="tx1"/>
+          </a:fontRef>
+        </p:style>
+      </p:cxnSp>
+      <p:cxnSp>
+        <p:nvCxnSpPr>
+          <p:cNvPr id="17" name="直線コネクタ 16">
+            <a:extLst>
+              <a:ext uri="{FF2B5EF4-FFF2-40B4-BE49-F238E27FC236}">
+                <a16:creationId xmlns:a16="http://schemas.microsoft.com/office/drawing/2014/main" id="{8CA05F1B-DFF7-4143-96B6-ECF65FEAA5F9}"/>
+              </a:ext>
+            </a:extLst>
+          </p:cNvPr>
+          <p:cNvCxnSpPr>
+            <a:cxnSpLocks/>
+            <a:stCxn id="7" idx="2"/>
+            <a:endCxn id="6" idx="6"/>
+          </p:cNvCxnSpPr>
+          <p:nvPr/>
+        </p:nvCxnSpPr>
+        <p:spPr>
+          <a:xfrm flipH="1">
+            <a:off x="4684734" y="2327456"/>
+            <a:ext cx="658735" cy="1578577"/>
+          </a:xfrm>
+          <a:prstGeom prst="line">
+            <a:avLst/>
+          </a:prstGeom>
+          <a:ln w="38100">
+            <a:solidFill>
+              <a:schemeClr val="tx1"/>
+            </a:solidFill>
+            <a:headEnd type="arrow" w="med" len="med"/>
+            <a:tailEnd type="none" w="med" len="med"/>
+          </a:ln>
+        </p:spPr>
+        <p:style>
+          <a:lnRef idx="1">
+            <a:schemeClr val="accent1"/>
+          </a:lnRef>
+          <a:fillRef idx="0">
+            <a:schemeClr val="accent1"/>
+          </a:fillRef>
+          <a:effectRef idx="0">
+            <a:schemeClr val="accent1"/>
+          </a:effectRef>
+          <a:fontRef idx="minor">
+            <a:schemeClr val="tx1"/>
+          </a:fontRef>
+        </p:style>
+      </p:cxnSp>
+      <p:cxnSp>
+        <p:nvCxnSpPr>
+          <p:cNvPr id="20" name="直線コネクタ 19">
+            <a:extLst>
+              <a:ext uri="{FF2B5EF4-FFF2-40B4-BE49-F238E27FC236}">
+                <a16:creationId xmlns:a16="http://schemas.microsoft.com/office/drawing/2014/main" id="{21D16A53-568C-2A48-94C4-59337DF315CB}"/>
+              </a:ext>
+            </a:extLst>
+          </p:cNvPr>
+          <p:cNvCxnSpPr>
+            <a:cxnSpLocks/>
+            <a:stCxn id="8" idx="2"/>
+            <a:endCxn id="4" idx="6"/>
+          </p:cNvCxnSpPr>
+          <p:nvPr/>
+        </p:nvCxnSpPr>
+        <p:spPr>
+          <a:xfrm flipH="1" flipV="1">
+            <a:off x="4684734" y="1772433"/>
+            <a:ext cx="658735" cy="1621823"/>
+          </a:xfrm>
+          <a:prstGeom prst="line">
+            <a:avLst/>
+          </a:prstGeom>
+          <a:ln w="38100">
+            <a:solidFill>
+              <a:schemeClr val="tx1"/>
+            </a:solidFill>
+            <a:headEnd type="arrow" w="med" len="med"/>
+            <a:tailEnd type="none" w="med" len="med"/>
+          </a:ln>
+        </p:spPr>
+        <p:style>
+          <a:lnRef idx="1">
+            <a:schemeClr val="accent1"/>
+          </a:lnRef>
+          <a:fillRef idx="0">
+            <a:schemeClr val="accent1"/>
+          </a:fillRef>
+          <a:effectRef idx="0">
+            <a:schemeClr val="accent1"/>
+          </a:effectRef>
+          <a:fontRef idx="minor">
+            <a:schemeClr val="tx1"/>
+          </a:fontRef>
+        </p:style>
+      </p:cxnSp>
+      <p:cxnSp>
+        <p:nvCxnSpPr>
+          <p:cNvPr id="21" name="直線コネクタ 20">
+            <a:extLst>
+              <a:ext uri="{FF2B5EF4-FFF2-40B4-BE49-F238E27FC236}">
+                <a16:creationId xmlns:a16="http://schemas.microsoft.com/office/drawing/2014/main" id="{A9627DE9-B87B-2D40-AD09-1557224D9349}"/>
+              </a:ext>
+            </a:extLst>
+          </p:cNvPr>
+          <p:cNvCxnSpPr>
+            <a:cxnSpLocks/>
+            <a:stCxn id="8" idx="2"/>
+            <a:endCxn id="5" idx="6"/>
+          </p:cNvCxnSpPr>
+          <p:nvPr/>
+        </p:nvCxnSpPr>
+        <p:spPr>
+          <a:xfrm flipH="1" flipV="1">
+            <a:off x="4684734" y="2839233"/>
+            <a:ext cx="658735" cy="555023"/>
+          </a:xfrm>
+          <a:prstGeom prst="line">
+            <a:avLst/>
+          </a:prstGeom>
+          <a:ln w="38100">
+            <a:solidFill>
+              <a:schemeClr val="tx1"/>
+            </a:solidFill>
+            <a:headEnd type="arrow" w="med" len="med"/>
+            <a:tailEnd type="none" w="med" len="med"/>
+          </a:ln>
+        </p:spPr>
+        <p:style>
+          <a:lnRef idx="1">
+            <a:schemeClr val="accent1"/>
+          </a:lnRef>
+          <a:fillRef idx="0">
+            <a:schemeClr val="accent1"/>
+          </a:fillRef>
+          <a:effectRef idx="0">
+            <a:schemeClr val="accent1"/>
+          </a:effectRef>
+          <a:fontRef idx="minor">
+            <a:schemeClr val="tx1"/>
+          </a:fontRef>
+        </p:style>
+      </p:cxnSp>
+      <p:cxnSp>
+        <p:nvCxnSpPr>
+          <p:cNvPr id="22" name="直線コネクタ 21">
+            <a:extLst>
+              <a:ext uri="{FF2B5EF4-FFF2-40B4-BE49-F238E27FC236}">
+                <a16:creationId xmlns:a16="http://schemas.microsoft.com/office/drawing/2014/main" id="{6A7CF1B2-FAED-D847-B442-E31B9A213830}"/>
+              </a:ext>
+            </a:extLst>
+          </p:cNvPr>
+          <p:cNvCxnSpPr>
+            <a:cxnSpLocks/>
+            <a:stCxn id="8" idx="2"/>
+            <a:endCxn id="6" idx="6"/>
+          </p:cNvCxnSpPr>
+          <p:nvPr/>
+        </p:nvCxnSpPr>
+        <p:spPr>
+          <a:xfrm flipH="1">
+            <a:off x="4684734" y="3394256"/>
+            <a:ext cx="658735" cy="511777"/>
+          </a:xfrm>
+          <a:prstGeom prst="line">
+            <a:avLst/>
+          </a:prstGeom>
+          <a:ln w="38100">
+            <a:solidFill>
+              <a:schemeClr val="tx1"/>
+            </a:solidFill>
+            <a:headEnd type="arrow" w="med" len="med"/>
+            <a:tailEnd type="none" w="med" len="med"/>
+          </a:ln>
+        </p:spPr>
+        <p:style>
+          <a:lnRef idx="1">
+            <a:schemeClr val="accent1"/>
+          </a:lnRef>
+          <a:fillRef idx="0">
+            <a:schemeClr val="accent1"/>
+          </a:fillRef>
+          <a:effectRef idx="0">
+            <a:schemeClr val="accent1"/>
+          </a:effectRef>
+          <a:fontRef idx="minor">
+            <a:schemeClr val="tx1"/>
+          </a:fontRef>
+        </p:style>
+      </p:cxnSp>
+      <p:cxnSp>
+        <p:nvCxnSpPr>
+          <p:cNvPr id="23" name="直線コネクタ 22">
+            <a:extLst>
+              <a:ext uri="{FF2B5EF4-FFF2-40B4-BE49-F238E27FC236}">
+                <a16:creationId xmlns:a16="http://schemas.microsoft.com/office/drawing/2014/main" id="{6C082B0C-0078-3141-B018-0EC5938917D1}"/>
+              </a:ext>
+            </a:extLst>
+          </p:cNvPr>
+          <p:cNvCxnSpPr>
+            <a:cxnSpLocks/>
+            <a:stCxn id="11" idx="2"/>
+            <a:endCxn id="7" idx="6"/>
+          </p:cNvCxnSpPr>
+          <p:nvPr/>
+        </p:nvCxnSpPr>
+        <p:spPr>
+          <a:xfrm flipH="1" flipV="1">
+            <a:off x="6007348" y="2327456"/>
+            <a:ext cx="658735" cy="1578577"/>
+          </a:xfrm>
+          <a:prstGeom prst="line">
+            <a:avLst/>
+          </a:prstGeom>
+          <a:ln w="38100">
+            <a:solidFill>
+              <a:schemeClr val="tx1"/>
+            </a:solidFill>
+            <a:headEnd type="arrow" w="med" len="med"/>
+            <a:tailEnd type="none" w="med" len="med"/>
+          </a:ln>
+        </p:spPr>
+        <p:style>
+          <a:lnRef idx="1">
+            <a:schemeClr val="accent1"/>
+          </a:lnRef>
+          <a:fillRef idx="0">
+            <a:schemeClr val="accent1"/>
+          </a:fillRef>
+          <a:effectRef idx="0">
+            <a:schemeClr val="accent1"/>
+          </a:effectRef>
+          <a:fontRef idx="minor">
+            <a:schemeClr val="tx1"/>
+          </a:fontRef>
+        </p:style>
+      </p:cxnSp>
+      <p:cxnSp>
+        <p:nvCxnSpPr>
+          <p:cNvPr id="24" name="直線コネクタ 23">
+            <a:extLst>
+              <a:ext uri="{FF2B5EF4-FFF2-40B4-BE49-F238E27FC236}">
+                <a16:creationId xmlns:a16="http://schemas.microsoft.com/office/drawing/2014/main" id="{C44EFB3C-40D6-8E4E-ADB6-CADCB359643D}"/>
+              </a:ext>
+            </a:extLst>
+          </p:cNvPr>
+          <p:cNvCxnSpPr>
+            <a:cxnSpLocks/>
+            <a:stCxn id="10" idx="2"/>
+            <a:endCxn id="7" idx="6"/>
+          </p:cNvCxnSpPr>
+          <p:nvPr/>
+        </p:nvCxnSpPr>
+        <p:spPr>
+          <a:xfrm flipH="1" flipV="1">
+            <a:off x="6007348" y="2327456"/>
+            <a:ext cx="658735" cy="511777"/>
+          </a:xfrm>
+          <a:prstGeom prst="line">
+            <a:avLst/>
+          </a:prstGeom>
+          <a:ln w="38100">
+            <a:solidFill>
+              <a:schemeClr val="tx1"/>
+            </a:solidFill>
+            <a:headEnd type="arrow" w="med" len="med"/>
+            <a:tailEnd type="none" w="med" len="med"/>
+          </a:ln>
+        </p:spPr>
+        <p:style>
+          <a:lnRef idx="1">
+            <a:schemeClr val="accent1"/>
+          </a:lnRef>
+          <a:fillRef idx="0">
+            <a:schemeClr val="accent1"/>
+          </a:fillRef>
+          <a:effectRef idx="0">
+            <a:schemeClr val="accent1"/>
+          </a:effectRef>
+          <a:fontRef idx="minor">
+            <a:schemeClr val="tx1"/>
+          </a:fontRef>
+        </p:style>
+      </p:cxnSp>
+      <p:cxnSp>
+        <p:nvCxnSpPr>
+          <p:cNvPr id="25" name="直線コネクタ 24">
+            <a:extLst>
+              <a:ext uri="{FF2B5EF4-FFF2-40B4-BE49-F238E27FC236}">
+                <a16:creationId xmlns:a16="http://schemas.microsoft.com/office/drawing/2014/main" id="{71CD2635-498E-FE4C-8BFB-22D57C3F752F}"/>
+              </a:ext>
+            </a:extLst>
+          </p:cNvPr>
+          <p:cNvCxnSpPr>
+            <a:cxnSpLocks/>
+            <a:stCxn id="9" idx="2"/>
+            <a:endCxn id="7" idx="6"/>
+          </p:cNvCxnSpPr>
+          <p:nvPr/>
+        </p:nvCxnSpPr>
+        <p:spPr>
+          <a:xfrm flipH="1">
+            <a:off x="6007348" y="1772433"/>
+            <a:ext cx="658735" cy="555023"/>
+          </a:xfrm>
+          <a:prstGeom prst="line">
+            <a:avLst/>
+          </a:prstGeom>
+          <a:ln w="38100">
+            <a:solidFill>
+              <a:schemeClr val="tx1"/>
+            </a:solidFill>
+            <a:headEnd type="arrow" w="med" len="med"/>
+            <a:tailEnd type="none" w="med" len="med"/>
+          </a:ln>
+        </p:spPr>
+        <p:style>
+          <a:lnRef idx="1">
+            <a:schemeClr val="accent1"/>
+          </a:lnRef>
+          <a:fillRef idx="0">
+            <a:schemeClr val="accent1"/>
+          </a:fillRef>
+          <a:effectRef idx="0">
+            <a:schemeClr val="accent1"/>
+          </a:effectRef>
+          <a:fontRef idx="minor">
+            <a:schemeClr val="tx1"/>
+          </a:fontRef>
+        </p:style>
+      </p:cxnSp>
+      <p:cxnSp>
+        <p:nvCxnSpPr>
+          <p:cNvPr id="59" name="直線コネクタ 58">
+            <a:extLst>
+              <a:ext uri="{FF2B5EF4-FFF2-40B4-BE49-F238E27FC236}">
+                <a16:creationId xmlns:a16="http://schemas.microsoft.com/office/drawing/2014/main" id="{8582E2B8-FA9A-5B4C-A53C-5A04E4F45841}"/>
+              </a:ext>
+            </a:extLst>
+          </p:cNvPr>
+          <p:cNvCxnSpPr>
+            <a:cxnSpLocks/>
+            <a:stCxn id="11" idx="2"/>
+            <a:endCxn id="8" idx="6"/>
+          </p:cNvCxnSpPr>
+          <p:nvPr/>
+        </p:nvCxnSpPr>
+        <p:spPr>
+          <a:xfrm flipH="1" flipV="1">
+            <a:off x="6007348" y="3394256"/>
+            <a:ext cx="658735" cy="511777"/>
+          </a:xfrm>
+          <a:prstGeom prst="line">
+            <a:avLst/>
+          </a:prstGeom>
+          <a:ln w="38100">
+            <a:solidFill>
+              <a:schemeClr val="tx1"/>
+            </a:solidFill>
+            <a:headEnd type="arrow" w="med" len="med"/>
+            <a:tailEnd type="none" w="med" len="med"/>
+          </a:ln>
+        </p:spPr>
+        <p:style>
+          <a:lnRef idx="1">
+            <a:schemeClr val="accent1"/>
+          </a:lnRef>
+          <a:fillRef idx="0">
+            <a:schemeClr val="accent1"/>
+          </a:fillRef>
+          <a:effectRef idx="0">
+            <a:schemeClr val="accent1"/>
+          </a:effectRef>
+          <a:fontRef idx="minor">
+            <a:schemeClr val="tx1"/>
+          </a:fontRef>
+        </p:style>
+      </p:cxnSp>
+      <p:cxnSp>
+        <p:nvCxnSpPr>
+          <p:cNvPr id="60" name="直線コネクタ 59">
+            <a:extLst>
+              <a:ext uri="{FF2B5EF4-FFF2-40B4-BE49-F238E27FC236}">
+                <a16:creationId xmlns:a16="http://schemas.microsoft.com/office/drawing/2014/main" id="{13429877-D6E6-E340-8EE8-5D3984831E69}"/>
+              </a:ext>
+            </a:extLst>
+          </p:cNvPr>
+          <p:cNvCxnSpPr>
+            <a:cxnSpLocks/>
+            <a:stCxn id="10" idx="2"/>
+            <a:endCxn id="8" idx="6"/>
+          </p:cNvCxnSpPr>
+          <p:nvPr/>
+        </p:nvCxnSpPr>
+        <p:spPr>
+          <a:xfrm flipH="1">
+            <a:off x="6007348" y="2839233"/>
+            <a:ext cx="658735" cy="555023"/>
+          </a:xfrm>
+          <a:prstGeom prst="line">
+            <a:avLst/>
+          </a:prstGeom>
+          <a:ln w="38100">
+            <a:solidFill>
+              <a:schemeClr val="tx1"/>
+            </a:solidFill>
+            <a:headEnd type="arrow" w="med" len="med"/>
+            <a:tailEnd type="none" w="med" len="med"/>
+          </a:ln>
+        </p:spPr>
+        <p:style>
+          <a:lnRef idx="1">
+            <a:schemeClr val="accent1"/>
+          </a:lnRef>
+          <a:fillRef idx="0">
+            <a:schemeClr val="accent1"/>
+          </a:fillRef>
+          <a:effectRef idx="0">
+            <a:schemeClr val="accent1"/>
+          </a:effectRef>
+          <a:fontRef idx="minor">
+            <a:schemeClr val="tx1"/>
+          </a:fontRef>
+        </p:style>
+      </p:cxnSp>
+      <p:cxnSp>
+        <p:nvCxnSpPr>
+          <p:cNvPr id="61" name="直線コネクタ 60">
+            <a:extLst>
+              <a:ext uri="{FF2B5EF4-FFF2-40B4-BE49-F238E27FC236}">
+                <a16:creationId xmlns:a16="http://schemas.microsoft.com/office/drawing/2014/main" id="{352E75A1-5DE8-D845-A504-3D07B41C27E2}"/>
+              </a:ext>
+            </a:extLst>
+          </p:cNvPr>
+          <p:cNvCxnSpPr>
+            <a:cxnSpLocks/>
+            <a:stCxn id="9" idx="2"/>
+            <a:endCxn id="8" idx="6"/>
+          </p:cNvCxnSpPr>
+          <p:nvPr/>
+        </p:nvCxnSpPr>
+        <p:spPr>
+          <a:xfrm flipH="1">
+            <a:off x="6007348" y="1772433"/>
+            <a:ext cx="658735" cy="1621823"/>
+          </a:xfrm>
+          <a:prstGeom prst="line">
+            <a:avLst/>
+          </a:prstGeom>
+          <a:ln w="38100">
+            <a:solidFill>
+              <a:schemeClr val="tx1"/>
+            </a:solidFill>
+            <a:headEnd type="arrow" w="med" len="med"/>
+            <a:tailEnd type="none" w="med" len="med"/>
+          </a:ln>
+        </p:spPr>
+        <p:style>
+          <a:lnRef idx="1">
+            <a:schemeClr val="accent1"/>
+          </a:lnRef>
+          <a:fillRef idx="0">
+            <a:schemeClr val="accent1"/>
+          </a:fillRef>
+          <a:effectRef idx="0">
+            <a:schemeClr val="accent1"/>
+          </a:effectRef>
+          <a:fontRef idx="minor">
+            <a:schemeClr val="tx1"/>
+          </a:fontRef>
+        </p:style>
+      </p:cxnSp>
+      <p:cxnSp>
+        <p:nvCxnSpPr>
+          <p:cNvPr id="69" name="直線コネクタ 68">
+            <a:extLst>
+              <a:ext uri="{FF2B5EF4-FFF2-40B4-BE49-F238E27FC236}">
+                <a16:creationId xmlns:a16="http://schemas.microsoft.com/office/drawing/2014/main" id="{FFA268C9-8009-CD48-AE56-DB6836852A87}"/>
+              </a:ext>
+            </a:extLst>
+          </p:cNvPr>
+          <p:cNvCxnSpPr>
+            <a:cxnSpLocks/>
+            <a:stCxn id="4" idx="2"/>
+          </p:cNvCxnSpPr>
+          <p:nvPr/>
+        </p:nvCxnSpPr>
+        <p:spPr>
+          <a:xfrm flipH="1">
+            <a:off x="3360014" y="1772433"/>
+            <a:ext cx="660841" cy="0"/>
+          </a:xfrm>
+          <a:prstGeom prst="line">
+            <a:avLst/>
+          </a:prstGeom>
+          <a:ln w="38100">
+            <a:solidFill>
+              <a:schemeClr val="tx1"/>
+            </a:solidFill>
+            <a:headEnd type="arrow" w="med" len="med"/>
+            <a:tailEnd type="none" w="med" len="med"/>
+          </a:ln>
+        </p:spPr>
+        <p:style>
+          <a:lnRef idx="1">
+            <a:schemeClr val="accent1"/>
+          </a:lnRef>
+          <a:fillRef idx="0">
+            <a:schemeClr val="accent1"/>
+          </a:fillRef>
+          <a:effectRef idx="0">
+            <a:schemeClr val="accent1"/>
+          </a:effectRef>
+          <a:fontRef idx="minor">
+            <a:schemeClr val="tx1"/>
+          </a:fontRef>
+        </p:style>
+      </p:cxnSp>
+      <p:cxnSp>
+        <p:nvCxnSpPr>
+          <p:cNvPr id="72" name="直線コネクタ 71">
+            <a:extLst>
+              <a:ext uri="{FF2B5EF4-FFF2-40B4-BE49-F238E27FC236}">
+                <a16:creationId xmlns:a16="http://schemas.microsoft.com/office/drawing/2014/main" id="{861C8DB6-BD01-C843-AFAC-5F87EC74A8E8}"/>
+              </a:ext>
+            </a:extLst>
+          </p:cNvPr>
+          <p:cNvCxnSpPr>
+            <a:cxnSpLocks/>
+            <a:stCxn id="5" idx="2"/>
+          </p:cNvCxnSpPr>
+          <p:nvPr/>
+        </p:nvCxnSpPr>
+        <p:spPr>
+          <a:xfrm flipH="1">
+            <a:off x="3360015" y="2839233"/>
+            <a:ext cx="660840" cy="13505"/>
+          </a:xfrm>
+          <a:prstGeom prst="line">
+            <a:avLst/>
+          </a:prstGeom>
+          <a:ln w="38100">
+            <a:solidFill>
+              <a:schemeClr val="tx1"/>
+            </a:solidFill>
+            <a:headEnd type="arrow" w="med" len="med"/>
+            <a:tailEnd type="none" w="med" len="med"/>
+          </a:ln>
+        </p:spPr>
+        <p:style>
+          <a:lnRef idx="1">
+            <a:schemeClr val="accent1"/>
+          </a:lnRef>
+          <a:fillRef idx="0">
+            <a:schemeClr val="accent1"/>
+          </a:fillRef>
+          <a:effectRef idx="0">
+            <a:schemeClr val="accent1"/>
+          </a:effectRef>
+          <a:fontRef idx="minor">
+            <a:schemeClr val="tx1"/>
+          </a:fontRef>
+        </p:style>
+      </p:cxnSp>
+      <p:cxnSp>
+        <p:nvCxnSpPr>
+          <p:cNvPr id="74" name="直線コネクタ 73">
+            <a:extLst>
+              <a:ext uri="{FF2B5EF4-FFF2-40B4-BE49-F238E27FC236}">
+                <a16:creationId xmlns:a16="http://schemas.microsoft.com/office/drawing/2014/main" id="{8C0D7D58-9A97-2A47-98AF-40370DAE96DD}"/>
+              </a:ext>
+            </a:extLst>
+          </p:cNvPr>
+          <p:cNvCxnSpPr>
+            <a:cxnSpLocks/>
+            <a:stCxn id="6" idx="2"/>
+          </p:cNvCxnSpPr>
+          <p:nvPr/>
+        </p:nvCxnSpPr>
+        <p:spPr>
+          <a:xfrm flipH="1">
+            <a:off x="3360014" y="3906033"/>
+            <a:ext cx="660841" cy="0"/>
+          </a:xfrm>
+          <a:prstGeom prst="line">
+            <a:avLst/>
+          </a:prstGeom>
+          <a:ln w="38100">
+            <a:solidFill>
+              <a:schemeClr val="tx1"/>
+            </a:solidFill>
+            <a:headEnd type="arrow" w="med" len="med"/>
+            <a:tailEnd type="none" w="med" len="med"/>
+          </a:ln>
+        </p:spPr>
+        <p:style>
+          <a:lnRef idx="1">
+            <a:schemeClr val="accent1"/>
+          </a:lnRef>
+          <a:fillRef idx="0">
+            <a:schemeClr val="accent1"/>
+          </a:fillRef>
+          <a:effectRef idx="0">
+            <a:schemeClr val="accent1"/>
+          </a:effectRef>
+          <a:fontRef idx="minor">
+            <a:schemeClr val="tx1"/>
+          </a:fontRef>
+        </p:style>
+      </p:cxnSp>
+      <p:cxnSp>
+        <p:nvCxnSpPr>
+          <p:cNvPr id="77" name="直線コネクタ 76">
+            <a:extLst>
+              <a:ext uri="{FF2B5EF4-FFF2-40B4-BE49-F238E27FC236}">
+                <a16:creationId xmlns:a16="http://schemas.microsoft.com/office/drawing/2014/main" id="{F1E1F616-D93A-2244-B167-81C732074C79}"/>
+              </a:ext>
+            </a:extLst>
+          </p:cNvPr>
+          <p:cNvCxnSpPr>
+            <a:cxnSpLocks/>
+            <a:endCxn id="9" idx="6"/>
+          </p:cNvCxnSpPr>
+          <p:nvPr/>
+        </p:nvCxnSpPr>
+        <p:spPr>
+          <a:xfrm flipH="1">
+            <a:off x="7329962" y="1755540"/>
+            <a:ext cx="658736" cy="16893"/>
+          </a:xfrm>
+          <a:prstGeom prst="line">
+            <a:avLst/>
+          </a:prstGeom>
+          <a:ln w="38100">
+            <a:solidFill>
+              <a:schemeClr val="tx1"/>
+            </a:solidFill>
+            <a:headEnd type="arrow" w="med" len="med"/>
+            <a:tailEnd type="none" w="med" len="med"/>
+          </a:ln>
+        </p:spPr>
+        <p:style>
+          <a:lnRef idx="1">
+            <a:schemeClr val="accent1"/>
+          </a:lnRef>
+          <a:fillRef idx="0">
+            <a:schemeClr val="accent1"/>
+          </a:fillRef>
+          <a:effectRef idx="0">
+            <a:schemeClr val="accent1"/>
+          </a:effectRef>
+          <a:fontRef idx="minor">
+            <a:schemeClr val="tx1"/>
+          </a:fontRef>
+        </p:style>
+      </p:cxnSp>
+      <p:cxnSp>
+        <p:nvCxnSpPr>
+          <p:cNvPr id="78" name="直線コネクタ 77">
+            <a:extLst>
+              <a:ext uri="{FF2B5EF4-FFF2-40B4-BE49-F238E27FC236}">
+                <a16:creationId xmlns:a16="http://schemas.microsoft.com/office/drawing/2014/main" id="{B32655B8-F12A-D34E-A81B-894BCCE0BCF6}"/>
+              </a:ext>
+            </a:extLst>
+          </p:cNvPr>
+          <p:cNvCxnSpPr>
+            <a:cxnSpLocks/>
+            <a:endCxn id="10" idx="6"/>
+          </p:cNvCxnSpPr>
+          <p:nvPr/>
+        </p:nvCxnSpPr>
+        <p:spPr>
+          <a:xfrm flipH="1">
+            <a:off x="7329962" y="2839233"/>
+            <a:ext cx="658735" cy="0"/>
+          </a:xfrm>
+          <a:prstGeom prst="line">
+            <a:avLst/>
+          </a:prstGeom>
+          <a:ln w="38100">
+            <a:solidFill>
+              <a:schemeClr val="tx1"/>
+            </a:solidFill>
+            <a:headEnd type="arrow" w="med" len="med"/>
+            <a:tailEnd type="none" w="med" len="med"/>
+          </a:ln>
+        </p:spPr>
+        <p:style>
+          <a:lnRef idx="1">
+            <a:schemeClr val="accent1"/>
+          </a:lnRef>
+          <a:fillRef idx="0">
+            <a:schemeClr val="accent1"/>
+          </a:fillRef>
+          <a:effectRef idx="0">
+            <a:schemeClr val="accent1"/>
+          </a:effectRef>
+          <a:fontRef idx="minor">
+            <a:schemeClr val="tx1"/>
+          </a:fontRef>
+        </p:style>
+      </p:cxnSp>
+      <p:cxnSp>
+        <p:nvCxnSpPr>
+          <p:cNvPr id="79" name="直線コネクタ 78">
+            <a:extLst>
+              <a:ext uri="{FF2B5EF4-FFF2-40B4-BE49-F238E27FC236}">
+                <a16:creationId xmlns:a16="http://schemas.microsoft.com/office/drawing/2014/main" id="{02C5131A-152C-2C40-9EA0-EAB64A7FA6BC}"/>
+              </a:ext>
+            </a:extLst>
+          </p:cNvPr>
+          <p:cNvCxnSpPr>
+            <a:cxnSpLocks/>
+            <a:endCxn id="11" idx="6"/>
+          </p:cNvCxnSpPr>
+          <p:nvPr/>
+        </p:nvCxnSpPr>
+        <p:spPr>
+          <a:xfrm flipH="1">
+            <a:off x="7329962" y="3906033"/>
+            <a:ext cx="658735" cy="0"/>
+          </a:xfrm>
+          <a:prstGeom prst="line">
+            <a:avLst/>
+          </a:prstGeom>
+          <a:ln w="38100">
+            <a:solidFill>
+              <a:schemeClr val="tx1"/>
+            </a:solidFill>
+            <a:headEnd type="arrow" w="med" len="med"/>
+            <a:tailEnd type="none" w="med" len="med"/>
+          </a:ln>
+        </p:spPr>
+        <p:style>
+          <a:lnRef idx="1">
+            <a:schemeClr val="accent1"/>
+          </a:lnRef>
+          <a:fillRef idx="0">
+            <a:schemeClr val="accent1"/>
+          </a:fillRef>
+          <a:effectRef idx="0">
+            <a:schemeClr val="accent1"/>
+          </a:effectRef>
+          <a:fontRef idx="minor">
+            <a:schemeClr val="tx1"/>
+          </a:fontRef>
+        </p:style>
+      </p:cxnSp>
+      <p:sp>
+        <p:nvSpPr>
+          <p:cNvPr id="86" name="テキスト ボックス 85">
+            <a:extLst>
+              <a:ext uri="{FF2B5EF4-FFF2-40B4-BE49-F238E27FC236}">
+                <a16:creationId xmlns:a16="http://schemas.microsoft.com/office/drawing/2014/main" id="{E5123B7B-4F8F-1C41-A770-314E128E123C}"/>
+              </a:ext>
+            </a:extLst>
+          </p:cNvPr>
+          <p:cNvSpPr txBox="1"/>
+          <p:nvPr/>
+        </p:nvSpPr>
+        <p:spPr>
+          <a:xfrm>
+            <a:off x="3914212" y="1016975"/>
+            <a:ext cx="877163" cy="369332"/>
+          </a:xfrm>
+          <a:prstGeom prst="rect">
+            <a:avLst/>
+          </a:prstGeom>
+          <a:noFill/>
+        </p:spPr>
+        <p:txBody>
+          <a:bodyPr wrap="none" rtlCol="0">
+            <a:spAutoFit/>
+          </a:bodyPr>
+          <a:lstStyle/>
+          <a:p>
+            <a:r>
+              <a:rPr lang="ja-JP" altLang="en-US">
+                <a:latin typeface="Meiryo" panose="020B0604030504040204" pitchFamily="34" charset="-128"/>
+                <a:ea typeface="Meiryo" panose="020B0604030504040204" pitchFamily="34" charset="-128"/>
+              </a:rPr>
+              <a:t>入力層</a:t>
+            </a:r>
+            <a:endParaRPr kumimoji="1" lang="ja-JP" altLang="en-US">
+              <a:latin typeface="Meiryo" panose="020B0604030504040204" pitchFamily="34" charset="-128"/>
+              <a:ea typeface="Meiryo" panose="020B0604030504040204" pitchFamily="34" charset="-128"/>
+            </a:endParaRPr>
+          </a:p>
+        </p:txBody>
+      </p:sp>
+      <p:sp>
+        <p:nvSpPr>
+          <p:cNvPr id="87" name="テキスト ボックス 86">
+            <a:extLst>
+              <a:ext uri="{FF2B5EF4-FFF2-40B4-BE49-F238E27FC236}">
+                <a16:creationId xmlns:a16="http://schemas.microsoft.com/office/drawing/2014/main" id="{F95DABE2-C3AB-4F47-836B-D7EAD08CDFD3}"/>
+              </a:ext>
+            </a:extLst>
+          </p:cNvPr>
+          <p:cNvSpPr txBox="1"/>
+          <p:nvPr/>
+        </p:nvSpPr>
+        <p:spPr>
+          <a:xfrm>
+            <a:off x="5218837" y="1016975"/>
+            <a:ext cx="877163" cy="369332"/>
+          </a:xfrm>
+          <a:prstGeom prst="rect">
+            <a:avLst/>
+          </a:prstGeom>
+          <a:noFill/>
+        </p:spPr>
+        <p:txBody>
+          <a:bodyPr wrap="none" rtlCol="0">
+            <a:spAutoFit/>
+          </a:bodyPr>
+          <a:lstStyle/>
+          <a:p>
+            <a:r>
+              <a:rPr lang="ja-JP" altLang="en-US">
+                <a:latin typeface="Meiryo" panose="020B0604030504040204" pitchFamily="34" charset="-128"/>
+                <a:ea typeface="Meiryo" panose="020B0604030504040204" pitchFamily="34" charset="-128"/>
+              </a:rPr>
+              <a:t>中間層</a:t>
+            </a:r>
+            <a:endParaRPr kumimoji="1" lang="ja-JP" altLang="en-US">
+              <a:latin typeface="Meiryo" panose="020B0604030504040204" pitchFamily="34" charset="-128"/>
+              <a:ea typeface="Meiryo" panose="020B0604030504040204" pitchFamily="34" charset="-128"/>
+            </a:endParaRPr>
+          </a:p>
+        </p:txBody>
+      </p:sp>
+      <p:sp>
+        <p:nvSpPr>
+          <p:cNvPr id="88" name="テキスト ボックス 87">
+            <a:extLst>
+              <a:ext uri="{FF2B5EF4-FFF2-40B4-BE49-F238E27FC236}">
+                <a16:creationId xmlns:a16="http://schemas.microsoft.com/office/drawing/2014/main" id="{930025AA-AB58-B840-9A54-5D3CDDCD295E}"/>
+              </a:ext>
+            </a:extLst>
+          </p:cNvPr>
+          <p:cNvSpPr txBox="1"/>
+          <p:nvPr/>
+        </p:nvSpPr>
+        <p:spPr>
+          <a:xfrm>
+            <a:off x="6523462" y="1016975"/>
+            <a:ext cx="877163" cy="369332"/>
+          </a:xfrm>
+          <a:prstGeom prst="rect">
+            <a:avLst/>
+          </a:prstGeom>
+          <a:noFill/>
+        </p:spPr>
+        <p:txBody>
+          <a:bodyPr wrap="none" rtlCol="0">
+            <a:spAutoFit/>
+          </a:bodyPr>
+          <a:lstStyle/>
+          <a:p>
+            <a:r>
+              <a:rPr lang="ja-JP" altLang="en-US">
+                <a:latin typeface="Meiryo" panose="020B0604030504040204" pitchFamily="34" charset="-128"/>
+                <a:ea typeface="Meiryo" panose="020B0604030504040204" pitchFamily="34" charset="-128"/>
+              </a:rPr>
+              <a:t>出力層</a:t>
+            </a:r>
+            <a:endParaRPr kumimoji="1" lang="ja-JP" altLang="en-US">
+              <a:latin typeface="Meiryo" panose="020B0604030504040204" pitchFamily="34" charset="-128"/>
+              <a:ea typeface="Meiryo" panose="020B0604030504040204" pitchFamily="34" charset="-128"/>
+            </a:endParaRPr>
+          </a:p>
+        </p:txBody>
+      </p:sp>
+      <p:sp>
+        <p:nvSpPr>
+          <p:cNvPr id="89" name="右矢印 88">
+            <a:extLst>
+              <a:ext uri="{FF2B5EF4-FFF2-40B4-BE49-F238E27FC236}">
+                <a16:creationId xmlns:a16="http://schemas.microsoft.com/office/drawing/2014/main" id="{9A7CA129-68E5-934D-A88F-E8727D1577C9}"/>
+              </a:ext>
+            </a:extLst>
+          </p:cNvPr>
+          <p:cNvSpPr/>
+          <p:nvPr/>
+        </p:nvSpPr>
+        <p:spPr>
+          <a:xfrm>
+            <a:off x="3360014" y="4417513"/>
+            <a:ext cx="4628683" cy="304800"/>
+          </a:xfrm>
+          <a:prstGeom prst="rightArrow">
+            <a:avLst/>
+          </a:prstGeom>
+          <a:solidFill>
+            <a:schemeClr val="accent5">
+              <a:lumMod val="40000"/>
+              <a:lumOff val="60000"/>
+            </a:schemeClr>
+          </a:solidFill>
+        </p:spPr>
+        <p:style>
+          <a:lnRef idx="2">
+            <a:schemeClr val="accent1">
+              <a:shade val="50000"/>
+            </a:schemeClr>
+          </a:lnRef>
+          <a:fillRef idx="1">
+            <a:schemeClr val="accent1"/>
+          </a:fillRef>
+          <a:effectRef idx="0">
+            <a:schemeClr val="accent1"/>
+          </a:effectRef>
+          <a:fontRef idx="minor">
+            <a:schemeClr val="lt1"/>
+          </a:fontRef>
+        </p:style>
+        <p:txBody>
+          <a:bodyPr rtlCol="0" anchor="ctr"/>
+          <a:lstStyle/>
+          <a:p>
+            <a:pPr algn="ctr"/>
+            <a:endParaRPr kumimoji="1" lang="ja-JP" altLang="en-US"/>
+          </a:p>
+        </p:txBody>
+      </p:sp>
+      <p:sp>
+        <p:nvSpPr>
+          <p:cNvPr id="90" name="テキスト ボックス 89">
+            <a:extLst>
+              <a:ext uri="{FF2B5EF4-FFF2-40B4-BE49-F238E27FC236}">
+                <a16:creationId xmlns:a16="http://schemas.microsoft.com/office/drawing/2014/main" id="{E4468285-EE7F-3042-BF9E-05E6E11170EF}"/>
+              </a:ext>
+            </a:extLst>
+          </p:cNvPr>
+          <p:cNvSpPr txBox="1"/>
+          <p:nvPr/>
+        </p:nvSpPr>
+        <p:spPr>
+          <a:xfrm>
+            <a:off x="8201170" y="2631657"/>
+            <a:ext cx="902811" cy="523220"/>
+          </a:xfrm>
+          <a:prstGeom prst="rect">
+            <a:avLst/>
+          </a:prstGeom>
+          <a:noFill/>
+        </p:spPr>
+        <p:txBody>
+          <a:bodyPr wrap="none" rtlCol="0">
+            <a:spAutoFit/>
+          </a:bodyPr>
+          <a:lstStyle/>
+          <a:p>
+            <a:r>
+              <a:rPr lang="ja-JP" altLang="en-US" sz="2800">
+                <a:latin typeface="Meiryo" panose="020B0604030504040204" pitchFamily="34" charset="-128"/>
+                <a:ea typeface="Meiryo" panose="020B0604030504040204" pitchFamily="34" charset="-128"/>
+              </a:rPr>
+              <a:t>出力</a:t>
+            </a:r>
+            <a:endParaRPr kumimoji="1" lang="ja-JP" altLang="en-US" sz="2800">
+              <a:latin typeface="Meiryo" panose="020B0604030504040204" pitchFamily="34" charset="-128"/>
+              <a:ea typeface="Meiryo" panose="020B0604030504040204" pitchFamily="34" charset="-128"/>
+            </a:endParaRPr>
+          </a:p>
+        </p:txBody>
+      </p:sp>
+      <p:sp>
+        <p:nvSpPr>
+          <p:cNvPr id="91" name="テキスト ボックス 90">
+            <a:extLst>
+              <a:ext uri="{FF2B5EF4-FFF2-40B4-BE49-F238E27FC236}">
+                <a16:creationId xmlns:a16="http://schemas.microsoft.com/office/drawing/2014/main" id="{DEF622B1-9429-FC4E-9F7C-7C7DFBB5031A}"/>
+              </a:ext>
+            </a:extLst>
+          </p:cNvPr>
+          <p:cNvSpPr txBox="1"/>
+          <p:nvPr/>
+        </p:nvSpPr>
+        <p:spPr>
+          <a:xfrm>
+            <a:off x="2454165" y="2631657"/>
+            <a:ext cx="902811" cy="523220"/>
+          </a:xfrm>
+          <a:prstGeom prst="rect">
+            <a:avLst/>
+          </a:prstGeom>
+          <a:noFill/>
+        </p:spPr>
+        <p:txBody>
+          <a:bodyPr wrap="none" rtlCol="0">
+            <a:spAutoFit/>
+          </a:bodyPr>
+          <a:lstStyle/>
+          <a:p>
+            <a:r>
+              <a:rPr lang="ja-JP" altLang="en-US" sz="2800">
+                <a:latin typeface="Meiryo" panose="020B0604030504040204" pitchFamily="34" charset="-128"/>
+                <a:ea typeface="Meiryo" panose="020B0604030504040204" pitchFamily="34" charset="-128"/>
+              </a:rPr>
+              <a:t>入力</a:t>
+            </a:r>
+            <a:endParaRPr kumimoji="1" lang="ja-JP" altLang="en-US" sz="2800">
+              <a:latin typeface="Meiryo" panose="020B0604030504040204" pitchFamily="34" charset="-128"/>
+              <a:ea typeface="Meiryo" panose="020B0604030504040204" pitchFamily="34" charset="-128"/>
+            </a:endParaRPr>
+          </a:p>
+        </p:txBody>
+      </p:sp>
+      <p:sp>
+        <p:nvSpPr>
+          <p:cNvPr id="34" name="テキスト ボックス 33">
+            <a:extLst>
+              <a:ext uri="{FF2B5EF4-FFF2-40B4-BE49-F238E27FC236}">
+                <a16:creationId xmlns:a16="http://schemas.microsoft.com/office/drawing/2014/main" id="{2212D8DA-C4BA-8A4A-AD20-04D2E1C4F020}"/>
+              </a:ext>
+            </a:extLst>
+          </p:cNvPr>
+          <p:cNvSpPr txBox="1"/>
+          <p:nvPr/>
+        </p:nvSpPr>
+        <p:spPr>
+          <a:xfrm>
+            <a:off x="5014101" y="4188908"/>
+            <a:ext cx="1338828" cy="369332"/>
+          </a:xfrm>
+          <a:prstGeom prst="rect">
+            <a:avLst/>
+          </a:prstGeom>
+          <a:noFill/>
+        </p:spPr>
+        <p:txBody>
+          <a:bodyPr wrap="none" rtlCol="0">
+            <a:spAutoFit/>
+          </a:bodyPr>
+          <a:lstStyle/>
+          <a:p>
+            <a:r>
+              <a:rPr kumimoji="1" lang="ja-JP" altLang="en-US">
+                <a:latin typeface="Meiryo" panose="020B0604030504040204" pitchFamily="34" charset="-128"/>
+                <a:ea typeface="Meiryo" panose="020B0604030504040204" pitchFamily="34" charset="-128"/>
+              </a:rPr>
+              <a:t>前向き計算</a:t>
+            </a:r>
+          </a:p>
+        </p:txBody>
+      </p:sp>
+      <p:sp>
+        <p:nvSpPr>
+          <p:cNvPr id="35" name="右矢印 34">
+            <a:extLst>
+              <a:ext uri="{FF2B5EF4-FFF2-40B4-BE49-F238E27FC236}">
+                <a16:creationId xmlns:a16="http://schemas.microsoft.com/office/drawing/2014/main" id="{134F0B40-FA9A-D442-8F6E-4110F291D6B2}"/>
+              </a:ext>
+            </a:extLst>
+          </p:cNvPr>
+          <p:cNvSpPr/>
+          <p:nvPr/>
+        </p:nvSpPr>
+        <p:spPr>
+          <a:xfrm flipH="1">
+            <a:off x="3343076" y="4798518"/>
+            <a:ext cx="4628683" cy="304800"/>
+          </a:xfrm>
+          <a:prstGeom prst="rightArrow">
+            <a:avLst/>
+          </a:prstGeom>
+        </p:spPr>
+        <p:style>
+          <a:lnRef idx="2">
+            <a:schemeClr val="accent1">
+              <a:shade val="50000"/>
+            </a:schemeClr>
+          </a:lnRef>
+          <a:fillRef idx="1">
+            <a:schemeClr val="accent1"/>
+          </a:fillRef>
+          <a:effectRef idx="0">
+            <a:schemeClr val="accent1"/>
+          </a:effectRef>
+          <a:fontRef idx="minor">
+            <a:schemeClr val="lt1"/>
+          </a:fontRef>
+        </p:style>
+        <p:txBody>
+          <a:bodyPr rtlCol="0" anchor="ctr"/>
+          <a:lstStyle/>
+          <a:p>
+            <a:pPr algn="ctr"/>
+            <a:endParaRPr kumimoji="1" lang="ja-JP" altLang="en-US"/>
+          </a:p>
+        </p:txBody>
+      </p:sp>
+      <p:sp>
+        <p:nvSpPr>
+          <p:cNvPr id="36" name="テキスト ボックス 35">
+            <a:extLst>
+              <a:ext uri="{FF2B5EF4-FFF2-40B4-BE49-F238E27FC236}">
+                <a16:creationId xmlns:a16="http://schemas.microsoft.com/office/drawing/2014/main" id="{7F401758-F338-A841-B866-4C50E57C9ABF}"/>
+              </a:ext>
+            </a:extLst>
+          </p:cNvPr>
+          <p:cNvSpPr txBox="1"/>
+          <p:nvPr/>
+        </p:nvSpPr>
+        <p:spPr>
+          <a:xfrm>
+            <a:off x="5014101" y="5033055"/>
+            <a:ext cx="1372492" cy="369332"/>
+          </a:xfrm>
+          <a:prstGeom prst="rect">
+            <a:avLst/>
+          </a:prstGeom>
+          <a:noFill/>
+        </p:spPr>
+        <p:txBody>
+          <a:bodyPr wrap="none" rtlCol="0">
+            <a:spAutoFit/>
+          </a:bodyPr>
+          <a:lstStyle/>
+          <a:p>
+            <a:r>
+              <a:rPr kumimoji="1" lang="ja-JP" altLang="en-US">
+                <a:latin typeface="Meiryo" panose="020B0604030504040204" pitchFamily="34" charset="-128"/>
+                <a:ea typeface="Meiryo" panose="020B0604030504040204" pitchFamily="34" charset="-128"/>
+              </a:rPr>
+              <a:t>修正</a:t>
+            </a:r>
+            <a:r>
+              <a:rPr kumimoji="1" lang="en-US" altLang="ja-JP" dirty="0">
+                <a:latin typeface="Meiryo" panose="020B0604030504040204" pitchFamily="34" charset="-128"/>
+                <a:ea typeface="Meiryo" panose="020B0604030504040204" pitchFamily="34" charset="-128"/>
+              </a:rPr>
+              <a:t>(BP</a:t>
+            </a:r>
+            <a:r>
+              <a:rPr lang="ja-JP" altLang="en-US">
+                <a:latin typeface="Meiryo" panose="020B0604030504040204" pitchFamily="34" charset="-128"/>
+                <a:ea typeface="Meiryo" panose="020B0604030504040204" pitchFamily="34" charset="-128"/>
+              </a:rPr>
+              <a:t>法</a:t>
+            </a:r>
+            <a:r>
+              <a:rPr kumimoji="1" lang="en-US" altLang="ja-JP" dirty="0">
+                <a:latin typeface="Meiryo" panose="020B0604030504040204" pitchFamily="34" charset="-128"/>
+                <a:ea typeface="Meiryo" panose="020B0604030504040204" pitchFamily="34" charset="-128"/>
+              </a:rPr>
+              <a:t>)</a:t>
+            </a:r>
+          </a:p>
+        </p:txBody>
+      </p:sp>
+    </p:spTree>
+    <p:extLst>
+      <p:ext uri="{BB962C8B-B14F-4D97-AF65-F5344CB8AC3E}">
+        <p14:creationId xmlns:p14="http://schemas.microsoft.com/office/powerpoint/2010/main" val="2240978883"/>
+      </p:ext>
+    </p:extLst>
+  </p:cSld>
+  <p:clrMapOvr>
+    <a:masterClrMapping/>
+  </p:clrMapOvr>
+</p:sld>
+</file>
+
+<file path=ppt/slides/slide13.xml><?xml version="1.0" encoding="utf-8"?>
+<p:sld xmlns:a="http://schemas.openxmlformats.org/drawingml/2006/main" xmlns:r="http://schemas.openxmlformats.org/officeDocument/2006/relationships" xmlns:p="http://schemas.openxmlformats.org/presentationml/2006/main">
+  <p:cSld>
+    <p:spTree>
+      <p:nvGrpSpPr>
+        <p:cNvPr id="1" name=""/>
+        <p:cNvGrpSpPr/>
+        <p:nvPr/>
+      </p:nvGrpSpPr>
+      <p:grpSpPr>
+        <a:xfrm>
+          <a:off x="0" y="0"/>
+          <a:ext cx="0" cy="0"/>
+          <a:chOff x="0" y="0"/>
+          <a:chExt cx="0" cy="0"/>
+        </a:xfrm>
+      </p:grpSpPr>
+      <p:sp>
+        <p:nvSpPr>
+          <p:cNvPr id="29" name="円/楕円 28">
+            <a:extLst>
+              <a:ext uri="{FF2B5EF4-FFF2-40B4-BE49-F238E27FC236}">
+                <a16:creationId xmlns:a16="http://schemas.microsoft.com/office/drawing/2014/main" id="{2B49628C-FEE2-8A40-A128-E3D95138906C}"/>
+              </a:ext>
+            </a:extLst>
+          </p:cNvPr>
+          <p:cNvSpPr/>
+          <p:nvPr/>
+        </p:nvSpPr>
+        <p:spPr>
+          <a:xfrm>
+            <a:off x="3364341" y="1436589"/>
+            <a:ext cx="663879" cy="663880"/>
+          </a:xfrm>
+          <a:prstGeom prst="ellipse">
+            <a:avLst/>
+          </a:prstGeom>
+          <a:solidFill>
+            <a:schemeClr val="accent1">
+              <a:lumMod val="60000"/>
+              <a:lumOff val="40000"/>
+            </a:schemeClr>
+          </a:solidFill>
+          <a:ln w="28575"/>
+        </p:spPr>
+        <p:style>
+          <a:lnRef idx="2">
+            <a:schemeClr val="accent1">
+              <a:shade val="50000"/>
+            </a:schemeClr>
+          </a:lnRef>
+          <a:fillRef idx="1">
+            <a:schemeClr val="accent1"/>
+          </a:fillRef>
+          <a:effectRef idx="0">
+            <a:schemeClr val="accent1"/>
+          </a:effectRef>
+          <a:fontRef idx="minor">
+            <a:schemeClr val="lt1"/>
+          </a:fontRef>
+        </p:style>
+        <p:txBody>
+          <a:bodyPr rtlCol="0" anchor="ctr"/>
+          <a:lstStyle/>
+          <a:p>
+            <a:pPr algn="ctr"/>
+            <a:endParaRPr kumimoji="1" lang="ja-JP" altLang="en-US"/>
+          </a:p>
+        </p:txBody>
+      </p:sp>
+      <p:sp>
+        <p:nvSpPr>
+          <p:cNvPr id="30" name="円/楕円 29">
+            <a:extLst>
+              <a:ext uri="{FF2B5EF4-FFF2-40B4-BE49-F238E27FC236}">
+                <a16:creationId xmlns:a16="http://schemas.microsoft.com/office/drawing/2014/main" id="{9FCE2DCB-8C8F-804E-AB23-DB0D74111688}"/>
+              </a:ext>
+            </a:extLst>
+          </p:cNvPr>
+          <p:cNvSpPr/>
+          <p:nvPr/>
+        </p:nvSpPr>
+        <p:spPr>
+          <a:xfrm>
+            <a:off x="3407243" y="2765120"/>
+            <a:ext cx="663879" cy="663880"/>
+          </a:xfrm>
+          <a:prstGeom prst="ellipse">
+            <a:avLst/>
+          </a:prstGeom>
+          <a:solidFill>
+            <a:schemeClr val="accent1">
+              <a:lumMod val="60000"/>
+              <a:lumOff val="40000"/>
+            </a:schemeClr>
+          </a:solidFill>
+          <a:ln w="28575"/>
+        </p:spPr>
+        <p:style>
+          <a:lnRef idx="2">
+            <a:schemeClr val="accent1">
+              <a:shade val="50000"/>
+            </a:schemeClr>
+          </a:lnRef>
+          <a:fillRef idx="1">
+            <a:schemeClr val="accent1"/>
+          </a:fillRef>
+          <a:effectRef idx="0">
+            <a:schemeClr val="accent1"/>
+          </a:effectRef>
+          <a:fontRef idx="minor">
+            <a:schemeClr val="lt1"/>
+          </a:fontRef>
+        </p:style>
+        <p:txBody>
+          <a:bodyPr rtlCol="0" anchor="ctr"/>
+          <a:lstStyle/>
+          <a:p>
+            <a:pPr algn="ctr"/>
+            <a:endParaRPr kumimoji="1" lang="ja-JP" altLang="en-US"/>
+          </a:p>
+        </p:txBody>
+      </p:sp>
+      <p:sp>
+        <p:nvSpPr>
+          <p:cNvPr id="31" name="円/楕円 30">
+            <a:extLst>
+              <a:ext uri="{FF2B5EF4-FFF2-40B4-BE49-F238E27FC236}">
+                <a16:creationId xmlns:a16="http://schemas.microsoft.com/office/drawing/2014/main" id="{04C24CDA-B8ED-0243-88B2-7F6C4F64CA3E}"/>
+              </a:ext>
+            </a:extLst>
+          </p:cNvPr>
+          <p:cNvSpPr/>
+          <p:nvPr/>
+        </p:nvSpPr>
+        <p:spPr>
+          <a:xfrm>
+            <a:off x="5343469" y="1436589"/>
+            <a:ext cx="663879" cy="663880"/>
+          </a:xfrm>
+          <a:prstGeom prst="ellipse">
+            <a:avLst/>
+          </a:prstGeom>
+          <a:solidFill>
+            <a:schemeClr val="accent1">
+              <a:lumMod val="60000"/>
+              <a:lumOff val="40000"/>
+            </a:schemeClr>
+          </a:solidFill>
+          <a:ln w="28575"/>
+        </p:spPr>
+        <p:style>
+          <a:lnRef idx="2">
+            <a:schemeClr val="accent1">
+              <a:shade val="50000"/>
+            </a:schemeClr>
+          </a:lnRef>
+          <a:fillRef idx="1">
+            <a:schemeClr val="accent1"/>
+          </a:fillRef>
+          <a:effectRef idx="0">
+            <a:schemeClr val="accent1"/>
+          </a:effectRef>
+          <a:fontRef idx="minor">
+            <a:schemeClr val="lt1"/>
+          </a:fontRef>
+        </p:style>
+        <p:txBody>
+          <a:bodyPr rtlCol="0" anchor="ctr"/>
+          <a:lstStyle/>
+          <a:p>
+            <a:pPr algn="ctr"/>
+            <a:endParaRPr kumimoji="1" lang="ja-JP" altLang="en-US"/>
+          </a:p>
+        </p:txBody>
+      </p:sp>
+      <p:sp>
+        <p:nvSpPr>
+          <p:cNvPr id="32" name="円/楕円 31">
+            <a:extLst>
+              <a:ext uri="{FF2B5EF4-FFF2-40B4-BE49-F238E27FC236}">
+                <a16:creationId xmlns:a16="http://schemas.microsoft.com/office/drawing/2014/main" id="{9D5FF8BB-D4D6-5246-B9EE-DB9B2163D2A4}"/>
+              </a:ext>
+            </a:extLst>
+          </p:cNvPr>
+          <p:cNvSpPr/>
+          <p:nvPr/>
+        </p:nvSpPr>
+        <p:spPr>
+          <a:xfrm>
+            <a:off x="5383332" y="2765120"/>
+            <a:ext cx="663879" cy="663880"/>
+          </a:xfrm>
+          <a:prstGeom prst="ellipse">
+            <a:avLst/>
+          </a:prstGeom>
+          <a:solidFill>
+            <a:schemeClr val="accent1">
+              <a:lumMod val="60000"/>
+              <a:lumOff val="40000"/>
+            </a:schemeClr>
+          </a:solidFill>
+          <a:ln w="28575"/>
+        </p:spPr>
+        <p:style>
+          <a:lnRef idx="2">
+            <a:schemeClr val="accent1">
+              <a:shade val="50000"/>
+            </a:schemeClr>
+          </a:lnRef>
+          <a:fillRef idx="1">
+            <a:schemeClr val="accent1"/>
+          </a:fillRef>
+          <a:effectRef idx="0">
+            <a:schemeClr val="accent1"/>
+          </a:effectRef>
+          <a:fontRef idx="minor">
+            <a:schemeClr val="lt1"/>
+          </a:fontRef>
+        </p:style>
+        <p:txBody>
+          <a:bodyPr rtlCol="0" anchor="ctr"/>
+          <a:lstStyle/>
+          <a:p>
+            <a:pPr algn="ctr"/>
+            <a:endParaRPr kumimoji="1" lang="ja-JP" altLang="en-US"/>
+          </a:p>
+        </p:txBody>
+      </p:sp>
+      <p:cxnSp>
+        <p:nvCxnSpPr>
+          <p:cNvPr id="33" name="直線コネクタ 32">
+            <a:extLst>
+              <a:ext uri="{FF2B5EF4-FFF2-40B4-BE49-F238E27FC236}">
+                <a16:creationId xmlns:a16="http://schemas.microsoft.com/office/drawing/2014/main" id="{E067FF39-C297-C241-A845-997B18E0C498}"/>
+              </a:ext>
+            </a:extLst>
+          </p:cNvPr>
+          <p:cNvCxnSpPr>
+            <a:stCxn id="31" idx="2"/>
+            <a:endCxn id="29" idx="6"/>
+          </p:cNvCxnSpPr>
+          <p:nvPr/>
+        </p:nvCxnSpPr>
+        <p:spPr>
+          <a:xfrm flipH="1">
+            <a:off x="4028220" y="1768529"/>
+            <a:ext cx="1315249" cy="0"/>
+          </a:xfrm>
+          <a:prstGeom prst="line">
+            <a:avLst/>
+          </a:prstGeom>
+          <a:ln w="38100">
+            <a:solidFill>
+              <a:schemeClr val="tx1"/>
+            </a:solidFill>
+            <a:headEnd type="arrow" w="med" len="med"/>
+            <a:tailEnd type="none" w="med" len="med"/>
+          </a:ln>
+        </p:spPr>
+        <p:style>
+          <a:lnRef idx="1">
+            <a:schemeClr val="accent1"/>
+          </a:lnRef>
+          <a:fillRef idx="0">
+            <a:schemeClr val="accent1"/>
+          </a:fillRef>
+          <a:effectRef idx="0">
+            <a:schemeClr val="accent1"/>
+          </a:effectRef>
+          <a:fontRef idx="minor">
+            <a:schemeClr val="tx1"/>
+          </a:fontRef>
+        </p:style>
+      </p:cxnSp>
+      <p:cxnSp>
+        <p:nvCxnSpPr>
+          <p:cNvPr id="34" name="直線コネクタ 33">
+            <a:extLst>
+              <a:ext uri="{FF2B5EF4-FFF2-40B4-BE49-F238E27FC236}">
+                <a16:creationId xmlns:a16="http://schemas.microsoft.com/office/drawing/2014/main" id="{9C4C548D-1BA0-894A-A04A-DFC58862E964}"/>
+              </a:ext>
+            </a:extLst>
+          </p:cNvPr>
+          <p:cNvCxnSpPr>
+            <a:cxnSpLocks/>
+            <a:stCxn id="31" idx="2"/>
+            <a:endCxn id="30" idx="6"/>
+          </p:cNvCxnSpPr>
+          <p:nvPr/>
+        </p:nvCxnSpPr>
+        <p:spPr>
+          <a:xfrm flipH="1">
+            <a:off x="4071122" y="1768529"/>
+            <a:ext cx="1272347" cy="1328531"/>
+          </a:xfrm>
+          <a:prstGeom prst="line">
+            <a:avLst/>
+          </a:prstGeom>
+          <a:ln w="38100">
+            <a:solidFill>
+              <a:schemeClr val="tx1"/>
+            </a:solidFill>
+            <a:headEnd type="arrow" w="med" len="med"/>
+            <a:tailEnd type="none" w="med" len="med"/>
+          </a:ln>
+        </p:spPr>
+        <p:style>
+          <a:lnRef idx="1">
+            <a:schemeClr val="accent1"/>
+          </a:lnRef>
+          <a:fillRef idx="0">
+            <a:schemeClr val="accent1"/>
+          </a:fillRef>
+          <a:effectRef idx="0">
+            <a:schemeClr val="accent1"/>
+          </a:effectRef>
+          <a:fontRef idx="minor">
+            <a:schemeClr val="tx1"/>
+          </a:fontRef>
+        </p:style>
+      </p:cxnSp>
+      <p:cxnSp>
+        <p:nvCxnSpPr>
+          <p:cNvPr id="36" name="直線コネクタ 35">
+            <a:extLst>
+              <a:ext uri="{FF2B5EF4-FFF2-40B4-BE49-F238E27FC236}">
+                <a16:creationId xmlns:a16="http://schemas.microsoft.com/office/drawing/2014/main" id="{BDE2B8FD-CC9A-8940-9B9F-6EDD0F44382D}"/>
+              </a:ext>
+            </a:extLst>
+          </p:cNvPr>
+          <p:cNvCxnSpPr>
+            <a:cxnSpLocks/>
+            <a:stCxn id="32" idx="2"/>
+            <a:endCxn id="29" idx="6"/>
+          </p:cNvCxnSpPr>
+          <p:nvPr/>
+        </p:nvCxnSpPr>
+        <p:spPr>
+          <a:xfrm flipH="1" flipV="1">
+            <a:off x="4028220" y="1768529"/>
+            <a:ext cx="1355112" cy="1328531"/>
+          </a:xfrm>
+          <a:prstGeom prst="line">
+            <a:avLst/>
+          </a:prstGeom>
+          <a:ln w="38100">
+            <a:solidFill>
+              <a:schemeClr val="tx1"/>
+            </a:solidFill>
+            <a:headEnd type="arrow" w="med" len="med"/>
+            <a:tailEnd type="none" w="med" len="med"/>
+          </a:ln>
+        </p:spPr>
+        <p:style>
+          <a:lnRef idx="1">
+            <a:schemeClr val="accent1"/>
+          </a:lnRef>
+          <a:fillRef idx="0">
+            <a:schemeClr val="accent1"/>
+          </a:fillRef>
+          <a:effectRef idx="0">
+            <a:schemeClr val="accent1"/>
+          </a:effectRef>
+          <a:fontRef idx="minor">
+            <a:schemeClr val="tx1"/>
+          </a:fontRef>
+        </p:style>
+      </p:cxnSp>
+      <p:cxnSp>
+        <p:nvCxnSpPr>
+          <p:cNvPr id="37" name="直線コネクタ 36">
+            <a:extLst>
+              <a:ext uri="{FF2B5EF4-FFF2-40B4-BE49-F238E27FC236}">
+                <a16:creationId xmlns:a16="http://schemas.microsoft.com/office/drawing/2014/main" id="{460420F3-A515-1E46-AC4F-AE6A82270FC6}"/>
+              </a:ext>
+            </a:extLst>
+          </p:cNvPr>
+          <p:cNvCxnSpPr>
+            <a:cxnSpLocks/>
+            <a:stCxn id="32" idx="2"/>
+            <a:endCxn id="30" idx="6"/>
+          </p:cNvCxnSpPr>
+          <p:nvPr/>
+        </p:nvCxnSpPr>
+        <p:spPr>
+          <a:xfrm flipH="1">
+            <a:off x="4071122" y="3097060"/>
+            <a:ext cx="1312210" cy="0"/>
+          </a:xfrm>
+          <a:prstGeom prst="line">
+            <a:avLst/>
+          </a:prstGeom>
+          <a:ln w="38100">
+            <a:solidFill>
+              <a:schemeClr val="tx1"/>
+            </a:solidFill>
+            <a:headEnd type="arrow" w="med" len="med"/>
+            <a:tailEnd type="none" w="med" len="med"/>
+          </a:ln>
+        </p:spPr>
+        <p:style>
+          <a:lnRef idx="1">
+            <a:schemeClr val="accent1"/>
+          </a:lnRef>
+          <a:fillRef idx="0">
+            <a:schemeClr val="accent1"/>
+          </a:fillRef>
+          <a:effectRef idx="0">
+            <a:schemeClr val="accent1"/>
+          </a:effectRef>
+          <a:fontRef idx="minor">
+            <a:schemeClr val="tx1"/>
+          </a:fontRef>
+        </p:style>
+      </p:cxnSp>
+      <p:cxnSp>
+        <p:nvCxnSpPr>
+          <p:cNvPr id="40" name="直線コネクタ 39">
+            <a:extLst>
+              <a:ext uri="{FF2B5EF4-FFF2-40B4-BE49-F238E27FC236}">
+                <a16:creationId xmlns:a16="http://schemas.microsoft.com/office/drawing/2014/main" id="{21E1FC5E-1E9A-5043-903C-8B42F6797370}"/>
+              </a:ext>
+            </a:extLst>
+          </p:cNvPr>
+          <p:cNvCxnSpPr>
+            <a:cxnSpLocks/>
+            <a:stCxn id="29" idx="2"/>
+          </p:cNvCxnSpPr>
+          <p:nvPr/>
+        </p:nvCxnSpPr>
+        <p:spPr>
+          <a:xfrm flipH="1">
+            <a:off x="2703500" y="1768529"/>
+            <a:ext cx="660841" cy="0"/>
+          </a:xfrm>
+          <a:prstGeom prst="line">
+            <a:avLst/>
+          </a:prstGeom>
+          <a:ln w="38100">
+            <a:solidFill>
+              <a:schemeClr val="tx1"/>
+            </a:solidFill>
+            <a:prstDash val="sysDot"/>
+            <a:headEnd type="arrow" w="med" len="med"/>
+            <a:tailEnd type="none" w="med" len="med"/>
+          </a:ln>
+        </p:spPr>
+        <p:style>
+          <a:lnRef idx="1">
+            <a:schemeClr val="accent1"/>
+          </a:lnRef>
+          <a:fillRef idx="0">
+            <a:schemeClr val="accent1"/>
+          </a:fillRef>
+          <a:effectRef idx="0">
+            <a:schemeClr val="accent1"/>
+          </a:effectRef>
+          <a:fontRef idx="minor">
+            <a:schemeClr val="tx1"/>
+          </a:fontRef>
+        </p:style>
+      </p:cxnSp>
+      <p:cxnSp>
+        <p:nvCxnSpPr>
+          <p:cNvPr id="42" name="直線コネクタ 41">
+            <a:extLst>
+              <a:ext uri="{FF2B5EF4-FFF2-40B4-BE49-F238E27FC236}">
+                <a16:creationId xmlns:a16="http://schemas.microsoft.com/office/drawing/2014/main" id="{147A3B30-E0E6-1941-A660-F64C9A141DD5}"/>
+              </a:ext>
+            </a:extLst>
+          </p:cNvPr>
+          <p:cNvCxnSpPr>
+            <a:cxnSpLocks/>
+            <a:stCxn id="30" idx="2"/>
+          </p:cNvCxnSpPr>
+          <p:nvPr/>
+        </p:nvCxnSpPr>
+        <p:spPr>
+          <a:xfrm flipH="1">
+            <a:off x="2746403" y="3097060"/>
+            <a:ext cx="660840" cy="13505"/>
+          </a:xfrm>
+          <a:prstGeom prst="line">
+            <a:avLst/>
+          </a:prstGeom>
+          <a:ln w="38100">
+            <a:solidFill>
+              <a:schemeClr val="tx1"/>
+            </a:solidFill>
+            <a:prstDash val="sysDot"/>
+            <a:headEnd type="arrow" w="med" len="med"/>
+            <a:tailEnd type="none" w="med" len="med"/>
+          </a:ln>
+        </p:spPr>
+        <p:style>
+          <a:lnRef idx="1">
+            <a:schemeClr val="accent1"/>
+          </a:lnRef>
+          <a:fillRef idx="0">
+            <a:schemeClr val="accent1"/>
+          </a:fillRef>
+          <a:effectRef idx="0">
+            <a:schemeClr val="accent1"/>
+          </a:effectRef>
+          <a:fontRef idx="minor">
+            <a:schemeClr val="tx1"/>
+          </a:fontRef>
+        </p:style>
+      </p:cxnSp>
+      <p:sp>
+        <p:nvSpPr>
+          <p:cNvPr id="50" name="テキスト ボックス 49">
+            <a:extLst>
+              <a:ext uri="{FF2B5EF4-FFF2-40B4-BE49-F238E27FC236}">
+                <a16:creationId xmlns:a16="http://schemas.microsoft.com/office/drawing/2014/main" id="{6D70F59E-0D9F-7D41-A808-1CE32F38DB3B}"/>
+              </a:ext>
+            </a:extLst>
+          </p:cNvPr>
+          <p:cNvSpPr txBox="1"/>
+          <p:nvPr/>
+        </p:nvSpPr>
+        <p:spPr>
+          <a:xfrm>
+            <a:off x="5218837" y="1016975"/>
+            <a:ext cx="1019831" cy="369332"/>
+          </a:xfrm>
+          <a:prstGeom prst="rect">
+            <a:avLst/>
+          </a:prstGeom>
+          <a:noFill/>
+        </p:spPr>
+        <p:txBody>
+          <a:bodyPr wrap="none" rtlCol="0">
+            <a:spAutoFit/>
+          </a:bodyPr>
+          <a:lstStyle/>
+          <a:p>
+            <a:r>
+              <a:rPr lang="ja-JP" altLang="en-US">
+                <a:latin typeface="Meiryo" panose="020B0604030504040204" pitchFamily="34" charset="-128"/>
+                <a:ea typeface="Meiryo" panose="020B0604030504040204" pitchFamily="34" charset="-128"/>
+              </a:rPr>
+              <a:t>中間層</a:t>
+            </a:r>
+            <a:r>
+              <a:rPr lang="en-US" altLang="ja-JP" dirty="0">
+                <a:latin typeface="Meiryo" panose="020B0604030504040204" pitchFamily="34" charset="-128"/>
+                <a:ea typeface="Meiryo" panose="020B0604030504040204" pitchFamily="34" charset="-128"/>
+              </a:rPr>
+              <a:t> </a:t>
+            </a:r>
+            <a:r>
+              <a:rPr lang="en-US" altLang="ja-JP" i="1" dirty="0">
+                <a:latin typeface="Times New Roman" panose="02020603050405020304" pitchFamily="18" charset="0"/>
+                <a:ea typeface="Meiryo" panose="020B0604030504040204" pitchFamily="34" charset="-128"/>
+                <a:cs typeface="Times New Roman" panose="02020603050405020304" pitchFamily="18" charset="0"/>
+              </a:rPr>
+              <a:t>j</a:t>
+            </a:r>
+            <a:endParaRPr kumimoji="1" lang="ja-JP" altLang="en-US" i="1">
+              <a:latin typeface="Times New Roman" panose="02020603050405020304" pitchFamily="18" charset="0"/>
+              <a:ea typeface="Meiryo" panose="020B0604030504040204" pitchFamily="34" charset="-128"/>
+              <a:cs typeface="Times New Roman" panose="02020603050405020304" pitchFamily="18" charset="0"/>
+            </a:endParaRPr>
+          </a:p>
+        </p:txBody>
+      </p:sp>
+      <p:sp>
+        <p:nvSpPr>
+          <p:cNvPr id="51" name="テキスト ボックス 50">
+            <a:extLst>
+              <a:ext uri="{FF2B5EF4-FFF2-40B4-BE49-F238E27FC236}">
+                <a16:creationId xmlns:a16="http://schemas.microsoft.com/office/drawing/2014/main" id="{B589076F-9DD3-D341-BF1F-A7A17906E641}"/>
+              </a:ext>
+            </a:extLst>
+          </p:cNvPr>
+          <p:cNvSpPr txBox="1"/>
+          <p:nvPr/>
+        </p:nvSpPr>
+        <p:spPr>
+          <a:xfrm>
+            <a:off x="7293982" y="1015933"/>
+            <a:ext cx="1058303" cy="369332"/>
+          </a:xfrm>
+          <a:prstGeom prst="rect">
+            <a:avLst/>
+          </a:prstGeom>
+          <a:noFill/>
+        </p:spPr>
+        <p:txBody>
+          <a:bodyPr wrap="none" rtlCol="0">
+            <a:spAutoFit/>
+          </a:bodyPr>
+          <a:lstStyle/>
+          <a:p>
+            <a:r>
+              <a:rPr lang="ja-JP" altLang="en-US">
+                <a:latin typeface="Meiryo" panose="020B0604030504040204" pitchFamily="34" charset="-128"/>
+                <a:ea typeface="Meiryo" panose="020B0604030504040204" pitchFamily="34" charset="-128"/>
+              </a:rPr>
+              <a:t>出力層</a:t>
+            </a:r>
+            <a:r>
+              <a:rPr lang="en-US" altLang="ja-JP" dirty="0">
+                <a:latin typeface="Meiryo" panose="020B0604030504040204" pitchFamily="34" charset="-128"/>
+                <a:ea typeface="Meiryo" panose="020B0604030504040204" pitchFamily="34" charset="-128"/>
+              </a:rPr>
+              <a:t> </a:t>
+            </a:r>
+            <a:r>
+              <a:rPr lang="en-US" altLang="ja-JP" i="1" dirty="0">
+                <a:latin typeface="Times New Roman" panose="02020603050405020304" pitchFamily="18" charset="0"/>
+                <a:ea typeface="Meiryo" panose="020B0604030504040204" pitchFamily="34" charset="-128"/>
+                <a:cs typeface="Times New Roman" panose="02020603050405020304" pitchFamily="18" charset="0"/>
+              </a:rPr>
+              <a:t>k</a:t>
+            </a:r>
+            <a:endParaRPr kumimoji="1" lang="ja-JP" altLang="en-US" i="1">
+              <a:latin typeface="Times New Roman" panose="02020603050405020304" pitchFamily="18" charset="0"/>
+              <a:ea typeface="Meiryo" panose="020B0604030504040204" pitchFamily="34" charset="-128"/>
+              <a:cs typeface="Times New Roman" panose="02020603050405020304" pitchFamily="18" charset="0"/>
+            </a:endParaRPr>
+          </a:p>
+        </p:txBody>
+      </p:sp>
+      <p:sp>
+        <p:nvSpPr>
+          <p:cNvPr id="59" name="円/楕円 58">
+            <a:extLst>
+              <a:ext uri="{FF2B5EF4-FFF2-40B4-BE49-F238E27FC236}">
+                <a16:creationId xmlns:a16="http://schemas.microsoft.com/office/drawing/2014/main" id="{962D194A-29ED-0B47-8E5E-B1F6301C089F}"/>
+              </a:ext>
+            </a:extLst>
+          </p:cNvPr>
+          <p:cNvSpPr/>
+          <p:nvPr/>
+        </p:nvSpPr>
+        <p:spPr>
+          <a:xfrm>
+            <a:off x="7400625" y="1436589"/>
+            <a:ext cx="663879" cy="663880"/>
+          </a:xfrm>
+          <a:prstGeom prst="ellipse">
+            <a:avLst/>
+          </a:prstGeom>
+          <a:solidFill>
+            <a:schemeClr val="accent1">
+              <a:lumMod val="60000"/>
+              <a:lumOff val="40000"/>
+            </a:schemeClr>
+          </a:solidFill>
+          <a:ln w="28575"/>
+        </p:spPr>
+        <p:style>
+          <a:lnRef idx="2">
+            <a:schemeClr val="accent1">
+              <a:shade val="50000"/>
+            </a:schemeClr>
+          </a:lnRef>
+          <a:fillRef idx="1">
+            <a:schemeClr val="accent1"/>
+          </a:fillRef>
+          <a:effectRef idx="0">
+            <a:schemeClr val="accent1"/>
+          </a:effectRef>
+          <a:fontRef idx="minor">
+            <a:schemeClr val="lt1"/>
+          </a:fontRef>
+        </p:style>
+        <p:txBody>
+          <a:bodyPr rtlCol="0" anchor="ctr"/>
+          <a:lstStyle/>
+          <a:p>
+            <a:pPr algn="ctr"/>
+            <a:endParaRPr kumimoji="1" lang="ja-JP" altLang="en-US"/>
+          </a:p>
+        </p:txBody>
+      </p:sp>
+      <p:cxnSp>
+        <p:nvCxnSpPr>
+          <p:cNvPr id="60" name="直線コネクタ 59">
+            <a:extLst>
+              <a:ext uri="{FF2B5EF4-FFF2-40B4-BE49-F238E27FC236}">
+                <a16:creationId xmlns:a16="http://schemas.microsoft.com/office/drawing/2014/main" id="{F880EA32-4691-FE4D-9D23-028AD8C45308}"/>
+              </a:ext>
+            </a:extLst>
+          </p:cNvPr>
+          <p:cNvCxnSpPr>
+            <a:cxnSpLocks/>
+            <a:stCxn id="59" idx="2"/>
+            <a:endCxn id="31" idx="6"/>
+          </p:cNvCxnSpPr>
+          <p:nvPr/>
+        </p:nvCxnSpPr>
+        <p:spPr>
+          <a:xfrm flipH="1">
+            <a:off x="6007348" y="1768529"/>
+            <a:ext cx="1393277" cy="0"/>
+          </a:xfrm>
+          <a:prstGeom prst="line">
+            <a:avLst/>
+          </a:prstGeom>
+          <a:ln w="38100">
+            <a:solidFill>
+              <a:schemeClr val="tx1"/>
+            </a:solidFill>
+            <a:headEnd type="arrow" w="med" len="med"/>
+            <a:tailEnd type="none" w="med" len="med"/>
+          </a:ln>
+        </p:spPr>
+        <p:style>
+          <a:lnRef idx="1">
+            <a:schemeClr val="accent1"/>
+          </a:lnRef>
+          <a:fillRef idx="0">
+            <a:schemeClr val="accent1"/>
+          </a:fillRef>
+          <a:effectRef idx="0">
+            <a:schemeClr val="accent1"/>
+          </a:effectRef>
+          <a:fontRef idx="minor">
+            <a:schemeClr val="tx1"/>
+          </a:fontRef>
+        </p:style>
+      </p:cxnSp>
+      <p:cxnSp>
+        <p:nvCxnSpPr>
+          <p:cNvPr id="61" name="直線コネクタ 60">
+            <a:extLst>
+              <a:ext uri="{FF2B5EF4-FFF2-40B4-BE49-F238E27FC236}">
+                <a16:creationId xmlns:a16="http://schemas.microsoft.com/office/drawing/2014/main" id="{EAC892FB-F99B-5E4E-8E96-32F4905F5616}"/>
+              </a:ext>
+            </a:extLst>
+          </p:cNvPr>
+          <p:cNvCxnSpPr>
+            <a:cxnSpLocks/>
+            <a:stCxn id="59" idx="2"/>
+            <a:endCxn id="32" idx="6"/>
+          </p:cNvCxnSpPr>
+          <p:nvPr/>
+        </p:nvCxnSpPr>
+        <p:spPr>
+          <a:xfrm flipH="1">
+            <a:off x="6047211" y="1768529"/>
+            <a:ext cx="1353414" cy="1328531"/>
+          </a:xfrm>
+          <a:prstGeom prst="line">
+            <a:avLst/>
+          </a:prstGeom>
+          <a:ln w="38100">
+            <a:solidFill>
+              <a:schemeClr val="tx1"/>
+            </a:solidFill>
+            <a:headEnd type="arrow" w="med" len="med"/>
+            <a:tailEnd type="none" w="med" len="med"/>
+          </a:ln>
+        </p:spPr>
+        <p:style>
+          <a:lnRef idx="1">
+            <a:schemeClr val="accent1"/>
+          </a:lnRef>
+          <a:fillRef idx="0">
+            <a:schemeClr val="accent1"/>
+          </a:fillRef>
+          <a:effectRef idx="0">
+            <a:schemeClr val="accent1"/>
+          </a:effectRef>
+          <a:fontRef idx="minor">
+            <a:schemeClr val="tx1"/>
+          </a:fontRef>
+        </p:style>
+      </p:cxnSp>
+      <p:cxnSp>
+        <p:nvCxnSpPr>
+          <p:cNvPr id="63" name="直線コネクタ 62">
+            <a:extLst>
+              <a:ext uri="{FF2B5EF4-FFF2-40B4-BE49-F238E27FC236}">
+                <a16:creationId xmlns:a16="http://schemas.microsoft.com/office/drawing/2014/main" id="{35C41DC2-B456-2642-885C-FC4A0027AF7B}"/>
+              </a:ext>
+            </a:extLst>
+          </p:cNvPr>
+          <p:cNvCxnSpPr>
+            <a:cxnSpLocks/>
+            <a:endCxn id="59" idx="6"/>
+          </p:cNvCxnSpPr>
+          <p:nvPr/>
+        </p:nvCxnSpPr>
+        <p:spPr>
+          <a:xfrm flipH="1">
+            <a:off x="8064504" y="1768529"/>
+            <a:ext cx="622755" cy="0"/>
+          </a:xfrm>
+          <a:prstGeom prst="line">
+            <a:avLst/>
+          </a:prstGeom>
+          <a:ln w="38100">
+            <a:solidFill>
+              <a:schemeClr val="tx1"/>
+            </a:solidFill>
+            <a:headEnd type="arrow" w="med" len="med"/>
+            <a:tailEnd type="none" w="med" len="med"/>
+          </a:ln>
+        </p:spPr>
+        <p:style>
+          <a:lnRef idx="1">
+            <a:schemeClr val="accent1"/>
+          </a:lnRef>
+          <a:fillRef idx="0">
+            <a:schemeClr val="accent1"/>
+          </a:fillRef>
+          <a:effectRef idx="0">
+            <a:schemeClr val="accent1"/>
+          </a:effectRef>
+          <a:fontRef idx="minor">
+            <a:schemeClr val="tx1"/>
+          </a:fontRef>
+        </p:style>
+      </p:cxnSp>
+      <p:sp>
+        <p:nvSpPr>
+          <p:cNvPr id="35" name="円/楕円 34">
+            <a:extLst>
+              <a:ext uri="{FF2B5EF4-FFF2-40B4-BE49-F238E27FC236}">
+                <a16:creationId xmlns:a16="http://schemas.microsoft.com/office/drawing/2014/main" id="{78F9E143-4BA0-194F-89A2-92946C51684B}"/>
+              </a:ext>
+            </a:extLst>
+          </p:cNvPr>
+          <p:cNvSpPr/>
+          <p:nvPr/>
+        </p:nvSpPr>
+        <p:spPr>
+          <a:xfrm>
+            <a:off x="7400625" y="2765120"/>
+            <a:ext cx="663879" cy="663880"/>
+          </a:xfrm>
+          <a:prstGeom prst="ellipse">
+            <a:avLst/>
+          </a:prstGeom>
+          <a:solidFill>
+            <a:schemeClr val="accent1">
+              <a:lumMod val="60000"/>
+              <a:lumOff val="40000"/>
+            </a:schemeClr>
+          </a:solidFill>
+          <a:ln w="28575"/>
+        </p:spPr>
+        <p:style>
+          <a:lnRef idx="2">
+            <a:schemeClr val="accent1">
+              <a:shade val="50000"/>
+            </a:schemeClr>
+          </a:lnRef>
+          <a:fillRef idx="1">
+            <a:schemeClr val="accent1"/>
+          </a:fillRef>
+          <a:effectRef idx="0">
+            <a:schemeClr val="accent1"/>
+          </a:effectRef>
+          <a:fontRef idx="minor">
+            <a:schemeClr val="lt1"/>
+          </a:fontRef>
+        </p:style>
+        <p:txBody>
+          <a:bodyPr rtlCol="0" anchor="ctr"/>
+          <a:lstStyle/>
+          <a:p>
+            <a:pPr algn="ctr"/>
+            <a:endParaRPr kumimoji="1" lang="ja-JP" altLang="en-US"/>
+          </a:p>
+        </p:txBody>
+      </p:sp>
+      <p:cxnSp>
+        <p:nvCxnSpPr>
+          <p:cNvPr id="38" name="直線コネクタ 37">
+            <a:extLst>
+              <a:ext uri="{FF2B5EF4-FFF2-40B4-BE49-F238E27FC236}">
+                <a16:creationId xmlns:a16="http://schemas.microsoft.com/office/drawing/2014/main" id="{917DFF57-7B53-5941-B4F9-80BC9619CF9D}"/>
+              </a:ext>
+            </a:extLst>
+          </p:cNvPr>
+          <p:cNvCxnSpPr>
+            <a:cxnSpLocks/>
+            <a:stCxn id="35" idx="2"/>
+            <a:endCxn id="32" idx="6"/>
+          </p:cNvCxnSpPr>
+          <p:nvPr/>
+        </p:nvCxnSpPr>
+        <p:spPr>
+          <a:xfrm flipH="1">
+            <a:off x="6047211" y="3097060"/>
+            <a:ext cx="1353414" cy="0"/>
+          </a:xfrm>
+          <a:prstGeom prst="line">
+            <a:avLst/>
+          </a:prstGeom>
+          <a:ln w="38100">
+            <a:solidFill>
+              <a:schemeClr val="tx1"/>
+            </a:solidFill>
+            <a:headEnd type="arrow" w="med" len="med"/>
+            <a:tailEnd type="none" w="med" len="med"/>
+          </a:ln>
+        </p:spPr>
+        <p:style>
+          <a:lnRef idx="1">
+            <a:schemeClr val="accent1"/>
+          </a:lnRef>
+          <a:fillRef idx="0">
+            <a:schemeClr val="accent1"/>
+          </a:fillRef>
+          <a:effectRef idx="0">
+            <a:schemeClr val="accent1"/>
+          </a:effectRef>
+          <a:fontRef idx="minor">
+            <a:schemeClr val="tx1"/>
+          </a:fontRef>
+        </p:style>
+      </p:cxnSp>
+      <p:cxnSp>
+        <p:nvCxnSpPr>
+          <p:cNvPr id="39" name="直線コネクタ 38">
+            <a:extLst>
+              <a:ext uri="{FF2B5EF4-FFF2-40B4-BE49-F238E27FC236}">
+                <a16:creationId xmlns:a16="http://schemas.microsoft.com/office/drawing/2014/main" id="{AADF26EC-212E-FE46-86D8-9FF0501880C0}"/>
+              </a:ext>
+            </a:extLst>
+          </p:cNvPr>
+          <p:cNvCxnSpPr>
+            <a:cxnSpLocks/>
+            <a:stCxn id="35" idx="2"/>
+            <a:endCxn id="31" idx="6"/>
+          </p:cNvCxnSpPr>
+          <p:nvPr/>
+        </p:nvCxnSpPr>
+        <p:spPr>
+          <a:xfrm flipH="1" flipV="1">
+            <a:off x="6007348" y="1768529"/>
+            <a:ext cx="1393277" cy="1328531"/>
+          </a:xfrm>
+          <a:prstGeom prst="line">
+            <a:avLst/>
+          </a:prstGeom>
+          <a:ln w="38100">
+            <a:solidFill>
+              <a:schemeClr val="tx1"/>
+            </a:solidFill>
+            <a:headEnd type="arrow" w="med" len="med"/>
+            <a:tailEnd type="none" w="med" len="med"/>
+          </a:ln>
+        </p:spPr>
+        <p:style>
+          <a:lnRef idx="1">
+            <a:schemeClr val="accent1"/>
+          </a:lnRef>
+          <a:fillRef idx="0">
+            <a:schemeClr val="accent1"/>
+          </a:fillRef>
+          <a:effectRef idx="0">
+            <a:schemeClr val="accent1"/>
+          </a:effectRef>
+          <a:fontRef idx="minor">
+            <a:schemeClr val="tx1"/>
+          </a:fontRef>
+        </p:style>
+      </p:cxnSp>
+      <p:cxnSp>
+        <p:nvCxnSpPr>
+          <p:cNvPr id="41" name="直線コネクタ 40">
+            <a:extLst>
+              <a:ext uri="{FF2B5EF4-FFF2-40B4-BE49-F238E27FC236}">
+                <a16:creationId xmlns:a16="http://schemas.microsoft.com/office/drawing/2014/main" id="{A259215A-16E4-9948-BDED-A69D9C4C6078}"/>
+              </a:ext>
+            </a:extLst>
+          </p:cNvPr>
+          <p:cNvCxnSpPr>
+            <a:cxnSpLocks/>
+            <a:endCxn id="35" idx="6"/>
+          </p:cNvCxnSpPr>
+          <p:nvPr/>
+        </p:nvCxnSpPr>
+        <p:spPr>
+          <a:xfrm flipH="1">
+            <a:off x="8064504" y="3097060"/>
+            <a:ext cx="622755" cy="0"/>
+          </a:xfrm>
+          <a:prstGeom prst="line">
+            <a:avLst/>
+          </a:prstGeom>
+          <a:ln w="38100">
+            <a:solidFill>
+              <a:schemeClr val="tx1"/>
+            </a:solidFill>
+            <a:headEnd type="arrow" w="med" len="med"/>
+            <a:tailEnd type="none" w="med" len="med"/>
+          </a:ln>
+        </p:spPr>
+        <p:style>
+          <a:lnRef idx="1">
+            <a:schemeClr val="accent1"/>
+          </a:lnRef>
+          <a:fillRef idx="0">
+            <a:schemeClr val="accent1"/>
+          </a:fillRef>
+          <a:effectRef idx="0">
+            <a:schemeClr val="accent1"/>
+          </a:effectRef>
+          <a:fontRef idx="minor">
+            <a:schemeClr val="tx1"/>
+          </a:fontRef>
+        </p:style>
+      </p:cxnSp>
+      <p:cxnSp>
+        <p:nvCxnSpPr>
+          <p:cNvPr id="54" name="直線コネクタ 53">
+            <a:extLst>
+              <a:ext uri="{FF2B5EF4-FFF2-40B4-BE49-F238E27FC236}">
+                <a16:creationId xmlns:a16="http://schemas.microsoft.com/office/drawing/2014/main" id="{76ABFE0A-EE6F-DD4F-955D-C63ADB46F5C7}"/>
+              </a:ext>
+            </a:extLst>
+          </p:cNvPr>
+          <p:cNvCxnSpPr>
+            <a:cxnSpLocks/>
+          </p:cNvCxnSpPr>
+          <p:nvPr/>
+        </p:nvCxnSpPr>
+        <p:spPr>
+          <a:xfrm flipV="1">
+            <a:off x="3770033" y="3635365"/>
+            <a:ext cx="1" cy="458286"/>
+          </a:xfrm>
+          <a:prstGeom prst="line">
+            <a:avLst/>
+          </a:prstGeom>
+          <a:ln w="76200">
+            <a:solidFill>
+              <a:schemeClr val="tx1"/>
+            </a:solidFill>
+            <a:prstDash val="sysDot"/>
+            <a:headEnd type="none" w="med" len="med"/>
+            <a:tailEnd type="none" w="med" len="med"/>
+          </a:ln>
+        </p:spPr>
+        <p:style>
+          <a:lnRef idx="1">
+            <a:schemeClr val="accent1"/>
+          </a:lnRef>
+          <a:fillRef idx="0">
+            <a:schemeClr val="accent1"/>
+          </a:fillRef>
+          <a:effectRef idx="0">
+            <a:schemeClr val="accent1"/>
+          </a:effectRef>
+          <a:fontRef idx="minor">
+            <a:schemeClr val="tx1"/>
+          </a:fontRef>
+        </p:style>
+      </p:cxnSp>
+      <p:cxnSp>
+        <p:nvCxnSpPr>
+          <p:cNvPr id="56" name="直線コネクタ 55">
+            <a:extLst>
+              <a:ext uri="{FF2B5EF4-FFF2-40B4-BE49-F238E27FC236}">
+                <a16:creationId xmlns:a16="http://schemas.microsoft.com/office/drawing/2014/main" id="{AEABD887-071F-C64B-B326-C713D85A2E63}"/>
+              </a:ext>
+            </a:extLst>
+          </p:cNvPr>
+          <p:cNvCxnSpPr>
+            <a:cxnSpLocks/>
+          </p:cNvCxnSpPr>
+          <p:nvPr/>
+        </p:nvCxnSpPr>
+        <p:spPr>
+          <a:xfrm flipV="1">
+            <a:off x="5715271" y="3635365"/>
+            <a:ext cx="1" cy="458286"/>
+          </a:xfrm>
+          <a:prstGeom prst="line">
+            <a:avLst/>
+          </a:prstGeom>
+          <a:ln w="76200">
+            <a:solidFill>
+              <a:schemeClr val="tx1"/>
+            </a:solidFill>
+            <a:prstDash val="sysDot"/>
+            <a:headEnd type="none" w="med" len="med"/>
+            <a:tailEnd type="none" w="med" len="med"/>
+          </a:ln>
+        </p:spPr>
+        <p:style>
+          <a:lnRef idx="1">
+            <a:schemeClr val="accent1"/>
+          </a:lnRef>
+          <a:fillRef idx="0">
+            <a:schemeClr val="accent1"/>
+          </a:fillRef>
+          <a:effectRef idx="0">
+            <a:schemeClr val="accent1"/>
+          </a:effectRef>
+          <a:fontRef idx="minor">
+            <a:schemeClr val="tx1"/>
+          </a:fontRef>
+        </p:style>
+      </p:cxnSp>
+      <p:cxnSp>
+        <p:nvCxnSpPr>
+          <p:cNvPr id="62" name="直線コネクタ 61">
+            <a:extLst>
+              <a:ext uri="{FF2B5EF4-FFF2-40B4-BE49-F238E27FC236}">
+                <a16:creationId xmlns:a16="http://schemas.microsoft.com/office/drawing/2014/main" id="{8B777700-6BCC-9841-82CA-98A713567CB4}"/>
+              </a:ext>
+            </a:extLst>
+          </p:cNvPr>
+          <p:cNvCxnSpPr>
+            <a:cxnSpLocks/>
+          </p:cNvCxnSpPr>
+          <p:nvPr/>
+        </p:nvCxnSpPr>
+        <p:spPr>
+          <a:xfrm flipV="1">
+            <a:off x="7732564" y="3635365"/>
+            <a:ext cx="1" cy="458286"/>
+          </a:xfrm>
+          <a:prstGeom prst="line">
+            <a:avLst/>
+          </a:prstGeom>
+          <a:ln w="76200">
+            <a:solidFill>
+              <a:schemeClr val="tx1"/>
+            </a:solidFill>
+            <a:prstDash val="sysDot"/>
+            <a:headEnd type="none" w="med" len="med"/>
+            <a:tailEnd type="none" w="med" len="med"/>
+          </a:ln>
+        </p:spPr>
+        <p:style>
+          <a:lnRef idx="1">
+            <a:schemeClr val="accent1"/>
+          </a:lnRef>
+          <a:fillRef idx="0">
+            <a:schemeClr val="accent1"/>
+          </a:fillRef>
+          <a:effectRef idx="0">
+            <a:schemeClr val="accent1"/>
+          </a:effectRef>
+          <a:fontRef idx="minor">
+            <a:schemeClr val="tx1"/>
+          </a:fontRef>
+        </p:style>
+      </p:cxnSp>
+      <p:cxnSp>
+        <p:nvCxnSpPr>
+          <p:cNvPr id="64" name="直線コネクタ 63">
+            <a:extLst>
+              <a:ext uri="{FF2B5EF4-FFF2-40B4-BE49-F238E27FC236}">
+                <a16:creationId xmlns:a16="http://schemas.microsoft.com/office/drawing/2014/main" id="{19F6DD63-FCB6-D445-96F8-266293AB1906}"/>
+              </a:ext>
+            </a:extLst>
+          </p:cNvPr>
+          <p:cNvCxnSpPr>
+            <a:cxnSpLocks/>
+          </p:cNvCxnSpPr>
+          <p:nvPr/>
+        </p:nvCxnSpPr>
+        <p:spPr>
+          <a:xfrm>
+            <a:off x="8545378" y="1991950"/>
+            <a:ext cx="622755" cy="0"/>
+          </a:xfrm>
+          <a:prstGeom prst="line">
+            <a:avLst/>
+          </a:prstGeom>
+          <a:ln w="38100">
+            <a:solidFill>
+              <a:schemeClr val="tx1"/>
+            </a:solidFill>
+            <a:headEnd type="arrow" w="med" len="med"/>
+            <a:tailEnd type="none" w="med" len="med"/>
+          </a:ln>
+        </p:spPr>
+        <p:style>
+          <a:lnRef idx="1">
+            <a:schemeClr val="accent1"/>
+          </a:lnRef>
+          <a:fillRef idx="0">
+            <a:schemeClr val="accent1"/>
+          </a:fillRef>
+          <a:effectRef idx="0">
+            <a:schemeClr val="accent1"/>
+          </a:effectRef>
+          <a:fontRef idx="minor">
+            <a:schemeClr val="tx1"/>
+          </a:fontRef>
+        </p:style>
+      </p:cxnSp>
+      <p:cxnSp>
+        <p:nvCxnSpPr>
+          <p:cNvPr id="65" name="直線コネクタ 64">
+            <a:extLst>
+              <a:ext uri="{FF2B5EF4-FFF2-40B4-BE49-F238E27FC236}">
+                <a16:creationId xmlns:a16="http://schemas.microsoft.com/office/drawing/2014/main" id="{B27B6A89-D0B4-0E46-8DD3-15818C3E7448}"/>
+              </a:ext>
+            </a:extLst>
+          </p:cNvPr>
+          <p:cNvCxnSpPr>
+            <a:cxnSpLocks/>
+          </p:cNvCxnSpPr>
+          <p:nvPr/>
+        </p:nvCxnSpPr>
+        <p:spPr>
+          <a:xfrm>
+            <a:off x="8545378" y="3320481"/>
+            <a:ext cx="622755" cy="0"/>
+          </a:xfrm>
+          <a:prstGeom prst="line">
+            <a:avLst/>
+          </a:prstGeom>
+          <a:ln w="38100">
+            <a:solidFill>
+              <a:schemeClr val="tx1"/>
+            </a:solidFill>
+            <a:headEnd type="arrow" w="med" len="med"/>
+            <a:tailEnd type="none" w="med" len="med"/>
+          </a:ln>
+        </p:spPr>
+        <p:style>
+          <a:lnRef idx="1">
+            <a:schemeClr val="accent1"/>
+          </a:lnRef>
+          <a:fillRef idx="0">
+            <a:schemeClr val="accent1"/>
+          </a:fillRef>
+          <a:effectRef idx="0">
+            <a:schemeClr val="accent1"/>
+          </a:effectRef>
+          <a:fontRef idx="minor">
+            <a:schemeClr val="tx1"/>
+          </a:fontRef>
+        </p:style>
+      </p:cxnSp>
+      <p:sp>
+        <p:nvSpPr>
+          <p:cNvPr id="66" name="正方形/長方形 65">
+            <a:extLst>
+              <a:ext uri="{FF2B5EF4-FFF2-40B4-BE49-F238E27FC236}">
+                <a16:creationId xmlns:a16="http://schemas.microsoft.com/office/drawing/2014/main" id="{CE5EDB3D-FD11-5E40-A32B-1022A7136C79}"/>
+              </a:ext>
+            </a:extLst>
+          </p:cNvPr>
+          <p:cNvSpPr/>
+          <p:nvPr/>
+        </p:nvSpPr>
+        <p:spPr>
+          <a:xfrm>
+            <a:off x="9087090" y="1778359"/>
+            <a:ext cx="389850" cy="523220"/>
+          </a:xfrm>
+          <a:prstGeom prst="rect">
+            <a:avLst/>
+          </a:prstGeom>
+        </p:spPr>
+        <p:txBody>
+          <a:bodyPr wrap="none">
+            <a:spAutoFit/>
+          </a:bodyPr>
+          <a:lstStyle/>
+          <a:p>
+            <a:r>
+              <a:rPr lang="en-US" altLang="ja-JP" sz="2800" i="1" dirty="0" err="1">
+                <a:latin typeface="Times New Roman" panose="02020603050405020304" pitchFamily="18" charset="0"/>
+                <a:cs typeface="Times New Roman" panose="02020603050405020304" pitchFamily="18" charset="0"/>
+              </a:rPr>
+              <a:t>t</a:t>
+            </a:r>
+            <a:r>
+              <a:rPr lang="en-US" altLang="ja-JP" sz="2800" i="1" baseline="-25000" dirty="0" err="1">
+                <a:latin typeface="Times New Roman" panose="02020603050405020304" pitchFamily="18" charset="0"/>
+                <a:cs typeface="Times New Roman" panose="02020603050405020304" pitchFamily="18" charset="0"/>
+              </a:rPr>
+              <a:t>k</a:t>
+            </a:r>
+            <a:endParaRPr lang="ja-JP" altLang="en-US" sz="2800" i="1" baseline="-25000">
+              <a:latin typeface="Times New Roman" panose="02020603050405020304" pitchFamily="18" charset="0"/>
+              <a:cs typeface="Times New Roman" panose="02020603050405020304" pitchFamily="18" charset="0"/>
+            </a:endParaRPr>
+          </a:p>
+        </p:txBody>
+      </p:sp>
+      <p:sp>
+        <p:nvSpPr>
+          <p:cNvPr id="67" name="テキスト ボックス 66">
+            <a:extLst>
+              <a:ext uri="{FF2B5EF4-FFF2-40B4-BE49-F238E27FC236}">
+                <a16:creationId xmlns:a16="http://schemas.microsoft.com/office/drawing/2014/main" id="{55C1BB0A-7618-854F-BCFB-7138033963F5}"/>
+              </a:ext>
+            </a:extLst>
+          </p:cNvPr>
+          <p:cNvSpPr txBox="1"/>
+          <p:nvPr/>
+        </p:nvSpPr>
+        <p:spPr>
+          <a:xfrm>
+            <a:off x="3149610" y="1015933"/>
+            <a:ext cx="1019831" cy="369332"/>
+          </a:xfrm>
+          <a:prstGeom prst="rect">
+            <a:avLst/>
+          </a:prstGeom>
+          <a:noFill/>
+        </p:spPr>
+        <p:txBody>
+          <a:bodyPr wrap="none" rtlCol="0">
+            <a:spAutoFit/>
+          </a:bodyPr>
+          <a:lstStyle/>
+          <a:p>
+            <a:r>
+              <a:rPr lang="ja-JP" altLang="en-US">
+                <a:latin typeface="Meiryo" panose="020B0604030504040204" pitchFamily="34" charset="-128"/>
+                <a:ea typeface="Meiryo" panose="020B0604030504040204" pitchFamily="34" charset="-128"/>
+              </a:rPr>
+              <a:t>中間層</a:t>
+            </a:r>
+            <a:r>
+              <a:rPr lang="en-US" altLang="ja-JP" dirty="0">
+                <a:latin typeface="Meiryo" panose="020B0604030504040204" pitchFamily="34" charset="-128"/>
+                <a:ea typeface="Meiryo" panose="020B0604030504040204" pitchFamily="34" charset="-128"/>
+              </a:rPr>
+              <a:t> </a:t>
+            </a:r>
+            <a:r>
+              <a:rPr lang="en-US" altLang="ja-JP" i="1" dirty="0" err="1">
+                <a:latin typeface="Times New Roman" panose="02020603050405020304" pitchFamily="18" charset="0"/>
+                <a:ea typeface="Meiryo" panose="020B0604030504040204" pitchFamily="34" charset="-128"/>
+                <a:cs typeface="Times New Roman" panose="02020603050405020304" pitchFamily="18" charset="0"/>
+              </a:rPr>
+              <a:t>i</a:t>
+            </a:r>
+            <a:endParaRPr kumimoji="1" lang="ja-JP" altLang="en-US" i="1">
+              <a:latin typeface="Times New Roman" panose="02020603050405020304" pitchFamily="18" charset="0"/>
+              <a:ea typeface="Meiryo" panose="020B0604030504040204" pitchFamily="34" charset="-128"/>
+              <a:cs typeface="Times New Roman" panose="02020603050405020304" pitchFamily="18" charset="0"/>
+            </a:endParaRPr>
+          </a:p>
+        </p:txBody>
+      </p:sp>
+      <p:sp>
+        <p:nvSpPr>
+          <p:cNvPr id="68" name="正方形/長方形 67">
+            <a:extLst>
+              <a:ext uri="{FF2B5EF4-FFF2-40B4-BE49-F238E27FC236}">
+                <a16:creationId xmlns:a16="http://schemas.microsoft.com/office/drawing/2014/main" id="{254A2C49-DC76-3944-B98F-2E17466030CA}"/>
+              </a:ext>
+            </a:extLst>
+          </p:cNvPr>
+          <p:cNvSpPr/>
+          <p:nvPr/>
+        </p:nvSpPr>
+        <p:spPr>
+          <a:xfrm>
+            <a:off x="8455939" y="1232045"/>
+            <a:ext cx="470000" cy="523220"/>
+          </a:xfrm>
+          <a:prstGeom prst="rect">
+            <a:avLst/>
+          </a:prstGeom>
+        </p:spPr>
+        <p:txBody>
+          <a:bodyPr wrap="none">
+            <a:spAutoFit/>
+          </a:bodyPr>
+          <a:lstStyle/>
+          <a:p>
+            <a:r>
+              <a:rPr lang="en-US" altLang="ja-JP" sz="2800" i="1" dirty="0">
+                <a:latin typeface="Times New Roman" panose="02020603050405020304" pitchFamily="18" charset="0"/>
+                <a:cs typeface="Times New Roman" panose="02020603050405020304" pitchFamily="18" charset="0"/>
+              </a:rPr>
+              <a:t>o</a:t>
+            </a:r>
+            <a:r>
+              <a:rPr lang="en-US" altLang="ja-JP" sz="2800" i="1" baseline="-25000" dirty="0">
+                <a:latin typeface="Times New Roman" panose="02020603050405020304" pitchFamily="18" charset="0"/>
+                <a:cs typeface="Times New Roman" panose="02020603050405020304" pitchFamily="18" charset="0"/>
+              </a:rPr>
+              <a:t>k</a:t>
+            </a:r>
+            <a:endParaRPr lang="ja-JP" altLang="en-US" sz="2800" i="1" baseline="-25000">
+              <a:latin typeface="Times New Roman" panose="02020603050405020304" pitchFamily="18" charset="0"/>
+              <a:cs typeface="Times New Roman" panose="02020603050405020304" pitchFamily="18" charset="0"/>
+            </a:endParaRPr>
+          </a:p>
+        </p:txBody>
+      </p:sp>
+      <p:sp>
+        <p:nvSpPr>
+          <p:cNvPr id="69" name="正方形/長方形 68">
+            <a:extLst>
+              <a:ext uri="{FF2B5EF4-FFF2-40B4-BE49-F238E27FC236}">
+                <a16:creationId xmlns:a16="http://schemas.microsoft.com/office/drawing/2014/main" id="{07D50778-DA18-3140-A848-9339A278B7E0}"/>
+              </a:ext>
+            </a:extLst>
+          </p:cNvPr>
+          <p:cNvSpPr/>
+          <p:nvPr/>
+        </p:nvSpPr>
+        <p:spPr>
+          <a:xfrm>
+            <a:off x="5982202" y="1223137"/>
+            <a:ext cx="429926" cy="523220"/>
+          </a:xfrm>
+          <a:prstGeom prst="rect">
+            <a:avLst/>
+          </a:prstGeom>
+        </p:spPr>
+        <p:txBody>
+          <a:bodyPr wrap="none">
+            <a:spAutoFit/>
+          </a:bodyPr>
+          <a:lstStyle/>
+          <a:p>
+            <a:r>
+              <a:rPr lang="en-US" altLang="ja-JP" sz="2800" i="1" dirty="0" err="1">
+                <a:latin typeface="Times New Roman" panose="02020603050405020304" pitchFamily="18" charset="0"/>
+                <a:cs typeface="Times New Roman" panose="02020603050405020304" pitchFamily="18" charset="0"/>
+              </a:rPr>
+              <a:t>o</a:t>
+            </a:r>
+            <a:r>
+              <a:rPr lang="en-US" altLang="ja-JP" sz="2800" i="1" baseline="-25000" dirty="0" err="1">
+                <a:latin typeface="Times New Roman" panose="02020603050405020304" pitchFamily="18" charset="0"/>
+                <a:cs typeface="Times New Roman" panose="02020603050405020304" pitchFamily="18" charset="0"/>
+              </a:rPr>
+              <a:t>j</a:t>
+            </a:r>
+            <a:endParaRPr lang="ja-JP" altLang="en-US" sz="2800" i="1" baseline="-25000">
+              <a:latin typeface="Times New Roman" panose="02020603050405020304" pitchFamily="18" charset="0"/>
+              <a:cs typeface="Times New Roman" panose="02020603050405020304" pitchFamily="18" charset="0"/>
+            </a:endParaRPr>
+          </a:p>
+        </p:txBody>
+      </p:sp>
+      <p:sp>
+        <p:nvSpPr>
+          <p:cNvPr id="70" name="正方形/長方形 69">
+            <a:extLst>
+              <a:ext uri="{FF2B5EF4-FFF2-40B4-BE49-F238E27FC236}">
+                <a16:creationId xmlns:a16="http://schemas.microsoft.com/office/drawing/2014/main" id="{D5F6A96C-C15A-0749-8657-26B8D03D12D1}"/>
+              </a:ext>
+            </a:extLst>
+          </p:cNvPr>
+          <p:cNvSpPr/>
+          <p:nvPr/>
+        </p:nvSpPr>
+        <p:spPr>
+          <a:xfrm>
+            <a:off x="4005035" y="1219647"/>
+            <a:ext cx="429926" cy="523220"/>
+          </a:xfrm>
+          <a:prstGeom prst="rect">
+            <a:avLst/>
+          </a:prstGeom>
+        </p:spPr>
+        <p:txBody>
+          <a:bodyPr wrap="none">
+            <a:spAutoFit/>
+          </a:bodyPr>
+          <a:lstStyle/>
+          <a:p>
+            <a:r>
+              <a:rPr lang="en-US" altLang="ja-JP" sz="2800" i="1" dirty="0">
+                <a:latin typeface="Times New Roman" panose="02020603050405020304" pitchFamily="18" charset="0"/>
+                <a:cs typeface="Times New Roman" panose="02020603050405020304" pitchFamily="18" charset="0"/>
+              </a:rPr>
+              <a:t>o</a:t>
+            </a:r>
+            <a:r>
+              <a:rPr lang="en-US" altLang="ja-JP" sz="2800" i="1" baseline="-25000" dirty="0">
+                <a:latin typeface="Times New Roman" panose="02020603050405020304" pitchFamily="18" charset="0"/>
+                <a:cs typeface="Times New Roman" panose="02020603050405020304" pitchFamily="18" charset="0"/>
+              </a:rPr>
+              <a:t>i</a:t>
+            </a:r>
+            <a:endParaRPr lang="ja-JP" altLang="en-US" sz="2800" i="1" baseline="-25000">
+              <a:latin typeface="Times New Roman" panose="02020603050405020304" pitchFamily="18" charset="0"/>
+              <a:cs typeface="Times New Roman" panose="02020603050405020304" pitchFamily="18" charset="0"/>
+            </a:endParaRPr>
+          </a:p>
+        </p:txBody>
+      </p:sp>
+      <p:sp>
+        <p:nvSpPr>
+          <p:cNvPr id="71" name="正方形/長方形 70">
+            <a:extLst>
+              <a:ext uri="{FF2B5EF4-FFF2-40B4-BE49-F238E27FC236}">
+                <a16:creationId xmlns:a16="http://schemas.microsoft.com/office/drawing/2014/main" id="{D058C6AD-B06B-0B4A-894E-A9B9176904B8}"/>
+              </a:ext>
+            </a:extLst>
+          </p:cNvPr>
+          <p:cNvSpPr/>
+          <p:nvPr/>
+        </p:nvSpPr>
+        <p:spPr>
+          <a:xfrm>
+            <a:off x="4492982" y="1638804"/>
+            <a:ext cx="505267" cy="461665"/>
+          </a:xfrm>
+          <a:prstGeom prst="rect">
+            <a:avLst/>
+          </a:prstGeom>
+        </p:spPr>
+        <p:txBody>
+          <a:bodyPr wrap="none">
+            <a:spAutoFit/>
+          </a:bodyPr>
+          <a:lstStyle/>
+          <a:p>
+            <a:r>
+              <a:rPr lang="en-US" altLang="ja-JP" sz="2400" i="1" dirty="0" err="1">
+                <a:latin typeface="Times New Roman" panose="02020603050405020304" pitchFamily="18" charset="0"/>
+                <a:cs typeface="Times New Roman" panose="02020603050405020304" pitchFamily="18" charset="0"/>
+              </a:rPr>
+              <a:t>w</a:t>
+            </a:r>
+            <a:r>
+              <a:rPr lang="en-US" altLang="ja-JP" sz="2400" i="1" baseline="-25000" dirty="0" err="1">
+                <a:latin typeface="Times New Roman" panose="02020603050405020304" pitchFamily="18" charset="0"/>
+                <a:cs typeface="Times New Roman" panose="02020603050405020304" pitchFamily="18" charset="0"/>
+              </a:rPr>
+              <a:t>ij</a:t>
+            </a:r>
+            <a:endParaRPr lang="ja-JP" altLang="en-US" sz="2400" i="1">
+              <a:latin typeface="Times New Roman" panose="02020603050405020304" pitchFamily="18" charset="0"/>
+              <a:cs typeface="Times New Roman" panose="02020603050405020304" pitchFamily="18" charset="0"/>
+            </a:endParaRPr>
+          </a:p>
+        </p:txBody>
+      </p:sp>
+      <p:sp>
+        <p:nvSpPr>
+          <p:cNvPr id="72" name="正方形/長方形 71">
+            <a:extLst>
+              <a:ext uri="{FF2B5EF4-FFF2-40B4-BE49-F238E27FC236}">
+                <a16:creationId xmlns:a16="http://schemas.microsoft.com/office/drawing/2014/main" id="{74CEA3EA-4B6B-C043-99A2-1919915D7E83}"/>
+              </a:ext>
+            </a:extLst>
+          </p:cNvPr>
+          <p:cNvSpPr/>
+          <p:nvPr/>
+        </p:nvSpPr>
+        <p:spPr>
+          <a:xfrm>
+            <a:off x="6503923" y="1638803"/>
+            <a:ext cx="538930" cy="461665"/>
+          </a:xfrm>
+          <a:prstGeom prst="rect">
+            <a:avLst/>
+          </a:prstGeom>
+        </p:spPr>
+        <p:txBody>
+          <a:bodyPr wrap="none">
+            <a:spAutoFit/>
+          </a:bodyPr>
+          <a:lstStyle/>
+          <a:p>
+            <a:r>
+              <a:rPr lang="en-US" altLang="ja-JP" sz="2400" i="1" dirty="0" err="1">
+                <a:latin typeface="Times New Roman" panose="02020603050405020304" pitchFamily="18" charset="0"/>
+                <a:cs typeface="Times New Roman" panose="02020603050405020304" pitchFamily="18" charset="0"/>
+              </a:rPr>
+              <a:t>w</a:t>
+            </a:r>
+            <a:r>
+              <a:rPr lang="en-US" altLang="ja-JP" sz="2400" i="1" baseline="-25000" dirty="0" err="1">
+                <a:latin typeface="Times New Roman" panose="02020603050405020304" pitchFamily="18" charset="0"/>
+                <a:cs typeface="Times New Roman" panose="02020603050405020304" pitchFamily="18" charset="0"/>
+              </a:rPr>
+              <a:t>jk</a:t>
+            </a:r>
+            <a:endParaRPr lang="ja-JP" altLang="en-US" sz="2400" i="1">
+              <a:latin typeface="Times New Roman" panose="02020603050405020304" pitchFamily="18" charset="0"/>
+              <a:cs typeface="Times New Roman" panose="02020603050405020304" pitchFamily="18" charset="0"/>
+            </a:endParaRPr>
+          </a:p>
+        </p:txBody>
+      </p:sp>
+    </p:spTree>
+    <p:extLst>
+      <p:ext uri="{BB962C8B-B14F-4D97-AF65-F5344CB8AC3E}">
+        <p14:creationId xmlns:p14="http://schemas.microsoft.com/office/powerpoint/2010/main" val="3143866505"/>
+      </p:ext>
+    </p:extLst>
+  </p:cSld>
+  <p:clrMapOvr>
+    <a:masterClrMapping/>
+  </p:clrMapOvr>
+</p:sld>
+</file>
+
+<file path=ppt/slides/slide14.xml><?xml version="1.0" encoding="utf-8"?>
+<p:sld xmlns:a="http://schemas.openxmlformats.org/drawingml/2006/main" xmlns:r="http://schemas.openxmlformats.org/officeDocument/2006/relationships" xmlns:p="http://schemas.openxmlformats.org/presentationml/2006/main">
+  <p:cSld>
+    <p:spTree>
+      <p:nvGrpSpPr>
+        <p:cNvPr id="1" name=""/>
+        <p:cNvGrpSpPr/>
+        <p:nvPr/>
+      </p:nvGrpSpPr>
+      <p:grpSpPr>
+        <a:xfrm>
+          <a:off x="0" y="0"/>
+          <a:ext cx="0" cy="0"/>
+          <a:chOff x="0" y="0"/>
+          <a:chExt cx="0" cy="0"/>
+        </a:xfrm>
+      </p:grpSpPr>
+      <p:sp>
+        <p:nvSpPr>
+          <p:cNvPr id="29" name="円/楕円 28">
+            <a:extLst>
+              <a:ext uri="{FF2B5EF4-FFF2-40B4-BE49-F238E27FC236}">
+                <a16:creationId xmlns:a16="http://schemas.microsoft.com/office/drawing/2014/main" id="{2B49628C-FEE2-8A40-A128-E3D95138906C}"/>
+              </a:ext>
+            </a:extLst>
+          </p:cNvPr>
+          <p:cNvSpPr/>
+          <p:nvPr/>
+        </p:nvSpPr>
+        <p:spPr>
+          <a:xfrm>
+            <a:off x="4020855" y="2005154"/>
+            <a:ext cx="663879" cy="663880"/>
+          </a:xfrm>
+          <a:prstGeom prst="ellipse">
+            <a:avLst/>
+          </a:prstGeom>
+          <a:solidFill>
+            <a:schemeClr val="bg1"/>
+          </a:solidFill>
+          <a:ln w="28575">
+            <a:solidFill>
+              <a:schemeClr val="tx1"/>
+            </a:solidFill>
+          </a:ln>
+        </p:spPr>
+        <p:style>
+          <a:lnRef idx="2">
+            <a:schemeClr val="accent1">
+              <a:shade val="50000"/>
+            </a:schemeClr>
+          </a:lnRef>
+          <a:fillRef idx="1">
+            <a:schemeClr val="accent1"/>
+          </a:fillRef>
+          <a:effectRef idx="0">
+            <a:schemeClr val="accent1"/>
+          </a:effectRef>
+          <a:fontRef idx="minor">
+            <a:schemeClr val="lt1"/>
+          </a:fontRef>
+        </p:style>
+        <p:txBody>
+          <a:bodyPr rtlCol="0" anchor="ctr"/>
+          <a:lstStyle/>
+          <a:p>
+            <a:pPr algn="ctr"/>
+            <a:r>
+              <a:rPr kumimoji="1" lang="en-US" altLang="ja-JP" sz="3200" b="1" i="1" dirty="0">
+                <a:solidFill>
+                  <a:schemeClr val="tx1"/>
+                </a:solidFill>
+                <a:latin typeface="Times New Roman" panose="02020603050405020304" pitchFamily="18" charset="0"/>
+                <a:cs typeface="Times New Roman" panose="02020603050405020304" pitchFamily="18" charset="0"/>
+              </a:rPr>
+              <a:t>t</a:t>
+            </a:r>
+            <a:endParaRPr kumimoji="1" lang="ja-JP" altLang="en-US" sz="3200" b="1" i="1">
+              <a:solidFill>
+                <a:schemeClr val="tx1"/>
+              </a:solidFill>
+              <a:latin typeface="Times New Roman" panose="02020603050405020304" pitchFamily="18" charset="0"/>
+              <a:cs typeface="Times New Roman" panose="02020603050405020304" pitchFamily="18" charset="0"/>
+            </a:endParaRPr>
+          </a:p>
+        </p:txBody>
+      </p:sp>
+      <p:sp>
+        <p:nvSpPr>
+          <p:cNvPr id="31" name="円/楕円 30">
+            <a:extLst>
+              <a:ext uri="{FF2B5EF4-FFF2-40B4-BE49-F238E27FC236}">
+                <a16:creationId xmlns:a16="http://schemas.microsoft.com/office/drawing/2014/main" id="{04C24CDA-B8ED-0243-88B2-7F6C4F64CA3E}"/>
+              </a:ext>
+            </a:extLst>
+          </p:cNvPr>
+          <p:cNvSpPr/>
+          <p:nvPr/>
+        </p:nvSpPr>
+        <p:spPr>
+          <a:xfrm>
+            <a:off x="5343469" y="1436589"/>
+            <a:ext cx="663879" cy="663880"/>
+          </a:xfrm>
+          <a:prstGeom prst="ellipse">
+            <a:avLst/>
+          </a:prstGeom>
+          <a:solidFill>
+            <a:schemeClr val="bg1"/>
+          </a:solidFill>
+          <a:ln w="28575">
+            <a:solidFill>
+              <a:schemeClr val="tx1"/>
+            </a:solidFill>
+          </a:ln>
+        </p:spPr>
+        <p:style>
+          <a:lnRef idx="2">
+            <a:schemeClr val="accent1">
+              <a:shade val="50000"/>
+            </a:schemeClr>
+          </a:lnRef>
+          <a:fillRef idx="1">
+            <a:schemeClr val="accent1"/>
+          </a:fillRef>
+          <a:effectRef idx="0">
+            <a:schemeClr val="accent1"/>
+          </a:effectRef>
+          <a:fontRef idx="minor">
+            <a:schemeClr val="lt1"/>
+          </a:fontRef>
+        </p:style>
+        <p:txBody>
+          <a:bodyPr rtlCol="0" anchor="ctr"/>
+          <a:lstStyle/>
+          <a:p>
+            <a:pPr algn="ctr"/>
+            <a:r>
+              <a:rPr kumimoji="1" lang="en-US" altLang="ja-JP" sz="3200" b="1" i="1" dirty="0">
+                <a:solidFill>
+                  <a:schemeClr val="tx1"/>
+                </a:solidFill>
+                <a:latin typeface="Times New Roman" panose="02020603050405020304" pitchFamily="18" charset="0"/>
+                <a:cs typeface="Times New Roman" panose="02020603050405020304" pitchFamily="18" charset="0"/>
+              </a:rPr>
+              <a:t>x</a:t>
+            </a:r>
+            <a:endParaRPr kumimoji="1" lang="ja-JP" altLang="en-US" sz="3200" b="1" i="1">
+              <a:solidFill>
+                <a:schemeClr val="tx1"/>
+              </a:solidFill>
+              <a:latin typeface="Times New Roman" panose="02020603050405020304" pitchFamily="18" charset="0"/>
+              <a:cs typeface="Times New Roman" panose="02020603050405020304" pitchFamily="18" charset="0"/>
+            </a:endParaRPr>
+          </a:p>
+        </p:txBody>
+      </p:sp>
+      <p:sp>
+        <p:nvSpPr>
+          <p:cNvPr id="32" name="円/楕円 31">
+            <a:extLst>
+              <a:ext uri="{FF2B5EF4-FFF2-40B4-BE49-F238E27FC236}">
+                <a16:creationId xmlns:a16="http://schemas.microsoft.com/office/drawing/2014/main" id="{9D5FF8BB-D4D6-5246-B9EE-DB9B2163D2A4}"/>
+              </a:ext>
+            </a:extLst>
+          </p:cNvPr>
+          <p:cNvSpPr/>
+          <p:nvPr/>
+        </p:nvSpPr>
+        <p:spPr>
+          <a:xfrm>
+            <a:off x="5340430" y="2503389"/>
+            <a:ext cx="663879" cy="663880"/>
+          </a:xfrm>
+          <a:prstGeom prst="ellipse">
+            <a:avLst/>
+          </a:prstGeom>
+          <a:solidFill>
+            <a:schemeClr val="bg1"/>
+          </a:solidFill>
+          <a:ln w="28575">
+            <a:solidFill>
+              <a:schemeClr val="tx1"/>
+            </a:solidFill>
+          </a:ln>
+        </p:spPr>
+        <p:style>
+          <a:lnRef idx="2">
+            <a:schemeClr val="accent1">
+              <a:shade val="50000"/>
+            </a:schemeClr>
+          </a:lnRef>
+          <a:fillRef idx="1">
+            <a:schemeClr val="accent1"/>
+          </a:fillRef>
+          <a:effectRef idx="0">
+            <a:schemeClr val="accent1"/>
+          </a:effectRef>
+          <a:fontRef idx="minor">
+            <a:schemeClr val="lt1"/>
+          </a:fontRef>
+        </p:style>
+        <p:txBody>
+          <a:bodyPr rtlCol="0" anchor="ctr"/>
+          <a:lstStyle/>
+          <a:p>
+            <a:pPr algn="ctr"/>
+            <a:r>
+              <a:rPr kumimoji="1" lang="en-US" altLang="ja-JP" sz="3200" b="1" i="1" dirty="0">
+                <a:solidFill>
+                  <a:schemeClr val="tx1"/>
+                </a:solidFill>
+                <a:latin typeface="Times New Roman" panose="02020603050405020304" pitchFamily="18" charset="0"/>
+                <a:cs typeface="Times New Roman" panose="02020603050405020304" pitchFamily="18" charset="0"/>
+              </a:rPr>
+              <a:t>y</a:t>
+            </a:r>
+            <a:endParaRPr kumimoji="1" lang="ja-JP" altLang="en-US" sz="3200" b="1" i="1">
+              <a:solidFill>
+                <a:schemeClr val="tx1"/>
+              </a:solidFill>
+              <a:latin typeface="Times New Roman" panose="02020603050405020304" pitchFamily="18" charset="0"/>
+              <a:cs typeface="Times New Roman" panose="02020603050405020304" pitchFamily="18" charset="0"/>
+            </a:endParaRPr>
+          </a:p>
+        </p:txBody>
+      </p:sp>
+      <p:cxnSp>
+        <p:nvCxnSpPr>
+          <p:cNvPr id="33" name="直線コネクタ 32">
+            <a:extLst>
+              <a:ext uri="{FF2B5EF4-FFF2-40B4-BE49-F238E27FC236}">
+                <a16:creationId xmlns:a16="http://schemas.microsoft.com/office/drawing/2014/main" id="{E067FF39-C297-C241-A845-997B18E0C498}"/>
+              </a:ext>
+            </a:extLst>
+          </p:cNvPr>
+          <p:cNvCxnSpPr>
+            <a:stCxn id="31" idx="2"/>
+            <a:endCxn id="29" idx="6"/>
+          </p:cNvCxnSpPr>
+          <p:nvPr/>
+        </p:nvCxnSpPr>
+        <p:spPr>
+          <a:xfrm flipH="1">
+            <a:off x="4684734" y="1768529"/>
+            <a:ext cx="658735" cy="568565"/>
+          </a:xfrm>
+          <a:prstGeom prst="line">
+            <a:avLst/>
+          </a:prstGeom>
+          <a:ln w="38100">
+            <a:solidFill>
+              <a:schemeClr val="tx1"/>
+            </a:solidFill>
+            <a:headEnd type="arrow" w="med" len="med"/>
+            <a:tailEnd type="none" w="med" len="med"/>
+          </a:ln>
+        </p:spPr>
+        <p:style>
+          <a:lnRef idx="1">
+            <a:schemeClr val="accent1"/>
+          </a:lnRef>
+          <a:fillRef idx="0">
+            <a:schemeClr val="accent1"/>
+          </a:fillRef>
+          <a:effectRef idx="0">
+            <a:schemeClr val="accent1"/>
+          </a:effectRef>
+          <a:fontRef idx="minor">
+            <a:schemeClr val="tx1"/>
+          </a:fontRef>
+        </p:style>
+      </p:cxnSp>
+      <p:sp>
+        <p:nvSpPr>
+          <p:cNvPr id="59" name="円/楕円 58">
+            <a:extLst>
+              <a:ext uri="{FF2B5EF4-FFF2-40B4-BE49-F238E27FC236}">
+                <a16:creationId xmlns:a16="http://schemas.microsoft.com/office/drawing/2014/main" id="{962D194A-29ED-0B47-8E5E-B1F6301C089F}"/>
+              </a:ext>
+            </a:extLst>
+          </p:cNvPr>
+          <p:cNvSpPr/>
+          <p:nvPr/>
+        </p:nvSpPr>
+        <p:spPr>
+          <a:xfrm>
+            <a:off x="6630103" y="1909839"/>
+            <a:ext cx="663879" cy="663880"/>
+          </a:xfrm>
+          <a:prstGeom prst="ellipse">
+            <a:avLst/>
+          </a:prstGeom>
+          <a:solidFill>
+            <a:schemeClr val="bg1"/>
+          </a:solidFill>
+          <a:ln w="28575">
+            <a:solidFill>
+              <a:schemeClr val="tx1"/>
+            </a:solidFill>
+          </a:ln>
+        </p:spPr>
+        <p:style>
+          <a:lnRef idx="2">
+            <a:schemeClr val="accent1">
+              <a:shade val="50000"/>
+            </a:schemeClr>
+          </a:lnRef>
+          <a:fillRef idx="1">
+            <a:schemeClr val="accent1"/>
+          </a:fillRef>
+          <a:effectRef idx="0">
+            <a:schemeClr val="accent1"/>
+          </a:effectRef>
+          <a:fontRef idx="minor">
+            <a:schemeClr val="lt1"/>
+          </a:fontRef>
+        </p:style>
+        <p:txBody>
+          <a:bodyPr rtlCol="0" anchor="ctr"/>
+          <a:lstStyle/>
+          <a:p>
+            <a:pPr algn="ctr"/>
+            <a:r>
+              <a:rPr kumimoji="1" lang="en-US" altLang="ja-JP" sz="3200" b="1" i="1" dirty="0">
+                <a:solidFill>
+                  <a:schemeClr val="tx1"/>
+                </a:solidFill>
+                <a:latin typeface="Times New Roman" panose="02020603050405020304" pitchFamily="18" charset="0"/>
+                <a:cs typeface="Times New Roman" panose="02020603050405020304" pitchFamily="18" charset="0"/>
+              </a:rPr>
+              <a:t>z</a:t>
+            </a:r>
+            <a:endParaRPr kumimoji="1" lang="ja-JP" altLang="en-US" sz="3200" b="1" i="1">
+              <a:solidFill>
+                <a:schemeClr val="tx1"/>
+              </a:solidFill>
+              <a:latin typeface="Times New Roman" panose="02020603050405020304" pitchFamily="18" charset="0"/>
+              <a:cs typeface="Times New Roman" panose="02020603050405020304" pitchFamily="18" charset="0"/>
+            </a:endParaRPr>
+          </a:p>
+        </p:txBody>
+      </p:sp>
+      <p:cxnSp>
+        <p:nvCxnSpPr>
+          <p:cNvPr id="60" name="直線コネクタ 59">
+            <a:extLst>
+              <a:ext uri="{FF2B5EF4-FFF2-40B4-BE49-F238E27FC236}">
+                <a16:creationId xmlns:a16="http://schemas.microsoft.com/office/drawing/2014/main" id="{F880EA32-4691-FE4D-9D23-028AD8C45308}"/>
+              </a:ext>
+            </a:extLst>
+          </p:cNvPr>
+          <p:cNvCxnSpPr>
+            <a:cxnSpLocks/>
+            <a:stCxn id="59" idx="2"/>
+            <a:endCxn id="31" idx="6"/>
+          </p:cNvCxnSpPr>
+          <p:nvPr/>
+        </p:nvCxnSpPr>
+        <p:spPr>
+          <a:xfrm flipH="1" flipV="1">
+            <a:off x="6007348" y="1768529"/>
+            <a:ext cx="622755" cy="473250"/>
+          </a:xfrm>
+          <a:prstGeom prst="line">
+            <a:avLst/>
+          </a:prstGeom>
+          <a:ln w="38100">
+            <a:solidFill>
+              <a:schemeClr val="tx1"/>
+            </a:solidFill>
+            <a:headEnd type="arrow" w="med" len="med"/>
+            <a:tailEnd type="none" w="med" len="med"/>
+          </a:ln>
+        </p:spPr>
+        <p:style>
+          <a:lnRef idx="1">
+            <a:schemeClr val="accent1"/>
+          </a:lnRef>
+          <a:fillRef idx="0">
+            <a:schemeClr val="accent1"/>
+          </a:fillRef>
+          <a:effectRef idx="0">
+            <a:schemeClr val="accent1"/>
+          </a:effectRef>
+          <a:fontRef idx="minor">
+            <a:schemeClr val="tx1"/>
+          </a:fontRef>
+        </p:style>
+      </p:cxnSp>
+      <p:cxnSp>
+        <p:nvCxnSpPr>
+          <p:cNvPr id="61" name="直線コネクタ 60">
+            <a:extLst>
+              <a:ext uri="{FF2B5EF4-FFF2-40B4-BE49-F238E27FC236}">
+                <a16:creationId xmlns:a16="http://schemas.microsoft.com/office/drawing/2014/main" id="{EAC892FB-F99B-5E4E-8E96-32F4905F5616}"/>
+              </a:ext>
+            </a:extLst>
+          </p:cNvPr>
+          <p:cNvCxnSpPr>
+            <a:cxnSpLocks/>
+            <a:stCxn id="59" idx="2"/>
+            <a:endCxn id="32" idx="6"/>
+          </p:cNvCxnSpPr>
+          <p:nvPr/>
+        </p:nvCxnSpPr>
+        <p:spPr>
+          <a:xfrm flipH="1">
+            <a:off x="6004309" y="2241779"/>
+            <a:ext cx="625794" cy="593550"/>
+          </a:xfrm>
+          <a:prstGeom prst="line">
+            <a:avLst/>
+          </a:prstGeom>
+          <a:ln w="38100">
+            <a:solidFill>
+              <a:schemeClr val="tx1"/>
+            </a:solidFill>
+            <a:headEnd type="arrow" w="med" len="med"/>
+            <a:tailEnd type="none" w="med" len="med"/>
+          </a:ln>
+        </p:spPr>
+        <p:style>
+          <a:lnRef idx="1">
+            <a:schemeClr val="accent1"/>
+          </a:lnRef>
+          <a:fillRef idx="0">
+            <a:schemeClr val="accent1"/>
+          </a:fillRef>
+          <a:effectRef idx="0">
+            <a:schemeClr val="accent1"/>
+          </a:effectRef>
+          <a:fontRef idx="minor">
+            <a:schemeClr val="tx1"/>
+          </a:fontRef>
+        </p:style>
+      </p:cxnSp>
+      <p:cxnSp>
+        <p:nvCxnSpPr>
+          <p:cNvPr id="23" name="直線コネクタ 22">
+            <a:extLst>
+              <a:ext uri="{FF2B5EF4-FFF2-40B4-BE49-F238E27FC236}">
+                <a16:creationId xmlns:a16="http://schemas.microsoft.com/office/drawing/2014/main" id="{8CBB167A-8B17-0A48-AAB2-2D627FFD9FDB}"/>
+              </a:ext>
+            </a:extLst>
+          </p:cNvPr>
+          <p:cNvCxnSpPr>
+            <a:cxnSpLocks/>
+            <a:stCxn id="32" idx="2"/>
+            <a:endCxn id="29" idx="6"/>
+          </p:cNvCxnSpPr>
+          <p:nvPr/>
+        </p:nvCxnSpPr>
+        <p:spPr>
+          <a:xfrm flipH="1" flipV="1">
+            <a:off x="4684734" y="2337094"/>
+            <a:ext cx="655696" cy="498235"/>
+          </a:xfrm>
+          <a:prstGeom prst="line">
+            <a:avLst/>
+          </a:prstGeom>
+          <a:ln w="38100">
+            <a:solidFill>
+              <a:schemeClr val="tx1"/>
+            </a:solidFill>
+            <a:headEnd type="arrow" w="med" len="med"/>
+            <a:tailEnd type="none" w="med" len="med"/>
+          </a:ln>
+        </p:spPr>
+        <p:style>
+          <a:lnRef idx="1">
+            <a:schemeClr val="accent1"/>
+          </a:lnRef>
+          <a:fillRef idx="0">
+            <a:schemeClr val="accent1"/>
+          </a:fillRef>
+          <a:effectRef idx="0">
+            <a:schemeClr val="accent1"/>
+          </a:effectRef>
+          <a:fontRef idx="minor">
+            <a:schemeClr val="tx1"/>
+          </a:fontRef>
+        </p:style>
+      </p:cxnSp>
+    </p:spTree>
+    <p:extLst>
+      <p:ext uri="{BB962C8B-B14F-4D97-AF65-F5344CB8AC3E}">
+        <p14:creationId xmlns:p14="http://schemas.microsoft.com/office/powerpoint/2010/main" val="2287435135"/>
       </p:ext>
     </p:extLst>
   </p:cSld>
@@ -27229,14 +31026,14 @@
           <a:effectLst/>
           <a:extLst>
             <a:ext uri="{909E8E84-426E-40dd-AFC4-6F175D3DCCD1}">
-              <a14:hiddenFill xmlns="" xmlns:a14="http://schemas.microsoft.com/office/drawing/2010/main">
+              <a14:hiddenFill xmlns:a14="http://schemas.microsoft.com/office/drawing/2010/main" xmlns="">
                 <a:solidFill>
                   <a:schemeClr val="accent1"/>
                 </a:solidFill>
               </a14:hiddenFill>
             </a:ext>
             <a:ext uri="{91240B29-F687-4f45-9708-019B960494DF}">
-              <a14:hiddenLine xmlns="" xmlns:a14="http://schemas.microsoft.com/office/drawing/2010/main" w="9525">
+              <a14:hiddenLine xmlns:a14="http://schemas.microsoft.com/office/drawing/2010/main" xmlns="" w="9525">
                 <a:solidFill>
                   <a:schemeClr val="tx1"/>
                 </a:solidFill>
@@ -27246,7 +31043,7 @@
               </a14:hiddenLine>
             </a:ext>
             <a:ext uri="{AF507438-7753-43e0-B8FC-AC1667EBCBE1}">
-              <a14:hiddenEffects xmlns="" xmlns:a14="http://schemas.microsoft.com/office/drawing/2010/main">
+              <a14:hiddenEffects xmlns:a14="http://schemas.microsoft.com/office/drawing/2010/main" xmlns="">
                 <a:effectLst>
                   <a:outerShdw blurRad="63500" dist="38099" dir="2700000" algn="ctr" rotWithShape="0">
                     <a:schemeClr val="bg2">
@@ -27399,12 +31196,12 @@
           <a:effectLst/>
           <a:extLst>
             <a:ext uri="{909E8E84-426E-40dd-AFC4-6F175D3DCCD1}">
-              <a14:hiddenFill xmlns="" xmlns:a14="http://schemas.microsoft.com/office/drawing/2010/main">
+              <a14:hiddenFill xmlns:a14="http://schemas.microsoft.com/office/drawing/2010/main" xmlns="">
                 <a:noFill/>
               </a14:hiddenFill>
             </a:ext>
             <a:ext uri="{AF507438-7753-43e0-B8FC-AC1667EBCBE1}">
-              <a14:hiddenEffects xmlns="" xmlns:a14="http://schemas.microsoft.com/office/drawing/2010/main">
+              <a14:hiddenEffects xmlns:a14="http://schemas.microsoft.com/office/drawing/2010/main" xmlns="">
                 <a:effectLst>
                   <a:outerShdw blurRad="63500" dist="38099" dir="2700000" algn="ctr" rotWithShape="0">
                     <a:schemeClr val="bg2">
@@ -27463,12 +31260,12 @@
           <a:effectLst/>
           <a:extLst>
             <a:ext uri="{909E8E84-426E-40dd-AFC4-6F175D3DCCD1}">
-              <a14:hiddenFill xmlns="" xmlns:a14="http://schemas.microsoft.com/office/drawing/2010/main">
+              <a14:hiddenFill xmlns:a14="http://schemas.microsoft.com/office/drawing/2010/main" xmlns="">
                 <a:noFill/>
               </a14:hiddenFill>
             </a:ext>
             <a:ext uri="{AF507438-7753-43e0-B8FC-AC1667EBCBE1}">
-              <a14:hiddenEffects xmlns="" xmlns:a14="http://schemas.microsoft.com/office/drawing/2010/main">
+              <a14:hiddenEffects xmlns:a14="http://schemas.microsoft.com/office/drawing/2010/main" xmlns="">
                 <a:effectLst>
                   <a:outerShdw blurRad="63500" dist="38099" dir="2700000" algn="ctr" rotWithShape="0">
                     <a:schemeClr val="bg2">
@@ -27527,12 +31324,12 @@
           <a:effectLst/>
           <a:extLst>
             <a:ext uri="{909E8E84-426E-40dd-AFC4-6F175D3DCCD1}">
-              <a14:hiddenFill xmlns="" xmlns:a14="http://schemas.microsoft.com/office/drawing/2010/main">
+              <a14:hiddenFill xmlns:a14="http://schemas.microsoft.com/office/drawing/2010/main" xmlns="">
                 <a:noFill/>
               </a14:hiddenFill>
             </a:ext>
             <a:ext uri="{AF507438-7753-43e0-B8FC-AC1667EBCBE1}">
-              <a14:hiddenEffects xmlns="" xmlns:a14="http://schemas.microsoft.com/office/drawing/2010/main">
+              <a14:hiddenEffects xmlns:a14="http://schemas.microsoft.com/office/drawing/2010/main" xmlns="">
                 <a:effectLst>
                   <a:outerShdw blurRad="63500" dist="38099" dir="2700000" algn="ctr" rotWithShape="0">
                     <a:schemeClr val="bg2">
@@ -27591,12 +31388,12 @@
           <a:effectLst/>
           <a:extLst>
             <a:ext uri="{909E8E84-426E-40dd-AFC4-6F175D3DCCD1}">
-              <a14:hiddenFill xmlns="" xmlns:a14="http://schemas.microsoft.com/office/drawing/2010/main">
+              <a14:hiddenFill xmlns:a14="http://schemas.microsoft.com/office/drawing/2010/main" xmlns="">
                 <a:noFill/>
               </a14:hiddenFill>
             </a:ext>
             <a:ext uri="{AF507438-7753-43e0-B8FC-AC1667EBCBE1}">
-              <a14:hiddenEffects xmlns="" xmlns:a14="http://schemas.microsoft.com/office/drawing/2010/main">
+              <a14:hiddenEffects xmlns:a14="http://schemas.microsoft.com/office/drawing/2010/main" xmlns="">
                 <a:effectLst>
                   <a:outerShdw blurRad="63500" dist="38099" dir="2700000" algn="ctr" rotWithShape="0">
                     <a:schemeClr val="bg2">

--- a/chap3_NeuralNetwork/img/img.pptx
+++ b/chap3_NeuralNetwork/img/img.pptx
@@ -19,6 +19,7 @@
     <p:sldId id="941" r:id="rId13"/>
     <p:sldId id="942" r:id="rId14"/>
     <p:sldId id="943" r:id="rId15"/>
+    <p:sldId id="944" r:id="rId16"/>
   </p:sldIdLst>
   <p:sldSz cx="12192000" cy="6858000"/>
   <p:notesSz cx="6858000" cy="9144000"/>
@@ -283,7 +284,7 @@
           <a:p>
             <a:fld id="{F269BC05-6033-3F48-8386-807EFABD0CB7}" type="datetimeFigureOut">
               <a:rPr kumimoji="1" lang="ja-JP" altLang="en-US" smtClean="0"/>
-              <a:t>2020/1/23</a:t>
+              <a:t>2020/1/26</a:t>
             </a:fld>
             <a:endParaRPr kumimoji="1" lang="ja-JP" altLang="en-US"/>
           </a:p>
@@ -513,7 +514,7 @@
           <a:p>
             <a:fld id="{F269BC05-6033-3F48-8386-807EFABD0CB7}" type="datetimeFigureOut">
               <a:rPr kumimoji="1" lang="ja-JP" altLang="en-US" smtClean="0"/>
-              <a:t>2020/1/23</a:t>
+              <a:t>2020/1/26</a:t>
             </a:fld>
             <a:endParaRPr kumimoji="1" lang="ja-JP" altLang="en-US"/>
           </a:p>
@@ -753,7 +754,7 @@
           <a:p>
             <a:fld id="{F269BC05-6033-3F48-8386-807EFABD0CB7}" type="datetimeFigureOut">
               <a:rPr kumimoji="1" lang="ja-JP" altLang="en-US" smtClean="0"/>
-              <a:t>2020/1/23</a:t>
+              <a:t>2020/1/26</a:t>
             </a:fld>
             <a:endParaRPr kumimoji="1" lang="ja-JP" altLang="en-US"/>
           </a:p>
@@ -983,7 +984,7 @@
           <a:p>
             <a:fld id="{F269BC05-6033-3F48-8386-807EFABD0CB7}" type="datetimeFigureOut">
               <a:rPr kumimoji="1" lang="ja-JP" altLang="en-US" smtClean="0"/>
-              <a:t>2020/1/23</a:t>
+              <a:t>2020/1/26</a:t>
             </a:fld>
             <a:endParaRPr kumimoji="1" lang="ja-JP" altLang="en-US"/>
           </a:p>
@@ -1258,7 +1259,7 @@
           <a:p>
             <a:fld id="{F269BC05-6033-3F48-8386-807EFABD0CB7}" type="datetimeFigureOut">
               <a:rPr kumimoji="1" lang="ja-JP" altLang="en-US" smtClean="0"/>
-              <a:t>2020/1/23</a:t>
+              <a:t>2020/1/26</a:t>
             </a:fld>
             <a:endParaRPr kumimoji="1" lang="ja-JP" altLang="en-US"/>
           </a:p>
@@ -1587,7 +1588,7 @@
           <a:p>
             <a:fld id="{F269BC05-6033-3F48-8386-807EFABD0CB7}" type="datetimeFigureOut">
               <a:rPr kumimoji="1" lang="ja-JP" altLang="en-US" smtClean="0"/>
-              <a:t>2020/1/23</a:t>
+              <a:t>2020/1/26</a:t>
             </a:fld>
             <a:endParaRPr kumimoji="1" lang="ja-JP" altLang="en-US"/>
           </a:p>
@@ -2063,7 +2064,7 @@
           <a:p>
             <a:fld id="{F269BC05-6033-3F48-8386-807EFABD0CB7}" type="datetimeFigureOut">
               <a:rPr kumimoji="1" lang="ja-JP" altLang="en-US" smtClean="0"/>
-              <a:t>2020/1/23</a:t>
+              <a:t>2020/1/26</a:t>
             </a:fld>
             <a:endParaRPr kumimoji="1" lang="ja-JP" altLang="en-US"/>
           </a:p>
@@ -2204,7 +2205,7 @@
           <a:p>
             <a:fld id="{F269BC05-6033-3F48-8386-807EFABD0CB7}" type="datetimeFigureOut">
               <a:rPr kumimoji="1" lang="ja-JP" altLang="en-US" smtClean="0"/>
-              <a:t>2020/1/23</a:t>
+              <a:t>2020/1/26</a:t>
             </a:fld>
             <a:endParaRPr kumimoji="1" lang="ja-JP" altLang="en-US"/>
           </a:p>
@@ -2317,7 +2318,7 @@
           <a:p>
             <a:fld id="{F269BC05-6033-3F48-8386-807EFABD0CB7}" type="datetimeFigureOut">
               <a:rPr kumimoji="1" lang="ja-JP" altLang="en-US" smtClean="0"/>
-              <a:t>2020/1/23</a:t>
+              <a:t>2020/1/26</a:t>
             </a:fld>
             <a:endParaRPr kumimoji="1" lang="ja-JP" altLang="en-US"/>
           </a:p>
@@ -2660,7 +2661,7 @@
           <a:p>
             <a:fld id="{F269BC05-6033-3F48-8386-807EFABD0CB7}" type="datetimeFigureOut">
               <a:rPr kumimoji="1" lang="ja-JP" altLang="en-US" smtClean="0"/>
-              <a:t>2020/1/23</a:t>
+              <a:t>2020/1/26</a:t>
             </a:fld>
             <a:endParaRPr kumimoji="1" lang="ja-JP" altLang="en-US"/>
           </a:p>
@@ -2948,7 +2949,7 @@
           <a:p>
             <a:fld id="{F269BC05-6033-3F48-8386-807EFABD0CB7}" type="datetimeFigureOut">
               <a:rPr kumimoji="1" lang="ja-JP" altLang="en-US" smtClean="0"/>
-              <a:t>2020/1/23</a:t>
+              <a:t>2020/1/26</a:t>
             </a:fld>
             <a:endParaRPr kumimoji="1" lang="ja-JP" altLang="en-US"/>
           </a:p>
@@ -3221,7 +3222,7 @@
           <a:p>
             <a:fld id="{F269BC05-6033-3F48-8386-807EFABD0CB7}" type="datetimeFigureOut">
               <a:rPr kumimoji="1" lang="ja-JP" altLang="en-US" smtClean="0"/>
-              <a:t>2020/1/23</a:t>
+              <a:t>2020/1/26</a:t>
             </a:fld>
             <a:endParaRPr kumimoji="1" lang="ja-JP" altLang="en-US"/>
           </a:p>
@@ -5216,14 +5217,14 @@
           <a:effectLst/>
           <a:extLst>
             <a:ext uri="{909E8E84-426E-40dd-AFC4-6F175D3DCCD1}">
-              <a14:hiddenFill xmlns:a14="http://schemas.microsoft.com/office/drawing/2010/main" xmlns="">
+              <a14:hiddenFill xmlns="" xmlns:a14="http://schemas.microsoft.com/office/drawing/2010/main">
                 <a:solidFill>
                   <a:schemeClr val="accent1"/>
                 </a:solidFill>
               </a14:hiddenFill>
             </a:ext>
             <a:ext uri="{91240B29-F687-4f45-9708-019B960494DF}">
-              <a14:hiddenLine xmlns:a14="http://schemas.microsoft.com/office/drawing/2010/main" xmlns="" w="9525">
+              <a14:hiddenLine xmlns="" xmlns:a14="http://schemas.microsoft.com/office/drawing/2010/main" w="9525">
                 <a:solidFill>
                   <a:schemeClr val="tx1"/>
                 </a:solidFill>
@@ -5233,7 +5234,7 @@
               </a14:hiddenLine>
             </a:ext>
             <a:ext uri="{AF507438-7753-43e0-B8FC-AC1667EBCBE1}">
-              <a14:hiddenEffects xmlns:a14="http://schemas.microsoft.com/office/drawing/2010/main" xmlns="">
+              <a14:hiddenEffects xmlns="" xmlns:a14="http://schemas.microsoft.com/office/drawing/2010/main">
                 <a:effectLst>
                   <a:outerShdw blurRad="63500" dist="38099" dir="2700000" algn="ctr" rotWithShape="0">
                     <a:schemeClr val="bg2">
@@ -5362,12 +5363,12 @@
           <a:effectLst/>
           <a:extLst>
             <a:ext uri="{909E8E84-426E-40dd-AFC4-6F175D3DCCD1}">
-              <a14:hiddenFill xmlns:a14="http://schemas.microsoft.com/office/drawing/2010/main" xmlns="">
+              <a14:hiddenFill xmlns="" xmlns:a14="http://schemas.microsoft.com/office/drawing/2010/main">
                 <a:noFill/>
               </a14:hiddenFill>
             </a:ext>
             <a:ext uri="{AF507438-7753-43e0-B8FC-AC1667EBCBE1}">
-              <a14:hiddenEffects xmlns:a14="http://schemas.microsoft.com/office/drawing/2010/main" xmlns="">
+              <a14:hiddenEffects xmlns="" xmlns:a14="http://schemas.microsoft.com/office/drawing/2010/main">
                 <a:effectLst>
                   <a:outerShdw blurRad="63500" dist="38099" dir="2700000" algn="ctr" rotWithShape="0">
                     <a:schemeClr val="bg2">
@@ -5426,12 +5427,12 @@
           <a:effectLst/>
           <a:extLst>
             <a:ext uri="{909E8E84-426E-40dd-AFC4-6F175D3DCCD1}">
-              <a14:hiddenFill xmlns:a14="http://schemas.microsoft.com/office/drawing/2010/main" xmlns="">
+              <a14:hiddenFill xmlns="" xmlns:a14="http://schemas.microsoft.com/office/drawing/2010/main">
                 <a:noFill/>
               </a14:hiddenFill>
             </a:ext>
             <a:ext uri="{AF507438-7753-43e0-B8FC-AC1667EBCBE1}">
-              <a14:hiddenEffects xmlns:a14="http://schemas.microsoft.com/office/drawing/2010/main" xmlns="">
+              <a14:hiddenEffects xmlns="" xmlns:a14="http://schemas.microsoft.com/office/drawing/2010/main">
                 <a:effectLst>
                   <a:outerShdw blurRad="63500" dist="38099" dir="2700000" algn="ctr" rotWithShape="0">
                     <a:schemeClr val="bg2">
@@ -5490,12 +5491,12 @@
           <a:effectLst/>
           <a:extLst>
             <a:ext uri="{909E8E84-426E-40dd-AFC4-6F175D3DCCD1}">
-              <a14:hiddenFill xmlns:a14="http://schemas.microsoft.com/office/drawing/2010/main" xmlns="">
+              <a14:hiddenFill xmlns="" xmlns:a14="http://schemas.microsoft.com/office/drawing/2010/main">
                 <a:noFill/>
               </a14:hiddenFill>
             </a:ext>
             <a:ext uri="{AF507438-7753-43e0-B8FC-AC1667EBCBE1}">
-              <a14:hiddenEffects xmlns:a14="http://schemas.microsoft.com/office/drawing/2010/main" xmlns="">
+              <a14:hiddenEffects xmlns="" xmlns:a14="http://schemas.microsoft.com/office/drawing/2010/main">
                 <a:effectLst>
                   <a:outerShdw blurRad="63500" dist="38099" dir="2700000" algn="ctr" rotWithShape="0">
                     <a:schemeClr val="bg2">
@@ -5554,12 +5555,12 @@
           <a:effectLst/>
           <a:extLst>
             <a:ext uri="{909E8E84-426E-40dd-AFC4-6F175D3DCCD1}">
-              <a14:hiddenFill xmlns:a14="http://schemas.microsoft.com/office/drawing/2010/main" xmlns="">
+              <a14:hiddenFill xmlns="" xmlns:a14="http://schemas.microsoft.com/office/drawing/2010/main">
                 <a:noFill/>
               </a14:hiddenFill>
             </a:ext>
             <a:ext uri="{AF507438-7753-43e0-B8FC-AC1667EBCBE1}">
-              <a14:hiddenEffects xmlns:a14="http://schemas.microsoft.com/office/drawing/2010/main" xmlns="">
+              <a14:hiddenEffects xmlns="" xmlns:a14="http://schemas.microsoft.com/office/drawing/2010/main">
                 <a:effectLst>
                   <a:outerShdw blurRad="63500" dist="38099" dir="2700000" algn="ctr" rotWithShape="0">
                     <a:schemeClr val="bg2">
@@ -5620,7 +5621,7 @@
           <a:effectLst/>
           <a:extLst>
             <a:ext uri="{AF507438-7753-43e0-B8FC-AC1667EBCBE1}">
-              <a14:hiddenEffects xmlns:a14="http://schemas.microsoft.com/office/drawing/2010/main" xmlns="">
+              <a14:hiddenEffects xmlns="" xmlns:a14="http://schemas.microsoft.com/office/drawing/2010/main">
                 <a:effectLst>
                   <a:outerShdw blurRad="63500" dist="38099" dir="2700000" algn="ctr" rotWithShape="0">
                     <a:schemeClr val="bg2">
@@ -5681,7 +5682,7 @@
           <a:effectLst/>
           <a:extLst>
             <a:ext uri="{AF507438-7753-43e0-B8FC-AC1667EBCBE1}">
-              <a14:hiddenEffects xmlns:a14="http://schemas.microsoft.com/office/drawing/2010/main" xmlns="">
+              <a14:hiddenEffects xmlns="" xmlns:a14="http://schemas.microsoft.com/office/drawing/2010/main">
                 <a:effectLst>
                   <a:outerShdw blurRad="63500" dist="38099" dir="2700000" algn="ctr" rotWithShape="0">
                     <a:schemeClr val="bg2">
@@ -5742,7 +5743,7 @@
           <a:effectLst/>
           <a:extLst>
             <a:ext uri="{AF507438-7753-43e0-B8FC-AC1667EBCBE1}">
-              <a14:hiddenEffects xmlns:a14="http://schemas.microsoft.com/office/drawing/2010/main" xmlns="">
+              <a14:hiddenEffects xmlns="" xmlns:a14="http://schemas.microsoft.com/office/drawing/2010/main">
                 <a:effectLst>
                   <a:outerShdw blurRad="63500" dist="38099" dir="2700000" algn="ctr" rotWithShape="0">
                     <a:schemeClr val="bg2">
@@ -5803,7 +5804,7 @@
           <a:effectLst/>
           <a:extLst>
             <a:ext uri="{AF507438-7753-43e0-B8FC-AC1667EBCBE1}">
-              <a14:hiddenEffects xmlns:a14="http://schemas.microsoft.com/office/drawing/2010/main" xmlns="">
+              <a14:hiddenEffects xmlns="" xmlns:a14="http://schemas.microsoft.com/office/drawing/2010/main">
                 <a:effectLst>
                   <a:outerShdw blurRad="63500" dist="38099" dir="2700000" algn="ctr" rotWithShape="0">
                     <a:schemeClr val="bg2">
@@ -5864,7 +5865,7 @@
           <a:effectLst/>
           <a:extLst>
             <a:ext uri="{AF507438-7753-43e0-B8FC-AC1667EBCBE1}">
-              <a14:hiddenEffects xmlns:a14="http://schemas.microsoft.com/office/drawing/2010/main" xmlns="">
+              <a14:hiddenEffects xmlns="" xmlns:a14="http://schemas.microsoft.com/office/drawing/2010/main">
                 <a:effectLst>
                   <a:outerShdw blurRad="63500" dist="38099" dir="2700000" algn="ctr" rotWithShape="0">
                     <a:schemeClr val="bg2">
@@ -5925,12 +5926,12 @@
           <a:effectLst/>
           <a:extLst>
             <a:ext uri="{909E8E84-426E-40dd-AFC4-6F175D3DCCD1}">
-              <a14:hiddenFill xmlns:a14="http://schemas.microsoft.com/office/drawing/2010/main" xmlns="">
+              <a14:hiddenFill xmlns="" xmlns:a14="http://schemas.microsoft.com/office/drawing/2010/main">
                 <a:noFill/>
               </a14:hiddenFill>
             </a:ext>
             <a:ext uri="{AF507438-7753-43e0-B8FC-AC1667EBCBE1}">
-              <a14:hiddenEffects xmlns:a14="http://schemas.microsoft.com/office/drawing/2010/main" xmlns="">
+              <a14:hiddenEffects xmlns="" xmlns:a14="http://schemas.microsoft.com/office/drawing/2010/main">
                 <a:effectLst>
                   <a:outerShdw blurRad="63500" dist="38099" dir="2700000" algn="ctr" rotWithShape="0">
                     <a:schemeClr val="bg2">
@@ -5979,12 +5980,12 @@
           <a:effectLst/>
           <a:extLst>
             <a:ext uri="{909E8E84-426E-40dd-AFC4-6F175D3DCCD1}">
-              <a14:hiddenFill xmlns:a14="http://schemas.microsoft.com/office/drawing/2010/main" xmlns="">
+              <a14:hiddenFill xmlns="" xmlns:a14="http://schemas.microsoft.com/office/drawing/2010/main">
                 <a:noFill/>
               </a14:hiddenFill>
             </a:ext>
             <a:ext uri="{AF507438-7753-43e0-B8FC-AC1667EBCBE1}">
-              <a14:hiddenEffects xmlns:a14="http://schemas.microsoft.com/office/drawing/2010/main" xmlns="">
+              <a14:hiddenEffects xmlns="" xmlns:a14="http://schemas.microsoft.com/office/drawing/2010/main">
                 <a:effectLst>
                   <a:outerShdw blurRad="63500" dist="38099" dir="2700000" algn="ctr" rotWithShape="0">
                     <a:schemeClr val="bg2">
@@ -6033,12 +6034,12 @@
           <a:effectLst/>
           <a:extLst>
             <a:ext uri="{909E8E84-426E-40dd-AFC4-6F175D3DCCD1}">
-              <a14:hiddenFill xmlns:a14="http://schemas.microsoft.com/office/drawing/2010/main" xmlns="">
+              <a14:hiddenFill xmlns="" xmlns:a14="http://schemas.microsoft.com/office/drawing/2010/main">
                 <a:noFill/>
               </a14:hiddenFill>
             </a:ext>
             <a:ext uri="{AF507438-7753-43e0-B8FC-AC1667EBCBE1}">
-              <a14:hiddenEffects xmlns:a14="http://schemas.microsoft.com/office/drawing/2010/main" xmlns="">
+              <a14:hiddenEffects xmlns="" xmlns:a14="http://schemas.microsoft.com/office/drawing/2010/main">
                 <a:effectLst>
                   <a:outerShdw blurRad="63500" dist="38099" dir="2700000" algn="ctr" rotWithShape="0">
                     <a:schemeClr val="bg2">
@@ -6087,12 +6088,12 @@
           <a:effectLst/>
           <a:extLst>
             <a:ext uri="{909E8E84-426E-40dd-AFC4-6F175D3DCCD1}">
-              <a14:hiddenFill xmlns:a14="http://schemas.microsoft.com/office/drawing/2010/main" xmlns="">
+              <a14:hiddenFill xmlns="" xmlns:a14="http://schemas.microsoft.com/office/drawing/2010/main">
                 <a:noFill/>
               </a14:hiddenFill>
             </a:ext>
             <a:ext uri="{AF507438-7753-43e0-B8FC-AC1667EBCBE1}">
-              <a14:hiddenEffects xmlns:a14="http://schemas.microsoft.com/office/drawing/2010/main" xmlns="">
+              <a14:hiddenEffects xmlns="" xmlns:a14="http://schemas.microsoft.com/office/drawing/2010/main">
                 <a:effectLst>
                   <a:outerShdw blurRad="63500" dist="38099" dir="2700000" algn="ctr" rotWithShape="0">
                     <a:schemeClr val="bg2">
@@ -6141,12 +6142,12 @@
           <a:effectLst/>
           <a:extLst>
             <a:ext uri="{909E8E84-426E-40dd-AFC4-6F175D3DCCD1}">
-              <a14:hiddenFill xmlns:a14="http://schemas.microsoft.com/office/drawing/2010/main" xmlns="">
+              <a14:hiddenFill xmlns="" xmlns:a14="http://schemas.microsoft.com/office/drawing/2010/main">
                 <a:noFill/>
               </a14:hiddenFill>
             </a:ext>
             <a:ext uri="{AF507438-7753-43e0-B8FC-AC1667EBCBE1}">
-              <a14:hiddenEffects xmlns:a14="http://schemas.microsoft.com/office/drawing/2010/main" xmlns="">
+              <a14:hiddenEffects xmlns="" xmlns:a14="http://schemas.microsoft.com/office/drawing/2010/main">
                 <a:effectLst>
                   <a:outerShdw blurRad="63500" dist="38099" dir="2700000" algn="ctr" rotWithShape="0">
                     <a:schemeClr val="bg2">
@@ -6195,12 +6196,12 @@
           <a:effectLst/>
           <a:extLst>
             <a:ext uri="{909E8E84-426E-40dd-AFC4-6F175D3DCCD1}">
-              <a14:hiddenFill xmlns:a14="http://schemas.microsoft.com/office/drawing/2010/main" xmlns="">
+              <a14:hiddenFill xmlns="" xmlns:a14="http://schemas.microsoft.com/office/drawing/2010/main">
                 <a:noFill/>
               </a14:hiddenFill>
             </a:ext>
             <a:ext uri="{AF507438-7753-43e0-B8FC-AC1667EBCBE1}">
-              <a14:hiddenEffects xmlns:a14="http://schemas.microsoft.com/office/drawing/2010/main" xmlns="">
+              <a14:hiddenEffects xmlns="" xmlns:a14="http://schemas.microsoft.com/office/drawing/2010/main">
                 <a:effectLst>
                   <a:outerShdw blurRad="63500" dist="38099" dir="2700000" algn="ctr" rotWithShape="0">
                     <a:schemeClr val="bg2">
@@ -6247,12 +6248,12 @@
           <a:effectLst/>
           <a:extLst>
             <a:ext uri="{909E8E84-426E-40dd-AFC4-6F175D3DCCD1}">
-              <a14:hiddenFill xmlns:a14="http://schemas.microsoft.com/office/drawing/2010/main" xmlns="">
+              <a14:hiddenFill xmlns="" xmlns:a14="http://schemas.microsoft.com/office/drawing/2010/main">
                 <a:noFill/>
               </a14:hiddenFill>
             </a:ext>
             <a:ext uri="{AF507438-7753-43e0-B8FC-AC1667EBCBE1}">
-              <a14:hiddenEffects xmlns:a14="http://schemas.microsoft.com/office/drawing/2010/main" xmlns="">
+              <a14:hiddenEffects xmlns="" xmlns:a14="http://schemas.microsoft.com/office/drawing/2010/main">
                 <a:effectLst>
                   <a:outerShdw blurRad="63500" dist="38099" dir="2700000" algn="ctr" rotWithShape="0">
                     <a:schemeClr val="bg2">
@@ -6311,12 +6312,12 @@
           <a:effectLst/>
           <a:extLst>
             <a:ext uri="{909E8E84-426E-40dd-AFC4-6F175D3DCCD1}">
-              <a14:hiddenFill xmlns:a14="http://schemas.microsoft.com/office/drawing/2010/main" xmlns="">
+              <a14:hiddenFill xmlns="" xmlns:a14="http://schemas.microsoft.com/office/drawing/2010/main">
                 <a:noFill/>
               </a14:hiddenFill>
             </a:ext>
             <a:ext uri="{AF507438-7753-43e0-B8FC-AC1667EBCBE1}">
-              <a14:hiddenEffects xmlns:a14="http://schemas.microsoft.com/office/drawing/2010/main" xmlns="">
+              <a14:hiddenEffects xmlns="" xmlns:a14="http://schemas.microsoft.com/office/drawing/2010/main">
                 <a:effectLst>
                   <a:outerShdw blurRad="63500" dist="38099" dir="2700000" algn="ctr" rotWithShape="0">
                     <a:schemeClr val="bg2">
@@ -6375,12 +6376,12 @@
           <a:effectLst/>
           <a:extLst>
             <a:ext uri="{909E8E84-426E-40dd-AFC4-6F175D3DCCD1}">
-              <a14:hiddenFill xmlns:a14="http://schemas.microsoft.com/office/drawing/2010/main" xmlns="">
+              <a14:hiddenFill xmlns="" xmlns:a14="http://schemas.microsoft.com/office/drawing/2010/main">
                 <a:noFill/>
               </a14:hiddenFill>
             </a:ext>
             <a:ext uri="{AF507438-7753-43e0-B8FC-AC1667EBCBE1}">
-              <a14:hiddenEffects xmlns:a14="http://schemas.microsoft.com/office/drawing/2010/main" xmlns="">
+              <a14:hiddenEffects xmlns="" xmlns:a14="http://schemas.microsoft.com/office/drawing/2010/main">
                 <a:effectLst>
                   <a:outerShdw blurRad="63500" dist="38099" dir="2700000" algn="ctr" rotWithShape="0">
                     <a:schemeClr val="bg2">
@@ -6434,14 +6435,14 @@
           <a:effectLst/>
           <a:extLst>
             <a:ext uri="{909E8E84-426E-40dd-AFC4-6F175D3DCCD1}">
-              <a14:hiddenFill xmlns:a14="http://schemas.microsoft.com/office/drawing/2010/main" xmlns="">
+              <a14:hiddenFill xmlns="" xmlns:a14="http://schemas.microsoft.com/office/drawing/2010/main">
                 <a:solidFill>
                   <a:schemeClr val="accent1"/>
                 </a:solidFill>
               </a14:hiddenFill>
             </a:ext>
             <a:ext uri="{91240B29-F687-4f45-9708-019B960494DF}">
-              <a14:hiddenLine xmlns:a14="http://schemas.microsoft.com/office/drawing/2010/main" xmlns="" w="9525">
+              <a14:hiddenLine xmlns="" xmlns:a14="http://schemas.microsoft.com/office/drawing/2010/main" w="9525">
                 <a:solidFill>
                   <a:schemeClr val="tx1"/>
                 </a:solidFill>
@@ -6451,7 +6452,7 @@
               </a14:hiddenLine>
             </a:ext>
             <a:ext uri="{AF507438-7753-43e0-B8FC-AC1667EBCBE1}">
-              <a14:hiddenEffects xmlns:a14="http://schemas.microsoft.com/office/drawing/2010/main" xmlns="">
+              <a14:hiddenEffects xmlns="" xmlns:a14="http://schemas.microsoft.com/office/drawing/2010/main">
                 <a:effectLst>
                   <a:outerShdw blurRad="63500" dist="38099" dir="2700000" algn="ctr" rotWithShape="0">
                     <a:schemeClr val="bg2">
@@ -6511,14 +6512,14 @@
           <a:effectLst/>
           <a:extLst>
             <a:ext uri="{909E8E84-426E-40dd-AFC4-6F175D3DCCD1}">
-              <a14:hiddenFill xmlns:a14="http://schemas.microsoft.com/office/drawing/2010/main" xmlns="">
+              <a14:hiddenFill xmlns="" xmlns:a14="http://schemas.microsoft.com/office/drawing/2010/main">
                 <a:solidFill>
                   <a:schemeClr val="accent1"/>
                 </a:solidFill>
               </a14:hiddenFill>
             </a:ext>
             <a:ext uri="{91240B29-F687-4f45-9708-019B960494DF}">
-              <a14:hiddenLine xmlns:a14="http://schemas.microsoft.com/office/drawing/2010/main" xmlns="" w="9525">
+              <a14:hiddenLine xmlns="" xmlns:a14="http://schemas.microsoft.com/office/drawing/2010/main" w="9525">
                 <a:solidFill>
                   <a:schemeClr val="tx1"/>
                 </a:solidFill>
@@ -6528,7 +6529,7 @@
               </a14:hiddenLine>
             </a:ext>
             <a:ext uri="{AF507438-7753-43e0-B8FC-AC1667EBCBE1}">
-              <a14:hiddenEffects xmlns:a14="http://schemas.microsoft.com/office/drawing/2010/main" xmlns="">
+              <a14:hiddenEffects xmlns="" xmlns:a14="http://schemas.microsoft.com/office/drawing/2010/main">
                 <a:effectLst>
                   <a:outerShdw blurRad="63500" dist="38099" dir="2700000" algn="ctr" rotWithShape="0">
                     <a:schemeClr val="bg2">
@@ -6588,14 +6589,14 @@
           <a:effectLst/>
           <a:extLst>
             <a:ext uri="{909E8E84-426E-40dd-AFC4-6F175D3DCCD1}">
-              <a14:hiddenFill xmlns:a14="http://schemas.microsoft.com/office/drawing/2010/main" xmlns="">
+              <a14:hiddenFill xmlns="" xmlns:a14="http://schemas.microsoft.com/office/drawing/2010/main">
                 <a:solidFill>
                   <a:schemeClr val="accent1"/>
                 </a:solidFill>
               </a14:hiddenFill>
             </a:ext>
             <a:ext uri="{91240B29-F687-4f45-9708-019B960494DF}">
-              <a14:hiddenLine xmlns:a14="http://schemas.microsoft.com/office/drawing/2010/main" xmlns="" w="9525">
+              <a14:hiddenLine xmlns="" xmlns:a14="http://schemas.microsoft.com/office/drawing/2010/main" w="9525">
                 <a:solidFill>
                   <a:schemeClr val="tx1"/>
                 </a:solidFill>
@@ -6605,7 +6606,7 @@
               </a14:hiddenLine>
             </a:ext>
             <a:ext uri="{AF507438-7753-43e0-B8FC-AC1667EBCBE1}">
-              <a14:hiddenEffects xmlns:a14="http://schemas.microsoft.com/office/drawing/2010/main" xmlns="">
+              <a14:hiddenEffects xmlns="" xmlns:a14="http://schemas.microsoft.com/office/drawing/2010/main">
                 <a:effectLst>
                   <a:outerShdw blurRad="63500" dist="38099" dir="2700000" algn="ctr" rotWithShape="0">
                     <a:schemeClr val="bg2">
@@ -6665,14 +6666,14 @@
           <a:effectLst/>
           <a:extLst>
             <a:ext uri="{909E8E84-426E-40dd-AFC4-6F175D3DCCD1}">
-              <a14:hiddenFill xmlns:a14="http://schemas.microsoft.com/office/drawing/2010/main" xmlns="">
+              <a14:hiddenFill xmlns="" xmlns:a14="http://schemas.microsoft.com/office/drawing/2010/main">
                 <a:solidFill>
                   <a:schemeClr val="accent1"/>
                 </a:solidFill>
               </a14:hiddenFill>
             </a:ext>
             <a:ext uri="{91240B29-F687-4f45-9708-019B960494DF}">
-              <a14:hiddenLine xmlns:a14="http://schemas.microsoft.com/office/drawing/2010/main" xmlns="" w="9525">
+              <a14:hiddenLine xmlns="" xmlns:a14="http://schemas.microsoft.com/office/drawing/2010/main" w="9525">
                 <a:solidFill>
                   <a:schemeClr val="tx1"/>
                 </a:solidFill>
@@ -6682,7 +6683,7 @@
               </a14:hiddenLine>
             </a:ext>
             <a:ext uri="{AF507438-7753-43e0-B8FC-AC1667EBCBE1}">
-              <a14:hiddenEffects xmlns:a14="http://schemas.microsoft.com/office/drawing/2010/main" xmlns="">
+              <a14:hiddenEffects xmlns="" xmlns:a14="http://schemas.microsoft.com/office/drawing/2010/main">
                 <a:effectLst>
                   <a:outerShdw blurRad="63500" dist="38099" dir="2700000" algn="ctr" rotWithShape="0">
                     <a:schemeClr val="bg2">
@@ -6742,14 +6743,14 @@
           <a:effectLst/>
           <a:extLst>
             <a:ext uri="{909E8E84-426E-40dd-AFC4-6F175D3DCCD1}">
-              <a14:hiddenFill xmlns:a14="http://schemas.microsoft.com/office/drawing/2010/main" xmlns="">
+              <a14:hiddenFill xmlns="" xmlns:a14="http://schemas.microsoft.com/office/drawing/2010/main">
                 <a:solidFill>
                   <a:schemeClr val="accent1"/>
                 </a:solidFill>
               </a14:hiddenFill>
             </a:ext>
             <a:ext uri="{91240B29-F687-4f45-9708-019B960494DF}">
-              <a14:hiddenLine xmlns:a14="http://schemas.microsoft.com/office/drawing/2010/main" xmlns="" w="9525">
+              <a14:hiddenLine xmlns="" xmlns:a14="http://schemas.microsoft.com/office/drawing/2010/main" w="9525">
                 <a:solidFill>
                   <a:schemeClr val="tx1"/>
                 </a:solidFill>
@@ -6759,7 +6760,7 @@
               </a14:hiddenLine>
             </a:ext>
             <a:ext uri="{AF507438-7753-43e0-B8FC-AC1667EBCBE1}">
-              <a14:hiddenEffects xmlns:a14="http://schemas.microsoft.com/office/drawing/2010/main" xmlns="">
+              <a14:hiddenEffects xmlns="" xmlns:a14="http://schemas.microsoft.com/office/drawing/2010/main">
                 <a:effectLst>
                   <a:outerShdw blurRad="63500" dist="38099" dir="2700000" algn="ctr" rotWithShape="0">
                     <a:schemeClr val="bg2">
@@ -6819,14 +6820,14 @@
           <a:effectLst/>
           <a:extLst>
             <a:ext uri="{909E8E84-426E-40dd-AFC4-6F175D3DCCD1}">
-              <a14:hiddenFill xmlns:a14="http://schemas.microsoft.com/office/drawing/2010/main" xmlns="">
+              <a14:hiddenFill xmlns="" xmlns:a14="http://schemas.microsoft.com/office/drawing/2010/main">
                 <a:solidFill>
                   <a:schemeClr val="accent1"/>
                 </a:solidFill>
               </a14:hiddenFill>
             </a:ext>
             <a:ext uri="{91240B29-F687-4f45-9708-019B960494DF}">
-              <a14:hiddenLine xmlns:a14="http://schemas.microsoft.com/office/drawing/2010/main" xmlns="" w="9525">
+              <a14:hiddenLine xmlns="" xmlns:a14="http://schemas.microsoft.com/office/drawing/2010/main" w="9525">
                 <a:solidFill>
                   <a:schemeClr val="tx1"/>
                 </a:solidFill>
@@ -6836,7 +6837,7 @@
               </a14:hiddenLine>
             </a:ext>
             <a:ext uri="{AF507438-7753-43e0-B8FC-AC1667EBCBE1}">
-              <a14:hiddenEffects xmlns:a14="http://schemas.microsoft.com/office/drawing/2010/main" xmlns="">
+              <a14:hiddenEffects xmlns="" xmlns:a14="http://schemas.microsoft.com/office/drawing/2010/main">
                 <a:effectLst>
                   <a:outerShdw blurRad="63500" dist="38099" dir="2700000" algn="ctr" rotWithShape="0">
                     <a:schemeClr val="bg2">
@@ -6896,14 +6897,14 @@
           <a:effectLst/>
           <a:extLst>
             <a:ext uri="{909E8E84-426E-40dd-AFC4-6F175D3DCCD1}">
-              <a14:hiddenFill xmlns:a14="http://schemas.microsoft.com/office/drawing/2010/main" xmlns="">
+              <a14:hiddenFill xmlns="" xmlns:a14="http://schemas.microsoft.com/office/drawing/2010/main">
                 <a:solidFill>
                   <a:schemeClr val="accent1"/>
                 </a:solidFill>
               </a14:hiddenFill>
             </a:ext>
             <a:ext uri="{91240B29-F687-4f45-9708-019B960494DF}">
-              <a14:hiddenLine xmlns:a14="http://schemas.microsoft.com/office/drawing/2010/main" xmlns="" w="9525">
+              <a14:hiddenLine xmlns="" xmlns:a14="http://schemas.microsoft.com/office/drawing/2010/main" w="9525">
                 <a:solidFill>
                   <a:schemeClr val="tx1"/>
                 </a:solidFill>
@@ -6913,7 +6914,7 @@
               </a14:hiddenLine>
             </a:ext>
             <a:ext uri="{AF507438-7753-43e0-B8FC-AC1667EBCBE1}">
-              <a14:hiddenEffects xmlns:a14="http://schemas.microsoft.com/office/drawing/2010/main" xmlns="">
+              <a14:hiddenEffects xmlns="" xmlns:a14="http://schemas.microsoft.com/office/drawing/2010/main">
                 <a:effectLst>
                   <a:outerShdw blurRad="63500" dist="38099" dir="2700000" algn="ctr" rotWithShape="0">
                     <a:schemeClr val="bg2">
@@ -6973,14 +6974,14 @@
           <a:effectLst/>
           <a:extLst>
             <a:ext uri="{909E8E84-426E-40dd-AFC4-6F175D3DCCD1}">
-              <a14:hiddenFill xmlns:a14="http://schemas.microsoft.com/office/drawing/2010/main" xmlns="">
+              <a14:hiddenFill xmlns="" xmlns:a14="http://schemas.microsoft.com/office/drawing/2010/main">
                 <a:solidFill>
                   <a:schemeClr val="accent1"/>
                 </a:solidFill>
               </a14:hiddenFill>
             </a:ext>
             <a:ext uri="{91240B29-F687-4f45-9708-019B960494DF}">
-              <a14:hiddenLine xmlns:a14="http://schemas.microsoft.com/office/drawing/2010/main" xmlns="" w="9525">
+              <a14:hiddenLine xmlns="" xmlns:a14="http://schemas.microsoft.com/office/drawing/2010/main" w="9525">
                 <a:solidFill>
                   <a:schemeClr val="tx1"/>
                 </a:solidFill>
@@ -6990,7 +6991,7 @@
               </a14:hiddenLine>
             </a:ext>
             <a:ext uri="{AF507438-7753-43e0-B8FC-AC1667EBCBE1}">
-              <a14:hiddenEffects xmlns:a14="http://schemas.microsoft.com/office/drawing/2010/main" xmlns="">
+              <a14:hiddenEffects xmlns="" xmlns:a14="http://schemas.microsoft.com/office/drawing/2010/main">
                 <a:effectLst>
                   <a:outerShdw blurRad="63500" dist="38099" dir="2700000" algn="ctr" rotWithShape="0">
                     <a:schemeClr val="bg2">
@@ -7050,14 +7051,14 @@
           <a:effectLst/>
           <a:extLst>
             <a:ext uri="{909E8E84-426E-40dd-AFC4-6F175D3DCCD1}">
-              <a14:hiddenFill xmlns:a14="http://schemas.microsoft.com/office/drawing/2010/main" xmlns="">
+              <a14:hiddenFill xmlns="" xmlns:a14="http://schemas.microsoft.com/office/drawing/2010/main">
                 <a:solidFill>
                   <a:schemeClr val="accent1"/>
                 </a:solidFill>
               </a14:hiddenFill>
             </a:ext>
             <a:ext uri="{91240B29-F687-4f45-9708-019B960494DF}">
-              <a14:hiddenLine xmlns:a14="http://schemas.microsoft.com/office/drawing/2010/main" xmlns="" w="9525">
+              <a14:hiddenLine xmlns="" xmlns:a14="http://schemas.microsoft.com/office/drawing/2010/main" w="9525">
                 <a:solidFill>
                   <a:schemeClr val="tx1"/>
                 </a:solidFill>
@@ -7067,7 +7068,7 @@
               </a14:hiddenLine>
             </a:ext>
             <a:ext uri="{AF507438-7753-43e0-B8FC-AC1667EBCBE1}">
-              <a14:hiddenEffects xmlns:a14="http://schemas.microsoft.com/office/drawing/2010/main" xmlns="">
+              <a14:hiddenEffects xmlns="" xmlns:a14="http://schemas.microsoft.com/office/drawing/2010/main">
                 <a:effectLst>
                   <a:outerShdw blurRad="63500" dist="38099" dir="2700000" algn="ctr" rotWithShape="0">
                     <a:schemeClr val="bg2">
@@ -7127,14 +7128,14 @@
           <a:effectLst/>
           <a:extLst>
             <a:ext uri="{909E8E84-426E-40dd-AFC4-6F175D3DCCD1}">
-              <a14:hiddenFill xmlns:a14="http://schemas.microsoft.com/office/drawing/2010/main" xmlns="">
+              <a14:hiddenFill xmlns="" xmlns:a14="http://schemas.microsoft.com/office/drawing/2010/main">
                 <a:solidFill>
                   <a:schemeClr val="accent1"/>
                 </a:solidFill>
               </a14:hiddenFill>
             </a:ext>
             <a:ext uri="{91240B29-F687-4f45-9708-019B960494DF}">
-              <a14:hiddenLine xmlns:a14="http://schemas.microsoft.com/office/drawing/2010/main" xmlns="" w="9525">
+              <a14:hiddenLine xmlns="" xmlns:a14="http://schemas.microsoft.com/office/drawing/2010/main" w="9525">
                 <a:solidFill>
                   <a:schemeClr val="tx1"/>
                 </a:solidFill>
@@ -7144,7 +7145,7 @@
               </a14:hiddenLine>
             </a:ext>
             <a:ext uri="{AF507438-7753-43e0-B8FC-AC1667EBCBE1}">
-              <a14:hiddenEffects xmlns:a14="http://schemas.microsoft.com/office/drawing/2010/main" xmlns="">
+              <a14:hiddenEffects xmlns="" xmlns:a14="http://schemas.microsoft.com/office/drawing/2010/main">
                 <a:effectLst>
                   <a:outerShdw blurRad="63500" dist="38099" dir="2700000" algn="ctr" rotWithShape="0">
                     <a:schemeClr val="bg2">
@@ -7204,14 +7205,14 @@
           <a:effectLst/>
           <a:extLst>
             <a:ext uri="{909E8E84-426E-40dd-AFC4-6F175D3DCCD1}">
-              <a14:hiddenFill xmlns:a14="http://schemas.microsoft.com/office/drawing/2010/main" xmlns="">
+              <a14:hiddenFill xmlns="" xmlns:a14="http://schemas.microsoft.com/office/drawing/2010/main">
                 <a:solidFill>
                   <a:schemeClr val="accent1"/>
                 </a:solidFill>
               </a14:hiddenFill>
             </a:ext>
             <a:ext uri="{91240B29-F687-4f45-9708-019B960494DF}">
-              <a14:hiddenLine xmlns:a14="http://schemas.microsoft.com/office/drawing/2010/main" xmlns="" w="9525">
+              <a14:hiddenLine xmlns="" xmlns:a14="http://schemas.microsoft.com/office/drawing/2010/main" w="9525">
                 <a:solidFill>
                   <a:schemeClr val="tx1"/>
                 </a:solidFill>
@@ -7221,7 +7222,7 @@
               </a14:hiddenLine>
             </a:ext>
             <a:ext uri="{AF507438-7753-43e0-B8FC-AC1667EBCBE1}">
-              <a14:hiddenEffects xmlns:a14="http://schemas.microsoft.com/office/drawing/2010/main" xmlns="">
+              <a14:hiddenEffects xmlns="" xmlns:a14="http://schemas.microsoft.com/office/drawing/2010/main">
                 <a:effectLst>
                   <a:outerShdw blurRad="63500" dist="38099" dir="2700000" algn="ctr" rotWithShape="0">
                     <a:schemeClr val="bg2">
@@ -7281,14 +7282,14 @@
           <a:effectLst/>
           <a:extLst>
             <a:ext uri="{909E8E84-426E-40dd-AFC4-6F175D3DCCD1}">
-              <a14:hiddenFill xmlns:a14="http://schemas.microsoft.com/office/drawing/2010/main" xmlns="">
+              <a14:hiddenFill xmlns="" xmlns:a14="http://schemas.microsoft.com/office/drawing/2010/main">
                 <a:solidFill>
                   <a:schemeClr val="accent1"/>
                 </a:solidFill>
               </a14:hiddenFill>
             </a:ext>
             <a:ext uri="{91240B29-F687-4f45-9708-019B960494DF}">
-              <a14:hiddenLine xmlns:a14="http://schemas.microsoft.com/office/drawing/2010/main" xmlns="" w="9525">
+              <a14:hiddenLine xmlns="" xmlns:a14="http://schemas.microsoft.com/office/drawing/2010/main" w="9525">
                 <a:solidFill>
                   <a:schemeClr val="tx1"/>
                 </a:solidFill>
@@ -7298,7 +7299,7 @@
               </a14:hiddenLine>
             </a:ext>
             <a:ext uri="{AF507438-7753-43e0-B8FC-AC1667EBCBE1}">
-              <a14:hiddenEffects xmlns:a14="http://schemas.microsoft.com/office/drawing/2010/main" xmlns="">
+              <a14:hiddenEffects xmlns="" xmlns:a14="http://schemas.microsoft.com/office/drawing/2010/main">
                 <a:effectLst>
                   <a:outerShdw blurRad="63500" dist="38099" dir="2700000" algn="ctr" rotWithShape="0">
                     <a:schemeClr val="bg2">
@@ -7358,14 +7359,14 @@
           <a:effectLst/>
           <a:extLst>
             <a:ext uri="{909E8E84-426E-40dd-AFC4-6F175D3DCCD1}">
-              <a14:hiddenFill xmlns:a14="http://schemas.microsoft.com/office/drawing/2010/main" xmlns="">
+              <a14:hiddenFill xmlns="" xmlns:a14="http://schemas.microsoft.com/office/drawing/2010/main">
                 <a:solidFill>
                   <a:schemeClr val="accent1"/>
                 </a:solidFill>
               </a14:hiddenFill>
             </a:ext>
             <a:ext uri="{91240B29-F687-4f45-9708-019B960494DF}">
-              <a14:hiddenLine xmlns:a14="http://schemas.microsoft.com/office/drawing/2010/main" xmlns="" w="9525">
+              <a14:hiddenLine xmlns="" xmlns:a14="http://schemas.microsoft.com/office/drawing/2010/main" w="9525">
                 <a:solidFill>
                   <a:schemeClr val="tx1"/>
                 </a:solidFill>
@@ -7375,7 +7376,7 @@
               </a14:hiddenLine>
             </a:ext>
             <a:ext uri="{AF507438-7753-43e0-B8FC-AC1667EBCBE1}">
-              <a14:hiddenEffects xmlns:a14="http://schemas.microsoft.com/office/drawing/2010/main" xmlns="">
+              <a14:hiddenEffects xmlns="" xmlns:a14="http://schemas.microsoft.com/office/drawing/2010/main">
                 <a:effectLst>
                   <a:outerShdw blurRad="63500" dist="38099" dir="2700000" algn="ctr" rotWithShape="0">
                     <a:schemeClr val="bg2">
@@ -7435,14 +7436,14 @@
           <a:effectLst/>
           <a:extLst>
             <a:ext uri="{909E8E84-426E-40dd-AFC4-6F175D3DCCD1}">
-              <a14:hiddenFill xmlns:a14="http://schemas.microsoft.com/office/drawing/2010/main" xmlns="">
+              <a14:hiddenFill xmlns="" xmlns:a14="http://schemas.microsoft.com/office/drawing/2010/main">
                 <a:solidFill>
                   <a:schemeClr val="accent1"/>
                 </a:solidFill>
               </a14:hiddenFill>
             </a:ext>
             <a:ext uri="{91240B29-F687-4f45-9708-019B960494DF}">
-              <a14:hiddenLine xmlns:a14="http://schemas.microsoft.com/office/drawing/2010/main" xmlns="" w="9525">
+              <a14:hiddenLine xmlns="" xmlns:a14="http://schemas.microsoft.com/office/drawing/2010/main" w="9525">
                 <a:solidFill>
                   <a:schemeClr val="tx1"/>
                 </a:solidFill>
@@ -7452,7 +7453,7 @@
               </a14:hiddenLine>
             </a:ext>
             <a:ext uri="{AF507438-7753-43e0-B8FC-AC1667EBCBE1}">
-              <a14:hiddenEffects xmlns:a14="http://schemas.microsoft.com/office/drawing/2010/main" xmlns="">
+              <a14:hiddenEffects xmlns="" xmlns:a14="http://schemas.microsoft.com/office/drawing/2010/main">
                 <a:effectLst>
                   <a:outerShdw blurRad="63500" dist="38099" dir="2700000" algn="ctr" rotWithShape="0">
                     <a:schemeClr val="bg2">
@@ -7512,14 +7513,14 @@
           <a:effectLst/>
           <a:extLst>
             <a:ext uri="{909E8E84-426E-40dd-AFC4-6F175D3DCCD1}">
-              <a14:hiddenFill xmlns:a14="http://schemas.microsoft.com/office/drawing/2010/main" xmlns="">
+              <a14:hiddenFill xmlns="" xmlns:a14="http://schemas.microsoft.com/office/drawing/2010/main">
                 <a:solidFill>
                   <a:schemeClr val="accent1"/>
                 </a:solidFill>
               </a14:hiddenFill>
             </a:ext>
             <a:ext uri="{91240B29-F687-4f45-9708-019B960494DF}">
-              <a14:hiddenLine xmlns:a14="http://schemas.microsoft.com/office/drawing/2010/main" xmlns="" w="9525">
+              <a14:hiddenLine xmlns="" xmlns:a14="http://schemas.microsoft.com/office/drawing/2010/main" w="9525">
                 <a:solidFill>
                   <a:schemeClr val="tx1"/>
                 </a:solidFill>
@@ -7529,7 +7530,7 @@
               </a14:hiddenLine>
             </a:ext>
             <a:ext uri="{AF507438-7753-43e0-B8FC-AC1667EBCBE1}">
-              <a14:hiddenEffects xmlns:a14="http://schemas.microsoft.com/office/drawing/2010/main" xmlns="">
+              <a14:hiddenEffects xmlns="" xmlns:a14="http://schemas.microsoft.com/office/drawing/2010/main">
                 <a:effectLst>
                   <a:outerShdw blurRad="63500" dist="38099" dir="2700000" algn="ctr" rotWithShape="0">
                     <a:schemeClr val="bg2">
@@ -7589,14 +7590,14 @@
           <a:effectLst/>
           <a:extLst>
             <a:ext uri="{909E8E84-426E-40dd-AFC4-6F175D3DCCD1}">
-              <a14:hiddenFill xmlns:a14="http://schemas.microsoft.com/office/drawing/2010/main" xmlns="">
+              <a14:hiddenFill xmlns="" xmlns:a14="http://schemas.microsoft.com/office/drawing/2010/main">
                 <a:solidFill>
                   <a:schemeClr val="accent1"/>
                 </a:solidFill>
               </a14:hiddenFill>
             </a:ext>
             <a:ext uri="{91240B29-F687-4f45-9708-019B960494DF}">
-              <a14:hiddenLine xmlns:a14="http://schemas.microsoft.com/office/drawing/2010/main" xmlns="" w="9525">
+              <a14:hiddenLine xmlns="" xmlns:a14="http://schemas.microsoft.com/office/drawing/2010/main" w="9525">
                 <a:solidFill>
                   <a:schemeClr val="tx1"/>
                 </a:solidFill>
@@ -7606,7 +7607,7 @@
               </a14:hiddenLine>
             </a:ext>
             <a:ext uri="{AF507438-7753-43e0-B8FC-AC1667EBCBE1}">
-              <a14:hiddenEffects xmlns:a14="http://schemas.microsoft.com/office/drawing/2010/main" xmlns="">
+              <a14:hiddenEffects xmlns="" xmlns:a14="http://schemas.microsoft.com/office/drawing/2010/main">
                 <a:effectLst>
                   <a:outerShdw blurRad="63500" dist="38099" dir="2700000" algn="ctr" rotWithShape="0">
                     <a:schemeClr val="bg2">
@@ -7669,14 +7670,14 @@
           <a:effectLst/>
           <a:extLst>
             <a:ext uri="{909E8E84-426E-40dd-AFC4-6F175D3DCCD1}">
-              <a14:hiddenFill xmlns:a14="http://schemas.microsoft.com/office/drawing/2010/main" xmlns="">
+              <a14:hiddenFill xmlns="" xmlns:a14="http://schemas.microsoft.com/office/drawing/2010/main">
                 <a:solidFill>
                   <a:schemeClr val="accent1"/>
                 </a:solidFill>
               </a14:hiddenFill>
             </a:ext>
             <a:ext uri="{91240B29-F687-4f45-9708-019B960494DF}">
-              <a14:hiddenLine xmlns:a14="http://schemas.microsoft.com/office/drawing/2010/main" xmlns="" w="9525">
+              <a14:hiddenLine xmlns="" xmlns:a14="http://schemas.microsoft.com/office/drawing/2010/main" w="9525">
                 <a:solidFill>
                   <a:schemeClr val="tx1"/>
                 </a:solidFill>
@@ -7686,7 +7687,7 @@
               </a14:hiddenLine>
             </a:ext>
             <a:ext uri="{AF507438-7753-43e0-B8FC-AC1667EBCBE1}">
-              <a14:hiddenEffects xmlns:a14="http://schemas.microsoft.com/office/drawing/2010/main" xmlns="">
+              <a14:hiddenEffects xmlns="" xmlns:a14="http://schemas.microsoft.com/office/drawing/2010/main">
                 <a:effectLst>
                   <a:outerShdw blurRad="63500" dist="38099" dir="2700000" algn="ctr" rotWithShape="0">
                     <a:schemeClr val="bg2">
@@ -7749,14 +7750,14 @@
           <a:effectLst/>
           <a:extLst>
             <a:ext uri="{909E8E84-426E-40dd-AFC4-6F175D3DCCD1}">
-              <a14:hiddenFill xmlns:a14="http://schemas.microsoft.com/office/drawing/2010/main" xmlns="">
+              <a14:hiddenFill xmlns="" xmlns:a14="http://schemas.microsoft.com/office/drawing/2010/main">
                 <a:solidFill>
                   <a:schemeClr val="accent1"/>
                 </a:solidFill>
               </a14:hiddenFill>
             </a:ext>
             <a:ext uri="{91240B29-F687-4f45-9708-019B960494DF}">
-              <a14:hiddenLine xmlns:a14="http://schemas.microsoft.com/office/drawing/2010/main" xmlns="" w="9525">
+              <a14:hiddenLine xmlns="" xmlns:a14="http://schemas.microsoft.com/office/drawing/2010/main" w="9525">
                 <a:solidFill>
                   <a:schemeClr val="tx1"/>
                 </a:solidFill>
@@ -7766,7 +7767,7 @@
               </a14:hiddenLine>
             </a:ext>
             <a:ext uri="{AF507438-7753-43e0-B8FC-AC1667EBCBE1}">
-              <a14:hiddenEffects xmlns:a14="http://schemas.microsoft.com/office/drawing/2010/main" xmlns="">
+              <a14:hiddenEffects xmlns="" xmlns:a14="http://schemas.microsoft.com/office/drawing/2010/main">
                 <a:effectLst>
                   <a:outerShdw blurRad="63500" dist="38099" dir="2700000" algn="ctr" rotWithShape="0">
                     <a:schemeClr val="bg2">
@@ -7829,14 +7830,14 @@
           <a:effectLst/>
           <a:extLst>
             <a:ext uri="{909E8E84-426E-40dd-AFC4-6F175D3DCCD1}">
-              <a14:hiddenFill xmlns:a14="http://schemas.microsoft.com/office/drawing/2010/main" xmlns="">
+              <a14:hiddenFill xmlns="" xmlns:a14="http://schemas.microsoft.com/office/drawing/2010/main">
                 <a:solidFill>
                   <a:schemeClr val="accent1"/>
                 </a:solidFill>
               </a14:hiddenFill>
             </a:ext>
             <a:ext uri="{91240B29-F687-4f45-9708-019B960494DF}">
-              <a14:hiddenLine xmlns:a14="http://schemas.microsoft.com/office/drawing/2010/main" xmlns="" w="9525">
+              <a14:hiddenLine xmlns="" xmlns:a14="http://schemas.microsoft.com/office/drawing/2010/main" w="9525">
                 <a:solidFill>
                   <a:schemeClr val="tx1"/>
                 </a:solidFill>
@@ -7846,7 +7847,7 @@
               </a14:hiddenLine>
             </a:ext>
             <a:ext uri="{AF507438-7753-43e0-B8FC-AC1667EBCBE1}">
-              <a14:hiddenEffects xmlns:a14="http://schemas.microsoft.com/office/drawing/2010/main" xmlns="">
+              <a14:hiddenEffects xmlns="" xmlns:a14="http://schemas.microsoft.com/office/drawing/2010/main">
                 <a:effectLst>
                   <a:outerShdw blurRad="63500" dist="38099" dir="2700000" algn="ctr" rotWithShape="0">
                     <a:schemeClr val="bg2">
@@ -7939,14 +7940,14 @@
           <a:effectLst/>
           <a:extLst>
             <a:ext uri="{909E8E84-426E-40dd-AFC4-6F175D3DCCD1}">
-              <a14:hiddenFill xmlns:a14="http://schemas.microsoft.com/office/drawing/2010/main" xmlns="">
+              <a14:hiddenFill xmlns="" xmlns:a14="http://schemas.microsoft.com/office/drawing/2010/main">
                 <a:solidFill>
                   <a:schemeClr val="accent1"/>
                 </a:solidFill>
               </a14:hiddenFill>
             </a:ext>
             <a:ext uri="{AF507438-7753-43e0-B8FC-AC1667EBCBE1}">
-              <a14:hiddenEffects xmlns:a14="http://schemas.microsoft.com/office/drawing/2010/main" xmlns="">
+              <a14:hiddenEffects xmlns="" xmlns:a14="http://schemas.microsoft.com/office/drawing/2010/main">
                 <a:effectLst>
                   <a:outerShdw blurRad="63500" dist="38099" dir="2700000" algn="ctr" rotWithShape="0">
                     <a:schemeClr val="bg2">
@@ -7999,7 +8000,7 @@
           <a:graphicData uri="http://schemas.openxmlformats.org/presentationml/2006/ole">
             <mc:AlternateContent xmlns:mc="http://schemas.openxmlformats.org/markup-compatibility/2006">
               <mc:Choice xmlns:v="urn:schemas-microsoft-com:vml" Requires="v">
-                <p:oleObj spid="_x0000_s4121" name="数式" r:id="rId3" imgW="152268" imgH="215713" progId="Equation.3">
+                <p:oleObj spid="_x0000_s4127" name="数式" r:id="rId3" imgW="152268" imgH="215713" progId="Equation.3">
                   <p:embed/>
                 </p:oleObj>
               </mc:Choice>
@@ -8094,7 +8095,7 @@
           <a:graphicData uri="http://schemas.openxmlformats.org/presentationml/2006/ole">
             <mc:AlternateContent xmlns:mc="http://schemas.openxmlformats.org/markup-compatibility/2006">
               <mc:Choice xmlns:v="urn:schemas-microsoft-com:vml" Requires="v">
-                <p:oleObj spid="_x0000_s4122" name="数式" r:id="rId5" imgW="164885" imgH="215619" progId="Equation.3">
+                <p:oleObj spid="_x0000_s4128" name="数式" r:id="rId5" imgW="164885" imgH="215619" progId="Equation.3">
                   <p:embed/>
                 </p:oleObj>
               </mc:Choice>
@@ -8189,7 +8190,7 @@
           <a:graphicData uri="http://schemas.openxmlformats.org/presentationml/2006/ole">
             <mc:AlternateContent xmlns:mc="http://schemas.openxmlformats.org/markup-compatibility/2006">
               <mc:Choice xmlns:v="urn:schemas-microsoft-com:vml" Requires="v">
-                <p:oleObj spid="_x0000_s4123" name="数式" r:id="rId7" imgW="152268" imgH="215713" progId="Equation.3">
+                <p:oleObj spid="_x0000_s4129" name="数式" r:id="rId7" imgW="152268" imgH="215713" progId="Equation.3">
                   <p:embed/>
                 </p:oleObj>
               </mc:Choice>
@@ -8284,7 +8285,7 @@
           <a:graphicData uri="http://schemas.openxmlformats.org/presentationml/2006/ole">
             <mc:AlternateContent xmlns:mc="http://schemas.openxmlformats.org/markup-compatibility/2006">
               <mc:Choice xmlns:v="urn:schemas-microsoft-com:vml" Requires="v">
-                <p:oleObj spid="_x0000_s4124" name="数式" r:id="rId9" imgW="152268" imgH="215713" progId="Equation.3">
+                <p:oleObj spid="_x0000_s4130" name="数式" r:id="rId9" imgW="152268" imgH="215713" progId="Equation.3">
                   <p:embed/>
                 </p:oleObj>
               </mc:Choice>
@@ -8380,14 +8381,14 @@
           <a:effectLst/>
           <a:extLst>
             <a:ext uri="{909E8E84-426E-40dd-AFC4-6F175D3DCCD1}">
-              <a14:hiddenFill xmlns:a14="http://schemas.microsoft.com/office/drawing/2010/main" xmlns="">
+              <a14:hiddenFill xmlns="" xmlns:a14="http://schemas.microsoft.com/office/drawing/2010/main">
                 <a:solidFill>
                   <a:schemeClr val="accent1"/>
                 </a:solidFill>
               </a14:hiddenFill>
             </a:ext>
             <a:ext uri="{91240B29-F687-4f45-9708-019B960494DF}">
-              <a14:hiddenLine xmlns:a14="http://schemas.microsoft.com/office/drawing/2010/main" xmlns="" w="9525">
+              <a14:hiddenLine xmlns="" xmlns:a14="http://schemas.microsoft.com/office/drawing/2010/main" w="9525">
                 <a:solidFill>
                   <a:schemeClr val="tx1"/>
                 </a:solidFill>
@@ -8397,7 +8398,7 @@
               </a14:hiddenLine>
             </a:ext>
             <a:ext uri="{AF507438-7753-43e0-B8FC-AC1667EBCBE1}">
-              <a14:hiddenEffects xmlns:a14="http://schemas.microsoft.com/office/drawing/2010/main" xmlns="">
+              <a14:hiddenEffects xmlns="" xmlns:a14="http://schemas.microsoft.com/office/drawing/2010/main">
                 <a:effectLst>
                   <a:outerShdw blurRad="63500" dist="38099" dir="2700000" algn="ctr" rotWithShape="0">
                     <a:schemeClr val="bg2">
@@ -8567,14 +8568,14 @@
           <a:effectLst/>
           <a:extLst>
             <a:ext uri="{909E8E84-426E-40dd-AFC4-6F175D3DCCD1}">
-              <a14:hiddenFill xmlns:a14="http://schemas.microsoft.com/office/drawing/2010/main" xmlns="">
+              <a14:hiddenFill xmlns="" xmlns:a14="http://schemas.microsoft.com/office/drawing/2010/main">
                 <a:solidFill>
                   <a:schemeClr val="accent1"/>
                 </a:solidFill>
               </a14:hiddenFill>
             </a:ext>
             <a:ext uri="{91240B29-F687-4f45-9708-019B960494DF}">
-              <a14:hiddenLine xmlns:a14="http://schemas.microsoft.com/office/drawing/2010/main" xmlns="" w="9525">
+              <a14:hiddenLine xmlns="" xmlns:a14="http://schemas.microsoft.com/office/drawing/2010/main" w="9525">
                 <a:solidFill>
                   <a:schemeClr val="tx1"/>
                 </a:solidFill>
@@ -8584,7 +8585,7 @@
               </a14:hiddenLine>
             </a:ext>
             <a:ext uri="{AF507438-7753-43e0-B8FC-AC1667EBCBE1}">
-              <a14:hiddenEffects xmlns:a14="http://schemas.microsoft.com/office/drawing/2010/main" xmlns="">
+              <a14:hiddenEffects xmlns="" xmlns:a14="http://schemas.microsoft.com/office/drawing/2010/main">
                 <a:effectLst>
                   <a:outerShdw blurRad="63500" dist="38099" dir="2700000" algn="ctr" rotWithShape="0">
                     <a:schemeClr val="bg2">
@@ -8753,7 +8754,7 @@
           <a:graphicData uri="http://schemas.openxmlformats.org/presentationml/2006/ole">
             <mc:AlternateContent xmlns:mc="http://schemas.openxmlformats.org/markup-compatibility/2006">
               <mc:Choice xmlns:v="urn:schemas-microsoft-com:vml" Requires="v">
-                <p:oleObj spid="_x0000_s4125" name="数式" r:id="rId5" imgW="164885" imgH="215619" progId="Equation.3">
+                <p:oleObj spid="_x0000_s4131" name="数式" r:id="rId5" imgW="164885" imgH="215619" progId="Equation.3">
                   <p:embed/>
                 </p:oleObj>
               </mc:Choice>
@@ -8855,14 +8856,14 @@
           <a:effectLst/>
           <a:extLst>
             <a:ext uri="{909E8E84-426E-40dd-AFC4-6F175D3DCCD1}">
-              <a14:hiddenFill xmlns:a14="http://schemas.microsoft.com/office/drawing/2010/main" xmlns="">
+              <a14:hiddenFill xmlns="" xmlns:a14="http://schemas.microsoft.com/office/drawing/2010/main">
                 <a:solidFill>
                   <a:schemeClr val="accent1"/>
                 </a:solidFill>
               </a14:hiddenFill>
             </a:ext>
             <a:ext uri="{91240B29-F687-4f45-9708-019B960494DF}">
-              <a14:hiddenLine xmlns:a14="http://schemas.microsoft.com/office/drawing/2010/main" xmlns="" w="9525">
+              <a14:hiddenLine xmlns="" xmlns:a14="http://schemas.microsoft.com/office/drawing/2010/main" w="9525">
                 <a:solidFill>
                   <a:schemeClr val="tx1"/>
                 </a:solidFill>
@@ -8872,7 +8873,7 @@
               </a14:hiddenLine>
             </a:ext>
             <a:ext uri="{AF507438-7753-43e0-B8FC-AC1667EBCBE1}">
-              <a14:hiddenEffects xmlns:a14="http://schemas.microsoft.com/office/drawing/2010/main" xmlns="">
+              <a14:hiddenEffects xmlns="" xmlns:a14="http://schemas.microsoft.com/office/drawing/2010/main">
                 <a:effectLst>
                   <a:outerShdw blurRad="63500" dist="38099" dir="2700000" algn="ctr" rotWithShape="0">
                     <a:schemeClr val="bg2">
@@ -9041,7 +9042,7 @@
           <a:graphicData uri="http://schemas.openxmlformats.org/presentationml/2006/ole">
             <mc:AlternateContent xmlns:mc="http://schemas.openxmlformats.org/markup-compatibility/2006">
               <mc:Choice xmlns:v="urn:schemas-microsoft-com:vml" Requires="v">
-                <p:oleObj spid="_x0000_s4126" name="数式" r:id="rId7" imgW="152268" imgH="215713" progId="Equation.3">
+                <p:oleObj spid="_x0000_s4132" name="数式" r:id="rId7" imgW="152268" imgH="215713" progId="Equation.3">
                   <p:embed/>
                 </p:oleObj>
               </mc:Choice>
@@ -9180,7 +9181,7 @@
           <a:effectLst/>
           <a:extLst>
             <a:ext uri="{AF507438-7753-43e0-B8FC-AC1667EBCBE1}">
-              <a14:hiddenEffects xmlns:a14="http://schemas.microsoft.com/office/drawing/2010/main" xmlns="">
+              <a14:hiddenEffects xmlns="" xmlns:a14="http://schemas.microsoft.com/office/drawing/2010/main">
                 <a:effectLst>
                   <a:outerShdw blurRad="63500" dist="38099" dir="2700000" algn="ctr" rotWithShape="0">
                     <a:schemeClr val="bg2">
@@ -9241,7 +9242,7 @@
           <a:effectLst/>
           <a:extLst>
             <a:ext uri="{AF507438-7753-43e0-B8FC-AC1667EBCBE1}">
-              <a14:hiddenEffects xmlns:a14="http://schemas.microsoft.com/office/drawing/2010/main" xmlns="">
+              <a14:hiddenEffects xmlns="" xmlns:a14="http://schemas.microsoft.com/office/drawing/2010/main">
                 <a:effectLst>
                   <a:outerShdw blurRad="63500" dist="38099" dir="2700000" algn="ctr" rotWithShape="0">
                     <a:schemeClr val="bg2">
@@ -9302,7 +9303,7 @@
           <a:effectLst/>
           <a:extLst>
             <a:ext uri="{AF507438-7753-43e0-B8FC-AC1667EBCBE1}">
-              <a14:hiddenEffects xmlns:a14="http://schemas.microsoft.com/office/drawing/2010/main" xmlns="">
+              <a14:hiddenEffects xmlns="" xmlns:a14="http://schemas.microsoft.com/office/drawing/2010/main">
                 <a:effectLst>
                   <a:outerShdw blurRad="63500" dist="38099" dir="2700000" algn="ctr" rotWithShape="0">
                     <a:schemeClr val="bg2">
@@ -9363,7 +9364,7 @@
           <a:effectLst/>
           <a:extLst>
             <a:ext uri="{AF507438-7753-43e0-B8FC-AC1667EBCBE1}">
-              <a14:hiddenEffects xmlns:a14="http://schemas.microsoft.com/office/drawing/2010/main" xmlns="">
+              <a14:hiddenEffects xmlns="" xmlns:a14="http://schemas.microsoft.com/office/drawing/2010/main">
                 <a:effectLst>
                   <a:outerShdw blurRad="63500" dist="38099" dir="2700000" algn="ctr" rotWithShape="0">
                     <a:schemeClr val="bg2">
@@ -9424,7 +9425,7 @@
           <a:effectLst/>
           <a:extLst>
             <a:ext uri="{AF507438-7753-43e0-B8FC-AC1667EBCBE1}">
-              <a14:hiddenEffects xmlns:a14="http://schemas.microsoft.com/office/drawing/2010/main" xmlns="">
+              <a14:hiddenEffects xmlns="" xmlns:a14="http://schemas.microsoft.com/office/drawing/2010/main">
                 <a:effectLst>
                   <a:outerShdw blurRad="63500" dist="38099" dir="2700000" algn="ctr" rotWithShape="0">
                     <a:schemeClr val="bg2">
@@ -9485,12 +9486,12 @@
           <a:effectLst/>
           <a:extLst>
             <a:ext uri="{909E8E84-426E-40dd-AFC4-6F175D3DCCD1}">
-              <a14:hiddenFill xmlns:a14="http://schemas.microsoft.com/office/drawing/2010/main" xmlns="">
+              <a14:hiddenFill xmlns="" xmlns:a14="http://schemas.microsoft.com/office/drawing/2010/main">
                 <a:noFill/>
               </a14:hiddenFill>
             </a:ext>
             <a:ext uri="{AF507438-7753-43e0-B8FC-AC1667EBCBE1}">
-              <a14:hiddenEffects xmlns:a14="http://schemas.microsoft.com/office/drawing/2010/main" xmlns="">
+              <a14:hiddenEffects xmlns="" xmlns:a14="http://schemas.microsoft.com/office/drawing/2010/main">
                 <a:effectLst>
                   <a:outerShdw blurRad="63500" dist="38099" dir="2700000" algn="ctr" rotWithShape="0">
                     <a:schemeClr val="bg2">
@@ -9539,12 +9540,12 @@
           <a:effectLst/>
           <a:extLst>
             <a:ext uri="{909E8E84-426E-40dd-AFC4-6F175D3DCCD1}">
-              <a14:hiddenFill xmlns:a14="http://schemas.microsoft.com/office/drawing/2010/main" xmlns="">
+              <a14:hiddenFill xmlns="" xmlns:a14="http://schemas.microsoft.com/office/drawing/2010/main">
                 <a:noFill/>
               </a14:hiddenFill>
             </a:ext>
             <a:ext uri="{AF507438-7753-43e0-B8FC-AC1667EBCBE1}">
-              <a14:hiddenEffects xmlns:a14="http://schemas.microsoft.com/office/drawing/2010/main" xmlns="">
+              <a14:hiddenEffects xmlns="" xmlns:a14="http://schemas.microsoft.com/office/drawing/2010/main">
                 <a:effectLst>
                   <a:outerShdw blurRad="63500" dist="38099" dir="2700000" algn="ctr" rotWithShape="0">
                     <a:schemeClr val="bg2">
@@ -9593,12 +9594,12 @@
           <a:effectLst/>
           <a:extLst>
             <a:ext uri="{909E8E84-426E-40dd-AFC4-6F175D3DCCD1}">
-              <a14:hiddenFill xmlns:a14="http://schemas.microsoft.com/office/drawing/2010/main" xmlns="">
+              <a14:hiddenFill xmlns="" xmlns:a14="http://schemas.microsoft.com/office/drawing/2010/main">
                 <a:noFill/>
               </a14:hiddenFill>
             </a:ext>
             <a:ext uri="{AF507438-7753-43e0-B8FC-AC1667EBCBE1}">
-              <a14:hiddenEffects xmlns:a14="http://schemas.microsoft.com/office/drawing/2010/main" xmlns="">
+              <a14:hiddenEffects xmlns="" xmlns:a14="http://schemas.microsoft.com/office/drawing/2010/main">
                 <a:effectLst>
                   <a:outerShdw blurRad="63500" dist="38099" dir="2700000" algn="ctr" rotWithShape="0">
                     <a:schemeClr val="bg2">
@@ -9647,12 +9648,12 @@
           <a:effectLst/>
           <a:extLst>
             <a:ext uri="{909E8E84-426E-40dd-AFC4-6F175D3DCCD1}">
-              <a14:hiddenFill xmlns:a14="http://schemas.microsoft.com/office/drawing/2010/main" xmlns="">
+              <a14:hiddenFill xmlns="" xmlns:a14="http://schemas.microsoft.com/office/drawing/2010/main">
                 <a:noFill/>
               </a14:hiddenFill>
             </a:ext>
             <a:ext uri="{AF507438-7753-43e0-B8FC-AC1667EBCBE1}">
-              <a14:hiddenEffects xmlns:a14="http://schemas.microsoft.com/office/drawing/2010/main" xmlns="">
+              <a14:hiddenEffects xmlns="" xmlns:a14="http://schemas.microsoft.com/office/drawing/2010/main">
                 <a:effectLst>
                   <a:outerShdw blurRad="63500" dist="38099" dir="2700000" algn="ctr" rotWithShape="0">
                     <a:schemeClr val="bg2">
@@ -9701,12 +9702,12 @@
           <a:effectLst/>
           <a:extLst>
             <a:ext uri="{909E8E84-426E-40dd-AFC4-6F175D3DCCD1}">
-              <a14:hiddenFill xmlns:a14="http://schemas.microsoft.com/office/drawing/2010/main" xmlns="">
+              <a14:hiddenFill xmlns="" xmlns:a14="http://schemas.microsoft.com/office/drawing/2010/main">
                 <a:noFill/>
               </a14:hiddenFill>
             </a:ext>
             <a:ext uri="{AF507438-7753-43e0-B8FC-AC1667EBCBE1}">
-              <a14:hiddenEffects xmlns:a14="http://schemas.microsoft.com/office/drawing/2010/main" xmlns="">
+              <a14:hiddenEffects xmlns="" xmlns:a14="http://schemas.microsoft.com/office/drawing/2010/main">
                 <a:effectLst>
                   <a:outerShdw blurRad="63500" dist="38099" dir="2700000" algn="ctr" rotWithShape="0">
                     <a:schemeClr val="bg2">
@@ -9755,12 +9756,12 @@
           <a:effectLst/>
           <a:extLst>
             <a:ext uri="{909E8E84-426E-40dd-AFC4-6F175D3DCCD1}">
-              <a14:hiddenFill xmlns:a14="http://schemas.microsoft.com/office/drawing/2010/main" xmlns="">
+              <a14:hiddenFill xmlns="" xmlns:a14="http://schemas.microsoft.com/office/drawing/2010/main">
                 <a:noFill/>
               </a14:hiddenFill>
             </a:ext>
             <a:ext uri="{AF507438-7753-43e0-B8FC-AC1667EBCBE1}">
-              <a14:hiddenEffects xmlns:a14="http://schemas.microsoft.com/office/drawing/2010/main" xmlns="">
+              <a14:hiddenEffects xmlns="" xmlns:a14="http://schemas.microsoft.com/office/drawing/2010/main">
                 <a:effectLst>
                   <a:outerShdw blurRad="63500" dist="38099" dir="2700000" algn="ctr" rotWithShape="0">
                     <a:schemeClr val="bg2">
@@ -9807,12 +9808,12 @@
           <a:effectLst/>
           <a:extLst>
             <a:ext uri="{909E8E84-426E-40dd-AFC4-6F175D3DCCD1}">
-              <a14:hiddenFill xmlns:a14="http://schemas.microsoft.com/office/drawing/2010/main" xmlns="">
+              <a14:hiddenFill xmlns="" xmlns:a14="http://schemas.microsoft.com/office/drawing/2010/main">
                 <a:noFill/>
               </a14:hiddenFill>
             </a:ext>
             <a:ext uri="{AF507438-7753-43e0-B8FC-AC1667EBCBE1}">
-              <a14:hiddenEffects xmlns:a14="http://schemas.microsoft.com/office/drawing/2010/main" xmlns="">
+              <a14:hiddenEffects xmlns="" xmlns:a14="http://schemas.microsoft.com/office/drawing/2010/main">
                 <a:effectLst>
                   <a:outerShdw blurRad="63500" dist="38099" dir="2700000" algn="ctr" rotWithShape="0">
                     <a:schemeClr val="bg2">
@@ -9871,12 +9872,12 @@
           <a:effectLst/>
           <a:extLst>
             <a:ext uri="{909E8E84-426E-40dd-AFC4-6F175D3DCCD1}">
-              <a14:hiddenFill xmlns:a14="http://schemas.microsoft.com/office/drawing/2010/main" xmlns="">
+              <a14:hiddenFill xmlns="" xmlns:a14="http://schemas.microsoft.com/office/drawing/2010/main">
                 <a:noFill/>
               </a14:hiddenFill>
             </a:ext>
             <a:ext uri="{AF507438-7753-43e0-B8FC-AC1667EBCBE1}">
-              <a14:hiddenEffects xmlns:a14="http://schemas.microsoft.com/office/drawing/2010/main" xmlns="">
+              <a14:hiddenEffects xmlns="" xmlns:a14="http://schemas.microsoft.com/office/drawing/2010/main">
                 <a:effectLst>
                   <a:outerShdw blurRad="63500" dist="38099" dir="2700000" algn="ctr" rotWithShape="0">
                     <a:schemeClr val="bg2">
@@ -9935,12 +9936,12 @@
           <a:effectLst/>
           <a:extLst>
             <a:ext uri="{909E8E84-426E-40dd-AFC4-6F175D3DCCD1}">
-              <a14:hiddenFill xmlns:a14="http://schemas.microsoft.com/office/drawing/2010/main" xmlns="">
+              <a14:hiddenFill xmlns="" xmlns:a14="http://schemas.microsoft.com/office/drawing/2010/main">
                 <a:noFill/>
               </a14:hiddenFill>
             </a:ext>
             <a:ext uri="{AF507438-7753-43e0-B8FC-AC1667EBCBE1}">
-              <a14:hiddenEffects xmlns:a14="http://schemas.microsoft.com/office/drawing/2010/main" xmlns="">
+              <a14:hiddenEffects xmlns="" xmlns:a14="http://schemas.microsoft.com/office/drawing/2010/main">
                 <a:effectLst>
                   <a:outerShdw blurRad="63500" dist="38099" dir="2700000" algn="ctr" rotWithShape="0">
                     <a:schemeClr val="bg2">
@@ -9994,14 +9995,14 @@
           <a:effectLst/>
           <a:extLst>
             <a:ext uri="{909E8E84-426E-40dd-AFC4-6F175D3DCCD1}">
-              <a14:hiddenFill xmlns:a14="http://schemas.microsoft.com/office/drawing/2010/main" xmlns="">
+              <a14:hiddenFill xmlns="" xmlns:a14="http://schemas.microsoft.com/office/drawing/2010/main">
                 <a:solidFill>
                   <a:schemeClr val="accent1"/>
                 </a:solidFill>
               </a14:hiddenFill>
             </a:ext>
             <a:ext uri="{91240B29-F687-4f45-9708-019B960494DF}">
-              <a14:hiddenLine xmlns:a14="http://schemas.microsoft.com/office/drawing/2010/main" xmlns="" w="9525">
+              <a14:hiddenLine xmlns="" xmlns:a14="http://schemas.microsoft.com/office/drawing/2010/main" w="9525">
                 <a:solidFill>
                   <a:schemeClr val="tx1"/>
                 </a:solidFill>
@@ -10011,7 +10012,7 @@
               </a14:hiddenLine>
             </a:ext>
             <a:ext uri="{AF507438-7753-43e0-B8FC-AC1667EBCBE1}">
-              <a14:hiddenEffects xmlns:a14="http://schemas.microsoft.com/office/drawing/2010/main" xmlns="">
+              <a14:hiddenEffects xmlns="" xmlns:a14="http://schemas.microsoft.com/office/drawing/2010/main">
                 <a:effectLst>
                   <a:outerShdw blurRad="63500" dist="38099" dir="2700000" algn="ctr" rotWithShape="0">
                     <a:schemeClr val="bg2">
@@ -10071,14 +10072,14 @@
           <a:effectLst/>
           <a:extLst>
             <a:ext uri="{909E8E84-426E-40dd-AFC4-6F175D3DCCD1}">
-              <a14:hiddenFill xmlns:a14="http://schemas.microsoft.com/office/drawing/2010/main" xmlns="">
+              <a14:hiddenFill xmlns="" xmlns:a14="http://schemas.microsoft.com/office/drawing/2010/main">
                 <a:solidFill>
                   <a:schemeClr val="accent1"/>
                 </a:solidFill>
               </a14:hiddenFill>
             </a:ext>
             <a:ext uri="{91240B29-F687-4f45-9708-019B960494DF}">
-              <a14:hiddenLine xmlns:a14="http://schemas.microsoft.com/office/drawing/2010/main" xmlns="" w="9525">
+              <a14:hiddenLine xmlns="" xmlns:a14="http://schemas.microsoft.com/office/drawing/2010/main" w="9525">
                 <a:solidFill>
                   <a:schemeClr val="tx1"/>
                 </a:solidFill>
@@ -10088,7 +10089,7 @@
               </a14:hiddenLine>
             </a:ext>
             <a:ext uri="{AF507438-7753-43e0-B8FC-AC1667EBCBE1}">
-              <a14:hiddenEffects xmlns:a14="http://schemas.microsoft.com/office/drawing/2010/main" xmlns="">
+              <a14:hiddenEffects xmlns="" xmlns:a14="http://schemas.microsoft.com/office/drawing/2010/main">
                 <a:effectLst>
                   <a:outerShdw blurRad="63500" dist="38099" dir="2700000" algn="ctr" rotWithShape="0">
                     <a:schemeClr val="bg2">
@@ -10148,14 +10149,14 @@
           <a:effectLst/>
           <a:extLst>
             <a:ext uri="{909E8E84-426E-40dd-AFC4-6F175D3DCCD1}">
-              <a14:hiddenFill xmlns:a14="http://schemas.microsoft.com/office/drawing/2010/main" xmlns="">
+              <a14:hiddenFill xmlns="" xmlns:a14="http://schemas.microsoft.com/office/drawing/2010/main">
                 <a:solidFill>
                   <a:schemeClr val="accent1"/>
                 </a:solidFill>
               </a14:hiddenFill>
             </a:ext>
             <a:ext uri="{91240B29-F687-4f45-9708-019B960494DF}">
-              <a14:hiddenLine xmlns:a14="http://schemas.microsoft.com/office/drawing/2010/main" xmlns="" w="9525">
+              <a14:hiddenLine xmlns="" xmlns:a14="http://schemas.microsoft.com/office/drawing/2010/main" w="9525">
                 <a:solidFill>
                   <a:schemeClr val="tx1"/>
                 </a:solidFill>
@@ -10165,7 +10166,7 @@
               </a14:hiddenLine>
             </a:ext>
             <a:ext uri="{AF507438-7753-43e0-B8FC-AC1667EBCBE1}">
-              <a14:hiddenEffects xmlns:a14="http://schemas.microsoft.com/office/drawing/2010/main" xmlns="">
+              <a14:hiddenEffects xmlns="" xmlns:a14="http://schemas.microsoft.com/office/drawing/2010/main">
                 <a:effectLst>
                   <a:outerShdw blurRad="63500" dist="38099" dir="2700000" algn="ctr" rotWithShape="0">
                     <a:schemeClr val="bg2">
@@ -10225,14 +10226,14 @@
           <a:effectLst/>
           <a:extLst>
             <a:ext uri="{909E8E84-426E-40dd-AFC4-6F175D3DCCD1}">
-              <a14:hiddenFill xmlns:a14="http://schemas.microsoft.com/office/drawing/2010/main" xmlns="">
+              <a14:hiddenFill xmlns="" xmlns:a14="http://schemas.microsoft.com/office/drawing/2010/main">
                 <a:solidFill>
                   <a:schemeClr val="accent1"/>
                 </a:solidFill>
               </a14:hiddenFill>
             </a:ext>
             <a:ext uri="{91240B29-F687-4f45-9708-019B960494DF}">
-              <a14:hiddenLine xmlns:a14="http://schemas.microsoft.com/office/drawing/2010/main" xmlns="" w="9525">
+              <a14:hiddenLine xmlns="" xmlns:a14="http://schemas.microsoft.com/office/drawing/2010/main" w="9525">
                 <a:solidFill>
                   <a:schemeClr val="tx1"/>
                 </a:solidFill>
@@ -10242,7 +10243,7 @@
               </a14:hiddenLine>
             </a:ext>
             <a:ext uri="{AF507438-7753-43e0-B8FC-AC1667EBCBE1}">
-              <a14:hiddenEffects xmlns:a14="http://schemas.microsoft.com/office/drawing/2010/main" xmlns="">
+              <a14:hiddenEffects xmlns="" xmlns:a14="http://schemas.microsoft.com/office/drawing/2010/main">
                 <a:effectLst>
                   <a:outerShdw blurRad="63500" dist="38099" dir="2700000" algn="ctr" rotWithShape="0">
                     <a:schemeClr val="bg2">
@@ -10302,14 +10303,14 @@
           <a:effectLst/>
           <a:extLst>
             <a:ext uri="{909E8E84-426E-40dd-AFC4-6F175D3DCCD1}">
-              <a14:hiddenFill xmlns:a14="http://schemas.microsoft.com/office/drawing/2010/main" xmlns="">
+              <a14:hiddenFill xmlns="" xmlns:a14="http://schemas.microsoft.com/office/drawing/2010/main">
                 <a:solidFill>
                   <a:schemeClr val="accent1"/>
                 </a:solidFill>
               </a14:hiddenFill>
             </a:ext>
             <a:ext uri="{91240B29-F687-4f45-9708-019B960494DF}">
-              <a14:hiddenLine xmlns:a14="http://schemas.microsoft.com/office/drawing/2010/main" xmlns="" w="9525">
+              <a14:hiddenLine xmlns="" xmlns:a14="http://schemas.microsoft.com/office/drawing/2010/main" w="9525">
                 <a:solidFill>
                   <a:schemeClr val="tx1"/>
                 </a:solidFill>
@@ -10319,7 +10320,7 @@
               </a14:hiddenLine>
             </a:ext>
             <a:ext uri="{AF507438-7753-43e0-B8FC-AC1667EBCBE1}">
-              <a14:hiddenEffects xmlns:a14="http://schemas.microsoft.com/office/drawing/2010/main" xmlns="">
+              <a14:hiddenEffects xmlns="" xmlns:a14="http://schemas.microsoft.com/office/drawing/2010/main">
                 <a:effectLst>
                   <a:outerShdw blurRad="63500" dist="38099" dir="2700000" algn="ctr" rotWithShape="0">
                     <a:schemeClr val="bg2">
@@ -10379,14 +10380,14 @@
           <a:effectLst/>
           <a:extLst>
             <a:ext uri="{909E8E84-426E-40dd-AFC4-6F175D3DCCD1}">
-              <a14:hiddenFill xmlns:a14="http://schemas.microsoft.com/office/drawing/2010/main" xmlns="">
+              <a14:hiddenFill xmlns="" xmlns:a14="http://schemas.microsoft.com/office/drawing/2010/main">
                 <a:solidFill>
                   <a:schemeClr val="accent1"/>
                 </a:solidFill>
               </a14:hiddenFill>
             </a:ext>
             <a:ext uri="{91240B29-F687-4f45-9708-019B960494DF}">
-              <a14:hiddenLine xmlns:a14="http://schemas.microsoft.com/office/drawing/2010/main" xmlns="" w="9525">
+              <a14:hiddenLine xmlns="" xmlns:a14="http://schemas.microsoft.com/office/drawing/2010/main" w="9525">
                 <a:solidFill>
                   <a:schemeClr val="tx1"/>
                 </a:solidFill>
@@ -10396,7 +10397,7 @@
               </a14:hiddenLine>
             </a:ext>
             <a:ext uri="{AF507438-7753-43e0-B8FC-AC1667EBCBE1}">
-              <a14:hiddenEffects xmlns:a14="http://schemas.microsoft.com/office/drawing/2010/main" xmlns="">
+              <a14:hiddenEffects xmlns="" xmlns:a14="http://schemas.microsoft.com/office/drawing/2010/main">
                 <a:effectLst>
                   <a:outerShdw blurRad="63500" dist="38099" dir="2700000" algn="ctr" rotWithShape="0">
                     <a:schemeClr val="bg2">
@@ -10456,14 +10457,14 @@
           <a:effectLst/>
           <a:extLst>
             <a:ext uri="{909E8E84-426E-40dd-AFC4-6F175D3DCCD1}">
-              <a14:hiddenFill xmlns:a14="http://schemas.microsoft.com/office/drawing/2010/main" xmlns="">
+              <a14:hiddenFill xmlns="" xmlns:a14="http://schemas.microsoft.com/office/drawing/2010/main">
                 <a:solidFill>
                   <a:schemeClr val="accent1"/>
                 </a:solidFill>
               </a14:hiddenFill>
             </a:ext>
             <a:ext uri="{91240B29-F687-4f45-9708-019B960494DF}">
-              <a14:hiddenLine xmlns:a14="http://schemas.microsoft.com/office/drawing/2010/main" xmlns="" w="9525">
+              <a14:hiddenLine xmlns="" xmlns:a14="http://schemas.microsoft.com/office/drawing/2010/main" w="9525">
                 <a:solidFill>
                   <a:schemeClr val="tx1"/>
                 </a:solidFill>
@@ -10473,7 +10474,7 @@
               </a14:hiddenLine>
             </a:ext>
             <a:ext uri="{AF507438-7753-43e0-B8FC-AC1667EBCBE1}">
-              <a14:hiddenEffects xmlns:a14="http://schemas.microsoft.com/office/drawing/2010/main" xmlns="">
+              <a14:hiddenEffects xmlns="" xmlns:a14="http://schemas.microsoft.com/office/drawing/2010/main">
                 <a:effectLst>
                   <a:outerShdw blurRad="63500" dist="38099" dir="2700000" algn="ctr" rotWithShape="0">
                     <a:schemeClr val="bg2">
@@ -10533,14 +10534,14 @@
           <a:effectLst/>
           <a:extLst>
             <a:ext uri="{909E8E84-426E-40dd-AFC4-6F175D3DCCD1}">
-              <a14:hiddenFill xmlns:a14="http://schemas.microsoft.com/office/drawing/2010/main" xmlns="">
+              <a14:hiddenFill xmlns="" xmlns:a14="http://schemas.microsoft.com/office/drawing/2010/main">
                 <a:solidFill>
                   <a:schemeClr val="accent1"/>
                 </a:solidFill>
               </a14:hiddenFill>
             </a:ext>
             <a:ext uri="{91240B29-F687-4f45-9708-019B960494DF}">
-              <a14:hiddenLine xmlns:a14="http://schemas.microsoft.com/office/drawing/2010/main" xmlns="" w="9525">
+              <a14:hiddenLine xmlns="" xmlns:a14="http://schemas.microsoft.com/office/drawing/2010/main" w="9525">
                 <a:solidFill>
                   <a:schemeClr val="tx1"/>
                 </a:solidFill>
@@ -10550,7 +10551,7 @@
               </a14:hiddenLine>
             </a:ext>
             <a:ext uri="{AF507438-7753-43e0-B8FC-AC1667EBCBE1}">
-              <a14:hiddenEffects xmlns:a14="http://schemas.microsoft.com/office/drawing/2010/main" xmlns="">
+              <a14:hiddenEffects xmlns="" xmlns:a14="http://schemas.microsoft.com/office/drawing/2010/main">
                 <a:effectLst>
                   <a:outerShdw blurRad="63500" dist="38099" dir="2700000" algn="ctr" rotWithShape="0">
                     <a:schemeClr val="bg2">
@@ -10610,14 +10611,14 @@
           <a:effectLst/>
           <a:extLst>
             <a:ext uri="{909E8E84-426E-40dd-AFC4-6F175D3DCCD1}">
-              <a14:hiddenFill xmlns:a14="http://schemas.microsoft.com/office/drawing/2010/main" xmlns="">
+              <a14:hiddenFill xmlns="" xmlns:a14="http://schemas.microsoft.com/office/drawing/2010/main">
                 <a:solidFill>
                   <a:schemeClr val="accent1"/>
                 </a:solidFill>
               </a14:hiddenFill>
             </a:ext>
             <a:ext uri="{91240B29-F687-4f45-9708-019B960494DF}">
-              <a14:hiddenLine xmlns:a14="http://schemas.microsoft.com/office/drawing/2010/main" xmlns="" w="9525">
+              <a14:hiddenLine xmlns="" xmlns:a14="http://schemas.microsoft.com/office/drawing/2010/main" w="9525">
                 <a:solidFill>
                   <a:schemeClr val="tx1"/>
                 </a:solidFill>
@@ -10627,7 +10628,7 @@
               </a14:hiddenLine>
             </a:ext>
             <a:ext uri="{AF507438-7753-43e0-B8FC-AC1667EBCBE1}">
-              <a14:hiddenEffects xmlns:a14="http://schemas.microsoft.com/office/drawing/2010/main" xmlns="">
+              <a14:hiddenEffects xmlns="" xmlns:a14="http://schemas.microsoft.com/office/drawing/2010/main">
                 <a:effectLst>
                   <a:outerShdw blurRad="63500" dist="38099" dir="2700000" algn="ctr" rotWithShape="0">
                     <a:schemeClr val="bg2">
@@ -10703,14 +10704,14 @@
           <a:effectLst/>
           <a:extLst>
             <a:ext uri="{909E8E84-426E-40dd-AFC4-6F175D3DCCD1}">
-              <a14:hiddenFill xmlns:a14="http://schemas.microsoft.com/office/drawing/2010/main" xmlns="">
+              <a14:hiddenFill xmlns="" xmlns:a14="http://schemas.microsoft.com/office/drawing/2010/main">
                 <a:solidFill>
                   <a:schemeClr val="accent1"/>
                 </a:solidFill>
               </a14:hiddenFill>
             </a:ext>
             <a:ext uri="{91240B29-F687-4f45-9708-019B960494DF}">
-              <a14:hiddenLine xmlns:a14="http://schemas.microsoft.com/office/drawing/2010/main" xmlns="" w="9525">
+              <a14:hiddenLine xmlns="" xmlns:a14="http://schemas.microsoft.com/office/drawing/2010/main" w="9525">
                 <a:solidFill>
                   <a:schemeClr val="tx1"/>
                 </a:solidFill>
@@ -10720,7 +10721,7 @@
               </a14:hiddenLine>
             </a:ext>
             <a:ext uri="{AF507438-7753-43e0-B8FC-AC1667EBCBE1}">
-              <a14:hiddenEffects xmlns:a14="http://schemas.microsoft.com/office/drawing/2010/main" xmlns="">
+              <a14:hiddenEffects xmlns="" xmlns:a14="http://schemas.microsoft.com/office/drawing/2010/main">
                 <a:effectLst>
                   <a:outerShdw blurRad="63500" dist="38099" dir="2700000" algn="ctr" rotWithShape="0">
                     <a:schemeClr val="bg2">
@@ -10796,14 +10797,14 @@
           <a:effectLst/>
           <a:extLst>
             <a:ext uri="{909E8E84-426E-40dd-AFC4-6F175D3DCCD1}">
-              <a14:hiddenFill xmlns:a14="http://schemas.microsoft.com/office/drawing/2010/main" xmlns="">
+              <a14:hiddenFill xmlns="" xmlns:a14="http://schemas.microsoft.com/office/drawing/2010/main">
                 <a:solidFill>
                   <a:schemeClr val="accent1"/>
                 </a:solidFill>
               </a14:hiddenFill>
             </a:ext>
             <a:ext uri="{91240B29-F687-4f45-9708-019B960494DF}">
-              <a14:hiddenLine xmlns:a14="http://schemas.microsoft.com/office/drawing/2010/main" xmlns="" w="9525">
+              <a14:hiddenLine xmlns="" xmlns:a14="http://schemas.microsoft.com/office/drawing/2010/main" w="9525">
                 <a:solidFill>
                   <a:schemeClr val="tx1"/>
                 </a:solidFill>
@@ -10813,7 +10814,7 @@
               </a14:hiddenLine>
             </a:ext>
             <a:ext uri="{AF507438-7753-43e0-B8FC-AC1667EBCBE1}">
-              <a14:hiddenEffects xmlns:a14="http://schemas.microsoft.com/office/drawing/2010/main" xmlns="">
+              <a14:hiddenEffects xmlns="" xmlns:a14="http://schemas.microsoft.com/office/drawing/2010/main">
                 <a:effectLst>
                   <a:outerShdw blurRad="63500" dist="38099" dir="2700000" algn="ctr" rotWithShape="0">
                     <a:schemeClr val="bg2">
@@ -10889,14 +10890,14 @@
           <a:effectLst/>
           <a:extLst>
             <a:ext uri="{909E8E84-426E-40dd-AFC4-6F175D3DCCD1}">
-              <a14:hiddenFill xmlns:a14="http://schemas.microsoft.com/office/drawing/2010/main" xmlns="">
+              <a14:hiddenFill xmlns="" xmlns:a14="http://schemas.microsoft.com/office/drawing/2010/main">
                 <a:solidFill>
                   <a:schemeClr val="accent1"/>
                 </a:solidFill>
               </a14:hiddenFill>
             </a:ext>
             <a:ext uri="{91240B29-F687-4f45-9708-019B960494DF}">
-              <a14:hiddenLine xmlns:a14="http://schemas.microsoft.com/office/drawing/2010/main" xmlns="" w="9525">
+              <a14:hiddenLine xmlns="" xmlns:a14="http://schemas.microsoft.com/office/drawing/2010/main" w="9525">
                 <a:solidFill>
                   <a:schemeClr val="tx1"/>
                 </a:solidFill>
@@ -10906,7 +10907,7 @@
               </a14:hiddenLine>
             </a:ext>
             <a:ext uri="{AF507438-7753-43e0-B8FC-AC1667EBCBE1}">
-              <a14:hiddenEffects xmlns:a14="http://schemas.microsoft.com/office/drawing/2010/main" xmlns="">
+              <a14:hiddenEffects xmlns="" xmlns:a14="http://schemas.microsoft.com/office/drawing/2010/main">
                 <a:effectLst>
                   <a:outerShdw blurRad="63500" dist="38099" dir="2700000" algn="ctr" rotWithShape="0">
                     <a:schemeClr val="bg2">
@@ -10982,14 +10983,14 @@
           <a:effectLst/>
           <a:extLst>
             <a:ext uri="{909E8E84-426E-40dd-AFC4-6F175D3DCCD1}">
-              <a14:hiddenFill xmlns:a14="http://schemas.microsoft.com/office/drawing/2010/main" xmlns="">
+              <a14:hiddenFill xmlns="" xmlns:a14="http://schemas.microsoft.com/office/drawing/2010/main">
                 <a:solidFill>
                   <a:schemeClr val="accent1"/>
                 </a:solidFill>
               </a14:hiddenFill>
             </a:ext>
             <a:ext uri="{91240B29-F687-4f45-9708-019B960494DF}">
-              <a14:hiddenLine xmlns:a14="http://schemas.microsoft.com/office/drawing/2010/main" xmlns="" w="9525">
+              <a14:hiddenLine xmlns="" xmlns:a14="http://schemas.microsoft.com/office/drawing/2010/main" w="9525">
                 <a:solidFill>
                   <a:schemeClr val="tx1"/>
                 </a:solidFill>
@@ -10999,7 +11000,7 @@
               </a14:hiddenLine>
             </a:ext>
             <a:ext uri="{AF507438-7753-43e0-B8FC-AC1667EBCBE1}">
-              <a14:hiddenEffects xmlns:a14="http://schemas.microsoft.com/office/drawing/2010/main" xmlns="">
+              <a14:hiddenEffects xmlns="" xmlns:a14="http://schemas.microsoft.com/office/drawing/2010/main">
                 <a:effectLst>
                   <a:outerShdw blurRad="63500" dist="38099" dir="2700000" algn="ctr" rotWithShape="0">
                     <a:schemeClr val="bg2">
@@ -11075,14 +11076,14 @@
           <a:effectLst/>
           <a:extLst>
             <a:ext uri="{909E8E84-426E-40dd-AFC4-6F175D3DCCD1}">
-              <a14:hiddenFill xmlns:a14="http://schemas.microsoft.com/office/drawing/2010/main" xmlns="">
+              <a14:hiddenFill xmlns="" xmlns:a14="http://schemas.microsoft.com/office/drawing/2010/main">
                 <a:solidFill>
                   <a:schemeClr val="accent1"/>
                 </a:solidFill>
               </a14:hiddenFill>
             </a:ext>
             <a:ext uri="{91240B29-F687-4f45-9708-019B960494DF}">
-              <a14:hiddenLine xmlns:a14="http://schemas.microsoft.com/office/drawing/2010/main" xmlns="" w="9525">
+              <a14:hiddenLine xmlns="" xmlns:a14="http://schemas.microsoft.com/office/drawing/2010/main" w="9525">
                 <a:solidFill>
                   <a:schemeClr val="tx1"/>
                 </a:solidFill>
@@ -11092,7 +11093,7 @@
               </a14:hiddenLine>
             </a:ext>
             <a:ext uri="{AF507438-7753-43e0-B8FC-AC1667EBCBE1}">
-              <a14:hiddenEffects xmlns:a14="http://schemas.microsoft.com/office/drawing/2010/main" xmlns="">
+              <a14:hiddenEffects xmlns="" xmlns:a14="http://schemas.microsoft.com/office/drawing/2010/main">
                 <a:effectLst>
                   <a:outerShdw blurRad="63500" dist="38099" dir="2700000" algn="ctr" rotWithShape="0">
                     <a:schemeClr val="bg2">
@@ -11168,14 +11169,14 @@
           <a:effectLst/>
           <a:extLst>
             <a:ext uri="{909E8E84-426E-40dd-AFC4-6F175D3DCCD1}">
-              <a14:hiddenFill xmlns:a14="http://schemas.microsoft.com/office/drawing/2010/main" xmlns="">
+              <a14:hiddenFill xmlns="" xmlns:a14="http://schemas.microsoft.com/office/drawing/2010/main">
                 <a:solidFill>
                   <a:schemeClr val="accent1"/>
                 </a:solidFill>
               </a14:hiddenFill>
             </a:ext>
             <a:ext uri="{91240B29-F687-4f45-9708-019B960494DF}">
-              <a14:hiddenLine xmlns:a14="http://schemas.microsoft.com/office/drawing/2010/main" xmlns="" w="9525">
+              <a14:hiddenLine xmlns="" xmlns:a14="http://schemas.microsoft.com/office/drawing/2010/main" w="9525">
                 <a:solidFill>
                   <a:schemeClr val="tx1"/>
                 </a:solidFill>
@@ -11185,7 +11186,7 @@
               </a14:hiddenLine>
             </a:ext>
             <a:ext uri="{AF507438-7753-43e0-B8FC-AC1667EBCBE1}">
-              <a14:hiddenEffects xmlns:a14="http://schemas.microsoft.com/office/drawing/2010/main" xmlns="">
+              <a14:hiddenEffects xmlns="" xmlns:a14="http://schemas.microsoft.com/office/drawing/2010/main">
                 <a:effectLst>
                   <a:outerShdw blurRad="63500" dist="38099" dir="2700000" algn="ctr" rotWithShape="0">
                     <a:schemeClr val="bg2">
@@ -11270,14 +11271,14 @@
           <a:effectLst/>
           <a:extLst>
             <a:ext uri="{909E8E84-426E-40dd-AFC4-6F175D3DCCD1}">
-              <a14:hiddenFill xmlns:a14="http://schemas.microsoft.com/office/drawing/2010/main" xmlns="">
+              <a14:hiddenFill xmlns="" xmlns:a14="http://schemas.microsoft.com/office/drawing/2010/main">
                 <a:solidFill>
                   <a:schemeClr val="accent1"/>
                 </a:solidFill>
               </a14:hiddenFill>
             </a:ext>
             <a:ext uri="{91240B29-F687-4f45-9708-019B960494DF}">
-              <a14:hiddenLine xmlns:a14="http://schemas.microsoft.com/office/drawing/2010/main" xmlns="" w="9525">
+              <a14:hiddenLine xmlns="" xmlns:a14="http://schemas.microsoft.com/office/drawing/2010/main" w="9525">
                 <a:solidFill>
                   <a:schemeClr val="tx1"/>
                 </a:solidFill>
@@ -11287,7 +11288,7 @@
               </a14:hiddenLine>
             </a:ext>
             <a:ext uri="{AF507438-7753-43e0-B8FC-AC1667EBCBE1}">
-              <a14:hiddenEffects xmlns:a14="http://schemas.microsoft.com/office/drawing/2010/main" xmlns="">
+              <a14:hiddenEffects xmlns="" xmlns:a14="http://schemas.microsoft.com/office/drawing/2010/main">
                 <a:effectLst>
                   <a:outerShdw blurRad="63500" dist="38099" dir="2700000" algn="ctr" rotWithShape="0">
                     <a:schemeClr val="bg2">
@@ -11372,14 +11373,14 @@
           <a:effectLst/>
           <a:extLst>
             <a:ext uri="{909E8E84-426E-40dd-AFC4-6F175D3DCCD1}">
-              <a14:hiddenFill xmlns:a14="http://schemas.microsoft.com/office/drawing/2010/main" xmlns="">
+              <a14:hiddenFill xmlns="" xmlns:a14="http://schemas.microsoft.com/office/drawing/2010/main">
                 <a:solidFill>
                   <a:schemeClr val="accent1"/>
                 </a:solidFill>
               </a14:hiddenFill>
             </a:ext>
             <a:ext uri="{91240B29-F687-4f45-9708-019B960494DF}">
-              <a14:hiddenLine xmlns:a14="http://schemas.microsoft.com/office/drawing/2010/main" xmlns="" w="9525">
+              <a14:hiddenLine xmlns="" xmlns:a14="http://schemas.microsoft.com/office/drawing/2010/main" w="9525">
                 <a:solidFill>
                   <a:schemeClr val="tx1"/>
                 </a:solidFill>
@@ -11389,7 +11390,7 @@
               </a14:hiddenLine>
             </a:ext>
             <a:ext uri="{AF507438-7753-43e0-B8FC-AC1667EBCBE1}">
-              <a14:hiddenEffects xmlns:a14="http://schemas.microsoft.com/office/drawing/2010/main" xmlns="">
+              <a14:hiddenEffects xmlns="" xmlns:a14="http://schemas.microsoft.com/office/drawing/2010/main">
                 <a:effectLst>
                   <a:outerShdw blurRad="63500" dist="38099" dir="2700000" algn="ctr" rotWithShape="0">
                     <a:schemeClr val="bg2">
@@ -11474,14 +11475,14 @@
           <a:effectLst/>
           <a:extLst>
             <a:ext uri="{909E8E84-426E-40dd-AFC4-6F175D3DCCD1}">
-              <a14:hiddenFill xmlns:a14="http://schemas.microsoft.com/office/drawing/2010/main" xmlns="">
+              <a14:hiddenFill xmlns="" xmlns:a14="http://schemas.microsoft.com/office/drawing/2010/main">
                 <a:solidFill>
                   <a:schemeClr val="accent1"/>
                 </a:solidFill>
               </a14:hiddenFill>
             </a:ext>
             <a:ext uri="{91240B29-F687-4f45-9708-019B960494DF}">
-              <a14:hiddenLine xmlns:a14="http://schemas.microsoft.com/office/drawing/2010/main" xmlns="" w="9525">
+              <a14:hiddenLine xmlns="" xmlns:a14="http://schemas.microsoft.com/office/drawing/2010/main" w="9525">
                 <a:solidFill>
                   <a:schemeClr val="tx1"/>
                 </a:solidFill>
@@ -11491,7 +11492,7 @@
               </a14:hiddenLine>
             </a:ext>
             <a:ext uri="{AF507438-7753-43e0-B8FC-AC1667EBCBE1}">
-              <a14:hiddenEffects xmlns:a14="http://schemas.microsoft.com/office/drawing/2010/main" xmlns="">
+              <a14:hiddenEffects xmlns="" xmlns:a14="http://schemas.microsoft.com/office/drawing/2010/main">
                 <a:effectLst>
                   <a:outerShdw blurRad="63500" dist="38099" dir="2700000" algn="ctr" rotWithShape="0">
                     <a:schemeClr val="bg2">
@@ -11555,14 +11556,14 @@
           <a:effectLst/>
           <a:extLst>
             <a:ext uri="{909E8E84-426E-40dd-AFC4-6F175D3DCCD1}">
-              <a14:hiddenFill xmlns:a14="http://schemas.microsoft.com/office/drawing/2010/main" xmlns="">
+              <a14:hiddenFill xmlns="" xmlns:a14="http://schemas.microsoft.com/office/drawing/2010/main">
                 <a:solidFill>
                   <a:schemeClr val="accent1"/>
                 </a:solidFill>
               </a14:hiddenFill>
             </a:ext>
             <a:ext uri="{91240B29-F687-4f45-9708-019B960494DF}">
-              <a14:hiddenLine xmlns:a14="http://schemas.microsoft.com/office/drawing/2010/main" xmlns="" w="9525">
+              <a14:hiddenLine xmlns="" xmlns:a14="http://schemas.microsoft.com/office/drawing/2010/main" w="9525">
                 <a:solidFill>
                   <a:schemeClr val="tx1"/>
                 </a:solidFill>
@@ -11572,7 +11573,7 @@
               </a14:hiddenLine>
             </a:ext>
             <a:ext uri="{AF507438-7753-43e0-B8FC-AC1667EBCBE1}">
-              <a14:hiddenEffects xmlns:a14="http://schemas.microsoft.com/office/drawing/2010/main" xmlns="">
+              <a14:hiddenEffects xmlns="" xmlns:a14="http://schemas.microsoft.com/office/drawing/2010/main">
                 <a:effectLst>
                   <a:outerShdw blurRad="63500" dist="38099" dir="2700000" algn="ctr" rotWithShape="0">
                     <a:schemeClr val="bg2">
@@ -11636,14 +11637,14 @@
           <a:effectLst/>
           <a:extLst>
             <a:ext uri="{909E8E84-426E-40dd-AFC4-6F175D3DCCD1}">
-              <a14:hiddenFill xmlns:a14="http://schemas.microsoft.com/office/drawing/2010/main" xmlns="">
+              <a14:hiddenFill xmlns="" xmlns:a14="http://schemas.microsoft.com/office/drawing/2010/main">
                 <a:solidFill>
                   <a:schemeClr val="accent1"/>
                 </a:solidFill>
               </a14:hiddenFill>
             </a:ext>
             <a:ext uri="{91240B29-F687-4f45-9708-019B960494DF}">
-              <a14:hiddenLine xmlns:a14="http://schemas.microsoft.com/office/drawing/2010/main" xmlns="" w="9525">
+              <a14:hiddenLine xmlns="" xmlns:a14="http://schemas.microsoft.com/office/drawing/2010/main" w="9525">
                 <a:solidFill>
                   <a:schemeClr val="tx1"/>
                 </a:solidFill>
@@ -11653,7 +11654,7 @@
               </a14:hiddenLine>
             </a:ext>
             <a:ext uri="{AF507438-7753-43e0-B8FC-AC1667EBCBE1}">
-              <a14:hiddenEffects xmlns:a14="http://schemas.microsoft.com/office/drawing/2010/main" xmlns="">
+              <a14:hiddenEffects xmlns="" xmlns:a14="http://schemas.microsoft.com/office/drawing/2010/main">
                 <a:effectLst>
                   <a:outerShdw blurRad="63500" dist="38099" dir="2700000" algn="ctr" rotWithShape="0">
                     <a:schemeClr val="bg2">
@@ -11717,14 +11718,14 @@
           <a:effectLst/>
           <a:extLst>
             <a:ext uri="{909E8E84-426E-40dd-AFC4-6F175D3DCCD1}">
-              <a14:hiddenFill xmlns:a14="http://schemas.microsoft.com/office/drawing/2010/main" xmlns="">
+              <a14:hiddenFill xmlns="" xmlns:a14="http://schemas.microsoft.com/office/drawing/2010/main">
                 <a:solidFill>
                   <a:schemeClr val="accent1"/>
                 </a:solidFill>
               </a14:hiddenFill>
             </a:ext>
             <a:ext uri="{91240B29-F687-4f45-9708-019B960494DF}">
-              <a14:hiddenLine xmlns:a14="http://schemas.microsoft.com/office/drawing/2010/main" xmlns="" w="9525">
+              <a14:hiddenLine xmlns="" xmlns:a14="http://schemas.microsoft.com/office/drawing/2010/main" w="9525">
                 <a:solidFill>
                   <a:schemeClr val="tx1"/>
                 </a:solidFill>
@@ -11734,7 +11735,7 @@
               </a14:hiddenLine>
             </a:ext>
             <a:ext uri="{AF507438-7753-43e0-B8FC-AC1667EBCBE1}">
-              <a14:hiddenEffects xmlns:a14="http://schemas.microsoft.com/office/drawing/2010/main" xmlns="">
+              <a14:hiddenEffects xmlns="" xmlns:a14="http://schemas.microsoft.com/office/drawing/2010/main">
                 <a:effectLst>
                   <a:outerShdw blurRad="63500" dist="38099" dir="2700000" algn="ctr" rotWithShape="0">
                     <a:schemeClr val="bg2">
@@ -11798,14 +11799,14 @@
           <a:effectLst/>
           <a:extLst>
             <a:ext uri="{909E8E84-426E-40dd-AFC4-6F175D3DCCD1}">
-              <a14:hiddenFill xmlns:a14="http://schemas.microsoft.com/office/drawing/2010/main" xmlns="">
+              <a14:hiddenFill xmlns="" xmlns:a14="http://schemas.microsoft.com/office/drawing/2010/main">
                 <a:solidFill>
                   <a:schemeClr val="accent1"/>
                 </a:solidFill>
               </a14:hiddenFill>
             </a:ext>
             <a:ext uri="{91240B29-F687-4f45-9708-019B960494DF}">
-              <a14:hiddenLine xmlns:a14="http://schemas.microsoft.com/office/drawing/2010/main" xmlns="" w="9525">
+              <a14:hiddenLine xmlns="" xmlns:a14="http://schemas.microsoft.com/office/drawing/2010/main" w="9525">
                 <a:solidFill>
                   <a:schemeClr val="tx1"/>
                 </a:solidFill>
@@ -11815,7 +11816,7 @@
               </a14:hiddenLine>
             </a:ext>
             <a:ext uri="{AF507438-7753-43e0-B8FC-AC1667EBCBE1}">
-              <a14:hiddenEffects xmlns:a14="http://schemas.microsoft.com/office/drawing/2010/main" xmlns="">
+              <a14:hiddenEffects xmlns="" xmlns:a14="http://schemas.microsoft.com/office/drawing/2010/main">
                 <a:effectLst>
                   <a:outerShdw blurRad="63500" dist="38099" dir="2700000" algn="ctr" rotWithShape="0">
                     <a:schemeClr val="bg2">
@@ -15648,6 +15649,3352 @@
     <p:extLst>
       <p:ext uri="{BB962C8B-B14F-4D97-AF65-F5344CB8AC3E}">
         <p14:creationId xmlns:p14="http://schemas.microsoft.com/office/powerpoint/2010/main" val="2287435135"/>
+      </p:ext>
+    </p:extLst>
+  </p:cSld>
+  <p:clrMapOvr>
+    <a:masterClrMapping/>
+  </p:clrMapOvr>
+</p:sld>
+</file>
+
+<file path=ppt/slides/slide15.xml><?xml version="1.0" encoding="utf-8"?>
+<p:sld xmlns:a="http://schemas.openxmlformats.org/drawingml/2006/main" xmlns:r="http://schemas.openxmlformats.org/officeDocument/2006/relationships" xmlns:p="http://schemas.openxmlformats.org/presentationml/2006/main">
+  <p:cSld>
+    <p:spTree>
+      <p:nvGrpSpPr>
+        <p:cNvPr id="1" name=""/>
+        <p:cNvGrpSpPr/>
+        <p:nvPr/>
+      </p:nvGrpSpPr>
+      <p:grpSpPr>
+        <a:xfrm>
+          <a:off x="0" y="0"/>
+          <a:ext cx="0" cy="0"/>
+          <a:chOff x="0" y="0"/>
+          <a:chExt cx="0" cy="0"/>
+        </a:xfrm>
+      </p:grpSpPr>
+      <p:sp>
+        <p:nvSpPr>
+          <p:cNvPr id="45" name="Oval 7">
+            <a:extLst>
+              <a:ext uri="{FF2B5EF4-FFF2-40B4-BE49-F238E27FC236}">
+                <a16:creationId xmlns:a16="http://schemas.microsoft.com/office/drawing/2014/main" id="{BEB0CFB7-CB8E-E343-895E-B6BB070DFADC}"/>
+              </a:ext>
+            </a:extLst>
+          </p:cNvPr>
+          <p:cNvSpPr>
+            <a:spLocks noChangeArrowheads="1"/>
+          </p:cNvSpPr>
+          <p:nvPr/>
+        </p:nvSpPr>
+        <p:spPr bwMode="auto">
+          <a:xfrm>
+            <a:off x="2822189" y="967155"/>
+            <a:ext cx="492369" cy="492369"/>
+          </a:xfrm>
+          <a:prstGeom prst="ellipse">
+            <a:avLst/>
+          </a:prstGeom>
+          <a:solidFill>
+            <a:schemeClr val="accent2"/>
+          </a:solidFill>
+          <a:ln w="9525">
+            <a:solidFill>
+              <a:schemeClr val="tx1"/>
+            </a:solidFill>
+            <a:round/>
+            <a:headEnd/>
+            <a:tailEnd/>
+          </a:ln>
+          <a:effectLst/>
+          <a:extLst>
+            <a:ext uri="{AF507438-7753-43e0-B8FC-AC1667EBCBE1}">
+              <a14:hiddenEffects xmlns="" xmlns:a14="http://schemas.microsoft.com/office/drawing/2010/main">
+                <a:effectLst>
+                  <a:outerShdw blurRad="63500" dist="38099" dir="2700000" algn="ctr" rotWithShape="0">
+                    <a:schemeClr val="bg2">
+                      <a:alpha val="74998"/>
+                    </a:schemeClr>
+                  </a:outerShdw>
+                </a:effectLst>
+              </a14:hiddenEffects>
+            </a:ext>
+          </a:extLst>
+        </p:spPr>
+        <p:txBody>
+          <a:bodyPr wrap="none" anchor="ctr"/>
+          <a:lstStyle/>
+          <a:p>
+            <a:pPr>
+              <a:defRPr/>
+            </a:pPr>
+            <a:endParaRPr lang="ja-JP" altLang="en-US">
+              <a:ea typeface="ＭＳ Ｐゴシック" charset="0"/>
+            </a:endParaRPr>
+          </a:p>
+        </p:txBody>
+      </p:sp>
+      <p:sp>
+        <p:nvSpPr>
+          <p:cNvPr id="46" name="Oval 8">
+            <a:extLst>
+              <a:ext uri="{FF2B5EF4-FFF2-40B4-BE49-F238E27FC236}">
+                <a16:creationId xmlns:a16="http://schemas.microsoft.com/office/drawing/2014/main" id="{DC2840C8-98A0-7F40-8030-9C54C43BEDBF}"/>
+              </a:ext>
+            </a:extLst>
+          </p:cNvPr>
+          <p:cNvSpPr>
+            <a:spLocks noChangeArrowheads="1"/>
+          </p:cNvSpPr>
+          <p:nvPr/>
+        </p:nvSpPr>
+        <p:spPr bwMode="auto">
+          <a:xfrm>
+            <a:off x="2822189" y="3006970"/>
+            <a:ext cx="492369" cy="492369"/>
+          </a:xfrm>
+          <a:prstGeom prst="ellipse">
+            <a:avLst/>
+          </a:prstGeom>
+          <a:solidFill>
+            <a:schemeClr val="accent2"/>
+          </a:solidFill>
+          <a:ln w="9525">
+            <a:solidFill>
+              <a:schemeClr val="tx1"/>
+            </a:solidFill>
+            <a:round/>
+            <a:headEnd/>
+            <a:tailEnd/>
+          </a:ln>
+          <a:effectLst/>
+          <a:extLst>
+            <a:ext uri="{AF507438-7753-43e0-B8FC-AC1667EBCBE1}">
+              <a14:hiddenEffects xmlns="" xmlns:a14="http://schemas.microsoft.com/office/drawing/2010/main">
+                <a:effectLst>
+                  <a:outerShdw blurRad="63500" dist="38099" dir="2700000" algn="ctr" rotWithShape="0">
+                    <a:schemeClr val="bg2">
+                      <a:alpha val="74998"/>
+                    </a:schemeClr>
+                  </a:outerShdw>
+                </a:effectLst>
+              </a14:hiddenEffects>
+            </a:ext>
+          </a:extLst>
+        </p:spPr>
+        <p:txBody>
+          <a:bodyPr wrap="none" anchor="ctr"/>
+          <a:lstStyle/>
+          <a:p>
+            <a:pPr>
+              <a:defRPr/>
+            </a:pPr>
+            <a:endParaRPr lang="ja-JP" altLang="en-US">
+              <a:ea typeface="ＭＳ Ｐゴシック" charset="0"/>
+            </a:endParaRPr>
+          </a:p>
+        </p:txBody>
+      </p:sp>
+      <p:sp>
+        <p:nvSpPr>
+          <p:cNvPr id="47" name="Oval 9">
+            <a:extLst>
+              <a:ext uri="{FF2B5EF4-FFF2-40B4-BE49-F238E27FC236}">
+                <a16:creationId xmlns:a16="http://schemas.microsoft.com/office/drawing/2014/main" id="{745C8811-61CD-0647-8953-98D7782DD6CF}"/>
+              </a:ext>
+            </a:extLst>
+          </p:cNvPr>
+          <p:cNvSpPr>
+            <a:spLocks noChangeArrowheads="1"/>
+          </p:cNvSpPr>
+          <p:nvPr/>
+        </p:nvSpPr>
+        <p:spPr bwMode="auto">
+          <a:xfrm>
+            <a:off x="5462955" y="967155"/>
+            <a:ext cx="492369" cy="492369"/>
+          </a:xfrm>
+          <a:prstGeom prst="ellipse">
+            <a:avLst/>
+          </a:prstGeom>
+          <a:solidFill>
+            <a:schemeClr val="accent2"/>
+          </a:solidFill>
+          <a:ln w="9525">
+            <a:solidFill>
+              <a:schemeClr val="tx1"/>
+            </a:solidFill>
+            <a:round/>
+            <a:headEnd/>
+            <a:tailEnd/>
+          </a:ln>
+          <a:effectLst/>
+          <a:extLst>
+            <a:ext uri="{AF507438-7753-43e0-B8FC-AC1667EBCBE1}">
+              <a14:hiddenEffects xmlns="" xmlns:a14="http://schemas.microsoft.com/office/drawing/2010/main">
+                <a:effectLst>
+                  <a:outerShdw blurRad="63500" dist="38099" dir="2700000" algn="ctr" rotWithShape="0">
+                    <a:schemeClr val="bg2">
+                      <a:alpha val="74998"/>
+                    </a:schemeClr>
+                  </a:outerShdw>
+                </a:effectLst>
+              </a14:hiddenEffects>
+            </a:ext>
+          </a:extLst>
+        </p:spPr>
+        <p:txBody>
+          <a:bodyPr wrap="none" anchor="ctr"/>
+          <a:lstStyle/>
+          <a:p>
+            <a:pPr>
+              <a:defRPr/>
+            </a:pPr>
+            <a:endParaRPr lang="ja-JP" altLang="en-US">
+              <a:ea typeface="ＭＳ Ｐゴシック" charset="0"/>
+            </a:endParaRPr>
+          </a:p>
+        </p:txBody>
+      </p:sp>
+      <p:sp>
+        <p:nvSpPr>
+          <p:cNvPr id="48" name="Oval 10">
+            <a:extLst>
+              <a:ext uri="{FF2B5EF4-FFF2-40B4-BE49-F238E27FC236}">
+                <a16:creationId xmlns:a16="http://schemas.microsoft.com/office/drawing/2014/main" id="{B5378A01-0D3B-DD4A-AA7D-CB8578F3F906}"/>
+              </a:ext>
+            </a:extLst>
+          </p:cNvPr>
+          <p:cNvSpPr>
+            <a:spLocks noChangeArrowheads="1"/>
+          </p:cNvSpPr>
+          <p:nvPr/>
+        </p:nvSpPr>
+        <p:spPr bwMode="auto">
+          <a:xfrm>
+            <a:off x="5462955" y="3006970"/>
+            <a:ext cx="492369" cy="492369"/>
+          </a:xfrm>
+          <a:prstGeom prst="ellipse">
+            <a:avLst/>
+          </a:prstGeom>
+          <a:solidFill>
+            <a:schemeClr val="accent2"/>
+          </a:solidFill>
+          <a:ln w="9525">
+            <a:solidFill>
+              <a:schemeClr val="tx1"/>
+            </a:solidFill>
+            <a:round/>
+            <a:headEnd/>
+            <a:tailEnd/>
+          </a:ln>
+          <a:effectLst/>
+          <a:extLst>
+            <a:ext uri="{AF507438-7753-43e0-B8FC-AC1667EBCBE1}">
+              <a14:hiddenEffects xmlns="" xmlns:a14="http://schemas.microsoft.com/office/drawing/2010/main">
+                <a:effectLst>
+                  <a:outerShdw blurRad="63500" dist="38099" dir="2700000" algn="ctr" rotWithShape="0">
+                    <a:schemeClr val="bg2">
+                      <a:alpha val="74998"/>
+                    </a:schemeClr>
+                  </a:outerShdw>
+                </a:effectLst>
+              </a14:hiddenEffects>
+            </a:ext>
+          </a:extLst>
+        </p:spPr>
+        <p:txBody>
+          <a:bodyPr wrap="none" anchor="ctr"/>
+          <a:lstStyle/>
+          <a:p>
+            <a:pPr>
+              <a:defRPr/>
+            </a:pPr>
+            <a:endParaRPr lang="ja-JP" altLang="en-US">
+              <a:ea typeface="ＭＳ Ｐゴシック" charset="0"/>
+            </a:endParaRPr>
+          </a:p>
+        </p:txBody>
+      </p:sp>
+      <p:sp>
+        <p:nvSpPr>
+          <p:cNvPr id="53" name="Oval 11">
+            <a:extLst>
+              <a:ext uri="{FF2B5EF4-FFF2-40B4-BE49-F238E27FC236}">
+                <a16:creationId xmlns:a16="http://schemas.microsoft.com/office/drawing/2014/main" id="{2B094E04-B50C-0A4B-9690-C979528C4AED}"/>
+              </a:ext>
+            </a:extLst>
+          </p:cNvPr>
+          <p:cNvSpPr>
+            <a:spLocks noChangeArrowheads="1"/>
+          </p:cNvSpPr>
+          <p:nvPr/>
+        </p:nvSpPr>
+        <p:spPr bwMode="auto">
+          <a:xfrm>
+            <a:off x="6799386" y="1951893"/>
+            <a:ext cx="492369" cy="492369"/>
+          </a:xfrm>
+          <a:prstGeom prst="ellipse">
+            <a:avLst/>
+          </a:prstGeom>
+          <a:solidFill>
+            <a:schemeClr val="accent2"/>
+          </a:solidFill>
+          <a:ln w="9525">
+            <a:solidFill>
+              <a:schemeClr val="tx1"/>
+            </a:solidFill>
+            <a:round/>
+            <a:headEnd/>
+            <a:tailEnd/>
+          </a:ln>
+          <a:effectLst/>
+          <a:extLst>
+            <a:ext uri="{AF507438-7753-43e0-B8FC-AC1667EBCBE1}">
+              <a14:hiddenEffects xmlns="" xmlns:a14="http://schemas.microsoft.com/office/drawing/2010/main">
+                <a:effectLst>
+                  <a:outerShdw blurRad="63500" dist="38099" dir="2700000" algn="ctr" rotWithShape="0">
+                    <a:schemeClr val="bg2">
+                      <a:alpha val="74998"/>
+                    </a:schemeClr>
+                  </a:outerShdw>
+                </a:effectLst>
+              </a14:hiddenEffects>
+            </a:ext>
+          </a:extLst>
+        </p:spPr>
+        <p:txBody>
+          <a:bodyPr wrap="none" anchor="ctr"/>
+          <a:lstStyle/>
+          <a:p>
+            <a:pPr>
+              <a:defRPr/>
+            </a:pPr>
+            <a:endParaRPr lang="ja-JP" altLang="en-US">
+              <a:ea typeface="ＭＳ Ｐゴシック" charset="0"/>
+            </a:endParaRPr>
+          </a:p>
+        </p:txBody>
+      </p:sp>
+      <p:cxnSp>
+        <p:nvCxnSpPr>
+          <p:cNvPr id="54" name="AutoShape 12">
+            <a:extLst>
+              <a:ext uri="{FF2B5EF4-FFF2-40B4-BE49-F238E27FC236}">
+                <a16:creationId xmlns:a16="http://schemas.microsoft.com/office/drawing/2014/main" id="{B622E91C-AA23-9F42-9B75-A8AD4C600B98}"/>
+              </a:ext>
+            </a:extLst>
+          </p:cNvPr>
+          <p:cNvCxnSpPr>
+            <a:cxnSpLocks noChangeShapeType="1"/>
+            <a:stCxn id="47" idx="2"/>
+            <a:endCxn id="45" idx="6"/>
+          </p:cNvCxnSpPr>
+          <p:nvPr/>
+        </p:nvCxnSpPr>
+        <p:spPr bwMode="auto">
+          <a:xfrm flipH="1">
+            <a:off x="3314558" y="1213340"/>
+            <a:ext cx="2148397" cy="0"/>
+          </a:xfrm>
+          <a:prstGeom prst="straightConnector1">
+            <a:avLst/>
+          </a:prstGeom>
+          <a:noFill/>
+          <a:ln w="28575">
+            <a:solidFill>
+              <a:schemeClr val="tx1"/>
+            </a:solidFill>
+            <a:round/>
+            <a:headEnd/>
+            <a:tailEnd/>
+          </a:ln>
+          <a:effectLst/>
+          <a:extLst>
+            <a:ext uri="{909E8E84-426E-40dd-AFC4-6F175D3DCCD1}">
+              <a14:hiddenFill xmlns="" xmlns:a14="http://schemas.microsoft.com/office/drawing/2010/main">
+                <a:noFill/>
+              </a14:hiddenFill>
+            </a:ext>
+            <a:ext uri="{AF507438-7753-43e0-B8FC-AC1667EBCBE1}">
+              <a14:hiddenEffects xmlns="" xmlns:a14="http://schemas.microsoft.com/office/drawing/2010/main">
+                <a:effectLst>
+                  <a:outerShdw blurRad="63500" dist="38099" dir="2700000" algn="ctr" rotWithShape="0">
+                    <a:schemeClr val="bg2">
+                      <a:alpha val="74998"/>
+                    </a:schemeClr>
+                  </a:outerShdw>
+                </a:effectLst>
+              </a14:hiddenEffects>
+            </a:ext>
+          </a:extLst>
+        </p:spPr>
+      </p:cxnSp>
+      <p:cxnSp>
+        <p:nvCxnSpPr>
+          <p:cNvPr id="55" name="AutoShape 13">
+            <a:extLst>
+              <a:ext uri="{FF2B5EF4-FFF2-40B4-BE49-F238E27FC236}">
+                <a16:creationId xmlns:a16="http://schemas.microsoft.com/office/drawing/2014/main" id="{833CF790-B245-8B47-ACDD-6649F8A56A75}"/>
+              </a:ext>
+            </a:extLst>
+          </p:cNvPr>
+          <p:cNvCxnSpPr>
+            <a:cxnSpLocks noChangeShapeType="1"/>
+            <a:stCxn id="47" idx="2"/>
+          </p:cNvCxnSpPr>
+          <p:nvPr/>
+        </p:nvCxnSpPr>
+        <p:spPr bwMode="auto">
+          <a:xfrm flipH="1">
+            <a:off x="3727963" y="1213340"/>
+            <a:ext cx="1734992" cy="2043510"/>
+          </a:xfrm>
+          <a:prstGeom prst="straightConnector1">
+            <a:avLst/>
+          </a:prstGeom>
+          <a:noFill/>
+          <a:ln w="28575">
+            <a:solidFill>
+              <a:schemeClr val="tx1"/>
+            </a:solidFill>
+            <a:round/>
+            <a:headEnd/>
+            <a:tailEnd/>
+          </a:ln>
+          <a:effectLst/>
+          <a:extLst>
+            <a:ext uri="{909E8E84-426E-40dd-AFC4-6F175D3DCCD1}">
+              <a14:hiddenFill xmlns="" xmlns:a14="http://schemas.microsoft.com/office/drawing/2010/main">
+                <a:noFill/>
+              </a14:hiddenFill>
+            </a:ext>
+            <a:ext uri="{AF507438-7753-43e0-B8FC-AC1667EBCBE1}">
+              <a14:hiddenEffects xmlns="" xmlns:a14="http://schemas.microsoft.com/office/drawing/2010/main">
+                <a:effectLst>
+                  <a:outerShdw blurRad="63500" dist="38099" dir="2700000" algn="ctr" rotWithShape="0">
+                    <a:schemeClr val="bg2">
+                      <a:alpha val="74998"/>
+                    </a:schemeClr>
+                  </a:outerShdw>
+                </a:effectLst>
+              </a14:hiddenEffects>
+            </a:ext>
+          </a:extLst>
+        </p:spPr>
+      </p:cxnSp>
+      <p:cxnSp>
+        <p:nvCxnSpPr>
+          <p:cNvPr id="56" name="AutoShape 14">
+            <a:extLst>
+              <a:ext uri="{FF2B5EF4-FFF2-40B4-BE49-F238E27FC236}">
+                <a16:creationId xmlns:a16="http://schemas.microsoft.com/office/drawing/2014/main" id="{EDAE637E-FC44-B641-9252-506CD74CF069}"/>
+              </a:ext>
+            </a:extLst>
+          </p:cNvPr>
+          <p:cNvCxnSpPr>
+            <a:cxnSpLocks noChangeShapeType="1"/>
+            <a:stCxn id="48" idx="2"/>
+            <a:endCxn id="46" idx="6"/>
+          </p:cNvCxnSpPr>
+          <p:nvPr/>
+        </p:nvCxnSpPr>
+        <p:spPr bwMode="auto">
+          <a:xfrm flipH="1">
+            <a:off x="3314558" y="3253155"/>
+            <a:ext cx="2148397" cy="0"/>
+          </a:xfrm>
+          <a:prstGeom prst="straightConnector1">
+            <a:avLst/>
+          </a:prstGeom>
+          <a:noFill/>
+          <a:ln w="28575">
+            <a:solidFill>
+              <a:schemeClr val="tx1"/>
+            </a:solidFill>
+            <a:round/>
+            <a:headEnd/>
+            <a:tailEnd/>
+          </a:ln>
+          <a:effectLst/>
+          <a:extLst>
+            <a:ext uri="{909E8E84-426E-40dd-AFC4-6F175D3DCCD1}">
+              <a14:hiddenFill xmlns="" xmlns:a14="http://schemas.microsoft.com/office/drawing/2010/main">
+                <a:noFill/>
+              </a14:hiddenFill>
+            </a:ext>
+            <a:ext uri="{AF507438-7753-43e0-B8FC-AC1667EBCBE1}">
+              <a14:hiddenEffects xmlns="" xmlns:a14="http://schemas.microsoft.com/office/drawing/2010/main">
+                <a:effectLst>
+                  <a:outerShdw blurRad="63500" dist="38099" dir="2700000" algn="ctr" rotWithShape="0">
+                    <a:schemeClr val="bg2">
+                      <a:alpha val="74998"/>
+                    </a:schemeClr>
+                  </a:outerShdw>
+                </a:effectLst>
+              </a14:hiddenEffects>
+            </a:ext>
+          </a:extLst>
+        </p:spPr>
+      </p:cxnSp>
+      <p:cxnSp>
+        <p:nvCxnSpPr>
+          <p:cNvPr id="62" name="AutoShape 15">
+            <a:extLst>
+              <a:ext uri="{FF2B5EF4-FFF2-40B4-BE49-F238E27FC236}">
+                <a16:creationId xmlns:a16="http://schemas.microsoft.com/office/drawing/2014/main" id="{FA6CED6B-EC3C-4A4C-B0D1-3AA2E42B9562}"/>
+              </a:ext>
+            </a:extLst>
+          </p:cNvPr>
+          <p:cNvCxnSpPr>
+            <a:cxnSpLocks noChangeShapeType="1"/>
+            <a:stCxn id="53" idx="2"/>
+            <a:endCxn id="47" idx="6"/>
+          </p:cNvCxnSpPr>
+          <p:nvPr/>
+        </p:nvCxnSpPr>
+        <p:spPr bwMode="auto">
+          <a:xfrm flipH="1" flipV="1">
+            <a:off x="5955323" y="1213339"/>
+            <a:ext cx="844062" cy="984738"/>
+          </a:xfrm>
+          <a:prstGeom prst="straightConnector1">
+            <a:avLst/>
+          </a:prstGeom>
+          <a:noFill/>
+          <a:ln w="28575">
+            <a:solidFill>
+              <a:schemeClr val="tx1"/>
+            </a:solidFill>
+            <a:round/>
+            <a:headEnd/>
+            <a:tailEnd/>
+          </a:ln>
+          <a:effectLst/>
+          <a:extLst>
+            <a:ext uri="{909E8E84-426E-40dd-AFC4-6F175D3DCCD1}">
+              <a14:hiddenFill xmlns="" xmlns:a14="http://schemas.microsoft.com/office/drawing/2010/main">
+                <a:noFill/>
+              </a14:hiddenFill>
+            </a:ext>
+            <a:ext uri="{AF507438-7753-43e0-B8FC-AC1667EBCBE1}">
+              <a14:hiddenEffects xmlns="" xmlns:a14="http://schemas.microsoft.com/office/drawing/2010/main">
+                <a:effectLst>
+                  <a:outerShdw blurRad="63500" dist="38099" dir="2700000" algn="ctr" rotWithShape="0">
+                    <a:schemeClr val="bg2">
+                      <a:alpha val="74998"/>
+                    </a:schemeClr>
+                  </a:outerShdw>
+                </a:effectLst>
+              </a14:hiddenEffects>
+            </a:ext>
+          </a:extLst>
+        </p:spPr>
+      </p:cxnSp>
+      <p:cxnSp>
+        <p:nvCxnSpPr>
+          <p:cNvPr id="64" name="AutoShape 16">
+            <a:extLst>
+              <a:ext uri="{FF2B5EF4-FFF2-40B4-BE49-F238E27FC236}">
+                <a16:creationId xmlns:a16="http://schemas.microsoft.com/office/drawing/2014/main" id="{9477E390-FC00-2046-8175-82E8E7BB9CFC}"/>
+              </a:ext>
+            </a:extLst>
+          </p:cNvPr>
+          <p:cNvCxnSpPr>
+            <a:cxnSpLocks noChangeShapeType="1"/>
+            <a:stCxn id="53" idx="2"/>
+            <a:endCxn id="48" idx="6"/>
+          </p:cNvCxnSpPr>
+          <p:nvPr/>
+        </p:nvCxnSpPr>
+        <p:spPr bwMode="auto">
+          <a:xfrm flipH="1">
+            <a:off x="5955323" y="2198078"/>
+            <a:ext cx="844062" cy="1055077"/>
+          </a:xfrm>
+          <a:prstGeom prst="straightConnector1">
+            <a:avLst/>
+          </a:prstGeom>
+          <a:noFill/>
+          <a:ln w="28575">
+            <a:solidFill>
+              <a:schemeClr val="tx1"/>
+            </a:solidFill>
+            <a:round/>
+            <a:headEnd/>
+            <a:tailEnd/>
+          </a:ln>
+          <a:effectLst/>
+          <a:extLst>
+            <a:ext uri="{909E8E84-426E-40dd-AFC4-6F175D3DCCD1}">
+              <a14:hiddenFill xmlns="" xmlns:a14="http://schemas.microsoft.com/office/drawing/2010/main">
+                <a:noFill/>
+              </a14:hiddenFill>
+            </a:ext>
+            <a:ext uri="{AF507438-7753-43e0-B8FC-AC1667EBCBE1}">
+              <a14:hiddenEffects xmlns="" xmlns:a14="http://schemas.microsoft.com/office/drawing/2010/main">
+                <a:effectLst>
+                  <a:outerShdw blurRad="63500" dist="38099" dir="2700000" algn="ctr" rotWithShape="0">
+                    <a:schemeClr val="bg2">
+                      <a:alpha val="74998"/>
+                    </a:schemeClr>
+                  </a:outerShdw>
+                </a:effectLst>
+              </a14:hiddenEffects>
+            </a:ext>
+          </a:extLst>
+        </p:spPr>
+      </p:cxnSp>
+      <p:cxnSp>
+        <p:nvCxnSpPr>
+          <p:cNvPr id="65" name="AutoShape 17">
+            <a:extLst>
+              <a:ext uri="{FF2B5EF4-FFF2-40B4-BE49-F238E27FC236}">
+                <a16:creationId xmlns:a16="http://schemas.microsoft.com/office/drawing/2014/main" id="{A6306E74-C86E-9F4B-A2D2-F629B1300623}"/>
+              </a:ext>
+            </a:extLst>
+          </p:cNvPr>
+          <p:cNvCxnSpPr>
+            <a:cxnSpLocks noChangeShapeType="1"/>
+            <a:endCxn id="48" idx="2"/>
+          </p:cNvCxnSpPr>
+          <p:nvPr/>
+        </p:nvCxnSpPr>
+        <p:spPr bwMode="auto">
+          <a:xfrm>
+            <a:off x="3729413" y="1217036"/>
+            <a:ext cx="1733542" cy="2036119"/>
+          </a:xfrm>
+          <a:prstGeom prst="straightConnector1">
+            <a:avLst/>
+          </a:prstGeom>
+          <a:noFill/>
+          <a:ln w="28575">
+            <a:solidFill>
+              <a:schemeClr val="tx1"/>
+            </a:solidFill>
+            <a:round/>
+            <a:headEnd/>
+            <a:tailEnd/>
+          </a:ln>
+          <a:effectLst/>
+          <a:extLst>
+            <a:ext uri="{909E8E84-426E-40dd-AFC4-6F175D3DCCD1}">
+              <a14:hiddenFill xmlns="" xmlns:a14="http://schemas.microsoft.com/office/drawing/2010/main">
+                <a:noFill/>
+              </a14:hiddenFill>
+            </a:ext>
+            <a:ext uri="{AF507438-7753-43e0-B8FC-AC1667EBCBE1}">
+              <a14:hiddenEffects xmlns="" xmlns:a14="http://schemas.microsoft.com/office/drawing/2010/main">
+                <a:effectLst>
+                  <a:outerShdw blurRad="63500" dist="38099" dir="2700000" algn="ctr" rotWithShape="0">
+                    <a:schemeClr val="bg2">
+                      <a:alpha val="74998"/>
+                    </a:schemeClr>
+                  </a:outerShdw>
+                </a:effectLst>
+              </a14:hiddenEffects>
+            </a:ext>
+          </a:extLst>
+        </p:spPr>
+      </p:cxnSp>
+      <p:sp>
+        <p:nvSpPr>
+          <p:cNvPr id="66" name="Line 18">
+            <a:extLst>
+              <a:ext uri="{FF2B5EF4-FFF2-40B4-BE49-F238E27FC236}">
+                <a16:creationId xmlns:a16="http://schemas.microsoft.com/office/drawing/2014/main" id="{EEF1F423-3953-8A4A-8CFB-BDB2CA9D2E8C}"/>
+              </a:ext>
+            </a:extLst>
+          </p:cNvPr>
+          <p:cNvSpPr>
+            <a:spLocks noChangeShapeType="1"/>
+          </p:cNvSpPr>
+          <p:nvPr/>
+        </p:nvSpPr>
+        <p:spPr bwMode="auto">
+          <a:xfrm>
+            <a:off x="2048464" y="1248508"/>
+            <a:ext cx="562708" cy="0"/>
+          </a:xfrm>
+          <a:prstGeom prst="line">
+            <a:avLst/>
+          </a:prstGeom>
+          <a:noFill/>
+          <a:ln w="76200">
+            <a:solidFill>
+              <a:schemeClr val="tx1"/>
+            </a:solidFill>
+            <a:round/>
+            <a:headEnd/>
+            <a:tailEnd type="triangle" w="med" len="med"/>
+          </a:ln>
+          <a:effectLst/>
+          <a:extLst>
+            <a:ext uri="{909E8E84-426E-40dd-AFC4-6F175D3DCCD1}">
+              <a14:hiddenFill xmlns="" xmlns:a14="http://schemas.microsoft.com/office/drawing/2010/main">
+                <a:noFill/>
+              </a14:hiddenFill>
+            </a:ext>
+            <a:ext uri="{AF507438-7753-43e0-B8FC-AC1667EBCBE1}">
+              <a14:hiddenEffects xmlns="" xmlns:a14="http://schemas.microsoft.com/office/drawing/2010/main">
+                <a:effectLst>
+                  <a:outerShdw blurRad="63500" dist="38099" dir="2700000" algn="ctr" rotWithShape="0">
+                    <a:schemeClr val="bg2">
+                      <a:alpha val="74998"/>
+                    </a:schemeClr>
+                  </a:outerShdw>
+                </a:effectLst>
+              </a14:hiddenEffects>
+            </a:ext>
+          </a:extLst>
+        </p:spPr>
+        <p:txBody>
+          <a:bodyPr/>
+          <a:lstStyle/>
+          <a:p>
+            <a:pPr>
+              <a:defRPr/>
+            </a:pPr>
+            <a:endParaRPr lang="ja-JP" altLang="en-US">
+              <a:ea typeface="ＭＳ Ｐゴシック" charset="0"/>
+            </a:endParaRPr>
+          </a:p>
+        </p:txBody>
+      </p:sp>
+      <p:sp>
+        <p:nvSpPr>
+          <p:cNvPr id="67" name="Line 19">
+            <a:extLst>
+              <a:ext uri="{FF2B5EF4-FFF2-40B4-BE49-F238E27FC236}">
+                <a16:creationId xmlns:a16="http://schemas.microsoft.com/office/drawing/2014/main" id="{34565760-25C9-C146-95A0-AF027A46BB93}"/>
+              </a:ext>
+            </a:extLst>
+          </p:cNvPr>
+          <p:cNvSpPr>
+            <a:spLocks noChangeShapeType="1"/>
+          </p:cNvSpPr>
+          <p:nvPr/>
+        </p:nvSpPr>
+        <p:spPr bwMode="auto">
+          <a:xfrm>
+            <a:off x="2048464" y="3288323"/>
+            <a:ext cx="562708" cy="0"/>
+          </a:xfrm>
+          <a:prstGeom prst="line">
+            <a:avLst/>
+          </a:prstGeom>
+          <a:noFill/>
+          <a:ln w="76200">
+            <a:solidFill>
+              <a:schemeClr val="tx1"/>
+            </a:solidFill>
+            <a:round/>
+            <a:headEnd/>
+            <a:tailEnd type="triangle" w="med" len="med"/>
+          </a:ln>
+          <a:effectLst/>
+          <a:extLst>
+            <a:ext uri="{909E8E84-426E-40dd-AFC4-6F175D3DCCD1}">
+              <a14:hiddenFill xmlns="" xmlns:a14="http://schemas.microsoft.com/office/drawing/2010/main">
+                <a:noFill/>
+              </a14:hiddenFill>
+            </a:ext>
+            <a:ext uri="{AF507438-7753-43e0-B8FC-AC1667EBCBE1}">
+              <a14:hiddenEffects xmlns="" xmlns:a14="http://schemas.microsoft.com/office/drawing/2010/main">
+                <a:effectLst>
+                  <a:outerShdw blurRad="63500" dist="38099" dir="2700000" algn="ctr" rotWithShape="0">
+                    <a:schemeClr val="bg2">
+                      <a:alpha val="74998"/>
+                    </a:schemeClr>
+                  </a:outerShdw>
+                </a:effectLst>
+              </a14:hiddenEffects>
+            </a:ext>
+          </a:extLst>
+        </p:spPr>
+        <p:txBody>
+          <a:bodyPr/>
+          <a:lstStyle/>
+          <a:p>
+            <a:pPr>
+              <a:defRPr/>
+            </a:pPr>
+            <a:endParaRPr lang="ja-JP" altLang="en-US">
+              <a:ea typeface="ＭＳ Ｐゴシック" charset="0"/>
+            </a:endParaRPr>
+          </a:p>
+        </p:txBody>
+      </p:sp>
+      <p:sp>
+        <p:nvSpPr>
+          <p:cNvPr id="68" name="Line 20">
+            <a:extLst>
+              <a:ext uri="{FF2B5EF4-FFF2-40B4-BE49-F238E27FC236}">
+                <a16:creationId xmlns:a16="http://schemas.microsoft.com/office/drawing/2014/main" id="{B35E0A31-9E7F-334E-A103-73AA18F8AFEB}"/>
+              </a:ext>
+            </a:extLst>
+          </p:cNvPr>
+          <p:cNvSpPr>
+            <a:spLocks noChangeShapeType="1"/>
+          </p:cNvSpPr>
+          <p:nvPr/>
+        </p:nvSpPr>
+        <p:spPr bwMode="auto">
+          <a:xfrm>
+            <a:off x="7432431" y="2162908"/>
+            <a:ext cx="562708" cy="0"/>
+          </a:xfrm>
+          <a:prstGeom prst="line">
+            <a:avLst/>
+          </a:prstGeom>
+          <a:noFill/>
+          <a:ln w="76200">
+            <a:solidFill>
+              <a:schemeClr val="tx1"/>
+            </a:solidFill>
+            <a:round/>
+            <a:headEnd/>
+            <a:tailEnd type="triangle" w="med" len="med"/>
+          </a:ln>
+          <a:effectLst/>
+          <a:extLst>
+            <a:ext uri="{909E8E84-426E-40dd-AFC4-6F175D3DCCD1}">
+              <a14:hiddenFill xmlns="" xmlns:a14="http://schemas.microsoft.com/office/drawing/2010/main">
+                <a:noFill/>
+              </a14:hiddenFill>
+            </a:ext>
+            <a:ext uri="{AF507438-7753-43e0-B8FC-AC1667EBCBE1}">
+              <a14:hiddenEffects xmlns="" xmlns:a14="http://schemas.microsoft.com/office/drawing/2010/main">
+                <a:effectLst>
+                  <a:outerShdw blurRad="63500" dist="38099" dir="2700000" algn="ctr" rotWithShape="0">
+                    <a:schemeClr val="bg2">
+                      <a:alpha val="74998"/>
+                    </a:schemeClr>
+                  </a:outerShdw>
+                </a:effectLst>
+              </a14:hiddenEffects>
+            </a:ext>
+          </a:extLst>
+        </p:spPr>
+        <p:txBody>
+          <a:bodyPr/>
+          <a:lstStyle/>
+          <a:p>
+            <a:pPr>
+              <a:defRPr/>
+            </a:pPr>
+            <a:endParaRPr lang="ja-JP" altLang="en-US">
+              <a:ea typeface="ＭＳ Ｐゴシック" charset="0"/>
+            </a:endParaRPr>
+          </a:p>
+        </p:txBody>
+      </p:sp>
+      <p:sp>
+        <p:nvSpPr>
+          <p:cNvPr id="69" name="Text Box 21">
+            <a:extLst>
+              <a:ext uri="{FF2B5EF4-FFF2-40B4-BE49-F238E27FC236}">
+                <a16:creationId xmlns:a16="http://schemas.microsoft.com/office/drawing/2014/main" id="{401AFBAD-713A-4749-A258-949EE9BBB73A}"/>
+              </a:ext>
+            </a:extLst>
+          </p:cNvPr>
+          <p:cNvSpPr txBox="1">
+            <a:spLocks noChangeArrowheads="1"/>
+          </p:cNvSpPr>
+          <p:nvPr/>
+        </p:nvSpPr>
+        <p:spPr bwMode="auto">
+          <a:xfrm>
+            <a:off x="2581866" y="545123"/>
+            <a:ext cx="1035861" cy="433196"/>
+          </a:xfrm>
+          <a:prstGeom prst="rect">
+            <a:avLst/>
+          </a:prstGeom>
+          <a:noFill/>
+          <a:ln>
+            <a:noFill/>
+          </a:ln>
+          <a:effectLst/>
+          <a:extLst>
+            <a:ext uri="{909E8E84-426E-40dd-AFC4-6F175D3DCCD1}">
+              <a14:hiddenFill xmlns="" xmlns:a14="http://schemas.microsoft.com/office/drawing/2010/main">
+                <a:solidFill>
+                  <a:schemeClr val="accent1"/>
+                </a:solidFill>
+              </a14:hiddenFill>
+            </a:ext>
+            <a:ext uri="{91240B29-F687-4f45-9708-019B960494DF}">
+              <a14:hiddenLine xmlns="" xmlns:a14="http://schemas.microsoft.com/office/drawing/2010/main" w="9525">
+                <a:solidFill>
+                  <a:schemeClr val="tx1"/>
+                </a:solidFill>
+                <a:miter lim="800000"/>
+                <a:headEnd/>
+                <a:tailEnd/>
+              </a14:hiddenLine>
+            </a:ext>
+            <a:ext uri="{AF507438-7753-43e0-B8FC-AC1667EBCBE1}">
+              <a14:hiddenEffects xmlns="" xmlns:a14="http://schemas.microsoft.com/office/drawing/2010/main">
+                <a:effectLst>
+                  <a:outerShdw blurRad="63500" dist="38099" dir="2700000" algn="ctr" rotWithShape="0">
+                    <a:schemeClr val="bg2">
+                      <a:alpha val="74998"/>
+                    </a:schemeClr>
+                  </a:outerShdw>
+                </a:effectLst>
+              </a14:hiddenEffects>
+            </a:ext>
+          </a:extLst>
+        </p:spPr>
+        <p:txBody>
+          <a:bodyPr wrap="none">
+            <a:spAutoFit/>
+          </a:bodyPr>
+          <a:lstStyle/>
+          <a:p>
+            <a:pPr>
+              <a:defRPr/>
+            </a:pPr>
+            <a:r>
+              <a:rPr lang="ja-JP" altLang="en-US" sz="2215">
+                <a:latin typeface="Times New Roman" charset="0"/>
+                <a:ea typeface="ＭＳ Ｐゴシック" charset="0"/>
+              </a:rPr>
+              <a:t>入力層</a:t>
+            </a:r>
+          </a:p>
+        </p:txBody>
+      </p:sp>
+      <p:sp>
+        <p:nvSpPr>
+          <p:cNvPr id="70" name="Text Box 22">
+            <a:extLst>
+              <a:ext uri="{FF2B5EF4-FFF2-40B4-BE49-F238E27FC236}">
+                <a16:creationId xmlns:a16="http://schemas.microsoft.com/office/drawing/2014/main" id="{73483636-D0F4-5445-B5D2-81747A9BADEB}"/>
+              </a:ext>
+            </a:extLst>
+          </p:cNvPr>
+          <p:cNvSpPr txBox="1">
+            <a:spLocks noChangeArrowheads="1"/>
+          </p:cNvSpPr>
+          <p:nvPr/>
+        </p:nvSpPr>
+        <p:spPr bwMode="auto">
+          <a:xfrm>
+            <a:off x="5222632" y="545123"/>
+            <a:ext cx="1035861" cy="433196"/>
+          </a:xfrm>
+          <a:prstGeom prst="rect">
+            <a:avLst/>
+          </a:prstGeom>
+          <a:noFill/>
+          <a:ln>
+            <a:noFill/>
+          </a:ln>
+          <a:effectLst/>
+          <a:extLst>
+            <a:ext uri="{909E8E84-426E-40dd-AFC4-6F175D3DCCD1}">
+              <a14:hiddenFill xmlns="" xmlns:a14="http://schemas.microsoft.com/office/drawing/2010/main">
+                <a:solidFill>
+                  <a:schemeClr val="accent1"/>
+                </a:solidFill>
+              </a14:hiddenFill>
+            </a:ext>
+            <a:ext uri="{91240B29-F687-4f45-9708-019B960494DF}">
+              <a14:hiddenLine xmlns="" xmlns:a14="http://schemas.microsoft.com/office/drawing/2010/main" w="9525">
+                <a:solidFill>
+                  <a:schemeClr val="tx1"/>
+                </a:solidFill>
+                <a:miter lim="800000"/>
+                <a:headEnd/>
+                <a:tailEnd/>
+              </a14:hiddenLine>
+            </a:ext>
+            <a:ext uri="{AF507438-7753-43e0-B8FC-AC1667EBCBE1}">
+              <a14:hiddenEffects xmlns="" xmlns:a14="http://schemas.microsoft.com/office/drawing/2010/main">
+                <a:effectLst>
+                  <a:outerShdw blurRad="63500" dist="38099" dir="2700000" algn="ctr" rotWithShape="0">
+                    <a:schemeClr val="bg2">
+                      <a:alpha val="74998"/>
+                    </a:schemeClr>
+                  </a:outerShdw>
+                </a:effectLst>
+              </a14:hiddenEffects>
+            </a:ext>
+          </a:extLst>
+        </p:spPr>
+        <p:txBody>
+          <a:bodyPr wrap="none">
+            <a:spAutoFit/>
+          </a:bodyPr>
+          <a:lstStyle/>
+          <a:p>
+            <a:pPr>
+              <a:defRPr/>
+            </a:pPr>
+            <a:r>
+              <a:rPr lang="ja-JP" altLang="en-US" sz="2215">
+                <a:latin typeface="Times New Roman" charset="0"/>
+                <a:ea typeface="ＭＳ Ｐゴシック" charset="0"/>
+              </a:rPr>
+              <a:t>隠れ層</a:t>
+            </a:r>
+          </a:p>
+        </p:txBody>
+      </p:sp>
+      <p:sp>
+        <p:nvSpPr>
+          <p:cNvPr id="71" name="Text Box 23">
+            <a:extLst>
+              <a:ext uri="{FF2B5EF4-FFF2-40B4-BE49-F238E27FC236}">
+                <a16:creationId xmlns:a16="http://schemas.microsoft.com/office/drawing/2014/main" id="{94E0A616-8719-A94A-AF50-F2ACE83F1467}"/>
+              </a:ext>
+            </a:extLst>
+          </p:cNvPr>
+          <p:cNvSpPr txBox="1">
+            <a:spLocks noChangeArrowheads="1"/>
+          </p:cNvSpPr>
+          <p:nvPr/>
+        </p:nvSpPr>
+        <p:spPr bwMode="auto">
+          <a:xfrm>
+            <a:off x="6559063" y="545123"/>
+            <a:ext cx="1035861" cy="433196"/>
+          </a:xfrm>
+          <a:prstGeom prst="rect">
+            <a:avLst/>
+          </a:prstGeom>
+          <a:noFill/>
+          <a:ln>
+            <a:noFill/>
+          </a:ln>
+          <a:effectLst/>
+          <a:extLst>
+            <a:ext uri="{909E8E84-426E-40dd-AFC4-6F175D3DCCD1}">
+              <a14:hiddenFill xmlns="" xmlns:a14="http://schemas.microsoft.com/office/drawing/2010/main">
+                <a:solidFill>
+                  <a:schemeClr val="accent1"/>
+                </a:solidFill>
+              </a14:hiddenFill>
+            </a:ext>
+            <a:ext uri="{91240B29-F687-4f45-9708-019B960494DF}">
+              <a14:hiddenLine xmlns="" xmlns:a14="http://schemas.microsoft.com/office/drawing/2010/main" w="9525">
+                <a:solidFill>
+                  <a:schemeClr val="tx1"/>
+                </a:solidFill>
+                <a:miter lim="800000"/>
+                <a:headEnd/>
+                <a:tailEnd/>
+              </a14:hiddenLine>
+            </a:ext>
+            <a:ext uri="{AF507438-7753-43e0-B8FC-AC1667EBCBE1}">
+              <a14:hiddenEffects xmlns="" xmlns:a14="http://schemas.microsoft.com/office/drawing/2010/main">
+                <a:effectLst>
+                  <a:outerShdw blurRad="63500" dist="38099" dir="2700000" algn="ctr" rotWithShape="0">
+                    <a:schemeClr val="bg2">
+                      <a:alpha val="74998"/>
+                    </a:schemeClr>
+                  </a:outerShdw>
+                </a:effectLst>
+              </a14:hiddenEffects>
+            </a:ext>
+          </a:extLst>
+        </p:spPr>
+        <p:txBody>
+          <a:bodyPr wrap="none">
+            <a:spAutoFit/>
+          </a:bodyPr>
+          <a:lstStyle/>
+          <a:p>
+            <a:pPr>
+              <a:defRPr/>
+            </a:pPr>
+            <a:r>
+              <a:rPr lang="ja-JP" altLang="en-US" sz="2215">
+                <a:latin typeface="Times New Roman" charset="0"/>
+                <a:ea typeface="ＭＳ Ｐゴシック" charset="0"/>
+              </a:rPr>
+              <a:t>出力層</a:t>
+            </a:r>
+          </a:p>
+        </p:txBody>
+      </p:sp>
+      <p:sp>
+        <p:nvSpPr>
+          <p:cNvPr id="72" name="Text Box 24">
+            <a:extLst>
+              <a:ext uri="{FF2B5EF4-FFF2-40B4-BE49-F238E27FC236}">
+                <a16:creationId xmlns:a16="http://schemas.microsoft.com/office/drawing/2014/main" id="{D0F947F2-B838-A34A-BFBB-58CA98D9D815}"/>
+              </a:ext>
+            </a:extLst>
+          </p:cNvPr>
+          <p:cNvSpPr txBox="1">
+            <a:spLocks noChangeArrowheads="1"/>
+          </p:cNvSpPr>
+          <p:nvPr/>
+        </p:nvSpPr>
+        <p:spPr bwMode="auto">
+          <a:xfrm>
+            <a:off x="1878481" y="3429000"/>
+            <a:ext cx="752129" cy="433196"/>
+          </a:xfrm>
+          <a:prstGeom prst="rect">
+            <a:avLst/>
+          </a:prstGeom>
+          <a:noFill/>
+          <a:ln>
+            <a:noFill/>
+          </a:ln>
+          <a:effectLst/>
+          <a:extLst>
+            <a:ext uri="{909E8E84-426E-40dd-AFC4-6F175D3DCCD1}">
+              <a14:hiddenFill xmlns="" xmlns:a14="http://schemas.microsoft.com/office/drawing/2010/main">
+                <a:solidFill>
+                  <a:schemeClr val="accent1"/>
+                </a:solidFill>
+              </a14:hiddenFill>
+            </a:ext>
+            <a:ext uri="{91240B29-F687-4f45-9708-019B960494DF}">
+              <a14:hiddenLine xmlns="" xmlns:a14="http://schemas.microsoft.com/office/drawing/2010/main" w="9525">
+                <a:solidFill>
+                  <a:schemeClr val="tx1"/>
+                </a:solidFill>
+                <a:miter lim="800000"/>
+                <a:headEnd/>
+                <a:tailEnd/>
+              </a14:hiddenLine>
+            </a:ext>
+            <a:ext uri="{AF507438-7753-43e0-B8FC-AC1667EBCBE1}">
+              <a14:hiddenEffects xmlns="" xmlns:a14="http://schemas.microsoft.com/office/drawing/2010/main">
+                <a:effectLst>
+                  <a:outerShdw blurRad="63500" dist="38099" dir="2700000" algn="ctr" rotWithShape="0">
+                    <a:schemeClr val="bg2">
+                      <a:alpha val="74998"/>
+                    </a:schemeClr>
+                  </a:outerShdw>
+                </a:effectLst>
+              </a14:hiddenEffects>
+            </a:ext>
+          </a:extLst>
+        </p:spPr>
+        <p:txBody>
+          <a:bodyPr wrap="none">
+            <a:spAutoFit/>
+          </a:bodyPr>
+          <a:lstStyle/>
+          <a:p>
+            <a:pPr>
+              <a:defRPr/>
+            </a:pPr>
+            <a:r>
+              <a:rPr lang="ja-JP" altLang="en-US" sz="2215">
+                <a:latin typeface="Times New Roman" charset="0"/>
+                <a:ea typeface="ＭＳ Ｐゴシック" charset="0"/>
+              </a:rPr>
+              <a:t>入力</a:t>
+            </a:r>
+          </a:p>
+        </p:txBody>
+      </p:sp>
+      <p:sp>
+        <p:nvSpPr>
+          <p:cNvPr id="73" name="Text Box 25">
+            <a:extLst>
+              <a:ext uri="{FF2B5EF4-FFF2-40B4-BE49-F238E27FC236}">
+                <a16:creationId xmlns:a16="http://schemas.microsoft.com/office/drawing/2014/main" id="{838E611D-51E3-8C4B-A5D9-E3F49F572DF7}"/>
+              </a:ext>
+            </a:extLst>
+          </p:cNvPr>
+          <p:cNvSpPr txBox="1">
+            <a:spLocks noChangeArrowheads="1"/>
+          </p:cNvSpPr>
+          <p:nvPr/>
+        </p:nvSpPr>
+        <p:spPr bwMode="auto">
+          <a:xfrm>
+            <a:off x="7291755" y="2444262"/>
+            <a:ext cx="752129" cy="433196"/>
+          </a:xfrm>
+          <a:prstGeom prst="rect">
+            <a:avLst/>
+          </a:prstGeom>
+          <a:noFill/>
+          <a:ln>
+            <a:noFill/>
+          </a:ln>
+          <a:effectLst/>
+          <a:extLst>
+            <a:ext uri="{909E8E84-426E-40dd-AFC4-6F175D3DCCD1}">
+              <a14:hiddenFill xmlns="" xmlns:a14="http://schemas.microsoft.com/office/drawing/2010/main">
+                <a:solidFill>
+                  <a:schemeClr val="accent1"/>
+                </a:solidFill>
+              </a14:hiddenFill>
+            </a:ext>
+            <a:ext uri="{91240B29-F687-4f45-9708-019B960494DF}">
+              <a14:hiddenLine xmlns="" xmlns:a14="http://schemas.microsoft.com/office/drawing/2010/main" w="9525">
+                <a:solidFill>
+                  <a:schemeClr val="tx1"/>
+                </a:solidFill>
+                <a:miter lim="800000"/>
+                <a:headEnd/>
+                <a:tailEnd/>
+              </a14:hiddenLine>
+            </a:ext>
+            <a:ext uri="{AF507438-7753-43e0-B8FC-AC1667EBCBE1}">
+              <a14:hiddenEffects xmlns="" xmlns:a14="http://schemas.microsoft.com/office/drawing/2010/main">
+                <a:effectLst>
+                  <a:outerShdw blurRad="63500" dist="38099" dir="2700000" algn="ctr" rotWithShape="0">
+                    <a:schemeClr val="bg2">
+                      <a:alpha val="74998"/>
+                    </a:schemeClr>
+                  </a:outerShdw>
+                </a:effectLst>
+              </a14:hiddenEffects>
+            </a:ext>
+          </a:extLst>
+        </p:spPr>
+        <p:txBody>
+          <a:bodyPr wrap="none">
+            <a:spAutoFit/>
+          </a:bodyPr>
+          <a:lstStyle/>
+          <a:p>
+            <a:pPr>
+              <a:defRPr/>
+            </a:pPr>
+            <a:r>
+              <a:rPr lang="ja-JP" altLang="en-US" sz="2215">
+                <a:latin typeface="Times New Roman" charset="0"/>
+                <a:ea typeface="ＭＳ Ｐゴシック" charset="0"/>
+              </a:rPr>
+              <a:t>出力</a:t>
+            </a:r>
+          </a:p>
+        </p:txBody>
+      </p:sp>
+      <p:sp>
+        <p:nvSpPr>
+          <p:cNvPr id="74" name="Text Box 26">
+            <a:extLst>
+              <a:ext uri="{FF2B5EF4-FFF2-40B4-BE49-F238E27FC236}">
+                <a16:creationId xmlns:a16="http://schemas.microsoft.com/office/drawing/2014/main" id="{7C143F22-D77C-5B43-B29F-D15DF3EA2C6B}"/>
+              </a:ext>
+            </a:extLst>
+          </p:cNvPr>
+          <p:cNvSpPr txBox="1">
+            <a:spLocks noChangeArrowheads="1"/>
+          </p:cNvSpPr>
+          <p:nvPr/>
+        </p:nvSpPr>
+        <p:spPr bwMode="auto">
+          <a:xfrm>
+            <a:off x="1626434" y="967155"/>
+            <a:ext cx="431528" cy="546945"/>
+          </a:xfrm>
+          <a:prstGeom prst="rect">
+            <a:avLst/>
+          </a:prstGeom>
+          <a:noFill/>
+          <a:ln>
+            <a:noFill/>
+          </a:ln>
+          <a:effectLst/>
+          <a:extLst>
+            <a:ext uri="{909E8E84-426E-40dd-AFC4-6F175D3DCCD1}">
+              <a14:hiddenFill xmlns="" xmlns:a14="http://schemas.microsoft.com/office/drawing/2010/main">
+                <a:solidFill>
+                  <a:schemeClr val="accent1"/>
+                </a:solidFill>
+              </a14:hiddenFill>
+            </a:ext>
+            <a:ext uri="{91240B29-F687-4f45-9708-019B960494DF}">
+              <a14:hiddenLine xmlns="" xmlns:a14="http://schemas.microsoft.com/office/drawing/2010/main" w="9525">
+                <a:solidFill>
+                  <a:schemeClr val="tx1"/>
+                </a:solidFill>
+                <a:miter lim="800000"/>
+                <a:headEnd/>
+                <a:tailEnd/>
+              </a14:hiddenLine>
+            </a:ext>
+            <a:ext uri="{AF507438-7753-43e0-B8FC-AC1667EBCBE1}">
+              <a14:hiddenEffects xmlns="" xmlns:a14="http://schemas.microsoft.com/office/drawing/2010/main">
+                <a:effectLst>
+                  <a:outerShdw blurRad="63500" dist="38099" dir="2700000" algn="ctr" rotWithShape="0">
+                    <a:schemeClr val="bg2">
+                      <a:alpha val="74998"/>
+                    </a:schemeClr>
+                  </a:outerShdw>
+                </a:effectLst>
+              </a14:hiddenEffects>
+            </a:ext>
+          </a:extLst>
+        </p:spPr>
+        <p:txBody>
+          <a:bodyPr wrap="none">
+            <a:spAutoFit/>
+          </a:bodyPr>
+          <a:lstStyle/>
+          <a:p>
+            <a:pPr>
+              <a:defRPr/>
+            </a:pPr>
+            <a:r>
+              <a:rPr lang="ja-JP" altLang="en-US" sz="2954">
+                <a:latin typeface="Times New Roman" charset="0"/>
+                <a:ea typeface="ＭＳ Ｐゴシック" charset="0"/>
+              </a:rPr>
+              <a:t>Ｘ</a:t>
+            </a:r>
+          </a:p>
+        </p:txBody>
+      </p:sp>
+      <p:sp>
+        <p:nvSpPr>
+          <p:cNvPr id="75" name="Text Box 27">
+            <a:extLst>
+              <a:ext uri="{FF2B5EF4-FFF2-40B4-BE49-F238E27FC236}">
+                <a16:creationId xmlns:a16="http://schemas.microsoft.com/office/drawing/2014/main" id="{9A80D93A-4ADD-F144-B8B8-B8BAC687AE77}"/>
+              </a:ext>
+            </a:extLst>
+          </p:cNvPr>
+          <p:cNvSpPr txBox="1">
+            <a:spLocks noChangeArrowheads="1"/>
+          </p:cNvSpPr>
+          <p:nvPr/>
+        </p:nvSpPr>
+        <p:spPr bwMode="auto">
+          <a:xfrm>
+            <a:off x="1635227" y="3006971"/>
+            <a:ext cx="429926" cy="546945"/>
+          </a:xfrm>
+          <a:prstGeom prst="rect">
+            <a:avLst/>
+          </a:prstGeom>
+          <a:noFill/>
+          <a:ln>
+            <a:noFill/>
+          </a:ln>
+          <a:effectLst/>
+          <a:extLst>
+            <a:ext uri="{909E8E84-426E-40dd-AFC4-6F175D3DCCD1}">
+              <a14:hiddenFill xmlns="" xmlns:a14="http://schemas.microsoft.com/office/drawing/2010/main">
+                <a:solidFill>
+                  <a:schemeClr val="accent1"/>
+                </a:solidFill>
+              </a14:hiddenFill>
+            </a:ext>
+            <a:ext uri="{91240B29-F687-4f45-9708-019B960494DF}">
+              <a14:hiddenLine xmlns="" xmlns:a14="http://schemas.microsoft.com/office/drawing/2010/main" w="9525">
+                <a:solidFill>
+                  <a:schemeClr val="tx1"/>
+                </a:solidFill>
+                <a:miter lim="800000"/>
+                <a:headEnd/>
+                <a:tailEnd/>
+              </a14:hiddenLine>
+            </a:ext>
+            <a:ext uri="{AF507438-7753-43e0-B8FC-AC1667EBCBE1}">
+              <a14:hiddenEffects xmlns="" xmlns:a14="http://schemas.microsoft.com/office/drawing/2010/main">
+                <a:effectLst>
+                  <a:outerShdw blurRad="63500" dist="38099" dir="2700000" algn="ctr" rotWithShape="0">
+                    <a:schemeClr val="bg2">
+                      <a:alpha val="74998"/>
+                    </a:schemeClr>
+                  </a:outerShdw>
+                </a:effectLst>
+              </a14:hiddenEffects>
+            </a:ext>
+          </a:extLst>
+        </p:spPr>
+        <p:txBody>
+          <a:bodyPr wrap="none">
+            <a:spAutoFit/>
+          </a:bodyPr>
+          <a:lstStyle/>
+          <a:p>
+            <a:pPr>
+              <a:defRPr/>
+            </a:pPr>
+            <a:r>
+              <a:rPr lang="ja-JP" altLang="en-US" sz="2954">
+                <a:latin typeface="Times New Roman" charset="0"/>
+                <a:ea typeface="ＭＳ Ｐゴシック" charset="0"/>
+              </a:rPr>
+              <a:t>Ｙ</a:t>
+            </a:r>
+          </a:p>
+        </p:txBody>
+      </p:sp>
+      <p:sp>
+        <p:nvSpPr>
+          <p:cNvPr id="76" name="Text Box 28">
+            <a:extLst>
+              <a:ext uri="{FF2B5EF4-FFF2-40B4-BE49-F238E27FC236}">
+                <a16:creationId xmlns:a16="http://schemas.microsoft.com/office/drawing/2014/main" id="{185F4BF3-59AA-F64A-B87F-04F2C40ABAF7}"/>
+              </a:ext>
+            </a:extLst>
+          </p:cNvPr>
+          <p:cNvSpPr txBox="1">
+            <a:spLocks noChangeArrowheads="1"/>
+          </p:cNvSpPr>
+          <p:nvPr/>
+        </p:nvSpPr>
+        <p:spPr bwMode="auto">
+          <a:xfrm>
+            <a:off x="8008578" y="1891770"/>
+            <a:ext cx="429926" cy="546945"/>
+          </a:xfrm>
+          <a:prstGeom prst="rect">
+            <a:avLst/>
+          </a:prstGeom>
+          <a:noFill/>
+          <a:ln>
+            <a:noFill/>
+          </a:ln>
+          <a:effectLst/>
+          <a:extLst>
+            <a:ext uri="{909E8E84-426E-40dd-AFC4-6F175D3DCCD1}">
+              <a14:hiddenFill xmlns="" xmlns:a14="http://schemas.microsoft.com/office/drawing/2010/main">
+                <a:solidFill>
+                  <a:schemeClr val="accent1"/>
+                </a:solidFill>
+              </a14:hiddenFill>
+            </a:ext>
+            <a:ext uri="{91240B29-F687-4f45-9708-019B960494DF}">
+              <a14:hiddenLine xmlns="" xmlns:a14="http://schemas.microsoft.com/office/drawing/2010/main" w="9525">
+                <a:solidFill>
+                  <a:schemeClr val="tx1"/>
+                </a:solidFill>
+                <a:miter lim="800000"/>
+                <a:headEnd/>
+                <a:tailEnd/>
+              </a14:hiddenLine>
+            </a:ext>
+            <a:ext uri="{AF507438-7753-43e0-B8FC-AC1667EBCBE1}">
+              <a14:hiddenEffects xmlns="" xmlns:a14="http://schemas.microsoft.com/office/drawing/2010/main">
+                <a:effectLst>
+                  <a:outerShdw blurRad="63500" dist="38099" dir="2700000" algn="ctr" rotWithShape="0">
+                    <a:schemeClr val="bg2">
+                      <a:alpha val="74998"/>
+                    </a:schemeClr>
+                  </a:outerShdw>
+                </a:effectLst>
+              </a14:hiddenEffects>
+            </a:ext>
+          </a:extLst>
+        </p:spPr>
+        <p:txBody>
+          <a:bodyPr wrap="none">
+            <a:spAutoFit/>
+          </a:bodyPr>
+          <a:lstStyle/>
+          <a:p>
+            <a:pPr>
+              <a:defRPr/>
+            </a:pPr>
+            <a:r>
+              <a:rPr lang="ja-JP" altLang="en-US" sz="2954">
+                <a:latin typeface="Times New Roman" charset="0"/>
+                <a:ea typeface="ＭＳ Ｐゴシック" charset="0"/>
+              </a:rPr>
+              <a:t>Ｚ</a:t>
+            </a:r>
+          </a:p>
+        </p:txBody>
+      </p:sp>
+      <p:sp>
+        <p:nvSpPr>
+          <p:cNvPr id="77" name="Text Box 31">
+            <a:extLst>
+              <a:ext uri="{FF2B5EF4-FFF2-40B4-BE49-F238E27FC236}">
+                <a16:creationId xmlns:a16="http://schemas.microsoft.com/office/drawing/2014/main" id="{30F4FFA6-C214-484C-9B04-09404FAA54C7}"/>
+              </a:ext>
+            </a:extLst>
+          </p:cNvPr>
+          <p:cNvSpPr txBox="1">
+            <a:spLocks noChangeArrowheads="1"/>
+          </p:cNvSpPr>
+          <p:nvPr/>
+        </p:nvSpPr>
+        <p:spPr bwMode="auto">
+          <a:xfrm>
+            <a:off x="4268568" y="868180"/>
+            <a:ext cx="593432" cy="376385"/>
+          </a:xfrm>
+          <a:prstGeom prst="rect">
+            <a:avLst/>
+          </a:prstGeom>
+          <a:noFill/>
+          <a:ln>
+            <a:noFill/>
+          </a:ln>
+          <a:effectLst/>
+          <a:extLst>
+            <a:ext uri="{909E8E84-426E-40dd-AFC4-6F175D3DCCD1}">
+              <a14:hiddenFill xmlns="" xmlns:a14="http://schemas.microsoft.com/office/drawing/2010/main">
+                <a:solidFill>
+                  <a:schemeClr val="accent1"/>
+                </a:solidFill>
+              </a14:hiddenFill>
+            </a:ext>
+            <a:ext uri="{91240B29-F687-4f45-9708-019B960494DF}">
+              <a14:hiddenLine xmlns="" xmlns:a14="http://schemas.microsoft.com/office/drawing/2010/main" w="9525">
+                <a:solidFill>
+                  <a:schemeClr val="tx1"/>
+                </a:solidFill>
+                <a:miter lim="800000"/>
+                <a:headEnd/>
+                <a:tailEnd/>
+              </a14:hiddenLine>
+            </a:ext>
+            <a:ext uri="{AF507438-7753-43e0-B8FC-AC1667EBCBE1}">
+              <a14:hiddenEffects xmlns="" xmlns:a14="http://schemas.microsoft.com/office/drawing/2010/main">
+                <a:effectLst>
+                  <a:outerShdw blurRad="63500" dist="38099" dir="2700000" algn="ctr" rotWithShape="0">
+                    <a:schemeClr val="bg2">
+                      <a:alpha val="74998"/>
+                    </a:schemeClr>
+                  </a:outerShdw>
+                </a:effectLst>
+              </a14:hiddenEffects>
+            </a:ext>
+          </a:extLst>
+        </p:spPr>
+        <p:txBody>
+          <a:bodyPr wrap="none">
+            <a:spAutoFit/>
+          </a:bodyPr>
+          <a:lstStyle/>
+          <a:p>
+            <a:pPr>
+              <a:defRPr/>
+            </a:pPr>
+            <a:r>
+              <a:rPr lang="en-US" altLang="ja-JP" sz="1846" dirty="0" err="1">
+                <a:solidFill>
+                  <a:srgbClr val="0432FF"/>
+                </a:solidFill>
+                <a:latin typeface="Times New Roman" charset="0"/>
+                <a:ea typeface="ＭＳ Ｐゴシック" charset="0"/>
+              </a:rPr>
+              <a:t>wbd</a:t>
+            </a:r>
+            <a:endParaRPr lang="en-US" altLang="ja-JP" sz="1846" dirty="0">
+              <a:solidFill>
+                <a:srgbClr val="0432FF"/>
+              </a:solidFill>
+              <a:latin typeface="Times New Roman" charset="0"/>
+              <a:ea typeface="ＭＳ Ｐゴシック" charset="0"/>
+            </a:endParaRPr>
+          </a:p>
+        </p:txBody>
+      </p:sp>
+      <p:sp>
+        <p:nvSpPr>
+          <p:cNvPr id="78" name="Text Box 32">
+            <a:extLst>
+              <a:ext uri="{FF2B5EF4-FFF2-40B4-BE49-F238E27FC236}">
+                <a16:creationId xmlns:a16="http://schemas.microsoft.com/office/drawing/2014/main" id="{93009D04-41B9-BC43-9F03-5B801152BA0B}"/>
+              </a:ext>
+            </a:extLst>
+          </p:cNvPr>
+          <p:cNvSpPr txBox="1">
+            <a:spLocks noChangeArrowheads="1"/>
+          </p:cNvSpPr>
+          <p:nvPr/>
+        </p:nvSpPr>
+        <p:spPr bwMode="auto">
+          <a:xfrm>
+            <a:off x="3563816" y="1600203"/>
+            <a:ext cx="580608" cy="376385"/>
+          </a:xfrm>
+          <a:prstGeom prst="rect">
+            <a:avLst/>
+          </a:prstGeom>
+          <a:noFill/>
+          <a:ln>
+            <a:noFill/>
+          </a:ln>
+          <a:effectLst/>
+          <a:extLst>
+            <a:ext uri="{909E8E84-426E-40dd-AFC4-6F175D3DCCD1}">
+              <a14:hiddenFill xmlns="" xmlns:a14="http://schemas.microsoft.com/office/drawing/2010/main">
+                <a:solidFill>
+                  <a:schemeClr val="accent1"/>
+                </a:solidFill>
+              </a14:hiddenFill>
+            </a:ext>
+            <a:ext uri="{91240B29-F687-4f45-9708-019B960494DF}">
+              <a14:hiddenLine xmlns="" xmlns:a14="http://schemas.microsoft.com/office/drawing/2010/main" w="9525">
+                <a:solidFill>
+                  <a:schemeClr val="tx1"/>
+                </a:solidFill>
+                <a:miter lim="800000"/>
+                <a:headEnd/>
+                <a:tailEnd/>
+              </a14:hiddenLine>
+            </a:ext>
+            <a:ext uri="{AF507438-7753-43e0-B8FC-AC1667EBCBE1}">
+              <a14:hiddenEffects xmlns="" xmlns:a14="http://schemas.microsoft.com/office/drawing/2010/main">
+                <a:effectLst>
+                  <a:outerShdw blurRad="63500" dist="38099" dir="2700000" algn="ctr" rotWithShape="0">
+                    <a:schemeClr val="bg2">
+                      <a:alpha val="74998"/>
+                    </a:schemeClr>
+                  </a:outerShdw>
+                </a:effectLst>
+              </a14:hiddenEffects>
+            </a:ext>
+          </a:extLst>
+        </p:spPr>
+        <p:txBody>
+          <a:bodyPr wrap="none">
+            <a:spAutoFit/>
+          </a:bodyPr>
+          <a:lstStyle/>
+          <a:p>
+            <a:pPr>
+              <a:defRPr/>
+            </a:pPr>
+            <a:r>
+              <a:rPr lang="en-US" altLang="ja-JP" sz="1846" dirty="0" err="1">
+                <a:solidFill>
+                  <a:srgbClr val="0432FF"/>
+                </a:solidFill>
+                <a:latin typeface="Times New Roman" charset="0"/>
+                <a:ea typeface="ＭＳ Ｐゴシック" charset="0"/>
+              </a:rPr>
+              <a:t>wcd</a:t>
+            </a:r>
+            <a:endParaRPr lang="en-US" altLang="ja-JP" sz="1846" dirty="0">
+              <a:solidFill>
+                <a:srgbClr val="0432FF"/>
+              </a:solidFill>
+              <a:latin typeface="Times New Roman" charset="0"/>
+              <a:ea typeface="ＭＳ Ｐゴシック" charset="0"/>
+            </a:endParaRPr>
+          </a:p>
+        </p:txBody>
+      </p:sp>
+      <p:sp>
+        <p:nvSpPr>
+          <p:cNvPr id="79" name="Text Box 33">
+            <a:extLst>
+              <a:ext uri="{FF2B5EF4-FFF2-40B4-BE49-F238E27FC236}">
+                <a16:creationId xmlns:a16="http://schemas.microsoft.com/office/drawing/2014/main" id="{A2371233-E368-9E4C-8897-2F4F6147DD72}"/>
+              </a:ext>
+            </a:extLst>
+          </p:cNvPr>
+          <p:cNvSpPr txBox="1">
+            <a:spLocks noChangeArrowheads="1"/>
+          </p:cNvSpPr>
+          <p:nvPr/>
+        </p:nvSpPr>
+        <p:spPr bwMode="auto">
+          <a:xfrm>
+            <a:off x="4804861" y="1720816"/>
+            <a:ext cx="580608" cy="376385"/>
+          </a:xfrm>
+          <a:prstGeom prst="rect">
+            <a:avLst/>
+          </a:prstGeom>
+          <a:noFill/>
+          <a:ln>
+            <a:noFill/>
+          </a:ln>
+          <a:effectLst/>
+          <a:extLst>
+            <a:ext uri="{909E8E84-426E-40dd-AFC4-6F175D3DCCD1}">
+              <a14:hiddenFill xmlns="" xmlns:a14="http://schemas.microsoft.com/office/drawing/2010/main">
+                <a:solidFill>
+                  <a:schemeClr val="accent1"/>
+                </a:solidFill>
+              </a14:hiddenFill>
+            </a:ext>
+            <a:ext uri="{91240B29-F687-4f45-9708-019B960494DF}">
+              <a14:hiddenLine xmlns="" xmlns:a14="http://schemas.microsoft.com/office/drawing/2010/main" w="9525">
+                <a:solidFill>
+                  <a:schemeClr val="tx1"/>
+                </a:solidFill>
+                <a:miter lim="800000"/>
+                <a:headEnd/>
+                <a:tailEnd/>
+              </a14:hiddenLine>
+            </a:ext>
+            <a:ext uri="{AF507438-7753-43e0-B8FC-AC1667EBCBE1}">
+              <a14:hiddenEffects xmlns="" xmlns:a14="http://schemas.microsoft.com/office/drawing/2010/main">
+                <a:effectLst>
+                  <a:outerShdw blurRad="63500" dist="38099" dir="2700000" algn="ctr" rotWithShape="0">
+                    <a:schemeClr val="bg2">
+                      <a:alpha val="74998"/>
+                    </a:schemeClr>
+                  </a:outerShdw>
+                </a:effectLst>
+              </a14:hiddenEffects>
+            </a:ext>
+          </a:extLst>
+        </p:spPr>
+        <p:txBody>
+          <a:bodyPr wrap="none">
+            <a:spAutoFit/>
+          </a:bodyPr>
+          <a:lstStyle/>
+          <a:p>
+            <a:pPr>
+              <a:defRPr/>
+            </a:pPr>
+            <a:r>
+              <a:rPr lang="en-US" altLang="ja-JP" sz="1846" dirty="0" err="1">
+                <a:solidFill>
+                  <a:srgbClr val="0432FF"/>
+                </a:solidFill>
+                <a:latin typeface="Times New Roman" charset="0"/>
+                <a:ea typeface="ＭＳ Ｐゴシック" charset="0"/>
+              </a:rPr>
+              <a:t>wbe</a:t>
+            </a:r>
+            <a:endParaRPr lang="en-US" altLang="ja-JP" sz="1846" dirty="0">
+              <a:solidFill>
+                <a:srgbClr val="0432FF"/>
+              </a:solidFill>
+              <a:latin typeface="Times New Roman" charset="0"/>
+              <a:ea typeface="ＭＳ Ｐゴシック" charset="0"/>
+            </a:endParaRPr>
+          </a:p>
+        </p:txBody>
+      </p:sp>
+      <p:sp>
+        <p:nvSpPr>
+          <p:cNvPr id="80" name="Text Box 34">
+            <a:extLst>
+              <a:ext uri="{FF2B5EF4-FFF2-40B4-BE49-F238E27FC236}">
+                <a16:creationId xmlns:a16="http://schemas.microsoft.com/office/drawing/2014/main" id="{FAE7C00C-E5CF-C747-8A51-FB9E488C4DD9}"/>
+              </a:ext>
+            </a:extLst>
+          </p:cNvPr>
+          <p:cNvSpPr txBox="1">
+            <a:spLocks noChangeArrowheads="1"/>
+          </p:cNvSpPr>
+          <p:nvPr/>
+        </p:nvSpPr>
+        <p:spPr bwMode="auto">
+          <a:xfrm>
+            <a:off x="4171952" y="2936633"/>
+            <a:ext cx="567784" cy="376385"/>
+          </a:xfrm>
+          <a:prstGeom prst="rect">
+            <a:avLst/>
+          </a:prstGeom>
+          <a:noFill/>
+          <a:ln>
+            <a:noFill/>
+          </a:ln>
+          <a:effectLst/>
+          <a:extLst>
+            <a:ext uri="{909E8E84-426E-40dd-AFC4-6F175D3DCCD1}">
+              <a14:hiddenFill xmlns="" xmlns:a14="http://schemas.microsoft.com/office/drawing/2010/main">
+                <a:solidFill>
+                  <a:schemeClr val="accent1"/>
+                </a:solidFill>
+              </a14:hiddenFill>
+            </a:ext>
+            <a:ext uri="{91240B29-F687-4f45-9708-019B960494DF}">
+              <a14:hiddenLine xmlns="" xmlns:a14="http://schemas.microsoft.com/office/drawing/2010/main" w="9525">
+                <a:solidFill>
+                  <a:schemeClr val="tx1"/>
+                </a:solidFill>
+                <a:miter lim="800000"/>
+                <a:headEnd/>
+                <a:tailEnd/>
+              </a14:hiddenLine>
+            </a:ext>
+            <a:ext uri="{AF507438-7753-43e0-B8FC-AC1667EBCBE1}">
+              <a14:hiddenEffects xmlns="" xmlns:a14="http://schemas.microsoft.com/office/drawing/2010/main">
+                <a:effectLst>
+                  <a:outerShdw blurRad="63500" dist="38099" dir="2700000" algn="ctr" rotWithShape="0">
+                    <a:schemeClr val="bg2">
+                      <a:alpha val="74998"/>
+                    </a:schemeClr>
+                  </a:outerShdw>
+                </a:effectLst>
+              </a14:hiddenEffects>
+            </a:ext>
+          </a:extLst>
+        </p:spPr>
+        <p:txBody>
+          <a:bodyPr wrap="none">
+            <a:spAutoFit/>
+          </a:bodyPr>
+          <a:lstStyle/>
+          <a:p>
+            <a:pPr>
+              <a:defRPr/>
+            </a:pPr>
+            <a:r>
+              <a:rPr lang="en-US" altLang="ja-JP" sz="1846" dirty="0" err="1">
+                <a:solidFill>
+                  <a:srgbClr val="0432FF"/>
+                </a:solidFill>
+                <a:latin typeface="Times New Roman" charset="0"/>
+                <a:ea typeface="ＭＳ Ｐゴシック" charset="0"/>
+              </a:rPr>
+              <a:t>wce</a:t>
+            </a:r>
+            <a:endParaRPr lang="en-US" altLang="ja-JP" sz="1846" dirty="0">
+              <a:solidFill>
+                <a:srgbClr val="0432FF"/>
+              </a:solidFill>
+              <a:latin typeface="Times New Roman" charset="0"/>
+              <a:ea typeface="ＭＳ Ｐゴシック" charset="0"/>
+            </a:endParaRPr>
+          </a:p>
+        </p:txBody>
+      </p:sp>
+      <p:sp>
+        <p:nvSpPr>
+          <p:cNvPr id="81" name="Text Box 35">
+            <a:extLst>
+              <a:ext uri="{FF2B5EF4-FFF2-40B4-BE49-F238E27FC236}">
+                <a16:creationId xmlns:a16="http://schemas.microsoft.com/office/drawing/2014/main" id="{5CB28549-3880-624D-B257-2853BBC030D5}"/>
+              </a:ext>
+            </a:extLst>
+          </p:cNvPr>
+          <p:cNvSpPr txBox="1">
+            <a:spLocks noChangeArrowheads="1"/>
+          </p:cNvSpPr>
+          <p:nvPr/>
+        </p:nvSpPr>
+        <p:spPr bwMode="auto">
+          <a:xfrm>
+            <a:off x="5990828" y="1720816"/>
+            <a:ext cx="580608" cy="376385"/>
+          </a:xfrm>
+          <a:prstGeom prst="rect">
+            <a:avLst/>
+          </a:prstGeom>
+          <a:noFill/>
+          <a:ln>
+            <a:noFill/>
+          </a:ln>
+          <a:effectLst/>
+          <a:extLst>
+            <a:ext uri="{909E8E84-426E-40dd-AFC4-6F175D3DCCD1}">
+              <a14:hiddenFill xmlns="" xmlns:a14="http://schemas.microsoft.com/office/drawing/2010/main">
+                <a:solidFill>
+                  <a:schemeClr val="accent1"/>
+                </a:solidFill>
+              </a14:hiddenFill>
+            </a:ext>
+            <a:ext uri="{91240B29-F687-4f45-9708-019B960494DF}">
+              <a14:hiddenLine xmlns="" xmlns:a14="http://schemas.microsoft.com/office/drawing/2010/main" w="9525">
+                <a:solidFill>
+                  <a:schemeClr val="tx1"/>
+                </a:solidFill>
+                <a:miter lim="800000"/>
+                <a:headEnd/>
+                <a:tailEnd/>
+              </a14:hiddenLine>
+            </a:ext>
+            <a:ext uri="{AF507438-7753-43e0-B8FC-AC1667EBCBE1}">
+              <a14:hiddenEffects xmlns="" xmlns:a14="http://schemas.microsoft.com/office/drawing/2010/main">
+                <a:effectLst>
+                  <a:outerShdw blurRad="63500" dist="38099" dir="2700000" algn="ctr" rotWithShape="0">
+                    <a:schemeClr val="bg2">
+                      <a:alpha val="74998"/>
+                    </a:schemeClr>
+                  </a:outerShdw>
+                </a:effectLst>
+              </a14:hiddenEffects>
+            </a:ext>
+          </a:extLst>
+        </p:spPr>
+        <p:txBody>
+          <a:bodyPr wrap="none">
+            <a:spAutoFit/>
+          </a:bodyPr>
+          <a:lstStyle/>
+          <a:p>
+            <a:pPr>
+              <a:defRPr/>
+            </a:pPr>
+            <a:r>
+              <a:rPr lang="en-US" altLang="ja-JP" sz="1846" dirty="0" err="1">
+                <a:solidFill>
+                  <a:srgbClr val="0432FF"/>
+                </a:solidFill>
+                <a:latin typeface="Times New Roman" charset="0"/>
+                <a:ea typeface="ＭＳ Ｐゴシック" charset="0"/>
+              </a:rPr>
+              <a:t>wab</a:t>
+            </a:r>
+            <a:endParaRPr lang="en-US" altLang="ja-JP" sz="1846" dirty="0">
+              <a:solidFill>
+                <a:srgbClr val="0432FF"/>
+              </a:solidFill>
+              <a:latin typeface="Times New Roman" charset="0"/>
+              <a:ea typeface="ＭＳ Ｐゴシック" charset="0"/>
+            </a:endParaRPr>
+          </a:p>
+        </p:txBody>
+      </p:sp>
+      <p:sp>
+        <p:nvSpPr>
+          <p:cNvPr id="82" name="Text Box 36">
+            <a:extLst>
+              <a:ext uri="{FF2B5EF4-FFF2-40B4-BE49-F238E27FC236}">
+                <a16:creationId xmlns:a16="http://schemas.microsoft.com/office/drawing/2014/main" id="{5A3FB04C-4F56-B14E-BBD1-52F476DB685E}"/>
+              </a:ext>
+            </a:extLst>
+          </p:cNvPr>
+          <p:cNvSpPr txBox="1">
+            <a:spLocks noChangeArrowheads="1"/>
+          </p:cNvSpPr>
+          <p:nvPr/>
+        </p:nvSpPr>
+        <p:spPr bwMode="auto">
+          <a:xfrm>
+            <a:off x="6289433" y="2592268"/>
+            <a:ext cx="567784" cy="376385"/>
+          </a:xfrm>
+          <a:prstGeom prst="rect">
+            <a:avLst/>
+          </a:prstGeom>
+          <a:noFill/>
+          <a:ln>
+            <a:noFill/>
+          </a:ln>
+          <a:effectLst/>
+          <a:extLst>
+            <a:ext uri="{909E8E84-426E-40dd-AFC4-6F175D3DCCD1}">
+              <a14:hiddenFill xmlns="" xmlns:a14="http://schemas.microsoft.com/office/drawing/2010/main">
+                <a:solidFill>
+                  <a:schemeClr val="accent1"/>
+                </a:solidFill>
+              </a14:hiddenFill>
+            </a:ext>
+            <a:ext uri="{91240B29-F687-4f45-9708-019B960494DF}">
+              <a14:hiddenLine xmlns="" xmlns:a14="http://schemas.microsoft.com/office/drawing/2010/main" w="9525">
+                <a:solidFill>
+                  <a:schemeClr val="tx1"/>
+                </a:solidFill>
+                <a:miter lim="800000"/>
+                <a:headEnd/>
+                <a:tailEnd/>
+              </a14:hiddenLine>
+            </a:ext>
+            <a:ext uri="{AF507438-7753-43e0-B8FC-AC1667EBCBE1}">
+              <a14:hiddenEffects xmlns="" xmlns:a14="http://schemas.microsoft.com/office/drawing/2010/main">
+                <a:effectLst>
+                  <a:outerShdw blurRad="63500" dist="38099" dir="2700000" algn="ctr" rotWithShape="0">
+                    <a:schemeClr val="bg2">
+                      <a:alpha val="74998"/>
+                    </a:schemeClr>
+                  </a:outerShdw>
+                </a:effectLst>
+              </a14:hiddenEffects>
+            </a:ext>
+          </a:extLst>
+        </p:spPr>
+        <p:txBody>
+          <a:bodyPr wrap="none">
+            <a:spAutoFit/>
+          </a:bodyPr>
+          <a:lstStyle/>
+          <a:p>
+            <a:pPr>
+              <a:defRPr/>
+            </a:pPr>
+            <a:r>
+              <a:rPr lang="en-US" altLang="ja-JP" sz="1846" dirty="0" err="1">
+                <a:solidFill>
+                  <a:srgbClr val="0432FF"/>
+                </a:solidFill>
+                <a:latin typeface="Times New Roman" charset="0"/>
+                <a:ea typeface="ＭＳ Ｐゴシック" charset="0"/>
+              </a:rPr>
+              <a:t>wac</a:t>
+            </a:r>
+            <a:endParaRPr lang="en-US" altLang="ja-JP" sz="1846" dirty="0">
+              <a:solidFill>
+                <a:srgbClr val="0432FF"/>
+              </a:solidFill>
+              <a:latin typeface="Times New Roman" charset="0"/>
+              <a:ea typeface="ＭＳ Ｐゴシック" charset="0"/>
+            </a:endParaRPr>
+          </a:p>
+        </p:txBody>
+      </p:sp>
+      <p:sp>
+        <p:nvSpPr>
+          <p:cNvPr id="83" name="Text Box 37">
+            <a:extLst>
+              <a:ext uri="{FF2B5EF4-FFF2-40B4-BE49-F238E27FC236}">
+                <a16:creationId xmlns:a16="http://schemas.microsoft.com/office/drawing/2014/main" id="{94A7F823-6544-4940-8F87-158A82E17E45}"/>
+              </a:ext>
+            </a:extLst>
+          </p:cNvPr>
+          <p:cNvSpPr txBox="1">
+            <a:spLocks noChangeArrowheads="1"/>
+          </p:cNvSpPr>
+          <p:nvPr/>
+        </p:nvSpPr>
+        <p:spPr bwMode="auto">
+          <a:xfrm>
+            <a:off x="5445371" y="1389187"/>
+            <a:ext cx="487634" cy="376385"/>
+          </a:xfrm>
+          <a:prstGeom prst="rect">
+            <a:avLst/>
+          </a:prstGeom>
+          <a:noFill/>
+          <a:ln>
+            <a:noFill/>
+          </a:ln>
+          <a:effectLst/>
+          <a:extLst>
+            <a:ext uri="{909E8E84-426E-40dd-AFC4-6F175D3DCCD1}">
+              <a14:hiddenFill xmlns="" xmlns:a14="http://schemas.microsoft.com/office/drawing/2010/main">
+                <a:solidFill>
+                  <a:schemeClr val="accent1"/>
+                </a:solidFill>
+              </a14:hiddenFill>
+            </a:ext>
+            <a:ext uri="{91240B29-F687-4f45-9708-019B960494DF}">
+              <a14:hiddenLine xmlns="" xmlns:a14="http://schemas.microsoft.com/office/drawing/2010/main" w="9525">
+                <a:solidFill>
+                  <a:schemeClr val="tx1"/>
+                </a:solidFill>
+                <a:miter lim="800000"/>
+                <a:headEnd/>
+                <a:tailEnd/>
+              </a14:hiddenLine>
+            </a:ext>
+            <a:ext uri="{AF507438-7753-43e0-B8FC-AC1667EBCBE1}">
+              <a14:hiddenEffects xmlns="" xmlns:a14="http://schemas.microsoft.com/office/drawing/2010/main">
+                <a:effectLst>
+                  <a:outerShdw blurRad="63500" dist="38099" dir="2700000" algn="ctr" rotWithShape="0">
+                    <a:schemeClr val="bg2">
+                      <a:alpha val="74998"/>
+                    </a:schemeClr>
+                  </a:outerShdw>
+                </a:effectLst>
+              </a14:hiddenEffects>
+            </a:ext>
+          </a:extLst>
+        </p:spPr>
+        <p:txBody>
+          <a:bodyPr wrap="none">
+            <a:spAutoFit/>
+          </a:bodyPr>
+          <a:lstStyle/>
+          <a:p>
+            <a:pPr>
+              <a:defRPr/>
+            </a:pPr>
+            <a:r>
+              <a:rPr lang="en-US" altLang="ja-JP" sz="1846" dirty="0" err="1">
+                <a:solidFill>
+                  <a:srgbClr val="FF0000"/>
+                </a:solidFill>
+                <a:latin typeface="Times New Roman" charset="0"/>
+                <a:ea typeface="ＭＳ Ｐゴシック" charset="0"/>
+              </a:rPr>
+              <a:t>thb</a:t>
+            </a:r>
+            <a:endParaRPr lang="en-US" altLang="ja-JP" sz="1846" dirty="0">
+              <a:solidFill>
+                <a:srgbClr val="FF0000"/>
+              </a:solidFill>
+              <a:latin typeface="Times New Roman" charset="0"/>
+              <a:ea typeface="ＭＳ Ｐゴシック" charset="0"/>
+            </a:endParaRPr>
+          </a:p>
+        </p:txBody>
+      </p:sp>
+      <p:sp>
+        <p:nvSpPr>
+          <p:cNvPr id="84" name="Text Box 38">
+            <a:extLst>
+              <a:ext uri="{FF2B5EF4-FFF2-40B4-BE49-F238E27FC236}">
+                <a16:creationId xmlns:a16="http://schemas.microsoft.com/office/drawing/2014/main" id="{11612742-2597-2545-811A-54F510B7191B}"/>
+              </a:ext>
+            </a:extLst>
+          </p:cNvPr>
+          <p:cNvSpPr txBox="1">
+            <a:spLocks noChangeArrowheads="1"/>
+          </p:cNvSpPr>
+          <p:nvPr/>
+        </p:nvSpPr>
+        <p:spPr bwMode="auto">
+          <a:xfrm>
+            <a:off x="5392615" y="3429003"/>
+            <a:ext cx="474810" cy="376385"/>
+          </a:xfrm>
+          <a:prstGeom prst="rect">
+            <a:avLst/>
+          </a:prstGeom>
+          <a:noFill/>
+          <a:ln>
+            <a:noFill/>
+          </a:ln>
+          <a:effectLst/>
+          <a:extLst>
+            <a:ext uri="{909E8E84-426E-40dd-AFC4-6F175D3DCCD1}">
+              <a14:hiddenFill xmlns="" xmlns:a14="http://schemas.microsoft.com/office/drawing/2010/main">
+                <a:solidFill>
+                  <a:schemeClr val="accent1"/>
+                </a:solidFill>
+              </a14:hiddenFill>
+            </a:ext>
+            <a:ext uri="{91240B29-F687-4f45-9708-019B960494DF}">
+              <a14:hiddenLine xmlns="" xmlns:a14="http://schemas.microsoft.com/office/drawing/2010/main" w="9525">
+                <a:solidFill>
+                  <a:schemeClr val="tx1"/>
+                </a:solidFill>
+                <a:miter lim="800000"/>
+                <a:headEnd/>
+                <a:tailEnd/>
+              </a14:hiddenLine>
+            </a:ext>
+            <a:ext uri="{AF507438-7753-43e0-B8FC-AC1667EBCBE1}">
+              <a14:hiddenEffects xmlns="" xmlns:a14="http://schemas.microsoft.com/office/drawing/2010/main">
+                <a:effectLst>
+                  <a:outerShdw blurRad="63500" dist="38099" dir="2700000" algn="ctr" rotWithShape="0">
+                    <a:schemeClr val="bg2">
+                      <a:alpha val="74998"/>
+                    </a:schemeClr>
+                  </a:outerShdw>
+                </a:effectLst>
+              </a14:hiddenEffects>
+            </a:ext>
+          </a:extLst>
+        </p:spPr>
+        <p:txBody>
+          <a:bodyPr wrap="none">
+            <a:spAutoFit/>
+          </a:bodyPr>
+          <a:lstStyle/>
+          <a:p>
+            <a:pPr>
+              <a:defRPr/>
+            </a:pPr>
+            <a:r>
+              <a:rPr lang="en-US" altLang="ja-JP" sz="1846" dirty="0" err="1">
+                <a:solidFill>
+                  <a:srgbClr val="FF0000"/>
+                </a:solidFill>
+                <a:latin typeface="Times New Roman" charset="0"/>
+                <a:ea typeface="ＭＳ Ｐゴシック" charset="0"/>
+              </a:rPr>
+              <a:t>thc</a:t>
+            </a:r>
+            <a:endParaRPr lang="en-US" altLang="ja-JP" sz="1846" dirty="0">
+              <a:solidFill>
+                <a:srgbClr val="FF0000"/>
+              </a:solidFill>
+              <a:latin typeface="Times New Roman" charset="0"/>
+              <a:ea typeface="ＭＳ Ｐゴシック" charset="0"/>
+            </a:endParaRPr>
+          </a:p>
+        </p:txBody>
+      </p:sp>
+      <p:sp>
+        <p:nvSpPr>
+          <p:cNvPr id="85" name="Text Box 39">
+            <a:extLst>
+              <a:ext uri="{FF2B5EF4-FFF2-40B4-BE49-F238E27FC236}">
+                <a16:creationId xmlns:a16="http://schemas.microsoft.com/office/drawing/2014/main" id="{6345FCD3-3CD4-4049-9A88-7D8FF24B4DE5}"/>
+              </a:ext>
+            </a:extLst>
+          </p:cNvPr>
+          <p:cNvSpPr txBox="1">
+            <a:spLocks noChangeArrowheads="1"/>
+          </p:cNvSpPr>
+          <p:nvPr/>
+        </p:nvSpPr>
+        <p:spPr bwMode="auto">
+          <a:xfrm>
+            <a:off x="6875257" y="1653732"/>
+            <a:ext cx="474810" cy="376385"/>
+          </a:xfrm>
+          <a:prstGeom prst="rect">
+            <a:avLst/>
+          </a:prstGeom>
+          <a:noFill/>
+          <a:ln>
+            <a:noFill/>
+          </a:ln>
+          <a:effectLst/>
+          <a:extLst>
+            <a:ext uri="{909E8E84-426E-40dd-AFC4-6F175D3DCCD1}">
+              <a14:hiddenFill xmlns="" xmlns:a14="http://schemas.microsoft.com/office/drawing/2010/main">
+                <a:solidFill>
+                  <a:schemeClr val="accent1"/>
+                </a:solidFill>
+              </a14:hiddenFill>
+            </a:ext>
+            <a:ext uri="{91240B29-F687-4f45-9708-019B960494DF}">
+              <a14:hiddenLine xmlns="" xmlns:a14="http://schemas.microsoft.com/office/drawing/2010/main" w="9525">
+                <a:solidFill>
+                  <a:schemeClr val="tx1"/>
+                </a:solidFill>
+                <a:miter lim="800000"/>
+                <a:headEnd/>
+                <a:tailEnd/>
+              </a14:hiddenLine>
+            </a:ext>
+            <a:ext uri="{AF507438-7753-43e0-B8FC-AC1667EBCBE1}">
+              <a14:hiddenEffects xmlns="" xmlns:a14="http://schemas.microsoft.com/office/drawing/2010/main">
+                <a:effectLst>
+                  <a:outerShdw blurRad="63500" dist="38099" dir="2700000" algn="ctr" rotWithShape="0">
+                    <a:schemeClr val="bg2">
+                      <a:alpha val="74998"/>
+                    </a:schemeClr>
+                  </a:outerShdw>
+                </a:effectLst>
+              </a14:hiddenEffects>
+            </a:ext>
+          </a:extLst>
+        </p:spPr>
+        <p:txBody>
+          <a:bodyPr wrap="none">
+            <a:spAutoFit/>
+          </a:bodyPr>
+          <a:lstStyle/>
+          <a:p>
+            <a:pPr>
+              <a:defRPr/>
+            </a:pPr>
+            <a:r>
+              <a:rPr lang="en-US" altLang="ja-JP" sz="1846" dirty="0" err="1">
+                <a:solidFill>
+                  <a:srgbClr val="FF0000"/>
+                </a:solidFill>
+                <a:latin typeface="Times New Roman" charset="0"/>
+                <a:ea typeface="ＭＳ Ｐゴシック" charset="0"/>
+              </a:rPr>
+              <a:t>tha</a:t>
+            </a:r>
+            <a:endParaRPr lang="en-US" altLang="ja-JP" sz="1846" dirty="0">
+              <a:solidFill>
+                <a:srgbClr val="FF0000"/>
+              </a:solidFill>
+              <a:latin typeface="Times New Roman" charset="0"/>
+              <a:ea typeface="ＭＳ Ｐゴシック" charset="0"/>
+            </a:endParaRPr>
+          </a:p>
+        </p:txBody>
+      </p:sp>
+      <p:sp>
+        <p:nvSpPr>
+          <p:cNvPr id="86" name="Text Box 26">
+            <a:extLst>
+              <a:ext uri="{FF2B5EF4-FFF2-40B4-BE49-F238E27FC236}">
+                <a16:creationId xmlns:a16="http://schemas.microsoft.com/office/drawing/2014/main" id="{B9F11839-148E-8C41-835F-4B64791B730F}"/>
+              </a:ext>
+            </a:extLst>
+          </p:cNvPr>
+          <p:cNvSpPr txBox="1">
+            <a:spLocks noChangeArrowheads="1"/>
+          </p:cNvSpPr>
+          <p:nvPr/>
+        </p:nvSpPr>
+        <p:spPr bwMode="auto">
+          <a:xfrm>
+            <a:off x="6839981" y="1916368"/>
+            <a:ext cx="458780" cy="546945"/>
+          </a:xfrm>
+          <a:prstGeom prst="rect">
+            <a:avLst/>
+          </a:prstGeom>
+          <a:noFill/>
+          <a:ln>
+            <a:noFill/>
+          </a:ln>
+          <a:effectLst/>
+          <a:extLst>
+            <a:ext uri="{909E8E84-426E-40dd-AFC4-6F175D3DCCD1}">
+              <a14:hiddenFill xmlns="" xmlns:a14="http://schemas.microsoft.com/office/drawing/2010/main">
+                <a:solidFill>
+                  <a:schemeClr val="accent1"/>
+                </a:solidFill>
+              </a14:hiddenFill>
+            </a:ext>
+            <a:ext uri="{91240B29-F687-4f45-9708-019B960494DF}">
+              <a14:hiddenLine xmlns="" xmlns:a14="http://schemas.microsoft.com/office/drawing/2010/main" w="9525">
+                <a:solidFill>
+                  <a:schemeClr val="tx1"/>
+                </a:solidFill>
+                <a:miter lim="800000"/>
+                <a:headEnd/>
+                <a:tailEnd/>
+              </a14:hiddenLine>
+            </a:ext>
+            <a:ext uri="{AF507438-7753-43e0-B8FC-AC1667EBCBE1}">
+              <a14:hiddenEffects xmlns="" xmlns:a14="http://schemas.microsoft.com/office/drawing/2010/main">
+                <a:effectLst>
+                  <a:outerShdw blurRad="63500" dist="38099" dir="2700000" algn="ctr" rotWithShape="0">
+                    <a:schemeClr val="bg2">
+                      <a:alpha val="74998"/>
+                    </a:schemeClr>
+                  </a:outerShdw>
+                </a:effectLst>
+              </a14:hiddenEffects>
+            </a:ext>
+          </a:extLst>
+        </p:spPr>
+        <p:txBody>
+          <a:bodyPr wrap="none">
+            <a:spAutoFit/>
+          </a:bodyPr>
+          <a:lstStyle/>
+          <a:p>
+            <a:pPr>
+              <a:defRPr/>
+            </a:pPr>
+            <a:r>
+              <a:rPr lang="en-US" altLang="ja-JP" sz="2954" dirty="0">
+                <a:latin typeface="Times New Roman" charset="0"/>
+                <a:ea typeface="ＭＳ Ｐゴシック" charset="0"/>
+              </a:rPr>
+              <a:t>A</a:t>
+            </a:r>
+            <a:endParaRPr lang="ja-JP" altLang="en-US" sz="2954">
+              <a:latin typeface="Times New Roman" charset="0"/>
+              <a:ea typeface="ＭＳ Ｐゴシック" charset="0"/>
+            </a:endParaRPr>
+          </a:p>
+        </p:txBody>
+      </p:sp>
+      <p:sp>
+        <p:nvSpPr>
+          <p:cNvPr id="87" name="Text Box 26">
+            <a:extLst>
+              <a:ext uri="{FF2B5EF4-FFF2-40B4-BE49-F238E27FC236}">
+                <a16:creationId xmlns:a16="http://schemas.microsoft.com/office/drawing/2014/main" id="{7B90E262-03D8-8843-A39B-6033AD4EC5FB}"/>
+              </a:ext>
+            </a:extLst>
+          </p:cNvPr>
+          <p:cNvSpPr txBox="1">
+            <a:spLocks noChangeArrowheads="1"/>
+          </p:cNvSpPr>
+          <p:nvPr/>
+        </p:nvSpPr>
+        <p:spPr bwMode="auto">
+          <a:xfrm>
+            <a:off x="5493615" y="924927"/>
+            <a:ext cx="437940" cy="546945"/>
+          </a:xfrm>
+          <a:prstGeom prst="rect">
+            <a:avLst/>
+          </a:prstGeom>
+          <a:noFill/>
+          <a:ln>
+            <a:noFill/>
+          </a:ln>
+          <a:effectLst/>
+          <a:extLst>
+            <a:ext uri="{909E8E84-426E-40dd-AFC4-6F175D3DCCD1}">
+              <a14:hiddenFill xmlns="" xmlns:a14="http://schemas.microsoft.com/office/drawing/2010/main">
+                <a:solidFill>
+                  <a:schemeClr val="accent1"/>
+                </a:solidFill>
+              </a14:hiddenFill>
+            </a:ext>
+            <a:ext uri="{91240B29-F687-4f45-9708-019B960494DF}">
+              <a14:hiddenLine xmlns="" xmlns:a14="http://schemas.microsoft.com/office/drawing/2010/main" w="9525">
+                <a:solidFill>
+                  <a:schemeClr val="tx1"/>
+                </a:solidFill>
+                <a:miter lim="800000"/>
+                <a:headEnd/>
+                <a:tailEnd/>
+              </a14:hiddenLine>
+            </a:ext>
+            <a:ext uri="{AF507438-7753-43e0-B8FC-AC1667EBCBE1}">
+              <a14:hiddenEffects xmlns="" xmlns:a14="http://schemas.microsoft.com/office/drawing/2010/main">
+                <a:effectLst>
+                  <a:outerShdw blurRad="63500" dist="38099" dir="2700000" algn="ctr" rotWithShape="0">
+                    <a:schemeClr val="bg2">
+                      <a:alpha val="74998"/>
+                    </a:schemeClr>
+                  </a:outerShdw>
+                </a:effectLst>
+              </a14:hiddenEffects>
+            </a:ext>
+          </a:extLst>
+        </p:spPr>
+        <p:txBody>
+          <a:bodyPr wrap="none">
+            <a:spAutoFit/>
+          </a:bodyPr>
+          <a:lstStyle/>
+          <a:p>
+            <a:pPr>
+              <a:defRPr/>
+            </a:pPr>
+            <a:r>
+              <a:rPr lang="en-US" altLang="ja-JP" sz="2954" dirty="0">
+                <a:latin typeface="Times New Roman" charset="0"/>
+                <a:ea typeface="ＭＳ Ｐゴシック" charset="0"/>
+              </a:rPr>
+              <a:t>B</a:t>
+            </a:r>
+            <a:endParaRPr lang="ja-JP" altLang="en-US" sz="2954">
+              <a:latin typeface="Times New Roman" charset="0"/>
+              <a:ea typeface="ＭＳ Ｐゴシック" charset="0"/>
+            </a:endParaRPr>
+          </a:p>
+        </p:txBody>
+      </p:sp>
+      <p:sp>
+        <p:nvSpPr>
+          <p:cNvPr id="88" name="Text Box 26">
+            <a:extLst>
+              <a:ext uri="{FF2B5EF4-FFF2-40B4-BE49-F238E27FC236}">
+                <a16:creationId xmlns:a16="http://schemas.microsoft.com/office/drawing/2014/main" id="{42A6EB51-8489-C84F-8B3E-8E5E2A49AE45}"/>
+              </a:ext>
+            </a:extLst>
+          </p:cNvPr>
+          <p:cNvSpPr txBox="1">
+            <a:spLocks noChangeArrowheads="1"/>
+          </p:cNvSpPr>
+          <p:nvPr/>
+        </p:nvSpPr>
+        <p:spPr bwMode="auto">
+          <a:xfrm>
+            <a:off x="5517383" y="2957820"/>
+            <a:ext cx="437940" cy="546945"/>
+          </a:xfrm>
+          <a:prstGeom prst="rect">
+            <a:avLst/>
+          </a:prstGeom>
+          <a:noFill/>
+          <a:ln>
+            <a:noFill/>
+          </a:ln>
+          <a:effectLst/>
+          <a:extLst>
+            <a:ext uri="{909E8E84-426E-40dd-AFC4-6F175D3DCCD1}">
+              <a14:hiddenFill xmlns="" xmlns:a14="http://schemas.microsoft.com/office/drawing/2010/main">
+                <a:solidFill>
+                  <a:schemeClr val="accent1"/>
+                </a:solidFill>
+              </a14:hiddenFill>
+            </a:ext>
+            <a:ext uri="{91240B29-F687-4f45-9708-019B960494DF}">
+              <a14:hiddenLine xmlns="" xmlns:a14="http://schemas.microsoft.com/office/drawing/2010/main" w="9525">
+                <a:solidFill>
+                  <a:schemeClr val="tx1"/>
+                </a:solidFill>
+                <a:miter lim="800000"/>
+                <a:headEnd/>
+                <a:tailEnd/>
+              </a14:hiddenLine>
+            </a:ext>
+            <a:ext uri="{AF507438-7753-43e0-B8FC-AC1667EBCBE1}">
+              <a14:hiddenEffects xmlns="" xmlns:a14="http://schemas.microsoft.com/office/drawing/2010/main">
+                <a:effectLst>
+                  <a:outerShdw blurRad="63500" dist="38099" dir="2700000" algn="ctr" rotWithShape="0">
+                    <a:schemeClr val="bg2">
+                      <a:alpha val="74998"/>
+                    </a:schemeClr>
+                  </a:outerShdw>
+                </a:effectLst>
+              </a14:hiddenEffects>
+            </a:ext>
+          </a:extLst>
+        </p:spPr>
+        <p:txBody>
+          <a:bodyPr wrap="none">
+            <a:spAutoFit/>
+          </a:bodyPr>
+          <a:lstStyle/>
+          <a:p>
+            <a:pPr>
+              <a:defRPr/>
+            </a:pPr>
+            <a:r>
+              <a:rPr lang="en-US" altLang="ja-JP" sz="2954" dirty="0">
+                <a:latin typeface="Times New Roman" charset="0"/>
+                <a:ea typeface="ＭＳ Ｐゴシック" charset="0"/>
+              </a:rPr>
+              <a:t>C</a:t>
+            </a:r>
+            <a:endParaRPr lang="ja-JP" altLang="en-US" sz="2954">
+              <a:latin typeface="Times New Roman" charset="0"/>
+              <a:ea typeface="ＭＳ Ｐゴシック" charset="0"/>
+            </a:endParaRPr>
+          </a:p>
+        </p:txBody>
+      </p:sp>
+      <p:sp>
+        <p:nvSpPr>
+          <p:cNvPr id="89" name="Text Box 26">
+            <a:extLst>
+              <a:ext uri="{FF2B5EF4-FFF2-40B4-BE49-F238E27FC236}">
+                <a16:creationId xmlns:a16="http://schemas.microsoft.com/office/drawing/2014/main" id="{EABA9E90-3114-AE48-95BB-1F5934CB46CE}"/>
+              </a:ext>
+            </a:extLst>
+          </p:cNvPr>
+          <p:cNvSpPr txBox="1">
+            <a:spLocks noChangeArrowheads="1"/>
+          </p:cNvSpPr>
+          <p:nvPr/>
+        </p:nvSpPr>
+        <p:spPr bwMode="auto">
+          <a:xfrm>
+            <a:off x="2859870" y="947918"/>
+            <a:ext cx="458780" cy="546945"/>
+          </a:xfrm>
+          <a:prstGeom prst="rect">
+            <a:avLst/>
+          </a:prstGeom>
+          <a:noFill/>
+          <a:ln>
+            <a:noFill/>
+          </a:ln>
+          <a:effectLst/>
+          <a:extLst>
+            <a:ext uri="{909E8E84-426E-40dd-AFC4-6F175D3DCCD1}">
+              <a14:hiddenFill xmlns="" xmlns:a14="http://schemas.microsoft.com/office/drawing/2010/main">
+                <a:solidFill>
+                  <a:schemeClr val="accent1"/>
+                </a:solidFill>
+              </a14:hiddenFill>
+            </a:ext>
+            <a:ext uri="{91240B29-F687-4f45-9708-019B960494DF}">
+              <a14:hiddenLine xmlns="" xmlns:a14="http://schemas.microsoft.com/office/drawing/2010/main" w="9525">
+                <a:solidFill>
+                  <a:schemeClr val="tx1"/>
+                </a:solidFill>
+                <a:miter lim="800000"/>
+                <a:headEnd/>
+                <a:tailEnd/>
+              </a14:hiddenLine>
+            </a:ext>
+            <a:ext uri="{AF507438-7753-43e0-B8FC-AC1667EBCBE1}">
+              <a14:hiddenEffects xmlns="" xmlns:a14="http://schemas.microsoft.com/office/drawing/2010/main">
+                <a:effectLst>
+                  <a:outerShdw blurRad="63500" dist="38099" dir="2700000" algn="ctr" rotWithShape="0">
+                    <a:schemeClr val="bg2">
+                      <a:alpha val="74998"/>
+                    </a:schemeClr>
+                  </a:outerShdw>
+                </a:effectLst>
+              </a14:hiddenEffects>
+            </a:ext>
+          </a:extLst>
+        </p:spPr>
+        <p:txBody>
+          <a:bodyPr wrap="none">
+            <a:spAutoFit/>
+          </a:bodyPr>
+          <a:lstStyle/>
+          <a:p>
+            <a:pPr>
+              <a:defRPr/>
+            </a:pPr>
+            <a:r>
+              <a:rPr lang="en-US" altLang="ja-JP" sz="2954" dirty="0">
+                <a:latin typeface="Times New Roman" charset="0"/>
+                <a:ea typeface="ＭＳ Ｐゴシック" charset="0"/>
+              </a:rPr>
+              <a:t>D</a:t>
+            </a:r>
+            <a:endParaRPr lang="ja-JP" altLang="en-US" sz="2954">
+              <a:latin typeface="Times New Roman" charset="0"/>
+              <a:ea typeface="ＭＳ Ｐゴシック" charset="0"/>
+            </a:endParaRPr>
+          </a:p>
+        </p:txBody>
+      </p:sp>
+      <p:sp>
+        <p:nvSpPr>
+          <p:cNvPr id="90" name="Text Box 26">
+            <a:extLst>
+              <a:ext uri="{FF2B5EF4-FFF2-40B4-BE49-F238E27FC236}">
+                <a16:creationId xmlns:a16="http://schemas.microsoft.com/office/drawing/2014/main" id="{A491CFB3-01B3-5045-A738-6BFE251100AC}"/>
+              </a:ext>
+            </a:extLst>
+          </p:cNvPr>
+          <p:cNvSpPr txBox="1">
+            <a:spLocks noChangeArrowheads="1"/>
+          </p:cNvSpPr>
+          <p:nvPr/>
+        </p:nvSpPr>
+        <p:spPr bwMode="auto">
+          <a:xfrm>
+            <a:off x="2882992" y="2979683"/>
+            <a:ext cx="415498" cy="546945"/>
+          </a:xfrm>
+          <a:prstGeom prst="rect">
+            <a:avLst/>
+          </a:prstGeom>
+          <a:noFill/>
+          <a:ln>
+            <a:noFill/>
+          </a:ln>
+          <a:effectLst/>
+          <a:extLst>
+            <a:ext uri="{909E8E84-426E-40dd-AFC4-6F175D3DCCD1}">
+              <a14:hiddenFill xmlns="" xmlns:a14="http://schemas.microsoft.com/office/drawing/2010/main">
+                <a:solidFill>
+                  <a:schemeClr val="accent1"/>
+                </a:solidFill>
+              </a14:hiddenFill>
+            </a:ext>
+            <a:ext uri="{91240B29-F687-4f45-9708-019B960494DF}">
+              <a14:hiddenLine xmlns="" xmlns:a14="http://schemas.microsoft.com/office/drawing/2010/main" w="9525">
+                <a:solidFill>
+                  <a:schemeClr val="tx1"/>
+                </a:solidFill>
+                <a:miter lim="800000"/>
+                <a:headEnd/>
+                <a:tailEnd/>
+              </a14:hiddenLine>
+            </a:ext>
+            <a:ext uri="{AF507438-7753-43e0-B8FC-AC1667EBCBE1}">
+              <a14:hiddenEffects xmlns="" xmlns:a14="http://schemas.microsoft.com/office/drawing/2010/main">
+                <a:effectLst>
+                  <a:outerShdw blurRad="63500" dist="38099" dir="2700000" algn="ctr" rotWithShape="0">
+                    <a:schemeClr val="bg2">
+                      <a:alpha val="74998"/>
+                    </a:schemeClr>
+                  </a:outerShdw>
+                </a:effectLst>
+              </a14:hiddenEffects>
+            </a:ext>
+          </a:extLst>
+        </p:spPr>
+        <p:txBody>
+          <a:bodyPr wrap="none">
+            <a:spAutoFit/>
+          </a:bodyPr>
+          <a:lstStyle/>
+          <a:p>
+            <a:pPr>
+              <a:defRPr/>
+            </a:pPr>
+            <a:r>
+              <a:rPr lang="en-US" altLang="ja-JP" sz="2954" dirty="0">
+                <a:latin typeface="Times New Roman" charset="0"/>
+                <a:ea typeface="ＭＳ Ｐゴシック" charset="0"/>
+              </a:rPr>
+              <a:t>E</a:t>
+            </a:r>
+            <a:endParaRPr lang="ja-JP" altLang="en-US" sz="2954">
+              <a:latin typeface="Times New Roman" charset="0"/>
+              <a:ea typeface="ＭＳ Ｐゴシック" charset="0"/>
+            </a:endParaRPr>
+          </a:p>
+        </p:txBody>
+      </p:sp>
+      <p:sp>
+        <p:nvSpPr>
+          <p:cNvPr id="38" name="Line 20">
+            <a:extLst>
+              <a:ext uri="{FF2B5EF4-FFF2-40B4-BE49-F238E27FC236}">
+                <a16:creationId xmlns:a16="http://schemas.microsoft.com/office/drawing/2014/main" id="{B4E32570-AA65-AD45-A84D-13A8112366FC}"/>
+              </a:ext>
+            </a:extLst>
+          </p:cNvPr>
+          <p:cNvSpPr>
+            <a:spLocks noChangeShapeType="1"/>
+          </p:cNvSpPr>
+          <p:nvPr/>
+        </p:nvSpPr>
+        <p:spPr bwMode="auto">
+          <a:xfrm>
+            <a:off x="6054786" y="1145884"/>
+            <a:ext cx="312294" cy="376385"/>
+          </a:xfrm>
+          <a:prstGeom prst="line">
+            <a:avLst/>
+          </a:prstGeom>
+          <a:noFill/>
+          <a:ln w="76200">
+            <a:solidFill>
+              <a:schemeClr val="tx1"/>
+            </a:solidFill>
+            <a:round/>
+            <a:headEnd/>
+            <a:tailEnd type="triangle" w="med" len="med"/>
+          </a:ln>
+          <a:effectLst/>
+          <a:extLst>
+            <a:ext uri="{909E8E84-426E-40dd-AFC4-6F175D3DCCD1}">
+              <a14:hiddenFill xmlns="" xmlns:a14="http://schemas.microsoft.com/office/drawing/2010/main">
+                <a:noFill/>
+              </a14:hiddenFill>
+            </a:ext>
+            <a:ext uri="{AF507438-7753-43e0-B8FC-AC1667EBCBE1}">
+              <a14:hiddenEffects xmlns="" xmlns:a14="http://schemas.microsoft.com/office/drawing/2010/main">
+                <a:effectLst>
+                  <a:outerShdw blurRad="63500" dist="38099" dir="2700000" algn="ctr" rotWithShape="0">
+                    <a:schemeClr val="bg2">
+                      <a:alpha val="74998"/>
+                    </a:schemeClr>
+                  </a:outerShdw>
+                </a:effectLst>
+              </a14:hiddenEffects>
+            </a:ext>
+          </a:extLst>
+        </p:spPr>
+        <p:txBody>
+          <a:bodyPr/>
+          <a:lstStyle/>
+          <a:p>
+            <a:pPr>
+              <a:defRPr/>
+            </a:pPr>
+            <a:endParaRPr lang="ja-JP" altLang="en-US">
+              <a:ea typeface="ＭＳ Ｐゴシック" charset="0"/>
+            </a:endParaRPr>
+          </a:p>
+        </p:txBody>
+      </p:sp>
+      <p:sp>
+        <p:nvSpPr>
+          <p:cNvPr id="39" name="Line 20">
+            <a:extLst>
+              <a:ext uri="{FF2B5EF4-FFF2-40B4-BE49-F238E27FC236}">
+                <a16:creationId xmlns:a16="http://schemas.microsoft.com/office/drawing/2014/main" id="{BC786EAC-BDA6-2B4B-941C-C9FFFE02E714}"/>
+              </a:ext>
+            </a:extLst>
+          </p:cNvPr>
+          <p:cNvSpPr>
+            <a:spLocks noChangeShapeType="1"/>
+          </p:cNvSpPr>
+          <p:nvPr/>
+        </p:nvSpPr>
+        <p:spPr bwMode="auto">
+          <a:xfrm flipV="1">
+            <a:off x="6001496" y="3019021"/>
+            <a:ext cx="346709" cy="376385"/>
+          </a:xfrm>
+          <a:prstGeom prst="line">
+            <a:avLst/>
+          </a:prstGeom>
+          <a:noFill/>
+          <a:ln w="76200">
+            <a:solidFill>
+              <a:schemeClr val="tx1"/>
+            </a:solidFill>
+            <a:round/>
+            <a:headEnd/>
+            <a:tailEnd type="triangle" w="med" len="med"/>
+          </a:ln>
+          <a:effectLst/>
+          <a:extLst>
+            <a:ext uri="{909E8E84-426E-40dd-AFC4-6F175D3DCCD1}">
+              <a14:hiddenFill xmlns="" xmlns:a14="http://schemas.microsoft.com/office/drawing/2010/main">
+                <a:noFill/>
+              </a14:hiddenFill>
+            </a:ext>
+            <a:ext uri="{AF507438-7753-43e0-B8FC-AC1667EBCBE1}">
+              <a14:hiddenEffects xmlns="" xmlns:a14="http://schemas.microsoft.com/office/drawing/2010/main">
+                <a:effectLst>
+                  <a:outerShdw blurRad="63500" dist="38099" dir="2700000" algn="ctr" rotWithShape="0">
+                    <a:schemeClr val="bg2">
+                      <a:alpha val="74998"/>
+                    </a:schemeClr>
+                  </a:outerShdw>
+                </a:effectLst>
+              </a14:hiddenEffects>
+            </a:ext>
+          </a:extLst>
+        </p:spPr>
+        <p:txBody>
+          <a:bodyPr/>
+          <a:lstStyle/>
+          <a:p>
+            <a:pPr>
+              <a:defRPr/>
+            </a:pPr>
+            <a:endParaRPr lang="ja-JP" altLang="en-US">
+              <a:ea typeface="ＭＳ Ｐゴシック" charset="0"/>
+            </a:endParaRPr>
+          </a:p>
+        </p:txBody>
+      </p:sp>
+      <p:sp>
+        <p:nvSpPr>
+          <p:cNvPr id="40" name="Text Box 35">
+            <a:extLst>
+              <a:ext uri="{FF2B5EF4-FFF2-40B4-BE49-F238E27FC236}">
+                <a16:creationId xmlns:a16="http://schemas.microsoft.com/office/drawing/2014/main" id="{6B471FC5-6D3F-D541-A8B5-2492EDC4398C}"/>
+              </a:ext>
+            </a:extLst>
+          </p:cNvPr>
+          <p:cNvSpPr txBox="1">
+            <a:spLocks noChangeArrowheads="1"/>
+          </p:cNvSpPr>
+          <p:nvPr/>
+        </p:nvSpPr>
+        <p:spPr bwMode="auto">
+          <a:xfrm>
+            <a:off x="6276609" y="1145883"/>
+            <a:ext cx="421910" cy="376385"/>
+          </a:xfrm>
+          <a:prstGeom prst="rect">
+            <a:avLst/>
+          </a:prstGeom>
+          <a:noFill/>
+          <a:ln>
+            <a:noFill/>
+          </a:ln>
+          <a:effectLst/>
+          <a:extLst>
+            <a:ext uri="{909E8E84-426E-40dd-AFC4-6F175D3DCCD1}">
+              <a14:hiddenFill xmlns="" xmlns:a14="http://schemas.microsoft.com/office/drawing/2010/main">
+                <a:solidFill>
+                  <a:schemeClr val="accent1"/>
+                </a:solidFill>
+              </a14:hiddenFill>
+            </a:ext>
+            <a:ext uri="{91240B29-F687-4f45-9708-019B960494DF}">
+              <a14:hiddenLine xmlns="" xmlns:a14="http://schemas.microsoft.com/office/drawing/2010/main" w="9525">
+                <a:solidFill>
+                  <a:schemeClr val="tx1"/>
+                </a:solidFill>
+                <a:miter lim="800000"/>
+                <a:headEnd/>
+                <a:tailEnd/>
+              </a14:hiddenLine>
+            </a:ext>
+            <a:ext uri="{AF507438-7753-43e0-B8FC-AC1667EBCBE1}">
+              <a14:hiddenEffects xmlns="" xmlns:a14="http://schemas.microsoft.com/office/drawing/2010/main">
+                <a:effectLst>
+                  <a:outerShdw blurRad="63500" dist="38099" dir="2700000" algn="ctr" rotWithShape="0">
+                    <a:schemeClr val="bg2">
+                      <a:alpha val="74998"/>
+                    </a:schemeClr>
+                  </a:outerShdw>
+                </a:effectLst>
+              </a14:hiddenEffects>
+            </a:ext>
+          </a:extLst>
+        </p:spPr>
+        <p:txBody>
+          <a:bodyPr wrap="none">
+            <a:spAutoFit/>
+          </a:bodyPr>
+          <a:lstStyle/>
+          <a:p>
+            <a:pPr>
+              <a:defRPr/>
+            </a:pPr>
+            <a:r>
+              <a:rPr lang="en-US" altLang="ja-JP" sz="1846" dirty="0" err="1">
+                <a:solidFill>
+                  <a:schemeClr val="accent6">
+                    <a:lumMod val="75000"/>
+                  </a:schemeClr>
+                </a:solidFill>
+                <a:latin typeface="Times New Roman" charset="0"/>
+                <a:ea typeface="ＭＳ Ｐゴシック" charset="0"/>
+              </a:rPr>
+              <a:t>ob</a:t>
+            </a:r>
+            <a:endParaRPr lang="en-US" altLang="ja-JP" sz="1846" dirty="0">
+              <a:solidFill>
+                <a:schemeClr val="accent6">
+                  <a:lumMod val="75000"/>
+                </a:schemeClr>
+              </a:solidFill>
+              <a:latin typeface="Times New Roman" charset="0"/>
+              <a:ea typeface="ＭＳ Ｐゴシック" charset="0"/>
+            </a:endParaRPr>
+          </a:p>
+        </p:txBody>
+      </p:sp>
+      <p:sp>
+        <p:nvSpPr>
+          <p:cNvPr id="41" name="Text Box 35">
+            <a:extLst>
+              <a:ext uri="{FF2B5EF4-FFF2-40B4-BE49-F238E27FC236}">
+                <a16:creationId xmlns:a16="http://schemas.microsoft.com/office/drawing/2014/main" id="{5E645ED1-3D48-3343-8E5F-D11B2E760B38}"/>
+              </a:ext>
+            </a:extLst>
+          </p:cNvPr>
+          <p:cNvSpPr txBox="1">
+            <a:spLocks noChangeArrowheads="1"/>
+          </p:cNvSpPr>
+          <p:nvPr/>
+        </p:nvSpPr>
+        <p:spPr bwMode="auto">
+          <a:xfrm>
+            <a:off x="6047538" y="3231292"/>
+            <a:ext cx="409086" cy="376385"/>
+          </a:xfrm>
+          <a:prstGeom prst="rect">
+            <a:avLst/>
+          </a:prstGeom>
+          <a:noFill/>
+          <a:ln>
+            <a:noFill/>
+          </a:ln>
+          <a:effectLst/>
+          <a:extLst>
+            <a:ext uri="{909E8E84-426E-40dd-AFC4-6F175D3DCCD1}">
+              <a14:hiddenFill xmlns="" xmlns:a14="http://schemas.microsoft.com/office/drawing/2010/main">
+                <a:solidFill>
+                  <a:schemeClr val="accent1"/>
+                </a:solidFill>
+              </a14:hiddenFill>
+            </a:ext>
+            <a:ext uri="{91240B29-F687-4f45-9708-019B960494DF}">
+              <a14:hiddenLine xmlns="" xmlns:a14="http://schemas.microsoft.com/office/drawing/2010/main" w="9525">
+                <a:solidFill>
+                  <a:schemeClr val="tx1"/>
+                </a:solidFill>
+                <a:miter lim="800000"/>
+                <a:headEnd/>
+                <a:tailEnd/>
+              </a14:hiddenLine>
+            </a:ext>
+            <a:ext uri="{AF507438-7753-43e0-B8FC-AC1667EBCBE1}">
+              <a14:hiddenEffects xmlns="" xmlns:a14="http://schemas.microsoft.com/office/drawing/2010/main">
+                <a:effectLst>
+                  <a:outerShdw blurRad="63500" dist="38099" dir="2700000" algn="ctr" rotWithShape="0">
+                    <a:schemeClr val="bg2">
+                      <a:alpha val="74998"/>
+                    </a:schemeClr>
+                  </a:outerShdw>
+                </a:effectLst>
+              </a14:hiddenEffects>
+            </a:ext>
+          </a:extLst>
+        </p:spPr>
+        <p:txBody>
+          <a:bodyPr wrap="none">
+            <a:spAutoFit/>
+          </a:bodyPr>
+          <a:lstStyle/>
+          <a:p>
+            <a:pPr>
+              <a:defRPr/>
+            </a:pPr>
+            <a:r>
+              <a:rPr lang="en-US" altLang="ja-JP" sz="1846" dirty="0" err="1">
+                <a:solidFill>
+                  <a:schemeClr val="accent6">
+                    <a:lumMod val="75000"/>
+                  </a:schemeClr>
+                </a:solidFill>
+                <a:latin typeface="Times New Roman" charset="0"/>
+                <a:ea typeface="ＭＳ Ｐゴシック" charset="0"/>
+              </a:rPr>
+              <a:t>oc</a:t>
+            </a:r>
+            <a:endParaRPr lang="en-US" altLang="ja-JP" sz="1846" dirty="0">
+              <a:solidFill>
+                <a:schemeClr val="accent6">
+                  <a:lumMod val="75000"/>
+                </a:schemeClr>
+              </a:solidFill>
+              <a:latin typeface="Times New Roman" charset="0"/>
+              <a:ea typeface="ＭＳ Ｐゴシック" charset="0"/>
+            </a:endParaRPr>
+          </a:p>
+        </p:txBody>
+      </p:sp>
+      <p:sp>
+        <p:nvSpPr>
+          <p:cNvPr id="42" name="Text Box 35">
+            <a:extLst>
+              <a:ext uri="{FF2B5EF4-FFF2-40B4-BE49-F238E27FC236}">
+                <a16:creationId xmlns:a16="http://schemas.microsoft.com/office/drawing/2014/main" id="{F32C239F-1134-EC49-82FA-4BAD7A46EE86}"/>
+              </a:ext>
+            </a:extLst>
+          </p:cNvPr>
+          <p:cNvSpPr txBox="1">
+            <a:spLocks noChangeArrowheads="1"/>
+          </p:cNvSpPr>
+          <p:nvPr/>
+        </p:nvSpPr>
+        <p:spPr bwMode="auto">
+          <a:xfrm>
+            <a:off x="7650798" y="1720816"/>
+            <a:ext cx="409086" cy="376385"/>
+          </a:xfrm>
+          <a:prstGeom prst="rect">
+            <a:avLst/>
+          </a:prstGeom>
+          <a:noFill/>
+          <a:ln>
+            <a:noFill/>
+          </a:ln>
+          <a:effectLst/>
+          <a:extLst>
+            <a:ext uri="{909E8E84-426E-40dd-AFC4-6F175D3DCCD1}">
+              <a14:hiddenFill xmlns="" xmlns:a14="http://schemas.microsoft.com/office/drawing/2010/main">
+                <a:solidFill>
+                  <a:schemeClr val="accent1"/>
+                </a:solidFill>
+              </a14:hiddenFill>
+            </a:ext>
+            <a:ext uri="{91240B29-F687-4f45-9708-019B960494DF}">
+              <a14:hiddenLine xmlns="" xmlns:a14="http://schemas.microsoft.com/office/drawing/2010/main" w="9525">
+                <a:solidFill>
+                  <a:schemeClr val="tx1"/>
+                </a:solidFill>
+                <a:miter lim="800000"/>
+                <a:headEnd/>
+                <a:tailEnd/>
+              </a14:hiddenLine>
+            </a:ext>
+            <a:ext uri="{AF507438-7753-43e0-B8FC-AC1667EBCBE1}">
+              <a14:hiddenEffects xmlns="" xmlns:a14="http://schemas.microsoft.com/office/drawing/2010/main">
+                <a:effectLst>
+                  <a:outerShdw blurRad="63500" dist="38099" dir="2700000" algn="ctr" rotWithShape="0">
+                    <a:schemeClr val="bg2">
+                      <a:alpha val="74998"/>
+                    </a:schemeClr>
+                  </a:outerShdw>
+                </a:effectLst>
+              </a14:hiddenEffects>
+            </a:ext>
+          </a:extLst>
+        </p:spPr>
+        <p:txBody>
+          <a:bodyPr wrap="none">
+            <a:spAutoFit/>
+          </a:bodyPr>
+          <a:lstStyle/>
+          <a:p>
+            <a:pPr>
+              <a:defRPr/>
+            </a:pPr>
+            <a:r>
+              <a:rPr lang="en-US" altLang="ja-JP" sz="1846" dirty="0">
+                <a:solidFill>
+                  <a:schemeClr val="accent6">
+                    <a:lumMod val="75000"/>
+                  </a:schemeClr>
+                </a:solidFill>
+                <a:latin typeface="Times New Roman" charset="0"/>
+                <a:ea typeface="ＭＳ Ｐゴシック" charset="0"/>
+              </a:rPr>
+              <a:t>oz</a:t>
+            </a:r>
+          </a:p>
+        </p:txBody>
+      </p:sp>
+      <p:sp>
+        <p:nvSpPr>
+          <p:cNvPr id="44" name="Line 20">
+            <a:extLst>
+              <a:ext uri="{FF2B5EF4-FFF2-40B4-BE49-F238E27FC236}">
+                <a16:creationId xmlns:a16="http://schemas.microsoft.com/office/drawing/2014/main" id="{5464231E-3460-A94B-B8BD-5AF55D917682}"/>
+              </a:ext>
+            </a:extLst>
+          </p:cNvPr>
+          <p:cNvSpPr>
+            <a:spLocks noChangeShapeType="1"/>
+          </p:cNvSpPr>
+          <p:nvPr/>
+        </p:nvSpPr>
+        <p:spPr bwMode="auto">
+          <a:xfrm flipV="1">
+            <a:off x="3293309" y="3351533"/>
+            <a:ext cx="390110" cy="0"/>
+          </a:xfrm>
+          <a:prstGeom prst="line">
+            <a:avLst/>
+          </a:prstGeom>
+          <a:noFill/>
+          <a:ln w="76200">
+            <a:solidFill>
+              <a:schemeClr val="tx1"/>
+            </a:solidFill>
+            <a:round/>
+            <a:headEnd/>
+            <a:tailEnd type="triangle" w="med" len="med"/>
+          </a:ln>
+          <a:effectLst/>
+          <a:extLst>
+            <a:ext uri="{909E8E84-426E-40dd-AFC4-6F175D3DCCD1}">
+              <a14:hiddenFill xmlns="" xmlns:a14="http://schemas.microsoft.com/office/drawing/2010/main">
+                <a:noFill/>
+              </a14:hiddenFill>
+            </a:ext>
+            <a:ext uri="{AF507438-7753-43e0-B8FC-AC1667EBCBE1}">
+              <a14:hiddenEffects xmlns="" xmlns:a14="http://schemas.microsoft.com/office/drawing/2010/main">
+                <a:effectLst>
+                  <a:outerShdw blurRad="63500" dist="38099" dir="2700000" algn="ctr" rotWithShape="0">
+                    <a:schemeClr val="bg2">
+                      <a:alpha val="74998"/>
+                    </a:schemeClr>
+                  </a:outerShdw>
+                </a:effectLst>
+              </a14:hiddenEffects>
+            </a:ext>
+          </a:extLst>
+        </p:spPr>
+        <p:txBody>
+          <a:bodyPr/>
+          <a:lstStyle/>
+          <a:p>
+            <a:pPr>
+              <a:defRPr/>
+            </a:pPr>
+            <a:endParaRPr lang="ja-JP" altLang="en-US">
+              <a:ea typeface="ＭＳ Ｐゴシック" charset="0"/>
+            </a:endParaRPr>
+          </a:p>
+        </p:txBody>
+      </p:sp>
+      <p:sp>
+        <p:nvSpPr>
+          <p:cNvPr id="49" name="Text Box 35">
+            <a:extLst>
+              <a:ext uri="{FF2B5EF4-FFF2-40B4-BE49-F238E27FC236}">
+                <a16:creationId xmlns:a16="http://schemas.microsoft.com/office/drawing/2014/main" id="{811737E3-4EE3-2345-A31D-3A83294D6A41}"/>
+              </a:ext>
+            </a:extLst>
+          </p:cNvPr>
+          <p:cNvSpPr txBox="1">
+            <a:spLocks noChangeArrowheads="1"/>
+          </p:cNvSpPr>
+          <p:nvPr/>
+        </p:nvSpPr>
+        <p:spPr bwMode="auto">
+          <a:xfrm>
+            <a:off x="3500212" y="778962"/>
+            <a:ext cx="421910" cy="376385"/>
+          </a:xfrm>
+          <a:prstGeom prst="rect">
+            <a:avLst/>
+          </a:prstGeom>
+          <a:noFill/>
+          <a:ln>
+            <a:noFill/>
+          </a:ln>
+          <a:effectLst/>
+          <a:extLst>
+            <a:ext uri="{909E8E84-426E-40dd-AFC4-6F175D3DCCD1}">
+              <a14:hiddenFill xmlns="" xmlns:a14="http://schemas.microsoft.com/office/drawing/2010/main">
+                <a:solidFill>
+                  <a:schemeClr val="accent1"/>
+                </a:solidFill>
+              </a14:hiddenFill>
+            </a:ext>
+            <a:ext uri="{91240B29-F687-4f45-9708-019B960494DF}">
+              <a14:hiddenLine xmlns="" xmlns:a14="http://schemas.microsoft.com/office/drawing/2010/main" w="9525">
+                <a:solidFill>
+                  <a:schemeClr val="tx1"/>
+                </a:solidFill>
+                <a:miter lim="800000"/>
+                <a:headEnd/>
+                <a:tailEnd/>
+              </a14:hiddenLine>
+            </a:ext>
+            <a:ext uri="{AF507438-7753-43e0-B8FC-AC1667EBCBE1}">
+              <a14:hiddenEffects xmlns="" xmlns:a14="http://schemas.microsoft.com/office/drawing/2010/main">
+                <a:effectLst>
+                  <a:outerShdw blurRad="63500" dist="38099" dir="2700000" algn="ctr" rotWithShape="0">
+                    <a:schemeClr val="bg2">
+                      <a:alpha val="74998"/>
+                    </a:schemeClr>
+                  </a:outerShdw>
+                </a:effectLst>
+              </a14:hiddenEffects>
+            </a:ext>
+          </a:extLst>
+        </p:spPr>
+        <p:txBody>
+          <a:bodyPr wrap="none">
+            <a:spAutoFit/>
+          </a:bodyPr>
+          <a:lstStyle/>
+          <a:p>
+            <a:pPr>
+              <a:defRPr/>
+            </a:pPr>
+            <a:r>
+              <a:rPr lang="en-US" altLang="ja-JP" sz="1846" dirty="0">
+                <a:solidFill>
+                  <a:schemeClr val="accent6">
+                    <a:lumMod val="75000"/>
+                  </a:schemeClr>
+                </a:solidFill>
+                <a:latin typeface="Times New Roman" charset="0"/>
+                <a:ea typeface="ＭＳ Ｐゴシック" charset="0"/>
+              </a:rPr>
+              <a:t>od</a:t>
+            </a:r>
+          </a:p>
+        </p:txBody>
+      </p:sp>
+      <p:sp>
+        <p:nvSpPr>
+          <p:cNvPr id="50" name="Text Box 35">
+            <a:extLst>
+              <a:ext uri="{FF2B5EF4-FFF2-40B4-BE49-F238E27FC236}">
+                <a16:creationId xmlns:a16="http://schemas.microsoft.com/office/drawing/2014/main" id="{399869C1-CA84-0A4D-9D69-59EACAC430B0}"/>
+              </a:ext>
+            </a:extLst>
+          </p:cNvPr>
+          <p:cNvSpPr txBox="1">
+            <a:spLocks noChangeArrowheads="1"/>
+          </p:cNvSpPr>
+          <p:nvPr/>
+        </p:nvSpPr>
+        <p:spPr bwMode="auto">
+          <a:xfrm>
+            <a:off x="3531109" y="3275978"/>
+            <a:ext cx="409086" cy="376385"/>
+          </a:xfrm>
+          <a:prstGeom prst="rect">
+            <a:avLst/>
+          </a:prstGeom>
+          <a:noFill/>
+          <a:ln>
+            <a:noFill/>
+          </a:ln>
+          <a:effectLst/>
+          <a:extLst>
+            <a:ext uri="{909E8E84-426E-40dd-AFC4-6F175D3DCCD1}">
+              <a14:hiddenFill xmlns="" xmlns:a14="http://schemas.microsoft.com/office/drawing/2010/main">
+                <a:solidFill>
+                  <a:schemeClr val="accent1"/>
+                </a:solidFill>
+              </a14:hiddenFill>
+            </a:ext>
+            <a:ext uri="{91240B29-F687-4f45-9708-019B960494DF}">
+              <a14:hiddenLine xmlns="" xmlns:a14="http://schemas.microsoft.com/office/drawing/2010/main" w="9525">
+                <a:solidFill>
+                  <a:schemeClr val="tx1"/>
+                </a:solidFill>
+                <a:miter lim="800000"/>
+                <a:headEnd/>
+                <a:tailEnd/>
+              </a14:hiddenLine>
+            </a:ext>
+            <a:ext uri="{AF507438-7753-43e0-B8FC-AC1667EBCBE1}">
+              <a14:hiddenEffects xmlns="" xmlns:a14="http://schemas.microsoft.com/office/drawing/2010/main">
+                <a:effectLst>
+                  <a:outerShdw blurRad="63500" dist="38099" dir="2700000" algn="ctr" rotWithShape="0">
+                    <a:schemeClr val="bg2">
+                      <a:alpha val="74998"/>
+                    </a:schemeClr>
+                  </a:outerShdw>
+                </a:effectLst>
+              </a14:hiddenEffects>
+            </a:ext>
+          </a:extLst>
+        </p:spPr>
+        <p:txBody>
+          <a:bodyPr wrap="none">
+            <a:spAutoFit/>
+          </a:bodyPr>
+          <a:lstStyle/>
+          <a:p>
+            <a:pPr>
+              <a:defRPr/>
+            </a:pPr>
+            <a:r>
+              <a:rPr lang="en-US" altLang="ja-JP" sz="1846" dirty="0" err="1">
+                <a:solidFill>
+                  <a:schemeClr val="accent6">
+                    <a:lumMod val="75000"/>
+                  </a:schemeClr>
+                </a:solidFill>
+                <a:latin typeface="Times New Roman" charset="0"/>
+                <a:ea typeface="ＭＳ Ｐゴシック" charset="0"/>
+              </a:rPr>
+              <a:t>oe</a:t>
+            </a:r>
+            <a:endParaRPr lang="en-US" altLang="ja-JP" sz="1846" dirty="0">
+              <a:solidFill>
+                <a:schemeClr val="accent6">
+                  <a:lumMod val="75000"/>
+                </a:schemeClr>
+              </a:solidFill>
+              <a:latin typeface="Times New Roman" charset="0"/>
+              <a:ea typeface="ＭＳ Ｐゴシック" charset="0"/>
+            </a:endParaRPr>
+          </a:p>
+        </p:txBody>
+      </p:sp>
+      <p:sp>
+        <p:nvSpPr>
+          <p:cNvPr id="57" name="Line 20">
+            <a:extLst>
+              <a:ext uri="{FF2B5EF4-FFF2-40B4-BE49-F238E27FC236}">
+                <a16:creationId xmlns:a16="http://schemas.microsoft.com/office/drawing/2014/main" id="{C9D39630-3FCB-524A-8EE5-F00C6B30B1EE}"/>
+              </a:ext>
+            </a:extLst>
+          </p:cNvPr>
+          <p:cNvSpPr>
+            <a:spLocks noChangeShapeType="1"/>
+          </p:cNvSpPr>
+          <p:nvPr/>
+        </p:nvSpPr>
+        <p:spPr bwMode="auto">
+          <a:xfrm flipV="1">
+            <a:off x="3293309" y="1125381"/>
+            <a:ext cx="390110" cy="0"/>
+          </a:xfrm>
+          <a:prstGeom prst="line">
+            <a:avLst/>
+          </a:prstGeom>
+          <a:noFill/>
+          <a:ln w="76200">
+            <a:solidFill>
+              <a:schemeClr val="tx1"/>
+            </a:solidFill>
+            <a:round/>
+            <a:headEnd/>
+            <a:tailEnd type="triangle" w="med" len="med"/>
+          </a:ln>
+          <a:effectLst/>
+          <a:extLst>
+            <a:ext uri="{909E8E84-426E-40dd-AFC4-6F175D3DCCD1}">
+              <a14:hiddenFill xmlns="" xmlns:a14="http://schemas.microsoft.com/office/drawing/2010/main">
+                <a:noFill/>
+              </a14:hiddenFill>
+            </a:ext>
+            <a:ext uri="{AF507438-7753-43e0-B8FC-AC1667EBCBE1}">
+              <a14:hiddenEffects xmlns="" xmlns:a14="http://schemas.microsoft.com/office/drawing/2010/main">
+                <a:effectLst>
+                  <a:outerShdw blurRad="63500" dist="38099" dir="2700000" algn="ctr" rotWithShape="0">
+                    <a:schemeClr val="bg2">
+                      <a:alpha val="74998"/>
+                    </a:schemeClr>
+                  </a:outerShdw>
+                </a:effectLst>
+              </a14:hiddenEffects>
+            </a:ext>
+          </a:extLst>
+        </p:spPr>
+        <p:txBody>
+          <a:bodyPr/>
+          <a:lstStyle/>
+          <a:p>
+            <a:pPr>
+              <a:defRPr/>
+            </a:pPr>
+            <a:endParaRPr lang="ja-JP" altLang="en-US">
+              <a:ea typeface="ＭＳ Ｐゴシック" charset="0"/>
+            </a:endParaRPr>
+          </a:p>
+        </p:txBody>
+      </p:sp>
+    </p:spTree>
+    <p:extLst>
+      <p:ext uri="{BB962C8B-B14F-4D97-AF65-F5344CB8AC3E}">
+        <p14:creationId xmlns:p14="http://schemas.microsoft.com/office/powerpoint/2010/main" val="678209734"/>
       </p:ext>
     </p:extLst>
   </p:cSld>
@@ -31026,14 +34373,14 @@
           <a:effectLst/>
           <a:extLst>
             <a:ext uri="{909E8E84-426E-40dd-AFC4-6F175D3DCCD1}">
-              <a14:hiddenFill xmlns:a14="http://schemas.microsoft.com/office/drawing/2010/main" xmlns="">
+              <a14:hiddenFill xmlns="" xmlns:a14="http://schemas.microsoft.com/office/drawing/2010/main">
                 <a:solidFill>
                   <a:schemeClr val="accent1"/>
                 </a:solidFill>
               </a14:hiddenFill>
             </a:ext>
             <a:ext uri="{91240B29-F687-4f45-9708-019B960494DF}">
-              <a14:hiddenLine xmlns:a14="http://schemas.microsoft.com/office/drawing/2010/main" xmlns="" w="9525">
+              <a14:hiddenLine xmlns="" xmlns:a14="http://schemas.microsoft.com/office/drawing/2010/main" w="9525">
                 <a:solidFill>
                   <a:schemeClr val="tx1"/>
                 </a:solidFill>
@@ -31043,7 +34390,7 @@
               </a14:hiddenLine>
             </a:ext>
             <a:ext uri="{AF507438-7753-43e0-B8FC-AC1667EBCBE1}">
-              <a14:hiddenEffects xmlns:a14="http://schemas.microsoft.com/office/drawing/2010/main" xmlns="">
+              <a14:hiddenEffects xmlns="" xmlns:a14="http://schemas.microsoft.com/office/drawing/2010/main">
                 <a:effectLst>
                   <a:outerShdw blurRad="63500" dist="38099" dir="2700000" algn="ctr" rotWithShape="0">
                     <a:schemeClr val="bg2">
@@ -31196,12 +34543,12 @@
           <a:effectLst/>
           <a:extLst>
             <a:ext uri="{909E8E84-426E-40dd-AFC4-6F175D3DCCD1}">
-              <a14:hiddenFill xmlns:a14="http://schemas.microsoft.com/office/drawing/2010/main" xmlns="">
+              <a14:hiddenFill xmlns="" xmlns:a14="http://schemas.microsoft.com/office/drawing/2010/main">
                 <a:noFill/>
               </a14:hiddenFill>
             </a:ext>
             <a:ext uri="{AF507438-7753-43e0-B8FC-AC1667EBCBE1}">
-              <a14:hiddenEffects xmlns:a14="http://schemas.microsoft.com/office/drawing/2010/main" xmlns="">
+              <a14:hiddenEffects xmlns="" xmlns:a14="http://schemas.microsoft.com/office/drawing/2010/main">
                 <a:effectLst>
                   <a:outerShdw blurRad="63500" dist="38099" dir="2700000" algn="ctr" rotWithShape="0">
                     <a:schemeClr val="bg2">
@@ -31260,12 +34607,12 @@
           <a:effectLst/>
           <a:extLst>
             <a:ext uri="{909E8E84-426E-40dd-AFC4-6F175D3DCCD1}">
-              <a14:hiddenFill xmlns:a14="http://schemas.microsoft.com/office/drawing/2010/main" xmlns="">
+              <a14:hiddenFill xmlns="" xmlns:a14="http://schemas.microsoft.com/office/drawing/2010/main">
                 <a:noFill/>
               </a14:hiddenFill>
             </a:ext>
             <a:ext uri="{AF507438-7753-43e0-B8FC-AC1667EBCBE1}">
-              <a14:hiddenEffects xmlns:a14="http://schemas.microsoft.com/office/drawing/2010/main" xmlns="">
+              <a14:hiddenEffects xmlns="" xmlns:a14="http://schemas.microsoft.com/office/drawing/2010/main">
                 <a:effectLst>
                   <a:outerShdw blurRad="63500" dist="38099" dir="2700000" algn="ctr" rotWithShape="0">
                     <a:schemeClr val="bg2">
@@ -31324,12 +34671,12 @@
           <a:effectLst/>
           <a:extLst>
             <a:ext uri="{909E8E84-426E-40dd-AFC4-6F175D3DCCD1}">
-              <a14:hiddenFill xmlns:a14="http://schemas.microsoft.com/office/drawing/2010/main" xmlns="">
+              <a14:hiddenFill xmlns="" xmlns:a14="http://schemas.microsoft.com/office/drawing/2010/main">
                 <a:noFill/>
               </a14:hiddenFill>
             </a:ext>
             <a:ext uri="{AF507438-7753-43e0-B8FC-AC1667EBCBE1}">
-              <a14:hiddenEffects xmlns:a14="http://schemas.microsoft.com/office/drawing/2010/main" xmlns="">
+              <a14:hiddenEffects xmlns="" xmlns:a14="http://schemas.microsoft.com/office/drawing/2010/main">
                 <a:effectLst>
                   <a:outerShdw blurRad="63500" dist="38099" dir="2700000" algn="ctr" rotWithShape="0">
                     <a:schemeClr val="bg2">
@@ -31388,12 +34735,12 @@
           <a:effectLst/>
           <a:extLst>
             <a:ext uri="{909E8E84-426E-40dd-AFC4-6F175D3DCCD1}">
-              <a14:hiddenFill xmlns:a14="http://schemas.microsoft.com/office/drawing/2010/main" xmlns="">
+              <a14:hiddenFill xmlns="" xmlns:a14="http://schemas.microsoft.com/office/drawing/2010/main">
                 <a:noFill/>
               </a14:hiddenFill>
             </a:ext>
             <a:ext uri="{AF507438-7753-43e0-B8FC-AC1667EBCBE1}">
-              <a14:hiddenEffects xmlns:a14="http://schemas.microsoft.com/office/drawing/2010/main" xmlns="">
+              <a14:hiddenEffects xmlns="" xmlns:a14="http://schemas.microsoft.com/office/drawing/2010/main">
                 <a:effectLst>
                   <a:outerShdw blurRad="63500" dist="38099" dir="2700000" algn="ctr" rotWithShape="0">
                     <a:schemeClr val="bg2">

--- a/chap3_NeuralNetwork/img/img.pptx
+++ b/chap3_NeuralNetwork/img/img.pptx
@@ -16,10 +16,12 @@
     <p:sldId id="939" r:id="rId10"/>
     <p:sldId id="940" r:id="rId11"/>
     <p:sldId id="262" r:id="rId12"/>
-    <p:sldId id="941" r:id="rId13"/>
-    <p:sldId id="942" r:id="rId14"/>
-    <p:sldId id="943" r:id="rId15"/>
-    <p:sldId id="944" r:id="rId16"/>
+    <p:sldId id="945" r:id="rId13"/>
+    <p:sldId id="946" r:id="rId14"/>
+    <p:sldId id="941" r:id="rId15"/>
+    <p:sldId id="942" r:id="rId16"/>
+    <p:sldId id="943" r:id="rId17"/>
+    <p:sldId id="944" r:id="rId18"/>
   </p:sldIdLst>
   <p:sldSz cx="12192000" cy="6858000"/>
   <p:notesSz cx="6858000" cy="9144000"/>
@@ -5217,14 +5219,14 @@
           <a:effectLst/>
           <a:extLst>
             <a:ext uri="{909E8E84-426E-40dd-AFC4-6F175D3DCCD1}">
-              <a14:hiddenFill xmlns="" xmlns:a14="http://schemas.microsoft.com/office/drawing/2010/main">
+              <a14:hiddenFill xmlns:a14="http://schemas.microsoft.com/office/drawing/2010/main" xmlns="">
                 <a:solidFill>
                   <a:schemeClr val="accent1"/>
                 </a:solidFill>
               </a14:hiddenFill>
             </a:ext>
             <a:ext uri="{91240B29-F687-4f45-9708-019B960494DF}">
-              <a14:hiddenLine xmlns="" xmlns:a14="http://schemas.microsoft.com/office/drawing/2010/main" w="9525">
+              <a14:hiddenLine xmlns:a14="http://schemas.microsoft.com/office/drawing/2010/main" xmlns="" w="9525">
                 <a:solidFill>
                   <a:schemeClr val="tx1"/>
                 </a:solidFill>
@@ -5234,7 +5236,7 @@
               </a14:hiddenLine>
             </a:ext>
             <a:ext uri="{AF507438-7753-43e0-B8FC-AC1667EBCBE1}">
-              <a14:hiddenEffects xmlns="" xmlns:a14="http://schemas.microsoft.com/office/drawing/2010/main">
+              <a14:hiddenEffects xmlns:a14="http://schemas.microsoft.com/office/drawing/2010/main" xmlns="">
                 <a:effectLst>
                   <a:outerShdw blurRad="63500" dist="38099" dir="2700000" algn="ctr" rotWithShape="0">
                     <a:schemeClr val="bg2">
@@ -5363,12 +5365,12 @@
           <a:effectLst/>
           <a:extLst>
             <a:ext uri="{909E8E84-426E-40dd-AFC4-6F175D3DCCD1}">
-              <a14:hiddenFill xmlns="" xmlns:a14="http://schemas.microsoft.com/office/drawing/2010/main">
+              <a14:hiddenFill xmlns:a14="http://schemas.microsoft.com/office/drawing/2010/main" xmlns="">
                 <a:noFill/>
               </a14:hiddenFill>
             </a:ext>
             <a:ext uri="{AF507438-7753-43e0-B8FC-AC1667EBCBE1}">
-              <a14:hiddenEffects xmlns="" xmlns:a14="http://schemas.microsoft.com/office/drawing/2010/main">
+              <a14:hiddenEffects xmlns:a14="http://schemas.microsoft.com/office/drawing/2010/main" xmlns="">
                 <a:effectLst>
                   <a:outerShdw blurRad="63500" dist="38099" dir="2700000" algn="ctr" rotWithShape="0">
                     <a:schemeClr val="bg2">
@@ -5427,12 +5429,12 @@
           <a:effectLst/>
           <a:extLst>
             <a:ext uri="{909E8E84-426E-40dd-AFC4-6F175D3DCCD1}">
-              <a14:hiddenFill xmlns="" xmlns:a14="http://schemas.microsoft.com/office/drawing/2010/main">
+              <a14:hiddenFill xmlns:a14="http://schemas.microsoft.com/office/drawing/2010/main" xmlns="">
                 <a:noFill/>
               </a14:hiddenFill>
             </a:ext>
             <a:ext uri="{AF507438-7753-43e0-B8FC-AC1667EBCBE1}">
-              <a14:hiddenEffects xmlns="" xmlns:a14="http://schemas.microsoft.com/office/drawing/2010/main">
+              <a14:hiddenEffects xmlns:a14="http://schemas.microsoft.com/office/drawing/2010/main" xmlns="">
                 <a:effectLst>
                   <a:outerShdw blurRad="63500" dist="38099" dir="2700000" algn="ctr" rotWithShape="0">
                     <a:schemeClr val="bg2">
@@ -5491,12 +5493,12 @@
           <a:effectLst/>
           <a:extLst>
             <a:ext uri="{909E8E84-426E-40dd-AFC4-6F175D3DCCD1}">
-              <a14:hiddenFill xmlns="" xmlns:a14="http://schemas.microsoft.com/office/drawing/2010/main">
+              <a14:hiddenFill xmlns:a14="http://schemas.microsoft.com/office/drawing/2010/main" xmlns="">
                 <a:noFill/>
               </a14:hiddenFill>
             </a:ext>
             <a:ext uri="{AF507438-7753-43e0-B8FC-AC1667EBCBE1}">
-              <a14:hiddenEffects xmlns="" xmlns:a14="http://schemas.microsoft.com/office/drawing/2010/main">
+              <a14:hiddenEffects xmlns:a14="http://schemas.microsoft.com/office/drawing/2010/main" xmlns="">
                 <a:effectLst>
                   <a:outerShdw blurRad="63500" dist="38099" dir="2700000" algn="ctr" rotWithShape="0">
                     <a:schemeClr val="bg2">
@@ -5555,12 +5557,12 @@
           <a:effectLst/>
           <a:extLst>
             <a:ext uri="{909E8E84-426E-40dd-AFC4-6F175D3DCCD1}">
-              <a14:hiddenFill xmlns="" xmlns:a14="http://schemas.microsoft.com/office/drawing/2010/main">
+              <a14:hiddenFill xmlns:a14="http://schemas.microsoft.com/office/drawing/2010/main" xmlns="">
                 <a:noFill/>
               </a14:hiddenFill>
             </a:ext>
             <a:ext uri="{AF507438-7753-43e0-B8FC-AC1667EBCBE1}">
-              <a14:hiddenEffects xmlns="" xmlns:a14="http://schemas.microsoft.com/office/drawing/2010/main">
+              <a14:hiddenEffects xmlns:a14="http://schemas.microsoft.com/office/drawing/2010/main" xmlns="">
                 <a:effectLst>
                   <a:outerShdw blurRad="63500" dist="38099" dir="2700000" algn="ctr" rotWithShape="0">
                     <a:schemeClr val="bg2">
@@ -5621,7 +5623,7 @@
           <a:effectLst/>
           <a:extLst>
             <a:ext uri="{AF507438-7753-43e0-B8FC-AC1667EBCBE1}">
-              <a14:hiddenEffects xmlns="" xmlns:a14="http://schemas.microsoft.com/office/drawing/2010/main">
+              <a14:hiddenEffects xmlns:a14="http://schemas.microsoft.com/office/drawing/2010/main" xmlns="">
                 <a:effectLst>
                   <a:outerShdw blurRad="63500" dist="38099" dir="2700000" algn="ctr" rotWithShape="0">
                     <a:schemeClr val="bg2">
@@ -5682,7 +5684,7 @@
           <a:effectLst/>
           <a:extLst>
             <a:ext uri="{AF507438-7753-43e0-B8FC-AC1667EBCBE1}">
-              <a14:hiddenEffects xmlns="" xmlns:a14="http://schemas.microsoft.com/office/drawing/2010/main">
+              <a14:hiddenEffects xmlns:a14="http://schemas.microsoft.com/office/drawing/2010/main" xmlns="">
                 <a:effectLst>
                   <a:outerShdw blurRad="63500" dist="38099" dir="2700000" algn="ctr" rotWithShape="0">
                     <a:schemeClr val="bg2">
@@ -5743,7 +5745,7 @@
           <a:effectLst/>
           <a:extLst>
             <a:ext uri="{AF507438-7753-43e0-B8FC-AC1667EBCBE1}">
-              <a14:hiddenEffects xmlns="" xmlns:a14="http://schemas.microsoft.com/office/drawing/2010/main">
+              <a14:hiddenEffects xmlns:a14="http://schemas.microsoft.com/office/drawing/2010/main" xmlns="">
                 <a:effectLst>
                   <a:outerShdw blurRad="63500" dist="38099" dir="2700000" algn="ctr" rotWithShape="0">
                     <a:schemeClr val="bg2">
@@ -5804,7 +5806,7 @@
           <a:effectLst/>
           <a:extLst>
             <a:ext uri="{AF507438-7753-43e0-B8FC-AC1667EBCBE1}">
-              <a14:hiddenEffects xmlns="" xmlns:a14="http://schemas.microsoft.com/office/drawing/2010/main">
+              <a14:hiddenEffects xmlns:a14="http://schemas.microsoft.com/office/drawing/2010/main" xmlns="">
                 <a:effectLst>
                   <a:outerShdw blurRad="63500" dist="38099" dir="2700000" algn="ctr" rotWithShape="0">
                     <a:schemeClr val="bg2">
@@ -5865,7 +5867,7 @@
           <a:effectLst/>
           <a:extLst>
             <a:ext uri="{AF507438-7753-43e0-B8FC-AC1667EBCBE1}">
-              <a14:hiddenEffects xmlns="" xmlns:a14="http://schemas.microsoft.com/office/drawing/2010/main">
+              <a14:hiddenEffects xmlns:a14="http://schemas.microsoft.com/office/drawing/2010/main" xmlns="">
                 <a:effectLst>
                   <a:outerShdw blurRad="63500" dist="38099" dir="2700000" algn="ctr" rotWithShape="0">
                     <a:schemeClr val="bg2">
@@ -5926,12 +5928,12 @@
           <a:effectLst/>
           <a:extLst>
             <a:ext uri="{909E8E84-426E-40dd-AFC4-6F175D3DCCD1}">
-              <a14:hiddenFill xmlns="" xmlns:a14="http://schemas.microsoft.com/office/drawing/2010/main">
+              <a14:hiddenFill xmlns:a14="http://schemas.microsoft.com/office/drawing/2010/main" xmlns="">
                 <a:noFill/>
               </a14:hiddenFill>
             </a:ext>
             <a:ext uri="{AF507438-7753-43e0-B8FC-AC1667EBCBE1}">
-              <a14:hiddenEffects xmlns="" xmlns:a14="http://schemas.microsoft.com/office/drawing/2010/main">
+              <a14:hiddenEffects xmlns:a14="http://schemas.microsoft.com/office/drawing/2010/main" xmlns="">
                 <a:effectLst>
                   <a:outerShdw blurRad="63500" dist="38099" dir="2700000" algn="ctr" rotWithShape="0">
                     <a:schemeClr val="bg2">
@@ -5980,12 +5982,12 @@
           <a:effectLst/>
           <a:extLst>
             <a:ext uri="{909E8E84-426E-40dd-AFC4-6F175D3DCCD1}">
-              <a14:hiddenFill xmlns="" xmlns:a14="http://schemas.microsoft.com/office/drawing/2010/main">
+              <a14:hiddenFill xmlns:a14="http://schemas.microsoft.com/office/drawing/2010/main" xmlns="">
                 <a:noFill/>
               </a14:hiddenFill>
             </a:ext>
             <a:ext uri="{AF507438-7753-43e0-B8FC-AC1667EBCBE1}">
-              <a14:hiddenEffects xmlns="" xmlns:a14="http://schemas.microsoft.com/office/drawing/2010/main">
+              <a14:hiddenEffects xmlns:a14="http://schemas.microsoft.com/office/drawing/2010/main" xmlns="">
                 <a:effectLst>
                   <a:outerShdw blurRad="63500" dist="38099" dir="2700000" algn="ctr" rotWithShape="0">
                     <a:schemeClr val="bg2">
@@ -6034,12 +6036,12 @@
           <a:effectLst/>
           <a:extLst>
             <a:ext uri="{909E8E84-426E-40dd-AFC4-6F175D3DCCD1}">
-              <a14:hiddenFill xmlns="" xmlns:a14="http://schemas.microsoft.com/office/drawing/2010/main">
+              <a14:hiddenFill xmlns:a14="http://schemas.microsoft.com/office/drawing/2010/main" xmlns="">
                 <a:noFill/>
               </a14:hiddenFill>
             </a:ext>
             <a:ext uri="{AF507438-7753-43e0-B8FC-AC1667EBCBE1}">
-              <a14:hiddenEffects xmlns="" xmlns:a14="http://schemas.microsoft.com/office/drawing/2010/main">
+              <a14:hiddenEffects xmlns:a14="http://schemas.microsoft.com/office/drawing/2010/main" xmlns="">
                 <a:effectLst>
                   <a:outerShdw blurRad="63500" dist="38099" dir="2700000" algn="ctr" rotWithShape="0">
                     <a:schemeClr val="bg2">
@@ -6088,12 +6090,12 @@
           <a:effectLst/>
           <a:extLst>
             <a:ext uri="{909E8E84-426E-40dd-AFC4-6F175D3DCCD1}">
-              <a14:hiddenFill xmlns="" xmlns:a14="http://schemas.microsoft.com/office/drawing/2010/main">
+              <a14:hiddenFill xmlns:a14="http://schemas.microsoft.com/office/drawing/2010/main" xmlns="">
                 <a:noFill/>
               </a14:hiddenFill>
             </a:ext>
             <a:ext uri="{AF507438-7753-43e0-B8FC-AC1667EBCBE1}">
-              <a14:hiddenEffects xmlns="" xmlns:a14="http://schemas.microsoft.com/office/drawing/2010/main">
+              <a14:hiddenEffects xmlns:a14="http://schemas.microsoft.com/office/drawing/2010/main" xmlns="">
                 <a:effectLst>
                   <a:outerShdw blurRad="63500" dist="38099" dir="2700000" algn="ctr" rotWithShape="0">
                     <a:schemeClr val="bg2">
@@ -6142,12 +6144,12 @@
           <a:effectLst/>
           <a:extLst>
             <a:ext uri="{909E8E84-426E-40dd-AFC4-6F175D3DCCD1}">
-              <a14:hiddenFill xmlns="" xmlns:a14="http://schemas.microsoft.com/office/drawing/2010/main">
+              <a14:hiddenFill xmlns:a14="http://schemas.microsoft.com/office/drawing/2010/main" xmlns="">
                 <a:noFill/>
               </a14:hiddenFill>
             </a:ext>
             <a:ext uri="{AF507438-7753-43e0-B8FC-AC1667EBCBE1}">
-              <a14:hiddenEffects xmlns="" xmlns:a14="http://schemas.microsoft.com/office/drawing/2010/main">
+              <a14:hiddenEffects xmlns:a14="http://schemas.microsoft.com/office/drawing/2010/main" xmlns="">
                 <a:effectLst>
                   <a:outerShdw blurRad="63500" dist="38099" dir="2700000" algn="ctr" rotWithShape="0">
                     <a:schemeClr val="bg2">
@@ -6196,12 +6198,12 @@
           <a:effectLst/>
           <a:extLst>
             <a:ext uri="{909E8E84-426E-40dd-AFC4-6F175D3DCCD1}">
-              <a14:hiddenFill xmlns="" xmlns:a14="http://schemas.microsoft.com/office/drawing/2010/main">
+              <a14:hiddenFill xmlns:a14="http://schemas.microsoft.com/office/drawing/2010/main" xmlns="">
                 <a:noFill/>
               </a14:hiddenFill>
             </a:ext>
             <a:ext uri="{AF507438-7753-43e0-B8FC-AC1667EBCBE1}">
-              <a14:hiddenEffects xmlns="" xmlns:a14="http://schemas.microsoft.com/office/drawing/2010/main">
+              <a14:hiddenEffects xmlns:a14="http://schemas.microsoft.com/office/drawing/2010/main" xmlns="">
                 <a:effectLst>
                   <a:outerShdw blurRad="63500" dist="38099" dir="2700000" algn="ctr" rotWithShape="0">
                     <a:schemeClr val="bg2">
@@ -6248,12 +6250,12 @@
           <a:effectLst/>
           <a:extLst>
             <a:ext uri="{909E8E84-426E-40dd-AFC4-6F175D3DCCD1}">
-              <a14:hiddenFill xmlns="" xmlns:a14="http://schemas.microsoft.com/office/drawing/2010/main">
+              <a14:hiddenFill xmlns:a14="http://schemas.microsoft.com/office/drawing/2010/main" xmlns="">
                 <a:noFill/>
               </a14:hiddenFill>
             </a:ext>
             <a:ext uri="{AF507438-7753-43e0-B8FC-AC1667EBCBE1}">
-              <a14:hiddenEffects xmlns="" xmlns:a14="http://schemas.microsoft.com/office/drawing/2010/main">
+              <a14:hiddenEffects xmlns:a14="http://schemas.microsoft.com/office/drawing/2010/main" xmlns="">
                 <a:effectLst>
                   <a:outerShdw blurRad="63500" dist="38099" dir="2700000" algn="ctr" rotWithShape="0">
                     <a:schemeClr val="bg2">
@@ -6312,12 +6314,12 @@
           <a:effectLst/>
           <a:extLst>
             <a:ext uri="{909E8E84-426E-40dd-AFC4-6F175D3DCCD1}">
-              <a14:hiddenFill xmlns="" xmlns:a14="http://schemas.microsoft.com/office/drawing/2010/main">
+              <a14:hiddenFill xmlns:a14="http://schemas.microsoft.com/office/drawing/2010/main" xmlns="">
                 <a:noFill/>
               </a14:hiddenFill>
             </a:ext>
             <a:ext uri="{AF507438-7753-43e0-B8FC-AC1667EBCBE1}">
-              <a14:hiddenEffects xmlns="" xmlns:a14="http://schemas.microsoft.com/office/drawing/2010/main">
+              <a14:hiddenEffects xmlns:a14="http://schemas.microsoft.com/office/drawing/2010/main" xmlns="">
                 <a:effectLst>
                   <a:outerShdw blurRad="63500" dist="38099" dir="2700000" algn="ctr" rotWithShape="0">
                     <a:schemeClr val="bg2">
@@ -6376,12 +6378,12 @@
           <a:effectLst/>
           <a:extLst>
             <a:ext uri="{909E8E84-426E-40dd-AFC4-6F175D3DCCD1}">
-              <a14:hiddenFill xmlns="" xmlns:a14="http://schemas.microsoft.com/office/drawing/2010/main">
+              <a14:hiddenFill xmlns:a14="http://schemas.microsoft.com/office/drawing/2010/main" xmlns="">
                 <a:noFill/>
               </a14:hiddenFill>
             </a:ext>
             <a:ext uri="{AF507438-7753-43e0-B8FC-AC1667EBCBE1}">
-              <a14:hiddenEffects xmlns="" xmlns:a14="http://schemas.microsoft.com/office/drawing/2010/main">
+              <a14:hiddenEffects xmlns:a14="http://schemas.microsoft.com/office/drawing/2010/main" xmlns="">
                 <a:effectLst>
                   <a:outerShdw blurRad="63500" dist="38099" dir="2700000" algn="ctr" rotWithShape="0">
                     <a:schemeClr val="bg2">
@@ -6435,14 +6437,14 @@
           <a:effectLst/>
           <a:extLst>
             <a:ext uri="{909E8E84-426E-40dd-AFC4-6F175D3DCCD1}">
-              <a14:hiddenFill xmlns="" xmlns:a14="http://schemas.microsoft.com/office/drawing/2010/main">
+              <a14:hiddenFill xmlns:a14="http://schemas.microsoft.com/office/drawing/2010/main" xmlns="">
                 <a:solidFill>
                   <a:schemeClr val="accent1"/>
                 </a:solidFill>
               </a14:hiddenFill>
             </a:ext>
             <a:ext uri="{91240B29-F687-4f45-9708-019B960494DF}">
-              <a14:hiddenLine xmlns="" xmlns:a14="http://schemas.microsoft.com/office/drawing/2010/main" w="9525">
+              <a14:hiddenLine xmlns:a14="http://schemas.microsoft.com/office/drawing/2010/main" xmlns="" w="9525">
                 <a:solidFill>
                   <a:schemeClr val="tx1"/>
                 </a:solidFill>
@@ -6452,7 +6454,7 @@
               </a14:hiddenLine>
             </a:ext>
             <a:ext uri="{AF507438-7753-43e0-B8FC-AC1667EBCBE1}">
-              <a14:hiddenEffects xmlns="" xmlns:a14="http://schemas.microsoft.com/office/drawing/2010/main">
+              <a14:hiddenEffects xmlns:a14="http://schemas.microsoft.com/office/drawing/2010/main" xmlns="">
                 <a:effectLst>
                   <a:outerShdw blurRad="63500" dist="38099" dir="2700000" algn="ctr" rotWithShape="0">
                     <a:schemeClr val="bg2">
@@ -6512,14 +6514,14 @@
           <a:effectLst/>
           <a:extLst>
             <a:ext uri="{909E8E84-426E-40dd-AFC4-6F175D3DCCD1}">
-              <a14:hiddenFill xmlns="" xmlns:a14="http://schemas.microsoft.com/office/drawing/2010/main">
+              <a14:hiddenFill xmlns:a14="http://schemas.microsoft.com/office/drawing/2010/main" xmlns="">
                 <a:solidFill>
                   <a:schemeClr val="accent1"/>
                 </a:solidFill>
               </a14:hiddenFill>
             </a:ext>
             <a:ext uri="{91240B29-F687-4f45-9708-019B960494DF}">
-              <a14:hiddenLine xmlns="" xmlns:a14="http://schemas.microsoft.com/office/drawing/2010/main" w="9525">
+              <a14:hiddenLine xmlns:a14="http://schemas.microsoft.com/office/drawing/2010/main" xmlns="" w="9525">
                 <a:solidFill>
                   <a:schemeClr val="tx1"/>
                 </a:solidFill>
@@ -6529,7 +6531,7 @@
               </a14:hiddenLine>
             </a:ext>
             <a:ext uri="{AF507438-7753-43e0-B8FC-AC1667EBCBE1}">
-              <a14:hiddenEffects xmlns="" xmlns:a14="http://schemas.microsoft.com/office/drawing/2010/main">
+              <a14:hiddenEffects xmlns:a14="http://schemas.microsoft.com/office/drawing/2010/main" xmlns="">
                 <a:effectLst>
                   <a:outerShdw blurRad="63500" dist="38099" dir="2700000" algn="ctr" rotWithShape="0">
                     <a:schemeClr val="bg2">
@@ -6589,14 +6591,14 @@
           <a:effectLst/>
           <a:extLst>
             <a:ext uri="{909E8E84-426E-40dd-AFC4-6F175D3DCCD1}">
-              <a14:hiddenFill xmlns="" xmlns:a14="http://schemas.microsoft.com/office/drawing/2010/main">
+              <a14:hiddenFill xmlns:a14="http://schemas.microsoft.com/office/drawing/2010/main" xmlns="">
                 <a:solidFill>
                   <a:schemeClr val="accent1"/>
                 </a:solidFill>
               </a14:hiddenFill>
             </a:ext>
             <a:ext uri="{91240B29-F687-4f45-9708-019B960494DF}">
-              <a14:hiddenLine xmlns="" xmlns:a14="http://schemas.microsoft.com/office/drawing/2010/main" w="9525">
+              <a14:hiddenLine xmlns:a14="http://schemas.microsoft.com/office/drawing/2010/main" xmlns="" w="9525">
                 <a:solidFill>
                   <a:schemeClr val="tx1"/>
                 </a:solidFill>
@@ -6606,7 +6608,7 @@
               </a14:hiddenLine>
             </a:ext>
             <a:ext uri="{AF507438-7753-43e0-B8FC-AC1667EBCBE1}">
-              <a14:hiddenEffects xmlns="" xmlns:a14="http://schemas.microsoft.com/office/drawing/2010/main">
+              <a14:hiddenEffects xmlns:a14="http://schemas.microsoft.com/office/drawing/2010/main" xmlns="">
                 <a:effectLst>
                   <a:outerShdw blurRad="63500" dist="38099" dir="2700000" algn="ctr" rotWithShape="0">
                     <a:schemeClr val="bg2">
@@ -6666,14 +6668,14 @@
           <a:effectLst/>
           <a:extLst>
             <a:ext uri="{909E8E84-426E-40dd-AFC4-6F175D3DCCD1}">
-              <a14:hiddenFill xmlns="" xmlns:a14="http://schemas.microsoft.com/office/drawing/2010/main">
+              <a14:hiddenFill xmlns:a14="http://schemas.microsoft.com/office/drawing/2010/main" xmlns="">
                 <a:solidFill>
                   <a:schemeClr val="accent1"/>
                 </a:solidFill>
               </a14:hiddenFill>
             </a:ext>
             <a:ext uri="{91240B29-F687-4f45-9708-019B960494DF}">
-              <a14:hiddenLine xmlns="" xmlns:a14="http://schemas.microsoft.com/office/drawing/2010/main" w="9525">
+              <a14:hiddenLine xmlns:a14="http://schemas.microsoft.com/office/drawing/2010/main" xmlns="" w="9525">
                 <a:solidFill>
                   <a:schemeClr val="tx1"/>
                 </a:solidFill>
@@ -6683,7 +6685,7 @@
               </a14:hiddenLine>
             </a:ext>
             <a:ext uri="{AF507438-7753-43e0-B8FC-AC1667EBCBE1}">
-              <a14:hiddenEffects xmlns="" xmlns:a14="http://schemas.microsoft.com/office/drawing/2010/main">
+              <a14:hiddenEffects xmlns:a14="http://schemas.microsoft.com/office/drawing/2010/main" xmlns="">
                 <a:effectLst>
                   <a:outerShdw blurRad="63500" dist="38099" dir="2700000" algn="ctr" rotWithShape="0">
                     <a:schemeClr val="bg2">
@@ -6743,14 +6745,14 @@
           <a:effectLst/>
           <a:extLst>
             <a:ext uri="{909E8E84-426E-40dd-AFC4-6F175D3DCCD1}">
-              <a14:hiddenFill xmlns="" xmlns:a14="http://schemas.microsoft.com/office/drawing/2010/main">
+              <a14:hiddenFill xmlns:a14="http://schemas.microsoft.com/office/drawing/2010/main" xmlns="">
                 <a:solidFill>
                   <a:schemeClr val="accent1"/>
                 </a:solidFill>
               </a14:hiddenFill>
             </a:ext>
             <a:ext uri="{91240B29-F687-4f45-9708-019B960494DF}">
-              <a14:hiddenLine xmlns="" xmlns:a14="http://schemas.microsoft.com/office/drawing/2010/main" w="9525">
+              <a14:hiddenLine xmlns:a14="http://schemas.microsoft.com/office/drawing/2010/main" xmlns="" w="9525">
                 <a:solidFill>
                   <a:schemeClr val="tx1"/>
                 </a:solidFill>
@@ -6760,7 +6762,7 @@
               </a14:hiddenLine>
             </a:ext>
             <a:ext uri="{AF507438-7753-43e0-B8FC-AC1667EBCBE1}">
-              <a14:hiddenEffects xmlns="" xmlns:a14="http://schemas.microsoft.com/office/drawing/2010/main">
+              <a14:hiddenEffects xmlns:a14="http://schemas.microsoft.com/office/drawing/2010/main" xmlns="">
                 <a:effectLst>
                   <a:outerShdw blurRad="63500" dist="38099" dir="2700000" algn="ctr" rotWithShape="0">
                     <a:schemeClr val="bg2">
@@ -6820,14 +6822,14 @@
           <a:effectLst/>
           <a:extLst>
             <a:ext uri="{909E8E84-426E-40dd-AFC4-6F175D3DCCD1}">
-              <a14:hiddenFill xmlns="" xmlns:a14="http://schemas.microsoft.com/office/drawing/2010/main">
+              <a14:hiddenFill xmlns:a14="http://schemas.microsoft.com/office/drawing/2010/main" xmlns="">
                 <a:solidFill>
                   <a:schemeClr val="accent1"/>
                 </a:solidFill>
               </a14:hiddenFill>
             </a:ext>
             <a:ext uri="{91240B29-F687-4f45-9708-019B960494DF}">
-              <a14:hiddenLine xmlns="" xmlns:a14="http://schemas.microsoft.com/office/drawing/2010/main" w="9525">
+              <a14:hiddenLine xmlns:a14="http://schemas.microsoft.com/office/drawing/2010/main" xmlns="" w="9525">
                 <a:solidFill>
                   <a:schemeClr val="tx1"/>
                 </a:solidFill>
@@ -6837,7 +6839,7 @@
               </a14:hiddenLine>
             </a:ext>
             <a:ext uri="{AF507438-7753-43e0-B8FC-AC1667EBCBE1}">
-              <a14:hiddenEffects xmlns="" xmlns:a14="http://schemas.microsoft.com/office/drawing/2010/main">
+              <a14:hiddenEffects xmlns:a14="http://schemas.microsoft.com/office/drawing/2010/main" xmlns="">
                 <a:effectLst>
                   <a:outerShdw blurRad="63500" dist="38099" dir="2700000" algn="ctr" rotWithShape="0">
                     <a:schemeClr val="bg2">
@@ -6897,14 +6899,14 @@
           <a:effectLst/>
           <a:extLst>
             <a:ext uri="{909E8E84-426E-40dd-AFC4-6F175D3DCCD1}">
-              <a14:hiddenFill xmlns="" xmlns:a14="http://schemas.microsoft.com/office/drawing/2010/main">
+              <a14:hiddenFill xmlns:a14="http://schemas.microsoft.com/office/drawing/2010/main" xmlns="">
                 <a:solidFill>
                   <a:schemeClr val="accent1"/>
                 </a:solidFill>
               </a14:hiddenFill>
             </a:ext>
             <a:ext uri="{91240B29-F687-4f45-9708-019B960494DF}">
-              <a14:hiddenLine xmlns="" xmlns:a14="http://schemas.microsoft.com/office/drawing/2010/main" w="9525">
+              <a14:hiddenLine xmlns:a14="http://schemas.microsoft.com/office/drawing/2010/main" xmlns="" w="9525">
                 <a:solidFill>
                   <a:schemeClr val="tx1"/>
                 </a:solidFill>
@@ -6914,7 +6916,7 @@
               </a14:hiddenLine>
             </a:ext>
             <a:ext uri="{AF507438-7753-43e0-B8FC-AC1667EBCBE1}">
-              <a14:hiddenEffects xmlns="" xmlns:a14="http://schemas.microsoft.com/office/drawing/2010/main">
+              <a14:hiddenEffects xmlns:a14="http://schemas.microsoft.com/office/drawing/2010/main" xmlns="">
                 <a:effectLst>
                   <a:outerShdw blurRad="63500" dist="38099" dir="2700000" algn="ctr" rotWithShape="0">
                     <a:schemeClr val="bg2">
@@ -6974,14 +6976,14 @@
           <a:effectLst/>
           <a:extLst>
             <a:ext uri="{909E8E84-426E-40dd-AFC4-6F175D3DCCD1}">
-              <a14:hiddenFill xmlns="" xmlns:a14="http://schemas.microsoft.com/office/drawing/2010/main">
+              <a14:hiddenFill xmlns:a14="http://schemas.microsoft.com/office/drawing/2010/main" xmlns="">
                 <a:solidFill>
                   <a:schemeClr val="accent1"/>
                 </a:solidFill>
               </a14:hiddenFill>
             </a:ext>
             <a:ext uri="{91240B29-F687-4f45-9708-019B960494DF}">
-              <a14:hiddenLine xmlns="" xmlns:a14="http://schemas.microsoft.com/office/drawing/2010/main" w="9525">
+              <a14:hiddenLine xmlns:a14="http://schemas.microsoft.com/office/drawing/2010/main" xmlns="" w="9525">
                 <a:solidFill>
                   <a:schemeClr val="tx1"/>
                 </a:solidFill>
@@ -6991,7 +6993,7 @@
               </a14:hiddenLine>
             </a:ext>
             <a:ext uri="{AF507438-7753-43e0-B8FC-AC1667EBCBE1}">
-              <a14:hiddenEffects xmlns="" xmlns:a14="http://schemas.microsoft.com/office/drawing/2010/main">
+              <a14:hiddenEffects xmlns:a14="http://schemas.microsoft.com/office/drawing/2010/main" xmlns="">
                 <a:effectLst>
                   <a:outerShdw blurRad="63500" dist="38099" dir="2700000" algn="ctr" rotWithShape="0">
                     <a:schemeClr val="bg2">
@@ -7051,14 +7053,14 @@
           <a:effectLst/>
           <a:extLst>
             <a:ext uri="{909E8E84-426E-40dd-AFC4-6F175D3DCCD1}">
-              <a14:hiddenFill xmlns="" xmlns:a14="http://schemas.microsoft.com/office/drawing/2010/main">
+              <a14:hiddenFill xmlns:a14="http://schemas.microsoft.com/office/drawing/2010/main" xmlns="">
                 <a:solidFill>
                   <a:schemeClr val="accent1"/>
                 </a:solidFill>
               </a14:hiddenFill>
             </a:ext>
             <a:ext uri="{91240B29-F687-4f45-9708-019B960494DF}">
-              <a14:hiddenLine xmlns="" xmlns:a14="http://schemas.microsoft.com/office/drawing/2010/main" w="9525">
+              <a14:hiddenLine xmlns:a14="http://schemas.microsoft.com/office/drawing/2010/main" xmlns="" w="9525">
                 <a:solidFill>
                   <a:schemeClr val="tx1"/>
                 </a:solidFill>
@@ -7068,7 +7070,7 @@
               </a14:hiddenLine>
             </a:ext>
             <a:ext uri="{AF507438-7753-43e0-B8FC-AC1667EBCBE1}">
-              <a14:hiddenEffects xmlns="" xmlns:a14="http://schemas.microsoft.com/office/drawing/2010/main">
+              <a14:hiddenEffects xmlns:a14="http://schemas.microsoft.com/office/drawing/2010/main" xmlns="">
                 <a:effectLst>
                   <a:outerShdw blurRad="63500" dist="38099" dir="2700000" algn="ctr" rotWithShape="0">
                     <a:schemeClr val="bg2">
@@ -7128,14 +7130,14 @@
           <a:effectLst/>
           <a:extLst>
             <a:ext uri="{909E8E84-426E-40dd-AFC4-6F175D3DCCD1}">
-              <a14:hiddenFill xmlns="" xmlns:a14="http://schemas.microsoft.com/office/drawing/2010/main">
+              <a14:hiddenFill xmlns:a14="http://schemas.microsoft.com/office/drawing/2010/main" xmlns="">
                 <a:solidFill>
                   <a:schemeClr val="accent1"/>
                 </a:solidFill>
               </a14:hiddenFill>
             </a:ext>
             <a:ext uri="{91240B29-F687-4f45-9708-019B960494DF}">
-              <a14:hiddenLine xmlns="" xmlns:a14="http://schemas.microsoft.com/office/drawing/2010/main" w="9525">
+              <a14:hiddenLine xmlns:a14="http://schemas.microsoft.com/office/drawing/2010/main" xmlns="" w="9525">
                 <a:solidFill>
                   <a:schemeClr val="tx1"/>
                 </a:solidFill>
@@ -7145,7 +7147,7 @@
               </a14:hiddenLine>
             </a:ext>
             <a:ext uri="{AF507438-7753-43e0-B8FC-AC1667EBCBE1}">
-              <a14:hiddenEffects xmlns="" xmlns:a14="http://schemas.microsoft.com/office/drawing/2010/main">
+              <a14:hiddenEffects xmlns:a14="http://schemas.microsoft.com/office/drawing/2010/main" xmlns="">
                 <a:effectLst>
                   <a:outerShdw blurRad="63500" dist="38099" dir="2700000" algn="ctr" rotWithShape="0">
                     <a:schemeClr val="bg2">
@@ -7205,14 +7207,14 @@
           <a:effectLst/>
           <a:extLst>
             <a:ext uri="{909E8E84-426E-40dd-AFC4-6F175D3DCCD1}">
-              <a14:hiddenFill xmlns="" xmlns:a14="http://schemas.microsoft.com/office/drawing/2010/main">
+              <a14:hiddenFill xmlns:a14="http://schemas.microsoft.com/office/drawing/2010/main" xmlns="">
                 <a:solidFill>
                   <a:schemeClr val="accent1"/>
                 </a:solidFill>
               </a14:hiddenFill>
             </a:ext>
             <a:ext uri="{91240B29-F687-4f45-9708-019B960494DF}">
-              <a14:hiddenLine xmlns="" xmlns:a14="http://schemas.microsoft.com/office/drawing/2010/main" w="9525">
+              <a14:hiddenLine xmlns:a14="http://schemas.microsoft.com/office/drawing/2010/main" xmlns="" w="9525">
                 <a:solidFill>
                   <a:schemeClr val="tx1"/>
                 </a:solidFill>
@@ -7222,7 +7224,7 @@
               </a14:hiddenLine>
             </a:ext>
             <a:ext uri="{AF507438-7753-43e0-B8FC-AC1667EBCBE1}">
-              <a14:hiddenEffects xmlns="" xmlns:a14="http://schemas.microsoft.com/office/drawing/2010/main">
+              <a14:hiddenEffects xmlns:a14="http://schemas.microsoft.com/office/drawing/2010/main" xmlns="">
                 <a:effectLst>
                   <a:outerShdw blurRad="63500" dist="38099" dir="2700000" algn="ctr" rotWithShape="0">
                     <a:schemeClr val="bg2">
@@ -7282,14 +7284,14 @@
           <a:effectLst/>
           <a:extLst>
             <a:ext uri="{909E8E84-426E-40dd-AFC4-6F175D3DCCD1}">
-              <a14:hiddenFill xmlns="" xmlns:a14="http://schemas.microsoft.com/office/drawing/2010/main">
+              <a14:hiddenFill xmlns:a14="http://schemas.microsoft.com/office/drawing/2010/main" xmlns="">
                 <a:solidFill>
                   <a:schemeClr val="accent1"/>
                 </a:solidFill>
               </a14:hiddenFill>
             </a:ext>
             <a:ext uri="{91240B29-F687-4f45-9708-019B960494DF}">
-              <a14:hiddenLine xmlns="" xmlns:a14="http://schemas.microsoft.com/office/drawing/2010/main" w="9525">
+              <a14:hiddenLine xmlns:a14="http://schemas.microsoft.com/office/drawing/2010/main" xmlns="" w="9525">
                 <a:solidFill>
                   <a:schemeClr val="tx1"/>
                 </a:solidFill>
@@ -7299,7 +7301,7 @@
               </a14:hiddenLine>
             </a:ext>
             <a:ext uri="{AF507438-7753-43e0-B8FC-AC1667EBCBE1}">
-              <a14:hiddenEffects xmlns="" xmlns:a14="http://schemas.microsoft.com/office/drawing/2010/main">
+              <a14:hiddenEffects xmlns:a14="http://schemas.microsoft.com/office/drawing/2010/main" xmlns="">
                 <a:effectLst>
                   <a:outerShdw blurRad="63500" dist="38099" dir="2700000" algn="ctr" rotWithShape="0">
                     <a:schemeClr val="bg2">
@@ -7359,14 +7361,14 @@
           <a:effectLst/>
           <a:extLst>
             <a:ext uri="{909E8E84-426E-40dd-AFC4-6F175D3DCCD1}">
-              <a14:hiddenFill xmlns="" xmlns:a14="http://schemas.microsoft.com/office/drawing/2010/main">
+              <a14:hiddenFill xmlns:a14="http://schemas.microsoft.com/office/drawing/2010/main" xmlns="">
                 <a:solidFill>
                   <a:schemeClr val="accent1"/>
                 </a:solidFill>
               </a14:hiddenFill>
             </a:ext>
             <a:ext uri="{91240B29-F687-4f45-9708-019B960494DF}">
-              <a14:hiddenLine xmlns="" xmlns:a14="http://schemas.microsoft.com/office/drawing/2010/main" w="9525">
+              <a14:hiddenLine xmlns:a14="http://schemas.microsoft.com/office/drawing/2010/main" xmlns="" w="9525">
                 <a:solidFill>
                   <a:schemeClr val="tx1"/>
                 </a:solidFill>
@@ -7376,7 +7378,7 @@
               </a14:hiddenLine>
             </a:ext>
             <a:ext uri="{AF507438-7753-43e0-B8FC-AC1667EBCBE1}">
-              <a14:hiddenEffects xmlns="" xmlns:a14="http://schemas.microsoft.com/office/drawing/2010/main">
+              <a14:hiddenEffects xmlns:a14="http://schemas.microsoft.com/office/drawing/2010/main" xmlns="">
                 <a:effectLst>
                   <a:outerShdw blurRad="63500" dist="38099" dir="2700000" algn="ctr" rotWithShape="0">
                     <a:schemeClr val="bg2">
@@ -7436,14 +7438,14 @@
           <a:effectLst/>
           <a:extLst>
             <a:ext uri="{909E8E84-426E-40dd-AFC4-6F175D3DCCD1}">
-              <a14:hiddenFill xmlns="" xmlns:a14="http://schemas.microsoft.com/office/drawing/2010/main">
+              <a14:hiddenFill xmlns:a14="http://schemas.microsoft.com/office/drawing/2010/main" xmlns="">
                 <a:solidFill>
                   <a:schemeClr val="accent1"/>
                 </a:solidFill>
               </a14:hiddenFill>
             </a:ext>
             <a:ext uri="{91240B29-F687-4f45-9708-019B960494DF}">
-              <a14:hiddenLine xmlns="" xmlns:a14="http://schemas.microsoft.com/office/drawing/2010/main" w="9525">
+              <a14:hiddenLine xmlns:a14="http://schemas.microsoft.com/office/drawing/2010/main" xmlns="" w="9525">
                 <a:solidFill>
                   <a:schemeClr val="tx1"/>
                 </a:solidFill>
@@ -7453,7 +7455,7 @@
               </a14:hiddenLine>
             </a:ext>
             <a:ext uri="{AF507438-7753-43e0-B8FC-AC1667EBCBE1}">
-              <a14:hiddenEffects xmlns="" xmlns:a14="http://schemas.microsoft.com/office/drawing/2010/main">
+              <a14:hiddenEffects xmlns:a14="http://schemas.microsoft.com/office/drawing/2010/main" xmlns="">
                 <a:effectLst>
                   <a:outerShdw blurRad="63500" dist="38099" dir="2700000" algn="ctr" rotWithShape="0">
                     <a:schemeClr val="bg2">
@@ -7513,14 +7515,14 @@
           <a:effectLst/>
           <a:extLst>
             <a:ext uri="{909E8E84-426E-40dd-AFC4-6F175D3DCCD1}">
-              <a14:hiddenFill xmlns="" xmlns:a14="http://schemas.microsoft.com/office/drawing/2010/main">
+              <a14:hiddenFill xmlns:a14="http://schemas.microsoft.com/office/drawing/2010/main" xmlns="">
                 <a:solidFill>
                   <a:schemeClr val="accent1"/>
                 </a:solidFill>
               </a14:hiddenFill>
             </a:ext>
             <a:ext uri="{91240B29-F687-4f45-9708-019B960494DF}">
-              <a14:hiddenLine xmlns="" xmlns:a14="http://schemas.microsoft.com/office/drawing/2010/main" w="9525">
+              <a14:hiddenLine xmlns:a14="http://schemas.microsoft.com/office/drawing/2010/main" xmlns="" w="9525">
                 <a:solidFill>
                   <a:schemeClr val="tx1"/>
                 </a:solidFill>
@@ -7530,7 +7532,7 @@
               </a14:hiddenLine>
             </a:ext>
             <a:ext uri="{AF507438-7753-43e0-B8FC-AC1667EBCBE1}">
-              <a14:hiddenEffects xmlns="" xmlns:a14="http://schemas.microsoft.com/office/drawing/2010/main">
+              <a14:hiddenEffects xmlns:a14="http://schemas.microsoft.com/office/drawing/2010/main" xmlns="">
                 <a:effectLst>
                   <a:outerShdw blurRad="63500" dist="38099" dir="2700000" algn="ctr" rotWithShape="0">
                     <a:schemeClr val="bg2">
@@ -7590,14 +7592,14 @@
           <a:effectLst/>
           <a:extLst>
             <a:ext uri="{909E8E84-426E-40dd-AFC4-6F175D3DCCD1}">
-              <a14:hiddenFill xmlns="" xmlns:a14="http://schemas.microsoft.com/office/drawing/2010/main">
+              <a14:hiddenFill xmlns:a14="http://schemas.microsoft.com/office/drawing/2010/main" xmlns="">
                 <a:solidFill>
                   <a:schemeClr val="accent1"/>
                 </a:solidFill>
               </a14:hiddenFill>
             </a:ext>
             <a:ext uri="{91240B29-F687-4f45-9708-019B960494DF}">
-              <a14:hiddenLine xmlns="" xmlns:a14="http://schemas.microsoft.com/office/drawing/2010/main" w="9525">
+              <a14:hiddenLine xmlns:a14="http://schemas.microsoft.com/office/drawing/2010/main" xmlns="" w="9525">
                 <a:solidFill>
                   <a:schemeClr val="tx1"/>
                 </a:solidFill>
@@ -7607,7 +7609,7 @@
               </a14:hiddenLine>
             </a:ext>
             <a:ext uri="{AF507438-7753-43e0-B8FC-AC1667EBCBE1}">
-              <a14:hiddenEffects xmlns="" xmlns:a14="http://schemas.microsoft.com/office/drawing/2010/main">
+              <a14:hiddenEffects xmlns:a14="http://schemas.microsoft.com/office/drawing/2010/main" xmlns="">
                 <a:effectLst>
                   <a:outerShdw blurRad="63500" dist="38099" dir="2700000" algn="ctr" rotWithShape="0">
                     <a:schemeClr val="bg2">
@@ -7670,14 +7672,14 @@
           <a:effectLst/>
           <a:extLst>
             <a:ext uri="{909E8E84-426E-40dd-AFC4-6F175D3DCCD1}">
-              <a14:hiddenFill xmlns="" xmlns:a14="http://schemas.microsoft.com/office/drawing/2010/main">
+              <a14:hiddenFill xmlns:a14="http://schemas.microsoft.com/office/drawing/2010/main" xmlns="">
                 <a:solidFill>
                   <a:schemeClr val="accent1"/>
                 </a:solidFill>
               </a14:hiddenFill>
             </a:ext>
             <a:ext uri="{91240B29-F687-4f45-9708-019B960494DF}">
-              <a14:hiddenLine xmlns="" xmlns:a14="http://schemas.microsoft.com/office/drawing/2010/main" w="9525">
+              <a14:hiddenLine xmlns:a14="http://schemas.microsoft.com/office/drawing/2010/main" xmlns="" w="9525">
                 <a:solidFill>
                   <a:schemeClr val="tx1"/>
                 </a:solidFill>
@@ -7687,7 +7689,7 @@
               </a14:hiddenLine>
             </a:ext>
             <a:ext uri="{AF507438-7753-43e0-B8FC-AC1667EBCBE1}">
-              <a14:hiddenEffects xmlns="" xmlns:a14="http://schemas.microsoft.com/office/drawing/2010/main">
+              <a14:hiddenEffects xmlns:a14="http://schemas.microsoft.com/office/drawing/2010/main" xmlns="">
                 <a:effectLst>
                   <a:outerShdw blurRad="63500" dist="38099" dir="2700000" algn="ctr" rotWithShape="0">
                     <a:schemeClr val="bg2">
@@ -7750,14 +7752,14 @@
           <a:effectLst/>
           <a:extLst>
             <a:ext uri="{909E8E84-426E-40dd-AFC4-6F175D3DCCD1}">
-              <a14:hiddenFill xmlns="" xmlns:a14="http://schemas.microsoft.com/office/drawing/2010/main">
+              <a14:hiddenFill xmlns:a14="http://schemas.microsoft.com/office/drawing/2010/main" xmlns="">
                 <a:solidFill>
                   <a:schemeClr val="accent1"/>
                 </a:solidFill>
               </a14:hiddenFill>
             </a:ext>
             <a:ext uri="{91240B29-F687-4f45-9708-019B960494DF}">
-              <a14:hiddenLine xmlns="" xmlns:a14="http://schemas.microsoft.com/office/drawing/2010/main" w="9525">
+              <a14:hiddenLine xmlns:a14="http://schemas.microsoft.com/office/drawing/2010/main" xmlns="" w="9525">
                 <a:solidFill>
                   <a:schemeClr val="tx1"/>
                 </a:solidFill>
@@ -7767,7 +7769,7 @@
               </a14:hiddenLine>
             </a:ext>
             <a:ext uri="{AF507438-7753-43e0-B8FC-AC1667EBCBE1}">
-              <a14:hiddenEffects xmlns="" xmlns:a14="http://schemas.microsoft.com/office/drawing/2010/main">
+              <a14:hiddenEffects xmlns:a14="http://schemas.microsoft.com/office/drawing/2010/main" xmlns="">
                 <a:effectLst>
                   <a:outerShdw blurRad="63500" dist="38099" dir="2700000" algn="ctr" rotWithShape="0">
                     <a:schemeClr val="bg2">
@@ -7830,14 +7832,14 @@
           <a:effectLst/>
           <a:extLst>
             <a:ext uri="{909E8E84-426E-40dd-AFC4-6F175D3DCCD1}">
-              <a14:hiddenFill xmlns="" xmlns:a14="http://schemas.microsoft.com/office/drawing/2010/main">
+              <a14:hiddenFill xmlns:a14="http://schemas.microsoft.com/office/drawing/2010/main" xmlns="">
                 <a:solidFill>
                   <a:schemeClr val="accent1"/>
                 </a:solidFill>
               </a14:hiddenFill>
             </a:ext>
             <a:ext uri="{91240B29-F687-4f45-9708-019B960494DF}">
-              <a14:hiddenLine xmlns="" xmlns:a14="http://schemas.microsoft.com/office/drawing/2010/main" w="9525">
+              <a14:hiddenLine xmlns:a14="http://schemas.microsoft.com/office/drawing/2010/main" xmlns="" w="9525">
                 <a:solidFill>
                   <a:schemeClr val="tx1"/>
                 </a:solidFill>
@@ -7847,7 +7849,7 @@
               </a14:hiddenLine>
             </a:ext>
             <a:ext uri="{AF507438-7753-43e0-B8FC-AC1667EBCBE1}">
-              <a14:hiddenEffects xmlns="" xmlns:a14="http://schemas.microsoft.com/office/drawing/2010/main">
+              <a14:hiddenEffects xmlns:a14="http://schemas.microsoft.com/office/drawing/2010/main" xmlns="">
                 <a:effectLst>
                   <a:outerShdw blurRad="63500" dist="38099" dir="2700000" algn="ctr" rotWithShape="0">
                     <a:schemeClr val="bg2">
@@ -7940,14 +7942,14 @@
           <a:effectLst/>
           <a:extLst>
             <a:ext uri="{909E8E84-426E-40dd-AFC4-6F175D3DCCD1}">
-              <a14:hiddenFill xmlns="" xmlns:a14="http://schemas.microsoft.com/office/drawing/2010/main">
+              <a14:hiddenFill xmlns:a14="http://schemas.microsoft.com/office/drawing/2010/main" xmlns="">
                 <a:solidFill>
                   <a:schemeClr val="accent1"/>
                 </a:solidFill>
               </a14:hiddenFill>
             </a:ext>
             <a:ext uri="{AF507438-7753-43e0-B8FC-AC1667EBCBE1}">
-              <a14:hiddenEffects xmlns="" xmlns:a14="http://schemas.microsoft.com/office/drawing/2010/main">
+              <a14:hiddenEffects xmlns:a14="http://schemas.microsoft.com/office/drawing/2010/main" xmlns="">
                 <a:effectLst>
                   <a:outerShdw blurRad="63500" dist="38099" dir="2700000" algn="ctr" rotWithShape="0">
                     <a:schemeClr val="bg2">
@@ -8000,7 +8002,7 @@
           <a:graphicData uri="http://schemas.openxmlformats.org/presentationml/2006/ole">
             <mc:AlternateContent xmlns:mc="http://schemas.openxmlformats.org/markup-compatibility/2006">
               <mc:Choice xmlns:v="urn:schemas-microsoft-com:vml" Requires="v">
-                <p:oleObj spid="_x0000_s4127" name="数式" r:id="rId3" imgW="152268" imgH="215713" progId="Equation.3">
+                <p:oleObj spid="_x0000_s4133" name="数式" r:id="rId3" imgW="152268" imgH="215713" progId="Equation.3">
                   <p:embed/>
                 </p:oleObj>
               </mc:Choice>
@@ -8095,7 +8097,7 @@
           <a:graphicData uri="http://schemas.openxmlformats.org/presentationml/2006/ole">
             <mc:AlternateContent xmlns:mc="http://schemas.openxmlformats.org/markup-compatibility/2006">
               <mc:Choice xmlns:v="urn:schemas-microsoft-com:vml" Requires="v">
-                <p:oleObj spid="_x0000_s4128" name="数式" r:id="rId5" imgW="164885" imgH="215619" progId="Equation.3">
+                <p:oleObj spid="_x0000_s4134" name="数式" r:id="rId5" imgW="164885" imgH="215619" progId="Equation.3">
                   <p:embed/>
                 </p:oleObj>
               </mc:Choice>
@@ -8190,7 +8192,7 @@
           <a:graphicData uri="http://schemas.openxmlformats.org/presentationml/2006/ole">
             <mc:AlternateContent xmlns:mc="http://schemas.openxmlformats.org/markup-compatibility/2006">
               <mc:Choice xmlns:v="urn:schemas-microsoft-com:vml" Requires="v">
-                <p:oleObj spid="_x0000_s4129" name="数式" r:id="rId7" imgW="152268" imgH="215713" progId="Equation.3">
+                <p:oleObj spid="_x0000_s4135" name="数式" r:id="rId7" imgW="152268" imgH="215713" progId="Equation.3">
                   <p:embed/>
                 </p:oleObj>
               </mc:Choice>
@@ -8285,7 +8287,7 @@
           <a:graphicData uri="http://schemas.openxmlformats.org/presentationml/2006/ole">
             <mc:AlternateContent xmlns:mc="http://schemas.openxmlformats.org/markup-compatibility/2006">
               <mc:Choice xmlns:v="urn:schemas-microsoft-com:vml" Requires="v">
-                <p:oleObj spid="_x0000_s4130" name="数式" r:id="rId9" imgW="152268" imgH="215713" progId="Equation.3">
+                <p:oleObj spid="_x0000_s4136" name="数式" r:id="rId9" imgW="152268" imgH="215713" progId="Equation.3">
                   <p:embed/>
                 </p:oleObj>
               </mc:Choice>
@@ -8381,14 +8383,14 @@
           <a:effectLst/>
           <a:extLst>
             <a:ext uri="{909E8E84-426E-40dd-AFC4-6F175D3DCCD1}">
-              <a14:hiddenFill xmlns="" xmlns:a14="http://schemas.microsoft.com/office/drawing/2010/main">
+              <a14:hiddenFill xmlns:a14="http://schemas.microsoft.com/office/drawing/2010/main" xmlns="">
                 <a:solidFill>
                   <a:schemeClr val="accent1"/>
                 </a:solidFill>
               </a14:hiddenFill>
             </a:ext>
             <a:ext uri="{91240B29-F687-4f45-9708-019B960494DF}">
-              <a14:hiddenLine xmlns="" xmlns:a14="http://schemas.microsoft.com/office/drawing/2010/main" w="9525">
+              <a14:hiddenLine xmlns:a14="http://schemas.microsoft.com/office/drawing/2010/main" xmlns="" w="9525">
                 <a:solidFill>
                   <a:schemeClr val="tx1"/>
                 </a:solidFill>
@@ -8398,7 +8400,7 @@
               </a14:hiddenLine>
             </a:ext>
             <a:ext uri="{AF507438-7753-43e0-B8FC-AC1667EBCBE1}">
-              <a14:hiddenEffects xmlns="" xmlns:a14="http://schemas.microsoft.com/office/drawing/2010/main">
+              <a14:hiddenEffects xmlns:a14="http://schemas.microsoft.com/office/drawing/2010/main" xmlns="">
                 <a:effectLst>
                   <a:outerShdw blurRad="63500" dist="38099" dir="2700000" algn="ctr" rotWithShape="0">
                     <a:schemeClr val="bg2">
@@ -8568,14 +8570,14 @@
           <a:effectLst/>
           <a:extLst>
             <a:ext uri="{909E8E84-426E-40dd-AFC4-6F175D3DCCD1}">
-              <a14:hiddenFill xmlns="" xmlns:a14="http://schemas.microsoft.com/office/drawing/2010/main">
+              <a14:hiddenFill xmlns:a14="http://schemas.microsoft.com/office/drawing/2010/main" xmlns="">
                 <a:solidFill>
                   <a:schemeClr val="accent1"/>
                 </a:solidFill>
               </a14:hiddenFill>
             </a:ext>
             <a:ext uri="{91240B29-F687-4f45-9708-019B960494DF}">
-              <a14:hiddenLine xmlns="" xmlns:a14="http://schemas.microsoft.com/office/drawing/2010/main" w="9525">
+              <a14:hiddenLine xmlns:a14="http://schemas.microsoft.com/office/drawing/2010/main" xmlns="" w="9525">
                 <a:solidFill>
                   <a:schemeClr val="tx1"/>
                 </a:solidFill>
@@ -8585,7 +8587,7 @@
               </a14:hiddenLine>
             </a:ext>
             <a:ext uri="{AF507438-7753-43e0-B8FC-AC1667EBCBE1}">
-              <a14:hiddenEffects xmlns="" xmlns:a14="http://schemas.microsoft.com/office/drawing/2010/main">
+              <a14:hiddenEffects xmlns:a14="http://schemas.microsoft.com/office/drawing/2010/main" xmlns="">
                 <a:effectLst>
                   <a:outerShdw blurRad="63500" dist="38099" dir="2700000" algn="ctr" rotWithShape="0">
                     <a:schemeClr val="bg2">
@@ -8754,7 +8756,7 @@
           <a:graphicData uri="http://schemas.openxmlformats.org/presentationml/2006/ole">
             <mc:AlternateContent xmlns:mc="http://schemas.openxmlformats.org/markup-compatibility/2006">
               <mc:Choice xmlns:v="urn:schemas-microsoft-com:vml" Requires="v">
-                <p:oleObj spid="_x0000_s4131" name="数式" r:id="rId5" imgW="164885" imgH="215619" progId="Equation.3">
+                <p:oleObj spid="_x0000_s4137" name="数式" r:id="rId5" imgW="164885" imgH="215619" progId="Equation.3">
                   <p:embed/>
                 </p:oleObj>
               </mc:Choice>
@@ -8856,14 +8858,14 @@
           <a:effectLst/>
           <a:extLst>
             <a:ext uri="{909E8E84-426E-40dd-AFC4-6F175D3DCCD1}">
-              <a14:hiddenFill xmlns="" xmlns:a14="http://schemas.microsoft.com/office/drawing/2010/main">
+              <a14:hiddenFill xmlns:a14="http://schemas.microsoft.com/office/drawing/2010/main" xmlns="">
                 <a:solidFill>
                   <a:schemeClr val="accent1"/>
                 </a:solidFill>
               </a14:hiddenFill>
             </a:ext>
             <a:ext uri="{91240B29-F687-4f45-9708-019B960494DF}">
-              <a14:hiddenLine xmlns="" xmlns:a14="http://schemas.microsoft.com/office/drawing/2010/main" w="9525">
+              <a14:hiddenLine xmlns:a14="http://schemas.microsoft.com/office/drawing/2010/main" xmlns="" w="9525">
                 <a:solidFill>
                   <a:schemeClr val="tx1"/>
                 </a:solidFill>
@@ -8873,7 +8875,7 @@
               </a14:hiddenLine>
             </a:ext>
             <a:ext uri="{AF507438-7753-43e0-B8FC-AC1667EBCBE1}">
-              <a14:hiddenEffects xmlns="" xmlns:a14="http://schemas.microsoft.com/office/drawing/2010/main">
+              <a14:hiddenEffects xmlns:a14="http://schemas.microsoft.com/office/drawing/2010/main" xmlns="">
                 <a:effectLst>
                   <a:outerShdw blurRad="63500" dist="38099" dir="2700000" algn="ctr" rotWithShape="0">
                     <a:schemeClr val="bg2">
@@ -9042,7 +9044,7 @@
           <a:graphicData uri="http://schemas.openxmlformats.org/presentationml/2006/ole">
             <mc:AlternateContent xmlns:mc="http://schemas.openxmlformats.org/markup-compatibility/2006">
               <mc:Choice xmlns:v="urn:schemas-microsoft-com:vml" Requires="v">
-                <p:oleObj spid="_x0000_s4132" name="数式" r:id="rId7" imgW="152268" imgH="215713" progId="Equation.3">
+                <p:oleObj spid="_x0000_s4138" name="数式" r:id="rId7" imgW="152268" imgH="215713" progId="Equation.3">
                   <p:embed/>
                 </p:oleObj>
               </mc:Choice>
@@ -9181,7 +9183,7 @@
           <a:effectLst/>
           <a:extLst>
             <a:ext uri="{AF507438-7753-43e0-B8FC-AC1667EBCBE1}">
-              <a14:hiddenEffects xmlns="" xmlns:a14="http://schemas.microsoft.com/office/drawing/2010/main">
+              <a14:hiddenEffects xmlns:a14="http://schemas.microsoft.com/office/drawing/2010/main" xmlns="">
                 <a:effectLst>
                   <a:outerShdw blurRad="63500" dist="38099" dir="2700000" algn="ctr" rotWithShape="0">
                     <a:schemeClr val="bg2">
@@ -9242,7 +9244,7 @@
           <a:effectLst/>
           <a:extLst>
             <a:ext uri="{AF507438-7753-43e0-B8FC-AC1667EBCBE1}">
-              <a14:hiddenEffects xmlns="" xmlns:a14="http://schemas.microsoft.com/office/drawing/2010/main">
+              <a14:hiddenEffects xmlns:a14="http://schemas.microsoft.com/office/drawing/2010/main" xmlns="">
                 <a:effectLst>
                   <a:outerShdw blurRad="63500" dist="38099" dir="2700000" algn="ctr" rotWithShape="0">
                     <a:schemeClr val="bg2">
@@ -9303,7 +9305,7 @@
           <a:effectLst/>
           <a:extLst>
             <a:ext uri="{AF507438-7753-43e0-B8FC-AC1667EBCBE1}">
-              <a14:hiddenEffects xmlns="" xmlns:a14="http://schemas.microsoft.com/office/drawing/2010/main">
+              <a14:hiddenEffects xmlns:a14="http://schemas.microsoft.com/office/drawing/2010/main" xmlns="">
                 <a:effectLst>
                   <a:outerShdw blurRad="63500" dist="38099" dir="2700000" algn="ctr" rotWithShape="0">
                     <a:schemeClr val="bg2">
@@ -9364,7 +9366,7 @@
           <a:effectLst/>
           <a:extLst>
             <a:ext uri="{AF507438-7753-43e0-B8FC-AC1667EBCBE1}">
-              <a14:hiddenEffects xmlns="" xmlns:a14="http://schemas.microsoft.com/office/drawing/2010/main">
+              <a14:hiddenEffects xmlns:a14="http://schemas.microsoft.com/office/drawing/2010/main" xmlns="">
                 <a:effectLst>
                   <a:outerShdw blurRad="63500" dist="38099" dir="2700000" algn="ctr" rotWithShape="0">
                     <a:schemeClr val="bg2">
@@ -9425,7 +9427,7 @@
           <a:effectLst/>
           <a:extLst>
             <a:ext uri="{AF507438-7753-43e0-B8FC-AC1667EBCBE1}">
-              <a14:hiddenEffects xmlns="" xmlns:a14="http://schemas.microsoft.com/office/drawing/2010/main">
+              <a14:hiddenEffects xmlns:a14="http://schemas.microsoft.com/office/drawing/2010/main" xmlns="">
                 <a:effectLst>
                   <a:outerShdw blurRad="63500" dist="38099" dir="2700000" algn="ctr" rotWithShape="0">
                     <a:schemeClr val="bg2">
@@ -9486,12 +9488,12 @@
           <a:effectLst/>
           <a:extLst>
             <a:ext uri="{909E8E84-426E-40dd-AFC4-6F175D3DCCD1}">
-              <a14:hiddenFill xmlns="" xmlns:a14="http://schemas.microsoft.com/office/drawing/2010/main">
+              <a14:hiddenFill xmlns:a14="http://schemas.microsoft.com/office/drawing/2010/main" xmlns="">
                 <a:noFill/>
               </a14:hiddenFill>
             </a:ext>
             <a:ext uri="{AF507438-7753-43e0-B8FC-AC1667EBCBE1}">
-              <a14:hiddenEffects xmlns="" xmlns:a14="http://schemas.microsoft.com/office/drawing/2010/main">
+              <a14:hiddenEffects xmlns:a14="http://schemas.microsoft.com/office/drawing/2010/main" xmlns="">
                 <a:effectLst>
                   <a:outerShdw blurRad="63500" dist="38099" dir="2700000" algn="ctr" rotWithShape="0">
                     <a:schemeClr val="bg2">
@@ -9540,12 +9542,12 @@
           <a:effectLst/>
           <a:extLst>
             <a:ext uri="{909E8E84-426E-40dd-AFC4-6F175D3DCCD1}">
-              <a14:hiddenFill xmlns="" xmlns:a14="http://schemas.microsoft.com/office/drawing/2010/main">
+              <a14:hiddenFill xmlns:a14="http://schemas.microsoft.com/office/drawing/2010/main" xmlns="">
                 <a:noFill/>
               </a14:hiddenFill>
             </a:ext>
             <a:ext uri="{AF507438-7753-43e0-B8FC-AC1667EBCBE1}">
-              <a14:hiddenEffects xmlns="" xmlns:a14="http://schemas.microsoft.com/office/drawing/2010/main">
+              <a14:hiddenEffects xmlns:a14="http://schemas.microsoft.com/office/drawing/2010/main" xmlns="">
                 <a:effectLst>
                   <a:outerShdw blurRad="63500" dist="38099" dir="2700000" algn="ctr" rotWithShape="0">
                     <a:schemeClr val="bg2">
@@ -9594,12 +9596,12 @@
           <a:effectLst/>
           <a:extLst>
             <a:ext uri="{909E8E84-426E-40dd-AFC4-6F175D3DCCD1}">
-              <a14:hiddenFill xmlns="" xmlns:a14="http://schemas.microsoft.com/office/drawing/2010/main">
+              <a14:hiddenFill xmlns:a14="http://schemas.microsoft.com/office/drawing/2010/main" xmlns="">
                 <a:noFill/>
               </a14:hiddenFill>
             </a:ext>
             <a:ext uri="{AF507438-7753-43e0-B8FC-AC1667EBCBE1}">
-              <a14:hiddenEffects xmlns="" xmlns:a14="http://schemas.microsoft.com/office/drawing/2010/main">
+              <a14:hiddenEffects xmlns:a14="http://schemas.microsoft.com/office/drawing/2010/main" xmlns="">
                 <a:effectLst>
                   <a:outerShdw blurRad="63500" dist="38099" dir="2700000" algn="ctr" rotWithShape="0">
                     <a:schemeClr val="bg2">
@@ -9648,12 +9650,12 @@
           <a:effectLst/>
           <a:extLst>
             <a:ext uri="{909E8E84-426E-40dd-AFC4-6F175D3DCCD1}">
-              <a14:hiddenFill xmlns="" xmlns:a14="http://schemas.microsoft.com/office/drawing/2010/main">
+              <a14:hiddenFill xmlns:a14="http://schemas.microsoft.com/office/drawing/2010/main" xmlns="">
                 <a:noFill/>
               </a14:hiddenFill>
             </a:ext>
             <a:ext uri="{AF507438-7753-43e0-B8FC-AC1667EBCBE1}">
-              <a14:hiddenEffects xmlns="" xmlns:a14="http://schemas.microsoft.com/office/drawing/2010/main">
+              <a14:hiddenEffects xmlns:a14="http://schemas.microsoft.com/office/drawing/2010/main" xmlns="">
                 <a:effectLst>
                   <a:outerShdw blurRad="63500" dist="38099" dir="2700000" algn="ctr" rotWithShape="0">
                     <a:schemeClr val="bg2">
@@ -9702,12 +9704,12 @@
           <a:effectLst/>
           <a:extLst>
             <a:ext uri="{909E8E84-426E-40dd-AFC4-6F175D3DCCD1}">
-              <a14:hiddenFill xmlns="" xmlns:a14="http://schemas.microsoft.com/office/drawing/2010/main">
+              <a14:hiddenFill xmlns:a14="http://schemas.microsoft.com/office/drawing/2010/main" xmlns="">
                 <a:noFill/>
               </a14:hiddenFill>
             </a:ext>
             <a:ext uri="{AF507438-7753-43e0-B8FC-AC1667EBCBE1}">
-              <a14:hiddenEffects xmlns="" xmlns:a14="http://schemas.microsoft.com/office/drawing/2010/main">
+              <a14:hiddenEffects xmlns:a14="http://schemas.microsoft.com/office/drawing/2010/main" xmlns="">
                 <a:effectLst>
                   <a:outerShdw blurRad="63500" dist="38099" dir="2700000" algn="ctr" rotWithShape="0">
                     <a:schemeClr val="bg2">
@@ -9756,12 +9758,12 @@
           <a:effectLst/>
           <a:extLst>
             <a:ext uri="{909E8E84-426E-40dd-AFC4-6F175D3DCCD1}">
-              <a14:hiddenFill xmlns="" xmlns:a14="http://schemas.microsoft.com/office/drawing/2010/main">
+              <a14:hiddenFill xmlns:a14="http://schemas.microsoft.com/office/drawing/2010/main" xmlns="">
                 <a:noFill/>
               </a14:hiddenFill>
             </a:ext>
             <a:ext uri="{AF507438-7753-43e0-B8FC-AC1667EBCBE1}">
-              <a14:hiddenEffects xmlns="" xmlns:a14="http://schemas.microsoft.com/office/drawing/2010/main">
+              <a14:hiddenEffects xmlns:a14="http://schemas.microsoft.com/office/drawing/2010/main" xmlns="">
                 <a:effectLst>
                   <a:outerShdw blurRad="63500" dist="38099" dir="2700000" algn="ctr" rotWithShape="0">
                     <a:schemeClr val="bg2">
@@ -9808,12 +9810,12 @@
           <a:effectLst/>
           <a:extLst>
             <a:ext uri="{909E8E84-426E-40dd-AFC4-6F175D3DCCD1}">
-              <a14:hiddenFill xmlns="" xmlns:a14="http://schemas.microsoft.com/office/drawing/2010/main">
+              <a14:hiddenFill xmlns:a14="http://schemas.microsoft.com/office/drawing/2010/main" xmlns="">
                 <a:noFill/>
               </a14:hiddenFill>
             </a:ext>
             <a:ext uri="{AF507438-7753-43e0-B8FC-AC1667EBCBE1}">
-              <a14:hiddenEffects xmlns="" xmlns:a14="http://schemas.microsoft.com/office/drawing/2010/main">
+              <a14:hiddenEffects xmlns:a14="http://schemas.microsoft.com/office/drawing/2010/main" xmlns="">
                 <a:effectLst>
                   <a:outerShdw blurRad="63500" dist="38099" dir="2700000" algn="ctr" rotWithShape="0">
                     <a:schemeClr val="bg2">
@@ -9872,12 +9874,12 @@
           <a:effectLst/>
           <a:extLst>
             <a:ext uri="{909E8E84-426E-40dd-AFC4-6F175D3DCCD1}">
-              <a14:hiddenFill xmlns="" xmlns:a14="http://schemas.microsoft.com/office/drawing/2010/main">
+              <a14:hiddenFill xmlns:a14="http://schemas.microsoft.com/office/drawing/2010/main" xmlns="">
                 <a:noFill/>
               </a14:hiddenFill>
             </a:ext>
             <a:ext uri="{AF507438-7753-43e0-B8FC-AC1667EBCBE1}">
-              <a14:hiddenEffects xmlns="" xmlns:a14="http://schemas.microsoft.com/office/drawing/2010/main">
+              <a14:hiddenEffects xmlns:a14="http://schemas.microsoft.com/office/drawing/2010/main" xmlns="">
                 <a:effectLst>
                   <a:outerShdw blurRad="63500" dist="38099" dir="2700000" algn="ctr" rotWithShape="0">
                     <a:schemeClr val="bg2">
@@ -9936,12 +9938,12 @@
           <a:effectLst/>
           <a:extLst>
             <a:ext uri="{909E8E84-426E-40dd-AFC4-6F175D3DCCD1}">
-              <a14:hiddenFill xmlns="" xmlns:a14="http://schemas.microsoft.com/office/drawing/2010/main">
+              <a14:hiddenFill xmlns:a14="http://schemas.microsoft.com/office/drawing/2010/main" xmlns="">
                 <a:noFill/>
               </a14:hiddenFill>
             </a:ext>
             <a:ext uri="{AF507438-7753-43e0-B8FC-AC1667EBCBE1}">
-              <a14:hiddenEffects xmlns="" xmlns:a14="http://schemas.microsoft.com/office/drawing/2010/main">
+              <a14:hiddenEffects xmlns:a14="http://schemas.microsoft.com/office/drawing/2010/main" xmlns="">
                 <a:effectLst>
                   <a:outerShdw blurRad="63500" dist="38099" dir="2700000" algn="ctr" rotWithShape="0">
                     <a:schemeClr val="bg2">
@@ -9995,14 +9997,14 @@
           <a:effectLst/>
           <a:extLst>
             <a:ext uri="{909E8E84-426E-40dd-AFC4-6F175D3DCCD1}">
-              <a14:hiddenFill xmlns="" xmlns:a14="http://schemas.microsoft.com/office/drawing/2010/main">
+              <a14:hiddenFill xmlns:a14="http://schemas.microsoft.com/office/drawing/2010/main" xmlns="">
                 <a:solidFill>
                   <a:schemeClr val="accent1"/>
                 </a:solidFill>
               </a14:hiddenFill>
             </a:ext>
             <a:ext uri="{91240B29-F687-4f45-9708-019B960494DF}">
-              <a14:hiddenLine xmlns="" xmlns:a14="http://schemas.microsoft.com/office/drawing/2010/main" w="9525">
+              <a14:hiddenLine xmlns:a14="http://schemas.microsoft.com/office/drawing/2010/main" xmlns="" w="9525">
                 <a:solidFill>
                   <a:schemeClr val="tx1"/>
                 </a:solidFill>
@@ -10012,7 +10014,7 @@
               </a14:hiddenLine>
             </a:ext>
             <a:ext uri="{AF507438-7753-43e0-B8FC-AC1667EBCBE1}">
-              <a14:hiddenEffects xmlns="" xmlns:a14="http://schemas.microsoft.com/office/drawing/2010/main">
+              <a14:hiddenEffects xmlns:a14="http://schemas.microsoft.com/office/drawing/2010/main" xmlns="">
                 <a:effectLst>
                   <a:outerShdw blurRad="63500" dist="38099" dir="2700000" algn="ctr" rotWithShape="0">
                     <a:schemeClr val="bg2">
@@ -10072,14 +10074,14 @@
           <a:effectLst/>
           <a:extLst>
             <a:ext uri="{909E8E84-426E-40dd-AFC4-6F175D3DCCD1}">
-              <a14:hiddenFill xmlns="" xmlns:a14="http://schemas.microsoft.com/office/drawing/2010/main">
+              <a14:hiddenFill xmlns:a14="http://schemas.microsoft.com/office/drawing/2010/main" xmlns="">
                 <a:solidFill>
                   <a:schemeClr val="accent1"/>
                 </a:solidFill>
               </a14:hiddenFill>
             </a:ext>
             <a:ext uri="{91240B29-F687-4f45-9708-019B960494DF}">
-              <a14:hiddenLine xmlns="" xmlns:a14="http://schemas.microsoft.com/office/drawing/2010/main" w="9525">
+              <a14:hiddenLine xmlns:a14="http://schemas.microsoft.com/office/drawing/2010/main" xmlns="" w="9525">
                 <a:solidFill>
                   <a:schemeClr val="tx1"/>
                 </a:solidFill>
@@ -10089,7 +10091,7 @@
               </a14:hiddenLine>
             </a:ext>
             <a:ext uri="{AF507438-7753-43e0-B8FC-AC1667EBCBE1}">
-              <a14:hiddenEffects xmlns="" xmlns:a14="http://schemas.microsoft.com/office/drawing/2010/main">
+              <a14:hiddenEffects xmlns:a14="http://schemas.microsoft.com/office/drawing/2010/main" xmlns="">
                 <a:effectLst>
                   <a:outerShdw blurRad="63500" dist="38099" dir="2700000" algn="ctr" rotWithShape="0">
                     <a:schemeClr val="bg2">
@@ -10149,14 +10151,14 @@
           <a:effectLst/>
           <a:extLst>
             <a:ext uri="{909E8E84-426E-40dd-AFC4-6F175D3DCCD1}">
-              <a14:hiddenFill xmlns="" xmlns:a14="http://schemas.microsoft.com/office/drawing/2010/main">
+              <a14:hiddenFill xmlns:a14="http://schemas.microsoft.com/office/drawing/2010/main" xmlns="">
                 <a:solidFill>
                   <a:schemeClr val="accent1"/>
                 </a:solidFill>
               </a14:hiddenFill>
             </a:ext>
             <a:ext uri="{91240B29-F687-4f45-9708-019B960494DF}">
-              <a14:hiddenLine xmlns="" xmlns:a14="http://schemas.microsoft.com/office/drawing/2010/main" w="9525">
+              <a14:hiddenLine xmlns:a14="http://schemas.microsoft.com/office/drawing/2010/main" xmlns="" w="9525">
                 <a:solidFill>
                   <a:schemeClr val="tx1"/>
                 </a:solidFill>
@@ -10166,7 +10168,7 @@
               </a14:hiddenLine>
             </a:ext>
             <a:ext uri="{AF507438-7753-43e0-B8FC-AC1667EBCBE1}">
-              <a14:hiddenEffects xmlns="" xmlns:a14="http://schemas.microsoft.com/office/drawing/2010/main">
+              <a14:hiddenEffects xmlns:a14="http://schemas.microsoft.com/office/drawing/2010/main" xmlns="">
                 <a:effectLst>
                   <a:outerShdw blurRad="63500" dist="38099" dir="2700000" algn="ctr" rotWithShape="0">
                     <a:schemeClr val="bg2">
@@ -10226,14 +10228,14 @@
           <a:effectLst/>
           <a:extLst>
             <a:ext uri="{909E8E84-426E-40dd-AFC4-6F175D3DCCD1}">
-              <a14:hiddenFill xmlns="" xmlns:a14="http://schemas.microsoft.com/office/drawing/2010/main">
+              <a14:hiddenFill xmlns:a14="http://schemas.microsoft.com/office/drawing/2010/main" xmlns="">
                 <a:solidFill>
                   <a:schemeClr val="accent1"/>
                 </a:solidFill>
               </a14:hiddenFill>
             </a:ext>
             <a:ext uri="{91240B29-F687-4f45-9708-019B960494DF}">
-              <a14:hiddenLine xmlns="" xmlns:a14="http://schemas.microsoft.com/office/drawing/2010/main" w="9525">
+              <a14:hiddenLine xmlns:a14="http://schemas.microsoft.com/office/drawing/2010/main" xmlns="" w="9525">
                 <a:solidFill>
                   <a:schemeClr val="tx1"/>
                 </a:solidFill>
@@ -10243,7 +10245,7 @@
               </a14:hiddenLine>
             </a:ext>
             <a:ext uri="{AF507438-7753-43e0-B8FC-AC1667EBCBE1}">
-              <a14:hiddenEffects xmlns="" xmlns:a14="http://schemas.microsoft.com/office/drawing/2010/main">
+              <a14:hiddenEffects xmlns:a14="http://schemas.microsoft.com/office/drawing/2010/main" xmlns="">
                 <a:effectLst>
                   <a:outerShdw blurRad="63500" dist="38099" dir="2700000" algn="ctr" rotWithShape="0">
                     <a:schemeClr val="bg2">
@@ -10303,14 +10305,14 @@
           <a:effectLst/>
           <a:extLst>
             <a:ext uri="{909E8E84-426E-40dd-AFC4-6F175D3DCCD1}">
-              <a14:hiddenFill xmlns="" xmlns:a14="http://schemas.microsoft.com/office/drawing/2010/main">
+              <a14:hiddenFill xmlns:a14="http://schemas.microsoft.com/office/drawing/2010/main" xmlns="">
                 <a:solidFill>
                   <a:schemeClr val="accent1"/>
                 </a:solidFill>
               </a14:hiddenFill>
             </a:ext>
             <a:ext uri="{91240B29-F687-4f45-9708-019B960494DF}">
-              <a14:hiddenLine xmlns="" xmlns:a14="http://schemas.microsoft.com/office/drawing/2010/main" w="9525">
+              <a14:hiddenLine xmlns:a14="http://schemas.microsoft.com/office/drawing/2010/main" xmlns="" w="9525">
                 <a:solidFill>
                   <a:schemeClr val="tx1"/>
                 </a:solidFill>
@@ -10320,7 +10322,7 @@
               </a14:hiddenLine>
             </a:ext>
             <a:ext uri="{AF507438-7753-43e0-B8FC-AC1667EBCBE1}">
-              <a14:hiddenEffects xmlns="" xmlns:a14="http://schemas.microsoft.com/office/drawing/2010/main">
+              <a14:hiddenEffects xmlns:a14="http://schemas.microsoft.com/office/drawing/2010/main" xmlns="">
                 <a:effectLst>
                   <a:outerShdw blurRad="63500" dist="38099" dir="2700000" algn="ctr" rotWithShape="0">
                     <a:schemeClr val="bg2">
@@ -10380,14 +10382,14 @@
           <a:effectLst/>
           <a:extLst>
             <a:ext uri="{909E8E84-426E-40dd-AFC4-6F175D3DCCD1}">
-              <a14:hiddenFill xmlns="" xmlns:a14="http://schemas.microsoft.com/office/drawing/2010/main">
+              <a14:hiddenFill xmlns:a14="http://schemas.microsoft.com/office/drawing/2010/main" xmlns="">
                 <a:solidFill>
                   <a:schemeClr val="accent1"/>
                 </a:solidFill>
               </a14:hiddenFill>
             </a:ext>
             <a:ext uri="{91240B29-F687-4f45-9708-019B960494DF}">
-              <a14:hiddenLine xmlns="" xmlns:a14="http://schemas.microsoft.com/office/drawing/2010/main" w="9525">
+              <a14:hiddenLine xmlns:a14="http://schemas.microsoft.com/office/drawing/2010/main" xmlns="" w="9525">
                 <a:solidFill>
                   <a:schemeClr val="tx1"/>
                 </a:solidFill>
@@ -10397,7 +10399,7 @@
               </a14:hiddenLine>
             </a:ext>
             <a:ext uri="{AF507438-7753-43e0-B8FC-AC1667EBCBE1}">
-              <a14:hiddenEffects xmlns="" xmlns:a14="http://schemas.microsoft.com/office/drawing/2010/main">
+              <a14:hiddenEffects xmlns:a14="http://schemas.microsoft.com/office/drawing/2010/main" xmlns="">
                 <a:effectLst>
                   <a:outerShdw blurRad="63500" dist="38099" dir="2700000" algn="ctr" rotWithShape="0">
                     <a:schemeClr val="bg2">
@@ -10457,14 +10459,14 @@
           <a:effectLst/>
           <a:extLst>
             <a:ext uri="{909E8E84-426E-40dd-AFC4-6F175D3DCCD1}">
-              <a14:hiddenFill xmlns="" xmlns:a14="http://schemas.microsoft.com/office/drawing/2010/main">
+              <a14:hiddenFill xmlns:a14="http://schemas.microsoft.com/office/drawing/2010/main" xmlns="">
                 <a:solidFill>
                   <a:schemeClr val="accent1"/>
                 </a:solidFill>
               </a14:hiddenFill>
             </a:ext>
             <a:ext uri="{91240B29-F687-4f45-9708-019B960494DF}">
-              <a14:hiddenLine xmlns="" xmlns:a14="http://schemas.microsoft.com/office/drawing/2010/main" w="9525">
+              <a14:hiddenLine xmlns:a14="http://schemas.microsoft.com/office/drawing/2010/main" xmlns="" w="9525">
                 <a:solidFill>
                   <a:schemeClr val="tx1"/>
                 </a:solidFill>
@@ -10474,7 +10476,7 @@
               </a14:hiddenLine>
             </a:ext>
             <a:ext uri="{AF507438-7753-43e0-B8FC-AC1667EBCBE1}">
-              <a14:hiddenEffects xmlns="" xmlns:a14="http://schemas.microsoft.com/office/drawing/2010/main">
+              <a14:hiddenEffects xmlns:a14="http://schemas.microsoft.com/office/drawing/2010/main" xmlns="">
                 <a:effectLst>
                   <a:outerShdw blurRad="63500" dist="38099" dir="2700000" algn="ctr" rotWithShape="0">
                     <a:schemeClr val="bg2">
@@ -10534,14 +10536,14 @@
           <a:effectLst/>
           <a:extLst>
             <a:ext uri="{909E8E84-426E-40dd-AFC4-6F175D3DCCD1}">
-              <a14:hiddenFill xmlns="" xmlns:a14="http://schemas.microsoft.com/office/drawing/2010/main">
+              <a14:hiddenFill xmlns:a14="http://schemas.microsoft.com/office/drawing/2010/main" xmlns="">
                 <a:solidFill>
                   <a:schemeClr val="accent1"/>
                 </a:solidFill>
               </a14:hiddenFill>
             </a:ext>
             <a:ext uri="{91240B29-F687-4f45-9708-019B960494DF}">
-              <a14:hiddenLine xmlns="" xmlns:a14="http://schemas.microsoft.com/office/drawing/2010/main" w="9525">
+              <a14:hiddenLine xmlns:a14="http://schemas.microsoft.com/office/drawing/2010/main" xmlns="" w="9525">
                 <a:solidFill>
                   <a:schemeClr val="tx1"/>
                 </a:solidFill>
@@ -10551,7 +10553,7 @@
               </a14:hiddenLine>
             </a:ext>
             <a:ext uri="{AF507438-7753-43e0-B8FC-AC1667EBCBE1}">
-              <a14:hiddenEffects xmlns="" xmlns:a14="http://schemas.microsoft.com/office/drawing/2010/main">
+              <a14:hiddenEffects xmlns:a14="http://schemas.microsoft.com/office/drawing/2010/main" xmlns="">
                 <a:effectLst>
                   <a:outerShdw blurRad="63500" dist="38099" dir="2700000" algn="ctr" rotWithShape="0">
                     <a:schemeClr val="bg2">
@@ -10611,14 +10613,14 @@
           <a:effectLst/>
           <a:extLst>
             <a:ext uri="{909E8E84-426E-40dd-AFC4-6F175D3DCCD1}">
-              <a14:hiddenFill xmlns="" xmlns:a14="http://schemas.microsoft.com/office/drawing/2010/main">
+              <a14:hiddenFill xmlns:a14="http://schemas.microsoft.com/office/drawing/2010/main" xmlns="">
                 <a:solidFill>
                   <a:schemeClr val="accent1"/>
                 </a:solidFill>
               </a14:hiddenFill>
             </a:ext>
             <a:ext uri="{91240B29-F687-4f45-9708-019B960494DF}">
-              <a14:hiddenLine xmlns="" xmlns:a14="http://schemas.microsoft.com/office/drawing/2010/main" w="9525">
+              <a14:hiddenLine xmlns:a14="http://schemas.microsoft.com/office/drawing/2010/main" xmlns="" w="9525">
                 <a:solidFill>
                   <a:schemeClr val="tx1"/>
                 </a:solidFill>
@@ -10628,7 +10630,7 @@
               </a14:hiddenLine>
             </a:ext>
             <a:ext uri="{AF507438-7753-43e0-B8FC-AC1667EBCBE1}">
-              <a14:hiddenEffects xmlns="" xmlns:a14="http://schemas.microsoft.com/office/drawing/2010/main">
+              <a14:hiddenEffects xmlns:a14="http://schemas.microsoft.com/office/drawing/2010/main" xmlns="">
                 <a:effectLst>
                   <a:outerShdw blurRad="63500" dist="38099" dir="2700000" algn="ctr" rotWithShape="0">
                     <a:schemeClr val="bg2">
@@ -10704,14 +10706,14 @@
           <a:effectLst/>
           <a:extLst>
             <a:ext uri="{909E8E84-426E-40dd-AFC4-6F175D3DCCD1}">
-              <a14:hiddenFill xmlns="" xmlns:a14="http://schemas.microsoft.com/office/drawing/2010/main">
+              <a14:hiddenFill xmlns:a14="http://schemas.microsoft.com/office/drawing/2010/main" xmlns="">
                 <a:solidFill>
                   <a:schemeClr val="accent1"/>
                 </a:solidFill>
               </a14:hiddenFill>
             </a:ext>
             <a:ext uri="{91240B29-F687-4f45-9708-019B960494DF}">
-              <a14:hiddenLine xmlns="" xmlns:a14="http://schemas.microsoft.com/office/drawing/2010/main" w="9525">
+              <a14:hiddenLine xmlns:a14="http://schemas.microsoft.com/office/drawing/2010/main" xmlns="" w="9525">
                 <a:solidFill>
                   <a:schemeClr val="tx1"/>
                 </a:solidFill>
@@ -10721,7 +10723,7 @@
               </a14:hiddenLine>
             </a:ext>
             <a:ext uri="{AF507438-7753-43e0-B8FC-AC1667EBCBE1}">
-              <a14:hiddenEffects xmlns="" xmlns:a14="http://schemas.microsoft.com/office/drawing/2010/main">
+              <a14:hiddenEffects xmlns:a14="http://schemas.microsoft.com/office/drawing/2010/main" xmlns="">
                 <a:effectLst>
                   <a:outerShdw blurRad="63500" dist="38099" dir="2700000" algn="ctr" rotWithShape="0">
                     <a:schemeClr val="bg2">
@@ -10797,14 +10799,14 @@
           <a:effectLst/>
           <a:extLst>
             <a:ext uri="{909E8E84-426E-40dd-AFC4-6F175D3DCCD1}">
-              <a14:hiddenFill xmlns="" xmlns:a14="http://schemas.microsoft.com/office/drawing/2010/main">
+              <a14:hiddenFill xmlns:a14="http://schemas.microsoft.com/office/drawing/2010/main" xmlns="">
                 <a:solidFill>
                   <a:schemeClr val="accent1"/>
                 </a:solidFill>
               </a14:hiddenFill>
             </a:ext>
             <a:ext uri="{91240B29-F687-4f45-9708-019B960494DF}">
-              <a14:hiddenLine xmlns="" xmlns:a14="http://schemas.microsoft.com/office/drawing/2010/main" w="9525">
+              <a14:hiddenLine xmlns:a14="http://schemas.microsoft.com/office/drawing/2010/main" xmlns="" w="9525">
                 <a:solidFill>
                   <a:schemeClr val="tx1"/>
                 </a:solidFill>
@@ -10814,7 +10816,7 @@
               </a14:hiddenLine>
             </a:ext>
             <a:ext uri="{AF507438-7753-43e0-B8FC-AC1667EBCBE1}">
-              <a14:hiddenEffects xmlns="" xmlns:a14="http://schemas.microsoft.com/office/drawing/2010/main">
+              <a14:hiddenEffects xmlns:a14="http://schemas.microsoft.com/office/drawing/2010/main" xmlns="">
                 <a:effectLst>
                   <a:outerShdw blurRad="63500" dist="38099" dir="2700000" algn="ctr" rotWithShape="0">
                     <a:schemeClr val="bg2">
@@ -10890,14 +10892,14 @@
           <a:effectLst/>
           <a:extLst>
             <a:ext uri="{909E8E84-426E-40dd-AFC4-6F175D3DCCD1}">
-              <a14:hiddenFill xmlns="" xmlns:a14="http://schemas.microsoft.com/office/drawing/2010/main">
+              <a14:hiddenFill xmlns:a14="http://schemas.microsoft.com/office/drawing/2010/main" xmlns="">
                 <a:solidFill>
                   <a:schemeClr val="accent1"/>
                 </a:solidFill>
               </a14:hiddenFill>
             </a:ext>
             <a:ext uri="{91240B29-F687-4f45-9708-019B960494DF}">
-              <a14:hiddenLine xmlns="" xmlns:a14="http://schemas.microsoft.com/office/drawing/2010/main" w="9525">
+              <a14:hiddenLine xmlns:a14="http://schemas.microsoft.com/office/drawing/2010/main" xmlns="" w="9525">
                 <a:solidFill>
                   <a:schemeClr val="tx1"/>
                 </a:solidFill>
@@ -10907,7 +10909,7 @@
               </a14:hiddenLine>
             </a:ext>
             <a:ext uri="{AF507438-7753-43e0-B8FC-AC1667EBCBE1}">
-              <a14:hiddenEffects xmlns="" xmlns:a14="http://schemas.microsoft.com/office/drawing/2010/main">
+              <a14:hiddenEffects xmlns:a14="http://schemas.microsoft.com/office/drawing/2010/main" xmlns="">
                 <a:effectLst>
                   <a:outerShdw blurRad="63500" dist="38099" dir="2700000" algn="ctr" rotWithShape="0">
                     <a:schemeClr val="bg2">
@@ -10983,14 +10985,14 @@
           <a:effectLst/>
           <a:extLst>
             <a:ext uri="{909E8E84-426E-40dd-AFC4-6F175D3DCCD1}">
-              <a14:hiddenFill xmlns="" xmlns:a14="http://schemas.microsoft.com/office/drawing/2010/main">
+              <a14:hiddenFill xmlns:a14="http://schemas.microsoft.com/office/drawing/2010/main" xmlns="">
                 <a:solidFill>
                   <a:schemeClr val="accent1"/>
                 </a:solidFill>
               </a14:hiddenFill>
             </a:ext>
             <a:ext uri="{91240B29-F687-4f45-9708-019B960494DF}">
-              <a14:hiddenLine xmlns="" xmlns:a14="http://schemas.microsoft.com/office/drawing/2010/main" w="9525">
+              <a14:hiddenLine xmlns:a14="http://schemas.microsoft.com/office/drawing/2010/main" xmlns="" w="9525">
                 <a:solidFill>
                   <a:schemeClr val="tx1"/>
                 </a:solidFill>
@@ -11000,7 +11002,7 @@
               </a14:hiddenLine>
             </a:ext>
             <a:ext uri="{AF507438-7753-43e0-B8FC-AC1667EBCBE1}">
-              <a14:hiddenEffects xmlns="" xmlns:a14="http://schemas.microsoft.com/office/drawing/2010/main">
+              <a14:hiddenEffects xmlns:a14="http://schemas.microsoft.com/office/drawing/2010/main" xmlns="">
                 <a:effectLst>
                   <a:outerShdw blurRad="63500" dist="38099" dir="2700000" algn="ctr" rotWithShape="0">
                     <a:schemeClr val="bg2">
@@ -11076,14 +11078,14 @@
           <a:effectLst/>
           <a:extLst>
             <a:ext uri="{909E8E84-426E-40dd-AFC4-6F175D3DCCD1}">
-              <a14:hiddenFill xmlns="" xmlns:a14="http://schemas.microsoft.com/office/drawing/2010/main">
+              <a14:hiddenFill xmlns:a14="http://schemas.microsoft.com/office/drawing/2010/main" xmlns="">
                 <a:solidFill>
                   <a:schemeClr val="accent1"/>
                 </a:solidFill>
               </a14:hiddenFill>
             </a:ext>
             <a:ext uri="{91240B29-F687-4f45-9708-019B960494DF}">
-              <a14:hiddenLine xmlns="" xmlns:a14="http://schemas.microsoft.com/office/drawing/2010/main" w="9525">
+              <a14:hiddenLine xmlns:a14="http://schemas.microsoft.com/office/drawing/2010/main" xmlns="" w="9525">
                 <a:solidFill>
                   <a:schemeClr val="tx1"/>
                 </a:solidFill>
@@ -11093,7 +11095,7 @@
               </a14:hiddenLine>
             </a:ext>
             <a:ext uri="{AF507438-7753-43e0-B8FC-AC1667EBCBE1}">
-              <a14:hiddenEffects xmlns="" xmlns:a14="http://schemas.microsoft.com/office/drawing/2010/main">
+              <a14:hiddenEffects xmlns:a14="http://schemas.microsoft.com/office/drawing/2010/main" xmlns="">
                 <a:effectLst>
                   <a:outerShdw blurRad="63500" dist="38099" dir="2700000" algn="ctr" rotWithShape="0">
                     <a:schemeClr val="bg2">
@@ -11169,14 +11171,14 @@
           <a:effectLst/>
           <a:extLst>
             <a:ext uri="{909E8E84-426E-40dd-AFC4-6F175D3DCCD1}">
-              <a14:hiddenFill xmlns="" xmlns:a14="http://schemas.microsoft.com/office/drawing/2010/main">
+              <a14:hiddenFill xmlns:a14="http://schemas.microsoft.com/office/drawing/2010/main" xmlns="">
                 <a:solidFill>
                   <a:schemeClr val="accent1"/>
                 </a:solidFill>
               </a14:hiddenFill>
             </a:ext>
             <a:ext uri="{91240B29-F687-4f45-9708-019B960494DF}">
-              <a14:hiddenLine xmlns="" xmlns:a14="http://schemas.microsoft.com/office/drawing/2010/main" w="9525">
+              <a14:hiddenLine xmlns:a14="http://schemas.microsoft.com/office/drawing/2010/main" xmlns="" w="9525">
                 <a:solidFill>
                   <a:schemeClr val="tx1"/>
                 </a:solidFill>
@@ -11186,7 +11188,7 @@
               </a14:hiddenLine>
             </a:ext>
             <a:ext uri="{AF507438-7753-43e0-B8FC-AC1667EBCBE1}">
-              <a14:hiddenEffects xmlns="" xmlns:a14="http://schemas.microsoft.com/office/drawing/2010/main">
+              <a14:hiddenEffects xmlns:a14="http://schemas.microsoft.com/office/drawing/2010/main" xmlns="">
                 <a:effectLst>
                   <a:outerShdw blurRad="63500" dist="38099" dir="2700000" algn="ctr" rotWithShape="0">
                     <a:schemeClr val="bg2">
@@ -11271,14 +11273,14 @@
           <a:effectLst/>
           <a:extLst>
             <a:ext uri="{909E8E84-426E-40dd-AFC4-6F175D3DCCD1}">
-              <a14:hiddenFill xmlns="" xmlns:a14="http://schemas.microsoft.com/office/drawing/2010/main">
+              <a14:hiddenFill xmlns:a14="http://schemas.microsoft.com/office/drawing/2010/main" xmlns="">
                 <a:solidFill>
                   <a:schemeClr val="accent1"/>
                 </a:solidFill>
               </a14:hiddenFill>
             </a:ext>
             <a:ext uri="{91240B29-F687-4f45-9708-019B960494DF}">
-              <a14:hiddenLine xmlns="" xmlns:a14="http://schemas.microsoft.com/office/drawing/2010/main" w="9525">
+              <a14:hiddenLine xmlns:a14="http://schemas.microsoft.com/office/drawing/2010/main" xmlns="" w="9525">
                 <a:solidFill>
                   <a:schemeClr val="tx1"/>
                 </a:solidFill>
@@ -11288,7 +11290,7 @@
               </a14:hiddenLine>
             </a:ext>
             <a:ext uri="{AF507438-7753-43e0-B8FC-AC1667EBCBE1}">
-              <a14:hiddenEffects xmlns="" xmlns:a14="http://schemas.microsoft.com/office/drawing/2010/main">
+              <a14:hiddenEffects xmlns:a14="http://schemas.microsoft.com/office/drawing/2010/main" xmlns="">
                 <a:effectLst>
                   <a:outerShdw blurRad="63500" dist="38099" dir="2700000" algn="ctr" rotWithShape="0">
                     <a:schemeClr val="bg2">
@@ -11373,14 +11375,14 @@
           <a:effectLst/>
           <a:extLst>
             <a:ext uri="{909E8E84-426E-40dd-AFC4-6F175D3DCCD1}">
-              <a14:hiddenFill xmlns="" xmlns:a14="http://schemas.microsoft.com/office/drawing/2010/main">
+              <a14:hiddenFill xmlns:a14="http://schemas.microsoft.com/office/drawing/2010/main" xmlns="">
                 <a:solidFill>
                   <a:schemeClr val="accent1"/>
                 </a:solidFill>
               </a14:hiddenFill>
             </a:ext>
             <a:ext uri="{91240B29-F687-4f45-9708-019B960494DF}">
-              <a14:hiddenLine xmlns="" xmlns:a14="http://schemas.microsoft.com/office/drawing/2010/main" w="9525">
+              <a14:hiddenLine xmlns:a14="http://schemas.microsoft.com/office/drawing/2010/main" xmlns="" w="9525">
                 <a:solidFill>
                   <a:schemeClr val="tx1"/>
                 </a:solidFill>
@@ -11390,7 +11392,7 @@
               </a14:hiddenLine>
             </a:ext>
             <a:ext uri="{AF507438-7753-43e0-B8FC-AC1667EBCBE1}">
-              <a14:hiddenEffects xmlns="" xmlns:a14="http://schemas.microsoft.com/office/drawing/2010/main">
+              <a14:hiddenEffects xmlns:a14="http://schemas.microsoft.com/office/drawing/2010/main" xmlns="">
                 <a:effectLst>
                   <a:outerShdw blurRad="63500" dist="38099" dir="2700000" algn="ctr" rotWithShape="0">
                     <a:schemeClr val="bg2">
@@ -11475,14 +11477,14 @@
           <a:effectLst/>
           <a:extLst>
             <a:ext uri="{909E8E84-426E-40dd-AFC4-6F175D3DCCD1}">
-              <a14:hiddenFill xmlns="" xmlns:a14="http://schemas.microsoft.com/office/drawing/2010/main">
+              <a14:hiddenFill xmlns:a14="http://schemas.microsoft.com/office/drawing/2010/main" xmlns="">
                 <a:solidFill>
                   <a:schemeClr val="accent1"/>
                 </a:solidFill>
               </a14:hiddenFill>
             </a:ext>
             <a:ext uri="{91240B29-F687-4f45-9708-019B960494DF}">
-              <a14:hiddenLine xmlns="" xmlns:a14="http://schemas.microsoft.com/office/drawing/2010/main" w="9525">
+              <a14:hiddenLine xmlns:a14="http://schemas.microsoft.com/office/drawing/2010/main" xmlns="" w="9525">
                 <a:solidFill>
                   <a:schemeClr val="tx1"/>
                 </a:solidFill>
@@ -11492,7 +11494,7 @@
               </a14:hiddenLine>
             </a:ext>
             <a:ext uri="{AF507438-7753-43e0-B8FC-AC1667EBCBE1}">
-              <a14:hiddenEffects xmlns="" xmlns:a14="http://schemas.microsoft.com/office/drawing/2010/main">
+              <a14:hiddenEffects xmlns:a14="http://schemas.microsoft.com/office/drawing/2010/main" xmlns="">
                 <a:effectLst>
                   <a:outerShdw blurRad="63500" dist="38099" dir="2700000" algn="ctr" rotWithShape="0">
                     <a:schemeClr val="bg2">
@@ -11556,14 +11558,14 @@
           <a:effectLst/>
           <a:extLst>
             <a:ext uri="{909E8E84-426E-40dd-AFC4-6F175D3DCCD1}">
-              <a14:hiddenFill xmlns="" xmlns:a14="http://schemas.microsoft.com/office/drawing/2010/main">
+              <a14:hiddenFill xmlns:a14="http://schemas.microsoft.com/office/drawing/2010/main" xmlns="">
                 <a:solidFill>
                   <a:schemeClr val="accent1"/>
                 </a:solidFill>
               </a14:hiddenFill>
             </a:ext>
             <a:ext uri="{91240B29-F687-4f45-9708-019B960494DF}">
-              <a14:hiddenLine xmlns="" xmlns:a14="http://schemas.microsoft.com/office/drawing/2010/main" w="9525">
+              <a14:hiddenLine xmlns:a14="http://schemas.microsoft.com/office/drawing/2010/main" xmlns="" w="9525">
                 <a:solidFill>
                   <a:schemeClr val="tx1"/>
                 </a:solidFill>
@@ -11573,7 +11575,7 @@
               </a14:hiddenLine>
             </a:ext>
             <a:ext uri="{AF507438-7753-43e0-B8FC-AC1667EBCBE1}">
-              <a14:hiddenEffects xmlns="" xmlns:a14="http://schemas.microsoft.com/office/drawing/2010/main">
+              <a14:hiddenEffects xmlns:a14="http://schemas.microsoft.com/office/drawing/2010/main" xmlns="">
                 <a:effectLst>
                   <a:outerShdw blurRad="63500" dist="38099" dir="2700000" algn="ctr" rotWithShape="0">
                     <a:schemeClr val="bg2">
@@ -11637,14 +11639,14 @@
           <a:effectLst/>
           <a:extLst>
             <a:ext uri="{909E8E84-426E-40dd-AFC4-6F175D3DCCD1}">
-              <a14:hiddenFill xmlns="" xmlns:a14="http://schemas.microsoft.com/office/drawing/2010/main">
+              <a14:hiddenFill xmlns:a14="http://schemas.microsoft.com/office/drawing/2010/main" xmlns="">
                 <a:solidFill>
                   <a:schemeClr val="accent1"/>
                 </a:solidFill>
               </a14:hiddenFill>
             </a:ext>
             <a:ext uri="{91240B29-F687-4f45-9708-019B960494DF}">
-              <a14:hiddenLine xmlns="" xmlns:a14="http://schemas.microsoft.com/office/drawing/2010/main" w="9525">
+              <a14:hiddenLine xmlns:a14="http://schemas.microsoft.com/office/drawing/2010/main" xmlns="" w="9525">
                 <a:solidFill>
                   <a:schemeClr val="tx1"/>
                 </a:solidFill>
@@ -11654,7 +11656,7 @@
               </a14:hiddenLine>
             </a:ext>
             <a:ext uri="{AF507438-7753-43e0-B8FC-AC1667EBCBE1}">
-              <a14:hiddenEffects xmlns="" xmlns:a14="http://schemas.microsoft.com/office/drawing/2010/main">
+              <a14:hiddenEffects xmlns:a14="http://schemas.microsoft.com/office/drawing/2010/main" xmlns="">
                 <a:effectLst>
                   <a:outerShdw blurRad="63500" dist="38099" dir="2700000" algn="ctr" rotWithShape="0">
                     <a:schemeClr val="bg2">
@@ -11718,14 +11720,14 @@
           <a:effectLst/>
           <a:extLst>
             <a:ext uri="{909E8E84-426E-40dd-AFC4-6F175D3DCCD1}">
-              <a14:hiddenFill xmlns="" xmlns:a14="http://schemas.microsoft.com/office/drawing/2010/main">
+              <a14:hiddenFill xmlns:a14="http://schemas.microsoft.com/office/drawing/2010/main" xmlns="">
                 <a:solidFill>
                   <a:schemeClr val="accent1"/>
                 </a:solidFill>
               </a14:hiddenFill>
             </a:ext>
             <a:ext uri="{91240B29-F687-4f45-9708-019B960494DF}">
-              <a14:hiddenLine xmlns="" xmlns:a14="http://schemas.microsoft.com/office/drawing/2010/main" w="9525">
+              <a14:hiddenLine xmlns:a14="http://schemas.microsoft.com/office/drawing/2010/main" xmlns="" w="9525">
                 <a:solidFill>
                   <a:schemeClr val="tx1"/>
                 </a:solidFill>
@@ -11735,7 +11737,7 @@
               </a14:hiddenLine>
             </a:ext>
             <a:ext uri="{AF507438-7753-43e0-B8FC-AC1667EBCBE1}">
-              <a14:hiddenEffects xmlns="" xmlns:a14="http://schemas.microsoft.com/office/drawing/2010/main">
+              <a14:hiddenEffects xmlns:a14="http://schemas.microsoft.com/office/drawing/2010/main" xmlns="">
                 <a:effectLst>
                   <a:outerShdw blurRad="63500" dist="38099" dir="2700000" algn="ctr" rotWithShape="0">
                     <a:schemeClr val="bg2">
@@ -11799,14 +11801,14 @@
           <a:effectLst/>
           <a:extLst>
             <a:ext uri="{909E8E84-426E-40dd-AFC4-6F175D3DCCD1}">
-              <a14:hiddenFill xmlns="" xmlns:a14="http://schemas.microsoft.com/office/drawing/2010/main">
+              <a14:hiddenFill xmlns:a14="http://schemas.microsoft.com/office/drawing/2010/main" xmlns="">
                 <a:solidFill>
                   <a:schemeClr val="accent1"/>
                 </a:solidFill>
               </a14:hiddenFill>
             </a:ext>
             <a:ext uri="{91240B29-F687-4f45-9708-019B960494DF}">
-              <a14:hiddenLine xmlns="" xmlns:a14="http://schemas.microsoft.com/office/drawing/2010/main" w="9525">
+              <a14:hiddenLine xmlns:a14="http://schemas.microsoft.com/office/drawing/2010/main" xmlns="" w="9525">
                 <a:solidFill>
                   <a:schemeClr val="tx1"/>
                 </a:solidFill>
@@ -11816,7 +11818,7 @@
               </a14:hiddenLine>
             </a:ext>
             <a:ext uri="{AF507438-7753-43e0-B8FC-AC1667EBCBE1}">
-              <a14:hiddenEffects xmlns="" xmlns:a14="http://schemas.microsoft.com/office/drawing/2010/main">
+              <a14:hiddenEffects xmlns:a14="http://schemas.microsoft.com/office/drawing/2010/main" xmlns="">
                 <a:effectLst>
                   <a:outerShdw blurRad="63500" dist="38099" dir="2700000" algn="ctr" rotWithShape="0">
                     <a:schemeClr val="bg2">
@@ -11989,10 +11991,10 @@
       </p:sp>
       <p:sp>
         <p:nvSpPr>
-          <p:cNvPr id="6" name="円/楕円 5">
-            <a:extLst>
-              <a:ext uri="{FF2B5EF4-FFF2-40B4-BE49-F238E27FC236}">
-                <a16:creationId xmlns:a16="http://schemas.microsoft.com/office/drawing/2014/main" id="{FAA85F49-F6A1-0A43-B9B3-CE55C99CFA12}"/>
+          <p:cNvPr id="7" name="円/楕円 6">
+            <a:extLst>
+              <a:ext uri="{FF2B5EF4-FFF2-40B4-BE49-F238E27FC236}">
+                <a16:creationId xmlns:a16="http://schemas.microsoft.com/office/drawing/2014/main" id="{100EF5AB-FC0D-CE4C-A79F-A0E1E9AD1A45}"/>
               </a:ext>
             </a:extLst>
           </p:cNvPr>
@@ -12001,7 +12003,7 @@
         </p:nvSpPr>
         <p:spPr>
           <a:xfrm>
-            <a:off x="4020855" y="3574093"/>
+            <a:off x="5338325" y="1443608"/>
             <a:ext cx="663879" cy="663880"/>
           </a:xfrm>
           <a:prstGeom prst="ellipse">
@@ -12042,10 +12044,10 @@
       </p:sp>
       <p:sp>
         <p:nvSpPr>
-          <p:cNvPr id="7" name="円/楕円 6">
-            <a:extLst>
-              <a:ext uri="{FF2B5EF4-FFF2-40B4-BE49-F238E27FC236}">
-                <a16:creationId xmlns:a16="http://schemas.microsoft.com/office/drawing/2014/main" id="{100EF5AB-FC0D-CE4C-A79F-A0E1E9AD1A45}"/>
+          <p:cNvPr id="8" name="円/楕円 7">
+            <a:extLst>
+              <a:ext uri="{FF2B5EF4-FFF2-40B4-BE49-F238E27FC236}">
+                <a16:creationId xmlns:a16="http://schemas.microsoft.com/office/drawing/2014/main" id="{604D4EB4-FA78-8745-A4D7-A9FC1B25F8A8}"/>
               </a:ext>
             </a:extLst>
           </p:cNvPr>
@@ -12054,7 +12056,7 @@
         </p:nvSpPr>
         <p:spPr>
           <a:xfrm>
-            <a:off x="5343469" y="1995516"/>
+            <a:off x="5338325" y="2510408"/>
             <a:ext cx="663879" cy="663880"/>
           </a:xfrm>
           <a:prstGeom prst="ellipse">
@@ -12095,10 +12097,10 @@
       </p:sp>
       <p:sp>
         <p:nvSpPr>
-          <p:cNvPr id="8" name="円/楕円 7">
-            <a:extLst>
-              <a:ext uri="{FF2B5EF4-FFF2-40B4-BE49-F238E27FC236}">
-                <a16:creationId xmlns:a16="http://schemas.microsoft.com/office/drawing/2014/main" id="{604D4EB4-FA78-8745-A4D7-A9FC1B25F8A8}"/>
+          <p:cNvPr id="9" name="円/楕円 8">
+            <a:extLst>
+              <a:ext uri="{FF2B5EF4-FFF2-40B4-BE49-F238E27FC236}">
+                <a16:creationId xmlns:a16="http://schemas.microsoft.com/office/drawing/2014/main" id="{28986982-F93B-4847-83A6-3B31C131E97F}"/>
               </a:ext>
             </a:extLst>
           </p:cNvPr>
@@ -12107,7 +12109,7 @@
         </p:nvSpPr>
         <p:spPr>
           <a:xfrm>
-            <a:off x="5343469" y="3062316"/>
+            <a:off x="6551760" y="1967777"/>
             <a:ext cx="663879" cy="663880"/>
           </a:xfrm>
           <a:prstGeom prst="ellipse">
@@ -12146,165 +12148,6 @@
           </a:p>
         </p:txBody>
       </p:sp>
-      <p:sp>
-        <p:nvSpPr>
-          <p:cNvPr id="9" name="円/楕円 8">
-            <a:extLst>
-              <a:ext uri="{FF2B5EF4-FFF2-40B4-BE49-F238E27FC236}">
-                <a16:creationId xmlns:a16="http://schemas.microsoft.com/office/drawing/2014/main" id="{28986982-F93B-4847-83A6-3B31C131E97F}"/>
-              </a:ext>
-            </a:extLst>
-          </p:cNvPr>
-          <p:cNvSpPr/>
-          <p:nvPr/>
-        </p:nvSpPr>
-        <p:spPr>
-          <a:xfrm>
-            <a:off x="6666083" y="1440493"/>
-            <a:ext cx="663879" cy="663880"/>
-          </a:xfrm>
-          <a:prstGeom prst="ellipse">
-            <a:avLst/>
-          </a:prstGeom>
-          <a:solidFill>
-            <a:schemeClr val="accent1">
-              <a:lumMod val="60000"/>
-              <a:lumOff val="40000"/>
-            </a:schemeClr>
-          </a:solidFill>
-          <a:ln w="28575"/>
-        </p:spPr>
-        <p:style>
-          <a:lnRef idx="2">
-            <a:schemeClr val="accent1">
-              <a:shade val="50000"/>
-            </a:schemeClr>
-          </a:lnRef>
-          <a:fillRef idx="1">
-            <a:schemeClr val="accent1"/>
-          </a:fillRef>
-          <a:effectRef idx="0">
-            <a:schemeClr val="accent1"/>
-          </a:effectRef>
-          <a:fontRef idx="minor">
-            <a:schemeClr val="lt1"/>
-          </a:fontRef>
-        </p:style>
-        <p:txBody>
-          <a:bodyPr rtlCol="0" anchor="ctr"/>
-          <a:lstStyle/>
-          <a:p>
-            <a:pPr algn="ctr"/>
-            <a:endParaRPr kumimoji="1" lang="ja-JP" altLang="en-US"/>
-          </a:p>
-        </p:txBody>
-      </p:sp>
-      <p:sp>
-        <p:nvSpPr>
-          <p:cNvPr id="10" name="円/楕円 9">
-            <a:extLst>
-              <a:ext uri="{FF2B5EF4-FFF2-40B4-BE49-F238E27FC236}">
-                <a16:creationId xmlns:a16="http://schemas.microsoft.com/office/drawing/2014/main" id="{3038F7E3-B0AB-3643-B298-122789962AE4}"/>
-              </a:ext>
-            </a:extLst>
-          </p:cNvPr>
-          <p:cNvSpPr/>
-          <p:nvPr/>
-        </p:nvSpPr>
-        <p:spPr>
-          <a:xfrm>
-            <a:off x="6666083" y="2507293"/>
-            <a:ext cx="663879" cy="663880"/>
-          </a:xfrm>
-          <a:prstGeom prst="ellipse">
-            <a:avLst/>
-          </a:prstGeom>
-          <a:solidFill>
-            <a:schemeClr val="accent1">
-              <a:lumMod val="60000"/>
-              <a:lumOff val="40000"/>
-            </a:schemeClr>
-          </a:solidFill>
-          <a:ln w="28575"/>
-        </p:spPr>
-        <p:style>
-          <a:lnRef idx="2">
-            <a:schemeClr val="accent1">
-              <a:shade val="50000"/>
-            </a:schemeClr>
-          </a:lnRef>
-          <a:fillRef idx="1">
-            <a:schemeClr val="accent1"/>
-          </a:fillRef>
-          <a:effectRef idx="0">
-            <a:schemeClr val="accent1"/>
-          </a:effectRef>
-          <a:fontRef idx="minor">
-            <a:schemeClr val="lt1"/>
-          </a:fontRef>
-        </p:style>
-        <p:txBody>
-          <a:bodyPr rtlCol="0" anchor="ctr"/>
-          <a:lstStyle/>
-          <a:p>
-            <a:pPr algn="ctr"/>
-            <a:endParaRPr kumimoji="1" lang="ja-JP" altLang="en-US"/>
-          </a:p>
-        </p:txBody>
-      </p:sp>
-      <p:sp>
-        <p:nvSpPr>
-          <p:cNvPr id="11" name="円/楕円 10">
-            <a:extLst>
-              <a:ext uri="{FF2B5EF4-FFF2-40B4-BE49-F238E27FC236}">
-                <a16:creationId xmlns:a16="http://schemas.microsoft.com/office/drawing/2014/main" id="{F2A1FB6C-D7FA-174D-9971-E851F3328901}"/>
-              </a:ext>
-            </a:extLst>
-          </p:cNvPr>
-          <p:cNvSpPr/>
-          <p:nvPr/>
-        </p:nvSpPr>
-        <p:spPr>
-          <a:xfrm>
-            <a:off x="6666083" y="3574093"/>
-            <a:ext cx="663879" cy="663880"/>
-          </a:xfrm>
-          <a:prstGeom prst="ellipse">
-            <a:avLst/>
-          </a:prstGeom>
-          <a:solidFill>
-            <a:schemeClr val="accent1">
-              <a:lumMod val="60000"/>
-              <a:lumOff val="40000"/>
-            </a:schemeClr>
-          </a:solidFill>
-          <a:ln w="28575"/>
-        </p:spPr>
-        <p:style>
-          <a:lnRef idx="2">
-            <a:schemeClr val="accent1">
-              <a:shade val="50000"/>
-            </a:schemeClr>
-          </a:lnRef>
-          <a:fillRef idx="1">
-            <a:schemeClr val="accent1"/>
-          </a:fillRef>
-          <a:effectRef idx="0">
-            <a:schemeClr val="accent1"/>
-          </a:effectRef>
-          <a:fontRef idx="minor">
-            <a:schemeClr val="lt1"/>
-          </a:fontRef>
-        </p:style>
-        <p:txBody>
-          <a:bodyPr rtlCol="0" anchor="ctr"/>
-          <a:lstStyle/>
-          <a:p>
-            <a:pPr algn="ctr"/>
-            <a:endParaRPr kumimoji="1" lang="ja-JP" altLang="en-US"/>
-          </a:p>
-        </p:txBody>
-      </p:sp>
       <p:cxnSp>
         <p:nvCxnSpPr>
           <p:cNvPr id="13" name="直線コネクタ 12">
@@ -12315,6 +12158,7 @@
             </a:extLst>
           </p:cNvPr>
           <p:cNvCxnSpPr>
+            <a:cxnSpLocks/>
             <a:stCxn id="7" idx="2"/>
             <a:endCxn id="4" idx="6"/>
           </p:cNvCxnSpPr>
@@ -12323,7 +12167,7 @@
         <p:spPr>
           <a:xfrm flipH="1" flipV="1">
             <a:off x="4684734" y="1772433"/>
-            <a:ext cx="658735" cy="555023"/>
+            <a:ext cx="653591" cy="3115"/>
           </a:xfrm>
           <a:prstGeom prst="line">
             <a:avLst/>
@@ -12369,55 +12213,8 @@
         </p:nvCxnSpPr>
         <p:spPr>
           <a:xfrm flipH="1">
-            <a:off x="4684734" y="2327456"/>
-            <a:ext cx="658735" cy="511777"/>
-          </a:xfrm>
-          <a:prstGeom prst="line">
-            <a:avLst/>
-          </a:prstGeom>
-          <a:ln w="38100">
-            <a:solidFill>
-              <a:schemeClr val="tx1"/>
-            </a:solidFill>
-            <a:headEnd type="arrow" w="med" len="med"/>
-            <a:tailEnd type="none" w="med" len="med"/>
-          </a:ln>
-        </p:spPr>
-        <p:style>
-          <a:lnRef idx="1">
-            <a:schemeClr val="accent1"/>
-          </a:lnRef>
-          <a:fillRef idx="0">
-            <a:schemeClr val="accent1"/>
-          </a:fillRef>
-          <a:effectRef idx="0">
-            <a:schemeClr val="accent1"/>
-          </a:effectRef>
-          <a:fontRef idx="minor">
-            <a:schemeClr val="tx1"/>
-          </a:fontRef>
-        </p:style>
-      </p:cxnSp>
-      <p:cxnSp>
-        <p:nvCxnSpPr>
-          <p:cNvPr id="17" name="直線コネクタ 16">
-            <a:extLst>
-              <a:ext uri="{FF2B5EF4-FFF2-40B4-BE49-F238E27FC236}">
-                <a16:creationId xmlns:a16="http://schemas.microsoft.com/office/drawing/2014/main" id="{8CA05F1B-DFF7-4143-96B6-ECF65FEAA5F9}"/>
-              </a:ext>
-            </a:extLst>
-          </p:cNvPr>
-          <p:cNvCxnSpPr>
-            <a:cxnSpLocks/>
-            <a:stCxn id="7" idx="2"/>
-            <a:endCxn id="6" idx="6"/>
-          </p:cNvCxnSpPr>
-          <p:nvPr/>
-        </p:nvCxnSpPr>
-        <p:spPr>
-          <a:xfrm flipH="1">
-            <a:off x="4684734" y="2327456"/>
-            <a:ext cx="658735" cy="1578577"/>
+            <a:off x="4684734" y="1775548"/>
+            <a:ext cx="653591" cy="1063685"/>
           </a:xfrm>
           <a:prstGeom prst="line">
             <a:avLst/>
@@ -12464,7 +12261,7 @@
         <p:spPr>
           <a:xfrm flipH="1" flipV="1">
             <a:off x="4684734" y="1772433"/>
-            <a:ext cx="658735" cy="1621823"/>
+            <a:ext cx="653591" cy="1069915"/>
           </a:xfrm>
           <a:prstGeom prst="line">
             <a:avLst/>
@@ -12511,148 +12308,7 @@
         <p:spPr>
           <a:xfrm flipH="1" flipV="1">
             <a:off x="4684734" y="2839233"/>
-            <a:ext cx="658735" cy="555023"/>
-          </a:xfrm>
-          <a:prstGeom prst="line">
-            <a:avLst/>
-          </a:prstGeom>
-          <a:ln w="38100">
-            <a:solidFill>
-              <a:schemeClr val="tx1"/>
-            </a:solidFill>
-            <a:headEnd type="arrow" w="med" len="med"/>
-            <a:tailEnd type="none" w="med" len="med"/>
-          </a:ln>
-        </p:spPr>
-        <p:style>
-          <a:lnRef idx="1">
-            <a:schemeClr val="accent1"/>
-          </a:lnRef>
-          <a:fillRef idx="0">
-            <a:schemeClr val="accent1"/>
-          </a:fillRef>
-          <a:effectRef idx="0">
-            <a:schemeClr val="accent1"/>
-          </a:effectRef>
-          <a:fontRef idx="minor">
-            <a:schemeClr val="tx1"/>
-          </a:fontRef>
-        </p:style>
-      </p:cxnSp>
-      <p:cxnSp>
-        <p:nvCxnSpPr>
-          <p:cNvPr id="22" name="直線コネクタ 21">
-            <a:extLst>
-              <a:ext uri="{FF2B5EF4-FFF2-40B4-BE49-F238E27FC236}">
-                <a16:creationId xmlns:a16="http://schemas.microsoft.com/office/drawing/2014/main" id="{6A7CF1B2-FAED-D847-B442-E31B9A213830}"/>
-              </a:ext>
-            </a:extLst>
-          </p:cNvPr>
-          <p:cNvCxnSpPr>
-            <a:cxnSpLocks/>
-            <a:stCxn id="8" idx="2"/>
-            <a:endCxn id="6" idx="6"/>
-          </p:cNvCxnSpPr>
-          <p:nvPr/>
-        </p:nvCxnSpPr>
-        <p:spPr>
-          <a:xfrm flipH="1">
-            <a:off x="4684734" y="3394256"/>
-            <a:ext cx="658735" cy="511777"/>
-          </a:xfrm>
-          <a:prstGeom prst="line">
-            <a:avLst/>
-          </a:prstGeom>
-          <a:ln w="38100">
-            <a:solidFill>
-              <a:schemeClr val="tx1"/>
-            </a:solidFill>
-            <a:headEnd type="arrow" w="med" len="med"/>
-            <a:tailEnd type="none" w="med" len="med"/>
-          </a:ln>
-        </p:spPr>
-        <p:style>
-          <a:lnRef idx="1">
-            <a:schemeClr val="accent1"/>
-          </a:lnRef>
-          <a:fillRef idx="0">
-            <a:schemeClr val="accent1"/>
-          </a:fillRef>
-          <a:effectRef idx="0">
-            <a:schemeClr val="accent1"/>
-          </a:effectRef>
-          <a:fontRef idx="minor">
-            <a:schemeClr val="tx1"/>
-          </a:fontRef>
-        </p:style>
-      </p:cxnSp>
-      <p:cxnSp>
-        <p:nvCxnSpPr>
-          <p:cNvPr id="23" name="直線コネクタ 22">
-            <a:extLst>
-              <a:ext uri="{FF2B5EF4-FFF2-40B4-BE49-F238E27FC236}">
-                <a16:creationId xmlns:a16="http://schemas.microsoft.com/office/drawing/2014/main" id="{6C082B0C-0078-3141-B018-0EC5938917D1}"/>
-              </a:ext>
-            </a:extLst>
-          </p:cNvPr>
-          <p:cNvCxnSpPr>
-            <a:cxnSpLocks/>
-            <a:stCxn id="11" idx="2"/>
-            <a:endCxn id="7" idx="6"/>
-          </p:cNvCxnSpPr>
-          <p:nvPr/>
-        </p:nvCxnSpPr>
-        <p:spPr>
-          <a:xfrm flipH="1" flipV="1">
-            <a:off x="6007348" y="2327456"/>
-            <a:ext cx="658735" cy="1578577"/>
-          </a:xfrm>
-          <a:prstGeom prst="line">
-            <a:avLst/>
-          </a:prstGeom>
-          <a:ln w="38100">
-            <a:solidFill>
-              <a:schemeClr val="tx1"/>
-            </a:solidFill>
-            <a:headEnd type="arrow" w="med" len="med"/>
-            <a:tailEnd type="none" w="med" len="med"/>
-          </a:ln>
-        </p:spPr>
-        <p:style>
-          <a:lnRef idx="1">
-            <a:schemeClr val="accent1"/>
-          </a:lnRef>
-          <a:fillRef idx="0">
-            <a:schemeClr val="accent1"/>
-          </a:fillRef>
-          <a:effectRef idx="0">
-            <a:schemeClr val="accent1"/>
-          </a:effectRef>
-          <a:fontRef idx="minor">
-            <a:schemeClr val="tx1"/>
-          </a:fontRef>
-        </p:style>
-      </p:cxnSp>
-      <p:cxnSp>
-        <p:nvCxnSpPr>
-          <p:cNvPr id="24" name="直線コネクタ 23">
-            <a:extLst>
-              <a:ext uri="{FF2B5EF4-FFF2-40B4-BE49-F238E27FC236}">
-                <a16:creationId xmlns:a16="http://schemas.microsoft.com/office/drawing/2014/main" id="{C44EFB3C-40D6-8E4E-ADB6-CADCB359643D}"/>
-              </a:ext>
-            </a:extLst>
-          </p:cNvPr>
-          <p:cNvCxnSpPr>
-            <a:cxnSpLocks/>
-            <a:stCxn id="10" idx="2"/>
-            <a:endCxn id="7" idx="6"/>
-          </p:cNvCxnSpPr>
-          <p:nvPr/>
-        </p:nvCxnSpPr>
-        <p:spPr>
-          <a:xfrm flipH="1" flipV="1">
-            <a:off x="6007348" y="2327456"/>
-            <a:ext cx="658735" cy="511777"/>
+            <a:ext cx="653591" cy="3115"/>
           </a:xfrm>
           <a:prstGeom prst="line">
             <a:avLst/>
@@ -12697,103 +12353,9 @@
           <p:nvPr/>
         </p:nvCxnSpPr>
         <p:spPr>
-          <a:xfrm flipH="1">
-            <a:off x="6007348" y="1772433"/>
-            <a:ext cx="658735" cy="555023"/>
-          </a:xfrm>
-          <a:prstGeom prst="line">
-            <a:avLst/>
-          </a:prstGeom>
-          <a:ln w="38100">
-            <a:solidFill>
-              <a:schemeClr val="tx1"/>
-            </a:solidFill>
-            <a:headEnd type="arrow" w="med" len="med"/>
-            <a:tailEnd type="none" w="med" len="med"/>
-          </a:ln>
-        </p:spPr>
-        <p:style>
-          <a:lnRef idx="1">
-            <a:schemeClr val="accent1"/>
-          </a:lnRef>
-          <a:fillRef idx="0">
-            <a:schemeClr val="accent1"/>
-          </a:fillRef>
-          <a:effectRef idx="0">
-            <a:schemeClr val="accent1"/>
-          </a:effectRef>
-          <a:fontRef idx="minor">
-            <a:schemeClr val="tx1"/>
-          </a:fontRef>
-        </p:style>
-      </p:cxnSp>
-      <p:cxnSp>
-        <p:nvCxnSpPr>
-          <p:cNvPr id="59" name="直線コネクタ 58">
-            <a:extLst>
-              <a:ext uri="{FF2B5EF4-FFF2-40B4-BE49-F238E27FC236}">
-                <a16:creationId xmlns:a16="http://schemas.microsoft.com/office/drawing/2014/main" id="{8582E2B8-FA9A-5B4C-A53C-5A04E4F45841}"/>
-              </a:ext>
-            </a:extLst>
-          </p:cNvPr>
-          <p:cNvCxnSpPr>
-            <a:cxnSpLocks/>
-            <a:stCxn id="11" idx="2"/>
-            <a:endCxn id="8" idx="6"/>
-          </p:cNvCxnSpPr>
-          <p:nvPr/>
-        </p:nvCxnSpPr>
-        <p:spPr>
           <a:xfrm flipH="1" flipV="1">
-            <a:off x="6007348" y="3394256"/>
-            <a:ext cx="658735" cy="511777"/>
-          </a:xfrm>
-          <a:prstGeom prst="line">
-            <a:avLst/>
-          </a:prstGeom>
-          <a:ln w="38100">
-            <a:solidFill>
-              <a:schemeClr val="tx1"/>
-            </a:solidFill>
-            <a:headEnd type="arrow" w="med" len="med"/>
-            <a:tailEnd type="none" w="med" len="med"/>
-          </a:ln>
-        </p:spPr>
-        <p:style>
-          <a:lnRef idx="1">
-            <a:schemeClr val="accent1"/>
-          </a:lnRef>
-          <a:fillRef idx="0">
-            <a:schemeClr val="accent1"/>
-          </a:fillRef>
-          <a:effectRef idx="0">
-            <a:schemeClr val="accent1"/>
-          </a:effectRef>
-          <a:fontRef idx="minor">
-            <a:schemeClr val="tx1"/>
-          </a:fontRef>
-        </p:style>
-      </p:cxnSp>
-      <p:cxnSp>
-        <p:nvCxnSpPr>
-          <p:cNvPr id="60" name="直線コネクタ 59">
-            <a:extLst>
-              <a:ext uri="{FF2B5EF4-FFF2-40B4-BE49-F238E27FC236}">
-                <a16:creationId xmlns:a16="http://schemas.microsoft.com/office/drawing/2014/main" id="{13429877-D6E6-E340-8EE8-5D3984831E69}"/>
-              </a:ext>
-            </a:extLst>
-          </p:cNvPr>
-          <p:cNvCxnSpPr>
-            <a:cxnSpLocks/>
-            <a:stCxn id="10" idx="2"/>
-            <a:endCxn id="8" idx="6"/>
-          </p:cNvCxnSpPr>
-          <p:nvPr/>
-        </p:nvCxnSpPr>
-        <p:spPr>
-          <a:xfrm flipH="1">
-            <a:off x="6007348" y="2839233"/>
-            <a:ext cx="658735" cy="555023"/>
+            <a:off x="6002204" y="1775548"/>
+            <a:ext cx="549556" cy="524169"/>
           </a:xfrm>
           <a:prstGeom prst="line">
             <a:avLst/>
@@ -12839,8 +12401,8 @@
         </p:nvCxnSpPr>
         <p:spPr>
           <a:xfrm flipH="1">
-            <a:off x="6007348" y="1772433"/>
-            <a:ext cx="658735" cy="1621823"/>
+            <a:off x="6002204" y="2299717"/>
+            <a:ext cx="549556" cy="542631"/>
           </a:xfrm>
           <a:prstGeom prst="line">
             <a:avLst/>
@@ -12962,23 +12524,23 @@
       </p:cxnSp>
       <p:cxnSp>
         <p:nvCxnSpPr>
-          <p:cNvPr id="74" name="直線コネクタ 73">
-            <a:extLst>
-              <a:ext uri="{FF2B5EF4-FFF2-40B4-BE49-F238E27FC236}">
-                <a16:creationId xmlns:a16="http://schemas.microsoft.com/office/drawing/2014/main" id="{8C0D7D58-9A97-2A47-98AF-40370DAE96DD}"/>
+          <p:cNvPr id="77" name="直線コネクタ 76">
+            <a:extLst>
+              <a:ext uri="{FF2B5EF4-FFF2-40B4-BE49-F238E27FC236}">
+                <a16:creationId xmlns:a16="http://schemas.microsoft.com/office/drawing/2014/main" id="{F1E1F616-D93A-2244-B167-81C732074C79}"/>
               </a:ext>
             </a:extLst>
           </p:cNvPr>
           <p:cNvCxnSpPr>
             <a:cxnSpLocks/>
-            <a:stCxn id="6" idx="2"/>
+            <a:endCxn id="9" idx="6"/>
           </p:cNvCxnSpPr>
           <p:nvPr/>
         </p:nvCxnSpPr>
         <p:spPr>
           <a:xfrm flipH="1">
-            <a:off x="3360014" y="3906033"/>
-            <a:ext cx="660841" cy="0"/>
+            <a:off x="7215639" y="2299717"/>
+            <a:ext cx="649977" cy="0"/>
           </a:xfrm>
           <a:prstGeom prst="line">
             <a:avLst/>
@@ -13006,144 +12568,6 @@
           </a:fontRef>
         </p:style>
       </p:cxnSp>
-      <p:cxnSp>
-        <p:nvCxnSpPr>
-          <p:cNvPr id="77" name="直線コネクタ 76">
-            <a:extLst>
-              <a:ext uri="{FF2B5EF4-FFF2-40B4-BE49-F238E27FC236}">
-                <a16:creationId xmlns:a16="http://schemas.microsoft.com/office/drawing/2014/main" id="{F1E1F616-D93A-2244-B167-81C732074C79}"/>
-              </a:ext>
-            </a:extLst>
-          </p:cNvPr>
-          <p:cNvCxnSpPr>
-            <a:cxnSpLocks/>
-            <a:endCxn id="9" idx="6"/>
-          </p:cNvCxnSpPr>
-          <p:nvPr/>
-        </p:nvCxnSpPr>
-        <p:spPr>
-          <a:xfrm flipH="1">
-            <a:off x="7329962" y="1755540"/>
-            <a:ext cx="658736" cy="16893"/>
-          </a:xfrm>
-          <a:prstGeom prst="line">
-            <a:avLst/>
-          </a:prstGeom>
-          <a:ln w="38100">
-            <a:solidFill>
-              <a:schemeClr val="tx1"/>
-            </a:solidFill>
-            <a:headEnd type="arrow" w="med" len="med"/>
-            <a:tailEnd type="none" w="med" len="med"/>
-          </a:ln>
-        </p:spPr>
-        <p:style>
-          <a:lnRef idx="1">
-            <a:schemeClr val="accent1"/>
-          </a:lnRef>
-          <a:fillRef idx="0">
-            <a:schemeClr val="accent1"/>
-          </a:fillRef>
-          <a:effectRef idx="0">
-            <a:schemeClr val="accent1"/>
-          </a:effectRef>
-          <a:fontRef idx="minor">
-            <a:schemeClr val="tx1"/>
-          </a:fontRef>
-        </p:style>
-      </p:cxnSp>
-      <p:cxnSp>
-        <p:nvCxnSpPr>
-          <p:cNvPr id="78" name="直線コネクタ 77">
-            <a:extLst>
-              <a:ext uri="{FF2B5EF4-FFF2-40B4-BE49-F238E27FC236}">
-                <a16:creationId xmlns:a16="http://schemas.microsoft.com/office/drawing/2014/main" id="{B32655B8-F12A-D34E-A81B-894BCCE0BCF6}"/>
-              </a:ext>
-            </a:extLst>
-          </p:cNvPr>
-          <p:cNvCxnSpPr>
-            <a:cxnSpLocks/>
-            <a:endCxn id="10" idx="6"/>
-          </p:cNvCxnSpPr>
-          <p:nvPr/>
-        </p:nvCxnSpPr>
-        <p:spPr>
-          <a:xfrm flipH="1">
-            <a:off x="7329962" y="2839233"/>
-            <a:ext cx="658735" cy="0"/>
-          </a:xfrm>
-          <a:prstGeom prst="line">
-            <a:avLst/>
-          </a:prstGeom>
-          <a:ln w="38100">
-            <a:solidFill>
-              <a:schemeClr val="tx1"/>
-            </a:solidFill>
-            <a:headEnd type="arrow" w="med" len="med"/>
-            <a:tailEnd type="none" w="med" len="med"/>
-          </a:ln>
-        </p:spPr>
-        <p:style>
-          <a:lnRef idx="1">
-            <a:schemeClr val="accent1"/>
-          </a:lnRef>
-          <a:fillRef idx="0">
-            <a:schemeClr val="accent1"/>
-          </a:fillRef>
-          <a:effectRef idx="0">
-            <a:schemeClr val="accent1"/>
-          </a:effectRef>
-          <a:fontRef idx="minor">
-            <a:schemeClr val="tx1"/>
-          </a:fontRef>
-        </p:style>
-      </p:cxnSp>
-      <p:cxnSp>
-        <p:nvCxnSpPr>
-          <p:cNvPr id="79" name="直線コネクタ 78">
-            <a:extLst>
-              <a:ext uri="{FF2B5EF4-FFF2-40B4-BE49-F238E27FC236}">
-                <a16:creationId xmlns:a16="http://schemas.microsoft.com/office/drawing/2014/main" id="{02C5131A-152C-2C40-9EA0-EAB64A7FA6BC}"/>
-              </a:ext>
-            </a:extLst>
-          </p:cNvPr>
-          <p:cNvCxnSpPr>
-            <a:cxnSpLocks/>
-            <a:endCxn id="11" idx="6"/>
-          </p:cNvCxnSpPr>
-          <p:nvPr/>
-        </p:nvCxnSpPr>
-        <p:spPr>
-          <a:xfrm flipH="1">
-            <a:off x="7329962" y="3906033"/>
-            <a:ext cx="658735" cy="0"/>
-          </a:xfrm>
-          <a:prstGeom prst="line">
-            <a:avLst/>
-          </a:prstGeom>
-          <a:ln w="38100">
-            <a:solidFill>
-              <a:schemeClr val="tx1"/>
-            </a:solidFill>
-            <a:headEnd type="arrow" w="med" len="med"/>
-            <a:tailEnd type="none" w="med" len="med"/>
-          </a:ln>
-        </p:spPr>
-        <p:style>
-          <a:lnRef idx="1">
-            <a:schemeClr val="accent1"/>
-          </a:lnRef>
-          <a:fillRef idx="0">
-            <a:schemeClr val="accent1"/>
-          </a:fillRef>
-          <a:effectRef idx="0">
-            <a:schemeClr val="accent1"/>
-          </a:effectRef>
-          <a:fontRef idx="minor">
-            <a:schemeClr val="tx1"/>
-          </a:fontRef>
-        </p:style>
-      </p:cxnSp>
       <p:sp>
         <p:nvSpPr>
           <p:cNvPr id="86" name="テキスト ボックス 85">
@@ -13284,7 +12708,7 @@
         </p:nvSpPr>
         <p:spPr>
           <a:xfrm>
-            <a:off x="3360014" y="4417513"/>
+            <a:off x="3236933" y="3608101"/>
             <a:ext cx="4628683" cy="304800"/>
           </a:xfrm>
           <a:prstGeom prst="rightArrow">
@@ -13336,7 +12760,7 @@
         </p:nvSpPr>
         <p:spPr>
           <a:xfrm>
-            <a:off x="8201170" y="2631657"/>
+            <a:off x="7879518" y="2065933"/>
             <a:ext cx="902811" cy="523220"/>
           </a:xfrm>
           <a:prstGeom prst="rect">
@@ -13378,7 +12802,7 @@
         </p:nvSpPr>
         <p:spPr>
           <a:xfrm>
-            <a:off x="2454165" y="2631657"/>
+            <a:off x="1848427" y="2108437"/>
             <a:ext cx="902811" cy="523220"/>
           </a:xfrm>
           <a:prstGeom prst="rect">
@@ -13420,7 +12844,7 @@
         </p:nvSpPr>
         <p:spPr>
           <a:xfrm>
-            <a:off x="5014101" y="4188908"/>
+            <a:off x="4891020" y="3379496"/>
             <a:ext cx="1338828" cy="369332"/>
           </a:xfrm>
           <a:prstGeom prst="rect">
@@ -13446,10 +12870,275 @@
       </p:sp>
       <p:sp>
         <p:nvSpPr>
-          <p:cNvPr id="35" name="右矢印 34">
-            <a:extLst>
-              <a:ext uri="{FF2B5EF4-FFF2-40B4-BE49-F238E27FC236}">
-                <a16:creationId xmlns:a16="http://schemas.microsoft.com/office/drawing/2014/main" id="{134F0B40-FA9A-D442-8F6E-4110F291D6B2}"/>
+          <p:cNvPr id="56" name="Text Box 26">
+            <a:extLst>
+              <a:ext uri="{FF2B5EF4-FFF2-40B4-BE49-F238E27FC236}">
+                <a16:creationId xmlns:a16="http://schemas.microsoft.com/office/drawing/2014/main" id="{25E85A28-9A4A-7D42-BEA6-2D75780C1A2A}"/>
+              </a:ext>
+            </a:extLst>
+          </p:cNvPr>
+          <p:cNvSpPr txBox="1">
+            <a:spLocks noChangeArrowheads="1"/>
+          </p:cNvSpPr>
+          <p:nvPr/>
+        </p:nvSpPr>
+        <p:spPr bwMode="auto">
+          <a:xfrm>
+            <a:off x="2916486" y="1500867"/>
+            <a:ext cx="500458" cy="546945"/>
+          </a:xfrm>
+          <a:prstGeom prst="rect">
+            <a:avLst/>
+          </a:prstGeom>
+          <a:noFill/>
+          <a:ln>
+            <a:noFill/>
+          </a:ln>
+          <a:effectLst/>
+          <a:extLst>
+            <a:ext uri="{909E8E84-426E-40dd-AFC4-6F175D3DCCD1}">
+              <a14:hiddenFill xmlns:a14="http://schemas.microsoft.com/office/drawing/2010/main" xmlns="">
+                <a:solidFill>
+                  <a:schemeClr val="accent1"/>
+                </a:solidFill>
+              </a14:hiddenFill>
+            </a:ext>
+            <a:ext uri="{91240B29-F687-4f45-9708-019B960494DF}">
+              <a14:hiddenLine xmlns:a14="http://schemas.microsoft.com/office/drawing/2010/main" xmlns="" w="9525">
+                <a:solidFill>
+                  <a:schemeClr val="tx1"/>
+                </a:solidFill>
+                <a:miter lim="800000"/>
+                <a:headEnd/>
+                <a:tailEnd/>
+              </a14:hiddenLine>
+            </a:ext>
+            <a:ext uri="{AF507438-7753-43e0-B8FC-AC1667EBCBE1}">
+              <a14:hiddenEffects xmlns:a14="http://schemas.microsoft.com/office/drawing/2010/main" xmlns="">
+                <a:effectLst>
+                  <a:outerShdw blurRad="63500" dist="38099" dir="2700000" algn="ctr" rotWithShape="0">
+                    <a:schemeClr val="bg2">
+                      <a:alpha val="74998"/>
+                    </a:schemeClr>
+                  </a:outerShdw>
+                </a:effectLst>
+              </a14:hiddenEffects>
+            </a:ext>
+          </a:extLst>
+        </p:spPr>
+        <p:txBody>
+          <a:bodyPr wrap="none">
+            <a:spAutoFit/>
+          </a:bodyPr>
+          <a:lstStyle/>
+          <a:p>
+            <a:pPr>
+              <a:defRPr/>
+            </a:pPr>
+            <a:r>
+              <a:rPr lang="en-US" altLang="ja-JP" sz="2954" b="1" i="1" dirty="0">
+                <a:latin typeface="Times New Roman" panose="02020603050405020304" pitchFamily="18" charset="0"/>
+                <a:ea typeface="ＭＳ Ｐゴシック" charset="0"/>
+                <a:cs typeface="Times New Roman" panose="02020603050405020304" pitchFamily="18" charset="0"/>
+              </a:rPr>
+              <a:t>x</a:t>
+            </a:r>
+            <a:r>
+              <a:rPr lang="en-US" altLang="ja-JP" sz="2954" b="1" i="1" baseline="-25000" dirty="0">
+                <a:latin typeface="Times New Roman" panose="02020603050405020304" pitchFamily="18" charset="0"/>
+                <a:ea typeface="ＭＳ Ｐゴシック" charset="0"/>
+                <a:cs typeface="Times New Roman" panose="02020603050405020304" pitchFamily="18" charset="0"/>
+              </a:rPr>
+              <a:t>1</a:t>
+            </a:r>
+            <a:endParaRPr lang="ja-JP" altLang="en-US" sz="2954" b="1" i="1">
+              <a:latin typeface="Times New Roman" panose="02020603050405020304" pitchFamily="18" charset="0"/>
+              <a:ea typeface="ＭＳ Ｐゴシック" charset="0"/>
+              <a:cs typeface="Times New Roman" panose="02020603050405020304" pitchFamily="18" charset="0"/>
+            </a:endParaRPr>
+          </a:p>
+        </p:txBody>
+      </p:sp>
+      <p:sp>
+        <p:nvSpPr>
+          <p:cNvPr id="57" name="Text Box 26">
+            <a:extLst>
+              <a:ext uri="{FF2B5EF4-FFF2-40B4-BE49-F238E27FC236}">
+                <a16:creationId xmlns:a16="http://schemas.microsoft.com/office/drawing/2014/main" id="{854C6E13-E3A4-2747-8E03-67792794773C}"/>
+              </a:ext>
+            </a:extLst>
+          </p:cNvPr>
+          <p:cNvSpPr txBox="1">
+            <a:spLocks noChangeArrowheads="1"/>
+          </p:cNvSpPr>
+          <p:nvPr/>
+        </p:nvSpPr>
+        <p:spPr bwMode="auto">
+          <a:xfrm>
+            <a:off x="2919100" y="2481811"/>
+            <a:ext cx="500458" cy="546945"/>
+          </a:xfrm>
+          <a:prstGeom prst="rect">
+            <a:avLst/>
+          </a:prstGeom>
+          <a:noFill/>
+          <a:ln>
+            <a:noFill/>
+          </a:ln>
+          <a:effectLst/>
+          <a:extLst>
+            <a:ext uri="{909E8E84-426E-40dd-AFC4-6F175D3DCCD1}">
+              <a14:hiddenFill xmlns:a14="http://schemas.microsoft.com/office/drawing/2010/main" xmlns="">
+                <a:solidFill>
+                  <a:schemeClr val="accent1"/>
+                </a:solidFill>
+              </a14:hiddenFill>
+            </a:ext>
+            <a:ext uri="{91240B29-F687-4f45-9708-019B960494DF}">
+              <a14:hiddenLine xmlns:a14="http://schemas.microsoft.com/office/drawing/2010/main" xmlns="" w="9525">
+                <a:solidFill>
+                  <a:schemeClr val="tx1"/>
+                </a:solidFill>
+                <a:miter lim="800000"/>
+                <a:headEnd/>
+                <a:tailEnd/>
+              </a14:hiddenLine>
+            </a:ext>
+            <a:ext uri="{AF507438-7753-43e0-B8FC-AC1667EBCBE1}">
+              <a14:hiddenEffects xmlns:a14="http://schemas.microsoft.com/office/drawing/2010/main" xmlns="">
+                <a:effectLst>
+                  <a:outerShdw blurRad="63500" dist="38099" dir="2700000" algn="ctr" rotWithShape="0">
+                    <a:schemeClr val="bg2">
+                      <a:alpha val="74998"/>
+                    </a:schemeClr>
+                  </a:outerShdw>
+                </a:effectLst>
+              </a14:hiddenEffects>
+            </a:ext>
+          </a:extLst>
+        </p:spPr>
+        <p:txBody>
+          <a:bodyPr wrap="none">
+            <a:spAutoFit/>
+          </a:bodyPr>
+          <a:lstStyle/>
+          <a:p>
+            <a:pPr>
+              <a:defRPr/>
+            </a:pPr>
+            <a:r>
+              <a:rPr lang="en-US" altLang="ja-JP" sz="2954" b="1" i="1" dirty="0">
+                <a:latin typeface="Times New Roman" panose="02020603050405020304" pitchFamily="18" charset="0"/>
+                <a:ea typeface="ＭＳ Ｐゴシック" charset="0"/>
+                <a:cs typeface="Times New Roman" panose="02020603050405020304" pitchFamily="18" charset="0"/>
+              </a:rPr>
+              <a:t>x</a:t>
+            </a:r>
+            <a:r>
+              <a:rPr lang="en-US" altLang="ja-JP" sz="2954" b="1" i="1" baseline="-25000" dirty="0">
+                <a:latin typeface="Times New Roman" panose="02020603050405020304" pitchFamily="18" charset="0"/>
+                <a:ea typeface="ＭＳ Ｐゴシック" charset="0"/>
+                <a:cs typeface="Times New Roman" panose="02020603050405020304" pitchFamily="18" charset="0"/>
+              </a:rPr>
+              <a:t>2</a:t>
+            </a:r>
+            <a:endParaRPr lang="ja-JP" altLang="en-US" sz="2954" b="1" i="1">
+              <a:latin typeface="Times New Roman" panose="02020603050405020304" pitchFamily="18" charset="0"/>
+              <a:ea typeface="ＭＳ Ｐゴシック" charset="0"/>
+              <a:cs typeface="Times New Roman" panose="02020603050405020304" pitchFamily="18" charset="0"/>
+            </a:endParaRPr>
+          </a:p>
+        </p:txBody>
+      </p:sp>
+      <p:sp>
+        <p:nvSpPr>
+          <p:cNvPr id="58" name="Text Box 26">
+            <a:extLst>
+              <a:ext uri="{FF2B5EF4-FFF2-40B4-BE49-F238E27FC236}">
+                <a16:creationId xmlns:a16="http://schemas.microsoft.com/office/drawing/2014/main" id="{C911A23E-BB95-4444-8A6D-92D02D543F3C}"/>
+              </a:ext>
+            </a:extLst>
+          </p:cNvPr>
+          <p:cNvSpPr txBox="1">
+            <a:spLocks noChangeArrowheads="1"/>
+          </p:cNvSpPr>
+          <p:nvPr/>
+        </p:nvSpPr>
+        <p:spPr bwMode="auto">
+          <a:xfrm>
+            <a:off x="8715084" y="1934866"/>
+            <a:ext cx="352982" cy="546945"/>
+          </a:xfrm>
+          <a:prstGeom prst="rect">
+            <a:avLst/>
+          </a:prstGeom>
+          <a:noFill/>
+          <a:ln>
+            <a:noFill/>
+          </a:ln>
+          <a:effectLst/>
+          <a:extLst>
+            <a:ext uri="{909E8E84-426E-40dd-AFC4-6F175D3DCCD1}">
+              <a14:hiddenFill xmlns:a14="http://schemas.microsoft.com/office/drawing/2010/main" xmlns="">
+                <a:solidFill>
+                  <a:schemeClr val="accent1"/>
+                </a:solidFill>
+              </a14:hiddenFill>
+            </a:ext>
+            <a:ext uri="{91240B29-F687-4f45-9708-019B960494DF}">
+              <a14:hiddenLine xmlns:a14="http://schemas.microsoft.com/office/drawing/2010/main" xmlns="" w="9525">
+                <a:solidFill>
+                  <a:schemeClr val="tx1"/>
+                </a:solidFill>
+                <a:miter lim="800000"/>
+                <a:headEnd/>
+                <a:tailEnd/>
+              </a14:hiddenLine>
+            </a:ext>
+            <a:ext uri="{AF507438-7753-43e0-B8FC-AC1667EBCBE1}">
+              <a14:hiddenEffects xmlns:a14="http://schemas.microsoft.com/office/drawing/2010/main" xmlns="">
+                <a:effectLst>
+                  <a:outerShdw blurRad="63500" dist="38099" dir="2700000" algn="ctr" rotWithShape="0">
+                    <a:schemeClr val="bg2">
+                      <a:alpha val="74998"/>
+                    </a:schemeClr>
+                  </a:outerShdw>
+                </a:effectLst>
+              </a14:hiddenEffects>
+            </a:ext>
+          </a:extLst>
+        </p:spPr>
+        <p:txBody>
+          <a:bodyPr wrap="none">
+            <a:spAutoFit/>
+          </a:bodyPr>
+          <a:lstStyle/>
+          <a:p>
+            <a:pPr>
+              <a:defRPr/>
+            </a:pPr>
+            <a:r>
+              <a:rPr lang="en-US" altLang="ja-JP" sz="2954" b="1" i="1" dirty="0">
+                <a:latin typeface="Times New Roman" panose="02020603050405020304" pitchFamily="18" charset="0"/>
+                <a:ea typeface="ＭＳ Ｐゴシック" charset="0"/>
+                <a:cs typeface="Times New Roman" panose="02020603050405020304" pitchFamily="18" charset="0"/>
+              </a:rPr>
+              <a:t>y</a:t>
+            </a:r>
+            <a:endParaRPr lang="ja-JP" altLang="en-US" sz="2954" b="1" i="1">
+              <a:latin typeface="Times New Roman" panose="02020603050405020304" pitchFamily="18" charset="0"/>
+              <a:ea typeface="ＭＳ Ｐゴシック" charset="0"/>
+              <a:cs typeface="Times New Roman" panose="02020603050405020304" pitchFamily="18" charset="0"/>
+            </a:endParaRPr>
+          </a:p>
+        </p:txBody>
+      </p:sp>
+      <p:sp>
+        <p:nvSpPr>
+          <p:cNvPr id="38" name="正方形/長方形 37">
+            <a:extLst>
+              <a:ext uri="{FF2B5EF4-FFF2-40B4-BE49-F238E27FC236}">
+                <a16:creationId xmlns:a16="http://schemas.microsoft.com/office/drawing/2014/main" id="{3C513B0F-944B-1A43-B5E9-AA61F9501198}"/>
               </a:ext>
             </a:extLst>
           </p:cNvPr>
@@ -13457,13 +13146,14 @@
           <p:nvPr/>
         </p:nvSpPr>
         <p:spPr>
-          <a:xfrm flipH="1">
-            <a:off x="3343076" y="4798518"/>
-            <a:ext cx="4628683" cy="304800"/>
-          </a:xfrm>
-          <a:prstGeom prst="rightArrow">
-            <a:avLst/>
-          </a:prstGeom>
+          <a:xfrm>
+            <a:off x="3666478" y="1386307"/>
+            <a:ext cx="3799642" cy="1880676"/>
+          </a:xfrm>
+          <a:prstGeom prst="rect">
+            <a:avLst/>
+          </a:prstGeom>
+          <a:noFill/>
         </p:spPr>
         <p:style>
           <a:lnRef idx="2">
@@ -13490,69 +13180,10 @@
           </a:p>
         </p:txBody>
       </p:sp>
-      <p:sp>
-        <p:nvSpPr>
-          <p:cNvPr id="36" name="テキスト ボックス 35">
-            <a:extLst>
-              <a:ext uri="{FF2B5EF4-FFF2-40B4-BE49-F238E27FC236}">
-                <a16:creationId xmlns:a16="http://schemas.microsoft.com/office/drawing/2014/main" id="{7F401758-F338-A841-B866-4C50E57C9ABF}"/>
-              </a:ext>
-            </a:extLst>
-          </p:cNvPr>
-          <p:cNvSpPr txBox="1"/>
-          <p:nvPr/>
-        </p:nvSpPr>
-        <p:spPr>
-          <a:xfrm>
-            <a:off x="5014101" y="5033055"/>
-            <a:ext cx="1372492" cy="369332"/>
-          </a:xfrm>
-          <a:prstGeom prst="rect">
-            <a:avLst/>
-          </a:prstGeom>
-          <a:noFill/>
-        </p:spPr>
-        <p:txBody>
-          <a:bodyPr wrap="none" rtlCol="0">
-            <a:spAutoFit/>
-          </a:bodyPr>
-          <a:lstStyle/>
-          <a:p>
-            <a:r>
-              <a:rPr kumimoji="1" lang="ja-JP" altLang="en-US">
-                <a:latin typeface="Meiryo" panose="020B0604030504040204" pitchFamily="34" charset="-128"/>
-                <a:ea typeface="Meiryo" panose="020B0604030504040204" pitchFamily="34" charset="-128"/>
-              </a:rPr>
-              <a:t>修正</a:t>
-            </a:r>
-            <a:r>
-              <a:rPr kumimoji="1" lang="en-US" altLang="ja-JP" dirty="0">
-                <a:latin typeface="Meiryo" panose="020B0604030504040204" pitchFamily="34" charset="-128"/>
-                <a:ea typeface="Meiryo" panose="020B0604030504040204" pitchFamily="34" charset="-128"/>
-              </a:rPr>
-              <a:t>(BP</a:t>
-            </a:r>
-            <a:r>
-              <a:rPr lang="ja-JP" altLang="en-US">
-                <a:latin typeface="Meiryo" panose="020B0604030504040204" pitchFamily="34" charset="-128"/>
-                <a:ea typeface="Meiryo" panose="020B0604030504040204" pitchFamily="34" charset="-128"/>
-              </a:rPr>
-              <a:t>法</a:t>
-            </a:r>
-            <a:r>
-              <a:rPr kumimoji="1" lang="en-US" altLang="ja-JP" dirty="0">
-                <a:latin typeface="Meiryo" panose="020B0604030504040204" pitchFamily="34" charset="-128"/>
-                <a:ea typeface="Meiryo" panose="020B0604030504040204" pitchFamily="34" charset="-128"/>
-              </a:rPr>
-              <a:t>)</a:t>
-            </a:r>
-          </a:p>
-        </p:txBody>
-      </p:sp>
     </p:spTree>
     <p:extLst>
       <p:ext uri="{BB962C8B-B14F-4D97-AF65-F5344CB8AC3E}">
-        <p14:creationId xmlns:p14="http://schemas.microsoft.com/office/powerpoint/2010/main" val="2240978883"/>
+        <p14:creationId xmlns:p14="http://schemas.microsoft.com/office/powerpoint/2010/main" val="2452636155"/>
       </p:ext>
     </p:extLst>
   </p:cSld>
@@ -13579,237 +13210,24 @@
           <a:chExt cx="0" cy="0"/>
         </a:xfrm>
       </p:grpSpPr>
-      <p:sp>
-        <p:nvSpPr>
-          <p:cNvPr id="29" name="円/楕円 28">
-            <a:extLst>
-              <a:ext uri="{FF2B5EF4-FFF2-40B4-BE49-F238E27FC236}">
-                <a16:creationId xmlns:a16="http://schemas.microsoft.com/office/drawing/2014/main" id="{2B49628C-FEE2-8A40-A128-E3D95138906C}"/>
-              </a:ext>
-            </a:extLst>
-          </p:cNvPr>
-          <p:cNvSpPr/>
-          <p:nvPr/>
-        </p:nvSpPr>
-        <p:spPr>
-          <a:xfrm>
-            <a:off x="3364341" y="1436589"/>
-            <a:ext cx="663879" cy="663880"/>
-          </a:xfrm>
-          <a:prstGeom prst="ellipse">
-            <a:avLst/>
-          </a:prstGeom>
-          <a:solidFill>
-            <a:schemeClr val="accent1">
-              <a:lumMod val="60000"/>
-              <a:lumOff val="40000"/>
-            </a:schemeClr>
-          </a:solidFill>
-          <a:ln w="28575"/>
-        </p:spPr>
-        <p:style>
-          <a:lnRef idx="2">
-            <a:schemeClr val="accent1">
-              <a:shade val="50000"/>
-            </a:schemeClr>
-          </a:lnRef>
-          <a:fillRef idx="1">
-            <a:schemeClr val="accent1"/>
-          </a:fillRef>
-          <a:effectRef idx="0">
-            <a:schemeClr val="accent1"/>
-          </a:effectRef>
-          <a:fontRef idx="minor">
-            <a:schemeClr val="lt1"/>
-          </a:fontRef>
-        </p:style>
-        <p:txBody>
-          <a:bodyPr rtlCol="0" anchor="ctr"/>
-          <a:lstStyle/>
-          <a:p>
-            <a:pPr algn="ctr"/>
-            <a:endParaRPr kumimoji="1" lang="ja-JP" altLang="en-US"/>
-          </a:p>
-        </p:txBody>
-      </p:sp>
-      <p:sp>
-        <p:nvSpPr>
-          <p:cNvPr id="30" name="円/楕円 29">
-            <a:extLst>
-              <a:ext uri="{FF2B5EF4-FFF2-40B4-BE49-F238E27FC236}">
-                <a16:creationId xmlns:a16="http://schemas.microsoft.com/office/drawing/2014/main" id="{9FCE2DCB-8C8F-804E-AB23-DB0D74111688}"/>
-              </a:ext>
-            </a:extLst>
-          </p:cNvPr>
-          <p:cNvSpPr/>
-          <p:nvPr/>
-        </p:nvSpPr>
-        <p:spPr>
-          <a:xfrm>
-            <a:off x="3407243" y="2765120"/>
-            <a:ext cx="663879" cy="663880"/>
-          </a:xfrm>
-          <a:prstGeom prst="ellipse">
-            <a:avLst/>
-          </a:prstGeom>
-          <a:solidFill>
-            <a:schemeClr val="accent1">
-              <a:lumMod val="60000"/>
-              <a:lumOff val="40000"/>
-            </a:schemeClr>
-          </a:solidFill>
-          <a:ln w="28575"/>
-        </p:spPr>
-        <p:style>
-          <a:lnRef idx="2">
-            <a:schemeClr val="accent1">
-              <a:shade val="50000"/>
-            </a:schemeClr>
-          </a:lnRef>
-          <a:fillRef idx="1">
-            <a:schemeClr val="accent1"/>
-          </a:fillRef>
-          <a:effectRef idx="0">
-            <a:schemeClr val="accent1"/>
-          </a:effectRef>
-          <a:fontRef idx="minor">
-            <a:schemeClr val="lt1"/>
-          </a:fontRef>
-        </p:style>
-        <p:txBody>
-          <a:bodyPr rtlCol="0" anchor="ctr"/>
-          <a:lstStyle/>
-          <a:p>
-            <a:pPr algn="ctr"/>
-            <a:endParaRPr kumimoji="1" lang="ja-JP" altLang="en-US"/>
-          </a:p>
-        </p:txBody>
-      </p:sp>
-      <p:sp>
-        <p:nvSpPr>
-          <p:cNvPr id="31" name="円/楕円 30">
-            <a:extLst>
-              <a:ext uri="{FF2B5EF4-FFF2-40B4-BE49-F238E27FC236}">
-                <a16:creationId xmlns:a16="http://schemas.microsoft.com/office/drawing/2014/main" id="{04C24CDA-B8ED-0243-88B2-7F6C4F64CA3E}"/>
-              </a:ext>
-            </a:extLst>
-          </p:cNvPr>
-          <p:cNvSpPr/>
-          <p:nvPr/>
-        </p:nvSpPr>
-        <p:spPr>
-          <a:xfrm>
-            <a:off x="5343469" y="1436589"/>
-            <a:ext cx="663879" cy="663880"/>
-          </a:xfrm>
-          <a:prstGeom prst="ellipse">
-            <a:avLst/>
-          </a:prstGeom>
-          <a:solidFill>
-            <a:schemeClr val="accent1">
-              <a:lumMod val="60000"/>
-              <a:lumOff val="40000"/>
-            </a:schemeClr>
-          </a:solidFill>
-          <a:ln w="28575"/>
-        </p:spPr>
-        <p:style>
-          <a:lnRef idx="2">
-            <a:schemeClr val="accent1">
-              <a:shade val="50000"/>
-            </a:schemeClr>
-          </a:lnRef>
-          <a:fillRef idx="1">
-            <a:schemeClr val="accent1"/>
-          </a:fillRef>
-          <a:effectRef idx="0">
-            <a:schemeClr val="accent1"/>
-          </a:effectRef>
-          <a:fontRef idx="minor">
-            <a:schemeClr val="lt1"/>
-          </a:fontRef>
-        </p:style>
-        <p:txBody>
-          <a:bodyPr rtlCol="0" anchor="ctr"/>
-          <a:lstStyle/>
-          <a:p>
-            <a:pPr algn="ctr"/>
-            <a:endParaRPr kumimoji="1" lang="ja-JP" altLang="en-US"/>
-          </a:p>
-        </p:txBody>
-      </p:sp>
-      <p:sp>
-        <p:nvSpPr>
-          <p:cNvPr id="32" name="円/楕円 31">
-            <a:extLst>
-              <a:ext uri="{FF2B5EF4-FFF2-40B4-BE49-F238E27FC236}">
-                <a16:creationId xmlns:a16="http://schemas.microsoft.com/office/drawing/2014/main" id="{9D5FF8BB-D4D6-5246-B9EE-DB9B2163D2A4}"/>
-              </a:ext>
-            </a:extLst>
-          </p:cNvPr>
-          <p:cNvSpPr/>
-          <p:nvPr/>
-        </p:nvSpPr>
-        <p:spPr>
-          <a:xfrm>
-            <a:off x="5383332" y="2765120"/>
-            <a:ext cx="663879" cy="663880"/>
-          </a:xfrm>
-          <a:prstGeom prst="ellipse">
-            <a:avLst/>
-          </a:prstGeom>
-          <a:solidFill>
-            <a:schemeClr val="accent1">
-              <a:lumMod val="60000"/>
-              <a:lumOff val="40000"/>
-            </a:schemeClr>
-          </a:solidFill>
-          <a:ln w="28575"/>
-        </p:spPr>
-        <p:style>
-          <a:lnRef idx="2">
-            <a:schemeClr val="accent1">
-              <a:shade val="50000"/>
-            </a:schemeClr>
-          </a:lnRef>
-          <a:fillRef idx="1">
-            <a:schemeClr val="accent1"/>
-          </a:fillRef>
-          <a:effectRef idx="0">
-            <a:schemeClr val="accent1"/>
-          </a:effectRef>
-          <a:fontRef idx="minor">
-            <a:schemeClr val="lt1"/>
-          </a:fontRef>
-        </p:style>
-        <p:txBody>
-          <a:bodyPr rtlCol="0" anchor="ctr"/>
-          <a:lstStyle/>
-          <a:p>
-            <a:pPr algn="ctr"/>
-            <a:endParaRPr kumimoji="1" lang="ja-JP" altLang="en-US"/>
-          </a:p>
-        </p:txBody>
-      </p:sp>
       <p:cxnSp>
         <p:nvCxnSpPr>
-          <p:cNvPr id="33" name="直線コネクタ 32">
-            <a:extLst>
-              <a:ext uri="{FF2B5EF4-FFF2-40B4-BE49-F238E27FC236}">
-                <a16:creationId xmlns:a16="http://schemas.microsoft.com/office/drawing/2014/main" id="{E067FF39-C297-C241-A845-997B18E0C498}"/>
+          <p:cNvPr id="69" name="直線コネクタ 68">
+            <a:extLst>
+              <a:ext uri="{FF2B5EF4-FFF2-40B4-BE49-F238E27FC236}">
+                <a16:creationId xmlns:a16="http://schemas.microsoft.com/office/drawing/2014/main" id="{FFA268C9-8009-CD48-AE56-DB6836852A87}"/>
               </a:ext>
             </a:extLst>
           </p:cNvPr>
           <p:cNvCxnSpPr>
-            <a:stCxn id="31" idx="2"/>
-            <a:endCxn id="29" idx="6"/>
+            <a:cxnSpLocks/>
           </p:cNvCxnSpPr>
           <p:nvPr/>
         </p:nvCxnSpPr>
         <p:spPr>
           <a:xfrm flipH="1">
-            <a:off x="4028220" y="1768529"/>
-            <a:ext cx="1315249" cy="0"/>
+            <a:off x="3360015" y="1772433"/>
+            <a:ext cx="306463" cy="0"/>
           </a:xfrm>
           <a:prstGeom prst="line">
             <a:avLst/>
@@ -13839,24 +13257,22 @@
       </p:cxnSp>
       <p:cxnSp>
         <p:nvCxnSpPr>
-          <p:cNvPr id="34" name="直線コネクタ 33">
-            <a:extLst>
-              <a:ext uri="{FF2B5EF4-FFF2-40B4-BE49-F238E27FC236}">
-                <a16:creationId xmlns:a16="http://schemas.microsoft.com/office/drawing/2014/main" id="{9C4C548D-1BA0-894A-A04A-DFC58862E964}"/>
+          <p:cNvPr id="72" name="直線コネクタ 71">
+            <a:extLst>
+              <a:ext uri="{FF2B5EF4-FFF2-40B4-BE49-F238E27FC236}">
+                <a16:creationId xmlns:a16="http://schemas.microsoft.com/office/drawing/2014/main" id="{861C8DB6-BD01-C843-AFAC-5F87EC74A8E8}"/>
               </a:ext>
             </a:extLst>
           </p:cNvPr>
           <p:cNvCxnSpPr>
             <a:cxnSpLocks/>
-            <a:stCxn id="31" idx="2"/>
-            <a:endCxn id="30" idx="6"/>
           </p:cNvCxnSpPr>
           <p:nvPr/>
         </p:nvCxnSpPr>
         <p:spPr>
           <a:xfrm flipH="1">
-            <a:off x="4071122" y="1768529"/>
-            <a:ext cx="1272347" cy="1328531"/>
+            <a:off x="3360015" y="2852738"/>
+            <a:ext cx="306463" cy="0"/>
           </a:xfrm>
           <a:prstGeom prst="line">
             <a:avLst/>
@@ -13884,26 +13300,552 @@
           </a:fontRef>
         </p:style>
       </p:cxnSp>
+      <p:sp>
+        <p:nvSpPr>
+          <p:cNvPr id="86" name="テキスト ボックス 85">
+            <a:extLst>
+              <a:ext uri="{FF2B5EF4-FFF2-40B4-BE49-F238E27FC236}">
+                <a16:creationId xmlns:a16="http://schemas.microsoft.com/office/drawing/2014/main" id="{E5123B7B-4F8F-1C41-A770-314E128E123C}"/>
+              </a:ext>
+            </a:extLst>
+          </p:cNvPr>
+          <p:cNvSpPr txBox="1"/>
+          <p:nvPr/>
+        </p:nvSpPr>
+        <p:spPr>
+          <a:xfrm>
+            <a:off x="4189362" y="1016975"/>
+            <a:ext cx="2723823" cy="369332"/>
+          </a:xfrm>
+          <a:prstGeom prst="rect">
+            <a:avLst/>
+          </a:prstGeom>
+          <a:noFill/>
+        </p:spPr>
+        <p:txBody>
+          <a:bodyPr wrap="none" rtlCol="0">
+            <a:spAutoFit/>
+          </a:bodyPr>
+          <a:lstStyle/>
+          <a:p>
+            <a:r>
+              <a:rPr lang="ja-JP" altLang="en-US">
+                <a:latin typeface="Meiryo" panose="020B0604030504040204" pitchFamily="34" charset="-128"/>
+                <a:ea typeface="Meiryo" panose="020B0604030504040204" pitchFamily="34" charset="-128"/>
+              </a:rPr>
+              <a:t>ニューラルネットワーク</a:t>
+            </a:r>
+            <a:endParaRPr kumimoji="1" lang="ja-JP" altLang="en-US">
+              <a:latin typeface="Meiryo" panose="020B0604030504040204" pitchFamily="34" charset="-128"/>
+              <a:ea typeface="Meiryo" panose="020B0604030504040204" pitchFamily="34" charset="-128"/>
+            </a:endParaRPr>
+          </a:p>
+        </p:txBody>
+      </p:sp>
+      <p:sp>
+        <p:nvSpPr>
+          <p:cNvPr id="89" name="右矢印 88">
+            <a:extLst>
+              <a:ext uri="{FF2B5EF4-FFF2-40B4-BE49-F238E27FC236}">
+                <a16:creationId xmlns:a16="http://schemas.microsoft.com/office/drawing/2014/main" id="{9A7CA129-68E5-934D-A88F-E8727D1577C9}"/>
+              </a:ext>
+            </a:extLst>
+          </p:cNvPr>
+          <p:cNvSpPr/>
+          <p:nvPr/>
+        </p:nvSpPr>
+        <p:spPr>
+          <a:xfrm>
+            <a:off x="3236933" y="3608101"/>
+            <a:ext cx="4628683" cy="304800"/>
+          </a:xfrm>
+          <a:prstGeom prst="rightArrow">
+            <a:avLst/>
+          </a:prstGeom>
+          <a:solidFill>
+            <a:schemeClr val="accent5">
+              <a:lumMod val="40000"/>
+              <a:lumOff val="60000"/>
+            </a:schemeClr>
+          </a:solidFill>
+        </p:spPr>
+        <p:style>
+          <a:lnRef idx="2">
+            <a:schemeClr val="accent1">
+              <a:shade val="50000"/>
+            </a:schemeClr>
+          </a:lnRef>
+          <a:fillRef idx="1">
+            <a:schemeClr val="accent1"/>
+          </a:fillRef>
+          <a:effectRef idx="0">
+            <a:schemeClr val="accent1"/>
+          </a:effectRef>
+          <a:fontRef idx="minor">
+            <a:schemeClr val="lt1"/>
+          </a:fontRef>
+        </p:style>
+        <p:txBody>
+          <a:bodyPr rtlCol="0" anchor="ctr"/>
+          <a:lstStyle/>
+          <a:p>
+            <a:pPr algn="ctr"/>
+            <a:endParaRPr kumimoji="1" lang="ja-JP" altLang="en-US"/>
+          </a:p>
+        </p:txBody>
+      </p:sp>
+      <p:sp>
+        <p:nvSpPr>
+          <p:cNvPr id="90" name="テキスト ボックス 89">
+            <a:extLst>
+              <a:ext uri="{FF2B5EF4-FFF2-40B4-BE49-F238E27FC236}">
+                <a16:creationId xmlns:a16="http://schemas.microsoft.com/office/drawing/2014/main" id="{E4468285-EE7F-3042-BF9E-05E6E11170EF}"/>
+              </a:ext>
+            </a:extLst>
+          </p:cNvPr>
+          <p:cNvSpPr txBox="1"/>
+          <p:nvPr/>
+        </p:nvSpPr>
+        <p:spPr>
+          <a:xfrm>
+            <a:off x="7879518" y="2065933"/>
+            <a:ext cx="902811" cy="523220"/>
+          </a:xfrm>
+          <a:prstGeom prst="rect">
+            <a:avLst/>
+          </a:prstGeom>
+          <a:noFill/>
+        </p:spPr>
+        <p:txBody>
+          <a:bodyPr wrap="none" rtlCol="0">
+            <a:spAutoFit/>
+          </a:bodyPr>
+          <a:lstStyle/>
+          <a:p>
+            <a:r>
+              <a:rPr lang="ja-JP" altLang="en-US" sz="2800">
+                <a:latin typeface="Meiryo" panose="020B0604030504040204" pitchFamily="34" charset="-128"/>
+                <a:ea typeface="Meiryo" panose="020B0604030504040204" pitchFamily="34" charset="-128"/>
+              </a:rPr>
+              <a:t>出力</a:t>
+            </a:r>
+            <a:endParaRPr kumimoji="1" lang="ja-JP" altLang="en-US" sz="2800">
+              <a:latin typeface="Meiryo" panose="020B0604030504040204" pitchFamily="34" charset="-128"/>
+              <a:ea typeface="Meiryo" panose="020B0604030504040204" pitchFamily="34" charset="-128"/>
+            </a:endParaRPr>
+          </a:p>
+        </p:txBody>
+      </p:sp>
+      <p:sp>
+        <p:nvSpPr>
+          <p:cNvPr id="91" name="テキスト ボックス 90">
+            <a:extLst>
+              <a:ext uri="{FF2B5EF4-FFF2-40B4-BE49-F238E27FC236}">
+                <a16:creationId xmlns:a16="http://schemas.microsoft.com/office/drawing/2014/main" id="{DEF622B1-9429-FC4E-9F7C-7C7DFBB5031A}"/>
+              </a:ext>
+            </a:extLst>
+          </p:cNvPr>
+          <p:cNvSpPr txBox="1"/>
+          <p:nvPr/>
+        </p:nvSpPr>
+        <p:spPr>
+          <a:xfrm>
+            <a:off x="1848427" y="2108437"/>
+            <a:ext cx="902811" cy="523220"/>
+          </a:xfrm>
+          <a:prstGeom prst="rect">
+            <a:avLst/>
+          </a:prstGeom>
+          <a:noFill/>
+        </p:spPr>
+        <p:txBody>
+          <a:bodyPr wrap="none" rtlCol="0">
+            <a:spAutoFit/>
+          </a:bodyPr>
+          <a:lstStyle/>
+          <a:p>
+            <a:r>
+              <a:rPr lang="ja-JP" altLang="en-US" sz="2800">
+                <a:latin typeface="Meiryo" panose="020B0604030504040204" pitchFamily="34" charset="-128"/>
+                <a:ea typeface="Meiryo" panose="020B0604030504040204" pitchFamily="34" charset="-128"/>
+              </a:rPr>
+              <a:t>入力</a:t>
+            </a:r>
+            <a:endParaRPr kumimoji="1" lang="ja-JP" altLang="en-US" sz="2800">
+              <a:latin typeface="Meiryo" panose="020B0604030504040204" pitchFamily="34" charset="-128"/>
+              <a:ea typeface="Meiryo" panose="020B0604030504040204" pitchFamily="34" charset="-128"/>
+            </a:endParaRPr>
+          </a:p>
+        </p:txBody>
+      </p:sp>
+      <p:sp>
+        <p:nvSpPr>
+          <p:cNvPr id="34" name="テキスト ボックス 33">
+            <a:extLst>
+              <a:ext uri="{FF2B5EF4-FFF2-40B4-BE49-F238E27FC236}">
+                <a16:creationId xmlns:a16="http://schemas.microsoft.com/office/drawing/2014/main" id="{2212D8DA-C4BA-8A4A-AD20-04D2E1C4F020}"/>
+              </a:ext>
+            </a:extLst>
+          </p:cNvPr>
+          <p:cNvSpPr txBox="1"/>
+          <p:nvPr/>
+        </p:nvSpPr>
+        <p:spPr>
+          <a:xfrm>
+            <a:off x="4891020" y="3379496"/>
+            <a:ext cx="1338828" cy="369332"/>
+          </a:xfrm>
+          <a:prstGeom prst="rect">
+            <a:avLst/>
+          </a:prstGeom>
+          <a:noFill/>
+        </p:spPr>
+        <p:txBody>
+          <a:bodyPr wrap="none" rtlCol="0">
+            <a:spAutoFit/>
+          </a:bodyPr>
+          <a:lstStyle/>
+          <a:p>
+            <a:r>
+              <a:rPr kumimoji="1" lang="ja-JP" altLang="en-US">
+                <a:latin typeface="Meiryo" panose="020B0604030504040204" pitchFamily="34" charset="-128"/>
+                <a:ea typeface="Meiryo" panose="020B0604030504040204" pitchFamily="34" charset="-128"/>
+              </a:rPr>
+              <a:t>前向き計算</a:t>
+            </a:r>
+          </a:p>
+        </p:txBody>
+      </p:sp>
+      <p:sp>
+        <p:nvSpPr>
+          <p:cNvPr id="56" name="Text Box 26">
+            <a:extLst>
+              <a:ext uri="{FF2B5EF4-FFF2-40B4-BE49-F238E27FC236}">
+                <a16:creationId xmlns:a16="http://schemas.microsoft.com/office/drawing/2014/main" id="{25E85A28-9A4A-7D42-BEA6-2D75780C1A2A}"/>
+              </a:ext>
+            </a:extLst>
+          </p:cNvPr>
+          <p:cNvSpPr txBox="1">
+            <a:spLocks noChangeArrowheads="1"/>
+          </p:cNvSpPr>
+          <p:nvPr/>
+        </p:nvSpPr>
+        <p:spPr bwMode="auto">
+          <a:xfrm>
+            <a:off x="2916486" y="1500867"/>
+            <a:ext cx="500458" cy="546945"/>
+          </a:xfrm>
+          <a:prstGeom prst="rect">
+            <a:avLst/>
+          </a:prstGeom>
+          <a:noFill/>
+          <a:ln>
+            <a:noFill/>
+          </a:ln>
+          <a:effectLst/>
+          <a:extLst>
+            <a:ext uri="{909E8E84-426E-40dd-AFC4-6F175D3DCCD1}">
+              <a14:hiddenFill xmlns:a14="http://schemas.microsoft.com/office/drawing/2010/main" xmlns="">
+                <a:solidFill>
+                  <a:schemeClr val="accent1"/>
+                </a:solidFill>
+              </a14:hiddenFill>
+            </a:ext>
+            <a:ext uri="{91240B29-F687-4f45-9708-019B960494DF}">
+              <a14:hiddenLine xmlns:a14="http://schemas.microsoft.com/office/drawing/2010/main" xmlns="" w="9525">
+                <a:solidFill>
+                  <a:schemeClr val="tx1"/>
+                </a:solidFill>
+                <a:miter lim="800000"/>
+                <a:headEnd/>
+                <a:tailEnd/>
+              </a14:hiddenLine>
+            </a:ext>
+            <a:ext uri="{AF507438-7753-43e0-B8FC-AC1667EBCBE1}">
+              <a14:hiddenEffects xmlns:a14="http://schemas.microsoft.com/office/drawing/2010/main" xmlns="">
+                <a:effectLst>
+                  <a:outerShdw blurRad="63500" dist="38099" dir="2700000" algn="ctr" rotWithShape="0">
+                    <a:schemeClr val="bg2">
+                      <a:alpha val="74998"/>
+                    </a:schemeClr>
+                  </a:outerShdw>
+                </a:effectLst>
+              </a14:hiddenEffects>
+            </a:ext>
+          </a:extLst>
+        </p:spPr>
+        <p:txBody>
+          <a:bodyPr wrap="none">
+            <a:spAutoFit/>
+          </a:bodyPr>
+          <a:lstStyle/>
+          <a:p>
+            <a:pPr>
+              <a:defRPr/>
+            </a:pPr>
+            <a:r>
+              <a:rPr lang="en-US" altLang="ja-JP" sz="2954" b="1" i="1" dirty="0">
+                <a:latin typeface="Times New Roman" panose="02020603050405020304" pitchFamily="18" charset="0"/>
+                <a:ea typeface="ＭＳ Ｐゴシック" charset="0"/>
+                <a:cs typeface="Times New Roman" panose="02020603050405020304" pitchFamily="18" charset="0"/>
+              </a:rPr>
+              <a:t>x</a:t>
+            </a:r>
+            <a:r>
+              <a:rPr lang="en-US" altLang="ja-JP" sz="2954" b="1" i="1" baseline="-25000" dirty="0">
+                <a:latin typeface="Times New Roman" panose="02020603050405020304" pitchFamily="18" charset="0"/>
+                <a:ea typeface="ＭＳ Ｐゴシック" charset="0"/>
+                <a:cs typeface="Times New Roman" panose="02020603050405020304" pitchFamily="18" charset="0"/>
+              </a:rPr>
+              <a:t>1</a:t>
+            </a:r>
+            <a:endParaRPr lang="ja-JP" altLang="en-US" sz="2954" b="1" i="1">
+              <a:latin typeface="Times New Roman" panose="02020603050405020304" pitchFamily="18" charset="0"/>
+              <a:ea typeface="ＭＳ Ｐゴシック" charset="0"/>
+              <a:cs typeface="Times New Roman" panose="02020603050405020304" pitchFamily="18" charset="0"/>
+            </a:endParaRPr>
+          </a:p>
+        </p:txBody>
+      </p:sp>
+      <p:sp>
+        <p:nvSpPr>
+          <p:cNvPr id="57" name="Text Box 26">
+            <a:extLst>
+              <a:ext uri="{FF2B5EF4-FFF2-40B4-BE49-F238E27FC236}">
+                <a16:creationId xmlns:a16="http://schemas.microsoft.com/office/drawing/2014/main" id="{854C6E13-E3A4-2747-8E03-67792794773C}"/>
+              </a:ext>
+            </a:extLst>
+          </p:cNvPr>
+          <p:cNvSpPr txBox="1">
+            <a:spLocks noChangeArrowheads="1"/>
+          </p:cNvSpPr>
+          <p:nvPr/>
+        </p:nvSpPr>
+        <p:spPr bwMode="auto">
+          <a:xfrm>
+            <a:off x="2919100" y="2481811"/>
+            <a:ext cx="500458" cy="546945"/>
+          </a:xfrm>
+          <a:prstGeom prst="rect">
+            <a:avLst/>
+          </a:prstGeom>
+          <a:noFill/>
+          <a:ln>
+            <a:noFill/>
+          </a:ln>
+          <a:effectLst/>
+          <a:extLst>
+            <a:ext uri="{909E8E84-426E-40dd-AFC4-6F175D3DCCD1}">
+              <a14:hiddenFill xmlns:a14="http://schemas.microsoft.com/office/drawing/2010/main" xmlns="">
+                <a:solidFill>
+                  <a:schemeClr val="accent1"/>
+                </a:solidFill>
+              </a14:hiddenFill>
+            </a:ext>
+            <a:ext uri="{91240B29-F687-4f45-9708-019B960494DF}">
+              <a14:hiddenLine xmlns:a14="http://schemas.microsoft.com/office/drawing/2010/main" xmlns="" w="9525">
+                <a:solidFill>
+                  <a:schemeClr val="tx1"/>
+                </a:solidFill>
+                <a:miter lim="800000"/>
+                <a:headEnd/>
+                <a:tailEnd/>
+              </a14:hiddenLine>
+            </a:ext>
+            <a:ext uri="{AF507438-7753-43e0-B8FC-AC1667EBCBE1}">
+              <a14:hiddenEffects xmlns:a14="http://schemas.microsoft.com/office/drawing/2010/main" xmlns="">
+                <a:effectLst>
+                  <a:outerShdw blurRad="63500" dist="38099" dir="2700000" algn="ctr" rotWithShape="0">
+                    <a:schemeClr val="bg2">
+                      <a:alpha val="74998"/>
+                    </a:schemeClr>
+                  </a:outerShdw>
+                </a:effectLst>
+              </a14:hiddenEffects>
+            </a:ext>
+          </a:extLst>
+        </p:spPr>
+        <p:txBody>
+          <a:bodyPr wrap="none">
+            <a:spAutoFit/>
+          </a:bodyPr>
+          <a:lstStyle/>
+          <a:p>
+            <a:pPr>
+              <a:defRPr/>
+            </a:pPr>
+            <a:r>
+              <a:rPr lang="en-US" altLang="ja-JP" sz="2954" b="1" i="1" dirty="0">
+                <a:latin typeface="Times New Roman" panose="02020603050405020304" pitchFamily="18" charset="0"/>
+                <a:ea typeface="ＭＳ Ｐゴシック" charset="0"/>
+                <a:cs typeface="Times New Roman" panose="02020603050405020304" pitchFamily="18" charset="0"/>
+              </a:rPr>
+              <a:t>x</a:t>
+            </a:r>
+            <a:r>
+              <a:rPr lang="en-US" altLang="ja-JP" sz="2954" b="1" i="1" baseline="-25000" dirty="0">
+                <a:latin typeface="Times New Roman" panose="02020603050405020304" pitchFamily="18" charset="0"/>
+                <a:ea typeface="ＭＳ Ｐゴシック" charset="0"/>
+                <a:cs typeface="Times New Roman" panose="02020603050405020304" pitchFamily="18" charset="0"/>
+              </a:rPr>
+              <a:t>2</a:t>
+            </a:r>
+            <a:endParaRPr lang="ja-JP" altLang="en-US" sz="2954" b="1" i="1">
+              <a:latin typeface="Times New Roman" panose="02020603050405020304" pitchFamily="18" charset="0"/>
+              <a:ea typeface="ＭＳ Ｐゴシック" charset="0"/>
+              <a:cs typeface="Times New Roman" panose="02020603050405020304" pitchFamily="18" charset="0"/>
+            </a:endParaRPr>
+          </a:p>
+        </p:txBody>
+      </p:sp>
+      <p:sp>
+        <p:nvSpPr>
+          <p:cNvPr id="58" name="Text Box 26">
+            <a:extLst>
+              <a:ext uri="{FF2B5EF4-FFF2-40B4-BE49-F238E27FC236}">
+                <a16:creationId xmlns:a16="http://schemas.microsoft.com/office/drawing/2014/main" id="{C911A23E-BB95-4444-8A6D-92D02D543F3C}"/>
+              </a:ext>
+            </a:extLst>
+          </p:cNvPr>
+          <p:cNvSpPr txBox="1">
+            <a:spLocks noChangeArrowheads="1"/>
+          </p:cNvSpPr>
+          <p:nvPr/>
+        </p:nvSpPr>
+        <p:spPr bwMode="auto">
+          <a:xfrm>
+            <a:off x="8715084" y="1934866"/>
+            <a:ext cx="352982" cy="546945"/>
+          </a:xfrm>
+          <a:prstGeom prst="rect">
+            <a:avLst/>
+          </a:prstGeom>
+          <a:noFill/>
+          <a:ln>
+            <a:noFill/>
+          </a:ln>
+          <a:effectLst/>
+          <a:extLst>
+            <a:ext uri="{909E8E84-426E-40dd-AFC4-6F175D3DCCD1}">
+              <a14:hiddenFill xmlns:a14="http://schemas.microsoft.com/office/drawing/2010/main" xmlns="">
+                <a:solidFill>
+                  <a:schemeClr val="accent1"/>
+                </a:solidFill>
+              </a14:hiddenFill>
+            </a:ext>
+            <a:ext uri="{91240B29-F687-4f45-9708-019B960494DF}">
+              <a14:hiddenLine xmlns:a14="http://schemas.microsoft.com/office/drawing/2010/main" xmlns="" w="9525">
+                <a:solidFill>
+                  <a:schemeClr val="tx1"/>
+                </a:solidFill>
+                <a:miter lim="800000"/>
+                <a:headEnd/>
+                <a:tailEnd/>
+              </a14:hiddenLine>
+            </a:ext>
+            <a:ext uri="{AF507438-7753-43e0-B8FC-AC1667EBCBE1}">
+              <a14:hiddenEffects xmlns:a14="http://schemas.microsoft.com/office/drawing/2010/main" xmlns="">
+                <a:effectLst>
+                  <a:outerShdw blurRad="63500" dist="38099" dir="2700000" algn="ctr" rotWithShape="0">
+                    <a:schemeClr val="bg2">
+                      <a:alpha val="74998"/>
+                    </a:schemeClr>
+                  </a:outerShdw>
+                </a:effectLst>
+              </a14:hiddenEffects>
+            </a:ext>
+          </a:extLst>
+        </p:spPr>
+        <p:txBody>
+          <a:bodyPr wrap="none">
+            <a:spAutoFit/>
+          </a:bodyPr>
+          <a:lstStyle/>
+          <a:p>
+            <a:pPr>
+              <a:defRPr/>
+            </a:pPr>
+            <a:r>
+              <a:rPr lang="en-US" altLang="ja-JP" sz="2954" b="1" i="1" dirty="0">
+                <a:latin typeface="Times New Roman" panose="02020603050405020304" pitchFamily="18" charset="0"/>
+                <a:ea typeface="ＭＳ Ｐゴシック" charset="0"/>
+                <a:cs typeface="Times New Roman" panose="02020603050405020304" pitchFamily="18" charset="0"/>
+              </a:rPr>
+              <a:t>y</a:t>
+            </a:r>
+            <a:endParaRPr lang="ja-JP" altLang="en-US" sz="2954" b="1" i="1">
+              <a:latin typeface="Times New Roman" panose="02020603050405020304" pitchFamily="18" charset="0"/>
+              <a:ea typeface="ＭＳ Ｐゴシック" charset="0"/>
+              <a:cs typeface="Times New Roman" panose="02020603050405020304" pitchFamily="18" charset="0"/>
+            </a:endParaRPr>
+          </a:p>
+        </p:txBody>
+      </p:sp>
+      <p:sp>
+        <p:nvSpPr>
+          <p:cNvPr id="38" name="正方形/長方形 37">
+            <a:extLst>
+              <a:ext uri="{FF2B5EF4-FFF2-40B4-BE49-F238E27FC236}">
+                <a16:creationId xmlns:a16="http://schemas.microsoft.com/office/drawing/2014/main" id="{3C513B0F-944B-1A43-B5E9-AA61F9501198}"/>
+              </a:ext>
+            </a:extLst>
+          </p:cNvPr>
+          <p:cNvSpPr/>
+          <p:nvPr/>
+        </p:nvSpPr>
+        <p:spPr>
+          <a:xfrm>
+            <a:off x="3666478" y="1386307"/>
+            <a:ext cx="3799642" cy="1880676"/>
+          </a:xfrm>
+          <a:prstGeom prst="rect">
+            <a:avLst/>
+          </a:prstGeom>
+          <a:noFill/>
+        </p:spPr>
+        <p:style>
+          <a:lnRef idx="2">
+            <a:schemeClr val="accent1">
+              <a:shade val="50000"/>
+            </a:schemeClr>
+          </a:lnRef>
+          <a:fillRef idx="1">
+            <a:schemeClr val="accent1"/>
+          </a:fillRef>
+          <a:effectRef idx="0">
+            <a:schemeClr val="accent1"/>
+          </a:effectRef>
+          <a:fontRef idx="minor">
+            <a:schemeClr val="lt1"/>
+          </a:fontRef>
+        </p:style>
+        <p:txBody>
+          <a:bodyPr rtlCol="0" anchor="ctr"/>
+          <a:lstStyle/>
+          <a:p>
+            <a:pPr algn="ctr"/>
+            <a:endParaRPr kumimoji="1" lang="ja-JP" altLang="en-US"/>
+          </a:p>
+        </p:txBody>
+      </p:sp>
       <p:cxnSp>
         <p:nvCxnSpPr>
-          <p:cNvPr id="36" name="直線コネクタ 35">
-            <a:extLst>
-              <a:ext uri="{FF2B5EF4-FFF2-40B4-BE49-F238E27FC236}">
-                <a16:creationId xmlns:a16="http://schemas.microsoft.com/office/drawing/2014/main" id="{BDE2B8FD-CC9A-8940-9B9F-6EDD0F44382D}"/>
+          <p:cNvPr id="27" name="直線コネクタ 26">
+            <a:extLst>
+              <a:ext uri="{FF2B5EF4-FFF2-40B4-BE49-F238E27FC236}">
+                <a16:creationId xmlns:a16="http://schemas.microsoft.com/office/drawing/2014/main" id="{8D77C4B5-B5E6-0343-88F2-B24CB913D5AB}"/>
               </a:ext>
             </a:extLst>
           </p:cNvPr>
           <p:cNvCxnSpPr>
             <a:cxnSpLocks/>
-            <a:stCxn id="32" idx="2"/>
-            <a:endCxn id="29" idx="6"/>
           </p:cNvCxnSpPr>
           <p:nvPr/>
         </p:nvCxnSpPr>
         <p:spPr>
-          <a:xfrm flipH="1" flipV="1">
-            <a:off x="4028220" y="1768529"/>
-            <a:ext cx="1355112" cy="1328531"/>
+          <a:xfrm flipH="1">
+            <a:off x="7554897" y="2299717"/>
+            <a:ext cx="310720" cy="0"/>
           </a:xfrm>
           <a:prstGeom prst="line">
             <a:avLst/>
@@ -13931,897 +13873,63 @@
           </a:fontRef>
         </p:style>
       </p:cxnSp>
-      <p:cxnSp>
-        <p:nvCxnSpPr>
-          <p:cNvPr id="37" name="直線コネクタ 36">
-            <a:extLst>
-              <a:ext uri="{FF2B5EF4-FFF2-40B4-BE49-F238E27FC236}">
-                <a16:creationId xmlns:a16="http://schemas.microsoft.com/office/drawing/2014/main" id="{460420F3-A515-1E46-AC4F-AE6A82270FC6}"/>
-              </a:ext>
-            </a:extLst>
-          </p:cNvPr>
-          <p:cNvCxnSpPr>
-            <a:cxnSpLocks/>
-            <a:stCxn id="32" idx="2"/>
-            <a:endCxn id="30" idx="6"/>
-          </p:cNvCxnSpPr>
-          <p:nvPr/>
-        </p:nvCxnSpPr>
-        <p:spPr>
-          <a:xfrm flipH="1">
-            <a:off x="4071122" y="3097060"/>
-            <a:ext cx="1312210" cy="0"/>
-          </a:xfrm>
-          <a:prstGeom prst="line">
-            <a:avLst/>
-          </a:prstGeom>
-          <a:ln w="38100">
-            <a:solidFill>
-              <a:schemeClr val="tx1"/>
-            </a:solidFill>
-            <a:headEnd type="arrow" w="med" len="med"/>
-            <a:tailEnd type="none" w="med" len="med"/>
+      <p:sp>
+        <p:nvSpPr>
+          <p:cNvPr id="31" name="Text Box 26">
+            <a:extLst>
+              <a:ext uri="{FF2B5EF4-FFF2-40B4-BE49-F238E27FC236}">
+                <a16:creationId xmlns:a16="http://schemas.microsoft.com/office/drawing/2014/main" id="{68423F91-7CB1-D149-9F60-53492B23C6F7}"/>
+              </a:ext>
+            </a:extLst>
+          </p:cNvPr>
+          <p:cNvSpPr txBox="1">
+            <a:spLocks noChangeArrowheads="1"/>
+          </p:cNvSpPr>
+          <p:nvPr/>
+        </p:nvSpPr>
+        <p:spPr bwMode="auto">
+          <a:xfrm>
+            <a:off x="3914212" y="1924286"/>
+            <a:ext cx="3526928" cy="830997"/>
+          </a:xfrm>
+          <a:prstGeom prst="rect">
+            <a:avLst/>
+          </a:prstGeom>
+          <a:noFill/>
+          <a:ln>
+            <a:noFill/>
           </a:ln>
-        </p:spPr>
-        <p:style>
-          <a:lnRef idx="1">
-            <a:schemeClr val="accent1"/>
-          </a:lnRef>
-          <a:fillRef idx="0">
-            <a:schemeClr val="accent1"/>
-          </a:fillRef>
-          <a:effectRef idx="0">
-            <a:schemeClr val="accent1"/>
-          </a:effectRef>
-          <a:fontRef idx="minor">
-            <a:schemeClr val="tx1"/>
-          </a:fontRef>
-        </p:style>
-      </p:cxnSp>
-      <p:cxnSp>
-        <p:nvCxnSpPr>
-          <p:cNvPr id="40" name="直線コネクタ 39">
-            <a:extLst>
-              <a:ext uri="{FF2B5EF4-FFF2-40B4-BE49-F238E27FC236}">
-                <a16:creationId xmlns:a16="http://schemas.microsoft.com/office/drawing/2014/main" id="{21E1FC5E-1E9A-5043-903C-8B42F6797370}"/>
-              </a:ext>
-            </a:extLst>
-          </p:cNvPr>
-          <p:cNvCxnSpPr>
-            <a:cxnSpLocks/>
-            <a:stCxn id="29" idx="2"/>
-          </p:cNvCxnSpPr>
-          <p:nvPr/>
-        </p:nvCxnSpPr>
-        <p:spPr>
-          <a:xfrm flipH="1">
-            <a:off x="2703500" y="1768529"/>
-            <a:ext cx="660841" cy="0"/>
-          </a:xfrm>
-          <a:prstGeom prst="line">
-            <a:avLst/>
-          </a:prstGeom>
-          <a:ln w="38100">
-            <a:solidFill>
-              <a:schemeClr val="tx1"/>
-            </a:solidFill>
-            <a:prstDash val="sysDot"/>
-            <a:headEnd type="arrow" w="med" len="med"/>
-            <a:tailEnd type="none" w="med" len="med"/>
-          </a:ln>
-        </p:spPr>
-        <p:style>
-          <a:lnRef idx="1">
-            <a:schemeClr val="accent1"/>
-          </a:lnRef>
-          <a:fillRef idx="0">
-            <a:schemeClr val="accent1"/>
-          </a:fillRef>
-          <a:effectRef idx="0">
-            <a:schemeClr val="accent1"/>
-          </a:effectRef>
-          <a:fontRef idx="minor">
-            <a:schemeClr val="tx1"/>
-          </a:fontRef>
-        </p:style>
-      </p:cxnSp>
-      <p:cxnSp>
-        <p:nvCxnSpPr>
-          <p:cNvPr id="42" name="直線コネクタ 41">
-            <a:extLst>
-              <a:ext uri="{FF2B5EF4-FFF2-40B4-BE49-F238E27FC236}">
-                <a16:creationId xmlns:a16="http://schemas.microsoft.com/office/drawing/2014/main" id="{147A3B30-E0E6-1941-A660-F64C9A141DD5}"/>
-              </a:ext>
-            </a:extLst>
-          </p:cNvPr>
-          <p:cNvCxnSpPr>
-            <a:cxnSpLocks/>
-            <a:stCxn id="30" idx="2"/>
-          </p:cNvCxnSpPr>
-          <p:nvPr/>
-        </p:nvCxnSpPr>
-        <p:spPr>
-          <a:xfrm flipH="1">
-            <a:off x="2746403" y="3097060"/>
-            <a:ext cx="660840" cy="13505"/>
-          </a:xfrm>
-          <a:prstGeom prst="line">
-            <a:avLst/>
-          </a:prstGeom>
-          <a:ln w="38100">
-            <a:solidFill>
-              <a:schemeClr val="tx1"/>
-            </a:solidFill>
-            <a:prstDash val="sysDot"/>
-            <a:headEnd type="arrow" w="med" len="med"/>
-            <a:tailEnd type="none" w="med" len="med"/>
-          </a:ln>
-        </p:spPr>
-        <p:style>
-          <a:lnRef idx="1">
-            <a:schemeClr val="accent1"/>
-          </a:lnRef>
-          <a:fillRef idx="0">
-            <a:schemeClr val="accent1"/>
-          </a:fillRef>
-          <a:effectRef idx="0">
-            <a:schemeClr val="accent1"/>
-          </a:effectRef>
-          <a:fontRef idx="minor">
-            <a:schemeClr val="tx1"/>
-          </a:fontRef>
-        </p:style>
-      </p:cxnSp>
-      <p:sp>
-        <p:nvSpPr>
-          <p:cNvPr id="50" name="テキスト ボックス 49">
-            <a:extLst>
-              <a:ext uri="{FF2B5EF4-FFF2-40B4-BE49-F238E27FC236}">
-                <a16:creationId xmlns:a16="http://schemas.microsoft.com/office/drawing/2014/main" id="{6D70F59E-0D9F-7D41-A808-1CE32F38DB3B}"/>
-              </a:ext>
-            </a:extLst>
-          </p:cNvPr>
-          <p:cNvSpPr txBox="1"/>
-          <p:nvPr/>
-        </p:nvSpPr>
-        <p:spPr>
-          <a:xfrm>
-            <a:off x="5218837" y="1016975"/>
-            <a:ext cx="1019831" cy="369332"/>
-          </a:xfrm>
-          <a:prstGeom prst="rect">
-            <a:avLst/>
-          </a:prstGeom>
-          <a:noFill/>
-        </p:spPr>
-        <p:txBody>
-          <a:bodyPr wrap="none" rtlCol="0">
-            <a:spAutoFit/>
-          </a:bodyPr>
-          <a:lstStyle/>
-          <a:p>
-            <a:r>
-              <a:rPr lang="ja-JP" altLang="en-US">
-                <a:latin typeface="Meiryo" panose="020B0604030504040204" pitchFamily="34" charset="-128"/>
-                <a:ea typeface="Meiryo" panose="020B0604030504040204" pitchFamily="34" charset="-128"/>
-              </a:rPr>
-              <a:t>中間層</a:t>
-            </a:r>
-            <a:r>
-              <a:rPr lang="en-US" altLang="ja-JP" dirty="0">
-                <a:latin typeface="Meiryo" panose="020B0604030504040204" pitchFamily="34" charset="-128"/>
-                <a:ea typeface="Meiryo" panose="020B0604030504040204" pitchFamily="34" charset="-128"/>
-              </a:rPr>
-              <a:t> </a:t>
-            </a:r>
-            <a:r>
-              <a:rPr lang="en-US" altLang="ja-JP" i="1" dirty="0">
-                <a:latin typeface="Times New Roman" panose="02020603050405020304" pitchFamily="18" charset="0"/>
-                <a:ea typeface="Meiryo" panose="020B0604030504040204" pitchFamily="34" charset="-128"/>
-                <a:cs typeface="Times New Roman" panose="02020603050405020304" pitchFamily="18" charset="0"/>
-              </a:rPr>
-              <a:t>j</a:t>
-            </a:r>
-            <a:endParaRPr kumimoji="1" lang="ja-JP" altLang="en-US" i="1">
-              <a:latin typeface="Times New Roman" panose="02020603050405020304" pitchFamily="18" charset="0"/>
-              <a:ea typeface="Meiryo" panose="020B0604030504040204" pitchFamily="34" charset="-128"/>
-              <a:cs typeface="Times New Roman" panose="02020603050405020304" pitchFamily="18" charset="0"/>
-            </a:endParaRPr>
-          </a:p>
-        </p:txBody>
-      </p:sp>
-      <p:sp>
-        <p:nvSpPr>
-          <p:cNvPr id="51" name="テキスト ボックス 50">
-            <a:extLst>
-              <a:ext uri="{FF2B5EF4-FFF2-40B4-BE49-F238E27FC236}">
-                <a16:creationId xmlns:a16="http://schemas.microsoft.com/office/drawing/2014/main" id="{B589076F-9DD3-D341-BF1F-A7A17906E641}"/>
-              </a:ext>
-            </a:extLst>
-          </p:cNvPr>
-          <p:cNvSpPr txBox="1"/>
-          <p:nvPr/>
-        </p:nvSpPr>
-        <p:spPr>
-          <a:xfrm>
-            <a:off x="7293982" y="1015933"/>
-            <a:ext cx="1058303" cy="369332"/>
-          </a:xfrm>
-          <a:prstGeom prst="rect">
-            <a:avLst/>
-          </a:prstGeom>
-          <a:noFill/>
-        </p:spPr>
-        <p:txBody>
-          <a:bodyPr wrap="none" rtlCol="0">
-            <a:spAutoFit/>
-          </a:bodyPr>
-          <a:lstStyle/>
-          <a:p>
-            <a:r>
-              <a:rPr lang="ja-JP" altLang="en-US">
-                <a:latin typeface="Meiryo" panose="020B0604030504040204" pitchFamily="34" charset="-128"/>
-                <a:ea typeface="Meiryo" panose="020B0604030504040204" pitchFamily="34" charset="-128"/>
-              </a:rPr>
-              <a:t>出力層</a:t>
-            </a:r>
-            <a:r>
-              <a:rPr lang="en-US" altLang="ja-JP" dirty="0">
-                <a:latin typeface="Meiryo" panose="020B0604030504040204" pitchFamily="34" charset="-128"/>
-                <a:ea typeface="Meiryo" panose="020B0604030504040204" pitchFamily="34" charset="-128"/>
-              </a:rPr>
-              <a:t> </a:t>
-            </a:r>
-            <a:r>
-              <a:rPr lang="en-US" altLang="ja-JP" i="1" dirty="0">
-                <a:latin typeface="Times New Roman" panose="02020603050405020304" pitchFamily="18" charset="0"/>
-                <a:ea typeface="Meiryo" panose="020B0604030504040204" pitchFamily="34" charset="-128"/>
-                <a:cs typeface="Times New Roman" panose="02020603050405020304" pitchFamily="18" charset="0"/>
-              </a:rPr>
-              <a:t>k</a:t>
-            </a:r>
-            <a:endParaRPr kumimoji="1" lang="ja-JP" altLang="en-US" i="1">
-              <a:latin typeface="Times New Roman" panose="02020603050405020304" pitchFamily="18" charset="0"/>
-              <a:ea typeface="Meiryo" panose="020B0604030504040204" pitchFamily="34" charset="-128"/>
-              <a:cs typeface="Times New Roman" panose="02020603050405020304" pitchFamily="18" charset="0"/>
-            </a:endParaRPr>
-          </a:p>
-        </p:txBody>
-      </p:sp>
-      <p:sp>
-        <p:nvSpPr>
-          <p:cNvPr id="59" name="円/楕円 58">
-            <a:extLst>
-              <a:ext uri="{FF2B5EF4-FFF2-40B4-BE49-F238E27FC236}">
-                <a16:creationId xmlns:a16="http://schemas.microsoft.com/office/drawing/2014/main" id="{962D194A-29ED-0B47-8E5E-B1F6301C089F}"/>
-              </a:ext>
-            </a:extLst>
-          </p:cNvPr>
-          <p:cNvSpPr/>
-          <p:nvPr/>
-        </p:nvSpPr>
-        <p:spPr>
-          <a:xfrm>
-            <a:off x="7400625" y="1436589"/>
-            <a:ext cx="663879" cy="663880"/>
-          </a:xfrm>
-          <a:prstGeom prst="ellipse">
-            <a:avLst/>
-          </a:prstGeom>
-          <a:solidFill>
-            <a:schemeClr val="accent1">
-              <a:lumMod val="60000"/>
-              <a:lumOff val="40000"/>
-            </a:schemeClr>
-          </a:solidFill>
-          <a:ln w="28575"/>
-        </p:spPr>
-        <p:style>
-          <a:lnRef idx="2">
-            <a:schemeClr val="accent1">
-              <a:shade val="50000"/>
-            </a:schemeClr>
-          </a:lnRef>
-          <a:fillRef idx="1">
-            <a:schemeClr val="accent1"/>
-          </a:fillRef>
-          <a:effectRef idx="0">
-            <a:schemeClr val="accent1"/>
-          </a:effectRef>
-          <a:fontRef idx="minor">
-            <a:schemeClr val="lt1"/>
-          </a:fontRef>
-        </p:style>
-        <p:txBody>
-          <a:bodyPr rtlCol="0" anchor="ctr"/>
-          <a:lstStyle/>
-          <a:p>
-            <a:pPr algn="ctr"/>
-            <a:endParaRPr kumimoji="1" lang="ja-JP" altLang="en-US"/>
-          </a:p>
-        </p:txBody>
-      </p:sp>
-      <p:cxnSp>
-        <p:nvCxnSpPr>
-          <p:cNvPr id="60" name="直線コネクタ 59">
-            <a:extLst>
-              <a:ext uri="{FF2B5EF4-FFF2-40B4-BE49-F238E27FC236}">
-                <a16:creationId xmlns:a16="http://schemas.microsoft.com/office/drawing/2014/main" id="{F880EA32-4691-FE4D-9D23-028AD8C45308}"/>
-              </a:ext>
-            </a:extLst>
-          </p:cNvPr>
-          <p:cNvCxnSpPr>
-            <a:cxnSpLocks/>
-            <a:stCxn id="59" idx="2"/>
-            <a:endCxn id="31" idx="6"/>
-          </p:cNvCxnSpPr>
-          <p:nvPr/>
-        </p:nvCxnSpPr>
-        <p:spPr>
-          <a:xfrm flipH="1">
-            <a:off x="6007348" y="1768529"/>
-            <a:ext cx="1393277" cy="0"/>
-          </a:xfrm>
-          <a:prstGeom prst="line">
-            <a:avLst/>
-          </a:prstGeom>
-          <a:ln w="38100">
-            <a:solidFill>
-              <a:schemeClr val="tx1"/>
-            </a:solidFill>
-            <a:headEnd type="arrow" w="med" len="med"/>
-            <a:tailEnd type="none" w="med" len="med"/>
-          </a:ln>
-        </p:spPr>
-        <p:style>
-          <a:lnRef idx="1">
-            <a:schemeClr val="accent1"/>
-          </a:lnRef>
-          <a:fillRef idx="0">
-            <a:schemeClr val="accent1"/>
-          </a:fillRef>
-          <a:effectRef idx="0">
-            <a:schemeClr val="accent1"/>
-          </a:effectRef>
-          <a:fontRef idx="minor">
-            <a:schemeClr val="tx1"/>
-          </a:fontRef>
-        </p:style>
-      </p:cxnSp>
-      <p:cxnSp>
-        <p:nvCxnSpPr>
-          <p:cNvPr id="61" name="直線コネクタ 60">
-            <a:extLst>
-              <a:ext uri="{FF2B5EF4-FFF2-40B4-BE49-F238E27FC236}">
-                <a16:creationId xmlns:a16="http://schemas.microsoft.com/office/drawing/2014/main" id="{EAC892FB-F99B-5E4E-8E96-32F4905F5616}"/>
-              </a:ext>
-            </a:extLst>
-          </p:cNvPr>
-          <p:cNvCxnSpPr>
-            <a:cxnSpLocks/>
-            <a:stCxn id="59" idx="2"/>
-            <a:endCxn id="32" idx="6"/>
-          </p:cNvCxnSpPr>
-          <p:nvPr/>
-        </p:nvCxnSpPr>
-        <p:spPr>
-          <a:xfrm flipH="1">
-            <a:off x="6047211" y="1768529"/>
-            <a:ext cx="1353414" cy="1328531"/>
-          </a:xfrm>
-          <a:prstGeom prst="line">
-            <a:avLst/>
-          </a:prstGeom>
-          <a:ln w="38100">
-            <a:solidFill>
-              <a:schemeClr val="tx1"/>
-            </a:solidFill>
-            <a:headEnd type="arrow" w="med" len="med"/>
-            <a:tailEnd type="none" w="med" len="med"/>
-          </a:ln>
-        </p:spPr>
-        <p:style>
-          <a:lnRef idx="1">
-            <a:schemeClr val="accent1"/>
-          </a:lnRef>
-          <a:fillRef idx="0">
-            <a:schemeClr val="accent1"/>
-          </a:fillRef>
-          <a:effectRef idx="0">
-            <a:schemeClr val="accent1"/>
-          </a:effectRef>
-          <a:fontRef idx="minor">
-            <a:schemeClr val="tx1"/>
-          </a:fontRef>
-        </p:style>
-      </p:cxnSp>
-      <p:cxnSp>
-        <p:nvCxnSpPr>
-          <p:cNvPr id="63" name="直線コネクタ 62">
-            <a:extLst>
-              <a:ext uri="{FF2B5EF4-FFF2-40B4-BE49-F238E27FC236}">
-                <a16:creationId xmlns:a16="http://schemas.microsoft.com/office/drawing/2014/main" id="{35C41DC2-B456-2642-885C-FC4A0027AF7B}"/>
-              </a:ext>
-            </a:extLst>
-          </p:cNvPr>
-          <p:cNvCxnSpPr>
-            <a:cxnSpLocks/>
-            <a:endCxn id="59" idx="6"/>
-          </p:cNvCxnSpPr>
-          <p:nvPr/>
-        </p:nvCxnSpPr>
-        <p:spPr>
-          <a:xfrm flipH="1">
-            <a:off x="8064504" y="1768529"/>
-            <a:ext cx="622755" cy="0"/>
-          </a:xfrm>
-          <a:prstGeom prst="line">
-            <a:avLst/>
-          </a:prstGeom>
-          <a:ln w="38100">
-            <a:solidFill>
-              <a:schemeClr val="tx1"/>
-            </a:solidFill>
-            <a:headEnd type="arrow" w="med" len="med"/>
-            <a:tailEnd type="none" w="med" len="med"/>
-          </a:ln>
-        </p:spPr>
-        <p:style>
-          <a:lnRef idx="1">
-            <a:schemeClr val="accent1"/>
-          </a:lnRef>
-          <a:fillRef idx="0">
-            <a:schemeClr val="accent1"/>
-          </a:fillRef>
-          <a:effectRef idx="0">
-            <a:schemeClr val="accent1"/>
-          </a:effectRef>
-          <a:fontRef idx="minor">
-            <a:schemeClr val="tx1"/>
-          </a:fontRef>
-        </p:style>
-      </p:cxnSp>
-      <p:sp>
-        <p:nvSpPr>
-          <p:cNvPr id="35" name="円/楕円 34">
-            <a:extLst>
-              <a:ext uri="{FF2B5EF4-FFF2-40B4-BE49-F238E27FC236}">
-                <a16:creationId xmlns:a16="http://schemas.microsoft.com/office/drawing/2014/main" id="{78F9E143-4BA0-194F-89A2-92946C51684B}"/>
-              </a:ext>
-            </a:extLst>
-          </p:cNvPr>
-          <p:cNvSpPr/>
-          <p:nvPr/>
-        </p:nvSpPr>
-        <p:spPr>
-          <a:xfrm>
-            <a:off x="7400625" y="2765120"/>
-            <a:ext cx="663879" cy="663880"/>
-          </a:xfrm>
-          <a:prstGeom prst="ellipse">
-            <a:avLst/>
-          </a:prstGeom>
-          <a:solidFill>
-            <a:schemeClr val="accent1">
-              <a:lumMod val="60000"/>
-              <a:lumOff val="40000"/>
-            </a:schemeClr>
-          </a:solidFill>
-          <a:ln w="28575"/>
-        </p:spPr>
-        <p:style>
-          <a:lnRef idx="2">
-            <a:schemeClr val="accent1">
-              <a:shade val="50000"/>
-            </a:schemeClr>
-          </a:lnRef>
-          <a:fillRef idx="1">
-            <a:schemeClr val="accent1"/>
-          </a:fillRef>
-          <a:effectRef idx="0">
-            <a:schemeClr val="accent1"/>
-          </a:effectRef>
-          <a:fontRef idx="minor">
-            <a:schemeClr val="lt1"/>
-          </a:fontRef>
-        </p:style>
-        <p:txBody>
-          <a:bodyPr rtlCol="0" anchor="ctr"/>
-          <a:lstStyle/>
-          <a:p>
-            <a:pPr algn="ctr"/>
-            <a:endParaRPr kumimoji="1" lang="ja-JP" altLang="en-US"/>
-          </a:p>
-        </p:txBody>
-      </p:sp>
-      <p:cxnSp>
-        <p:nvCxnSpPr>
-          <p:cNvPr id="38" name="直線コネクタ 37">
-            <a:extLst>
-              <a:ext uri="{FF2B5EF4-FFF2-40B4-BE49-F238E27FC236}">
-                <a16:creationId xmlns:a16="http://schemas.microsoft.com/office/drawing/2014/main" id="{917DFF57-7B53-5941-B4F9-80BC9619CF9D}"/>
-              </a:ext>
-            </a:extLst>
-          </p:cNvPr>
-          <p:cNvCxnSpPr>
-            <a:cxnSpLocks/>
-            <a:stCxn id="35" idx="2"/>
-            <a:endCxn id="32" idx="6"/>
-          </p:cNvCxnSpPr>
-          <p:nvPr/>
-        </p:nvCxnSpPr>
-        <p:spPr>
-          <a:xfrm flipH="1">
-            <a:off x="6047211" y="3097060"/>
-            <a:ext cx="1353414" cy="0"/>
-          </a:xfrm>
-          <a:prstGeom prst="line">
-            <a:avLst/>
-          </a:prstGeom>
-          <a:ln w="38100">
-            <a:solidFill>
-              <a:schemeClr val="tx1"/>
-            </a:solidFill>
-            <a:headEnd type="arrow" w="med" len="med"/>
-            <a:tailEnd type="none" w="med" len="med"/>
-          </a:ln>
-        </p:spPr>
-        <p:style>
-          <a:lnRef idx="1">
-            <a:schemeClr val="accent1"/>
-          </a:lnRef>
-          <a:fillRef idx="0">
-            <a:schemeClr val="accent1"/>
-          </a:fillRef>
-          <a:effectRef idx="0">
-            <a:schemeClr val="accent1"/>
-          </a:effectRef>
-          <a:fontRef idx="minor">
-            <a:schemeClr val="tx1"/>
-          </a:fontRef>
-        </p:style>
-      </p:cxnSp>
-      <p:cxnSp>
-        <p:nvCxnSpPr>
-          <p:cNvPr id="39" name="直線コネクタ 38">
-            <a:extLst>
-              <a:ext uri="{FF2B5EF4-FFF2-40B4-BE49-F238E27FC236}">
-                <a16:creationId xmlns:a16="http://schemas.microsoft.com/office/drawing/2014/main" id="{AADF26EC-212E-FE46-86D8-9FF0501880C0}"/>
-              </a:ext>
-            </a:extLst>
-          </p:cNvPr>
-          <p:cNvCxnSpPr>
-            <a:cxnSpLocks/>
-            <a:stCxn id="35" idx="2"/>
-            <a:endCxn id="31" idx="6"/>
-          </p:cNvCxnSpPr>
-          <p:nvPr/>
-        </p:nvCxnSpPr>
-        <p:spPr>
-          <a:xfrm flipH="1" flipV="1">
-            <a:off x="6007348" y="1768529"/>
-            <a:ext cx="1393277" cy="1328531"/>
-          </a:xfrm>
-          <a:prstGeom prst="line">
-            <a:avLst/>
-          </a:prstGeom>
-          <a:ln w="38100">
-            <a:solidFill>
-              <a:schemeClr val="tx1"/>
-            </a:solidFill>
-            <a:headEnd type="arrow" w="med" len="med"/>
-            <a:tailEnd type="none" w="med" len="med"/>
-          </a:ln>
-        </p:spPr>
-        <p:style>
-          <a:lnRef idx="1">
-            <a:schemeClr val="accent1"/>
-          </a:lnRef>
-          <a:fillRef idx="0">
-            <a:schemeClr val="accent1"/>
-          </a:fillRef>
-          <a:effectRef idx="0">
-            <a:schemeClr val="accent1"/>
-          </a:effectRef>
-          <a:fontRef idx="minor">
-            <a:schemeClr val="tx1"/>
-          </a:fontRef>
-        </p:style>
-      </p:cxnSp>
-      <p:cxnSp>
-        <p:nvCxnSpPr>
-          <p:cNvPr id="41" name="直線コネクタ 40">
-            <a:extLst>
-              <a:ext uri="{FF2B5EF4-FFF2-40B4-BE49-F238E27FC236}">
-                <a16:creationId xmlns:a16="http://schemas.microsoft.com/office/drawing/2014/main" id="{A259215A-16E4-9948-BDED-A69D9C4C6078}"/>
-              </a:ext>
-            </a:extLst>
-          </p:cNvPr>
-          <p:cNvCxnSpPr>
-            <a:cxnSpLocks/>
-            <a:endCxn id="35" idx="6"/>
-          </p:cNvCxnSpPr>
-          <p:nvPr/>
-        </p:nvCxnSpPr>
-        <p:spPr>
-          <a:xfrm flipH="1">
-            <a:off x="8064504" y="3097060"/>
-            <a:ext cx="622755" cy="0"/>
-          </a:xfrm>
-          <a:prstGeom prst="line">
-            <a:avLst/>
-          </a:prstGeom>
-          <a:ln w="38100">
-            <a:solidFill>
-              <a:schemeClr val="tx1"/>
-            </a:solidFill>
-            <a:headEnd type="arrow" w="med" len="med"/>
-            <a:tailEnd type="none" w="med" len="med"/>
-          </a:ln>
-        </p:spPr>
-        <p:style>
-          <a:lnRef idx="1">
-            <a:schemeClr val="accent1"/>
-          </a:lnRef>
-          <a:fillRef idx="0">
-            <a:schemeClr val="accent1"/>
-          </a:fillRef>
-          <a:effectRef idx="0">
-            <a:schemeClr val="accent1"/>
-          </a:effectRef>
-          <a:fontRef idx="minor">
-            <a:schemeClr val="tx1"/>
-          </a:fontRef>
-        </p:style>
-      </p:cxnSp>
-      <p:cxnSp>
-        <p:nvCxnSpPr>
-          <p:cNvPr id="54" name="直線コネクタ 53">
-            <a:extLst>
-              <a:ext uri="{FF2B5EF4-FFF2-40B4-BE49-F238E27FC236}">
-                <a16:creationId xmlns:a16="http://schemas.microsoft.com/office/drawing/2014/main" id="{76ABFE0A-EE6F-DD4F-955D-C63ADB46F5C7}"/>
-              </a:ext>
-            </a:extLst>
-          </p:cNvPr>
-          <p:cNvCxnSpPr>
-            <a:cxnSpLocks/>
-          </p:cNvCxnSpPr>
-          <p:nvPr/>
-        </p:nvCxnSpPr>
-        <p:spPr>
-          <a:xfrm flipV="1">
-            <a:off x="3770033" y="3635365"/>
-            <a:ext cx="1" cy="458286"/>
-          </a:xfrm>
-          <a:prstGeom prst="line">
-            <a:avLst/>
-          </a:prstGeom>
-          <a:ln w="76200">
-            <a:solidFill>
-              <a:schemeClr val="tx1"/>
-            </a:solidFill>
-            <a:prstDash val="sysDot"/>
-            <a:headEnd type="none" w="med" len="med"/>
-            <a:tailEnd type="none" w="med" len="med"/>
-          </a:ln>
-        </p:spPr>
-        <p:style>
-          <a:lnRef idx="1">
-            <a:schemeClr val="accent1"/>
-          </a:lnRef>
-          <a:fillRef idx="0">
-            <a:schemeClr val="accent1"/>
-          </a:fillRef>
-          <a:effectRef idx="0">
-            <a:schemeClr val="accent1"/>
-          </a:effectRef>
-          <a:fontRef idx="minor">
-            <a:schemeClr val="tx1"/>
-          </a:fontRef>
-        </p:style>
-      </p:cxnSp>
-      <p:cxnSp>
-        <p:nvCxnSpPr>
-          <p:cNvPr id="56" name="直線コネクタ 55">
-            <a:extLst>
-              <a:ext uri="{FF2B5EF4-FFF2-40B4-BE49-F238E27FC236}">
-                <a16:creationId xmlns:a16="http://schemas.microsoft.com/office/drawing/2014/main" id="{AEABD887-071F-C64B-B326-C713D85A2E63}"/>
-              </a:ext>
-            </a:extLst>
-          </p:cNvPr>
-          <p:cNvCxnSpPr>
-            <a:cxnSpLocks/>
-          </p:cNvCxnSpPr>
-          <p:nvPr/>
-        </p:nvCxnSpPr>
-        <p:spPr>
-          <a:xfrm flipV="1">
-            <a:off x="5715271" y="3635365"/>
-            <a:ext cx="1" cy="458286"/>
-          </a:xfrm>
-          <a:prstGeom prst="line">
-            <a:avLst/>
-          </a:prstGeom>
-          <a:ln w="76200">
-            <a:solidFill>
-              <a:schemeClr val="tx1"/>
-            </a:solidFill>
-            <a:prstDash val="sysDot"/>
-            <a:headEnd type="none" w="med" len="med"/>
-            <a:tailEnd type="none" w="med" len="med"/>
-          </a:ln>
-        </p:spPr>
-        <p:style>
-          <a:lnRef idx="1">
-            <a:schemeClr val="accent1"/>
-          </a:lnRef>
-          <a:fillRef idx="0">
-            <a:schemeClr val="accent1"/>
-          </a:fillRef>
-          <a:effectRef idx="0">
-            <a:schemeClr val="accent1"/>
-          </a:effectRef>
-          <a:fontRef idx="minor">
-            <a:schemeClr val="tx1"/>
-          </a:fontRef>
-        </p:style>
-      </p:cxnSp>
-      <p:cxnSp>
-        <p:nvCxnSpPr>
-          <p:cNvPr id="62" name="直線コネクタ 61">
-            <a:extLst>
-              <a:ext uri="{FF2B5EF4-FFF2-40B4-BE49-F238E27FC236}">
-                <a16:creationId xmlns:a16="http://schemas.microsoft.com/office/drawing/2014/main" id="{8B777700-6BCC-9841-82CA-98A713567CB4}"/>
-              </a:ext>
-            </a:extLst>
-          </p:cNvPr>
-          <p:cNvCxnSpPr>
-            <a:cxnSpLocks/>
-          </p:cNvCxnSpPr>
-          <p:nvPr/>
-        </p:nvCxnSpPr>
-        <p:spPr>
-          <a:xfrm flipV="1">
-            <a:off x="7732564" y="3635365"/>
-            <a:ext cx="1" cy="458286"/>
-          </a:xfrm>
-          <a:prstGeom prst="line">
-            <a:avLst/>
-          </a:prstGeom>
-          <a:ln w="76200">
-            <a:solidFill>
-              <a:schemeClr val="tx1"/>
-            </a:solidFill>
-            <a:prstDash val="sysDot"/>
-            <a:headEnd type="none" w="med" len="med"/>
-            <a:tailEnd type="none" w="med" len="med"/>
-          </a:ln>
-        </p:spPr>
-        <p:style>
-          <a:lnRef idx="1">
-            <a:schemeClr val="accent1"/>
-          </a:lnRef>
-          <a:fillRef idx="0">
-            <a:schemeClr val="accent1"/>
-          </a:fillRef>
-          <a:effectRef idx="0">
-            <a:schemeClr val="accent1"/>
-          </a:effectRef>
-          <a:fontRef idx="minor">
-            <a:schemeClr val="tx1"/>
-          </a:fontRef>
-        </p:style>
-      </p:cxnSp>
-      <p:cxnSp>
-        <p:nvCxnSpPr>
-          <p:cNvPr id="64" name="直線コネクタ 63">
-            <a:extLst>
-              <a:ext uri="{FF2B5EF4-FFF2-40B4-BE49-F238E27FC236}">
-                <a16:creationId xmlns:a16="http://schemas.microsoft.com/office/drawing/2014/main" id="{19F6DD63-FCB6-D445-96F8-266293AB1906}"/>
-              </a:ext>
-            </a:extLst>
-          </p:cNvPr>
-          <p:cNvCxnSpPr>
-            <a:cxnSpLocks/>
-          </p:cNvCxnSpPr>
-          <p:nvPr/>
-        </p:nvCxnSpPr>
-        <p:spPr>
-          <a:xfrm>
-            <a:off x="8545378" y="1991950"/>
-            <a:ext cx="622755" cy="0"/>
-          </a:xfrm>
-          <a:prstGeom prst="line">
-            <a:avLst/>
-          </a:prstGeom>
-          <a:ln w="38100">
-            <a:solidFill>
-              <a:schemeClr val="tx1"/>
-            </a:solidFill>
-            <a:headEnd type="arrow" w="med" len="med"/>
-            <a:tailEnd type="none" w="med" len="med"/>
-          </a:ln>
-        </p:spPr>
-        <p:style>
-          <a:lnRef idx="1">
-            <a:schemeClr val="accent1"/>
-          </a:lnRef>
-          <a:fillRef idx="0">
-            <a:schemeClr val="accent1"/>
-          </a:fillRef>
-          <a:effectRef idx="0">
-            <a:schemeClr val="accent1"/>
-          </a:effectRef>
-          <a:fontRef idx="minor">
-            <a:schemeClr val="tx1"/>
-          </a:fontRef>
-        </p:style>
-      </p:cxnSp>
-      <p:cxnSp>
-        <p:nvCxnSpPr>
-          <p:cNvPr id="65" name="直線コネクタ 64">
-            <a:extLst>
-              <a:ext uri="{FF2B5EF4-FFF2-40B4-BE49-F238E27FC236}">
-                <a16:creationId xmlns:a16="http://schemas.microsoft.com/office/drawing/2014/main" id="{B27B6A89-D0B4-0E46-8DD3-15818C3E7448}"/>
-              </a:ext>
-            </a:extLst>
-          </p:cNvPr>
-          <p:cNvCxnSpPr>
-            <a:cxnSpLocks/>
-          </p:cNvCxnSpPr>
-          <p:nvPr/>
-        </p:nvCxnSpPr>
-        <p:spPr>
-          <a:xfrm>
-            <a:off x="8545378" y="3320481"/>
-            <a:ext cx="622755" cy="0"/>
-          </a:xfrm>
-          <a:prstGeom prst="line">
-            <a:avLst/>
-          </a:prstGeom>
-          <a:ln w="38100">
-            <a:solidFill>
-              <a:schemeClr val="tx1"/>
-            </a:solidFill>
-            <a:headEnd type="arrow" w="med" len="med"/>
-            <a:tailEnd type="none" w="med" len="med"/>
-          </a:ln>
-        </p:spPr>
-        <p:style>
-          <a:lnRef idx="1">
-            <a:schemeClr val="accent1"/>
-          </a:lnRef>
-          <a:fillRef idx="0">
-            <a:schemeClr val="accent1"/>
-          </a:fillRef>
-          <a:effectRef idx="0">
-            <a:schemeClr val="accent1"/>
-          </a:effectRef>
-          <a:fontRef idx="minor">
-            <a:schemeClr val="tx1"/>
-          </a:fontRef>
-        </p:style>
-      </p:cxnSp>
-      <p:sp>
-        <p:nvSpPr>
-          <p:cNvPr id="66" name="正方形/長方形 65">
-            <a:extLst>
-              <a:ext uri="{FF2B5EF4-FFF2-40B4-BE49-F238E27FC236}">
-                <a16:creationId xmlns:a16="http://schemas.microsoft.com/office/drawing/2014/main" id="{CE5EDB3D-FD11-5E40-A32B-1022A7136C79}"/>
-              </a:ext>
-            </a:extLst>
-          </p:cNvPr>
-          <p:cNvSpPr/>
-          <p:nvPr/>
-        </p:nvSpPr>
-        <p:spPr>
-          <a:xfrm>
-            <a:off x="9087090" y="1778359"/>
-            <a:ext cx="389850" cy="523220"/>
-          </a:xfrm>
-          <a:prstGeom prst="rect">
-            <a:avLst/>
-          </a:prstGeom>
+          <a:effectLst/>
+          <a:extLst>
+            <a:ext uri="{909E8E84-426E-40dd-AFC4-6F175D3DCCD1}">
+              <a14:hiddenFill xmlns:a14="http://schemas.microsoft.com/office/drawing/2010/main" xmlns="">
+                <a:solidFill>
+                  <a:schemeClr val="accent1"/>
+                </a:solidFill>
+              </a14:hiddenFill>
+            </a:ext>
+            <a:ext uri="{91240B29-F687-4f45-9708-019B960494DF}">
+              <a14:hiddenLine xmlns:a14="http://schemas.microsoft.com/office/drawing/2010/main" xmlns="" w="9525">
+                <a:solidFill>
+                  <a:schemeClr val="tx1"/>
+                </a:solidFill>
+                <a:miter lim="800000"/>
+                <a:headEnd/>
+                <a:tailEnd/>
+              </a14:hiddenLine>
+            </a:ext>
+            <a:ext uri="{AF507438-7753-43e0-B8FC-AC1667EBCBE1}">
+              <a14:hiddenEffects xmlns:a14="http://schemas.microsoft.com/office/drawing/2010/main" xmlns="">
+                <a:effectLst>
+                  <a:outerShdw blurRad="63500" dist="38099" dir="2700000" algn="ctr" rotWithShape="0">
+                    <a:schemeClr val="bg2">
+                      <a:alpha val="74998"/>
+                    </a:schemeClr>
+                  </a:outerShdw>
+                </a:effectLst>
+              </a14:hiddenEffects>
+            </a:ext>
+          </a:extLst>
         </p:spPr>
         <p:txBody>
           <a:bodyPr wrap="none">
@@ -14829,320 +13937,97 @@
           </a:bodyPr>
           <a:lstStyle/>
           <a:p>
-            <a:r>
-              <a:rPr lang="en-US" altLang="ja-JP" sz="2800" i="1" dirty="0" err="1">
+            <a:pPr>
+              <a:defRPr/>
+            </a:pPr>
+            <a:r>
+              <a:rPr lang="en-US" altLang="ja-JP" sz="2400" b="1" i="1" dirty="0">
                 <a:latin typeface="Times New Roman" panose="02020603050405020304" pitchFamily="18" charset="0"/>
+                <a:ea typeface="ＭＳ Ｐゴシック" charset="0"/>
                 <a:cs typeface="Times New Roman" panose="02020603050405020304" pitchFamily="18" charset="0"/>
               </a:rPr>
-              <a:t>t</a:t>
-            </a:r>
-            <a:r>
-              <a:rPr lang="en-US" altLang="ja-JP" sz="2800" i="1" baseline="-25000" dirty="0" err="1">
+              <a:t>y = f ( x</a:t>
+            </a:r>
+            <a:r>
+              <a:rPr lang="en-US" altLang="ja-JP" sz="2400" b="1" i="1" baseline="-25000" dirty="0">
                 <a:latin typeface="Times New Roman" panose="02020603050405020304" pitchFamily="18" charset="0"/>
+                <a:ea typeface="ＭＳ Ｐゴシック" charset="0"/>
                 <a:cs typeface="Times New Roman" panose="02020603050405020304" pitchFamily="18" charset="0"/>
               </a:rPr>
-              <a:t>k</a:t>
-            </a:r>
-            <a:endParaRPr lang="ja-JP" altLang="en-US" sz="2800" i="1" baseline="-25000">
-              <a:latin typeface="Times New Roman" panose="02020603050405020304" pitchFamily="18" charset="0"/>
-              <a:cs typeface="Times New Roman" panose="02020603050405020304" pitchFamily="18" charset="0"/>
-            </a:endParaRPr>
-          </a:p>
-        </p:txBody>
-      </p:sp>
-      <p:sp>
-        <p:nvSpPr>
-          <p:cNvPr id="67" name="テキスト ボックス 66">
-            <a:extLst>
-              <a:ext uri="{FF2B5EF4-FFF2-40B4-BE49-F238E27FC236}">
-                <a16:creationId xmlns:a16="http://schemas.microsoft.com/office/drawing/2014/main" id="{55C1BB0A-7618-854F-BCFB-7138033963F5}"/>
-              </a:ext>
-            </a:extLst>
-          </p:cNvPr>
-          <p:cNvSpPr txBox="1"/>
-          <p:nvPr/>
-        </p:nvSpPr>
-        <p:spPr>
-          <a:xfrm>
-            <a:off x="3149610" y="1015933"/>
-            <a:ext cx="1019831" cy="369332"/>
-          </a:xfrm>
-          <a:prstGeom prst="rect">
-            <a:avLst/>
-          </a:prstGeom>
-          <a:noFill/>
-        </p:spPr>
-        <p:txBody>
-          <a:bodyPr wrap="none" rtlCol="0">
-            <a:spAutoFit/>
-          </a:bodyPr>
-          <a:lstStyle/>
-          <a:p>
-            <a:r>
-              <a:rPr lang="ja-JP" altLang="en-US">
-                <a:latin typeface="Meiryo" panose="020B0604030504040204" pitchFamily="34" charset="-128"/>
-                <a:ea typeface="Meiryo" panose="020B0604030504040204" pitchFamily="34" charset="-128"/>
-              </a:rPr>
-              <a:t>中間層</a:t>
-            </a:r>
-            <a:r>
-              <a:rPr lang="en-US" altLang="ja-JP" dirty="0">
-                <a:latin typeface="Meiryo" panose="020B0604030504040204" pitchFamily="34" charset="-128"/>
-                <a:ea typeface="Meiryo" panose="020B0604030504040204" pitchFamily="34" charset="-128"/>
-              </a:rPr>
-              <a:t> </a:t>
-            </a:r>
-            <a:r>
-              <a:rPr lang="en-US" altLang="ja-JP" i="1" dirty="0" err="1">
+              <a:t>1 </a:t>
+            </a:r>
+            <a:r>
+              <a:rPr lang="en-US" altLang="ja-JP" sz="2400" b="1" i="1" dirty="0">
                 <a:latin typeface="Times New Roman" panose="02020603050405020304" pitchFamily="18" charset="0"/>
-                <a:ea typeface="Meiryo" panose="020B0604030504040204" pitchFamily="34" charset="-128"/>
+                <a:ea typeface="ＭＳ Ｐゴシック" charset="0"/>
                 <a:cs typeface="Times New Roman" panose="02020603050405020304" pitchFamily="18" charset="0"/>
               </a:rPr>
-              <a:t>i</a:t>
-            </a:r>
-            <a:endParaRPr kumimoji="1" lang="ja-JP" altLang="en-US" i="1">
-              <a:latin typeface="Times New Roman" panose="02020603050405020304" pitchFamily="18" charset="0"/>
-              <a:ea typeface="Meiryo" panose="020B0604030504040204" pitchFamily="34" charset="-128"/>
-              <a:cs typeface="Times New Roman" panose="02020603050405020304" pitchFamily="18" charset="0"/>
-            </a:endParaRPr>
-          </a:p>
-        </p:txBody>
-      </p:sp>
-      <p:sp>
-        <p:nvSpPr>
-          <p:cNvPr id="68" name="正方形/長方形 67">
-            <a:extLst>
-              <a:ext uri="{FF2B5EF4-FFF2-40B4-BE49-F238E27FC236}">
-                <a16:creationId xmlns:a16="http://schemas.microsoft.com/office/drawing/2014/main" id="{254A2C49-DC76-3944-B98F-2E17466030CA}"/>
-              </a:ext>
-            </a:extLst>
-          </p:cNvPr>
-          <p:cNvSpPr/>
-          <p:nvPr/>
-        </p:nvSpPr>
-        <p:spPr>
-          <a:xfrm>
-            <a:off x="8455939" y="1232045"/>
-            <a:ext cx="470000" cy="523220"/>
-          </a:xfrm>
-          <a:prstGeom prst="rect">
-            <a:avLst/>
-          </a:prstGeom>
-        </p:spPr>
-        <p:txBody>
-          <a:bodyPr wrap="none">
-            <a:spAutoFit/>
-          </a:bodyPr>
-          <a:lstStyle/>
-          <a:p>
-            <a:r>
-              <a:rPr lang="en-US" altLang="ja-JP" sz="2800" i="1" dirty="0">
+              <a:t>, x</a:t>
+            </a:r>
+            <a:r>
+              <a:rPr lang="en-US" altLang="ja-JP" sz="2400" b="1" i="1" baseline="-25000" dirty="0">
                 <a:latin typeface="Times New Roman" panose="02020603050405020304" pitchFamily="18" charset="0"/>
+                <a:ea typeface="ＭＳ Ｐゴシック" charset="0"/>
                 <a:cs typeface="Times New Roman" panose="02020603050405020304" pitchFamily="18" charset="0"/>
               </a:rPr>
-              <a:t>o</a:t>
-            </a:r>
-            <a:r>
-              <a:rPr lang="en-US" altLang="ja-JP" sz="2800" i="1" baseline="-25000" dirty="0">
+              <a:t>2 </a:t>
+            </a:r>
+            <a:r>
+              <a:rPr lang="en-US" altLang="ja-JP" sz="2400" b="1" i="1" dirty="0">
                 <a:latin typeface="Times New Roman" panose="02020603050405020304" pitchFamily="18" charset="0"/>
+                <a:ea typeface="ＭＳ Ｐゴシック" charset="0"/>
                 <a:cs typeface="Times New Roman" panose="02020603050405020304" pitchFamily="18" charset="0"/>
               </a:rPr>
-              <a:t>k</a:t>
-            </a:r>
-            <a:endParaRPr lang="ja-JP" altLang="en-US" sz="2800" i="1" baseline="-25000">
-              <a:latin typeface="Times New Roman" panose="02020603050405020304" pitchFamily="18" charset="0"/>
-              <a:cs typeface="Times New Roman" panose="02020603050405020304" pitchFamily="18" charset="0"/>
-            </a:endParaRPr>
-          </a:p>
-        </p:txBody>
-      </p:sp>
-      <p:sp>
-        <p:nvSpPr>
-          <p:cNvPr id="69" name="正方形/長方形 68">
-            <a:extLst>
-              <a:ext uri="{FF2B5EF4-FFF2-40B4-BE49-F238E27FC236}">
-                <a16:creationId xmlns:a16="http://schemas.microsoft.com/office/drawing/2014/main" id="{07D50778-DA18-3140-A848-9339A278B7E0}"/>
-              </a:ext>
-            </a:extLst>
-          </p:cNvPr>
-          <p:cNvSpPr/>
-          <p:nvPr/>
-        </p:nvSpPr>
-        <p:spPr>
-          <a:xfrm>
-            <a:off x="5982202" y="1223137"/>
-            <a:ext cx="429926" cy="523220"/>
-          </a:xfrm>
-          <a:prstGeom prst="rect">
-            <a:avLst/>
-          </a:prstGeom>
-        </p:spPr>
-        <p:txBody>
-          <a:bodyPr wrap="none">
-            <a:spAutoFit/>
-          </a:bodyPr>
-          <a:lstStyle/>
-          <a:p>
-            <a:r>
-              <a:rPr lang="en-US" altLang="ja-JP" sz="2800" i="1" dirty="0" err="1">
+              <a:t>)</a:t>
+            </a:r>
+          </a:p>
+          <a:p>
+            <a:pPr>
+              <a:defRPr/>
+            </a:pPr>
+            <a:r>
+              <a:rPr lang="en-US" altLang="ja-JP" sz="2400" b="1" i="1" dirty="0">
                 <a:latin typeface="Times New Roman" panose="02020603050405020304" pitchFamily="18" charset="0"/>
+                <a:ea typeface="ＭＳ Ｐゴシック" charset="0"/>
                 <a:cs typeface="Times New Roman" panose="02020603050405020304" pitchFamily="18" charset="0"/>
               </a:rPr>
-              <a:t>o</a:t>
-            </a:r>
-            <a:r>
-              <a:rPr lang="en-US" altLang="ja-JP" sz="2800" i="1" baseline="-25000" dirty="0" err="1">
+              <a:t>   = h(g(0.12x</a:t>
+            </a:r>
+            <a:r>
+              <a:rPr lang="en-US" altLang="ja-JP" sz="2400" b="1" i="1" baseline="-25000" dirty="0">
                 <a:latin typeface="Times New Roman" panose="02020603050405020304" pitchFamily="18" charset="0"/>
+                <a:ea typeface="ＭＳ Ｐゴシック" charset="0"/>
                 <a:cs typeface="Times New Roman" panose="02020603050405020304" pitchFamily="18" charset="0"/>
               </a:rPr>
-              <a:t>j</a:t>
-            </a:r>
-            <a:endParaRPr lang="ja-JP" altLang="en-US" sz="2800" i="1" baseline="-25000">
-              <a:latin typeface="Times New Roman" panose="02020603050405020304" pitchFamily="18" charset="0"/>
-              <a:cs typeface="Times New Roman" panose="02020603050405020304" pitchFamily="18" charset="0"/>
-            </a:endParaRPr>
-          </a:p>
-        </p:txBody>
-      </p:sp>
-      <p:sp>
-        <p:nvSpPr>
-          <p:cNvPr id="70" name="正方形/長方形 69">
-            <a:extLst>
-              <a:ext uri="{FF2B5EF4-FFF2-40B4-BE49-F238E27FC236}">
-                <a16:creationId xmlns:a16="http://schemas.microsoft.com/office/drawing/2014/main" id="{D5F6A96C-C15A-0749-8657-26B8D03D12D1}"/>
-              </a:ext>
-            </a:extLst>
-          </p:cNvPr>
-          <p:cNvSpPr/>
-          <p:nvPr/>
-        </p:nvSpPr>
-        <p:spPr>
-          <a:xfrm>
-            <a:off x="4005035" y="1219647"/>
-            <a:ext cx="429926" cy="523220"/>
-          </a:xfrm>
-          <a:prstGeom prst="rect">
-            <a:avLst/>
-          </a:prstGeom>
-        </p:spPr>
-        <p:txBody>
-          <a:bodyPr wrap="none">
-            <a:spAutoFit/>
-          </a:bodyPr>
-          <a:lstStyle/>
-          <a:p>
-            <a:r>
-              <a:rPr lang="en-US" altLang="ja-JP" sz="2800" i="1" dirty="0">
+              <a:t>1</a:t>
+            </a:r>
+            <a:r>
+              <a:rPr lang="en-US" altLang="ja-JP" sz="2400" b="1" i="1" dirty="0">
                 <a:latin typeface="Times New Roman" panose="02020603050405020304" pitchFamily="18" charset="0"/>
+                <a:ea typeface="ＭＳ Ｐゴシック" charset="0"/>
                 <a:cs typeface="Times New Roman" panose="02020603050405020304" pitchFamily="18" charset="0"/>
               </a:rPr>
-              <a:t>o</a:t>
-            </a:r>
-            <a:r>
-              <a:rPr lang="en-US" altLang="ja-JP" sz="2800" i="1" baseline="-25000" dirty="0">
+              <a:t> + 8.2x</a:t>
+            </a:r>
+            <a:r>
+              <a:rPr lang="en-US" altLang="ja-JP" sz="2400" b="1" i="1" baseline="-25000" dirty="0">
                 <a:latin typeface="Times New Roman" panose="02020603050405020304" pitchFamily="18" charset="0"/>
+                <a:ea typeface="ＭＳ Ｐゴシック" charset="0"/>
                 <a:cs typeface="Times New Roman" panose="02020603050405020304" pitchFamily="18" charset="0"/>
               </a:rPr>
-              <a:t>i</a:t>
-            </a:r>
-            <a:endParaRPr lang="ja-JP" altLang="en-US" sz="2800" i="1" baseline="-25000">
-              <a:latin typeface="Times New Roman" panose="02020603050405020304" pitchFamily="18" charset="0"/>
-              <a:cs typeface="Times New Roman" panose="02020603050405020304" pitchFamily="18" charset="0"/>
-            </a:endParaRPr>
-          </a:p>
-        </p:txBody>
-      </p:sp>
-      <p:sp>
-        <p:nvSpPr>
-          <p:cNvPr id="71" name="正方形/長方形 70">
-            <a:extLst>
-              <a:ext uri="{FF2B5EF4-FFF2-40B4-BE49-F238E27FC236}">
-                <a16:creationId xmlns:a16="http://schemas.microsoft.com/office/drawing/2014/main" id="{D058C6AD-B06B-0B4A-894E-A9B9176904B8}"/>
-              </a:ext>
-            </a:extLst>
-          </p:cNvPr>
-          <p:cNvSpPr/>
-          <p:nvPr/>
-        </p:nvSpPr>
-        <p:spPr>
-          <a:xfrm>
-            <a:off x="4492982" y="1638804"/>
-            <a:ext cx="505267" cy="461665"/>
-          </a:xfrm>
-          <a:prstGeom prst="rect">
-            <a:avLst/>
-          </a:prstGeom>
-        </p:spPr>
-        <p:txBody>
-          <a:bodyPr wrap="none">
-            <a:spAutoFit/>
-          </a:bodyPr>
-          <a:lstStyle/>
-          <a:p>
-            <a:r>
-              <a:rPr lang="en-US" altLang="ja-JP" sz="2400" i="1" dirty="0" err="1">
+              <a:t>2 </a:t>
+            </a:r>
+            <a:r>
+              <a:rPr lang="en-US" altLang="ja-JP" sz="2400" b="1" i="1" dirty="0">
                 <a:latin typeface="Times New Roman" panose="02020603050405020304" pitchFamily="18" charset="0"/>
+                <a:ea typeface="ＭＳ Ｐゴシック" charset="0"/>
                 <a:cs typeface="Times New Roman" panose="02020603050405020304" pitchFamily="18" charset="0"/>
               </a:rPr>
-              <a:t>w</a:t>
-            </a:r>
-            <a:r>
-              <a:rPr lang="en-US" altLang="ja-JP" sz="2400" i="1" baseline="-25000" dirty="0" err="1">
-                <a:latin typeface="Times New Roman" panose="02020603050405020304" pitchFamily="18" charset="0"/>
-                <a:cs typeface="Times New Roman" panose="02020603050405020304" pitchFamily="18" charset="0"/>
-              </a:rPr>
-              <a:t>ij</a:t>
-            </a:r>
-            <a:endParaRPr lang="ja-JP" altLang="en-US" sz="2400" i="1">
+              <a:t>)…)</a:t>
+            </a:r>
+            <a:endParaRPr lang="ja-JP" altLang="en-US" sz="2400" b="1" i="1">
               <a:latin typeface="Times New Roman" panose="02020603050405020304" pitchFamily="18" charset="0"/>
-              <a:cs typeface="Times New Roman" panose="02020603050405020304" pitchFamily="18" charset="0"/>
-            </a:endParaRPr>
-          </a:p>
-        </p:txBody>
-      </p:sp>
-      <p:sp>
-        <p:nvSpPr>
-          <p:cNvPr id="72" name="正方形/長方形 71">
-            <a:extLst>
-              <a:ext uri="{FF2B5EF4-FFF2-40B4-BE49-F238E27FC236}">
-                <a16:creationId xmlns:a16="http://schemas.microsoft.com/office/drawing/2014/main" id="{74CEA3EA-4B6B-C043-99A2-1919915D7E83}"/>
-              </a:ext>
-            </a:extLst>
-          </p:cNvPr>
-          <p:cNvSpPr/>
-          <p:nvPr/>
-        </p:nvSpPr>
-        <p:spPr>
-          <a:xfrm>
-            <a:off x="6503923" y="1638803"/>
-            <a:ext cx="538930" cy="461665"/>
-          </a:xfrm>
-          <a:prstGeom prst="rect">
-            <a:avLst/>
-          </a:prstGeom>
-        </p:spPr>
-        <p:txBody>
-          <a:bodyPr wrap="none">
-            <a:spAutoFit/>
-          </a:bodyPr>
-          <a:lstStyle/>
-          <a:p>
-            <a:r>
-              <a:rPr lang="en-US" altLang="ja-JP" sz="2400" i="1" dirty="0" err="1">
-                <a:latin typeface="Times New Roman" panose="02020603050405020304" pitchFamily="18" charset="0"/>
-                <a:cs typeface="Times New Roman" panose="02020603050405020304" pitchFamily="18" charset="0"/>
-              </a:rPr>
-              <a:t>w</a:t>
-            </a:r>
-            <a:r>
-              <a:rPr lang="en-US" altLang="ja-JP" sz="2400" i="1" baseline="-25000" dirty="0" err="1">
-                <a:latin typeface="Times New Roman" panose="02020603050405020304" pitchFamily="18" charset="0"/>
-                <a:cs typeface="Times New Roman" panose="02020603050405020304" pitchFamily="18" charset="0"/>
-              </a:rPr>
-              <a:t>jk</a:t>
-            </a:r>
-            <a:endParaRPr lang="ja-JP" altLang="en-US" sz="2400" i="1">
-              <a:latin typeface="Times New Roman" panose="02020603050405020304" pitchFamily="18" charset="0"/>
+              <a:ea typeface="ＭＳ Ｐゴシック" charset="0"/>
               <a:cs typeface="Times New Roman" panose="02020603050405020304" pitchFamily="18" charset="0"/>
             </a:endParaRPr>
           </a:p>
@@ -15151,7 +14036,7 @@
     </p:spTree>
     <p:extLst>
       <p:ext uri="{BB962C8B-B14F-4D97-AF65-F5344CB8AC3E}">
-        <p14:creationId xmlns:p14="http://schemas.microsoft.com/office/powerpoint/2010/main" val="3143866505"/>
+        <p14:creationId xmlns:p14="http://schemas.microsoft.com/office/powerpoint/2010/main" val="46940212"/>
       </p:ext>
     </p:extLst>
   </p:cSld>
@@ -15180,10 +14065,10 @@
       </p:grpSpPr>
       <p:sp>
         <p:nvSpPr>
-          <p:cNvPr id="29" name="円/楕円 28">
-            <a:extLst>
-              <a:ext uri="{FF2B5EF4-FFF2-40B4-BE49-F238E27FC236}">
-                <a16:creationId xmlns:a16="http://schemas.microsoft.com/office/drawing/2014/main" id="{2B49628C-FEE2-8A40-A128-E3D95138906C}"/>
+          <p:cNvPr id="4" name="円/楕円 3">
+            <a:extLst>
+              <a:ext uri="{FF2B5EF4-FFF2-40B4-BE49-F238E27FC236}">
+                <a16:creationId xmlns:a16="http://schemas.microsoft.com/office/drawing/2014/main" id="{7DE11FF8-F758-1442-8373-A77E2E106F39}"/>
               </a:ext>
             </a:extLst>
           </p:cNvPr>
@@ -15192,20 +14077,19 @@
         </p:nvSpPr>
         <p:spPr>
           <a:xfrm>
-            <a:off x="4020855" y="2005154"/>
+            <a:off x="4020855" y="1440493"/>
             <a:ext cx="663879" cy="663880"/>
           </a:xfrm>
           <a:prstGeom prst="ellipse">
             <a:avLst/>
           </a:prstGeom>
           <a:solidFill>
-            <a:schemeClr val="bg1"/>
+            <a:schemeClr val="accent1">
+              <a:lumMod val="60000"/>
+              <a:lumOff val="40000"/>
+            </a:schemeClr>
           </a:solidFill>
-          <a:ln w="28575">
-            <a:solidFill>
-              <a:schemeClr val="tx1"/>
-            </a:solidFill>
-          </a:ln>
+          <a:ln w="28575"/>
         </p:spPr>
         <p:style>
           <a:lnRef idx="2">
@@ -15228,32 +14112,16 @@
           <a:lstStyle/>
           <a:p>
             <a:pPr algn="ctr"/>
-            <a:r>
-              <a:rPr kumimoji="1" lang="en-US" altLang="ja-JP" sz="3200" b="1" i="1" dirty="0">
-                <a:solidFill>
-                  <a:schemeClr val="tx1"/>
-                </a:solidFill>
-                <a:latin typeface="Times New Roman" panose="02020603050405020304" pitchFamily="18" charset="0"/>
-                <a:cs typeface="Times New Roman" panose="02020603050405020304" pitchFamily="18" charset="0"/>
-              </a:rPr>
-              <a:t>t</a:t>
-            </a:r>
-            <a:endParaRPr kumimoji="1" lang="ja-JP" altLang="en-US" sz="3200" b="1" i="1">
-              <a:solidFill>
-                <a:schemeClr val="tx1"/>
-              </a:solidFill>
-              <a:latin typeface="Times New Roman" panose="02020603050405020304" pitchFamily="18" charset="0"/>
-              <a:cs typeface="Times New Roman" panose="02020603050405020304" pitchFamily="18" charset="0"/>
-            </a:endParaRPr>
-          </a:p>
-        </p:txBody>
-      </p:sp>
-      <p:sp>
-        <p:nvSpPr>
-          <p:cNvPr id="31" name="円/楕円 30">
-            <a:extLst>
-              <a:ext uri="{FF2B5EF4-FFF2-40B4-BE49-F238E27FC236}">
-                <a16:creationId xmlns:a16="http://schemas.microsoft.com/office/drawing/2014/main" id="{04C24CDA-B8ED-0243-88B2-7F6C4F64CA3E}"/>
+            <a:endParaRPr kumimoji="1" lang="ja-JP" altLang="en-US"/>
+          </a:p>
+        </p:txBody>
+      </p:sp>
+      <p:sp>
+        <p:nvSpPr>
+          <p:cNvPr id="5" name="円/楕円 4">
+            <a:extLst>
+              <a:ext uri="{FF2B5EF4-FFF2-40B4-BE49-F238E27FC236}">
+                <a16:creationId xmlns:a16="http://schemas.microsoft.com/office/drawing/2014/main" id="{C940F7D2-84CF-CD49-9D59-C9B847937D74}"/>
               </a:ext>
             </a:extLst>
           </p:cNvPr>
@@ -15262,20 +14130,19 @@
         </p:nvSpPr>
         <p:spPr>
           <a:xfrm>
-            <a:off x="5343469" y="1436589"/>
+            <a:off x="4020855" y="2507293"/>
             <a:ext cx="663879" cy="663880"/>
           </a:xfrm>
           <a:prstGeom prst="ellipse">
             <a:avLst/>
           </a:prstGeom>
           <a:solidFill>
-            <a:schemeClr val="bg1"/>
+            <a:schemeClr val="accent1">
+              <a:lumMod val="60000"/>
+              <a:lumOff val="40000"/>
+            </a:schemeClr>
           </a:solidFill>
-          <a:ln w="28575">
-            <a:solidFill>
-              <a:schemeClr val="tx1"/>
-            </a:solidFill>
-          </a:ln>
+          <a:ln w="28575"/>
         </p:spPr>
         <p:style>
           <a:lnRef idx="2">
@@ -15298,32 +14165,16 @@
           <a:lstStyle/>
           <a:p>
             <a:pPr algn="ctr"/>
-            <a:r>
-              <a:rPr kumimoji="1" lang="en-US" altLang="ja-JP" sz="3200" b="1" i="1" dirty="0">
-                <a:solidFill>
-                  <a:schemeClr val="tx1"/>
-                </a:solidFill>
-                <a:latin typeface="Times New Roman" panose="02020603050405020304" pitchFamily="18" charset="0"/>
-                <a:cs typeface="Times New Roman" panose="02020603050405020304" pitchFamily="18" charset="0"/>
-              </a:rPr>
-              <a:t>x</a:t>
-            </a:r>
-            <a:endParaRPr kumimoji="1" lang="ja-JP" altLang="en-US" sz="3200" b="1" i="1">
-              <a:solidFill>
-                <a:schemeClr val="tx1"/>
-              </a:solidFill>
-              <a:latin typeface="Times New Roman" panose="02020603050405020304" pitchFamily="18" charset="0"/>
-              <a:cs typeface="Times New Roman" panose="02020603050405020304" pitchFamily="18" charset="0"/>
-            </a:endParaRPr>
-          </a:p>
-        </p:txBody>
-      </p:sp>
-      <p:sp>
-        <p:nvSpPr>
-          <p:cNvPr id="32" name="円/楕円 31">
-            <a:extLst>
-              <a:ext uri="{FF2B5EF4-FFF2-40B4-BE49-F238E27FC236}">
-                <a16:creationId xmlns:a16="http://schemas.microsoft.com/office/drawing/2014/main" id="{9D5FF8BB-D4D6-5246-B9EE-DB9B2163D2A4}"/>
+            <a:endParaRPr kumimoji="1" lang="ja-JP" altLang="en-US"/>
+          </a:p>
+        </p:txBody>
+      </p:sp>
+      <p:sp>
+        <p:nvSpPr>
+          <p:cNvPr id="6" name="円/楕円 5">
+            <a:extLst>
+              <a:ext uri="{FF2B5EF4-FFF2-40B4-BE49-F238E27FC236}">
+                <a16:creationId xmlns:a16="http://schemas.microsoft.com/office/drawing/2014/main" id="{FAA85F49-F6A1-0A43-B9B3-CE55C99CFA12}"/>
               </a:ext>
             </a:extLst>
           </p:cNvPr>
@@ -15332,20 +14183,19 @@
         </p:nvSpPr>
         <p:spPr>
           <a:xfrm>
-            <a:off x="5340430" y="2503389"/>
+            <a:off x="4020855" y="3574093"/>
             <a:ext cx="663879" cy="663880"/>
           </a:xfrm>
           <a:prstGeom prst="ellipse">
             <a:avLst/>
           </a:prstGeom>
           <a:solidFill>
-            <a:schemeClr val="bg1"/>
+            <a:schemeClr val="accent1">
+              <a:lumMod val="60000"/>
+              <a:lumOff val="40000"/>
+            </a:schemeClr>
           </a:solidFill>
-          <a:ln w="28575">
-            <a:solidFill>
-              <a:schemeClr val="tx1"/>
-            </a:solidFill>
-          </a:ln>
+          <a:ln w="28575"/>
         </p:spPr>
         <p:style>
           <a:lnRef idx="2">
@@ -15368,45 +14218,294 @@
           <a:lstStyle/>
           <a:p>
             <a:pPr algn="ctr"/>
-            <a:r>
-              <a:rPr kumimoji="1" lang="en-US" altLang="ja-JP" sz="3200" b="1" i="1" dirty="0">
-                <a:solidFill>
-                  <a:schemeClr val="tx1"/>
-                </a:solidFill>
-                <a:latin typeface="Times New Roman" panose="02020603050405020304" pitchFamily="18" charset="0"/>
-                <a:cs typeface="Times New Roman" panose="02020603050405020304" pitchFamily="18" charset="0"/>
-              </a:rPr>
-              <a:t>y</a:t>
-            </a:r>
-            <a:endParaRPr kumimoji="1" lang="ja-JP" altLang="en-US" sz="3200" b="1" i="1">
-              <a:solidFill>
-                <a:schemeClr val="tx1"/>
-              </a:solidFill>
-              <a:latin typeface="Times New Roman" panose="02020603050405020304" pitchFamily="18" charset="0"/>
-              <a:cs typeface="Times New Roman" panose="02020603050405020304" pitchFamily="18" charset="0"/>
-            </a:endParaRPr>
+            <a:endParaRPr kumimoji="1" lang="ja-JP" altLang="en-US"/>
+          </a:p>
+        </p:txBody>
+      </p:sp>
+      <p:sp>
+        <p:nvSpPr>
+          <p:cNvPr id="7" name="円/楕円 6">
+            <a:extLst>
+              <a:ext uri="{FF2B5EF4-FFF2-40B4-BE49-F238E27FC236}">
+                <a16:creationId xmlns:a16="http://schemas.microsoft.com/office/drawing/2014/main" id="{100EF5AB-FC0D-CE4C-A79F-A0E1E9AD1A45}"/>
+              </a:ext>
+            </a:extLst>
+          </p:cNvPr>
+          <p:cNvSpPr/>
+          <p:nvPr/>
+        </p:nvSpPr>
+        <p:spPr>
+          <a:xfrm>
+            <a:off x="5343469" y="1995516"/>
+            <a:ext cx="663879" cy="663880"/>
+          </a:xfrm>
+          <a:prstGeom prst="ellipse">
+            <a:avLst/>
+          </a:prstGeom>
+          <a:solidFill>
+            <a:schemeClr val="accent1">
+              <a:lumMod val="60000"/>
+              <a:lumOff val="40000"/>
+            </a:schemeClr>
+          </a:solidFill>
+          <a:ln w="28575"/>
+        </p:spPr>
+        <p:style>
+          <a:lnRef idx="2">
+            <a:schemeClr val="accent1">
+              <a:shade val="50000"/>
+            </a:schemeClr>
+          </a:lnRef>
+          <a:fillRef idx="1">
+            <a:schemeClr val="accent1"/>
+          </a:fillRef>
+          <a:effectRef idx="0">
+            <a:schemeClr val="accent1"/>
+          </a:effectRef>
+          <a:fontRef idx="minor">
+            <a:schemeClr val="lt1"/>
+          </a:fontRef>
+        </p:style>
+        <p:txBody>
+          <a:bodyPr rtlCol="0" anchor="ctr"/>
+          <a:lstStyle/>
+          <a:p>
+            <a:pPr algn="ctr"/>
+            <a:endParaRPr kumimoji="1" lang="ja-JP" altLang="en-US"/>
+          </a:p>
+        </p:txBody>
+      </p:sp>
+      <p:sp>
+        <p:nvSpPr>
+          <p:cNvPr id="8" name="円/楕円 7">
+            <a:extLst>
+              <a:ext uri="{FF2B5EF4-FFF2-40B4-BE49-F238E27FC236}">
+                <a16:creationId xmlns:a16="http://schemas.microsoft.com/office/drawing/2014/main" id="{604D4EB4-FA78-8745-A4D7-A9FC1B25F8A8}"/>
+              </a:ext>
+            </a:extLst>
+          </p:cNvPr>
+          <p:cNvSpPr/>
+          <p:nvPr/>
+        </p:nvSpPr>
+        <p:spPr>
+          <a:xfrm>
+            <a:off x="5343469" y="3062316"/>
+            <a:ext cx="663879" cy="663880"/>
+          </a:xfrm>
+          <a:prstGeom prst="ellipse">
+            <a:avLst/>
+          </a:prstGeom>
+          <a:solidFill>
+            <a:schemeClr val="accent1">
+              <a:lumMod val="60000"/>
+              <a:lumOff val="40000"/>
+            </a:schemeClr>
+          </a:solidFill>
+          <a:ln w="28575"/>
+        </p:spPr>
+        <p:style>
+          <a:lnRef idx="2">
+            <a:schemeClr val="accent1">
+              <a:shade val="50000"/>
+            </a:schemeClr>
+          </a:lnRef>
+          <a:fillRef idx="1">
+            <a:schemeClr val="accent1"/>
+          </a:fillRef>
+          <a:effectRef idx="0">
+            <a:schemeClr val="accent1"/>
+          </a:effectRef>
+          <a:fontRef idx="minor">
+            <a:schemeClr val="lt1"/>
+          </a:fontRef>
+        </p:style>
+        <p:txBody>
+          <a:bodyPr rtlCol="0" anchor="ctr"/>
+          <a:lstStyle/>
+          <a:p>
+            <a:pPr algn="ctr"/>
+            <a:endParaRPr kumimoji="1" lang="ja-JP" altLang="en-US"/>
+          </a:p>
+        </p:txBody>
+      </p:sp>
+      <p:sp>
+        <p:nvSpPr>
+          <p:cNvPr id="9" name="円/楕円 8">
+            <a:extLst>
+              <a:ext uri="{FF2B5EF4-FFF2-40B4-BE49-F238E27FC236}">
+                <a16:creationId xmlns:a16="http://schemas.microsoft.com/office/drawing/2014/main" id="{28986982-F93B-4847-83A6-3B31C131E97F}"/>
+              </a:ext>
+            </a:extLst>
+          </p:cNvPr>
+          <p:cNvSpPr/>
+          <p:nvPr/>
+        </p:nvSpPr>
+        <p:spPr>
+          <a:xfrm>
+            <a:off x="6666083" y="1440493"/>
+            <a:ext cx="663879" cy="663880"/>
+          </a:xfrm>
+          <a:prstGeom prst="ellipse">
+            <a:avLst/>
+          </a:prstGeom>
+          <a:solidFill>
+            <a:schemeClr val="accent1">
+              <a:lumMod val="60000"/>
+              <a:lumOff val="40000"/>
+            </a:schemeClr>
+          </a:solidFill>
+          <a:ln w="28575"/>
+        </p:spPr>
+        <p:style>
+          <a:lnRef idx="2">
+            <a:schemeClr val="accent1">
+              <a:shade val="50000"/>
+            </a:schemeClr>
+          </a:lnRef>
+          <a:fillRef idx="1">
+            <a:schemeClr val="accent1"/>
+          </a:fillRef>
+          <a:effectRef idx="0">
+            <a:schemeClr val="accent1"/>
+          </a:effectRef>
+          <a:fontRef idx="minor">
+            <a:schemeClr val="lt1"/>
+          </a:fontRef>
+        </p:style>
+        <p:txBody>
+          <a:bodyPr rtlCol="0" anchor="ctr"/>
+          <a:lstStyle/>
+          <a:p>
+            <a:pPr algn="ctr"/>
+            <a:endParaRPr kumimoji="1" lang="ja-JP" altLang="en-US"/>
+          </a:p>
+        </p:txBody>
+      </p:sp>
+      <p:sp>
+        <p:nvSpPr>
+          <p:cNvPr id="10" name="円/楕円 9">
+            <a:extLst>
+              <a:ext uri="{FF2B5EF4-FFF2-40B4-BE49-F238E27FC236}">
+                <a16:creationId xmlns:a16="http://schemas.microsoft.com/office/drawing/2014/main" id="{3038F7E3-B0AB-3643-B298-122789962AE4}"/>
+              </a:ext>
+            </a:extLst>
+          </p:cNvPr>
+          <p:cNvSpPr/>
+          <p:nvPr/>
+        </p:nvSpPr>
+        <p:spPr>
+          <a:xfrm>
+            <a:off x="6666083" y="2507293"/>
+            <a:ext cx="663879" cy="663880"/>
+          </a:xfrm>
+          <a:prstGeom prst="ellipse">
+            <a:avLst/>
+          </a:prstGeom>
+          <a:solidFill>
+            <a:schemeClr val="accent1">
+              <a:lumMod val="60000"/>
+              <a:lumOff val="40000"/>
+            </a:schemeClr>
+          </a:solidFill>
+          <a:ln w="28575"/>
+        </p:spPr>
+        <p:style>
+          <a:lnRef idx="2">
+            <a:schemeClr val="accent1">
+              <a:shade val="50000"/>
+            </a:schemeClr>
+          </a:lnRef>
+          <a:fillRef idx="1">
+            <a:schemeClr val="accent1"/>
+          </a:fillRef>
+          <a:effectRef idx="0">
+            <a:schemeClr val="accent1"/>
+          </a:effectRef>
+          <a:fontRef idx="minor">
+            <a:schemeClr val="lt1"/>
+          </a:fontRef>
+        </p:style>
+        <p:txBody>
+          <a:bodyPr rtlCol="0" anchor="ctr"/>
+          <a:lstStyle/>
+          <a:p>
+            <a:pPr algn="ctr"/>
+            <a:endParaRPr kumimoji="1" lang="ja-JP" altLang="en-US"/>
+          </a:p>
+        </p:txBody>
+      </p:sp>
+      <p:sp>
+        <p:nvSpPr>
+          <p:cNvPr id="11" name="円/楕円 10">
+            <a:extLst>
+              <a:ext uri="{FF2B5EF4-FFF2-40B4-BE49-F238E27FC236}">
+                <a16:creationId xmlns:a16="http://schemas.microsoft.com/office/drawing/2014/main" id="{F2A1FB6C-D7FA-174D-9971-E851F3328901}"/>
+              </a:ext>
+            </a:extLst>
+          </p:cNvPr>
+          <p:cNvSpPr/>
+          <p:nvPr/>
+        </p:nvSpPr>
+        <p:spPr>
+          <a:xfrm>
+            <a:off x="6666083" y="3574093"/>
+            <a:ext cx="663879" cy="663880"/>
+          </a:xfrm>
+          <a:prstGeom prst="ellipse">
+            <a:avLst/>
+          </a:prstGeom>
+          <a:solidFill>
+            <a:schemeClr val="accent1">
+              <a:lumMod val="60000"/>
+              <a:lumOff val="40000"/>
+            </a:schemeClr>
+          </a:solidFill>
+          <a:ln w="28575"/>
+        </p:spPr>
+        <p:style>
+          <a:lnRef idx="2">
+            <a:schemeClr val="accent1">
+              <a:shade val="50000"/>
+            </a:schemeClr>
+          </a:lnRef>
+          <a:fillRef idx="1">
+            <a:schemeClr val="accent1"/>
+          </a:fillRef>
+          <a:effectRef idx="0">
+            <a:schemeClr val="accent1"/>
+          </a:effectRef>
+          <a:fontRef idx="minor">
+            <a:schemeClr val="lt1"/>
+          </a:fontRef>
+        </p:style>
+        <p:txBody>
+          <a:bodyPr rtlCol="0" anchor="ctr"/>
+          <a:lstStyle/>
+          <a:p>
+            <a:pPr algn="ctr"/>
+            <a:endParaRPr kumimoji="1" lang="ja-JP" altLang="en-US"/>
           </a:p>
         </p:txBody>
       </p:sp>
       <p:cxnSp>
         <p:nvCxnSpPr>
-          <p:cNvPr id="33" name="直線コネクタ 32">
-            <a:extLst>
-              <a:ext uri="{FF2B5EF4-FFF2-40B4-BE49-F238E27FC236}">
-                <a16:creationId xmlns:a16="http://schemas.microsoft.com/office/drawing/2014/main" id="{E067FF39-C297-C241-A845-997B18E0C498}"/>
+          <p:cNvPr id="13" name="直線コネクタ 12">
+            <a:extLst>
+              <a:ext uri="{FF2B5EF4-FFF2-40B4-BE49-F238E27FC236}">
+                <a16:creationId xmlns:a16="http://schemas.microsoft.com/office/drawing/2014/main" id="{B6FEFA6E-E1DA-824F-8244-BE3F431D24EB}"/>
               </a:ext>
             </a:extLst>
           </p:cNvPr>
           <p:cNvCxnSpPr>
-            <a:stCxn id="31" idx="2"/>
-            <a:endCxn id="29" idx="6"/>
+            <a:stCxn id="7" idx="2"/>
+            <a:endCxn id="4" idx="6"/>
           </p:cNvCxnSpPr>
           <p:nvPr/>
         </p:nvCxnSpPr>
         <p:spPr>
-          <a:xfrm flipH="1">
-            <a:off x="4684734" y="1768529"/>
-            <a:ext cx="658735" cy="568565"/>
+          <a:xfrm flipH="1" flipV="1">
+            <a:off x="4684734" y="1772433"/>
+            <a:ext cx="658735" cy="555023"/>
           </a:xfrm>
           <a:prstGeom prst="line">
             <a:avLst/>
@@ -15434,96 +14533,449 @@
           </a:fontRef>
         </p:style>
       </p:cxnSp>
-      <p:sp>
-        <p:nvSpPr>
-          <p:cNvPr id="59" name="円/楕円 58">
-            <a:extLst>
-              <a:ext uri="{FF2B5EF4-FFF2-40B4-BE49-F238E27FC236}">
-                <a16:creationId xmlns:a16="http://schemas.microsoft.com/office/drawing/2014/main" id="{962D194A-29ED-0B47-8E5E-B1F6301C089F}"/>
-              </a:ext>
-            </a:extLst>
-          </p:cNvPr>
-          <p:cNvSpPr/>
-          <p:nvPr/>
-        </p:nvSpPr>
-        <p:spPr>
-          <a:xfrm>
-            <a:off x="6630103" y="1909839"/>
-            <a:ext cx="663879" cy="663880"/>
-          </a:xfrm>
-          <a:prstGeom prst="ellipse">
-            <a:avLst/>
-          </a:prstGeom>
-          <a:solidFill>
-            <a:schemeClr val="bg1"/>
-          </a:solidFill>
-          <a:ln w="28575">
+      <p:cxnSp>
+        <p:nvCxnSpPr>
+          <p:cNvPr id="14" name="直線コネクタ 13">
+            <a:extLst>
+              <a:ext uri="{FF2B5EF4-FFF2-40B4-BE49-F238E27FC236}">
+                <a16:creationId xmlns:a16="http://schemas.microsoft.com/office/drawing/2014/main" id="{EA2F54AE-8EB0-EA40-8710-E33D2FF29589}"/>
+              </a:ext>
+            </a:extLst>
+          </p:cNvPr>
+          <p:cNvCxnSpPr>
+            <a:cxnSpLocks/>
+            <a:stCxn id="7" idx="2"/>
+            <a:endCxn id="5" idx="6"/>
+          </p:cNvCxnSpPr>
+          <p:nvPr/>
+        </p:nvCxnSpPr>
+        <p:spPr>
+          <a:xfrm flipH="1">
+            <a:off x="4684734" y="2327456"/>
+            <a:ext cx="658735" cy="511777"/>
+          </a:xfrm>
+          <a:prstGeom prst="line">
+            <a:avLst/>
+          </a:prstGeom>
+          <a:ln w="38100">
             <a:solidFill>
               <a:schemeClr val="tx1"/>
             </a:solidFill>
+            <a:headEnd type="arrow" w="med" len="med"/>
+            <a:tailEnd type="none" w="med" len="med"/>
           </a:ln>
         </p:spPr>
         <p:style>
-          <a:lnRef idx="2">
-            <a:schemeClr val="accent1">
-              <a:shade val="50000"/>
-            </a:schemeClr>
+          <a:lnRef idx="1">
+            <a:schemeClr val="accent1"/>
           </a:lnRef>
-          <a:fillRef idx="1">
+          <a:fillRef idx="0">
             <a:schemeClr val="accent1"/>
           </a:fillRef>
           <a:effectRef idx="0">
             <a:schemeClr val="accent1"/>
           </a:effectRef>
           <a:fontRef idx="minor">
-            <a:schemeClr val="lt1"/>
+            <a:schemeClr val="tx1"/>
           </a:fontRef>
         </p:style>
-        <p:txBody>
-          <a:bodyPr rtlCol="0" anchor="ctr"/>
-          <a:lstStyle/>
-          <a:p>
-            <a:pPr algn="ctr"/>
-            <a:r>
-              <a:rPr kumimoji="1" lang="en-US" altLang="ja-JP" sz="3200" b="1" i="1" dirty="0">
-                <a:solidFill>
-                  <a:schemeClr val="tx1"/>
-                </a:solidFill>
-                <a:latin typeface="Times New Roman" panose="02020603050405020304" pitchFamily="18" charset="0"/>
-                <a:cs typeface="Times New Roman" panose="02020603050405020304" pitchFamily="18" charset="0"/>
-              </a:rPr>
-              <a:t>z</a:t>
-            </a:r>
-            <a:endParaRPr kumimoji="1" lang="ja-JP" altLang="en-US" sz="3200" b="1" i="1">
-              <a:solidFill>
-                <a:schemeClr val="tx1"/>
-              </a:solidFill>
-              <a:latin typeface="Times New Roman" panose="02020603050405020304" pitchFamily="18" charset="0"/>
-              <a:cs typeface="Times New Roman" panose="02020603050405020304" pitchFamily="18" charset="0"/>
-            </a:endParaRPr>
-          </a:p>
-        </p:txBody>
-      </p:sp>
+      </p:cxnSp>
+      <p:cxnSp>
+        <p:nvCxnSpPr>
+          <p:cNvPr id="17" name="直線コネクタ 16">
+            <a:extLst>
+              <a:ext uri="{FF2B5EF4-FFF2-40B4-BE49-F238E27FC236}">
+                <a16:creationId xmlns:a16="http://schemas.microsoft.com/office/drawing/2014/main" id="{8CA05F1B-DFF7-4143-96B6-ECF65FEAA5F9}"/>
+              </a:ext>
+            </a:extLst>
+          </p:cNvPr>
+          <p:cNvCxnSpPr>
+            <a:cxnSpLocks/>
+            <a:stCxn id="7" idx="2"/>
+            <a:endCxn id="6" idx="6"/>
+          </p:cNvCxnSpPr>
+          <p:nvPr/>
+        </p:nvCxnSpPr>
+        <p:spPr>
+          <a:xfrm flipH="1">
+            <a:off x="4684734" y="2327456"/>
+            <a:ext cx="658735" cy="1578577"/>
+          </a:xfrm>
+          <a:prstGeom prst="line">
+            <a:avLst/>
+          </a:prstGeom>
+          <a:ln w="38100">
+            <a:solidFill>
+              <a:schemeClr val="tx1"/>
+            </a:solidFill>
+            <a:headEnd type="arrow" w="med" len="med"/>
+            <a:tailEnd type="none" w="med" len="med"/>
+          </a:ln>
+        </p:spPr>
+        <p:style>
+          <a:lnRef idx="1">
+            <a:schemeClr val="accent1"/>
+          </a:lnRef>
+          <a:fillRef idx="0">
+            <a:schemeClr val="accent1"/>
+          </a:fillRef>
+          <a:effectRef idx="0">
+            <a:schemeClr val="accent1"/>
+          </a:effectRef>
+          <a:fontRef idx="minor">
+            <a:schemeClr val="tx1"/>
+          </a:fontRef>
+        </p:style>
+      </p:cxnSp>
+      <p:cxnSp>
+        <p:nvCxnSpPr>
+          <p:cNvPr id="20" name="直線コネクタ 19">
+            <a:extLst>
+              <a:ext uri="{FF2B5EF4-FFF2-40B4-BE49-F238E27FC236}">
+                <a16:creationId xmlns:a16="http://schemas.microsoft.com/office/drawing/2014/main" id="{21D16A53-568C-2A48-94C4-59337DF315CB}"/>
+              </a:ext>
+            </a:extLst>
+          </p:cNvPr>
+          <p:cNvCxnSpPr>
+            <a:cxnSpLocks/>
+            <a:stCxn id="8" idx="2"/>
+            <a:endCxn id="4" idx="6"/>
+          </p:cNvCxnSpPr>
+          <p:nvPr/>
+        </p:nvCxnSpPr>
+        <p:spPr>
+          <a:xfrm flipH="1" flipV="1">
+            <a:off x="4684734" y="1772433"/>
+            <a:ext cx="658735" cy="1621823"/>
+          </a:xfrm>
+          <a:prstGeom prst="line">
+            <a:avLst/>
+          </a:prstGeom>
+          <a:ln w="38100">
+            <a:solidFill>
+              <a:schemeClr val="tx1"/>
+            </a:solidFill>
+            <a:headEnd type="arrow" w="med" len="med"/>
+            <a:tailEnd type="none" w="med" len="med"/>
+          </a:ln>
+        </p:spPr>
+        <p:style>
+          <a:lnRef idx="1">
+            <a:schemeClr val="accent1"/>
+          </a:lnRef>
+          <a:fillRef idx="0">
+            <a:schemeClr val="accent1"/>
+          </a:fillRef>
+          <a:effectRef idx="0">
+            <a:schemeClr val="accent1"/>
+          </a:effectRef>
+          <a:fontRef idx="minor">
+            <a:schemeClr val="tx1"/>
+          </a:fontRef>
+        </p:style>
+      </p:cxnSp>
+      <p:cxnSp>
+        <p:nvCxnSpPr>
+          <p:cNvPr id="21" name="直線コネクタ 20">
+            <a:extLst>
+              <a:ext uri="{FF2B5EF4-FFF2-40B4-BE49-F238E27FC236}">
+                <a16:creationId xmlns:a16="http://schemas.microsoft.com/office/drawing/2014/main" id="{A9627DE9-B87B-2D40-AD09-1557224D9349}"/>
+              </a:ext>
+            </a:extLst>
+          </p:cNvPr>
+          <p:cNvCxnSpPr>
+            <a:cxnSpLocks/>
+            <a:stCxn id="8" idx="2"/>
+            <a:endCxn id="5" idx="6"/>
+          </p:cNvCxnSpPr>
+          <p:nvPr/>
+        </p:nvCxnSpPr>
+        <p:spPr>
+          <a:xfrm flipH="1" flipV="1">
+            <a:off x="4684734" y="2839233"/>
+            <a:ext cx="658735" cy="555023"/>
+          </a:xfrm>
+          <a:prstGeom prst="line">
+            <a:avLst/>
+          </a:prstGeom>
+          <a:ln w="38100">
+            <a:solidFill>
+              <a:schemeClr val="tx1"/>
+            </a:solidFill>
+            <a:headEnd type="arrow" w="med" len="med"/>
+            <a:tailEnd type="none" w="med" len="med"/>
+          </a:ln>
+        </p:spPr>
+        <p:style>
+          <a:lnRef idx="1">
+            <a:schemeClr val="accent1"/>
+          </a:lnRef>
+          <a:fillRef idx="0">
+            <a:schemeClr val="accent1"/>
+          </a:fillRef>
+          <a:effectRef idx="0">
+            <a:schemeClr val="accent1"/>
+          </a:effectRef>
+          <a:fontRef idx="minor">
+            <a:schemeClr val="tx1"/>
+          </a:fontRef>
+        </p:style>
+      </p:cxnSp>
+      <p:cxnSp>
+        <p:nvCxnSpPr>
+          <p:cNvPr id="22" name="直線コネクタ 21">
+            <a:extLst>
+              <a:ext uri="{FF2B5EF4-FFF2-40B4-BE49-F238E27FC236}">
+                <a16:creationId xmlns:a16="http://schemas.microsoft.com/office/drawing/2014/main" id="{6A7CF1B2-FAED-D847-B442-E31B9A213830}"/>
+              </a:ext>
+            </a:extLst>
+          </p:cNvPr>
+          <p:cNvCxnSpPr>
+            <a:cxnSpLocks/>
+            <a:stCxn id="8" idx="2"/>
+            <a:endCxn id="6" idx="6"/>
+          </p:cNvCxnSpPr>
+          <p:nvPr/>
+        </p:nvCxnSpPr>
+        <p:spPr>
+          <a:xfrm flipH="1">
+            <a:off x="4684734" y="3394256"/>
+            <a:ext cx="658735" cy="511777"/>
+          </a:xfrm>
+          <a:prstGeom prst="line">
+            <a:avLst/>
+          </a:prstGeom>
+          <a:ln w="38100">
+            <a:solidFill>
+              <a:schemeClr val="tx1"/>
+            </a:solidFill>
+            <a:headEnd type="arrow" w="med" len="med"/>
+            <a:tailEnd type="none" w="med" len="med"/>
+          </a:ln>
+        </p:spPr>
+        <p:style>
+          <a:lnRef idx="1">
+            <a:schemeClr val="accent1"/>
+          </a:lnRef>
+          <a:fillRef idx="0">
+            <a:schemeClr val="accent1"/>
+          </a:fillRef>
+          <a:effectRef idx="0">
+            <a:schemeClr val="accent1"/>
+          </a:effectRef>
+          <a:fontRef idx="minor">
+            <a:schemeClr val="tx1"/>
+          </a:fontRef>
+        </p:style>
+      </p:cxnSp>
+      <p:cxnSp>
+        <p:nvCxnSpPr>
+          <p:cNvPr id="23" name="直線コネクタ 22">
+            <a:extLst>
+              <a:ext uri="{FF2B5EF4-FFF2-40B4-BE49-F238E27FC236}">
+                <a16:creationId xmlns:a16="http://schemas.microsoft.com/office/drawing/2014/main" id="{6C082B0C-0078-3141-B018-0EC5938917D1}"/>
+              </a:ext>
+            </a:extLst>
+          </p:cNvPr>
+          <p:cNvCxnSpPr>
+            <a:cxnSpLocks/>
+            <a:stCxn id="11" idx="2"/>
+            <a:endCxn id="7" idx="6"/>
+          </p:cNvCxnSpPr>
+          <p:nvPr/>
+        </p:nvCxnSpPr>
+        <p:spPr>
+          <a:xfrm flipH="1" flipV="1">
+            <a:off x="6007348" y="2327456"/>
+            <a:ext cx="658735" cy="1578577"/>
+          </a:xfrm>
+          <a:prstGeom prst="line">
+            <a:avLst/>
+          </a:prstGeom>
+          <a:ln w="38100">
+            <a:solidFill>
+              <a:schemeClr val="tx1"/>
+            </a:solidFill>
+            <a:headEnd type="arrow" w="med" len="med"/>
+            <a:tailEnd type="none" w="med" len="med"/>
+          </a:ln>
+        </p:spPr>
+        <p:style>
+          <a:lnRef idx="1">
+            <a:schemeClr val="accent1"/>
+          </a:lnRef>
+          <a:fillRef idx="0">
+            <a:schemeClr val="accent1"/>
+          </a:fillRef>
+          <a:effectRef idx="0">
+            <a:schemeClr val="accent1"/>
+          </a:effectRef>
+          <a:fontRef idx="minor">
+            <a:schemeClr val="tx1"/>
+          </a:fontRef>
+        </p:style>
+      </p:cxnSp>
+      <p:cxnSp>
+        <p:nvCxnSpPr>
+          <p:cNvPr id="24" name="直線コネクタ 23">
+            <a:extLst>
+              <a:ext uri="{FF2B5EF4-FFF2-40B4-BE49-F238E27FC236}">
+                <a16:creationId xmlns:a16="http://schemas.microsoft.com/office/drawing/2014/main" id="{C44EFB3C-40D6-8E4E-ADB6-CADCB359643D}"/>
+              </a:ext>
+            </a:extLst>
+          </p:cNvPr>
+          <p:cNvCxnSpPr>
+            <a:cxnSpLocks/>
+            <a:stCxn id="10" idx="2"/>
+            <a:endCxn id="7" idx="6"/>
+          </p:cNvCxnSpPr>
+          <p:nvPr/>
+        </p:nvCxnSpPr>
+        <p:spPr>
+          <a:xfrm flipH="1" flipV="1">
+            <a:off x="6007348" y="2327456"/>
+            <a:ext cx="658735" cy="511777"/>
+          </a:xfrm>
+          <a:prstGeom prst="line">
+            <a:avLst/>
+          </a:prstGeom>
+          <a:ln w="38100">
+            <a:solidFill>
+              <a:schemeClr val="tx1"/>
+            </a:solidFill>
+            <a:headEnd type="arrow" w="med" len="med"/>
+            <a:tailEnd type="none" w="med" len="med"/>
+          </a:ln>
+        </p:spPr>
+        <p:style>
+          <a:lnRef idx="1">
+            <a:schemeClr val="accent1"/>
+          </a:lnRef>
+          <a:fillRef idx="0">
+            <a:schemeClr val="accent1"/>
+          </a:fillRef>
+          <a:effectRef idx="0">
+            <a:schemeClr val="accent1"/>
+          </a:effectRef>
+          <a:fontRef idx="minor">
+            <a:schemeClr val="tx1"/>
+          </a:fontRef>
+        </p:style>
+      </p:cxnSp>
+      <p:cxnSp>
+        <p:nvCxnSpPr>
+          <p:cNvPr id="25" name="直線コネクタ 24">
+            <a:extLst>
+              <a:ext uri="{FF2B5EF4-FFF2-40B4-BE49-F238E27FC236}">
+                <a16:creationId xmlns:a16="http://schemas.microsoft.com/office/drawing/2014/main" id="{71CD2635-498E-FE4C-8BFB-22D57C3F752F}"/>
+              </a:ext>
+            </a:extLst>
+          </p:cNvPr>
+          <p:cNvCxnSpPr>
+            <a:cxnSpLocks/>
+            <a:stCxn id="9" idx="2"/>
+            <a:endCxn id="7" idx="6"/>
+          </p:cNvCxnSpPr>
+          <p:nvPr/>
+        </p:nvCxnSpPr>
+        <p:spPr>
+          <a:xfrm flipH="1">
+            <a:off x="6007348" y="1772433"/>
+            <a:ext cx="658735" cy="555023"/>
+          </a:xfrm>
+          <a:prstGeom prst="line">
+            <a:avLst/>
+          </a:prstGeom>
+          <a:ln w="38100">
+            <a:solidFill>
+              <a:schemeClr val="tx1"/>
+            </a:solidFill>
+            <a:headEnd type="arrow" w="med" len="med"/>
+            <a:tailEnd type="none" w="med" len="med"/>
+          </a:ln>
+        </p:spPr>
+        <p:style>
+          <a:lnRef idx="1">
+            <a:schemeClr val="accent1"/>
+          </a:lnRef>
+          <a:fillRef idx="0">
+            <a:schemeClr val="accent1"/>
+          </a:fillRef>
+          <a:effectRef idx="0">
+            <a:schemeClr val="accent1"/>
+          </a:effectRef>
+          <a:fontRef idx="minor">
+            <a:schemeClr val="tx1"/>
+          </a:fontRef>
+        </p:style>
+      </p:cxnSp>
+      <p:cxnSp>
+        <p:nvCxnSpPr>
+          <p:cNvPr id="59" name="直線コネクタ 58">
+            <a:extLst>
+              <a:ext uri="{FF2B5EF4-FFF2-40B4-BE49-F238E27FC236}">
+                <a16:creationId xmlns:a16="http://schemas.microsoft.com/office/drawing/2014/main" id="{8582E2B8-FA9A-5B4C-A53C-5A04E4F45841}"/>
+              </a:ext>
+            </a:extLst>
+          </p:cNvPr>
+          <p:cNvCxnSpPr>
+            <a:cxnSpLocks/>
+            <a:stCxn id="11" idx="2"/>
+            <a:endCxn id="8" idx="6"/>
+          </p:cNvCxnSpPr>
+          <p:nvPr/>
+        </p:nvCxnSpPr>
+        <p:spPr>
+          <a:xfrm flipH="1" flipV="1">
+            <a:off x="6007348" y="3394256"/>
+            <a:ext cx="658735" cy="511777"/>
+          </a:xfrm>
+          <a:prstGeom prst="line">
+            <a:avLst/>
+          </a:prstGeom>
+          <a:ln w="38100">
+            <a:solidFill>
+              <a:schemeClr val="tx1"/>
+            </a:solidFill>
+            <a:headEnd type="arrow" w="med" len="med"/>
+            <a:tailEnd type="none" w="med" len="med"/>
+          </a:ln>
+        </p:spPr>
+        <p:style>
+          <a:lnRef idx="1">
+            <a:schemeClr val="accent1"/>
+          </a:lnRef>
+          <a:fillRef idx="0">
+            <a:schemeClr val="accent1"/>
+          </a:fillRef>
+          <a:effectRef idx="0">
+            <a:schemeClr val="accent1"/>
+          </a:effectRef>
+          <a:fontRef idx="minor">
+            <a:schemeClr val="tx1"/>
+          </a:fontRef>
+        </p:style>
+      </p:cxnSp>
       <p:cxnSp>
         <p:nvCxnSpPr>
           <p:cNvPr id="60" name="直線コネクタ 59">
             <a:extLst>
               <a:ext uri="{FF2B5EF4-FFF2-40B4-BE49-F238E27FC236}">
-                <a16:creationId xmlns:a16="http://schemas.microsoft.com/office/drawing/2014/main" id="{F880EA32-4691-FE4D-9D23-028AD8C45308}"/>
+                <a16:creationId xmlns:a16="http://schemas.microsoft.com/office/drawing/2014/main" id="{13429877-D6E6-E340-8EE8-5D3984831E69}"/>
               </a:ext>
             </a:extLst>
           </p:cNvPr>
           <p:cNvCxnSpPr>
             <a:cxnSpLocks/>
-            <a:stCxn id="59" idx="2"/>
-            <a:endCxn id="31" idx="6"/>
+            <a:stCxn id="10" idx="2"/>
+            <a:endCxn id="8" idx="6"/>
           </p:cNvCxnSpPr>
           <p:nvPr/>
         </p:nvCxnSpPr>
         <p:spPr>
-          <a:xfrm flipH="1" flipV="1">
-            <a:off x="6007348" y="1768529"/>
-            <a:ext cx="622755" cy="473250"/>
+          <a:xfrm flipH="1">
+            <a:off x="6007348" y="2839233"/>
+            <a:ext cx="658735" cy="555023"/>
           </a:xfrm>
           <a:prstGeom prst="line">
             <a:avLst/>
@@ -15556,21 +15008,21 @@
           <p:cNvPr id="61" name="直線コネクタ 60">
             <a:extLst>
               <a:ext uri="{FF2B5EF4-FFF2-40B4-BE49-F238E27FC236}">
-                <a16:creationId xmlns:a16="http://schemas.microsoft.com/office/drawing/2014/main" id="{EAC892FB-F99B-5E4E-8E96-32F4905F5616}"/>
+                <a16:creationId xmlns:a16="http://schemas.microsoft.com/office/drawing/2014/main" id="{352E75A1-5DE8-D845-A504-3D07B41C27E2}"/>
               </a:ext>
             </a:extLst>
           </p:cNvPr>
           <p:cNvCxnSpPr>
             <a:cxnSpLocks/>
-            <a:stCxn id="59" idx="2"/>
-            <a:endCxn id="32" idx="6"/>
+            <a:stCxn id="9" idx="2"/>
+            <a:endCxn id="8" idx="6"/>
           </p:cNvCxnSpPr>
           <p:nvPr/>
         </p:nvCxnSpPr>
         <p:spPr>
           <a:xfrm flipH="1">
-            <a:off x="6004309" y="2241779"/>
-            <a:ext cx="625794" cy="593550"/>
+            <a:off x="6007348" y="1772433"/>
+            <a:ext cx="658735" cy="1621823"/>
           </a:xfrm>
           <a:prstGeom prst="line">
             <a:avLst/>
@@ -15600,24 +15052,23 @@
       </p:cxnSp>
       <p:cxnSp>
         <p:nvCxnSpPr>
-          <p:cNvPr id="23" name="直線コネクタ 22">
-            <a:extLst>
-              <a:ext uri="{FF2B5EF4-FFF2-40B4-BE49-F238E27FC236}">
-                <a16:creationId xmlns:a16="http://schemas.microsoft.com/office/drawing/2014/main" id="{8CBB167A-8B17-0A48-AAB2-2D627FFD9FDB}"/>
+          <p:cNvPr id="69" name="直線コネクタ 68">
+            <a:extLst>
+              <a:ext uri="{FF2B5EF4-FFF2-40B4-BE49-F238E27FC236}">
+                <a16:creationId xmlns:a16="http://schemas.microsoft.com/office/drawing/2014/main" id="{FFA268C9-8009-CD48-AE56-DB6836852A87}"/>
               </a:ext>
             </a:extLst>
           </p:cNvPr>
           <p:cNvCxnSpPr>
             <a:cxnSpLocks/>
-            <a:stCxn id="32" idx="2"/>
-            <a:endCxn id="29" idx="6"/>
+            <a:stCxn id="4" idx="2"/>
           </p:cNvCxnSpPr>
           <p:nvPr/>
         </p:nvCxnSpPr>
         <p:spPr>
-          <a:xfrm flipH="1" flipV="1">
-            <a:off x="4684734" y="2337094"/>
-            <a:ext cx="655696" cy="498235"/>
+          <a:xfrm flipH="1">
+            <a:off x="3360014" y="1772433"/>
+            <a:ext cx="660841" cy="0"/>
           </a:xfrm>
           <a:prstGeom prst="line">
             <a:avLst/>
@@ -15645,10 +15096,645 @@
           </a:fontRef>
         </p:style>
       </p:cxnSp>
+      <p:cxnSp>
+        <p:nvCxnSpPr>
+          <p:cNvPr id="72" name="直線コネクタ 71">
+            <a:extLst>
+              <a:ext uri="{FF2B5EF4-FFF2-40B4-BE49-F238E27FC236}">
+                <a16:creationId xmlns:a16="http://schemas.microsoft.com/office/drawing/2014/main" id="{861C8DB6-BD01-C843-AFAC-5F87EC74A8E8}"/>
+              </a:ext>
+            </a:extLst>
+          </p:cNvPr>
+          <p:cNvCxnSpPr>
+            <a:cxnSpLocks/>
+            <a:stCxn id="5" idx="2"/>
+          </p:cNvCxnSpPr>
+          <p:nvPr/>
+        </p:nvCxnSpPr>
+        <p:spPr>
+          <a:xfrm flipH="1">
+            <a:off x="3360015" y="2839233"/>
+            <a:ext cx="660840" cy="13505"/>
+          </a:xfrm>
+          <a:prstGeom prst="line">
+            <a:avLst/>
+          </a:prstGeom>
+          <a:ln w="38100">
+            <a:solidFill>
+              <a:schemeClr val="tx1"/>
+            </a:solidFill>
+            <a:headEnd type="arrow" w="med" len="med"/>
+            <a:tailEnd type="none" w="med" len="med"/>
+          </a:ln>
+        </p:spPr>
+        <p:style>
+          <a:lnRef idx="1">
+            <a:schemeClr val="accent1"/>
+          </a:lnRef>
+          <a:fillRef idx="0">
+            <a:schemeClr val="accent1"/>
+          </a:fillRef>
+          <a:effectRef idx="0">
+            <a:schemeClr val="accent1"/>
+          </a:effectRef>
+          <a:fontRef idx="minor">
+            <a:schemeClr val="tx1"/>
+          </a:fontRef>
+        </p:style>
+      </p:cxnSp>
+      <p:cxnSp>
+        <p:nvCxnSpPr>
+          <p:cNvPr id="74" name="直線コネクタ 73">
+            <a:extLst>
+              <a:ext uri="{FF2B5EF4-FFF2-40B4-BE49-F238E27FC236}">
+                <a16:creationId xmlns:a16="http://schemas.microsoft.com/office/drawing/2014/main" id="{8C0D7D58-9A97-2A47-98AF-40370DAE96DD}"/>
+              </a:ext>
+            </a:extLst>
+          </p:cNvPr>
+          <p:cNvCxnSpPr>
+            <a:cxnSpLocks/>
+            <a:stCxn id="6" idx="2"/>
+          </p:cNvCxnSpPr>
+          <p:nvPr/>
+        </p:nvCxnSpPr>
+        <p:spPr>
+          <a:xfrm flipH="1">
+            <a:off x="3360014" y="3906033"/>
+            <a:ext cx="660841" cy="0"/>
+          </a:xfrm>
+          <a:prstGeom prst="line">
+            <a:avLst/>
+          </a:prstGeom>
+          <a:ln w="38100">
+            <a:solidFill>
+              <a:schemeClr val="tx1"/>
+            </a:solidFill>
+            <a:headEnd type="arrow" w="med" len="med"/>
+            <a:tailEnd type="none" w="med" len="med"/>
+          </a:ln>
+        </p:spPr>
+        <p:style>
+          <a:lnRef idx="1">
+            <a:schemeClr val="accent1"/>
+          </a:lnRef>
+          <a:fillRef idx="0">
+            <a:schemeClr val="accent1"/>
+          </a:fillRef>
+          <a:effectRef idx="0">
+            <a:schemeClr val="accent1"/>
+          </a:effectRef>
+          <a:fontRef idx="minor">
+            <a:schemeClr val="tx1"/>
+          </a:fontRef>
+        </p:style>
+      </p:cxnSp>
+      <p:cxnSp>
+        <p:nvCxnSpPr>
+          <p:cNvPr id="77" name="直線コネクタ 76">
+            <a:extLst>
+              <a:ext uri="{FF2B5EF4-FFF2-40B4-BE49-F238E27FC236}">
+                <a16:creationId xmlns:a16="http://schemas.microsoft.com/office/drawing/2014/main" id="{F1E1F616-D93A-2244-B167-81C732074C79}"/>
+              </a:ext>
+            </a:extLst>
+          </p:cNvPr>
+          <p:cNvCxnSpPr>
+            <a:cxnSpLocks/>
+            <a:endCxn id="9" idx="6"/>
+          </p:cNvCxnSpPr>
+          <p:nvPr/>
+        </p:nvCxnSpPr>
+        <p:spPr>
+          <a:xfrm flipH="1">
+            <a:off x="7329962" y="1755540"/>
+            <a:ext cx="658736" cy="16893"/>
+          </a:xfrm>
+          <a:prstGeom prst="line">
+            <a:avLst/>
+          </a:prstGeom>
+          <a:ln w="38100">
+            <a:solidFill>
+              <a:schemeClr val="tx1"/>
+            </a:solidFill>
+            <a:headEnd type="arrow" w="med" len="med"/>
+            <a:tailEnd type="none" w="med" len="med"/>
+          </a:ln>
+        </p:spPr>
+        <p:style>
+          <a:lnRef idx="1">
+            <a:schemeClr val="accent1"/>
+          </a:lnRef>
+          <a:fillRef idx="0">
+            <a:schemeClr val="accent1"/>
+          </a:fillRef>
+          <a:effectRef idx="0">
+            <a:schemeClr val="accent1"/>
+          </a:effectRef>
+          <a:fontRef idx="minor">
+            <a:schemeClr val="tx1"/>
+          </a:fontRef>
+        </p:style>
+      </p:cxnSp>
+      <p:cxnSp>
+        <p:nvCxnSpPr>
+          <p:cNvPr id="78" name="直線コネクタ 77">
+            <a:extLst>
+              <a:ext uri="{FF2B5EF4-FFF2-40B4-BE49-F238E27FC236}">
+                <a16:creationId xmlns:a16="http://schemas.microsoft.com/office/drawing/2014/main" id="{B32655B8-F12A-D34E-A81B-894BCCE0BCF6}"/>
+              </a:ext>
+            </a:extLst>
+          </p:cNvPr>
+          <p:cNvCxnSpPr>
+            <a:cxnSpLocks/>
+            <a:endCxn id="10" idx="6"/>
+          </p:cNvCxnSpPr>
+          <p:nvPr/>
+        </p:nvCxnSpPr>
+        <p:spPr>
+          <a:xfrm flipH="1">
+            <a:off x="7329962" y="2839233"/>
+            <a:ext cx="658735" cy="0"/>
+          </a:xfrm>
+          <a:prstGeom prst="line">
+            <a:avLst/>
+          </a:prstGeom>
+          <a:ln w="38100">
+            <a:solidFill>
+              <a:schemeClr val="tx1"/>
+            </a:solidFill>
+            <a:headEnd type="arrow" w="med" len="med"/>
+            <a:tailEnd type="none" w="med" len="med"/>
+          </a:ln>
+        </p:spPr>
+        <p:style>
+          <a:lnRef idx="1">
+            <a:schemeClr val="accent1"/>
+          </a:lnRef>
+          <a:fillRef idx="0">
+            <a:schemeClr val="accent1"/>
+          </a:fillRef>
+          <a:effectRef idx="0">
+            <a:schemeClr val="accent1"/>
+          </a:effectRef>
+          <a:fontRef idx="minor">
+            <a:schemeClr val="tx1"/>
+          </a:fontRef>
+        </p:style>
+      </p:cxnSp>
+      <p:cxnSp>
+        <p:nvCxnSpPr>
+          <p:cNvPr id="79" name="直線コネクタ 78">
+            <a:extLst>
+              <a:ext uri="{FF2B5EF4-FFF2-40B4-BE49-F238E27FC236}">
+                <a16:creationId xmlns:a16="http://schemas.microsoft.com/office/drawing/2014/main" id="{02C5131A-152C-2C40-9EA0-EAB64A7FA6BC}"/>
+              </a:ext>
+            </a:extLst>
+          </p:cNvPr>
+          <p:cNvCxnSpPr>
+            <a:cxnSpLocks/>
+            <a:endCxn id="11" idx="6"/>
+          </p:cNvCxnSpPr>
+          <p:nvPr/>
+        </p:nvCxnSpPr>
+        <p:spPr>
+          <a:xfrm flipH="1">
+            <a:off x="7329962" y="3906033"/>
+            <a:ext cx="658735" cy="0"/>
+          </a:xfrm>
+          <a:prstGeom prst="line">
+            <a:avLst/>
+          </a:prstGeom>
+          <a:ln w="38100">
+            <a:solidFill>
+              <a:schemeClr val="tx1"/>
+            </a:solidFill>
+            <a:headEnd type="arrow" w="med" len="med"/>
+            <a:tailEnd type="none" w="med" len="med"/>
+          </a:ln>
+        </p:spPr>
+        <p:style>
+          <a:lnRef idx="1">
+            <a:schemeClr val="accent1"/>
+          </a:lnRef>
+          <a:fillRef idx="0">
+            <a:schemeClr val="accent1"/>
+          </a:fillRef>
+          <a:effectRef idx="0">
+            <a:schemeClr val="accent1"/>
+          </a:effectRef>
+          <a:fontRef idx="minor">
+            <a:schemeClr val="tx1"/>
+          </a:fontRef>
+        </p:style>
+      </p:cxnSp>
+      <p:sp>
+        <p:nvSpPr>
+          <p:cNvPr id="86" name="テキスト ボックス 85">
+            <a:extLst>
+              <a:ext uri="{FF2B5EF4-FFF2-40B4-BE49-F238E27FC236}">
+                <a16:creationId xmlns:a16="http://schemas.microsoft.com/office/drawing/2014/main" id="{E5123B7B-4F8F-1C41-A770-314E128E123C}"/>
+              </a:ext>
+            </a:extLst>
+          </p:cNvPr>
+          <p:cNvSpPr txBox="1"/>
+          <p:nvPr/>
+        </p:nvSpPr>
+        <p:spPr>
+          <a:xfrm>
+            <a:off x="3914212" y="1016975"/>
+            <a:ext cx="877163" cy="369332"/>
+          </a:xfrm>
+          <a:prstGeom prst="rect">
+            <a:avLst/>
+          </a:prstGeom>
+          <a:noFill/>
+        </p:spPr>
+        <p:txBody>
+          <a:bodyPr wrap="none" rtlCol="0">
+            <a:spAutoFit/>
+          </a:bodyPr>
+          <a:lstStyle/>
+          <a:p>
+            <a:r>
+              <a:rPr lang="ja-JP" altLang="en-US">
+                <a:latin typeface="Meiryo" panose="020B0604030504040204" pitchFamily="34" charset="-128"/>
+                <a:ea typeface="Meiryo" panose="020B0604030504040204" pitchFamily="34" charset="-128"/>
+              </a:rPr>
+              <a:t>入力層</a:t>
+            </a:r>
+            <a:endParaRPr kumimoji="1" lang="ja-JP" altLang="en-US">
+              <a:latin typeface="Meiryo" panose="020B0604030504040204" pitchFamily="34" charset="-128"/>
+              <a:ea typeface="Meiryo" panose="020B0604030504040204" pitchFamily="34" charset="-128"/>
+            </a:endParaRPr>
+          </a:p>
+        </p:txBody>
+      </p:sp>
+      <p:sp>
+        <p:nvSpPr>
+          <p:cNvPr id="87" name="テキスト ボックス 86">
+            <a:extLst>
+              <a:ext uri="{FF2B5EF4-FFF2-40B4-BE49-F238E27FC236}">
+                <a16:creationId xmlns:a16="http://schemas.microsoft.com/office/drawing/2014/main" id="{F95DABE2-C3AB-4F47-836B-D7EAD08CDFD3}"/>
+              </a:ext>
+            </a:extLst>
+          </p:cNvPr>
+          <p:cNvSpPr txBox="1"/>
+          <p:nvPr/>
+        </p:nvSpPr>
+        <p:spPr>
+          <a:xfrm>
+            <a:off x="5218837" y="1016975"/>
+            <a:ext cx="877163" cy="369332"/>
+          </a:xfrm>
+          <a:prstGeom prst="rect">
+            <a:avLst/>
+          </a:prstGeom>
+          <a:noFill/>
+        </p:spPr>
+        <p:txBody>
+          <a:bodyPr wrap="none" rtlCol="0">
+            <a:spAutoFit/>
+          </a:bodyPr>
+          <a:lstStyle/>
+          <a:p>
+            <a:r>
+              <a:rPr lang="ja-JP" altLang="en-US">
+                <a:latin typeface="Meiryo" panose="020B0604030504040204" pitchFamily="34" charset="-128"/>
+                <a:ea typeface="Meiryo" panose="020B0604030504040204" pitchFamily="34" charset="-128"/>
+              </a:rPr>
+              <a:t>中間層</a:t>
+            </a:r>
+            <a:endParaRPr kumimoji="1" lang="ja-JP" altLang="en-US">
+              <a:latin typeface="Meiryo" panose="020B0604030504040204" pitchFamily="34" charset="-128"/>
+              <a:ea typeface="Meiryo" panose="020B0604030504040204" pitchFamily="34" charset="-128"/>
+            </a:endParaRPr>
+          </a:p>
+        </p:txBody>
+      </p:sp>
+      <p:sp>
+        <p:nvSpPr>
+          <p:cNvPr id="88" name="テキスト ボックス 87">
+            <a:extLst>
+              <a:ext uri="{FF2B5EF4-FFF2-40B4-BE49-F238E27FC236}">
+                <a16:creationId xmlns:a16="http://schemas.microsoft.com/office/drawing/2014/main" id="{930025AA-AB58-B840-9A54-5D3CDDCD295E}"/>
+              </a:ext>
+            </a:extLst>
+          </p:cNvPr>
+          <p:cNvSpPr txBox="1"/>
+          <p:nvPr/>
+        </p:nvSpPr>
+        <p:spPr>
+          <a:xfrm>
+            <a:off x="6523462" y="1016975"/>
+            <a:ext cx="877163" cy="369332"/>
+          </a:xfrm>
+          <a:prstGeom prst="rect">
+            <a:avLst/>
+          </a:prstGeom>
+          <a:noFill/>
+        </p:spPr>
+        <p:txBody>
+          <a:bodyPr wrap="none" rtlCol="0">
+            <a:spAutoFit/>
+          </a:bodyPr>
+          <a:lstStyle/>
+          <a:p>
+            <a:r>
+              <a:rPr lang="ja-JP" altLang="en-US">
+                <a:latin typeface="Meiryo" panose="020B0604030504040204" pitchFamily="34" charset="-128"/>
+                <a:ea typeface="Meiryo" panose="020B0604030504040204" pitchFamily="34" charset="-128"/>
+              </a:rPr>
+              <a:t>出力層</a:t>
+            </a:r>
+            <a:endParaRPr kumimoji="1" lang="ja-JP" altLang="en-US">
+              <a:latin typeface="Meiryo" panose="020B0604030504040204" pitchFamily="34" charset="-128"/>
+              <a:ea typeface="Meiryo" panose="020B0604030504040204" pitchFamily="34" charset="-128"/>
+            </a:endParaRPr>
+          </a:p>
+        </p:txBody>
+      </p:sp>
+      <p:sp>
+        <p:nvSpPr>
+          <p:cNvPr id="89" name="右矢印 88">
+            <a:extLst>
+              <a:ext uri="{FF2B5EF4-FFF2-40B4-BE49-F238E27FC236}">
+                <a16:creationId xmlns:a16="http://schemas.microsoft.com/office/drawing/2014/main" id="{9A7CA129-68E5-934D-A88F-E8727D1577C9}"/>
+              </a:ext>
+            </a:extLst>
+          </p:cNvPr>
+          <p:cNvSpPr/>
+          <p:nvPr/>
+        </p:nvSpPr>
+        <p:spPr>
+          <a:xfrm>
+            <a:off x="3360014" y="4417513"/>
+            <a:ext cx="4628683" cy="304800"/>
+          </a:xfrm>
+          <a:prstGeom prst="rightArrow">
+            <a:avLst/>
+          </a:prstGeom>
+          <a:solidFill>
+            <a:schemeClr val="accent5">
+              <a:lumMod val="40000"/>
+              <a:lumOff val="60000"/>
+            </a:schemeClr>
+          </a:solidFill>
+        </p:spPr>
+        <p:style>
+          <a:lnRef idx="2">
+            <a:schemeClr val="accent1">
+              <a:shade val="50000"/>
+            </a:schemeClr>
+          </a:lnRef>
+          <a:fillRef idx="1">
+            <a:schemeClr val="accent1"/>
+          </a:fillRef>
+          <a:effectRef idx="0">
+            <a:schemeClr val="accent1"/>
+          </a:effectRef>
+          <a:fontRef idx="minor">
+            <a:schemeClr val="lt1"/>
+          </a:fontRef>
+        </p:style>
+        <p:txBody>
+          <a:bodyPr rtlCol="0" anchor="ctr"/>
+          <a:lstStyle/>
+          <a:p>
+            <a:pPr algn="ctr"/>
+            <a:endParaRPr kumimoji="1" lang="ja-JP" altLang="en-US"/>
+          </a:p>
+        </p:txBody>
+      </p:sp>
+      <p:sp>
+        <p:nvSpPr>
+          <p:cNvPr id="90" name="テキスト ボックス 89">
+            <a:extLst>
+              <a:ext uri="{FF2B5EF4-FFF2-40B4-BE49-F238E27FC236}">
+                <a16:creationId xmlns:a16="http://schemas.microsoft.com/office/drawing/2014/main" id="{E4468285-EE7F-3042-BF9E-05E6E11170EF}"/>
+              </a:ext>
+            </a:extLst>
+          </p:cNvPr>
+          <p:cNvSpPr txBox="1"/>
+          <p:nvPr/>
+        </p:nvSpPr>
+        <p:spPr>
+          <a:xfrm>
+            <a:off x="8201170" y="2631657"/>
+            <a:ext cx="902811" cy="523220"/>
+          </a:xfrm>
+          <a:prstGeom prst="rect">
+            <a:avLst/>
+          </a:prstGeom>
+          <a:noFill/>
+        </p:spPr>
+        <p:txBody>
+          <a:bodyPr wrap="none" rtlCol="0">
+            <a:spAutoFit/>
+          </a:bodyPr>
+          <a:lstStyle/>
+          <a:p>
+            <a:r>
+              <a:rPr lang="ja-JP" altLang="en-US" sz="2800">
+                <a:latin typeface="Meiryo" panose="020B0604030504040204" pitchFamily="34" charset="-128"/>
+                <a:ea typeface="Meiryo" panose="020B0604030504040204" pitchFamily="34" charset="-128"/>
+              </a:rPr>
+              <a:t>出力</a:t>
+            </a:r>
+            <a:endParaRPr kumimoji="1" lang="ja-JP" altLang="en-US" sz="2800">
+              <a:latin typeface="Meiryo" panose="020B0604030504040204" pitchFamily="34" charset="-128"/>
+              <a:ea typeface="Meiryo" panose="020B0604030504040204" pitchFamily="34" charset="-128"/>
+            </a:endParaRPr>
+          </a:p>
+        </p:txBody>
+      </p:sp>
+      <p:sp>
+        <p:nvSpPr>
+          <p:cNvPr id="91" name="テキスト ボックス 90">
+            <a:extLst>
+              <a:ext uri="{FF2B5EF4-FFF2-40B4-BE49-F238E27FC236}">
+                <a16:creationId xmlns:a16="http://schemas.microsoft.com/office/drawing/2014/main" id="{DEF622B1-9429-FC4E-9F7C-7C7DFBB5031A}"/>
+              </a:ext>
+            </a:extLst>
+          </p:cNvPr>
+          <p:cNvSpPr txBox="1"/>
+          <p:nvPr/>
+        </p:nvSpPr>
+        <p:spPr>
+          <a:xfrm>
+            <a:off x="2454165" y="2631657"/>
+            <a:ext cx="902811" cy="523220"/>
+          </a:xfrm>
+          <a:prstGeom prst="rect">
+            <a:avLst/>
+          </a:prstGeom>
+          <a:noFill/>
+        </p:spPr>
+        <p:txBody>
+          <a:bodyPr wrap="none" rtlCol="0">
+            <a:spAutoFit/>
+          </a:bodyPr>
+          <a:lstStyle/>
+          <a:p>
+            <a:r>
+              <a:rPr lang="ja-JP" altLang="en-US" sz="2800">
+                <a:latin typeface="Meiryo" panose="020B0604030504040204" pitchFamily="34" charset="-128"/>
+                <a:ea typeface="Meiryo" panose="020B0604030504040204" pitchFamily="34" charset="-128"/>
+              </a:rPr>
+              <a:t>入力</a:t>
+            </a:r>
+            <a:endParaRPr kumimoji="1" lang="ja-JP" altLang="en-US" sz="2800">
+              <a:latin typeface="Meiryo" panose="020B0604030504040204" pitchFamily="34" charset="-128"/>
+              <a:ea typeface="Meiryo" panose="020B0604030504040204" pitchFamily="34" charset="-128"/>
+            </a:endParaRPr>
+          </a:p>
+        </p:txBody>
+      </p:sp>
+      <p:sp>
+        <p:nvSpPr>
+          <p:cNvPr id="34" name="テキスト ボックス 33">
+            <a:extLst>
+              <a:ext uri="{FF2B5EF4-FFF2-40B4-BE49-F238E27FC236}">
+                <a16:creationId xmlns:a16="http://schemas.microsoft.com/office/drawing/2014/main" id="{2212D8DA-C4BA-8A4A-AD20-04D2E1C4F020}"/>
+              </a:ext>
+            </a:extLst>
+          </p:cNvPr>
+          <p:cNvSpPr txBox="1"/>
+          <p:nvPr/>
+        </p:nvSpPr>
+        <p:spPr>
+          <a:xfrm>
+            <a:off x="5014101" y="4188908"/>
+            <a:ext cx="1338828" cy="369332"/>
+          </a:xfrm>
+          <a:prstGeom prst="rect">
+            <a:avLst/>
+          </a:prstGeom>
+          <a:noFill/>
+        </p:spPr>
+        <p:txBody>
+          <a:bodyPr wrap="none" rtlCol="0">
+            <a:spAutoFit/>
+          </a:bodyPr>
+          <a:lstStyle/>
+          <a:p>
+            <a:r>
+              <a:rPr kumimoji="1" lang="ja-JP" altLang="en-US">
+                <a:latin typeface="Meiryo" panose="020B0604030504040204" pitchFamily="34" charset="-128"/>
+                <a:ea typeface="Meiryo" panose="020B0604030504040204" pitchFamily="34" charset="-128"/>
+              </a:rPr>
+              <a:t>前向き計算</a:t>
+            </a:r>
+          </a:p>
+        </p:txBody>
+      </p:sp>
+      <p:sp>
+        <p:nvSpPr>
+          <p:cNvPr id="35" name="右矢印 34">
+            <a:extLst>
+              <a:ext uri="{FF2B5EF4-FFF2-40B4-BE49-F238E27FC236}">
+                <a16:creationId xmlns:a16="http://schemas.microsoft.com/office/drawing/2014/main" id="{134F0B40-FA9A-D442-8F6E-4110F291D6B2}"/>
+              </a:ext>
+            </a:extLst>
+          </p:cNvPr>
+          <p:cNvSpPr/>
+          <p:nvPr/>
+        </p:nvSpPr>
+        <p:spPr>
+          <a:xfrm flipH="1">
+            <a:off x="3343076" y="4798518"/>
+            <a:ext cx="4628683" cy="304800"/>
+          </a:xfrm>
+          <a:prstGeom prst="rightArrow">
+            <a:avLst/>
+          </a:prstGeom>
+        </p:spPr>
+        <p:style>
+          <a:lnRef idx="2">
+            <a:schemeClr val="accent1">
+              <a:shade val="50000"/>
+            </a:schemeClr>
+          </a:lnRef>
+          <a:fillRef idx="1">
+            <a:schemeClr val="accent1"/>
+          </a:fillRef>
+          <a:effectRef idx="0">
+            <a:schemeClr val="accent1"/>
+          </a:effectRef>
+          <a:fontRef idx="minor">
+            <a:schemeClr val="lt1"/>
+          </a:fontRef>
+        </p:style>
+        <p:txBody>
+          <a:bodyPr rtlCol="0" anchor="ctr"/>
+          <a:lstStyle/>
+          <a:p>
+            <a:pPr algn="ctr"/>
+            <a:endParaRPr kumimoji="1" lang="ja-JP" altLang="en-US"/>
+          </a:p>
+        </p:txBody>
+      </p:sp>
+      <p:sp>
+        <p:nvSpPr>
+          <p:cNvPr id="36" name="テキスト ボックス 35">
+            <a:extLst>
+              <a:ext uri="{FF2B5EF4-FFF2-40B4-BE49-F238E27FC236}">
+                <a16:creationId xmlns:a16="http://schemas.microsoft.com/office/drawing/2014/main" id="{7F401758-F338-A841-B866-4C50E57C9ABF}"/>
+              </a:ext>
+            </a:extLst>
+          </p:cNvPr>
+          <p:cNvSpPr txBox="1"/>
+          <p:nvPr/>
+        </p:nvSpPr>
+        <p:spPr>
+          <a:xfrm>
+            <a:off x="5014101" y="5033055"/>
+            <a:ext cx="1372492" cy="369332"/>
+          </a:xfrm>
+          <a:prstGeom prst="rect">
+            <a:avLst/>
+          </a:prstGeom>
+          <a:noFill/>
+        </p:spPr>
+        <p:txBody>
+          <a:bodyPr wrap="none" rtlCol="0">
+            <a:spAutoFit/>
+          </a:bodyPr>
+          <a:lstStyle/>
+          <a:p>
+            <a:r>
+              <a:rPr kumimoji="1" lang="ja-JP" altLang="en-US">
+                <a:latin typeface="Meiryo" panose="020B0604030504040204" pitchFamily="34" charset="-128"/>
+                <a:ea typeface="Meiryo" panose="020B0604030504040204" pitchFamily="34" charset="-128"/>
+              </a:rPr>
+              <a:t>修正</a:t>
+            </a:r>
+            <a:r>
+              <a:rPr kumimoji="1" lang="en-US" altLang="ja-JP" dirty="0">
+                <a:latin typeface="Meiryo" panose="020B0604030504040204" pitchFamily="34" charset="-128"/>
+                <a:ea typeface="Meiryo" panose="020B0604030504040204" pitchFamily="34" charset="-128"/>
+              </a:rPr>
+              <a:t>(BP</a:t>
+            </a:r>
+            <a:r>
+              <a:rPr lang="ja-JP" altLang="en-US">
+                <a:latin typeface="Meiryo" panose="020B0604030504040204" pitchFamily="34" charset="-128"/>
+                <a:ea typeface="Meiryo" panose="020B0604030504040204" pitchFamily="34" charset="-128"/>
+              </a:rPr>
+              <a:t>法</a:t>
+            </a:r>
+            <a:r>
+              <a:rPr kumimoji="1" lang="en-US" altLang="ja-JP" dirty="0">
+                <a:latin typeface="Meiryo" panose="020B0604030504040204" pitchFamily="34" charset="-128"/>
+                <a:ea typeface="Meiryo" panose="020B0604030504040204" pitchFamily="34" charset="-128"/>
+              </a:rPr>
+              <a:t>)</a:t>
+            </a:r>
+          </a:p>
+        </p:txBody>
+      </p:sp>
     </p:spTree>
     <p:extLst>
       <p:ext uri="{BB962C8B-B14F-4D97-AF65-F5344CB8AC3E}">
-        <p14:creationId xmlns:p14="http://schemas.microsoft.com/office/powerpoint/2010/main" val="2287435135"/>
+        <p14:creationId xmlns:p14="http://schemas.microsoft.com/office/powerpoint/2010/main" val="2240978883"/>
       </p:ext>
     </p:extLst>
   </p:cSld>
@@ -15677,6 +15763,2102 @@
       </p:grpSpPr>
       <p:sp>
         <p:nvSpPr>
+          <p:cNvPr id="29" name="円/楕円 28">
+            <a:extLst>
+              <a:ext uri="{FF2B5EF4-FFF2-40B4-BE49-F238E27FC236}">
+                <a16:creationId xmlns:a16="http://schemas.microsoft.com/office/drawing/2014/main" id="{2B49628C-FEE2-8A40-A128-E3D95138906C}"/>
+              </a:ext>
+            </a:extLst>
+          </p:cNvPr>
+          <p:cNvSpPr/>
+          <p:nvPr/>
+        </p:nvSpPr>
+        <p:spPr>
+          <a:xfrm>
+            <a:off x="3364341" y="1436589"/>
+            <a:ext cx="663879" cy="663880"/>
+          </a:xfrm>
+          <a:prstGeom prst="ellipse">
+            <a:avLst/>
+          </a:prstGeom>
+          <a:solidFill>
+            <a:schemeClr val="accent1">
+              <a:lumMod val="60000"/>
+              <a:lumOff val="40000"/>
+            </a:schemeClr>
+          </a:solidFill>
+          <a:ln w="28575"/>
+        </p:spPr>
+        <p:style>
+          <a:lnRef idx="2">
+            <a:schemeClr val="accent1">
+              <a:shade val="50000"/>
+            </a:schemeClr>
+          </a:lnRef>
+          <a:fillRef idx="1">
+            <a:schemeClr val="accent1"/>
+          </a:fillRef>
+          <a:effectRef idx="0">
+            <a:schemeClr val="accent1"/>
+          </a:effectRef>
+          <a:fontRef idx="minor">
+            <a:schemeClr val="lt1"/>
+          </a:fontRef>
+        </p:style>
+        <p:txBody>
+          <a:bodyPr rtlCol="0" anchor="ctr"/>
+          <a:lstStyle/>
+          <a:p>
+            <a:pPr algn="ctr"/>
+            <a:endParaRPr kumimoji="1" lang="ja-JP" altLang="en-US"/>
+          </a:p>
+        </p:txBody>
+      </p:sp>
+      <p:sp>
+        <p:nvSpPr>
+          <p:cNvPr id="30" name="円/楕円 29">
+            <a:extLst>
+              <a:ext uri="{FF2B5EF4-FFF2-40B4-BE49-F238E27FC236}">
+                <a16:creationId xmlns:a16="http://schemas.microsoft.com/office/drawing/2014/main" id="{9FCE2DCB-8C8F-804E-AB23-DB0D74111688}"/>
+              </a:ext>
+            </a:extLst>
+          </p:cNvPr>
+          <p:cNvSpPr/>
+          <p:nvPr/>
+        </p:nvSpPr>
+        <p:spPr>
+          <a:xfrm>
+            <a:off x="3407243" y="2765120"/>
+            <a:ext cx="663879" cy="663880"/>
+          </a:xfrm>
+          <a:prstGeom prst="ellipse">
+            <a:avLst/>
+          </a:prstGeom>
+          <a:solidFill>
+            <a:schemeClr val="accent1">
+              <a:lumMod val="60000"/>
+              <a:lumOff val="40000"/>
+            </a:schemeClr>
+          </a:solidFill>
+          <a:ln w="28575"/>
+        </p:spPr>
+        <p:style>
+          <a:lnRef idx="2">
+            <a:schemeClr val="accent1">
+              <a:shade val="50000"/>
+            </a:schemeClr>
+          </a:lnRef>
+          <a:fillRef idx="1">
+            <a:schemeClr val="accent1"/>
+          </a:fillRef>
+          <a:effectRef idx="0">
+            <a:schemeClr val="accent1"/>
+          </a:effectRef>
+          <a:fontRef idx="minor">
+            <a:schemeClr val="lt1"/>
+          </a:fontRef>
+        </p:style>
+        <p:txBody>
+          <a:bodyPr rtlCol="0" anchor="ctr"/>
+          <a:lstStyle/>
+          <a:p>
+            <a:pPr algn="ctr"/>
+            <a:endParaRPr kumimoji="1" lang="ja-JP" altLang="en-US"/>
+          </a:p>
+        </p:txBody>
+      </p:sp>
+      <p:sp>
+        <p:nvSpPr>
+          <p:cNvPr id="31" name="円/楕円 30">
+            <a:extLst>
+              <a:ext uri="{FF2B5EF4-FFF2-40B4-BE49-F238E27FC236}">
+                <a16:creationId xmlns:a16="http://schemas.microsoft.com/office/drawing/2014/main" id="{04C24CDA-B8ED-0243-88B2-7F6C4F64CA3E}"/>
+              </a:ext>
+            </a:extLst>
+          </p:cNvPr>
+          <p:cNvSpPr/>
+          <p:nvPr/>
+        </p:nvSpPr>
+        <p:spPr>
+          <a:xfrm>
+            <a:off x="5343469" y="1436589"/>
+            <a:ext cx="663879" cy="663880"/>
+          </a:xfrm>
+          <a:prstGeom prst="ellipse">
+            <a:avLst/>
+          </a:prstGeom>
+          <a:solidFill>
+            <a:schemeClr val="accent1">
+              <a:lumMod val="60000"/>
+              <a:lumOff val="40000"/>
+            </a:schemeClr>
+          </a:solidFill>
+          <a:ln w="28575"/>
+        </p:spPr>
+        <p:style>
+          <a:lnRef idx="2">
+            <a:schemeClr val="accent1">
+              <a:shade val="50000"/>
+            </a:schemeClr>
+          </a:lnRef>
+          <a:fillRef idx="1">
+            <a:schemeClr val="accent1"/>
+          </a:fillRef>
+          <a:effectRef idx="0">
+            <a:schemeClr val="accent1"/>
+          </a:effectRef>
+          <a:fontRef idx="minor">
+            <a:schemeClr val="lt1"/>
+          </a:fontRef>
+        </p:style>
+        <p:txBody>
+          <a:bodyPr rtlCol="0" anchor="ctr"/>
+          <a:lstStyle/>
+          <a:p>
+            <a:pPr algn="ctr"/>
+            <a:endParaRPr kumimoji="1" lang="ja-JP" altLang="en-US"/>
+          </a:p>
+        </p:txBody>
+      </p:sp>
+      <p:sp>
+        <p:nvSpPr>
+          <p:cNvPr id="32" name="円/楕円 31">
+            <a:extLst>
+              <a:ext uri="{FF2B5EF4-FFF2-40B4-BE49-F238E27FC236}">
+                <a16:creationId xmlns:a16="http://schemas.microsoft.com/office/drawing/2014/main" id="{9D5FF8BB-D4D6-5246-B9EE-DB9B2163D2A4}"/>
+              </a:ext>
+            </a:extLst>
+          </p:cNvPr>
+          <p:cNvSpPr/>
+          <p:nvPr/>
+        </p:nvSpPr>
+        <p:spPr>
+          <a:xfrm>
+            <a:off x="5383332" y="2765120"/>
+            <a:ext cx="663879" cy="663880"/>
+          </a:xfrm>
+          <a:prstGeom prst="ellipse">
+            <a:avLst/>
+          </a:prstGeom>
+          <a:solidFill>
+            <a:schemeClr val="accent1">
+              <a:lumMod val="60000"/>
+              <a:lumOff val="40000"/>
+            </a:schemeClr>
+          </a:solidFill>
+          <a:ln w="28575"/>
+        </p:spPr>
+        <p:style>
+          <a:lnRef idx="2">
+            <a:schemeClr val="accent1">
+              <a:shade val="50000"/>
+            </a:schemeClr>
+          </a:lnRef>
+          <a:fillRef idx="1">
+            <a:schemeClr val="accent1"/>
+          </a:fillRef>
+          <a:effectRef idx="0">
+            <a:schemeClr val="accent1"/>
+          </a:effectRef>
+          <a:fontRef idx="minor">
+            <a:schemeClr val="lt1"/>
+          </a:fontRef>
+        </p:style>
+        <p:txBody>
+          <a:bodyPr rtlCol="0" anchor="ctr"/>
+          <a:lstStyle/>
+          <a:p>
+            <a:pPr algn="ctr"/>
+            <a:endParaRPr kumimoji="1" lang="ja-JP" altLang="en-US"/>
+          </a:p>
+        </p:txBody>
+      </p:sp>
+      <p:cxnSp>
+        <p:nvCxnSpPr>
+          <p:cNvPr id="33" name="直線コネクタ 32">
+            <a:extLst>
+              <a:ext uri="{FF2B5EF4-FFF2-40B4-BE49-F238E27FC236}">
+                <a16:creationId xmlns:a16="http://schemas.microsoft.com/office/drawing/2014/main" id="{E067FF39-C297-C241-A845-997B18E0C498}"/>
+              </a:ext>
+            </a:extLst>
+          </p:cNvPr>
+          <p:cNvCxnSpPr>
+            <a:stCxn id="31" idx="2"/>
+            <a:endCxn id="29" idx="6"/>
+          </p:cNvCxnSpPr>
+          <p:nvPr/>
+        </p:nvCxnSpPr>
+        <p:spPr>
+          <a:xfrm flipH="1">
+            <a:off x="4028220" y="1768529"/>
+            <a:ext cx="1315249" cy="0"/>
+          </a:xfrm>
+          <a:prstGeom prst="line">
+            <a:avLst/>
+          </a:prstGeom>
+          <a:ln w="38100">
+            <a:solidFill>
+              <a:schemeClr val="tx1"/>
+            </a:solidFill>
+            <a:headEnd type="arrow" w="med" len="med"/>
+            <a:tailEnd type="none" w="med" len="med"/>
+          </a:ln>
+        </p:spPr>
+        <p:style>
+          <a:lnRef idx="1">
+            <a:schemeClr val="accent1"/>
+          </a:lnRef>
+          <a:fillRef idx="0">
+            <a:schemeClr val="accent1"/>
+          </a:fillRef>
+          <a:effectRef idx="0">
+            <a:schemeClr val="accent1"/>
+          </a:effectRef>
+          <a:fontRef idx="minor">
+            <a:schemeClr val="tx1"/>
+          </a:fontRef>
+        </p:style>
+      </p:cxnSp>
+      <p:cxnSp>
+        <p:nvCxnSpPr>
+          <p:cNvPr id="34" name="直線コネクタ 33">
+            <a:extLst>
+              <a:ext uri="{FF2B5EF4-FFF2-40B4-BE49-F238E27FC236}">
+                <a16:creationId xmlns:a16="http://schemas.microsoft.com/office/drawing/2014/main" id="{9C4C548D-1BA0-894A-A04A-DFC58862E964}"/>
+              </a:ext>
+            </a:extLst>
+          </p:cNvPr>
+          <p:cNvCxnSpPr>
+            <a:cxnSpLocks/>
+            <a:stCxn id="31" idx="2"/>
+            <a:endCxn id="30" idx="6"/>
+          </p:cNvCxnSpPr>
+          <p:nvPr/>
+        </p:nvCxnSpPr>
+        <p:spPr>
+          <a:xfrm flipH="1">
+            <a:off x="4071122" y="1768529"/>
+            <a:ext cx="1272347" cy="1328531"/>
+          </a:xfrm>
+          <a:prstGeom prst="line">
+            <a:avLst/>
+          </a:prstGeom>
+          <a:ln w="38100">
+            <a:solidFill>
+              <a:schemeClr val="tx1"/>
+            </a:solidFill>
+            <a:headEnd type="arrow" w="med" len="med"/>
+            <a:tailEnd type="none" w="med" len="med"/>
+          </a:ln>
+        </p:spPr>
+        <p:style>
+          <a:lnRef idx="1">
+            <a:schemeClr val="accent1"/>
+          </a:lnRef>
+          <a:fillRef idx="0">
+            <a:schemeClr val="accent1"/>
+          </a:fillRef>
+          <a:effectRef idx="0">
+            <a:schemeClr val="accent1"/>
+          </a:effectRef>
+          <a:fontRef idx="minor">
+            <a:schemeClr val="tx1"/>
+          </a:fontRef>
+        </p:style>
+      </p:cxnSp>
+      <p:cxnSp>
+        <p:nvCxnSpPr>
+          <p:cNvPr id="36" name="直線コネクタ 35">
+            <a:extLst>
+              <a:ext uri="{FF2B5EF4-FFF2-40B4-BE49-F238E27FC236}">
+                <a16:creationId xmlns:a16="http://schemas.microsoft.com/office/drawing/2014/main" id="{BDE2B8FD-CC9A-8940-9B9F-6EDD0F44382D}"/>
+              </a:ext>
+            </a:extLst>
+          </p:cNvPr>
+          <p:cNvCxnSpPr>
+            <a:cxnSpLocks/>
+            <a:stCxn id="32" idx="2"/>
+            <a:endCxn id="29" idx="6"/>
+          </p:cNvCxnSpPr>
+          <p:nvPr/>
+        </p:nvCxnSpPr>
+        <p:spPr>
+          <a:xfrm flipH="1" flipV="1">
+            <a:off x="4028220" y="1768529"/>
+            <a:ext cx="1355112" cy="1328531"/>
+          </a:xfrm>
+          <a:prstGeom prst="line">
+            <a:avLst/>
+          </a:prstGeom>
+          <a:ln w="38100">
+            <a:solidFill>
+              <a:schemeClr val="tx1"/>
+            </a:solidFill>
+            <a:headEnd type="arrow" w="med" len="med"/>
+            <a:tailEnd type="none" w="med" len="med"/>
+          </a:ln>
+        </p:spPr>
+        <p:style>
+          <a:lnRef idx="1">
+            <a:schemeClr val="accent1"/>
+          </a:lnRef>
+          <a:fillRef idx="0">
+            <a:schemeClr val="accent1"/>
+          </a:fillRef>
+          <a:effectRef idx="0">
+            <a:schemeClr val="accent1"/>
+          </a:effectRef>
+          <a:fontRef idx="minor">
+            <a:schemeClr val="tx1"/>
+          </a:fontRef>
+        </p:style>
+      </p:cxnSp>
+      <p:cxnSp>
+        <p:nvCxnSpPr>
+          <p:cNvPr id="37" name="直線コネクタ 36">
+            <a:extLst>
+              <a:ext uri="{FF2B5EF4-FFF2-40B4-BE49-F238E27FC236}">
+                <a16:creationId xmlns:a16="http://schemas.microsoft.com/office/drawing/2014/main" id="{460420F3-A515-1E46-AC4F-AE6A82270FC6}"/>
+              </a:ext>
+            </a:extLst>
+          </p:cNvPr>
+          <p:cNvCxnSpPr>
+            <a:cxnSpLocks/>
+            <a:stCxn id="32" idx="2"/>
+            <a:endCxn id="30" idx="6"/>
+          </p:cNvCxnSpPr>
+          <p:nvPr/>
+        </p:nvCxnSpPr>
+        <p:spPr>
+          <a:xfrm flipH="1">
+            <a:off x="4071122" y="3097060"/>
+            <a:ext cx="1312210" cy="0"/>
+          </a:xfrm>
+          <a:prstGeom prst="line">
+            <a:avLst/>
+          </a:prstGeom>
+          <a:ln w="38100">
+            <a:solidFill>
+              <a:schemeClr val="tx1"/>
+            </a:solidFill>
+            <a:headEnd type="arrow" w="med" len="med"/>
+            <a:tailEnd type="none" w="med" len="med"/>
+          </a:ln>
+        </p:spPr>
+        <p:style>
+          <a:lnRef idx="1">
+            <a:schemeClr val="accent1"/>
+          </a:lnRef>
+          <a:fillRef idx="0">
+            <a:schemeClr val="accent1"/>
+          </a:fillRef>
+          <a:effectRef idx="0">
+            <a:schemeClr val="accent1"/>
+          </a:effectRef>
+          <a:fontRef idx="minor">
+            <a:schemeClr val="tx1"/>
+          </a:fontRef>
+        </p:style>
+      </p:cxnSp>
+      <p:cxnSp>
+        <p:nvCxnSpPr>
+          <p:cNvPr id="40" name="直線コネクタ 39">
+            <a:extLst>
+              <a:ext uri="{FF2B5EF4-FFF2-40B4-BE49-F238E27FC236}">
+                <a16:creationId xmlns:a16="http://schemas.microsoft.com/office/drawing/2014/main" id="{21E1FC5E-1E9A-5043-903C-8B42F6797370}"/>
+              </a:ext>
+            </a:extLst>
+          </p:cNvPr>
+          <p:cNvCxnSpPr>
+            <a:cxnSpLocks/>
+            <a:stCxn id="29" idx="2"/>
+          </p:cNvCxnSpPr>
+          <p:nvPr/>
+        </p:nvCxnSpPr>
+        <p:spPr>
+          <a:xfrm flipH="1">
+            <a:off x="2703500" y="1768529"/>
+            <a:ext cx="660841" cy="0"/>
+          </a:xfrm>
+          <a:prstGeom prst="line">
+            <a:avLst/>
+          </a:prstGeom>
+          <a:ln w="38100">
+            <a:solidFill>
+              <a:schemeClr val="tx1"/>
+            </a:solidFill>
+            <a:prstDash val="sysDot"/>
+            <a:headEnd type="arrow" w="med" len="med"/>
+            <a:tailEnd type="none" w="med" len="med"/>
+          </a:ln>
+        </p:spPr>
+        <p:style>
+          <a:lnRef idx="1">
+            <a:schemeClr val="accent1"/>
+          </a:lnRef>
+          <a:fillRef idx="0">
+            <a:schemeClr val="accent1"/>
+          </a:fillRef>
+          <a:effectRef idx="0">
+            <a:schemeClr val="accent1"/>
+          </a:effectRef>
+          <a:fontRef idx="minor">
+            <a:schemeClr val="tx1"/>
+          </a:fontRef>
+        </p:style>
+      </p:cxnSp>
+      <p:cxnSp>
+        <p:nvCxnSpPr>
+          <p:cNvPr id="42" name="直線コネクタ 41">
+            <a:extLst>
+              <a:ext uri="{FF2B5EF4-FFF2-40B4-BE49-F238E27FC236}">
+                <a16:creationId xmlns:a16="http://schemas.microsoft.com/office/drawing/2014/main" id="{147A3B30-E0E6-1941-A660-F64C9A141DD5}"/>
+              </a:ext>
+            </a:extLst>
+          </p:cNvPr>
+          <p:cNvCxnSpPr>
+            <a:cxnSpLocks/>
+            <a:stCxn id="30" idx="2"/>
+          </p:cNvCxnSpPr>
+          <p:nvPr/>
+        </p:nvCxnSpPr>
+        <p:spPr>
+          <a:xfrm flipH="1">
+            <a:off x="2746403" y="3097060"/>
+            <a:ext cx="660840" cy="13505"/>
+          </a:xfrm>
+          <a:prstGeom prst="line">
+            <a:avLst/>
+          </a:prstGeom>
+          <a:ln w="38100">
+            <a:solidFill>
+              <a:schemeClr val="tx1"/>
+            </a:solidFill>
+            <a:prstDash val="sysDot"/>
+            <a:headEnd type="arrow" w="med" len="med"/>
+            <a:tailEnd type="none" w="med" len="med"/>
+          </a:ln>
+        </p:spPr>
+        <p:style>
+          <a:lnRef idx="1">
+            <a:schemeClr val="accent1"/>
+          </a:lnRef>
+          <a:fillRef idx="0">
+            <a:schemeClr val="accent1"/>
+          </a:fillRef>
+          <a:effectRef idx="0">
+            <a:schemeClr val="accent1"/>
+          </a:effectRef>
+          <a:fontRef idx="minor">
+            <a:schemeClr val="tx1"/>
+          </a:fontRef>
+        </p:style>
+      </p:cxnSp>
+      <p:sp>
+        <p:nvSpPr>
+          <p:cNvPr id="50" name="テキスト ボックス 49">
+            <a:extLst>
+              <a:ext uri="{FF2B5EF4-FFF2-40B4-BE49-F238E27FC236}">
+                <a16:creationId xmlns:a16="http://schemas.microsoft.com/office/drawing/2014/main" id="{6D70F59E-0D9F-7D41-A808-1CE32F38DB3B}"/>
+              </a:ext>
+            </a:extLst>
+          </p:cNvPr>
+          <p:cNvSpPr txBox="1"/>
+          <p:nvPr/>
+        </p:nvSpPr>
+        <p:spPr>
+          <a:xfrm>
+            <a:off x="5218837" y="1016975"/>
+            <a:ext cx="1019831" cy="369332"/>
+          </a:xfrm>
+          <a:prstGeom prst="rect">
+            <a:avLst/>
+          </a:prstGeom>
+          <a:noFill/>
+        </p:spPr>
+        <p:txBody>
+          <a:bodyPr wrap="none" rtlCol="0">
+            <a:spAutoFit/>
+          </a:bodyPr>
+          <a:lstStyle/>
+          <a:p>
+            <a:r>
+              <a:rPr lang="ja-JP" altLang="en-US">
+                <a:latin typeface="Meiryo" panose="020B0604030504040204" pitchFamily="34" charset="-128"/>
+                <a:ea typeface="Meiryo" panose="020B0604030504040204" pitchFamily="34" charset="-128"/>
+              </a:rPr>
+              <a:t>中間層</a:t>
+            </a:r>
+            <a:r>
+              <a:rPr lang="en-US" altLang="ja-JP" dirty="0">
+                <a:latin typeface="Meiryo" panose="020B0604030504040204" pitchFamily="34" charset="-128"/>
+                <a:ea typeface="Meiryo" panose="020B0604030504040204" pitchFamily="34" charset="-128"/>
+              </a:rPr>
+              <a:t> </a:t>
+            </a:r>
+            <a:r>
+              <a:rPr lang="en-US" altLang="ja-JP" i="1" dirty="0">
+                <a:latin typeface="Times New Roman" panose="02020603050405020304" pitchFamily="18" charset="0"/>
+                <a:ea typeface="Meiryo" panose="020B0604030504040204" pitchFamily="34" charset="-128"/>
+                <a:cs typeface="Times New Roman" panose="02020603050405020304" pitchFamily="18" charset="0"/>
+              </a:rPr>
+              <a:t>j</a:t>
+            </a:r>
+            <a:endParaRPr kumimoji="1" lang="ja-JP" altLang="en-US" i="1">
+              <a:latin typeface="Times New Roman" panose="02020603050405020304" pitchFamily="18" charset="0"/>
+              <a:ea typeface="Meiryo" panose="020B0604030504040204" pitchFamily="34" charset="-128"/>
+              <a:cs typeface="Times New Roman" panose="02020603050405020304" pitchFamily="18" charset="0"/>
+            </a:endParaRPr>
+          </a:p>
+        </p:txBody>
+      </p:sp>
+      <p:sp>
+        <p:nvSpPr>
+          <p:cNvPr id="51" name="テキスト ボックス 50">
+            <a:extLst>
+              <a:ext uri="{FF2B5EF4-FFF2-40B4-BE49-F238E27FC236}">
+                <a16:creationId xmlns:a16="http://schemas.microsoft.com/office/drawing/2014/main" id="{B589076F-9DD3-D341-BF1F-A7A17906E641}"/>
+              </a:ext>
+            </a:extLst>
+          </p:cNvPr>
+          <p:cNvSpPr txBox="1"/>
+          <p:nvPr/>
+        </p:nvSpPr>
+        <p:spPr>
+          <a:xfrm>
+            <a:off x="7293982" y="1015933"/>
+            <a:ext cx="1058303" cy="369332"/>
+          </a:xfrm>
+          <a:prstGeom prst="rect">
+            <a:avLst/>
+          </a:prstGeom>
+          <a:noFill/>
+        </p:spPr>
+        <p:txBody>
+          <a:bodyPr wrap="none" rtlCol="0">
+            <a:spAutoFit/>
+          </a:bodyPr>
+          <a:lstStyle/>
+          <a:p>
+            <a:r>
+              <a:rPr lang="ja-JP" altLang="en-US">
+                <a:latin typeface="Meiryo" panose="020B0604030504040204" pitchFamily="34" charset="-128"/>
+                <a:ea typeface="Meiryo" panose="020B0604030504040204" pitchFamily="34" charset="-128"/>
+              </a:rPr>
+              <a:t>出力層</a:t>
+            </a:r>
+            <a:r>
+              <a:rPr lang="en-US" altLang="ja-JP" dirty="0">
+                <a:latin typeface="Meiryo" panose="020B0604030504040204" pitchFamily="34" charset="-128"/>
+                <a:ea typeface="Meiryo" panose="020B0604030504040204" pitchFamily="34" charset="-128"/>
+              </a:rPr>
+              <a:t> </a:t>
+            </a:r>
+            <a:r>
+              <a:rPr lang="en-US" altLang="ja-JP" i="1" dirty="0">
+                <a:latin typeface="Times New Roman" panose="02020603050405020304" pitchFamily="18" charset="0"/>
+                <a:ea typeface="Meiryo" panose="020B0604030504040204" pitchFamily="34" charset="-128"/>
+                <a:cs typeface="Times New Roman" panose="02020603050405020304" pitchFamily="18" charset="0"/>
+              </a:rPr>
+              <a:t>k</a:t>
+            </a:r>
+            <a:endParaRPr kumimoji="1" lang="ja-JP" altLang="en-US" i="1">
+              <a:latin typeface="Times New Roman" panose="02020603050405020304" pitchFamily="18" charset="0"/>
+              <a:ea typeface="Meiryo" panose="020B0604030504040204" pitchFamily="34" charset="-128"/>
+              <a:cs typeface="Times New Roman" panose="02020603050405020304" pitchFamily="18" charset="0"/>
+            </a:endParaRPr>
+          </a:p>
+        </p:txBody>
+      </p:sp>
+      <p:sp>
+        <p:nvSpPr>
+          <p:cNvPr id="59" name="円/楕円 58">
+            <a:extLst>
+              <a:ext uri="{FF2B5EF4-FFF2-40B4-BE49-F238E27FC236}">
+                <a16:creationId xmlns:a16="http://schemas.microsoft.com/office/drawing/2014/main" id="{962D194A-29ED-0B47-8E5E-B1F6301C089F}"/>
+              </a:ext>
+            </a:extLst>
+          </p:cNvPr>
+          <p:cNvSpPr/>
+          <p:nvPr/>
+        </p:nvSpPr>
+        <p:spPr>
+          <a:xfrm>
+            <a:off x="7400625" y="1436589"/>
+            <a:ext cx="663879" cy="663880"/>
+          </a:xfrm>
+          <a:prstGeom prst="ellipse">
+            <a:avLst/>
+          </a:prstGeom>
+          <a:solidFill>
+            <a:schemeClr val="accent1">
+              <a:lumMod val="60000"/>
+              <a:lumOff val="40000"/>
+            </a:schemeClr>
+          </a:solidFill>
+          <a:ln w="28575"/>
+        </p:spPr>
+        <p:style>
+          <a:lnRef idx="2">
+            <a:schemeClr val="accent1">
+              <a:shade val="50000"/>
+            </a:schemeClr>
+          </a:lnRef>
+          <a:fillRef idx="1">
+            <a:schemeClr val="accent1"/>
+          </a:fillRef>
+          <a:effectRef idx="0">
+            <a:schemeClr val="accent1"/>
+          </a:effectRef>
+          <a:fontRef idx="minor">
+            <a:schemeClr val="lt1"/>
+          </a:fontRef>
+        </p:style>
+        <p:txBody>
+          <a:bodyPr rtlCol="0" anchor="ctr"/>
+          <a:lstStyle/>
+          <a:p>
+            <a:pPr algn="ctr"/>
+            <a:endParaRPr kumimoji="1" lang="ja-JP" altLang="en-US"/>
+          </a:p>
+        </p:txBody>
+      </p:sp>
+      <p:cxnSp>
+        <p:nvCxnSpPr>
+          <p:cNvPr id="60" name="直線コネクタ 59">
+            <a:extLst>
+              <a:ext uri="{FF2B5EF4-FFF2-40B4-BE49-F238E27FC236}">
+                <a16:creationId xmlns:a16="http://schemas.microsoft.com/office/drawing/2014/main" id="{F880EA32-4691-FE4D-9D23-028AD8C45308}"/>
+              </a:ext>
+            </a:extLst>
+          </p:cNvPr>
+          <p:cNvCxnSpPr>
+            <a:cxnSpLocks/>
+            <a:stCxn id="59" idx="2"/>
+            <a:endCxn id="31" idx="6"/>
+          </p:cNvCxnSpPr>
+          <p:nvPr/>
+        </p:nvCxnSpPr>
+        <p:spPr>
+          <a:xfrm flipH="1">
+            <a:off x="6007348" y="1768529"/>
+            <a:ext cx="1393277" cy="0"/>
+          </a:xfrm>
+          <a:prstGeom prst="line">
+            <a:avLst/>
+          </a:prstGeom>
+          <a:ln w="38100">
+            <a:solidFill>
+              <a:schemeClr val="tx1"/>
+            </a:solidFill>
+            <a:headEnd type="arrow" w="med" len="med"/>
+            <a:tailEnd type="none" w="med" len="med"/>
+          </a:ln>
+        </p:spPr>
+        <p:style>
+          <a:lnRef idx="1">
+            <a:schemeClr val="accent1"/>
+          </a:lnRef>
+          <a:fillRef idx="0">
+            <a:schemeClr val="accent1"/>
+          </a:fillRef>
+          <a:effectRef idx="0">
+            <a:schemeClr val="accent1"/>
+          </a:effectRef>
+          <a:fontRef idx="minor">
+            <a:schemeClr val="tx1"/>
+          </a:fontRef>
+        </p:style>
+      </p:cxnSp>
+      <p:cxnSp>
+        <p:nvCxnSpPr>
+          <p:cNvPr id="61" name="直線コネクタ 60">
+            <a:extLst>
+              <a:ext uri="{FF2B5EF4-FFF2-40B4-BE49-F238E27FC236}">
+                <a16:creationId xmlns:a16="http://schemas.microsoft.com/office/drawing/2014/main" id="{EAC892FB-F99B-5E4E-8E96-32F4905F5616}"/>
+              </a:ext>
+            </a:extLst>
+          </p:cNvPr>
+          <p:cNvCxnSpPr>
+            <a:cxnSpLocks/>
+            <a:stCxn id="59" idx="2"/>
+            <a:endCxn id="32" idx="6"/>
+          </p:cNvCxnSpPr>
+          <p:nvPr/>
+        </p:nvCxnSpPr>
+        <p:spPr>
+          <a:xfrm flipH="1">
+            <a:off x="6047211" y="1768529"/>
+            <a:ext cx="1353414" cy="1328531"/>
+          </a:xfrm>
+          <a:prstGeom prst="line">
+            <a:avLst/>
+          </a:prstGeom>
+          <a:ln w="38100">
+            <a:solidFill>
+              <a:schemeClr val="tx1"/>
+            </a:solidFill>
+            <a:headEnd type="arrow" w="med" len="med"/>
+            <a:tailEnd type="none" w="med" len="med"/>
+          </a:ln>
+        </p:spPr>
+        <p:style>
+          <a:lnRef idx="1">
+            <a:schemeClr val="accent1"/>
+          </a:lnRef>
+          <a:fillRef idx="0">
+            <a:schemeClr val="accent1"/>
+          </a:fillRef>
+          <a:effectRef idx="0">
+            <a:schemeClr val="accent1"/>
+          </a:effectRef>
+          <a:fontRef idx="minor">
+            <a:schemeClr val="tx1"/>
+          </a:fontRef>
+        </p:style>
+      </p:cxnSp>
+      <p:cxnSp>
+        <p:nvCxnSpPr>
+          <p:cNvPr id="63" name="直線コネクタ 62">
+            <a:extLst>
+              <a:ext uri="{FF2B5EF4-FFF2-40B4-BE49-F238E27FC236}">
+                <a16:creationId xmlns:a16="http://schemas.microsoft.com/office/drawing/2014/main" id="{35C41DC2-B456-2642-885C-FC4A0027AF7B}"/>
+              </a:ext>
+            </a:extLst>
+          </p:cNvPr>
+          <p:cNvCxnSpPr>
+            <a:cxnSpLocks/>
+            <a:endCxn id="59" idx="6"/>
+          </p:cNvCxnSpPr>
+          <p:nvPr/>
+        </p:nvCxnSpPr>
+        <p:spPr>
+          <a:xfrm flipH="1">
+            <a:off x="8064504" y="1768529"/>
+            <a:ext cx="622755" cy="0"/>
+          </a:xfrm>
+          <a:prstGeom prst="line">
+            <a:avLst/>
+          </a:prstGeom>
+          <a:ln w="38100">
+            <a:solidFill>
+              <a:schemeClr val="tx1"/>
+            </a:solidFill>
+            <a:headEnd type="arrow" w="med" len="med"/>
+            <a:tailEnd type="none" w="med" len="med"/>
+          </a:ln>
+        </p:spPr>
+        <p:style>
+          <a:lnRef idx="1">
+            <a:schemeClr val="accent1"/>
+          </a:lnRef>
+          <a:fillRef idx="0">
+            <a:schemeClr val="accent1"/>
+          </a:fillRef>
+          <a:effectRef idx="0">
+            <a:schemeClr val="accent1"/>
+          </a:effectRef>
+          <a:fontRef idx="minor">
+            <a:schemeClr val="tx1"/>
+          </a:fontRef>
+        </p:style>
+      </p:cxnSp>
+      <p:sp>
+        <p:nvSpPr>
+          <p:cNvPr id="35" name="円/楕円 34">
+            <a:extLst>
+              <a:ext uri="{FF2B5EF4-FFF2-40B4-BE49-F238E27FC236}">
+                <a16:creationId xmlns:a16="http://schemas.microsoft.com/office/drawing/2014/main" id="{78F9E143-4BA0-194F-89A2-92946C51684B}"/>
+              </a:ext>
+            </a:extLst>
+          </p:cNvPr>
+          <p:cNvSpPr/>
+          <p:nvPr/>
+        </p:nvSpPr>
+        <p:spPr>
+          <a:xfrm>
+            <a:off x="7400625" y="2765120"/>
+            <a:ext cx="663879" cy="663880"/>
+          </a:xfrm>
+          <a:prstGeom prst="ellipse">
+            <a:avLst/>
+          </a:prstGeom>
+          <a:solidFill>
+            <a:schemeClr val="accent1">
+              <a:lumMod val="60000"/>
+              <a:lumOff val="40000"/>
+            </a:schemeClr>
+          </a:solidFill>
+          <a:ln w="28575"/>
+        </p:spPr>
+        <p:style>
+          <a:lnRef idx="2">
+            <a:schemeClr val="accent1">
+              <a:shade val="50000"/>
+            </a:schemeClr>
+          </a:lnRef>
+          <a:fillRef idx="1">
+            <a:schemeClr val="accent1"/>
+          </a:fillRef>
+          <a:effectRef idx="0">
+            <a:schemeClr val="accent1"/>
+          </a:effectRef>
+          <a:fontRef idx="minor">
+            <a:schemeClr val="lt1"/>
+          </a:fontRef>
+        </p:style>
+        <p:txBody>
+          <a:bodyPr rtlCol="0" anchor="ctr"/>
+          <a:lstStyle/>
+          <a:p>
+            <a:pPr algn="ctr"/>
+            <a:endParaRPr kumimoji="1" lang="ja-JP" altLang="en-US"/>
+          </a:p>
+        </p:txBody>
+      </p:sp>
+      <p:cxnSp>
+        <p:nvCxnSpPr>
+          <p:cNvPr id="38" name="直線コネクタ 37">
+            <a:extLst>
+              <a:ext uri="{FF2B5EF4-FFF2-40B4-BE49-F238E27FC236}">
+                <a16:creationId xmlns:a16="http://schemas.microsoft.com/office/drawing/2014/main" id="{917DFF57-7B53-5941-B4F9-80BC9619CF9D}"/>
+              </a:ext>
+            </a:extLst>
+          </p:cNvPr>
+          <p:cNvCxnSpPr>
+            <a:cxnSpLocks/>
+            <a:stCxn id="35" idx="2"/>
+            <a:endCxn id="32" idx="6"/>
+          </p:cNvCxnSpPr>
+          <p:nvPr/>
+        </p:nvCxnSpPr>
+        <p:spPr>
+          <a:xfrm flipH="1">
+            <a:off x="6047211" y="3097060"/>
+            <a:ext cx="1353414" cy="0"/>
+          </a:xfrm>
+          <a:prstGeom prst="line">
+            <a:avLst/>
+          </a:prstGeom>
+          <a:ln w="38100">
+            <a:solidFill>
+              <a:schemeClr val="tx1"/>
+            </a:solidFill>
+            <a:headEnd type="arrow" w="med" len="med"/>
+            <a:tailEnd type="none" w="med" len="med"/>
+          </a:ln>
+        </p:spPr>
+        <p:style>
+          <a:lnRef idx="1">
+            <a:schemeClr val="accent1"/>
+          </a:lnRef>
+          <a:fillRef idx="0">
+            <a:schemeClr val="accent1"/>
+          </a:fillRef>
+          <a:effectRef idx="0">
+            <a:schemeClr val="accent1"/>
+          </a:effectRef>
+          <a:fontRef idx="minor">
+            <a:schemeClr val="tx1"/>
+          </a:fontRef>
+        </p:style>
+      </p:cxnSp>
+      <p:cxnSp>
+        <p:nvCxnSpPr>
+          <p:cNvPr id="39" name="直線コネクタ 38">
+            <a:extLst>
+              <a:ext uri="{FF2B5EF4-FFF2-40B4-BE49-F238E27FC236}">
+                <a16:creationId xmlns:a16="http://schemas.microsoft.com/office/drawing/2014/main" id="{AADF26EC-212E-FE46-86D8-9FF0501880C0}"/>
+              </a:ext>
+            </a:extLst>
+          </p:cNvPr>
+          <p:cNvCxnSpPr>
+            <a:cxnSpLocks/>
+            <a:stCxn id="35" idx="2"/>
+            <a:endCxn id="31" idx="6"/>
+          </p:cNvCxnSpPr>
+          <p:nvPr/>
+        </p:nvCxnSpPr>
+        <p:spPr>
+          <a:xfrm flipH="1" flipV="1">
+            <a:off x="6007348" y="1768529"/>
+            <a:ext cx="1393277" cy="1328531"/>
+          </a:xfrm>
+          <a:prstGeom prst="line">
+            <a:avLst/>
+          </a:prstGeom>
+          <a:ln w="38100">
+            <a:solidFill>
+              <a:schemeClr val="tx1"/>
+            </a:solidFill>
+            <a:headEnd type="arrow" w="med" len="med"/>
+            <a:tailEnd type="none" w="med" len="med"/>
+          </a:ln>
+        </p:spPr>
+        <p:style>
+          <a:lnRef idx="1">
+            <a:schemeClr val="accent1"/>
+          </a:lnRef>
+          <a:fillRef idx="0">
+            <a:schemeClr val="accent1"/>
+          </a:fillRef>
+          <a:effectRef idx="0">
+            <a:schemeClr val="accent1"/>
+          </a:effectRef>
+          <a:fontRef idx="minor">
+            <a:schemeClr val="tx1"/>
+          </a:fontRef>
+        </p:style>
+      </p:cxnSp>
+      <p:cxnSp>
+        <p:nvCxnSpPr>
+          <p:cNvPr id="41" name="直線コネクタ 40">
+            <a:extLst>
+              <a:ext uri="{FF2B5EF4-FFF2-40B4-BE49-F238E27FC236}">
+                <a16:creationId xmlns:a16="http://schemas.microsoft.com/office/drawing/2014/main" id="{A259215A-16E4-9948-BDED-A69D9C4C6078}"/>
+              </a:ext>
+            </a:extLst>
+          </p:cNvPr>
+          <p:cNvCxnSpPr>
+            <a:cxnSpLocks/>
+            <a:endCxn id="35" idx="6"/>
+          </p:cNvCxnSpPr>
+          <p:nvPr/>
+        </p:nvCxnSpPr>
+        <p:spPr>
+          <a:xfrm flipH="1">
+            <a:off x="8064504" y="3097060"/>
+            <a:ext cx="622755" cy="0"/>
+          </a:xfrm>
+          <a:prstGeom prst="line">
+            <a:avLst/>
+          </a:prstGeom>
+          <a:ln w="38100">
+            <a:solidFill>
+              <a:schemeClr val="tx1"/>
+            </a:solidFill>
+            <a:headEnd type="arrow" w="med" len="med"/>
+            <a:tailEnd type="none" w="med" len="med"/>
+          </a:ln>
+        </p:spPr>
+        <p:style>
+          <a:lnRef idx="1">
+            <a:schemeClr val="accent1"/>
+          </a:lnRef>
+          <a:fillRef idx="0">
+            <a:schemeClr val="accent1"/>
+          </a:fillRef>
+          <a:effectRef idx="0">
+            <a:schemeClr val="accent1"/>
+          </a:effectRef>
+          <a:fontRef idx="minor">
+            <a:schemeClr val="tx1"/>
+          </a:fontRef>
+        </p:style>
+      </p:cxnSp>
+      <p:cxnSp>
+        <p:nvCxnSpPr>
+          <p:cNvPr id="54" name="直線コネクタ 53">
+            <a:extLst>
+              <a:ext uri="{FF2B5EF4-FFF2-40B4-BE49-F238E27FC236}">
+                <a16:creationId xmlns:a16="http://schemas.microsoft.com/office/drawing/2014/main" id="{76ABFE0A-EE6F-DD4F-955D-C63ADB46F5C7}"/>
+              </a:ext>
+            </a:extLst>
+          </p:cNvPr>
+          <p:cNvCxnSpPr>
+            <a:cxnSpLocks/>
+          </p:cNvCxnSpPr>
+          <p:nvPr/>
+        </p:nvCxnSpPr>
+        <p:spPr>
+          <a:xfrm flipV="1">
+            <a:off x="3770033" y="3635365"/>
+            <a:ext cx="1" cy="458286"/>
+          </a:xfrm>
+          <a:prstGeom prst="line">
+            <a:avLst/>
+          </a:prstGeom>
+          <a:ln w="76200">
+            <a:solidFill>
+              <a:schemeClr val="tx1"/>
+            </a:solidFill>
+            <a:prstDash val="sysDot"/>
+            <a:headEnd type="none" w="med" len="med"/>
+            <a:tailEnd type="none" w="med" len="med"/>
+          </a:ln>
+        </p:spPr>
+        <p:style>
+          <a:lnRef idx="1">
+            <a:schemeClr val="accent1"/>
+          </a:lnRef>
+          <a:fillRef idx="0">
+            <a:schemeClr val="accent1"/>
+          </a:fillRef>
+          <a:effectRef idx="0">
+            <a:schemeClr val="accent1"/>
+          </a:effectRef>
+          <a:fontRef idx="minor">
+            <a:schemeClr val="tx1"/>
+          </a:fontRef>
+        </p:style>
+      </p:cxnSp>
+      <p:cxnSp>
+        <p:nvCxnSpPr>
+          <p:cNvPr id="56" name="直線コネクタ 55">
+            <a:extLst>
+              <a:ext uri="{FF2B5EF4-FFF2-40B4-BE49-F238E27FC236}">
+                <a16:creationId xmlns:a16="http://schemas.microsoft.com/office/drawing/2014/main" id="{AEABD887-071F-C64B-B326-C713D85A2E63}"/>
+              </a:ext>
+            </a:extLst>
+          </p:cNvPr>
+          <p:cNvCxnSpPr>
+            <a:cxnSpLocks/>
+          </p:cNvCxnSpPr>
+          <p:nvPr/>
+        </p:nvCxnSpPr>
+        <p:spPr>
+          <a:xfrm flipV="1">
+            <a:off x="5715271" y="3635365"/>
+            <a:ext cx="1" cy="458286"/>
+          </a:xfrm>
+          <a:prstGeom prst="line">
+            <a:avLst/>
+          </a:prstGeom>
+          <a:ln w="76200">
+            <a:solidFill>
+              <a:schemeClr val="tx1"/>
+            </a:solidFill>
+            <a:prstDash val="sysDot"/>
+            <a:headEnd type="none" w="med" len="med"/>
+            <a:tailEnd type="none" w="med" len="med"/>
+          </a:ln>
+        </p:spPr>
+        <p:style>
+          <a:lnRef idx="1">
+            <a:schemeClr val="accent1"/>
+          </a:lnRef>
+          <a:fillRef idx="0">
+            <a:schemeClr val="accent1"/>
+          </a:fillRef>
+          <a:effectRef idx="0">
+            <a:schemeClr val="accent1"/>
+          </a:effectRef>
+          <a:fontRef idx="minor">
+            <a:schemeClr val="tx1"/>
+          </a:fontRef>
+        </p:style>
+      </p:cxnSp>
+      <p:cxnSp>
+        <p:nvCxnSpPr>
+          <p:cNvPr id="62" name="直線コネクタ 61">
+            <a:extLst>
+              <a:ext uri="{FF2B5EF4-FFF2-40B4-BE49-F238E27FC236}">
+                <a16:creationId xmlns:a16="http://schemas.microsoft.com/office/drawing/2014/main" id="{8B777700-6BCC-9841-82CA-98A713567CB4}"/>
+              </a:ext>
+            </a:extLst>
+          </p:cNvPr>
+          <p:cNvCxnSpPr>
+            <a:cxnSpLocks/>
+          </p:cNvCxnSpPr>
+          <p:nvPr/>
+        </p:nvCxnSpPr>
+        <p:spPr>
+          <a:xfrm flipV="1">
+            <a:off x="7732564" y="3635365"/>
+            <a:ext cx="1" cy="458286"/>
+          </a:xfrm>
+          <a:prstGeom prst="line">
+            <a:avLst/>
+          </a:prstGeom>
+          <a:ln w="76200">
+            <a:solidFill>
+              <a:schemeClr val="tx1"/>
+            </a:solidFill>
+            <a:prstDash val="sysDot"/>
+            <a:headEnd type="none" w="med" len="med"/>
+            <a:tailEnd type="none" w="med" len="med"/>
+          </a:ln>
+        </p:spPr>
+        <p:style>
+          <a:lnRef idx="1">
+            <a:schemeClr val="accent1"/>
+          </a:lnRef>
+          <a:fillRef idx="0">
+            <a:schemeClr val="accent1"/>
+          </a:fillRef>
+          <a:effectRef idx="0">
+            <a:schemeClr val="accent1"/>
+          </a:effectRef>
+          <a:fontRef idx="minor">
+            <a:schemeClr val="tx1"/>
+          </a:fontRef>
+        </p:style>
+      </p:cxnSp>
+      <p:cxnSp>
+        <p:nvCxnSpPr>
+          <p:cNvPr id="64" name="直線コネクタ 63">
+            <a:extLst>
+              <a:ext uri="{FF2B5EF4-FFF2-40B4-BE49-F238E27FC236}">
+                <a16:creationId xmlns:a16="http://schemas.microsoft.com/office/drawing/2014/main" id="{19F6DD63-FCB6-D445-96F8-266293AB1906}"/>
+              </a:ext>
+            </a:extLst>
+          </p:cNvPr>
+          <p:cNvCxnSpPr>
+            <a:cxnSpLocks/>
+          </p:cNvCxnSpPr>
+          <p:nvPr/>
+        </p:nvCxnSpPr>
+        <p:spPr>
+          <a:xfrm>
+            <a:off x="8545378" y="1991950"/>
+            <a:ext cx="622755" cy="0"/>
+          </a:xfrm>
+          <a:prstGeom prst="line">
+            <a:avLst/>
+          </a:prstGeom>
+          <a:ln w="38100">
+            <a:solidFill>
+              <a:schemeClr val="tx1"/>
+            </a:solidFill>
+            <a:headEnd type="arrow" w="med" len="med"/>
+            <a:tailEnd type="none" w="med" len="med"/>
+          </a:ln>
+        </p:spPr>
+        <p:style>
+          <a:lnRef idx="1">
+            <a:schemeClr val="accent1"/>
+          </a:lnRef>
+          <a:fillRef idx="0">
+            <a:schemeClr val="accent1"/>
+          </a:fillRef>
+          <a:effectRef idx="0">
+            <a:schemeClr val="accent1"/>
+          </a:effectRef>
+          <a:fontRef idx="minor">
+            <a:schemeClr val="tx1"/>
+          </a:fontRef>
+        </p:style>
+      </p:cxnSp>
+      <p:cxnSp>
+        <p:nvCxnSpPr>
+          <p:cNvPr id="65" name="直線コネクタ 64">
+            <a:extLst>
+              <a:ext uri="{FF2B5EF4-FFF2-40B4-BE49-F238E27FC236}">
+                <a16:creationId xmlns:a16="http://schemas.microsoft.com/office/drawing/2014/main" id="{B27B6A89-D0B4-0E46-8DD3-15818C3E7448}"/>
+              </a:ext>
+            </a:extLst>
+          </p:cNvPr>
+          <p:cNvCxnSpPr>
+            <a:cxnSpLocks/>
+          </p:cNvCxnSpPr>
+          <p:nvPr/>
+        </p:nvCxnSpPr>
+        <p:spPr>
+          <a:xfrm>
+            <a:off x="8545378" y="3320481"/>
+            <a:ext cx="622755" cy="0"/>
+          </a:xfrm>
+          <a:prstGeom prst="line">
+            <a:avLst/>
+          </a:prstGeom>
+          <a:ln w="38100">
+            <a:solidFill>
+              <a:schemeClr val="tx1"/>
+            </a:solidFill>
+            <a:headEnd type="arrow" w="med" len="med"/>
+            <a:tailEnd type="none" w="med" len="med"/>
+          </a:ln>
+        </p:spPr>
+        <p:style>
+          <a:lnRef idx="1">
+            <a:schemeClr val="accent1"/>
+          </a:lnRef>
+          <a:fillRef idx="0">
+            <a:schemeClr val="accent1"/>
+          </a:fillRef>
+          <a:effectRef idx="0">
+            <a:schemeClr val="accent1"/>
+          </a:effectRef>
+          <a:fontRef idx="minor">
+            <a:schemeClr val="tx1"/>
+          </a:fontRef>
+        </p:style>
+      </p:cxnSp>
+      <p:sp>
+        <p:nvSpPr>
+          <p:cNvPr id="66" name="正方形/長方形 65">
+            <a:extLst>
+              <a:ext uri="{FF2B5EF4-FFF2-40B4-BE49-F238E27FC236}">
+                <a16:creationId xmlns:a16="http://schemas.microsoft.com/office/drawing/2014/main" id="{CE5EDB3D-FD11-5E40-A32B-1022A7136C79}"/>
+              </a:ext>
+            </a:extLst>
+          </p:cNvPr>
+          <p:cNvSpPr/>
+          <p:nvPr/>
+        </p:nvSpPr>
+        <p:spPr>
+          <a:xfrm>
+            <a:off x="9087090" y="1778359"/>
+            <a:ext cx="389850" cy="523220"/>
+          </a:xfrm>
+          <a:prstGeom prst="rect">
+            <a:avLst/>
+          </a:prstGeom>
+        </p:spPr>
+        <p:txBody>
+          <a:bodyPr wrap="none">
+            <a:spAutoFit/>
+          </a:bodyPr>
+          <a:lstStyle/>
+          <a:p>
+            <a:r>
+              <a:rPr lang="en-US" altLang="ja-JP" sz="2800" i="1" dirty="0" err="1">
+                <a:latin typeface="Times New Roman" panose="02020603050405020304" pitchFamily="18" charset="0"/>
+                <a:cs typeface="Times New Roman" panose="02020603050405020304" pitchFamily="18" charset="0"/>
+              </a:rPr>
+              <a:t>t</a:t>
+            </a:r>
+            <a:r>
+              <a:rPr lang="en-US" altLang="ja-JP" sz="2800" i="1" baseline="-25000" dirty="0" err="1">
+                <a:latin typeface="Times New Roman" panose="02020603050405020304" pitchFamily="18" charset="0"/>
+                <a:cs typeface="Times New Roman" panose="02020603050405020304" pitchFamily="18" charset="0"/>
+              </a:rPr>
+              <a:t>k</a:t>
+            </a:r>
+            <a:endParaRPr lang="ja-JP" altLang="en-US" sz="2800" i="1" baseline="-25000">
+              <a:latin typeface="Times New Roman" panose="02020603050405020304" pitchFamily="18" charset="0"/>
+              <a:cs typeface="Times New Roman" panose="02020603050405020304" pitchFamily="18" charset="0"/>
+            </a:endParaRPr>
+          </a:p>
+        </p:txBody>
+      </p:sp>
+      <p:sp>
+        <p:nvSpPr>
+          <p:cNvPr id="67" name="テキスト ボックス 66">
+            <a:extLst>
+              <a:ext uri="{FF2B5EF4-FFF2-40B4-BE49-F238E27FC236}">
+                <a16:creationId xmlns:a16="http://schemas.microsoft.com/office/drawing/2014/main" id="{55C1BB0A-7618-854F-BCFB-7138033963F5}"/>
+              </a:ext>
+            </a:extLst>
+          </p:cNvPr>
+          <p:cNvSpPr txBox="1"/>
+          <p:nvPr/>
+        </p:nvSpPr>
+        <p:spPr>
+          <a:xfrm>
+            <a:off x="3149610" y="1015933"/>
+            <a:ext cx="1019831" cy="369332"/>
+          </a:xfrm>
+          <a:prstGeom prst="rect">
+            <a:avLst/>
+          </a:prstGeom>
+          <a:noFill/>
+        </p:spPr>
+        <p:txBody>
+          <a:bodyPr wrap="none" rtlCol="0">
+            <a:spAutoFit/>
+          </a:bodyPr>
+          <a:lstStyle/>
+          <a:p>
+            <a:r>
+              <a:rPr lang="ja-JP" altLang="en-US">
+                <a:latin typeface="Meiryo" panose="020B0604030504040204" pitchFamily="34" charset="-128"/>
+                <a:ea typeface="Meiryo" panose="020B0604030504040204" pitchFamily="34" charset="-128"/>
+              </a:rPr>
+              <a:t>中間層</a:t>
+            </a:r>
+            <a:r>
+              <a:rPr lang="en-US" altLang="ja-JP" dirty="0">
+                <a:latin typeface="Meiryo" panose="020B0604030504040204" pitchFamily="34" charset="-128"/>
+                <a:ea typeface="Meiryo" panose="020B0604030504040204" pitchFamily="34" charset="-128"/>
+              </a:rPr>
+              <a:t> </a:t>
+            </a:r>
+            <a:r>
+              <a:rPr lang="en-US" altLang="ja-JP" i="1" dirty="0" err="1">
+                <a:latin typeface="Times New Roman" panose="02020603050405020304" pitchFamily="18" charset="0"/>
+                <a:ea typeface="Meiryo" panose="020B0604030504040204" pitchFamily="34" charset="-128"/>
+                <a:cs typeface="Times New Roman" panose="02020603050405020304" pitchFamily="18" charset="0"/>
+              </a:rPr>
+              <a:t>i</a:t>
+            </a:r>
+            <a:endParaRPr kumimoji="1" lang="ja-JP" altLang="en-US" i="1">
+              <a:latin typeface="Times New Roman" panose="02020603050405020304" pitchFamily="18" charset="0"/>
+              <a:ea typeface="Meiryo" panose="020B0604030504040204" pitchFamily="34" charset="-128"/>
+              <a:cs typeface="Times New Roman" panose="02020603050405020304" pitchFamily="18" charset="0"/>
+            </a:endParaRPr>
+          </a:p>
+        </p:txBody>
+      </p:sp>
+      <p:sp>
+        <p:nvSpPr>
+          <p:cNvPr id="68" name="正方形/長方形 67">
+            <a:extLst>
+              <a:ext uri="{FF2B5EF4-FFF2-40B4-BE49-F238E27FC236}">
+                <a16:creationId xmlns:a16="http://schemas.microsoft.com/office/drawing/2014/main" id="{254A2C49-DC76-3944-B98F-2E17466030CA}"/>
+              </a:ext>
+            </a:extLst>
+          </p:cNvPr>
+          <p:cNvSpPr/>
+          <p:nvPr/>
+        </p:nvSpPr>
+        <p:spPr>
+          <a:xfrm>
+            <a:off x="8455939" y="1232045"/>
+            <a:ext cx="470000" cy="523220"/>
+          </a:xfrm>
+          <a:prstGeom prst="rect">
+            <a:avLst/>
+          </a:prstGeom>
+        </p:spPr>
+        <p:txBody>
+          <a:bodyPr wrap="none">
+            <a:spAutoFit/>
+          </a:bodyPr>
+          <a:lstStyle/>
+          <a:p>
+            <a:r>
+              <a:rPr lang="en-US" altLang="ja-JP" sz="2800" i="1" dirty="0">
+                <a:latin typeface="Times New Roman" panose="02020603050405020304" pitchFamily="18" charset="0"/>
+                <a:cs typeface="Times New Roman" panose="02020603050405020304" pitchFamily="18" charset="0"/>
+              </a:rPr>
+              <a:t>o</a:t>
+            </a:r>
+            <a:r>
+              <a:rPr lang="en-US" altLang="ja-JP" sz="2800" i="1" baseline="-25000" dirty="0">
+                <a:latin typeface="Times New Roman" panose="02020603050405020304" pitchFamily="18" charset="0"/>
+                <a:cs typeface="Times New Roman" panose="02020603050405020304" pitchFamily="18" charset="0"/>
+              </a:rPr>
+              <a:t>k</a:t>
+            </a:r>
+            <a:endParaRPr lang="ja-JP" altLang="en-US" sz="2800" i="1" baseline="-25000">
+              <a:latin typeface="Times New Roman" panose="02020603050405020304" pitchFamily="18" charset="0"/>
+              <a:cs typeface="Times New Roman" panose="02020603050405020304" pitchFamily="18" charset="0"/>
+            </a:endParaRPr>
+          </a:p>
+        </p:txBody>
+      </p:sp>
+      <p:sp>
+        <p:nvSpPr>
+          <p:cNvPr id="69" name="正方形/長方形 68">
+            <a:extLst>
+              <a:ext uri="{FF2B5EF4-FFF2-40B4-BE49-F238E27FC236}">
+                <a16:creationId xmlns:a16="http://schemas.microsoft.com/office/drawing/2014/main" id="{07D50778-DA18-3140-A848-9339A278B7E0}"/>
+              </a:ext>
+            </a:extLst>
+          </p:cNvPr>
+          <p:cNvSpPr/>
+          <p:nvPr/>
+        </p:nvSpPr>
+        <p:spPr>
+          <a:xfrm>
+            <a:off x="5982202" y="1223137"/>
+            <a:ext cx="429926" cy="523220"/>
+          </a:xfrm>
+          <a:prstGeom prst="rect">
+            <a:avLst/>
+          </a:prstGeom>
+        </p:spPr>
+        <p:txBody>
+          <a:bodyPr wrap="none">
+            <a:spAutoFit/>
+          </a:bodyPr>
+          <a:lstStyle/>
+          <a:p>
+            <a:r>
+              <a:rPr lang="en-US" altLang="ja-JP" sz="2800" i="1" dirty="0" err="1">
+                <a:latin typeface="Times New Roman" panose="02020603050405020304" pitchFamily="18" charset="0"/>
+                <a:cs typeface="Times New Roman" panose="02020603050405020304" pitchFamily="18" charset="0"/>
+              </a:rPr>
+              <a:t>o</a:t>
+            </a:r>
+            <a:r>
+              <a:rPr lang="en-US" altLang="ja-JP" sz="2800" i="1" baseline="-25000" dirty="0" err="1">
+                <a:latin typeface="Times New Roman" panose="02020603050405020304" pitchFamily="18" charset="0"/>
+                <a:cs typeface="Times New Roman" panose="02020603050405020304" pitchFamily="18" charset="0"/>
+              </a:rPr>
+              <a:t>j</a:t>
+            </a:r>
+            <a:endParaRPr lang="ja-JP" altLang="en-US" sz="2800" i="1" baseline="-25000">
+              <a:latin typeface="Times New Roman" panose="02020603050405020304" pitchFamily="18" charset="0"/>
+              <a:cs typeface="Times New Roman" panose="02020603050405020304" pitchFamily="18" charset="0"/>
+            </a:endParaRPr>
+          </a:p>
+        </p:txBody>
+      </p:sp>
+      <p:sp>
+        <p:nvSpPr>
+          <p:cNvPr id="70" name="正方形/長方形 69">
+            <a:extLst>
+              <a:ext uri="{FF2B5EF4-FFF2-40B4-BE49-F238E27FC236}">
+                <a16:creationId xmlns:a16="http://schemas.microsoft.com/office/drawing/2014/main" id="{D5F6A96C-C15A-0749-8657-26B8D03D12D1}"/>
+              </a:ext>
+            </a:extLst>
+          </p:cNvPr>
+          <p:cNvSpPr/>
+          <p:nvPr/>
+        </p:nvSpPr>
+        <p:spPr>
+          <a:xfrm>
+            <a:off x="4005035" y="1219647"/>
+            <a:ext cx="429926" cy="523220"/>
+          </a:xfrm>
+          <a:prstGeom prst="rect">
+            <a:avLst/>
+          </a:prstGeom>
+        </p:spPr>
+        <p:txBody>
+          <a:bodyPr wrap="none">
+            <a:spAutoFit/>
+          </a:bodyPr>
+          <a:lstStyle/>
+          <a:p>
+            <a:r>
+              <a:rPr lang="en-US" altLang="ja-JP" sz="2800" i="1" dirty="0">
+                <a:latin typeface="Times New Roman" panose="02020603050405020304" pitchFamily="18" charset="0"/>
+                <a:cs typeface="Times New Roman" panose="02020603050405020304" pitchFamily="18" charset="0"/>
+              </a:rPr>
+              <a:t>o</a:t>
+            </a:r>
+            <a:r>
+              <a:rPr lang="en-US" altLang="ja-JP" sz="2800" i="1" baseline="-25000" dirty="0">
+                <a:latin typeface="Times New Roman" panose="02020603050405020304" pitchFamily="18" charset="0"/>
+                <a:cs typeface="Times New Roman" panose="02020603050405020304" pitchFamily="18" charset="0"/>
+              </a:rPr>
+              <a:t>i</a:t>
+            </a:r>
+            <a:endParaRPr lang="ja-JP" altLang="en-US" sz="2800" i="1" baseline="-25000">
+              <a:latin typeface="Times New Roman" panose="02020603050405020304" pitchFamily="18" charset="0"/>
+              <a:cs typeface="Times New Roman" panose="02020603050405020304" pitchFamily="18" charset="0"/>
+            </a:endParaRPr>
+          </a:p>
+        </p:txBody>
+      </p:sp>
+      <p:sp>
+        <p:nvSpPr>
+          <p:cNvPr id="71" name="正方形/長方形 70">
+            <a:extLst>
+              <a:ext uri="{FF2B5EF4-FFF2-40B4-BE49-F238E27FC236}">
+                <a16:creationId xmlns:a16="http://schemas.microsoft.com/office/drawing/2014/main" id="{D058C6AD-B06B-0B4A-894E-A9B9176904B8}"/>
+              </a:ext>
+            </a:extLst>
+          </p:cNvPr>
+          <p:cNvSpPr/>
+          <p:nvPr/>
+        </p:nvSpPr>
+        <p:spPr>
+          <a:xfrm>
+            <a:off x="4492982" y="1638804"/>
+            <a:ext cx="505267" cy="461665"/>
+          </a:xfrm>
+          <a:prstGeom prst="rect">
+            <a:avLst/>
+          </a:prstGeom>
+        </p:spPr>
+        <p:txBody>
+          <a:bodyPr wrap="none">
+            <a:spAutoFit/>
+          </a:bodyPr>
+          <a:lstStyle/>
+          <a:p>
+            <a:r>
+              <a:rPr lang="en-US" altLang="ja-JP" sz="2400" i="1" dirty="0" err="1">
+                <a:latin typeface="Times New Roman" panose="02020603050405020304" pitchFamily="18" charset="0"/>
+                <a:cs typeface="Times New Roman" panose="02020603050405020304" pitchFamily="18" charset="0"/>
+              </a:rPr>
+              <a:t>w</a:t>
+            </a:r>
+            <a:r>
+              <a:rPr lang="en-US" altLang="ja-JP" sz="2400" i="1" baseline="-25000" dirty="0" err="1">
+                <a:latin typeface="Times New Roman" panose="02020603050405020304" pitchFamily="18" charset="0"/>
+                <a:cs typeface="Times New Roman" panose="02020603050405020304" pitchFamily="18" charset="0"/>
+              </a:rPr>
+              <a:t>ij</a:t>
+            </a:r>
+            <a:endParaRPr lang="ja-JP" altLang="en-US" sz="2400" i="1">
+              <a:latin typeface="Times New Roman" panose="02020603050405020304" pitchFamily="18" charset="0"/>
+              <a:cs typeface="Times New Roman" panose="02020603050405020304" pitchFamily="18" charset="0"/>
+            </a:endParaRPr>
+          </a:p>
+        </p:txBody>
+      </p:sp>
+      <p:sp>
+        <p:nvSpPr>
+          <p:cNvPr id="72" name="正方形/長方形 71">
+            <a:extLst>
+              <a:ext uri="{FF2B5EF4-FFF2-40B4-BE49-F238E27FC236}">
+                <a16:creationId xmlns:a16="http://schemas.microsoft.com/office/drawing/2014/main" id="{74CEA3EA-4B6B-C043-99A2-1919915D7E83}"/>
+              </a:ext>
+            </a:extLst>
+          </p:cNvPr>
+          <p:cNvSpPr/>
+          <p:nvPr/>
+        </p:nvSpPr>
+        <p:spPr>
+          <a:xfrm>
+            <a:off x="6503923" y="1638803"/>
+            <a:ext cx="538930" cy="461665"/>
+          </a:xfrm>
+          <a:prstGeom prst="rect">
+            <a:avLst/>
+          </a:prstGeom>
+        </p:spPr>
+        <p:txBody>
+          <a:bodyPr wrap="none">
+            <a:spAutoFit/>
+          </a:bodyPr>
+          <a:lstStyle/>
+          <a:p>
+            <a:r>
+              <a:rPr lang="en-US" altLang="ja-JP" sz="2400" i="1" dirty="0" err="1">
+                <a:latin typeface="Times New Roman" panose="02020603050405020304" pitchFamily="18" charset="0"/>
+                <a:cs typeface="Times New Roman" panose="02020603050405020304" pitchFamily="18" charset="0"/>
+              </a:rPr>
+              <a:t>w</a:t>
+            </a:r>
+            <a:r>
+              <a:rPr lang="en-US" altLang="ja-JP" sz="2400" i="1" baseline="-25000" dirty="0" err="1">
+                <a:latin typeface="Times New Roman" panose="02020603050405020304" pitchFamily="18" charset="0"/>
+                <a:cs typeface="Times New Roman" panose="02020603050405020304" pitchFamily="18" charset="0"/>
+              </a:rPr>
+              <a:t>jk</a:t>
+            </a:r>
+            <a:endParaRPr lang="ja-JP" altLang="en-US" sz="2400" i="1">
+              <a:latin typeface="Times New Roman" panose="02020603050405020304" pitchFamily="18" charset="0"/>
+              <a:cs typeface="Times New Roman" panose="02020603050405020304" pitchFamily="18" charset="0"/>
+            </a:endParaRPr>
+          </a:p>
+        </p:txBody>
+      </p:sp>
+    </p:spTree>
+    <p:extLst>
+      <p:ext uri="{BB962C8B-B14F-4D97-AF65-F5344CB8AC3E}">
+        <p14:creationId xmlns:p14="http://schemas.microsoft.com/office/powerpoint/2010/main" val="3143866505"/>
+      </p:ext>
+    </p:extLst>
+  </p:cSld>
+  <p:clrMapOvr>
+    <a:masterClrMapping/>
+  </p:clrMapOvr>
+</p:sld>
+</file>
+
+<file path=ppt/slides/slide16.xml><?xml version="1.0" encoding="utf-8"?>
+<p:sld xmlns:a="http://schemas.openxmlformats.org/drawingml/2006/main" xmlns:r="http://schemas.openxmlformats.org/officeDocument/2006/relationships" xmlns:p="http://schemas.openxmlformats.org/presentationml/2006/main">
+  <p:cSld>
+    <p:spTree>
+      <p:nvGrpSpPr>
+        <p:cNvPr id="1" name=""/>
+        <p:cNvGrpSpPr/>
+        <p:nvPr/>
+      </p:nvGrpSpPr>
+      <p:grpSpPr>
+        <a:xfrm>
+          <a:off x="0" y="0"/>
+          <a:ext cx="0" cy="0"/>
+          <a:chOff x="0" y="0"/>
+          <a:chExt cx="0" cy="0"/>
+        </a:xfrm>
+      </p:grpSpPr>
+      <p:sp>
+        <p:nvSpPr>
+          <p:cNvPr id="29" name="円/楕円 28">
+            <a:extLst>
+              <a:ext uri="{FF2B5EF4-FFF2-40B4-BE49-F238E27FC236}">
+                <a16:creationId xmlns:a16="http://schemas.microsoft.com/office/drawing/2014/main" id="{2B49628C-FEE2-8A40-A128-E3D95138906C}"/>
+              </a:ext>
+            </a:extLst>
+          </p:cNvPr>
+          <p:cNvSpPr/>
+          <p:nvPr/>
+        </p:nvSpPr>
+        <p:spPr>
+          <a:xfrm>
+            <a:off x="4020855" y="2005154"/>
+            <a:ext cx="663879" cy="663880"/>
+          </a:xfrm>
+          <a:prstGeom prst="ellipse">
+            <a:avLst/>
+          </a:prstGeom>
+          <a:solidFill>
+            <a:schemeClr val="bg1"/>
+          </a:solidFill>
+          <a:ln w="28575">
+            <a:solidFill>
+              <a:schemeClr val="tx1"/>
+            </a:solidFill>
+          </a:ln>
+        </p:spPr>
+        <p:style>
+          <a:lnRef idx="2">
+            <a:schemeClr val="accent1">
+              <a:shade val="50000"/>
+            </a:schemeClr>
+          </a:lnRef>
+          <a:fillRef idx="1">
+            <a:schemeClr val="accent1"/>
+          </a:fillRef>
+          <a:effectRef idx="0">
+            <a:schemeClr val="accent1"/>
+          </a:effectRef>
+          <a:fontRef idx="minor">
+            <a:schemeClr val="lt1"/>
+          </a:fontRef>
+        </p:style>
+        <p:txBody>
+          <a:bodyPr rtlCol="0" anchor="ctr"/>
+          <a:lstStyle/>
+          <a:p>
+            <a:pPr algn="ctr"/>
+            <a:r>
+              <a:rPr kumimoji="1" lang="en-US" altLang="ja-JP" sz="3200" b="1" i="1" dirty="0">
+                <a:solidFill>
+                  <a:schemeClr val="tx1"/>
+                </a:solidFill>
+                <a:latin typeface="Times New Roman" panose="02020603050405020304" pitchFamily="18" charset="0"/>
+                <a:cs typeface="Times New Roman" panose="02020603050405020304" pitchFamily="18" charset="0"/>
+              </a:rPr>
+              <a:t>t</a:t>
+            </a:r>
+            <a:endParaRPr kumimoji="1" lang="ja-JP" altLang="en-US" sz="3200" b="1" i="1">
+              <a:solidFill>
+                <a:schemeClr val="tx1"/>
+              </a:solidFill>
+              <a:latin typeface="Times New Roman" panose="02020603050405020304" pitchFamily="18" charset="0"/>
+              <a:cs typeface="Times New Roman" panose="02020603050405020304" pitchFamily="18" charset="0"/>
+            </a:endParaRPr>
+          </a:p>
+        </p:txBody>
+      </p:sp>
+      <p:sp>
+        <p:nvSpPr>
+          <p:cNvPr id="31" name="円/楕円 30">
+            <a:extLst>
+              <a:ext uri="{FF2B5EF4-FFF2-40B4-BE49-F238E27FC236}">
+                <a16:creationId xmlns:a16="http://schemas.microsoft.com/office/drawing/2014/main" id="{04C24CDA-B8ED-0243-88B2-7F6C4F64CA3E}"/>
+              </a:ext>
+            </a:extLst>
+          </p:cNvPr>
+          <p:cNvSpPr/>
+          <p:nvPr/>
+        </p:nvSpPr>
+        <p:spPr>
+          <a:xfrm>
+            <a:off x="5343469" y="1436589"/>
+            <a:ext cx="663879" cy="663880"/>
+          </a:xfrm>
+          <a:prstGeom prst="ellipse">
+            <a:avLst/>
+          </a:prstGeom>
+          <a:solidFill>
+            <a:schemeClr val="bg1"/>
+          </a:solidFill>
+          <a:ln w="28575">
+            <a:solidFill>
+              <a:schemeClr val="tx1"/>
+            </a:solidFill>
+          </a:ln>
+        </p:spPr>
+        <p:style>
+          <a:lnRef idx="2">
+            <a:schemeClr val="accent1">
+              <a:shade val="50000"/>
+            </a:schemeClr>
+          </a:lnRef>
+          <a:fillRef idx="1">
+            <a:schemeClr val="accent1"/>
+          </a:fillRef>
+          <a:effectRef idx="0">
+            <a:schemeClr val="accent1"/>
+          </a:effectRef>
+          <a:fontRef idx="minor">
+            <a:schemeClr val="lt1"/>
+          </a:fontRef>
+        </p:style>
+        <p:txBody>
+          <a:bodyPr rtlCol="0" anchor="ctr"/>
+          <a:lstStyle/>
+          <a:p>
+            <a:pPr algn="ctr"/>
+            <a:r>
+              <a:rPr kumimoji="1" lang="en-US" altLang="ja-JP" sz="3200" b="1" i="1" dirty="0">
+                <a:solidFill>
+                  <a:schemeClr val="tx1"/>
+                </a:solidFill>
+                <a:latin typeface="Times New Roman" panose="02020603050405020304" pitchFamily="18" charset="0"/>
+                <a:cs typeface="Times New Roman" panose="02020603050405020304" pitchFamily="18" charset="0"/>
+              </a:rPr>
+              <a:t>x</a:t>
+            </a:r>
+            <a:endParaRPr kumimoji="1" lang="ja-JP" altLang="en-US" sz="3200" b="1" i="1">
+              <a:solidFill>
+                <a:schemeClr val="tx1"/>
+              </a:solidFill>
+              <a:latin typeface="Times New Roman" panose="02020603050405020304" pitchFamily="18" charset="0"/>
+              <a:cs typeface="Times New Roman" panose="02020603050405020304" pitchFamily="18" charset="0"/>
+            </a:endParaRPr>
+          </a:p>
+        </p:txBody>
+      </p:sp>
+      <p:sp>
+        <p:nvSpPr>
+          <p:cNvPr id="32" name="円/楕円 31">
+            <a:extLst>
+              <a:ext uri="{FF2B5EF4-FFF2-40B4-BE49-F238E27FC236}">
+                <a16:creationId xmlns:a16="http://schemas.microsoft.com/office/drawing/2014/main" id="{9D5FF8BB-D4D6-5246-B9EE-DB9B2163D2A4}"/>
+              </a:ext>
+            </a:extLst>
+          </p:cNvPr>
+          <p:cNvSpPr/>
+          <p:nvPr/>
+        </p:nvSpPr>
+        <p:spPr>
+          <a:xfrm>
+            <a:off x="5340430" y="2503389"/>
+            <a:ext cx="663879" cy="663880"/>
+          </a:xfrm>
+          <a:prstGeom prst="ellipse">
+            <a:avLst/>
+          </a:prstGeom>
+          <a:solidFill>
+            <a:schemeClr val="bg1"/>
+          </a:solidFill>
+          <a:ln w="28575">
+            <a:solidFill>
+              <a:schemeClr val="tx1"/>
+            </a:solidFill>
+          </a:ln>
+        </p:spPr>
+        <p:style>
+          <a:lnRef idx="2">
+            <a:schemeClr val="accent1">
+              <a:shade val="50000"/>
+            </a:schemeClr>
+          </a:lnRef>
+          <a:fillRef idx="1">
+            <a:schemeClr val="accent1"/>
+          </a:fillRef>
+          <a:effectRef idx="0">
+            <a:schemeClr val="accent1"/>
+          </a:effectRef>
+          <a:fontRef idx="minor">
+            <a:schemeClr val="lt1"/>
+          </a:fontRef>
+        </p:style>
+        <p:txBody>
+          <a:bodyPr rtlCol="0" anchor="ctr"/>
+          <a:lstStyle/>
+          <a:p>
+            <a:pPr algn="ctr"/>
+            <a:r>
+              <a:rPr kumimoji="1" lang="en-US" altLang="ja-JP" sz="3200" b="1" i="1" dirty="0">
+                <a:solidFill>
+                  <a:schemeClr val="tx1"/>
+                </a:solidFill>
+                <a:latin typeface="Times New Roman" panose="02020603050405020304" pitchFamily="18" charset="0"/>
+                <a:cs typeface="Times New Roman" panose="02020603050405020304" pitchFamily="18" charset="0"/>
+              </a:rPr>
+              <a:t>y</a:t>
+            </a:r>
+            <a:endParaRPr kumimoji="1" lang="ja-JP" altLang="en-US" sz="3200" b="1" i="1">
+              <a:solidFill>
+                <a:schemeClr val="tx1"/>
+              </a:solidFill>
+              <a:latin typeface="Times New Roman" panose="02020603050405020304" pitchFamily="18" charset="0"/>
+              <a:cs typeface="Times New Roman" panose="02020603050405020304" pitchFamily="18" charset="0"/>
+            </a:endParaRPr>
+          </a:p>
+        </p:txBody>
+      </p:sp>
+      <p:cxnSp>
+        <p:nvCxnSpPr>
+          <p:cNvPr id="33" name="直線コネクタ 32">
+            <a:extLst>
+              <a:ext uri="{FF2B5EF4-FFF2-40B4-BE49-F238E27FC236}">
+                <a16:creationId xmlns:a16="http://schemas.microsoft.com/office/drawing/2014/main" id="{E067FF39-C297-C241-A845-997B18E0C498}"/>
+              </a:ext>
+            </a:extLst>
+          </p:cNvPr>
+          <p:cNvCxnSpPr>
+            <a:stCxn id="31" idx="2"/>
+            <a:endCxn id="29" idx="6"/>
+          </p:cNvCxnSpPr>
+          <p:nvPr/>
+        </p:nvCxnSpPr>
+        <p:spPr>
+          <a:xfrm flipH="1">
+            <a:off x="4684734" y="1768529"/>
+            <a:ext cx="658735" cy="568565"/>
+          </a:xfrm>
+          <a:prstGeom prst="line">
+            <a:avLst/>
+          </a:prstGeom>
+          <a:ln w="38100">
+            <a:solidFill>
+              <a:schemeClr val="tx1"/>
+            </a:solidFill>
+            <a:headEnd type="arrow" w="med" len="med"/>
+            <a:tailEnd type="none" w="med" len="med"/>
+          </a:ln>
+        </p:spPr>
+        <p:style>
+          <a:lnRef idx="1">
+            <a:schemeClr val="accent1"/>
+          </a:lnRef>
+          <a:fillRef idx="0">
+            <a:schemeClr val="accent1"/>
+          </a:fillRef>
+          <a:effectRef idx="0">
+            <a:schemeClr val="accent1"/>
+          </a:effectRef>
+          <a:fontRef idx="minor">
+            <a:schemeClr val="tx1"/>
+          </a:fontRef>
+        </p:style>
+      </p:cxnSp>
+      <p:sp>
+        <p:nvSpPr>
+          <p:cNvPr id="59" name="円/楕円 58">
+            <a:extLst>
+              <a:ext uri="{FF2B5EF4-FFF2-40B4-BE49-F238E27FC236}">
+                <a16:creationId xmlns:a16="http://schemas.microsoft.com/office/drawing/2014/main" id="{962D194A-29ED-0B47-8E5E-B1F6301C089F}"/>
+              </a:ext>
+            </a:extLst>
+          </p:cNvPr>
+          <p:cNvSpPr/>
+          <p:nvPr/>
+        </p:nvSpPr>
+        <p:spPr>
+          <a:xfrm>
+            <a:off x="6630103" y="1909839"/>
+            <a:ext cx="663879" cy="663880"/>
+          </a:xfrm>
+          <a:prstGeom prst="ellipse">
+            <a:avLst/>
+          </a:prstGeom>
+          <a:solidFill>
+            <a:schemeClr val="bg1"/>
+          </a:solidFill>
+          <a:ln w="28575">
+            <a:solidFill>
+              <a:schemeClr val="tx1"/>
+            </a:solidFill>
+          </a:ln>
+        </p:spPr>
+        <p:style>
+          <a:lnRef idx="2">
+            <a:schemeClr val="accent1">
+              <a:shade val="50000"/>
+            </a:schemeClr>
+          </a:lnRef>
+          <a:fillRef idx="1">
+            <a:schemeClr val="accent1"/>
+          </a:fillRef>
+          <a:effectRef idx="0">
+            <a:schemeClr val="accent1"/>
+          </a:effectRef>
+          <a:fontRef idx="minor">
+            <a:schemeClr val="lt1"/>
+          </a:fontRef>
+        </p:style>
+        <p:txBody>
+          <a:bodyPr rtlCol="0" anchor="ctr"/>
+          <a:lstStyle/>
+          <a:p>
+            <a:pPr algn="ctr"/>
+            <a:r>
+              <a:rPr kumimoji="1" lang="en-US" altLang="ja-JP" sz="3200" b="1" i="1" dirty="0">
+                <a:solidFill>
+                  <a:schemeClr val="tx1"/>
+                </a:solidFill>
+                <a:latin typeface="Times New Roman" panose="02020603050405020304" pitchFamily="18" charset="0"/>
+                <a:cs typeface="Times New Roman" panose="02020603050405020304" pitchFamily="18" charset="0"/>
+              </a:rPr>
+              <a:t>z</a:t>
+            </a:r>
+            <a:endParaRPr kumimoji="1" lang="ja-JP" altLang="en-US" sz="3200" b="1" i="1">
+              <a:solidFill>
+                <a:schemeClr val="tx1"/>
+              </a:solidFill>
+              <a:latin typeface="Times New Roman" panose="02020603050405020304" pitchFamily="18" charset="0"/>
+              <a:cs typeface="Times New Roman" panose="02020603050405020304" pitchFamily="18" charset="0"/>
+            </a:endParaRPr>
+          </a:p>
+        </p:txBody>
+      </p:sp>
+      <p:cxnSp>
+        <p:nvCxnSpPr>
+          <p:cNvPr id="60" name="直線コネクタ 59">
+            <a:extLst>
+              <a:ext uri="{FF2B5EF4-FFF2-40B4-BE49-F238E27FC236}">
+                <a16:creationId xmlns:a16="http://schemas.microsoft.com/office/drawing/2014/main" id="{F880EA32-4691-FE4D-9D23-028AD8C45308}"/>
+              </a:ext>
+            </a:extLst>
+          </p:cNvPr>
+          <p:cNvCxnSpPr>
+            <a:cxnSpLocks/>
+            <a:stCxn id="59" idx="2"/>
+            <a:endCxn id="31" idx="6"/>
+          </p:cNvCxnSpPr>
+          <p:nvPr/>
+        </p:nvCxnSpPr>
+        <p:spPr>
+          <a:xfrm flipH="1" flipV="1">
+            <a:off x="6007348" y="1768529"/>
+            <a:ext cx="622755" cy="473250"/>
+          </a:xfrm>
+          <a:prstGeom prst="line">
+            <a:avLst/>
+          </a:prstGeom>
+          <a:ln w="38100">
+            <a:solidFill>
+              <a:schemeClr val="tx1"/>
+            </a:solidFill>
+            <a:headEnd type="arrow" w="med" len="med"/>
+            <a:tailEnd type="none" w="med" len="med"/>
+          </a:ln>
+        </p:spPr>
+        <p:style>
+          <a:lnRef idx="1">
+            <a:schemeClr val="accent1"/>
+          </a:lnRef>
+          <a:fillRef idx="0">
+            <a:schemeClr val="accent1"/>
+          </a:fillRef>
+          <a:effectRef idx="0">
+            <a:schemeClr val="accent1"/>
+          </a:effectRef>
+          <a:fontRef idx="minor">
+            <a:schemeClr val="tx1"/>
+          </a:fontRef>
+        </p:style>
+      </p:cxnSp>
+      <p:cxnSp>
+        <p:nvCxnSpPr>
+          <p:cNvPr id="61" name="直線コネクタ 60">
+            <a:extLst>
+              <a:ext uri="{FF2B5EF4-FFF2-40B4-BE49-F238E27FC236}">
+                <a16:creationId xmlns:a16="http://schemas.microsoft.com/office/drawing/2014/main" id="{EAC892FB-F99B-5E4E-8E96-32F4905F5616}"/>
+              </a:ext>
+            </a:extLst>
+          </p:cNvPr>
+          <p:cNvCxnSpPr>
+            <a:cxnSpLocks/>
+            <a:stCxn id="59" idx="2"/>
+            <a:endCxn id="32" idx="6"/>
+          </p:cNvCxnSpPr>
+          <p:nvPr/>
+        </p:nvCxnSpPr>
+        <p:spPr>
+          <a:xfrm flipH="1">
+            <a:off x="6004309" y="2241779"/>
+            <a:ext cx="625794" cy="593550"/>
+          </a:xfrm>
+          <a:prstGeom prst="line">
+            <a:avLst/>
+          </a:prstGeom>
+          <a:ln w="38100">
+            <a:solidFill>
+              <a:schemeClr val="tx1"/>
+            </a:solidFill>
+            <a:headEnd type="arrow" w="med" len="med"/>
+            <a:tailEnd type="none" w="med" len="med"/>
+          </a:ln>
+        </p:spPr>
+        <p:style>
+          <a:lnRef idx="1">
+            <a:schemeClr val="accent1"/>
+          </a:lnRef>
+          <a:fillRef idx="0">
+            <a:schemeClr val="accent1"/>
+          </a:fillRef>
+          <a:effectRef idx="0">
+            <a:schemeClr val="accent1"/>
+          </a:effectRef>
+          <a:fontRef idx="minor">
+            <a:schemeClr val="tx1"/>
+          </a:fontRef>
+        </p:style>
+      </p:cxnSp>
+      <p:cxnSp>
+        <p:nvCxnSpPr>
+          <p:cNvPr id="23" name="直線コネクタ 22">
+            <a:extLst>
+              <a:ext uri="{FF2B5EF4-FFF2-40B4-BE49-F238E27FC236}">
+                <a16:creationId xmlns:a16="http://schemas.microsoft.com/office/drawing/2014/main" id="{8CBB167A-8B17-0A48-AAB2-2D627FFD9FDB}"/>
+              </a:ext>
+            </a:extLst>
+          </p:cNvPr>
+          <p:cNvCxnSpPr>
+            <a:cxnSpLocks/>
+            <a:stCxn id="32" idx="2"/>
+            <a:endCxn id="29" idx="6"/>
+          </p:cNvCxnSpPr>
+          <p:nvPr/>
+        </p:nvCxnSpPr>
+        <p:spPr>
+          <a:xfrm flipH="1" flipV="1">
+            <a:off x="4684734" y="2337094"/>
+            <a:ext cx="655696" cy="498235"/>
+          </a:xfrm>
+          <a:prstGeom prst="line">
+            <a:avLst/>
+          </a:prstGeom>
+          <a:ln w="38100">
+            <a:solidFill>
+              <a:schemeClr val="tx1"/>
+            </a:solidFill>
+            <a:headEnd type="arrow" w="med" len="med"/>
+            <a:tailEnd type="none" w="med" len="med"/>
+          </a:ln>
+        </p:spPr>
+        <p:style>
+          <a:lnRef idx="1">
+            <a:schemeClr val="accent1"/>
+          </a:lnRef>
+          <a:fillRef idx="0">
+            <a:schemeClr val="accent1"/>
+          </a:fillRef>
+          <a:effectRef idx="0">
+            <a:schemeClr val="accent1"/>
+          </a:effectRef>
+          <a:fontRef idx="minor">
+            <a:schemeClr val="tx1"/>
+          </a:fontRef>
+        </p:style>
+      </p:cxnSp>
+    </p:spTree>
+    <p:extLst>
+      <p:ext uri="{BB962C8B-B14F-4D97-AF65-F5344CB8AC3E}">
+        <p14:creationId xmlns:p14="http://schemas.microsoft.com/office/powerpoint/2010/main" val="2287435135"/>
+      </p:ext>
+    </p:extLst>
+  </p:cSld>
+  <p:clrMapOvr>
+    <a:masterClrMapping/>
+  </p:clrMapOvr>
+</p:sld>
+</file>
+
+<file path=ppt/slides/slide17.xml><?xml version="1.0" encoding="utf-8"?>
+<p:sld xmlns:a="http://schemas.openxmlformats.org/drawingml/2006/main" xmlns:r="http://schemas.openxmlformats.org/officeDocument/2006/relationships" xmlns:p="http://schemas.openxmlformats.org/presentationml/2006/main">
+  <p:cSld>
+    <p:spTree>
+      <p:nvGrpSpPr>
+        <p:cNvPr id="1" name=""/>
+        <p:cNvGrpSpPr/>
+        <p:nvPr/>
+      </p:nvGrpSpPr>
+      <p:grpSpPr>
+        <a:xfrm>
+          <a:off x="0" y="0"/>
+          <a:ext cx="0" cy="0"/>
+          <a:chOff x="0" y="0"/>
+          <a:chExt cx="0" cy="0"/>
+        </a:xfrm>
+      </p:grpSpPr>
+      <p:sp>
+        <p:nvSpPr>
           <p:cNvPr id="45" name="Oval 7">
             <a:extLst>
               <a:ext uri="{FF2B5EF4-FFF2-40B4-BE49-F238E27FC236}">
@@ -15711,7 +17893,7 @@
           <a:effectLst/>
           <a:extLst>
             <a:ext uri="{AF507438-7753-43e0-B8FC-AC1667EBCBE1}">
-              <a14:hiddenEffects xmlns="" xmlns:a14="http://schemas.microsoft.com/office/drawing/2010/main">
+              <a14:hiddenEffects xmlns:a14="http://schemas.microsoft.com/office/drawing/2010/main" xmlns="">
                 <a:effectLst>
                   <a:outerShdw blurRad="63500" dist="38099" dir="2700000" algn="ctr" rotWithShape="0">
                     <a:schemeClr val="bg2">
@@ -15772,7 +17954,7 @@
           <a:effectLst/>
           <a:extLst>
             <a:ext uri="{AF507438-7753-43e0-B8FC-AC1667EBCBE1}">
-              <a14:hiddenEffects xmlns="" xmlns:a14="http://schemas.microsoft.com/office/drawing/2010/main">
+              <a14:hiddenEffects xmlns:a14="http://schemas.microsoft.com/office/drawing/2010/main" xmlns="">
                 <a:effectLst>
                   <a:outerShdw blurRad="63500" dist="38099" dir="2700000" algn="ctr" rotWithShape="0">
                     <a:schemeClr val="bg2">
@@ -15833,7 +18015,7 @@
           <a:effectLst/>
           <a:extLst>
             <a:ext uri="{AF507438-7753-43e0-B8FC-AC1667EBCBE1}">
-              <a14:hiddenEffects xmlns="" xmlns:a14="http://schemas.microsoft.com/office/drawing/2010/main">
+              <a14:hiddenEffects xmlns:a14="http://schemas.microsoft.com/office/drawing/2010/main" xmlns="">
                 <a:effectLst>
                   <a:outerShdw blurRad="63500" dist="38099" dir="2700000" algn="ctr" rotWithShape="0">
                     <a:schemeClr val="bg2">
@@ -15894,7 +18076,7 @@
           <a:effectLst/>
           <a:extLst>
             <a:ext uri="{AF507438-7753-43e0-B8FC-AC1667EBCBE1}">
-              <a14:hiddenEffects xmlns="" xmlns:a14="http://schemas.microsoft.com/office/drawing/2010/main">
+              <a14:hiddenEffects xmlns:a14="http://schemas.microsoft.com/office/drawing/2010/main" xmlns="">
                 <a:effectLst>
                   <a:outerShdw blurRad="63500" dist="38099" dir="2700000" algn="ctr" rotWithShape="0">
                     <a:schemeClr val="bg2">
@@ -15955,7 +18137,7 @@
           <a:effectLst/>
           <a:extLst>
             <a:ext uri="{AF507438-7753-43e0-B8FC-AC1667EBCBE1}">
-              <a14:hiddenEffects xmlns="" xmlns:a14="http://schemas.microsoft.com/office/drawing/2010/main">
+              <a14:hiddenEffects xmlns:a14="http://schemas.microsoft.com/office/drawing/2010/main" xmlns="">
                 <a:effectLst>
                   <a:outerShdw blurRad="63500" dist="38099" dir="2700000" algn="ctr" rotWithShape="0">
                     <a:schemeClr val="bg2">
@@ -16016,12 +18198,12 @@
           <a:effectLst/>
           <a:extLst>
             <a:ext uri="{909E8E84-426E-40dd-AFC4-6F175D3DCCD1}">
-              <a14:hiddenFill xmlns="" xmlns:a14="http://schemas.microsoft.com/office/drawing/2010/main">
+              <a14:hiddenFill xmlns:a14="http://schemas.microsoft.com/office/drawing/2010/main" xmlns="">
                 <a:noFill/>
               </a14:hiddenFill>
             </a:ext>
             <a:ext uri="{AF507438-7753-43e0-B8FC-AC1667EBCBE1}">
-              <a14:hiddenEffects xmlns="" xmlns:a14="http://schemas.microsoft.com/office/drawing/2010/main">
+              <a14:hiddenEffects xmlns:a14="http://schemas.microsoft.com/office/drawing/2010/main" xmlns="">
                 <a:effectLst>
                   <a:outerShdw blurRad="63500" dist="38099" dir="2700000" algn="ctr" rotWithShape="0">
                     <a:schemeClr val="bg2">
@@ -16069,12 +18251,12 @@
           <a:effectLst/>
           <a:extLst>
             <a:ext uri="{909E8E84-426E-40dd-AFC4-6F175D3DCCD1}">
-              <a14:hiddenFill xmlns="" xmlns:a14="http://schemas.microsoft.com/office/drawing/2010/main">
+              <a14:hiddenFill xmlns:a14="http://schemas.microsoft.com/office/drawing/2010/main" xmlns="">
                 <a:noFill/>
               </a14:hiddenFill>
             </a:ext>
             <a:ext uri="{AF507438-7753-43e0-B8FC-AC1667EBCBE1}">
-              <a14:hiddenEffects xmlns="" xmlns:a14="http://schemas.microsoft.com/office/drawing/2010/main">
+              <a14:hiddenEffects xmlns:a14="http://schemas.microsoft.com/office/drawing/2010/main" xmlns="">
                 <a:effectLst>
                   <a:outerShdw blurRad="63500" dist="38099" dir="2700000" algn="ctr" rotWithShape="0">
                     <a:schemeClr val="bg2">
@@ -16123,12 +18305,12 @@
           <a:effectLst/>
           <a:extLst>
             <a:ext uri="{909E8E84-426E-40dd-AFC4-6F175D3DCCD1}">
-              <a14:hiddenFill xmlns="" xmlns:a14="http://schemas.microsoft.com/office/drawing/2010/main">
+              <a14:hiddenFill xmlns:a14="http://schemas.microsoft.com/office/drawing/2010/main" xmlns="">
                 <a:noFill/>
               </a14:hiddenFill>
             </a:ext>
             <a:ext uri="{AF507438-7753-43e0-B8FC-AC1667EBCBE1}">
-              <a14:hiddenEffects xmlns="" xmlns:a14="http://schemas.microsoft.com/office/drawing/2010/main">
+              <a14:hiddenEffects xmlns:a14="http://schemas.microsoft.com/office/drawing/2010/main" xmlns="">
                 <a:effectLst>
                   <a:outerShdw blurRad="63500" dist="38099" dir="2700000" algn="ctr" rotWithShape="0">
                     <a:schemeClr val="bg2">
@@ -16177,12 +18359,12 @@
           <a:effectLst/>
           <a:extLst>
             <a:ext uri="{909E8E84-426E-40dd-AFC4-6F175D3DCCD1}">
-              <a14:hiddenFill xmlns="" xmlns:a14="http://schemas.microsoft.com/office/drawing/2010/main">
+              <a14:hiddenFill xmlns:a14="http://schemas.microsoft.com/office/drawing/2010/main" xmlns="">
                 <a:noFill/>
               </a14:hiddenFill>
             </a:ext>
             <a:ext uri="{AF507438-7753-43e0-B8FC-AC1667EBCBE1}">
-              <a14:hiddenEffects xmlns="" xmlns:a14="http://schemas.microsoft.com/office/drawing/2010/main">
+              <a14:hiddenEffects xmlns:a14="http://schemas.microsoft.com/office/drawing/2010/main" xmlns="">
                 <a:effectLst>
                   <a:outerShdw blurRad="63500" dist="38099" dir="2700000" algn="ctr" rotWithShape="0">
                     <a:schemeClr val="bg2">
@@ -16231,12 +18413,12 @@
           <a:effectLst/>
           <a:extLst>
             <a:ext uri="{909E8E84-426E-40dd-AFC4-6F175D3DCCD1}">
-              <a14:hiddenFill xmlns="" xmlns:a14="http://schemas.microsoft.com/office/drawing/2010/main">
+              <a14:hiddenFill xmlns:a14="http://schemas.microsoft.com/office/drawing/2010/main" xmlns="">
                 <a:noFill/>
               </a14:hiddenFill>
             </a:ext>
             <a:ext uri="{AF507438-7753-43e0-B8FC-AC1667EBCBE1}">
-              <a14:hiddenEffects xmlns="" xmlns:a14="http://schemas.microsoft.com/office/drawing/2010/main">
+              <a14:hiddenEffects xmlns:a14="http://schemas.microsoft.com/office/drawing/2010/main" xmlns="">
                 <a:effectLst>
                   <a:outerShdw blurRad="63500" dist="38099" dir="2700000" algn="ctr" rotWithShape="0">
                     <a:schemeClr val="bg2">
@@ -16284,12 +18466,12 @@
           <a:effectLst/>
           <a:extLst>
             <a:ext uri="{909E8E84-426E-40dd-AFC4-6F175D3DCCD1}">
-              <a14:hiddenFill xmlns="" xmlns:a14="http://schemas.microsoft.com/office/drawing/2010/main">
+              <a14:hiddenFill xmlns:a14="http://schemas.microsoft.com/office/drawing/2010/main" xmlns="">
                 <a:noFill/>
               </a14:hiddenFill>
             </a:ext>
             <a:ext uri="{AF507438-7753-43e0-B8FC-AC1667EBCBE1}">
-              <a14:hiddenEffects xmlns="" xmlns:a14="http://schemas.microsoft.com/office/drawing/2010/main">
+              <a14:hiddenEffects xmlns:a14="http://schemas.microsoft.com/office/drawing/2010/main" xmlns="">
                 <a:effectLst>
                   <a:outerShdw blurRad="63500" dist="38099" dir="2700000" algn="ctr" rotWithShape="0">
                     <a:schemeClr val="bg2">
@@ -16336,12 +18518,12 @@
           <a:effectLst/>
           <a:extLst>
             <a:ext uri="{909E8E84-426E-40dd-AFC4-6F175D3DCCD1}">
-              <a14:hiddenFill xmlns="" xmlns:a14="http://schemas.microsoft.com/office/drawing/2010/main">
+              <a14:hiddenFill xmlns:a14="http://schemas.microsoft.com/office/drawing/2010/main" xmlns="">
                 <a:noFill/>
               </a14:hiddenFill>
             </a:ext>
             <a:ext uri="{AF507438-7753-43e0-B8FC-AC1667EBCBE1}">
-              <a14:hiddenEffects xmlns="" xmlns:a14="http://schemas.microsoft.com/office/drawing/2010/main">
+              <a14:hiddenEffects xmlns:a14="http://schemas.microsoft.com/office/drawing/2010/main" xmlns="">
                 <a:effectLst>
                   <a:outerShdw blurRad="63500" dist="38099" dir="2700000" algn="ctr" rotWithShape="0">
                     <a:schemeClr val="bg2">
@@ -16400,12 +18582,12 @@
           <a:effectLst/>
           <a:extLst>
             <a:ext uri="{909E8E84-426E-40dd-AFC4-6F175D3DCCD1}">
-              <a14:hiddenFill xmlns="" xmlns:a14="http://schemas.microsoft.com/office/drawing/2010/main">
+              <a14:hiddenFill xmlns:a14="http://schemas.microsoft.com/office/drawing/2010/main" xmlns="">
                 <a:noFill/>
               </a14:hiddenFill>
             </a:ext>
             <a:ext uri="{AF507438-7753-43e0-B8FC-AC1667EBCBE1}">
-              <a14:hiddenEffects xmlns="" xmlns:a14="http://schemas.microsoft.com/office/drawing/2010/main">
+              <a14:hiddenEffects xmlns:a14="http://schemas.microsoft.com/office/drawing/2010/main" xmlns="">
                 <a:effectLst>
                   <a:outerShdw blurRad="63500" dist="38099" dir="2700000" algn="ctr" rotWithShape="0">
                     <a:schemeClr val="bg2">
@@ -16464,12 +18646,12 @@
           <a:effectLst/>
           <a:extLst>
             <a:ext uri="{909E8E84-426E-40dd-AFC4-6F175D3DCCD1}">
-              <a14:hiddenFill xmlns="" xmlns:a14="http://schemas.microsoft.com/office/drawing/2010/main">
+              <a14:hiddenFill xmlns:a14="http://schemas.microsoft.com/office/drawing/2010/main" xmlns="">
                 <a:noFill/>
               </a14:hiddenFill>
             </a:ext>
             <a:ext uri="{AF507438-7753-43e0-B8FC-AC1667EBCBE1}">
-              <a14:hiddenEffects xmlns="" xmlns:a14="http://schemas.microsoft.com/office/drawing/2010/main">
+              <a14:hiddenEffects xmlns:a14="http://schemas.microsoft.com/office/drawing/2010/main" xmlns="">
                 <a:effectLst>
                   <a:outerShdw blurRad="63500" dist="38099" dir="2700000" algn="ctr" rotWithShape="0">
                     <a:schemeClr val="bg2">
@@ -16523,14 +18705,14 @@
           <a:effectLst/>
           <a:extLst>
             <a:ext uri="{909E8E84-426E-40dd-AFC4-6F175D3DCCD1}">
-              <a14:hiddenFill xmlns="" xmlns:a14="http://schemas.microsoft.com/office/drawing/2010/main">
+              <a14:hiddenFill xmlns:a14="http://schemas.microsoft.com/office/drawing/2010/main" xmlns="">
                 <a:solidFill>
                   <a:schemeClr val="accent1"/>
                 </a:solidFill>
               </a14:hiddenFill>
             </a:ext>
             <a:ext uri="{91240B29-F687-4f45-9708-019B960494DF}">
-              <a14:hiddenLine xmlns="" xmlns:a14="http://schemas.microsoft.com/office/drawing/2010/main" w="9525">
+              <a14:hiddenLine xmlns:a14="http://schemas.microsoft.com/office/drawing/2010/main" xmlns="" w="9525">
                 <a:solidFill>
                   <a:schemeClr val="tx1"/>
                 </a:solidFill>
@@ -16540,7 +18722,7 @@
               </a14:hiddenLine>
             </a:ext>
             <a:ext uri="{AF507438-7753-43e0-B8FC-AC1667EBCBE1}">
-              <a14:hiddenEffects xmlns="" xmlns:a14="http://schemas.microsoft.com/office/drawing/2010/main">
+              <a14:hiddenEffects xmlns:a14="http://schemas.microsoft.com/office/drawing/2010/main" xmlns="">
                 <a:effectLst>
                   <a:outerShdw blurRad="63500" dist="38099" dir="2700000" algn="ctr" rotWithShape="0">
                     <a:schemeClr val="bg2">
@@ -16600,14 +18782,14 @@
           <a:effectLst/>
           <a:extLst>
             <a:ext uri="{909E8E84-426E-40dd-AFC4-6F175D3DCCD1}">
-              <a14:hiddenFill xmlns="" xmlns:a14="http://schemas.microsoft.com/office/drawing/2010/main">
+              <a14:hiddenFill xmlns:a14="http://schemas.microsoft.com/office/drawing/2010/main" xmlns="">
                 <a:solidFill>
                   <a:schemeClr val="accent1"/>
                 </a:solidFill>
               </a14:hiddenFill>
             </a:ext>
             <a:ext uri="{91240B29-F687-4f45-9708-019B960494DF}">
-              <a14:hiddenLine xmlns="" xmlns:a14="http://schemas.microsoft.com/office/drawing/2010/main" w="9525">
+              <a14:hiddenLine xmlns:a14="http://schemas.microsoft.com/office/drawing/2010/main" xmlns="" w="9525">
                 <a:solidFill>
                   <a:schemeClr val="tx1"/>
                 </a:solidFill>
@@ -16617,7 +18799,7 @@
               </a14:hiddenLine>
             </a:ext>
             <a:ext uri="{AF507438-7753-43e0-B8FC-AC1667EBCBE1}">
-              <a14:hiddenEffects xmlns="" xmlns:a14="http://schemas.microsoft.com/office/drawing/2010/main">
+              <a14:hiddenEffects xmlns:a14="http://schemas.microsoft.com/office/drawing/2010/main" xmlns="">
                 <a:effectLst>
                   <a:outerShdw blurRad="63500" dist="38099" dir="2700000" algn="ctr" rotWithShape="0">
                     <a:schemeClr val="bg2">
@@ -16677,14 +18859,14 @@
           <a:effectLst/>
           <a:extLst>
             <a:ext uri="{909E8E84-426E-40dd-AFC4-6F175D3DCCD1}">
-              <a14:hiddenFill xmlns="" xmlns:a14="http://schemas.microsoft.com/office/drawing/2010/main">
+              <a14:hiddenFill xmlns:a14="http://schemas.microsoft.com/office/drawing/2010/main" xmlns="">
                 <a:solidFill>
                   <a:schemeClr val="accent1"/>
                 </a:solidFill>
               </a14:hiddenFill>
             </a:ext>
             <a:ext uri="{91240B29-F687-4f45-9708-019B960494DF}">
-              <a14:hiddenLine xmlns="" xmlns:a14="http://schemas.microsoft.com/office/drawing/2010/main" w="9525">
+              <a14:hiddenLine xmlns:a14="http://schemas.microsoft.com/office/drawing/2010/main" xmlns="" w="9525">
                 <a:solidFill>
                   <a:schemeClr val="tx1"/>
                 </a:solidFill>
@@ -16694,7 +18876,7 @@
               </a14:hiddenLine>
             </a:ext>
             <a:ext uri="{AF507438-7753-43e0-B8FC-AC1667EBCBE1}">
-              <a14:hiddenEffects xmlns="" xmlns:a14="http://schemas.microsoft.com/office/drawing/2010/main">
+              <a14:hiddenEffects xmlns:a14="http://schemas.microsoft.com/office/drawing/2010/main" xmlns="">
                 <a:effectLst>
                   <a:outerShdw blurRad="63500" dist="38099" dir="2700000" algn="ctr" rotWithShape="0">
                     <a:schemeClr val="bg2">
@@ -16754,14 +18936,14 @@
           <a:effectLst/>
           <a:extLst>
             <a:ext uri="{909E8E84-426E-40dd-AFC4-6F175D3DCCD1}">
-              <a14:hiddenFill xmlns="" xmlns:a14="http://schemas.microsoft.com/office/drawing/2010/main">
+              <a14:hiddenFill xmlns:a14="http://schemas.microsoft.com/office/drawing/2010/main" xmlns="">
                 <a:solidFill>
                   <a:schemeClr val="accent1"/>
                 </a:solidFill>
               </a14:hiddenFill>
             </a:ext>
             <a:ext uri="{91240B29-F687-4f45-9708-019B960494DF}">
-              <a14:hiddenLine xmlns="" xmlns:a14="http://schemas.microsoft.com/office/drawing/2010/main" w="9525">
+              <a14:hiddenLine xmlns:a14="http://schemas.microsoft.com/office/drawing/2010/main" xmlns="" w="9525">
                 <a:solidFill>
                   <a:schemeClr val="tx1"/>
                 </a:solidFill>
@@ -16771,7 +18953,7 @@
               </a14:hiddenLine>
             </a:ext>
             <a:ext uri="{AF507438-7753-43e0-B8FC-AC1667EBCBE1}">
-              <a14:hiddenEffects xmlns="" xmlns:a14="http://schemas.microsoft.com/office/drawing/2010/main">
+              <a14:hiddenEffects xmlns:a14="http://schemas.microsoft.com/office/drawing/2010/main" xmlns="">
                 <a:effectLst>
                   <a:outerShdw blurRad="63500" dist="38099" dir="2700000" algn="ctr" rotWithShape="0">
                     <a:schemeClr val="bg2">
@@ -16831,14 +19013,14 @@
           <a:effectLst/>
           <a:extLst>
             <a:ext uri="{909E8E84-426E-40dd-AFC4-6F175D3DCCD1}">
-              <a14:hiddenFill xmlns="" xmlns:a14="http://schemas.microsoft.com/office/drawing/2010/main">
+              <a14:hiddenFill xmlns:a14="http://schemas.microsoft.com/office/drawing/2010/main" xmlns="">
                 <a:solidFill>
                   <a:schemeClr val="accent1"/>
                 </a:solidFill>
               </a14:hiddenFill>
             </a:ext>
             <a:ext uri="{91240B29-F687-4f45-9708-019B960494DF}">
-              <a14:hiddenLine xmlns="" xmlns:a14="http://schemas.microsoft.com/office/drawing/2010/main" w="9525">
+              <a14:hiddenLine xmlns:a14="http://schemas.microsoft.com/office/drawing/2010/main" xmlns="" w="9525">
                 <a:solidFill>
                   <a:schemeClr val="tx1"/>
                 </a:solidFill>
@@ -16848,7 +19030,7 @@
               </a14:hiddenLine>
             </a:ext>
             <a:ext uri="{AF507438-7753-43e0-B8FC-AC1667EBCBE1}">
-              <a14:hiddenEffects xmlns="" xmlns:a14="http://schemas.microsoft.com/office/drawing/2010/main">
+              <a14:hiddenEffects xmlns:a14="http://schemas.microsoft.com/office/drawing/2010/main" xmlns="">
                 <a:effectLst>
                   <a:outerShdw blurRad="63500" dist="38099" dir="2700000" algn="ctr" rotWithShape="0">
                     <a:schemeClr val="bg2">
@@ -16908,14 +19090,14 @@
           <a:effectLst/>
           <a:extLst>
             <a:ext uri="{909E8E84-426E-40dd-AFC4-6F175D3DCCD1}">
-              <a14:hiddenFill xmlns="" xmlns:a14="http://schemas.microsoft.com/office/drawing/2010/main">
+              <a14:hiddenFill xmlns:a14="http://schemas.microsoft.com/office/drawing/2010/main" xmlns="">
                 <a:solidFill>
                   <a:schemeClr val="accent1"/>
                 </a:solidFill>
               </a14:hiddenFill>
             </a:ext>
             <a:ext uri="{91240B29-F687-4f45-9708-019B960494DF}">
-              <a14:hiddenLine xmlns="" xmlns:a14="http://schemas.microsoft.com/office/drawing/2010/main" w="9525">
+              <a14:hiddenLine xmlns:a14="http://schemas.microsoft.com/office/drawing/2010/main" xmlns="" w="9525">
                 <a:solidFill>
                   <a:schemeClr val="tx1"/>
                 </a:solidFill>
@@ -16925,7 +19107,7 @@
               </a14:hiddenLine>
             </a:ext>
             <a:ext uri="{AF507438-7753-43e0-B8FC-AC1667EBCBE1}">
-              <a14:hiddenEffects xmlns="" xmlns:a14="http://schemas.microsoft.com/office/drawing/2010/main">
+              <a14:hiddenEffects xmlns:a14="http://schemas.microsoft.com/office/drawing/2010/main" xmlns="">
                 <a:effectLst>
                   <a:outerShdw blurRad="63500" dist="38099" dir="2700000" algn="ctr" rotWithShape="0">
                     <a:schemeClr val="bg2">
@@ -16985,14 +19167,14 @@
           <a:effectLst/>
           <a:extLst>
             <a:ext uri="{909E8E84-426E-40dd-AFC4-6F175D3DCCD1}">
-              <a14:hiddenFill xmlns="" xmlns:a14="http://schemas.microsoft.com/office/drawing/2010/main">
+              <a14:hiddenFill xmlns:a14="http://schemas.microsoft.com/office/drawing/2010/main" xmlns="">
                 <a:solidFill>
                   <a:schemeClr val="accent1"/>
                 </a:solidFill>
               </a14:hiddenFill>
             </a:ext>
             <a:ext uri="{91240B29-F687-4f45-9708-019B960494DF}">
-              <a14:hiddenLine xmlns="" xmlns:a14="http://schemas.microsoft.com/office/drawing/2010/main" w="9525">
+              <a14:hiddenLine xmlns:a14="http://schemas.microsoft.com/office/drawing/2010/main" xmlns="" w="9525">
                 <a:solidFill>
                   <a:schemeClr val="tx1"/>
                 </a:solidFill>
@@ -17002,7 +19184,7 @@
               </a14:hiddenLine>
             </a:ext>
             <a:ext uri="{AF507438-7753-43e0-B8FC-AC1667EBCBE1}">
-              <a14:hiddenEffects xmlns="" xmlns:a14="http://schemas.microsoft.com/office/drawing/2010/main">
+              <a14:hiddenEffects xmlns:a14="http://schemas.microsoft.com/office/drawing/2010/main" xmlns="">
                 <a:effectLst>
                   <a:outerShdw blurRad="63500" dist="38099" dir="2700000" algn="ctr" rotWithShape="0">
                     <a:schemeClr val="bg2">
@@ -17062,14 +19244,14 @@
           <a:effectLst/>
           <a:extLst>
             <a:ext uri="{909E8E84-426E-40dd-AFC4-6F175D3DCCD1}">
-              <a14:hiddenFill xmlns="" xmlns:a14="http://schemas.microsoft.com/office/drawing/2010/main">
+              <a14:hiddenFill xmlns:a14="http://schemas.microsoft.com/office/drawing/2010/main" xmlns="">
                 <a:solidFill>
                   <a:schemeClr val="accent1"/>
                 </a:solidFill>
               </a14:hiddenFill>
             </a:ext>
             <a:ext uri="{91240B29-F687-4f45-9708-019B960494DF}">
-              <a14:hiddenLine xmlns="" xmlns:a14="http://schemas.microsoft.com/office/drawing/2010/main" w="9525">
+              <a14:hiddenLine xmlns:a14="http://schemas.microsoft.com/office/drawing/2010/main" xmlns="" w="9525">
                 <a:solidFill>
                   <a:schemeClr val="tx1"/>
                 </a:solidFill>
@@ -17079,7 +19261,7 @@
               </a14:hiddenLine>
             </a:ext>
             <a:ext uri="{AF507438-7753-43e0-B8FC-AC1667EBCBE1}">
-              <a14:hiddenEffects xmlns="" xmlns:a14="http://schemas.microsoft.com/office/drawing/2010/main">
+              <a14:hiddenEffects xmlns:a14="http://schemas.microsoft.com/office/drawing/2010/main" xmlns="">
                 <a:effectLst>
                   <a:outerShdw blurRad="63500" dist="38099" dir="2700000" algn="ctr" rotWithShape="0">
                     <a:schemeClr val="bg2">
@@ -17139,14 +19321,14 @@
           <a:effectLst/>
           <a:extLst>
             <a:ext uri="{909E8E84-426E-40dd-AFC4-6F175D3DCCD1}">
-              <a14:hiddenFill xmlns="" xmlns:a14="http://schemas.microsoft.com/office/drawing/2010/main">
+              <a14:hiddenFill xmlns:a14="http://schemas.microsoft.com/office/drawing/2010/main" xmlns="">
                 <a:solidFill>
                   <a:schemeClr val="accent1"/>
                 </a:solidFill>
               </a14:hiddenFill>
             </a:ext>
             <a:ext uri="{91240B29-F687-4f45-9708-019B960494DF}">
-              <a14:hiddenLine xmlns="" xmlns:a14="http://schemas.microsoft.com/office/drawing/2010/main" w="9525">
+              <a14:hiddenLine xmlns:a14="http://schemas.microsoft.com/office/drawing/2010/main" xmlns="" w="9525">
                 <a:solidFill>
                   <a:schemeClr val="tx1"/>
                 </a:solidFill>
@@ -17156,7 +19338,7 @@
               </a14:hiddenLine>
             </a:ext>
             <a:ext uri="{AF507438-7753-43e0-B8FC-AC1667EBCBE1}">
-              <a14:hiddenEffects xmlns="" xmlns:a14="http://schemas.microsoft.com/office/drawing/2010/main">
+              <a14:hiddenEffects xmlns:a14="http://schemas.microsoft.com/office/drawing/2010/main" xmlns="">
                 <a:effectLst>
                   <a:outerShdw blurRad="63500" dist="38099" dir="2700000" algn="ctr" rotWithShape="0">
                     <a:schemeClr val="bg2">
@@ -17226,14 +19408,14 @@
           <a:effectLst/>
           <a:extLst>
             <a:ext uri="{909E8E84-426E-40dd-AFC4-6F175D3DCCD1}">
-              <a14:hiddenFill xmlns="" xmlns:a14="http://schemas.microsoft.com/office/drawing/2010/main">
+              <a14:hiddenFill xmlns:a14="http://schemas.microsoft.com/office/drawing/2010/main" xmlns="">
                 <a:solidFill>
                   <a:schemeClr val="accent1"/>
                 </a:solidFill>
               </a14:hiddenFill>
             </a:ext>
             <a:ext uri="{91240B29-F687-4f45-9708-019B960494DF}">
-              <a14:hiddenLine xmlns="" xmlns:a14="http://schemas.microsoft.com/office/drawing/2010/main" w="9525">
+              <a14:hiddenLine xmlns:a14="http://schemas.microsoft.com/office/drawing/2010/main" xmlns="" w="9525">
                 <a:solidFill>
                   <a:schemeClr val="tx1"/>
                 </a:solidFill>
@@ -17243,7 +19425,7 @@
               </a14:hiddenLine>
             </a:ext>
             <a:ext uri="{AF507438-7753-43e0-B8FC-AC1667EBCBE1}">
-              <a14:hiddenEffects xmlns="" xmlns:a14="http://schemas.microsoft.com/office/drawing/2010/main">
+              <a14:hiddenEffects xmlns:a14="http://schemas.microsoft.com/office/drawing/2010/main" xmlns="">
                 <a:effectLst>
                   <a:outerShdw blurRad="63500" dist="38099" dir="2700000" algn="ctr" rotWithShape="0">
                     <a:schemeClr val="bg2">
@@ -17313,14 +19495,14 @@
           <a:effectLst/>
           <a:extLst>
             <a:ext uri="{909E8E84-426E-40dd-AFC4-6F175D3DCCD1}">
-              <a14:hiddenFill xmlns="" xmlns:a14="http://schemas.microsoft.com/office/drawing/2010/main">
+              <a14:hiddenFill xmlns:a14="http://schemas.microsoft.com/office/drawing/2010/main" xmlns="">
                 <a:solidFill>
                   <a:schemeClr val="accent1"/>
                 </a:solidFill>
               </a14:hiddenFill>
             </a:ext>
             <a:ext uri="{91240B29-F687-4f45-9708-019B960494DF}">
-              <a14:hiddenLine xmlns="" xmlns:a14="http://schemas.microsoft.com/office/drawing/2010/main" w="9525">
+              <a14:hiddenLine xmlns:a14="http://schemas.microsoft.com/office/drawing/2010/main" xmlns="" w="9525">
                 <a:solidFill>
                   <a:schemeClr val="tx1"/>
                 </a:solidFill>
@@ -17330,7 +19512,7 @@
               </a14:hiddenLine>
             </a:ext>
             <a:ext uri="{AF507438-7753-43e0-B8FC-AC1667EBCBE1}">
-              <a14:hiddenEffects xmlns="" xmlns:a14="http://schemas.microsoft.com/office/drawing/2010/main">
+              <a14:hiddenEffects xmlns:a14="http://schemas.microsoft.com/office/drawing/2010/main" xmlns="">
                 <a:effectLst>
                   <a:outerShdw blurRad="63500" dist="38099" dir="2700000" algn="ctr" rotWithShape="0">
                     <a:schemeClr val="bg2">
@@ -17400,14 +19582,14 @@
           <a:effectLst/>
           <a:extLst>
             <a:ext uri="{909E8E84-426E-40dd-AFC4-6F175D3DCCD1}">
-              <a14:hiddenFill xmlns="" xmlns:a14="http://schemas.microsoft.com/office/drawing/2010/main">
+              <a14:hiddenFill xmlns:a14="http://schemas.microsoft.com/office/drawing/2010/main" xmlns="">
                 <a:solidFill>
                   <a:schemeClr val="accent1"/>
                 </a:solidFill>
               </a14:hiddenFill>
             </a:ext>
             <a:ext uri="{91240B29-F687-4f45-9708-019B960494DF}">
-              <a14:hiddenLine xmlns="" xmlns:a14="http://schemas.microsoft.com/office/drawing/2010/main" w="9525">
+              <a14:hiddenLine xmlns:a14="http://schemas.microsoft.com/office/drawing/2010/main" xmlns="" w="9525">
                 <a:solidFill>
                   <a:schemeClr val="tx1"/>
                 </a:solidFill>
@@ -17417,7 +19599,7 @@
               </a14:hiddenLine>
             </a:ext>
             <a:ext uri="{AF507438-7753-43e0-B8FC-AC1667EBCBE1}">
-              <a14:hiddenEffects xmlns="" xmlns:a14="http://schemas.microsoft.com/office/drawing/2010/main">
+              <a14:hiddenEffects xmlns:a14="http://schemas.microsoft.com/office/drawing/2010/main" xmlns="">
                 <a:effectLst>
                   <a:outerShdw blurRad="63500" dist="38099" dir="2700000" algn="ctr" rotWithShape="0">
                     <a:schemeClr val="bg2">
@@ -17487,14 +19669,14 @@
           <a:effectLst/>
           <a:extLst>
             <a:ext uri="{909E8E84-426E-40dd-AFC4-6F175D3DCCD1}">
-              <a14:hiddenFill xmlns="" xmlns:a14="http://schemas.microsoft.com/office/drawing/2010/main">
+              <a14:hiddenFill xmlns:a14="http://schemas.microsoft.com/office/drawing/2010/main" xmlns="">
                 <a:solidFill>
                   <a:schemeClr val="accent1"/>
                 </a:solidFill>
               </a14:hiddenFill>
             </a:ext>
             <a:ext uri="{91240B29-F687-4f45-9708-019B960494DF}">
-              <a14:hiddenLine xmlns="" xmlns:a14="http://schemas.microsoft.com/office/drawing/2010/main" w="9525">
+              <a14:hiddenLine xmlns:a14="http://schemas.microsoft.com/office/drawing/2010/main" xmlns="" w="9525">
                 <a:solidFill>
                   <a:schemeClr val="tx1"/>
                 </a:solidFill>
@@ -17504,7 +19686,7 @@
               </a14:hiddenLine>
             </a:ext>
             <a:ext uri="{AF507438-7753-43e0-B8FC-AC1667EBCBE1}">
-              <a14:hiddenEffects xmlns="" xmlns:a14="http://schemas.microsoft.com/office/drawing/2010/main">
+              <a14:hiddenEffects xmlns:a14="http://schemas.microsoft.com/office/drawing/2010/main" xmlns="">
                 <a:effectLst>
                   <a:outerShdw blurRad="63500" dist="38099" dir="2700000" algn="ctr" rotWithShape="0">
                     <a:schemeClr val="bg2">
@@ -17574,14 +19756,14 @@
           <a:effectLst/>
           <a:extLst>
             <a:ext uri="{909E8E84-426E-40dd-AFC4-6F175D3DCCD1}">
-              <a14:hiddenFill xmlns="" xmlns:a14="http://schemas.microsoft.com/office/drawing/2010/main">
+              <a14:hiddenFill xmlns:a14="http://schemas.microsoft.com/office/drawing/2010/main" xmlns="">
                 <a:solidFill>
                   <a:schemeClr val="accent1"/>
                 </a:solidFill>
               </a14:hiddenFill>
             </a:ext>
             <a:ext uri="{91240B29-F687-4f45-9708-019B960494DF}">
-              <a14:hiddenLine xmlns="" xmlns:a14="http://schemas.microsoft.com/office/drawing/2010/main" w="9525">
+              <a14:hiddenLine xmlns:a14="http://schemas.microsoft.com/office/drawing/2010/main" xmlns="" w="9525">
                 <a:solidFill>
                   <a:schemeClr val="tx1"/>
                 </a:solidFill>
@@ -17591,7 +19773,7 @@
               </a14:hiddenLine>
             </a:ext>
             <a:ext uri="{AF507438-7753-43e0-B8FC-AC1667EBCBE1}">
-              <a14:hiddenEffects xmlns="" xmlns:a14="http://schemas.microsoft.com/office/drawing/2010/main">
+              <a14:hiddenEffects xmlns:a14="http://schemas.microsoft.com/office/drawing/2010/main" xmlns="">
                 <a:effectLst>
                   <a:outerShdw blurRad="63500" dist="38099" dir="2700000" algn="ctr" rotWithShape="0">
                     <a:schemeClr val="bg2">
@@ -17661,14 +19843,14 @@
           <a:effectLst/>
           <a:extLst>
             <a:ext uri="{909E8E84-426E-40dd-AFC4-6F175D3DCCD1}">
-              <a14:hiddenFill xmlns="" xmlns:a14="http://schemas.microsoft.com/office/drawing/2010/main">
+              <a14:hiddenFill xmlns:a14="http://schemas.microsoft.com/office/drawing/2010/main" xmlns="">
                 <a:solidFill>
                   <a:schemeClr val="accent1"/>
                 </a:solidFill>
               </a14:hiddenFill>
             </a:ext>
             <a:ext uri="{91240B29-F687-4f45-9708-019B960494DF}">
-              <a14:hiddenLine xmlns="" xmlns:a14="http://schemas.microsoft.com/office/drawing/2010/main" w="9525">
+              <a14:hiddenLine xmlns:a14="http://schemas.microsoft.com/office/drawing/2010/main" xmlns="" w="9525">
                 <a:solidFill>
                   <a:schemeClr val="tx1"/>
                 </a:solidFill>
@@ -17678,7 +19860,7 @@
               </a14:hiddenLine>
             </a:ext>
             <a:ext uri="{AF507438-7753-43e0-B8FC-AC1667EBCBE1}">
-              <a14:hiddenEffects xmlns="" xmlns:a14="http://schemas.microsoft.com/office/drawing/2010/main">
+              <a14:hiddenEffects xmlns:a14="http://schemas.microsoft.com/office/drawing/2010/main" xmlns="">
                 <a:effectLst>
                   <a:outerShdw blurRad="63500" dist="38099" dir="2700000" algn="ctr" rotWithShape="0">
                     <a:schemeClr val="bg2">
@@ -17748,14 +19930,14 @@
           <a:effectLst/>
           <a:extLst>
             <a:ext uri="{909E8E84-426E-40dd-AFC4-6F175D3DCCD1}">
-              <a14:hiddenFill xmlns="" xmlns:a14="http://schemas.microsoft.com/office/drawing/2010/main">
+              <a14:hiddenFill xmlns:a14="http://schemas.microsoft.com/office/drawing/2010/main" xmlns="">
                 <a:solidFill>
                   <a:schemeClr val="accent1"/>
                 </a:solidFill>
               </a14:hiddenFill>
             </a:ext>
             <a:ext uri="{91240B29-F687-4f45-9708-019B960494DF}">
-              <a14:hiddenLine xmlns="" xmlns:a14="http://schemas.microsoft.com/office/drawing/2010/main" w="9525">
+              <a14:hiddenLine xmlns:a14="http://schemas.microsoft.com/office/drawing/2010/main" xmlns="" w="9525">
                 <a:solidFill>
                   <a:schemeClr val="tx1"/>
                 </a:solidFill>
@@ -17765,7 +19947,7 @@
               </a14:hiddenLine>
             </a:ext>
             <a:ext uri="{AF507438-7753-43e0-B8FC-AC1667EBCBE1}">
-              <a14:hiddenEffects xmlns="" xmlns:a14="http://schemas.microsoft.com/office/drawing/2010/main">
+              <a14:hiddenEffects xmlns:a14="http://schemas.microsoft.com/office/drawing/2010/main" xmlns="">
                 <a:effectLst>
                   <a:outerShdw blurRad="63500" dist="38099" dir="2700000" algn="ctr" rotWithShape="0">
                     <a:schemeClr val="bg2">
@@ -17835,14 +20017,14 @@
           <a:effectLst/>
           <a:extLst>
             <a:ext uri="{909E8E84-426E-40dd-AFC4-6F175D3DCCD1}">
-              <a14:hiddenFill xmlns="" xmlns:a14="http://schemas.microsoft.com/office/drawing/2010/main">
+              <a14:hiddenFill xmlns:a14="http://schemas.microsoft.com/office/drawing/2010/main" xmlns="">
                 <a:solidFill>
                   <a:schemeClr val="accent1"/>
                 </a:solidFill>
               </a14:hiddenFill>
             </a:ext>
             <a:ext uri="{91240B29-F687-4f45-9708-019B960494DF}">
-              <a14:hiddenLine xmlns="" xmlns:a14="http://schemas.microsoft.com/office/drawing/2010/main" w="9525">
+              <a14:hiddenLine xmlns:a14="http://schemas.microsoft.com/office/drawing/2010/main" xmlns="" w="9525">
                 <a:solidFill>
                   <a:schemeClr val="tx1"/>
                 </a:solidFill>
@@ -17852,7 +20034,7 @@
               </a14:hiddenLine>
             </a:ext>
             <a:ext uri="{AF507438-7753-43e0-B8FC-AC1667EBCBE1}">
-              <a14:hiddenEffects xmlns="" xmlns:a14="http://schemas.microsoft.com/office/drawing/2010/main">
+              <a14:hiddenEffects xmlns:a14="http://schemas.microsoft.com/office/drawing/2010/main" xmlns="">
                 <a:effectLst>
                   <a:outerShdw blurRad="63500" dist="38099" dir="2700000" algn="ctr" rotWithShape="0">
                     <a:schemeClr val="bg2">
@@ -17922,14 +20104,14 @@
           <a:effectLst/>
           <a:extLst>
             <a:ext uri="{909E8E84-426E-40dd-AFC4-6F175D3DCCD1}">
-              <a14:hiddenFill xmlns="" xmlns:a14="http://schemas.microsoft.com/office/drawing/2010/main">
+              <a14:hiddenFill xmlns:a14="http://schemas.microsoft.com/office/drawing/2010/main" xmlns="">
                 <a:solidFill>
                   <a:schemeClr val="accent1"/>
                 </a:solidFill>
               </a14:hiddenFill>
             </a:ext>
             <a:ext uri="{91240B29-F687-4f45-9708-019B960494DF}">
-              <a14:hiddenLine xmlns="" xmlns:a14="http://schemas.microsoft.com/office/drawing/2010/main" w="9525">
+              <a14:hiddenLine xmlns:a14="http://schemas.microsoft.com/office/drawing/2010/main" xmlns="" w="9525">
                 <a:solidFill>
                   <a:schemeClr val="tx1"/>
                 </a:solidFill>
@@ -17939,7 +20121,7 @@
               </a14:hiddenLine>
             </a:ext>
             <a:ext uri="{AF507438-7753-43e0-B8FC-AC1667EBCBE1}">
-              <a14:hiddenEffects xmlns="" xmlns:a14="http://schemas.microsoft.com/office/drawing/2010/main">
+              <a14:hiddenEffects xmlns:a14="http://schemas.microsoft.com/office/drawing/2010/main" xmlns="">
                 <a:effectLst>
                   <a:outerShdw blurRad="63500" dist="38099" dir="2700000" algn="ctr" rotWithShape="0">
                     <a:schemeClr val="bg2">
@@ -18003,14 +20185,14 @@
           <a:effectLst/>
           <a:extLst>
             <a:ext uri="{909E8E84-426E-40dd-AFC4-6F175D3DCCD1}">
-              <a14:hiddenFill xmlns="" xmlns:a14="http://schemas.microsoft.com/office/drawing/2010/main">
+              <a14:hiddenFill xmlns:a14="http://schemas.microsoft.com/office/drawing/2010/main" xmlns="">
                 <a:solidFill>
                   <a:schemeClr val="accent1"/>
                 </a:solidFill>
               </a14:hiddenFill>
             </a:ext>
             <a:ext uri="{91240B29-F687-4f45-9708-019B960494DF}">
-              <a14:hiddenLine xmlns="" xmlns:a14="http://schemas.microsoft.com/office/drawing/2010/main" w="9525">
+              <a14:hiddenLine xmlns:a14="http://schemas.microsoft.com/office/drawing/2010/main" xmlns="" w="9525">
                 <a:solidFill>
                   <a:schemeClr val="tx1"/>
                 </a:solidFill>
@@ -18020,7 +20202,7 @@
               </a14:hiddenLine>
             </a:ext>
             <a:ext uri="{AF507438-7753-43e0-B8FC-AC1667EBCBE1}">
-              <a14:hiddenEffects xmlns="" xmlns:a14="http://schemas.microsoft.com/office/drawing/2010/main">
+              <a14:hiddenEffects xmlns:a14="http://schemas.microsoft.com/office/drawing/2010/main" xmlns="">
                 <a:effectLst>
                   <a:outerShdw blurRad="63500" dist="38099" dir="2700000" algn="ctr" rotWithShape="0">
                     <a:schemeClr val="bg2">
@@ -18084,14 +20266,14 @@
           <a:effectLst/>
           <a:extLst>
             <a:ext uri="{909E8E84-426E-40dd-AFC4-6F175D3DCCD1}">
-              <a14:hiddenFill xmlns="" xmlns:a14="http://schemas.microsoft.com/office/drawing/2010/main">
+              <a14:hiddenFill xmlns:a14="http://schemas.microsoft.com/office/drawing/2010/main" xmlns="">
                 <a:solidFill>
                   <a:schemeClr val="accent1"/>
                 </a:solidFill>
               </a14:hiddenFill>
             </a:ext>
             <a:ext uri="{91240B29-F687-4f45-9708-019B960494DF}">
-              <a14:hiddenLine xmlns="" xmlns:a14="http://schemas.microsoft.com/office/drawing/2010/main" w="9525">
+              <a14:hiddenLine xmlns:a14="http://schemas.microsoft.com/office/drawing/2010/main" xmlns="" w="9525">
                 <a:solidFill>
                   <a:schemeClr val="tx1"/>
                 </a:solidFill>
@@ -18101,7 +20283,7 @@
               </a14:hiddenLine>
             </a:ext>
             <a:ext uri="{AF507438-7753-43e0-B8FC-AC1667EBCBE1}">
-              <a14:hiddenEffects xmlns="" xmlns:a14="http://schemas.microsoft.com/office/drawing/2010/main">
+              <a14:hiddenEffects xmlns:a14="http://schemas.microsoft.com/office/drawing/2010/main" xmlns="">
                 <a:effectLst>
                   <a:outerShdw blurRad="63500" dist="38099" dir="2700000" algn="ctr" rotWithShape="0">
                     <a:schemeClr val="bg2">
@@ -18165,14 +20347,14 @@
           <a:effectLst/>
           <a:extLst>
             <a:ext uri="{909E8E84-426E-40dd-AFC4-6F175D3DCCD1}">
-              <a14:hiddenFill xmlns="" xmlns:a14="http://schemas.microsoft.com/office/drawing/2010/main">
+              <a14:hiddenFill xmlns:a14="http://schemas.microsoft.com/office/drawing/2010/main" xmlns="">
                 <a:solidFill>
                   <a:schemeClr val="accent1"/>
                 </a:solidFill>
               </a14:hiddenFill>
             </a:ext>
             <a:ext uri="{91240B29-F687-4f45-9708-019B960494DF}">
-              <a14:hiddenLine xmlns="" xmlns:a14="http://schemas.microsoft.com/office/drawing/2010/main" w="9525">
+              <a14:hiddenLine xmlns:a14="http://schemas.microsoft.com/office/drawing/2010/main" xmlns="" w="9525">
                 <a:solidFill>
                   <a:schemeClr val="tx1"/>
                 </a:solidFill>
@@ -18182,7 +20364,7 @@
               </a14:hiddenLine>
             </a:ext>
             <a:ext uri="{AF507438-7753-43e0-B8FC-AC1667EBCBE1}">
-              <a14:hiddenEffects xmlns="" xmlns:a14="http://schemas.microsoft.com/office/drawing/2010/main">
+              <a14:hiddenEffects xmlns:a14="http://schemas.microsoft.com/office/drawing/2010/main" xmlns="">
                 <a:effectLst>
                   <a:outerShdw blurRad="63500" dist="38099" dir="2700000" algn="ctr" rotWithShape="0">
                     <a:schemeClr val="bg2">
@@ -18246,14 +20428,14 @@
           <a:effectLst/>
           <a:extLst>
             <a:ext uri="{909E8E84-426E-40dd-AFC4-6F175D3DCCD1}">
-              <a14:hiddenFill xmlns="" xmlns:a14="http://schemas.microsoft.com/office/drawing/2010/main">
+              <a14:hiddenFill xmlns:a14="http://schemas.microsoft.com/office/drawing/2010/main" xmlns="">
                 <a:solidFill>
                   <a:schemeClr val="accent1"/>
                 </a:solidFill>
               </a14:hiddenFill>
             </a:ext>
             <a:ext uri="{91240B29-F687-4f45-9708-019B960494DF}">
-              <a14:hiddenLine xmlns="" xmlns:a14="http://schemas.microsoft.com/office/drawing/2010/main" w="9525">
+              <a14:hiddenLine xmlns:a14="http://schemas.microsoft.com/office/drawing/2010/main" xmlns="" w="9525">
                 <a:solidFill>
                   <a:schemeClr val="tx1"/>
                 </a:solidFill>
@@ -18263,7 +20445,7 @@
               </a14:hiddenLine>
             </a:ext>
             <a:ext uri="{AF507438-7753-43e0-B8FC-AC1667EBCBE1}">
-              <a14:hiddenEffects xmlns="" xmlns:a14="http://schemas.microsoft.com/office/drawing/2010/main">
+              <a14:hiddenEffects xmlns:a14="http://schemas.microsoft.com/office/drawing/2010/main" xmlns="">
                 <a:effectLst>
                   <a:outerShdw blurRad="63500" dist="38099" dir="2700000" algn="ctr" rotWithShape="0">
                     <a:schemeClr val="bg2">
@@ -18332,12 +20514,12 @@
           <a:effectLst/>
           <a:extLst>
             <a:ext uri="{909E8E84-426E-40dd-AFC4-6F175D3DCCD1}">
-              <a14:hiddenFill xmlns="" xmlns:a14="http://schemas.microsoft.com/office/drawing/2010/main">
+              <a14:hiddenFill xmlns:a14="http://schemas.microsoft.com/office/drawing/2010/main" xmlns="">
                 <a:noFill/>
               </a14:hiddenFill>
             </a:ext>
             <a:ext uri="{AF507438-7753-43e0-B8FC-AC1667EBCBE1}">
-              <a14:hiddenEffects xmlns="" xmlns:a14="http://schemas.microsoft.com/office/drawing/2010/main">
+              <a14:hiddenEffects xmlns:a14="http://schemas.microsoft.com/office/drawing/2010/main" xmlns="">
                 <a:effectLst>
                   <a:outerShdw blurRad="63500" dist="38099" dir="2700000" algn="ctr" rotWithShape="0">
                     <a:schemeClr val="bg2">
@@ -18396,12 +20578,12 @@
           <a:effectLst/>
           <a:extLst>
             <a:ext uri="{909E8E84-426E-40dd-AFC4-6F175D3DCCD1}">
-              <a14:hiddenFill xmlns="" xmlns:a14="http://schemas.microsoft.com/office/drawing/2010/main">
+              <a14:hiddenFill xmlns:a14="http://schemas.microsoft.com/office/drawing/2010/main" xmlns="">
                 <a:noFill/>
               </a14:hiddenFill>
             </a:ext>
             <a:ext uri="{AF507438-7753-43e0-B8FC-AC1667EBCBE1}">
-              <a14:hiddenEffects xmlns="" xmlns:a14="http://schemas.microsoft.com/office/drawing/2010/main">
+              <a14:hiddenEffects xmlns:a14="http://schemas.microsoft.com/office/drawing/2010/main" xmlns="">
                 <a:effectLst>
                   <a:outerShdw blurRad="63500" dist="38099" dir="2700000" algn="ctr" rotWithShape="0">
                     <a:schemeClr val="bg2">
@@ -18455,14 +20637,14 @@
           <a:effectLst/>
           <a:extLst>
             <a:ext uri="{909E8E84-426E-40dd-AFC4-6F175D3DCCD1}">
-              <a14:hiddenFill xmlns="" xmlns:a14="http://schemas.microsoft.com/office/drawing/2010/main">
+              <a14:hiddenFill xmlns:a14="http://schemas.microsoft.com/office/drawing/2010/main" xmlns="">
                 <a:solidFill>
                   <a:schemeClr val="accent1"/>
                 </a:solidFill>
               </a14:hiddenFill>
             </a:ext>
             <a:ext uri="{91240B29-F687-4f45-9708-019B960494DF}">
-              <a14:hiddenLine xmlns="" xmlns:a14="http://schemas.microsoft.com/office/drawing/2010/main" w="9525">
+              <a14:hiddenLine xmlns:a14="http://schemas.microsoft.com/office/drawing/2010/main" xmlns="" w="9525">
                 <a:solidFill>
                   <a:schemeClr val="tx1"/>
                 </a:solidFill>
@@ -18472,7 +20654,7 @@
               </a14:hiddenLine>
             </a:ext>
             <a:ext uri="{AF507438-7753-43e0-B8FC-AC1667EBCBE1}">
-              <a14:hiddenEffects xmlns="" xmlns:a14="http://schemas.microsoft.com/office/drawing/2010/main">
+              <a14:hiddenEffects xmlns:a14="http://schemas.microsoft.com/office/drawing/2010/main" xmlns="">
                 <a:effectLst>
                   <a:outerShdw blurRad="63500" dist="38099" dir="2700000" algn="ctr" rotWithShape="0">
                     <a:schemeClr val="bg2">
@@ -18546,14 +20728,14 @@
           <a:effectLst/>
           <a:extLst>
             <a:ext uri="{909E8E84-426E-40dd-AFC4-6F175D3DCCD1}">
-              <a14:hiddenFill xmlns="" xmlns:a14="http://schemas.microsoft.com/office/drawing/2010/main">
+              <a14:hiddenFill xmlns:a14="http://schemas.microsoft.com/office/drawing/2010/main" xmlns="">
                 <a:solidFill>
                   <a:schemeClr val="accent1"/>
                 </a:solidFill>
               </a14:hiddenFill>
             </a:ext>
             <a:ext uri="{91240B29-F687-4f45-9708-019B960494DF}">
-              <a14:hiddenLine xmlns="" xmlns:a14="http://schemas.microsoft.com/office/drawing/2010/main" w="9525">
+              <a14:hiddenLine xmlns:a14="http://schemas.microsoft.com/office/drawing/2010/main" xmlns="" w="9525">
                 <a:solidFill>
                   <a:schemeClr val="tx1"/>
                 </a:solidFill>
@@ -18563,7 +20745,7 @@
               </a14:hiddenLine>
             </a:ext>
             <a:ext uri="{AF507438-7753-43e0-B8FC-AC1667EBCBE1}">
-              <a14:hiddenEffects xmlns="" xmlns:a14="http://schemas.microsoft.com/office/drawing/2010/main">
+              <a14:hiddenEffects xmlns:a14="http://schemas.microsoft.com/office/drawing/2010/main" xmlns="">
                 <a:effectLst>
                   <a:outerShdw blurRad="63500" dist="38099" dir="2700000" algn="ctr" rotWithShape="0">
                     <a:schemeClr val="bg2">
@@ -18637,14 +20819,14 @@
           <a:effectLst/>
           <a:extLst>
             <a:ext uri="{909E8E84-426E-40dd-AFC4-6F175D3DCCD1}">
-              <a14:hiddenFill xmlns="" xmlns:a14="http://schemas.microsoft.com/office/drawing/2010/main">
+              <a14:hiddenFill xmlns:a14="http://schemas.microsoft.com/office/drawing/2010/main" xmlns="">
                 <a:solidFill>
                   <a:schemeClr val="accent1"/>
                 </a:solidFill>
               </a14:hiddenFill>
             </a:ext>
             <a:ext uri="{91240B29-F687-4f45-9708-019B960494DF}">
-              <a14:hiddenLine xmlns="" xmlns:a14="http://schemas.microsoft.com/office/drawing/2010/main" w="9525">
+              <a14:hiddenLine xmlns:a14="http://schemas.microsoft.com/office/drawing/2010/main" xmlns="" w="9525">
                 <a:solidFill>
                   <a:schemeClr val="tx1"/>
                 </a:solidFill>
@@ -18654,7 +20836,7 @@
               </a14:hiddenLine>
             </a:ext>
             <a:ext uri="{AF507438-7753-43e0-B8FC-AC1667EBCBE1}">
-              <a14:hiddenEffects xmlns="" xmlns:a14="http://schemas.microsoft.com/office/drawing/2010/main">
+              <a14:hiddenEffects xmlns:a14="http://schemas.microsoft.com/office/drawing/2010/main" xmlns="">
                 <a:effectLst>
                   <a:outerShdw blurRad="63500" dist="38099" dir="2700000" algn="ctr" rotWithShape="0">
                     <a:schemeClr val="bg2">
@@ -18724,12 +20906,12 @@
           <a:effectLst/>
           <a:extLst>
             <a:ext uri="{909E8E84-426E-40dd-AFC4-6F175D3DCCD1}">
-              <a14:hiddenFill xmlns="" xmlns:a14="http://schemas.microsoft.com/office/drawing/2010/main">
+              <a14:hiddenFill xmlns:a14="http://schemas.microsoft.com/office/drawing/2010/main" xmlns="">
                 <a:noFill/>
               </a14:hiddenFill>
             </a:ext>
             <a:ext uri="{AF507438-7753-43e0-B8FC-AC1667EBCBE1}">
-              <a14:hiddenEffects xmlns="" xmlns:a14="http://schemas.microsoft.com/office/drawing/2010/main">
+              <a14:hiddenEffects xmlns:a14="http://schemas.microsoft.com/office/drawing/2010/main" xmlns="">
                 <a:effectLst>
                   <a:outerShdw blurRad="63500" dist="38099" dir="2700000" algn="ctr" rotWithShape="0">
                     <a:schemeClr val="bg2">
@@ -18783,14 +20965,14 @@
           <a:effectLst/>
           <a:extLst>
             <a:ext uri="{909E8E84-426E-40dd-AFC4-6F175D3DCCD1}">
-              <a14:hiddenFill xmlns="" xmlns:a14="http://schemas.microsoft.com/office/drawing/2010/main">
+              <a14:hiddenFill xmlns:a14="http://schemas.microsoft.com/office/drawing/2010/main" xmlns="">
                 <a:solidFill>
                   <a:schemeClr val="accent1"/>
                 </a:solidFill>
               </a14:hiddenFill>
             </a:ext>
             <a:ext uri="{91240B29-F687-4f45-9708-019B960494DF}">
-              <a14:hiddenLine xmlns="" xmlns:a14="http://schemas.microsoft.com/office/drawing/2010/main" w="9525">
+              <a14:hiddenLine xmlns:a14="http://schemas.microsoft.com/office/drawing/2010/main" xmlns="" w="9525">
                 <a:solidFill>
                   <a:schemeClr val="tx1"/>
                 </a:solidFill>
@@ -18800,7 +20982,7 @@
               </a14:hiddenLine>
             </a:ext>
             <a:ext uri="{AF507438-7753-43e0-B8FC-AC1667EBCBE1}">
-              <a14:hiddenEffects xmlns="" xmlns:a14="http://schemas.microsoft.com/office/drawing/2010/main">
+              <a14:hiddenEffects xmlns:a14="http://schemas.microsoft.com/office/drawing/2010/main" xmlns="">
                 <a:effectLst>
                   <a:outerShdw blurRad="63500" dist="38099" dir="2700000" algn="ctr" rotWithShape="0">
                     <a:schemeClr val="bg2">
@@ -18865,14 +21047,14 @@
           <a:effectLst/>
           <a:extLst>
             <a:ext uri="{909E8E84-426E-40dd-AFC4-6F175D3DCCD1}">
-              <a14:hiddenFill xmlns="" xmlns:a14="http://schemas.microsoft.com/office/drawing/2010/main">
+              <a14:hiddenFill xmlns:a14="http://schemas.microsoft.com/office/drawing/2010/main" xmlns="">
                 <a:solidFill>
                   <a:schemeClr val="accent1"/>
                 </a:solidFill>
               </a14:hiddenFill>
             </a:ext>
             <a:ext uri="{91240B29-F687-4f45-9708-019B960494DF}">
-              <a14:hiddenLine xmlns="" xmlns:a14="http://schemas.microsoft.com/office/drawing/2010/main" w="9525">
+              <a14:hiddenLine xmlns:a14="http://schemas.microsoft.com/office/drawing/2010/main" xmlns="" w="9525">
                 <a:solidFill>
                   <a:schemeClr val="tx1"/>
                 </a:solidFill>
@@ -18882,7 +21064,7 @@
               </a14:hiddenLine>
             </a:ext>
             <a:ext uri="{AF507438-7753-43e0-B8FC-AC1667EBCBE1}">
-              <a14:hiddenEffects xmlns="" xmlns:a14="http://schemas.microsoft.com/office/drawing/2010/main">
+              <a14:hiddenEffects xmlns:a14="http://schemas.microsoft.com/office/drawing/2010/main" xmlns="">
                 <a:effectLst>
                   <a:outerShdw blurRad="63500" dist="38099" dir="2700000" algn="ctr" rotWithShape="0">
                     <a:schemeClr val="bg2">
@@ -18961,12 +21143,12 @@
           <a:effectLst/>
           <a:extLst>
             <a:ext uri="{909E8E84-426E-40dd-AFC4-6F175D3DCCD1}">
-              <a14:hiddenFill xmlns="" xmlns:a14="http://schemas.microsoft.com/office/drawing/2010/main">
+              <a14:hiddenFill xmlns:a14="http://schemas.microsoft.com/office/drawing/2010/main" xmlns="">
                 <a:noFill/>
               </a14:hiddenFill>
             </a:ext>
             <a:ext uri="{AF507438-7753-43e0-B8FC-AC1667EBCBE1}">
-              <a14:hiddenEffects xmlns="" xmlns:a14="http://schemas.microsoft.com/office/drawing/2010/main">
+              <a14:hiddenEffects xmlns:a14="http://schemas.microsoft.com/office/drawing/2010/main" xmlns="">
                 <a:effectLst>
                   <a:outerShdw blurRad="63500" dist="38099" dir="2700000" algn="ctr" rotWithShape="0">
                     <a:schemeClr val="bg2">
@@ -34373,14 +36555,14 @@
           <a:effectLst/>
           <a:extLst>
             <a:ext uri="{909E8E84-426E-40dd-AFC4-6F175D3DCCD1}">
-              <a14:hiddenFill xmlns="" xmlns:a14="http://schemas.microsoft.com/office/drawing/2010/main">
+              <a14:hiddenFill xmlns:a14="http://schemas.microsoft.com/office/drawing/2010/main" xmlns="">
                 <a:solidFill>
                   <a:schemeClr val="accent1"/>
                 </a:solidFill>
               </a14:hiddenFill>
             </a:ext>
             <a:ext uri="{91240B29-F687-4f45-9708-019B960494DF}">
-              <a14:hiddenLine xmlns="" xmlns:a14="http://schemas.microsoft.com/office/drawing/2010/main" w="9525">
+              <a14:hiddenLine xmlns:a14="http://schemas.microsoft.com/office/drawing/2010/main" xmlns="" w="9525">
                 <a:solidFill>
                   <a:schemeClr val="tx1"/>
                 </a:solidFill>
@@ -34390,7 +36572,7 @@
               </a14:hiddenLine>
             </a:ext>
             <a:ext uri="{AF507438-7753-43e0-B8FC-AC1667EBCBE1}">
-              <a14:hiddenEffects xmlns="" xmlns:a14="http://schemas.microsoft.com/office/drawing/2010/main">
+              <a14:hiddenEffects xmlns:a14="http://schemas.microsoft.com/office/drawing/2010/main" xmlns="">
                 <a:effectLst>
                   <a:outerShdw blurRad="63500" dist="38099" dir="2700000" algn="ctr" rotWithShape="0">
                     <a:schemeClr val="bg2">
@@ -34543,12 +36725,12 @@
           <a:effectLst/>
           <a:extLst>
             <a:ext uri="{909E8E84-426E-40dd-AFC4-6F175D3DCCD1}">
-              <a14:hiddenFill xmlns="" xmlns:a14="http://schemas.microsoft.com/office/drawing/2010/main">
+              <a14:hiddenFill xmlns:a14="http://schemas.microsoft.com/office/drawing/2010/main" xmlns="">
                 <a:noFill/>
               </a14:hiddenFill>
             </a:ext>
             <a:ext uri="{AF507438-7753-43e0-B8FC-AC1667EBCBE1}">
-              <a14:hiddenEffects xmlns="" xmlns:a14="http://schemas.microsoft.com/office/drawing/2010/main">
+              <a14:hiddenEffects xmlns:a14="http://schemas.microsoft.com/office/drawing/2010/main" xmlns="">
                 <a:effectLst>
                   <a:outerShdw blurRad="63500" dist="38099" dir="2700000" algn="ctr" rotWithShape="0">
                     <a:schemeClr val="bg2">
@@ -34607,12 +36789,12 @@
           <a:effectLst/>
           <a:extLst>
             <a:ext uri="{909E8E84-426E-40dd-AFC4-6F175D3DCCD1}">
-              <a14:hiddenFill xmlns="" xmlns:a14="http://schemas.microsoft.com/office/drawing/2010/main">
+              <a14:hiddenFill xmlns:a14="http://schemas.microsoft.com/office/drawing/2010/main" xmlns="">
                 <a:noFill/>
               </a14:hiddenFill>
             </a:ext>
             <a:ext uri="{AF507438-7753-43e0-B8FC-AC1667EBCBE1}">
-              <a14:hiddenEffects xmlns="" xmlns:a14="http://schemas.microsoft.com/office/drawing/2010/main">
+              <a14:hiddenEffects xmlns:a14="http://schemas.microsoft.com/office/drawing/2010/main" xmlns="">
                 <a:effectLst>
                   <a:outerShdw blurRad="63500" dist="38099" dir="2700000" algn="ctr" rotWithShape="0">
                     <a:schemeClr val="bg2">
@@ -34671,12 +36853,12 @@
           <a:effectLst/>
           <a:extLst>
             <a:ext uri="{909E8E84-426E-40dd-AFC4-6F175D3DCCD1}">
-              <a14:hiddenFill xmlns="" xmlns:a14="http://schemas.microsoft.com/office/drawing/2010/main">
+              <a14:hiddenFill xmlns:a14="http://schemas.microsoft.com/office/drawing/2010/main" xmlns="">
                 <a:noFill/>
               </a14:hiddenFill>
             </a:ext>
             <a:ext uri="{AF507438-7753-43e0-B8FC-AC1667EBCBE1}">
-              <a14:hiddenEffects xmlns="" xmlns:a14="http://schemas.microsoft.com/office/drawing/2010/main">
+              <a14:hiddenEffects xmlns:a14="http://schemas.microsoft.com/office/drawing/2010/main" xmlns="">
                 <a:effectLst>
                   <a:outerShdw blurRad="63500" dist="38099" dir="2700000" algn="ctr" rotWithShape="0">
                     <a:schemeClr val="bg2">
@@ -34735,12 +36917,12 @@
           <a:effectLst/>
           <a:extLst>
             <a:ext uri="{909E8E84-426E-40dd-AFC4-6F175D3DCCD1}">
-              <a14:hiddenFill xmlns="" xmlns:a14="http://schemas.microsoft.com/office/drawing/2010/main">
+              <a14:hiddenFill xmlns:a14="http://schemas.microsoft.com/office/drawing/2010/main" xmlns="">
                 <a:noFill/>
               </a14:hiddenFill>
             </a:ext>
             <a:ext uri="{AF507438-7753-43e0-B8FC-AC1667EBCBE1}">
-              <a14:hiddenEffects xmlns="" xmlns:a14="http://schemas.microsoft.com/office/drawing/2010/main">
+              <a14:hiddenEffects xmlns:a14="http://schemas.microsoft.com/office/drawing/2010/main" xmlns="">
                 <a:effectLst>
                   <a:outerShdw blurRad="63500" dist="38099" dir="2700000" algn="ctr" rotWithShape="0">
                     <a:schemeClr val="bg2">
